--- a/05-faster_feedback_with_unit_testing.pptx
+++ b/05-faster_feedback_with_unit_testing.pptx
@@ -6,10 +6,10 @@
     <p:sldMasterId id="2147483847" r:id="rId6"/>
   </p:sldMasterIdLst>
   <p:notesMasterIdLst>
-    <p:notesMasterId r:id="rId47"/>
+    <p:notesMasterId r:id="rId48"/>
   </p:notesMasterIdLst>
   <p:handoutMasterIdLst>
-    <p:handoutMasterId r:id="rId48"/>
+    <p:handoutMasterId r:id="rId49"/>
   </p:handoutMasterIdLst>
   <p:sldIdLst>
     <p:sldId id="256" r:id="rId7"/>
@@ -29,29 +29,30 @@
     <p:sldId id="285" r:id="rId21"/>
     <p:sldId id="279" r:id="rId22"/>
     <p:sldId id="286" r:id="rId23"/>
-    <p:sldId id="287" r:id="rId24"/>
-    <p:sldId id="289" r:id="rId25"/>
-    <p:sldId id="310" r:id="rId26"/>
-    <p:sldId id="290" r:id="rId27"/>
-    <p:sldId id="280" r:id="rId28"/>
-    <p:sldId id="288" r:id="rId29"/>
-    <p:sldId id="291" r:id="rId30"/>
-    <p:sldId id="294" r:id="rId31"/>
-    <p:sldId id="300" r:id="rId32"/>
-    <p:sldId id="295" r:id="rId33"/>
-    <p:sldId id="296" r:id="rId34"/>
-    <p:sldId id="301" r:id="rId35"/>
-    <p:sldId id="292" r:id="rId36"/>
-    <p:sldId id="311" r:id="rId37"/>
-    <p:sldId id="293" r:id="rId38"/>
-    <p:sldId id="297" r:id="rId39"/>
-    <p:sldId id="298" r:id="rId40"/>
-    <p:sldId id="299" r:id="rId41"/>
-    <p:sldId id="312" r:id="rId42"/>
-    <p:sldId id="275" r:id="rId43"/>
-    <p:sldId id="276" r:id="rId44"/>
-    <p:sldId id="313" r:id="rId45"/>
-    <p:sldId id="267" r:id="rId46"/>
+    <p:sldId id="314" r:id="rId24"/>
+    <p:sldId id="287" r:id="rId25"/>
+    <p:sldId id="289" r:id="rId26"/>
+    <p:sldId id="310" r:id="rId27"/>
+    <p:sldId id="290" r:id="rId28"/>
+    <p:sldId id="280" r:id="rId29"/>
+    <p:sldId id="288" r:id="rId30"/>
+    <p:sldId id="291" r:id="rId31"/>
+    <p:sldId id="294" r:id="rId32"/>
+    <p:sldId id="300" r:id="rId33"/>
+    <p:sldId id="295" r:id="rId34"/>
+    <p:sldId id="296" r:id="rId35"/>
+    <p:sldId id="301" r:id="rId36"/>
+    <p:sldId id="292" r:id="rId37"/>
+    <p:sldId id="311" r:id="rId38"/>
+    <p:sldId id="293" r:id="rId39"/>
+    <p:sldId id="297" r:id="rId40"/>
+    <p:sldId id="298" r:id="rId41"/>
+    <p:sldId id="299" r:id="rId42"/>
+    <p:sldId id="312" r:id="rId43"/>
+    <p:sldId id="275" r:id="rId44"/>
+    <p:sldId id="276" r:id="rId45"/>
+    <p:sldId id="313" r:id="rId46"/>
+    <p:sldId id="267" r:id="rId47"/>
   </p:sldIdLst>
   <p:sldSz cx="16256000" cy="9144000"/>
   <p:notesSz cx="6858000" cy="9144000"/>
@@ -1283,15 +1284,7 @@
             </a:r>
             <a:r>
               <a:rPr lang="en-US" baseline="0" dirty="0" smtClean="0"/>
-              <a:t> example groups to describe the cookbook's recipe. This is stating that the examples we defined within this outer example group all relate to the </a:t>
-            </a:r>
-            <a:r>
-              <a:rPr lang="en-US" baseline="0" dirty="0" smtClean="0"/>
-              <a:t>apache </a:t>
-            </a:r>
-            <a:r>
-              <a:rPr lang="en-US" baseline="0" dirty="0" smtClean="0"/>
-              <a:t>cookbook's default recipe. Within this example group we see another context that is defined. This time using the method 'context'. 'context' and 'describe' are exactly same in almost every way. A lot of developers like to use context as it more clearly states that the example group is focused on a particular scenario. In this instance the particular scenario we are going to be specifying examples in a scenario where all the attributes are default on an unspecified platform.</a:t>
+              <a:t> example groups to describe the cookbook's recipe. This is stating that the examples we defined within this outer example group all relate to the apache cookbook's default recipe. Within this example group we see another context that is defined. This time using the method 'context'. 'context' and 'describe' are exactly same in almost every way. A lot of developers like to use context as it more clearly states that the example group is focused on a particular scenario. In this instance the particular scenario we are going to be specifying examples in a scenario where all the attributes are default on an CentOS 6.7.</a:t>
             </a:r>
           </a:p>
           <a:p>
@@ -2053,23 +2046,7 @@
             </a:r>
             <a:r>
               <a:rPr lang="en-US" baseline="0" dirty="0" smtClean="0"/>
-              <a:t> default recipe we commented out the line that included the install recipe from the </a:t>
-            </a:r>
-            <a:r>
-              <a:rPr lang="en-US" baseline="0" dirty="0" smtClean="0"/>
-              <a:t>apache </a:t>
-            </a:r>
-            <a:r>
-              <a:rPr lang="en-US" baseline="0" dirty="0" smtClean="0"/>
-              <a:t>cookbook. This seems like an expectation that we want to define. When converging the default recipe we expect that the install recipe from the </a:t>
-            </a:r>
-            <a:r>
-              <a:rPr lang="en-US" baseline="0" dirty="0" smtClean="0"/>
-              <a:t>apache </a:t>
-            </a:r>
-            <a:r>
-              <a:rPr lang="en-US" baseline="0" dirty="0" smtClean="0"/>
-              <a:t>cookbook would be included.</a:t>
+              <a:t> default recipe we commented out the line that included the install recipe from the apache cookbook. This seems like an expectation that we want to define. When converging the default recipe we expect that the install recipe from the apache cookbook would be included.</a:t>
             </a:r>
           </a:p>
           <a:p>
@@ -2192,11 +2169,19 @@
           <a:p>
             <a:r>
               <a:rPr lang="en-US" dirty="0" smtClean="0"/>
-              <a:t>Returning</a:t>
+              <a:t>Recall</a:t>
             </a:r>
             <a:r>
               <a:rPr lang="en-US" baseline="0" dirty="0" smtClean="0"/>
-              <a:t> to the specification we can describe the example that we want to create without having to know how to define the expectation by defining an example without the block. RSpec treats these examples without the associated block as a pending test.</a:t>
+              <a:t> that unit tests are a check of the resource collection. So it actually does not matter what platform you specify here. Unit tests are only using those platform values to give you a generic set of </a:t>
+            </a:r>
+            <a:r>
+              <a:rPr lang="en-US" baseline="0" dirty="0" err="1" smtClean="0"/>
+              <a:t>Ohai</a:t>
+            </a:r>
+            <a:r>
+              <a:rPr lang="en-US" baseline="0" dirty="0" smtClean="0"/>
+              <a:t> data for that platform. If it's no harm, then why make this change?</a:t>
             </a:r>
           </a:p>
           <a:p>
@@ -2205,7 +2190,7 @@
           <a:p>
             <a:r>
               <a:rPr lang="en-US" baseline="0" dirty="0" smtClean="0"/>
-              <a:t>This is an incredibly useful feature when you want to start expressing your examples. This allows you to quickly identify all the examples without getting mired in the details of their implementation.</a:t>
+              <a:t>Because these tests are your documentation. To leave it as the default value would let your tests pass but they would give a conflicting message about where this cookbook can run. Ensuring the right platform becomes important when your recipes require switching on platforms.</a:t>
             </a:r>
           </a:p>
         </p:txBody>
@@ -2218,29 +2203,6 @@
           </p:cNvSpPr>
           <p:nvPr>
             <p:ph type="hdr" sz="quarter" idx="11"/>
-          </p:nvPr>
-        </p:nvSpPr>
-        <p:spPr/>
-        <p:txBody>
-          <a:bodyPr/>
-          <a:lstStyle/>
-          <a:p>
-            <a:r>
-              <a:rPr lang="en-US" smtClean="0"/>
-              <a:t>Chef Intermediate</a:t>
-            </a:r>
-            <a:endParaRPr lang="en-US"/>
-          </a:p>
-        </p:txBody>
-      </p:sp>
-      <p:sp>
-        <p:nvSpPr>
-          <p:cNvPr id="7" name="Date Placeholder 6"/>
-          <p:cNvSpPr>
-            <a:spLocks noGrp="1"/>
-          </p:cNvSpPr>
-          <p:nvPr>
-            <p:ph type="dt" idx="13"/>
           </p:nvPr>
         </p:nvSpPr>
         <p:spPr/>
@@ -2253,6 +2215,32 @@
             </a:pPr>
             <a:r>
               <a:rPr lang="en-US" smtClean="0"/>
+              <a:t>Chef Intermediate</a:t>
+            </a:r>
+            <a:endParaRPr lang="en-US"/>
+          </a:p>
+        </p:txBody>
+      </p:sp>
+      <p:sp>
+        <p:nvSpPr>
+          <p:cNvPr id="7" name="Date Placeholder 6"/>
+          <p:cNvSpPr>
+            <a:spLocks noGrp="1"/>
+          </p:cNvSpPr>
+          <p:nvPr>
+            <p:ph type="dt" idx="13"/>
+          </p:nvPr>
+        </p:nvSpPr>
+        <p:spPr/>
+        <p:txBody>
+          <a:bodyPr/>
+          <a:lstStyle/>
+          <a:p>
+            <a:pPr>
+              <a:defRPr/>
+            </a:pPr>
+            <a:r>
+              <a:rPr lang="en-US" smtClean="0"/>
               <a:t>Chef Software, Inc.</a:t>
             </a:r>
             <a:endParaRPr lang="en-US" dirty="0"/>
@@ -2262,7 +2250,7 @@
     </p:spTree>
     <p:extLst>
       <p:ext uri="{BB962C8B-B14F-4D97-AF65-F5344CB8AC3E}">
-        <p14:creationId xmlns:p14="http://schemas.microsoft.com/office/powerpoint/2010/main" val="959997917"/>
+        <p14:creationId xmlns:p14="http://schemas.microsoft.com/office/powerpoint/2010/main" val="1898651165"/>
       </p:ext>
     </p:extLst>
   </p:cSld>
@@ -2318,21 +2306,21 @@
           <a:p>
             <a:r>
               <a:rPr lang="en-US" dirty="0" smtClean="0"/>
-              <a:t>When</a:t>
+              <a:t>Returning</a:t>
             </a:r>
             <a:r>
               <a:rPr lang="en-US" baseline="0" dirty="0" smtClean="0"/>
-              <a:t> executing '</a:t>
-            </a:r>
-            <a:r>
-              <a:rPr lang="en-US" baseline="0" dirty="0" err="1" smtClean="0"/>
-              <a:t>rspec</a:t>
-            </a:r>
+              <a:t> to the specification we can describe the example that we want to create without having to know how to define the expectation by defining an example without the block. RSpec treats these examples without the associated block as a pending test.</a:t>
+            </a:r>
+          </a:p>
+          <a:p>
+            <a:endParaRPr lang="en-US" baseline="0" dirty="0" smtClean="0"/>
+          </a:p>
+          <a:p>
             <a:r>
               <a:rPr lang="en-US" baseline="0" dirty="0" smtClean="0"/>
-              <a:t>' again we should see the new pending example that we defined within the specification file.</a:t>
-            </a:r>
-            <a:endParaRPr lang="en-US" dirty="0"/>
+              <a:t>This is an incredibly useful feature when you want to start expressing your examples. This allows you to quickly identify all the examples without getting mired in the details of their implementation.</a:t>
+            </a:r>
           </a:p>
         </p:txBody>
       </p:sp>
@@ -2388,7 +2376,7 @@
     </p:spTree>
     <p:extLst>
       <p:ext uri="{BB962C8B-B14F-4D97-AF65-F5344CB8AC3E}">
-        <p14:creationId xmlns:p14="http://schemas.microsoft.com/office/powerpoint/2010/main" val="818933796"/>
+        <p14:creationId xmlns:p14="http://schemas.microsoft.com/office/powerpoint/2010/main" val="959997917"/>
       </p:ext>
     </p:extLst>
   </p:cSld>
@@ -2556,12 +2544,20 @@
           <a:lstStyle/>
           <a:p>
             <a:r>
-              <a:rPr lang="en-US" dirty="0" err="1" smtClean="0"/>
-              <a:t>RSpec's</a:t>
+              <a:rPr lang="en-US" dirty="0" smtClean="0"/>
+              <a:t>When</a:t>
             </a:r>
             <a:r>
               <a:rPr lang="en-US" baseline="0" dirty="0" smtClean="0"/>
-              <a:t> pending summary is similar to the failure summary. The pending examples are identified and then finally they are collected together in list. Each pending example will show the words you used in the description text in a single sentence. Below that it will state the example is not yet implemented and then finally display the file path and line number of where it can be found.</a:t>
+              <a:t> executing '</a:t>
+            </a:r>
+            <a:r>
+              <a:rPr lang="en-US" baseline="0" dirty="0" err="1" smtClean="0"/>
+              <a:t>rspec</a:t>
+            </a:r>
+            <a:r>
+              <a:rPr lang="en-US" baseline="0" dirty="0" smtClean="0"/>
+              <a:t>' again we should see the new pending example that we defined within the specification file.</a:t>
             </a:r>
             <a:endParaRPr lang="en-US" dirty="0"/>
           </a:p>
@@ -2619,7 +2615,7 @@
     </p:spTree>
     <p:extLst>
       <p:ext uri="{BB962C8B-B14F-4D97-AF65-F5344CB8AC3E}">
-        <p14:creationId xmlns:p14="http://schemas.microsoft.com/office/powerpoint/2010/main" val="1373360581"/>
+        <p14:creationId xmlns:p14="http://schemas.microsoft.com/office/powerpoint/2010/main" val="818933796"/>
       </p:ext>
     </p:extLst>
   </p:cSld>
@@ -2674,12 +2670,12 @@
           <a:lstStyle/>
           <a:p>
             <a:r>
-              <a:rPr lang="en-US" dirty="0" smtClean="0"/>
-              <a:t>The summary will</a:t>
+              <a:rPr lang="en-US" dirty="0" err="1" smtClean="0"/>
+              <a:t>RSpec's</a:t>
             </a:r>
             <a:r>
               <a:rPr lang="en-US" baseline="0" dirty="0" smtClean="0"/>
-              <a:t> now display that an additional example has been added and it will be reported as being set to pending.</a:t>
+              <a:t> pending summary is similar to the failure summary. The pending examples are identified and then finally they are collected together in list. Each pending example will show the words you used in the description text in a single sentence. Below that it will state the example is not yet implemented and then finally display the file path and line number of where it can be found.</a:t>
             </a:r>
             <a:endParaRPr lang="en-US" dirty="0"/>
           </a:p>
@@ -2737,7 +2733,7 @@
     </p:spTree>
     <p:extLst>
       <p:ext uri="{BB962C8B-B14F-4D97-AF65-F5344CB8AC3E}">
-        <p14:creationId xmlns:p14="http://schemas.microsoft.com/office/powerpoint/2010/main" val="597615749"/>
+        <p14:creationId xmlns:p14="http://schemas.microsoft.com/office/powerpoint/2010/main" val="1373360581"/>
       </p:ext>
     </p:extLst>
   </p:cSld>
@@ -2793,11 +2789,11 @@
           <a:p>
             <a:r>
               <a:rPr lang="en-US" dirty="0" smtClean="0"/>
-              <a:t>Now that we have defined</a:t>
+              <a:t>The summary will</a:t>
             </a:r>
             <a:r>
               <a:rPr lang="en-US" baseline="0" dirty="0" smtClean="0"/>
-              <a:t> the pending example, setting up the work for ourselves, it is time to learn how to express the expectation.</a:t>
+              <a:t> now display that an additional example has been added and it will be reported as being set to pending.</a:t>
             </a:r>
             <a:endParaRPr lang="en-US" dirty="0"/>
           </a:p>
@@ -2855,7 +2851,7 @@
     </p:spTree>
     <p:extLst>
       <p:ext uri="{BB962C8B-B14F-4D97-AF65-F5344CB8AC3E}">
-        <p14:creationId xmlns:p14="http://schemas.microsoft.com/office/powerpoint/2010/main" val="1681440210"/>
+        <p14:creationId xmlns:p14="http://schemas.microsoft.com/office/powerpoint/2010/main" val="597615749"/>
       </p:ext>
     </p:extLst>
   </p:cSld>
@@ -2911,61 +2907,13 @@
           <a:p>
             <a:r>
               <a:rPr lang="en-US" dirty="0" smtClean="0"/>
-              <a:t>To</a:t>
+              <a:t>Now that we have defined</a:t>
             </a:r>
             <a:r>
               <a:rPr lang="en-US" baseline="0" dirty="0" smtClean="0"/>
-              <a:t> understand how to express an expectation we need to go to the documentation. The </a:t>
-            </a:r>
-            <a:r>
-              <a:rPr lang="en-US" baseline="0" dirty="0" err="1" smtClean="0"/>
-              <a:t>ChefSpec</a:t>
-            </a:r>
-            <a:r>
-              <a:rPr lang="en-US" baseline="0" dirty="0" smtClean="0"/>
-              <a:t> README provides a wealth of examples in the README. In the past an '</a:t>
-            </a:r>
-            <a:r>
-              <a:rPr lang="en-US" baseline="0" dirty="0" err="1" smtClean="0"/>
-              <a:t>include_recipe</a:t>
-            </a:r>
-            <a:r>
-              <a:rPr lang="en-US" baseline="0" dirty="0" smtClean="0"/>
-              <a:t>' example has been one of the many examples shared in the README. Use the search feature of your browser to find it within the document.</a:t>
-            </a:r>
-          </a:p>
-          <a:p>
-            <a:endParaRPr lang="en-US" baseline="0" dirty="0" smtClean="0"/>
-          </a:p>
-          <a:p>
-            <a:r>
-              <a:rPr lang="en-US" baseline="0" dirty="0" smtClean="0"/>
-              <a:t>If it is not there, the </a:t>
-            </a:r>
-            <a:r>
-              <a:rPr lang="en-US" baseline="0" dirty="0" err="1" smtClean="0"/>
-              <a:t>ChefSpec</a:t>
-            </a:r>
-            <a:r>
-              <a:rPr lang="en-US" baseline="0" dirty="0" smtClean="0"/>
-              <a:t> project has a top-level folder named 'examples' which contains examples for nearly every feature that </a:t>
-            </a:r>
-            <a:r>
-              <a:rPr lang="en-US" baseline="0" dirty="0" err="1" smtClean="0"/>
-              <a:t>ChefSpec</a:t>
-            </a:r>
-            <a:r>
-              <a:rPr lang="en-US" baseline="0" dirty="0" smtClean="0"/>
-              <a:t> is able to define expectations. Searching through there you will find a folder titled '</a:t>
-            </a:r>
-            <a:r>
-              <a:rPr lang="en-US" baseline="0" dirty="0" err="1" smtClean="0"/>
-              <a:t>include_recipe</a:t>
-            </a:r>
-            <a:r>
-              <a:rPr lang="en-US" baseline="0" dirty="0" smtClean="0"/>
-              <a:t>', within it should a folder the shows the recipes and the matching specifications.</a:t>
-            </a:r>
+              <a:t> the pending example, setting up the work for ourselves, it is time to learn how to express the expectation.</a:t>
+            </a:r>
+            <a:endParaRPr lang="en-US" dirty="0"/>
           </a:p>
         </p:txBody>
       </p:sp>
@@ -3021,7 +2969,7 @@
     </p:spTree>
     <p:extLst>
       <p:ext uri="{BB962C8B-B14F-4D97-AF65-F5344CB8AC3E}">
-        <p14:creationId xmlns:p14="http://schemas.microsoft.com/office/powerpoint/2010/main" val="346876424"/>
+        <p14:creationId xmlns:p14="http://schemas.microsoft.com/office/powerpoint/2010/main" val="1681440210"/>
       </p:ext>
     </p:extLst>
   </p:cSld>
@@ -3077,19 +3025,60 @@
           <a:p>
             <a:r>
               <a:rPr lang="en-US" dirty="0" smtClean="0"/>
-              <a:t>Returning</a:t>
+              <a:t>To</a:t>
             </a:r>
             <a:r>
               <a:rPr lang="en-US" baseline="0" dirty="0" smtClean="0"/>
-              <a:t> to the specification file we now need to expand the example to include the expectation we want to write. To do that we add a 'do' to the end of the example. We move to the next line, indent two spaces and then define the following expectation. The expectation uses a natural language way of expressing the expectation. Here we are expressing the expectation that the '</a:t>
+              <a:t> understand how to express an expectation we need to go to the documentation. The </a:t>
             </a:r>
             <a:r>
               <a:rPr lang="en-US" baseline="0" dirty="0" err="1" smtClean="0"/>
-              <a:t>chef_run</a:t>
+              <a:t>ChefSpec</a:t>
             </a:r>
             <a:r>
               <a:rPr lang="en-US" baseline="0" dirty="0" smtClean="0"/>
-              <a:t>' includes the recipe with the specified name.</a:t>
+              <a:t> README provides a wealth of examples in the README. In the past an '</a:t>
+            </a:r>
+            <a:r>
+              <a:rPr lang="en-US" baseline="0" dirty="0" err="1" smtClean="0"/>
+              <a:t>include_recipe</a:t>
+            </a:r>
+            <a:r>
+              <a:rPr lang="en-US" baseline="0" dirty="0" smtClean="0"/>
+              <a:t>' example has been one of the many examples shared in the README. Use the search feature of your browser to find it within the document.</a:t>
+            </a:r>
+          </a:p>
+          <a:p>
+            <a:endParaRPr lang="en-US" baseline="0" dirty="0" smtClean="0"/>
+          </a:p>
+          <a:p>
+            <a:r>
+              <a:rPr lang="en-US" baseline="0" dirty="0" smtClean="0"/>
+              <a:t>If it is not there, the </a:t>
+            </a:r>
+            <a:r>
+              <a:rPr lang="en-US" baseline="0" dirty="0" err="1" smtClean="0"/>
+              <a:t>ChefSpec</a:t>
+            </a:r>
+            <a:r>
+              <a:rPr lang="en-US" baseline="0" dirty="0" smtClean="0"/>
+              <a:t> project has a top-level folder named 'examples' which contains examples for nearly every feature that </a:t>
+            </a:r>
+            <a:r>
+              <a:rPr lang="en-US" baseline="0" dirty="0" err="1" smtClean="0"/>
+              <a:t>ChefSpec</a:t>
+            </a:r>
+            <a:r>
+              <a:rPr lang="en-US" baseline="0" dirty="0" smtClean="0"/>
+              <a:t> is able to define expectations. Searching through there you will find a folder titled '</a:t>
+            </a:r>
+            <a:r>
+              <a:rPr lang="en-US" baseline="0" dirty="0" err="1" smtClean="0"/>
+              <a:t>include_recipe</a:t>
+            </a:r>
+            <a:r>
+              <a:rPr lang="en-US" baseline="0" dirty="0" smtClean="0"/>
+              <a:t>', within it should a folder the shows the recipes and the matching specifications.</a:t>
             </a:r>
           </a:p>
         </p:txBody>
@@ -3146,7 +3135,7 @@
     </p:spTree>
     <p:extLst>
       <p:ext uri="{BB962C8B-B14F-4D97-AF65-F5344CB8AC3E}">
-        <p14:creationId xmlns:p14="http://schemas.microsoft.com/office/powerpoint/2010/main" val="1228298597"/>
+        <p14:creationId xmlns:p14="http://schemas.microsoft.com/office/powerpoint/2010/main" val="346876424"/>
       </p:ext>
     </p:extLst>
   </p:cSld>
@@ -3202,28 +3191,19 @@
           <a:p>
             <a:r>
               <a:rPr lang="en-US" dirty="0" smtClean="0"/>
-              <a:t>With</a:t>
+              <a:t>Returning</a:t>
             </a:r>
             <a:r>
               <a:rPr lang="en-US" baseline="0" dirty="0" smtClean="0"/>
-              <a:t> the example defined with the expectation when we execute '</a:t>
+              <a:t> to the specification file we now need to expand the example to include the expectation we want to write. To do that we add a 'do' to the end of the example. We move to the next line, indent two spaces and then define the following expectation. The expectation uses a natural language way of expressing the expectation. Here we are expressing the expectation that the '</a:t>
             </a:r>
             <a:r>
               <a:rPr lang="en-US" baseline="0" dirty="0" err="1" smtClean="0"/>
-              <a:t>rspec</a:t>
+              <a:t>chef_run</a:t>
             </a:r>
             <a:r>
               <a:rPr lang="en-US" baseline="0" dirty="0" smtClean="0"/>
-              <a:t>' we see the failure that eluded us we ran 'kitchen converge &amp; verify' on an existing very quickly.</a:t>
-            </a:r>
-          </a:p>
-          <a:p>
-            <a:endParaRPr lang="en-US" baseline="0" dirty="0" smtClean="0"/>
-          </a:p>
-          <a:p>
-            <a:r>
-              <a:rPr lang="en-US" baseline="0" dirty="0" smtClean="0"/>
-              <a:t>The failure summary here is similar to the failure summary return by RSpec when employed by Test Kitchen. The example is displayed, the expectation is expressed, the failure to meet expectation and file name and line number within the file where to find the expectation.</a:t>
+              <a:t>' includes the recipe with the specified name.</a:t>
             </a:r>
           </a:p>
         </p:txBody>
@@ -3280,7 +3260,7 @@
     </p:spTree>
     <p:extLst>
       <p:ext uri="{BB962C8B-B14F-4D97-AF65-F5344CB8AC3E}">
-        <p14:creationId xmlns:p14="http://schemas.microsoft.com/office/powerpoint/2010/main" val="254221168"/>
+        <p14:creationId xmlns:p14="http://schemas.microsoft.com/office/powerpoint/2010/main" val="1228298597"/>
       </p:ext>
     </p:extLst>
   </p:cSld>
@@ -3336,11 +3316,28 @@
           <a:p>
             <a:r>
               <a:rPr lang="en-US" dirty="0" smtClean="0"/>
-              <a:t>Now</a:t>
+              <a:t>With</a:t>
             </a:r>
             <a:r>
               <a:rPr lang="en-US" baseline="0" dirty="0" smtClean="0"/>
-              <a:t> that we have a failing test it is time to fix the problem.</a:t>
+              <a:t> the example defined with the expectation when we execute '</a:t>
+            </a:r>
+            <a:r>
+              <a:rPr lang="en-US" baseline="0" dirty="0" err="1" smtClean="0"/>
+              <a:t>rspec</a:t>
+            </a:r>
+            <a:r>
+              <a:rPr lang="en-US" baseline="0" dirty="0" smtClean="0"/>
+              <a:t>' we see the failure that eluded us we ran 'kitchen converge &amp; verify' on an existing very quickly.</a:t>
+            </a:r>
+          </a:p>
+          <a:p>
+            <a:endParaRPr lang="en-US" baseline="0" dirty="0" smtClean="0"/>
+          </a:p>
+          <a:p>
+            <a:r>
+              <a:rPr lang="en-US" baseline="0" dirty="0" smtClean="0"/>
+              <a:t>The failure summary here is similar to the failure summary return by RSpec when employed by Test Kitchen. The example is displayed, the expectation is expressed, the failure to meet expectation and file name and line number within the file where to find the expectation.</a:t>
             </a:r>
           </a:p>
         </p:txBody>
@@ -3397,7 +3394,7 @@
     </p:spTree>
     <p:extLst>
       <p:ext uri="{BB962C8B-B14F-4D97-AF65-F5344CB8AC3E}">
-        <p14:creationId xmlns:p14="http://schemas.microsoft.com/office/powerpoint/2010/main" val="1350196693"/>
+        <p14:creationId xmlns:p14="http://schemas.microsoft.com/office/powerpoint/2010/main" val="254221168"/>
       </p:ext>
     </p:extLst>
   </p:cSld>
@@ -3453,13 +3450,12 @@
           <a:p>
             <a:r>
               <a:rPr lang="en-US" dirty="0" smtClean="0"/>
-              <a:t>Returning</a:t>
+              <a:t>Now</a:t>
             </a:r>
             <a:r>
               <a:rPr lang="en-US" baseline="0" dirty="0" smtClean="0"/>
-              <a:t> to the default recipe it is time to restore the code that we previously commented out.</a:t>
-            </a:r>
-            <a:endParaRPr lang="en-US" dirty="0"/>
+              <a:t> that we have a failing test it is time to fix the problem.</a:t>
+            </a:r>
           </a:p>
         </p:txBody>
       </p:sp>
@@ -3515,7 +3511,7 @@
     </p:spTree>
     <p:extLst>
       <p:ext uri="{BB962C8B-B14F-4D97-AF65-F5344CB8AC3E}">
-        <p14:creationId xmlns:p14="http://schemas.microsoft.com/office/powerpoint/2010/main" val="296121402"/>
+        <p14:creationId xmlns:p14="http://schemas.microsoft.com/office/powerpoint/2010/main" val="1350196693"/>
       </p:ext>
     </p:extLst>
   </p:cSld>
@@ -3571,19 +3567,11 @@
           <a:p>
             <a:r>
               <a:rPr lang="en-US" dirty="0" smtClean="0"/>
-              <a:t>Executing</a:t>
+              <a:t>Returning</a:t>
             </a:r>
             <a:r>
               <a:rPr lang="en-US" baseline="0" dirty="0" smtClean="0"/>
-              <a:t> '</a:t>
-            </a:r>
-            <a:r>
-              <a:rPr lang="en-US" baseline="0" dirty="0" err="1" smtClean="0"/>
-              <a:t>rspec</a:t>
-            </a:r>
-            <a:r>
-              <a:rPr lang="en-US" baseline="0" dirty="0" smtClean="0"/>
-              <a:t>' one more time should show the previous failing example now as a passing example.</a:t>
+              <a:t> to the default recipe it is time to restore the code that we previously commented out.</a:t>
             </a:r>
             <a:endParaRPr lang="en-US" dirty="0"/>
           </a:p>
@@ -3641,7 +3629,7 @@
     </p:spTree>
     <p:extLst>
       <p:ext uri="{BB962C8B-B14F-4D97-AF65-F5344CB8AC3E}">
-        <p14:creationId xmlns:p14="http://schemas.microsoft.com/office/powerpoint/2010/main" val="1192793315"/>
+        <p14:creationId xmlns:p14="http://schemas.microsoft.com/office/powerpoint/2010/main" val="296121402"/>
       </p:ext>
     </p:extLst>
   </p:cSld>
@@ -3697,21 +3685,21 @@
           <a:p>
             <a:r>
               <a:rPr lang="en-US" dirty="0" smtClean="0"/>
-              <a:t>Now we</a:t>
+              <a:t>Executing</a:t>
             </a:r>
             <a:r>
               <a:rPr lang="en-US" baseline="0" dirty="0" smtClean="0"/>
-              <a:t> can confidently state that the default recipe includes the install recipe and we can receive this verification in a faster feedback cycle then we saw with running 'kitchen test'.</a:t>
-            </a:r>
-          </a:p>
-          <a:p>
-            <a:endParaRPr lang="en-US" baseline="0" dirty="0" smtClean="0"/>
-          </a:p>
-          <a:p>
+              <a:t> '</a:t>
+            </a:r>
+            <a:r>
+              <a:rPr lang="en-US" baseline="0" dirty="0" err="1" smtClean="0"/>
+              <a:t>rspec</a:t>
+            </a:r>
             <a:r>
               <a:rPr lang="en-US" baseline="0" dirty="0" smtClean="0"/>
-              <a:t>Mutation testing is not Test Driven Development (TDD) but the act that we performed was fairly close. This is a tactic that is useful when you are writing expectations for already defined recipes for existing cookbooks or when it feels near impossible to start with the tests first. This process does one of the important aspects of TDD which is ensure the expectations we set correctly capture the state of the code.</a:t>
-            </a:r>
+              <a:t>' one more time should show the previous failing example now as a passing example.</a:t>
+            </a:r>
+            <a:endParaRPr lang="en-US" dirty="0"/>
           </a:p>
         </p:txBody>
       </p:sp>
@@ -3767,7 +3755,7 @@
     </p:spTree>
     <p:extLst>
       <p:ext uri="{BB962C8B-B14F-4D97-AF65-F5344CB8AC3E}">
-        <p14:creationId xmlns:p14="http://schemas.microsoft.com/office/powerpoint/2010/main" val="517400460"/>
+        <p14:creationId xmlns:p14="http://schemas.microsoft.com/office/powerpoint/2010/main" val="1192793315"/>
       </p:ext>
     </p:extLst>
   </p:cSld>
@@ -3941,11 +3929,11 @@
           <a:p>
             <a:r>
               <a:rPr lang="en-US" dirty="0" smtClean="0"/>
-              <a:t>There</a:t>
+              <a:t>Now we</a:t>
             </a:r>
             <a:r>
               <a:rPr lang="en-US" baseline="0" dirty="0" smtClean="0"/>
-              <a:t> are few more chances to reinforce this process. As an exercise continue mutating the code within the default recipe, defining the expectations, and then fixing the code. Create a single mutation at a time and become focus on understanding the process of moving between files and executing commands.</a:t>
+              <a:t> can confidently state that the default recipe includes the install recipe and we can receive this verification in a faster feedback cycle then we saw with running 'kitchen test'.</a:t>
             </a:r>
           </a:p>
           <a:p>
@@ -3954,23 +3942,8 @@
           <a:p>
             <a:r>
               <a:rPr lang="en-US" baseline="0" dirty="0" smtClean="0"/>
-              <a:t>Instructor Note: Allow 10 minutes to complete this exercise</a:t>
-            </a:r>
-            <a:endParaRPr lang="en-US" dirty="0" smtClean="0"/>
-          </a:p>
-          <a:p>
-            <a:endParaRPr lang="en-US" dirty="0" smtClean="0"/>
-          </a:p>
-          <a:p>
-            <a:r>
-              <a:rPr lang="en-US" dirty="0" smtClean="0"/>
-              <a:t>Instructor Note: The learners could accomplish</a:t>
-            </a:r>
-            <a:r>
-              <a:rPr lang="en-US" baseline="0" dirty="0" smtClean="0"/>
-              <a:t> both of tasks at the same time. They likely will want to do that. I would encourage you have them perform the steps separately as it will emphasize the activity of moving between the recipe, the specification file, and their shell.</a:t>
-            </a:r>
-            <a:endParaRPr lang="en-US" dirty="0"/>
+              <a:t>Mutation testing is not Test Driven Development (TDD) but the act that we performed was fairly close. This is a tactic that is useful when you are writing expectations for already defined recipes for existing cookbooks or when it feels near impossible to start with the tests first. This process does one of the important aspects of TDD which is ensure the expectations we set correctly capture the state of the code.</a:t>
+            </a:r>
           </a:p>
         </p:txBody>
       </p:sp>
@@ -4026,7 +3999,7 @@
     </p:spTree>
     <p:extLst>
       <p:ext uri="{BB962C8B-B14F-4D97-AF65-F5344CB8AC3E}">
-        <p14:creationId xmlns:p14="http://schemas.microsoft.com/office/powerpoint/2010/main" val="788244517"/>
+        <p14:creationId xmlns:p14="http://schemas.microsoft.com/office/powerpoint/2010/main" val="517400460"/>
       </p:ext>
     </p:extLst>
   </p:cSld>
@@ -4082,12 +4055,36 @@
           <a:p>
             <a:r>
               <a:rPr lang="en-US" dirty="0" smtClean="0"/>
-              <a:t>Let's</a:t>
+              <a:t>There</a:t>
             </a:r>
             <a:r>
               <a:rPr lang="en-US" baseline="0" dirty="0" smtClean="0"/>
-              <a:t> review by walking through one more example within the default recipe. Another line within the recipe is similar to the first one except it is concerned with the inclusion of the configuration recipe. Here it is commented out.</a:t>
-            </a:r>
+              <a:t> are few more chances to reinforce this process. As an exercise continue mutating the code within the default recipe, defining the expectations, and then fixing the code. Create a single mutation at a time and become focus on understanding the process of moving between files and executing commands.</a:t>
+            </a:r>
+          </a:p>
+          <a:p>
+            <a:endParaRPr lang="en-US" baseline="0" dirty="0" smtClean="0"/>
+          </a:p>
+          <a:p>
+            <a:r>
+              <a:rPr lang="en-US" baseline="0" dirty="0" smtClean="0"/>
+              <a:t>Instructor Note: Allow 10 minutes to complete this exercise</a:t>
+            </a:r>
+            <a:endParaRPr lang="en-US" dirty="0" smtClean="0"/>
+          </a:p>
+          <a:p>
+            <a:endParaRPr lang="en-US" dirty="0" smtClean="0"/>
+          </a:p>
+          <a:p>
+            <a:r>
+              <a:rPr lang="en-US" dirty="0" smtClean="0"/>
+              <a:t>Instructor Note: The learners could accomplish</a:t>
+            </a:r>
+            <a:r>
+              <a:rPr lang="en-US" baseline="0" dirty="0" smtClean="0"/>
+              <a:t> both of tasks at the same time. They likely will want to do that. I would encourage you have them perform the steps separately as it will emphasize the activity of moving between the recipe, the specification file, and their shell.</a:t>
+            </a:r>
+            <a:endParaRPr lang="en-US" dirty="0"/>
           </a:p>
         </p:txBody>
       </p:sp>
@@ -4143,7 +4140,7 @@
     </p:spTree>
     <p:extLst>
       <p:ext uri="{BB962C8B-B14F-4D97-AF65-F5344CB8AC3E}">
-        <p14:creationId xmlns:p14="http://schemas.microsoft.com/office/powerpoint/2010/main" val="352817487"/>
+        <p14:creationId xmlns:p14="http://schemas.microsoft.com/office/powerpoint/2010/main" val="788244517"/>
       </p:ext>
     </p:extLst>
   </p:cSld>
@@ -4199,13 +4196,12 @@
           <a:p>
             <a:r>
               <a:rPr lang="en-US" dirty="0" smtClean="0"/>
-              <a:t>Returning</a:t>
+              <a:t>Let's</a:t>
             </a:r>
             <a:r>
               <a:rPr lang="en-US" baseline="0" dirty="0" smtClean="0"/>
-              <a:t> to the specification file to define the example and the new expectation.</a:t>
-            </a:r>
-            <a:endParaRPr lang="en-US" dirty="0"/>
+              <a:t> review by walking through one more example within the default recipe. Another line within the recipe is similar to the first one except it is concerned with the inclusion of the configuration recipe. Here it is commented out.</a:t>
+            </a:r>
           </a:p>
         </p:txBody>
       </p:sp>
@@ -4261,7 +4257,7 @@
     </p:spTree>
     <p:extLst>
       <p:ext uri="{BB962C8B-B14F-4D97-AF65-F5344CB8AC3E}">
-        <p14:creationId xmlns:p14="http://schemas.microsoft.com/office/powerpoint/2010/main" val="198978876"/>
+        <p14:creationId xmlns:p14="http://schemas.microsoft.com/office/powerpoint/2010/main" val="352817487"/>
       </p:ext>
     </p:extLst>
   </p:cSld>
@@ -4317,27 +4313,11 @@
           <a:p>
             <a:r>
               <a:rPr lang="en-US" dirty="0" smtClean="0"/>
-              <a:t>Seeing the failure</a:t>
+              <a:t>Returning</a:t>
             </a:r>
             <a:r>
               <a:rPr lang="en-US" baseline="0" dirty="0" smtClean="0"/>
-              <a:t> when executing </a:t>
-            </a:r>
-            <a:r>
-              <a:rPr lang="en-US" baseline="0" dirty="0" err="1" smtClean="0"/>
-              <a:t>te</a:t>
-            </a:r>
-            <a:r>
-              <a:rPr lang="en-US" baseline="0" dirty="0" smtClean="0"/>
-              <a:t> '</a:t>
-            </a:r>
-            <a:r>
-              <a:rPr lang="en-US" baseline="0" dirty="0" err="1" smtClean="0"/>
-              <a:t>rspec</a:t>
-            </a:r>
-            <a:r>
-              <a:rPr lang="en-US" baseline="0" dirty="0" smtClean="0"/>
-              <a:t>' command.</a:t>
+              <a:t> to the specification file to define the example and the new expectation.</a:t>
             </a:r>
             <a:endParaRPr lang="en-US" dirty="0"/>
           </a:p>
@@ -4395,7 +4375,7 @@
     </p:spTree>
     <p:extLst>
       <p:ext uri="{BB962C8B-B14F-4D97-AF65-F5344CB8AC3E}">
-        <p14:creationId xmlns:p14="http://schemas.microsoft.com/office/powerpoint/2010/main" val="1802792857"/>
+        <p14:creationId xmlns:p14="http://schemas.microsoft.com/office/powerpoint/2010/main" val="198978876"/>
       </p:ext>
     </p:extLst>
   </p:cSld>
@@ -4451,11 +4431,27 @@
           <a:p>
             <a:r>
               <a:rPr lang="en-US" dirty="0" smtClean="0"/>
-              <a:t>Restoring</a:t>
+              <a:t>Seeing the failure</a:t>
             </a:r>
             <a:r>
               <a:rPr lang="en-US" baseline="0" dirty="0" smtClean="0"/>
-              <a:t> the code to its previous state</a:t>
+              <a:t> when executing </a:t>
+            </a:r>
+            <a:r>
+              <a:rPr lang="en-US" baseline="0" dirty="0" err="1" smtClean="0"/>
+              <a:t>te</a:t>
+            </a:r>
+            <a:r>
+              <a:rPr lang="en-US" baseline="0" dirty="0" smtClean="0"/>
+              <a:t> '</a:t>
+            </a:r>
+            <a:r>
+              <a:rPr lang="en-US" baseline="0" dirty="0" err="1" smtClean="0"/>
+              <a:t>rspec</a:t>
+            </a:r>
+            <a:r>
+              <a:rPr lang="en-US" baseline="0" dirty="0" smtClean="0"/>
+              <a:t>' command.</a:t>
             </a:r>
             <a:endParaRPr lang="en-US" dirty="0"/>
           </a:p>
@@ -4513,7 +4509,7 @@
     </p:spTree>
     <p:extLst>
       <p:ext uri="{BB962C8B-B14F-4D97-AF65-F5344CB8AC3E}">
-        <p14:creationId xmlns:p14="http://schemas.microsoft.com/office/powerpoint/2010/main" val="692772076"/>
+        <p14:creationId xmlns:p14="http://schemas.microsoft.com/office/powerpoint/2010/main" val="1802792857"/>
       </p:ext>
     </p:extLst>
   </p:cSld>
@@ -4569,19 +4565,11 @@
           <a:p>
             <a:r>
               <a:rPr lang="en-US" dirty="0" smtClean="0"/>
-              <a:t>Executing</a:t>
+              <a:t>Restoring</a:t>
             </a:r>
             <a:r>
               <a:rPr lang="en-US" baseline="0" dirty="0" smtClean="0"/>
-              <a:t> '</a:t>
-            </a:r>
-            <a:r>
-              <a:rPr lang="en-US" baseline="0" dirty="0" err="1" smtClean="0"/>
-              <a:t>rspec</a:t>
-            </a:r>
-            <a:r>
-              <a:rPr lang="en-US" baseline="0" dirty="0" smtClean="0"/>
-              <a:t>' again to verify that the expectations have been met successfully</a:t>
+              <a:t> the code to its previous state</a:t>
             </a:r>
             <a:endParaRPr lang="en-US" dirty="0"/>
           </a:p>
@@ -4639,7 +4627,7 @@
     </p:spTree>
     <p:extLst>
       <p:ext uri="{BB962C8B-B14F-4D97-AF65-F5344CB8AC3E}">
-        <p14:creationId xmlns:p14="http://schemas.microsoft.com/office/powerpoint/2010/main" val="1911430945"/>
+        <p14:creationId xmlns:p14="http://schemas.microsoft.com/office/powerpoint/2010/main" val="692772076"/>
       </p:ext>
     </p:extLst>
   </p:cSld>
@@ -4695,46 +4683,21 @@
           <a:p>
             <a:r>
               <a:rPr lang="en-US" dirty="0" smtClean="0"/>
-              <a:t>There</a:t>
+              <a:t>Executing</a:t>
             </a:r>
             <a:r>
               <a:rPr lang="en-US" baseline="0" dirty="0" smtClean="0"/>
-              <a:t> are more mutations that you could try within the default recipe and other recipe files that exist within the cookbook but this is a good point to stop and enjoy the work that you have accomplished.</a:t>
-            </a:r>
-          </a:p>
-          <a:p>
-            <a:endParaRPr lang="en-US" baseline="0" dirty="0" smtClean="0"/>
-          </a:p>
-          <a:p>
+              <a:t> '</a:t>
+            </a:r>
+            <a:r>
+              <a:rPr lang="en-US" baseline="0" dirty="0" err="1" smtClean="0"/>
+              <a:t>rspec</a:t>
+            </a:r>
             <a:r>
               <a:rPr lang="en-US" baseline="0" dirty="0" smtClean="0"/>
-              <a:t>The feedback cycle on using </a:t>
-            </a:r>
-            <a:r>
-              <a:rPr lang="en-US" baseline="0" dirty="0" err="1" smtClean="0"/>
-              <a:t>Rspec</a:t>
-            </a:r>
-            <a:r>
-              <a:rPr lang="en-US" baseline="0" dirty="0" smtClean="0"/>
-              <a:t> to execute </a:t>
-            </a:r>
-            <a:r>
-              <a:rPr lang="en-US" baseline="0" dirty="0" err="1" smtClean="0"/>
-              <a:t>ChefSpec</a:t>
-            </a:r>
-            <a:r>
-              <a:rPr lang="en-US" baseline="0" dirty="0" smtClean="0"/>
-              <a:t> examples returns results faster than we saw with Test Kitchen and gives us a good understanding of what is being added to the 'Resource Collection'.</a:t>
-            </a:r>
-          </a:p>
-          <a:p>
-            <a:endParaRPr lang="en-US" baseline="0" dirty="0" smtClean="0"/>
-          </a:p>
-          <a:p>
-            <a:r>
-              <a:rPr lang="en-US" baseline="0" dirty="0" smtClean="0"/>
-              <a:t>Let's have a discussion.</a:t>
-            </a:r>
+              <a:t>' again to verify that the expectations have been met successfully</a:t>
+            </a:r>
+            <a:endParaRPr lang="en-US" dirty="0"/>
           </a:p>
         </p:txBody>
       </p:sp>
@@ -4790,7 +4753,7 @@
     </p:spTree>
     <p:extLst>
       <p:ext uri="{BB962C8B-B14F-4D97-AF65-F5344CB8AC3E}">
-        <p14:creationId xmlns:p14="http://schemas.microsoft.com/office/powerpoint/2010/main" val="252104607"/>
+        <p14:creationId xmlns:p14="http://schemas.microsoft.com/office/powerpoint/2010/main" val="1911430945"/>
       </p:ext>
     </p:extLst>
   </p:cSld>
@@ -4844,31 +4807,48 @@
           <a:bodyPr/>
           <a:lstStyle/>
           <a:p>
-            <a:pPr marL="0" marR="0" indent="0" algn="l" defTabSz="1217613" rtl="0" eaLnBrk="1" fontAlgn="base" latinLnBrk="0" hangingPunct="1">
-              <a:lnSpc>
-                <a:spcPct val="90000"/>
-              </a:lnSpc>
-              <a:spcBef>
-                <a:spcPct val="30000"/>
-              </a:spcBef>
-              <a:spcAft>
-                <a:spcPts val="450"/>
-              </a:spcAft>
-              <a:buClrTx/>
-              <a:buSzTx/>
-              <a:buFontTx/>
-              <a:buNone/>
-              <a:tabLst/>
-              <a:defRPr/>
-            </a:pPr>
+            <a:r>
+              <a:rPr lang="en-US" dirty="0" smtClean="0"/>
+              <a:t>There</a:t>
+            </a:r>
             <a:r>
               <a:rPr lang="en-US" baseline="0" dirty="0" smtClean="0"/>
-              <a:t>Instructor Note: With large groups I often find it better to have individuals turn to the individuals around them, form groups of whatever size they feel comfortable, and have them take turns asking and answering the questions. When all the groups are done I then open the discussion up to the entire group allowing each group or individuals to share their answers.</a:t>
-            </a:r>
-            <a:endParaRPr lang="en-US" dirty="0" smtClean="0"/>
-          </a:p>
-          <a:p>
-            <a:endParaRPr lang="en-US" dirty="0" smtClean="0"/>
+              <a:t> are more mutations that you could try within the default recipe and other recipe files that exist within the cookbook but this is a good point to stop and enjoy the work that you have accomplished.</a:t>
+            </a:r>
+          </a:p>
+          <a:p>
+            <a:endParaRPr lang="en-US" baseline="0" dirty="0" smtClean="0"/>
+          </a:p>
+          <a:p>
+            <a:r>
+              <a:rPr lang="en-US" baseline="0" dirty="0" smtClean="0"/>
+              <a:t>The feedback cycle on using </a:t>
+            </a:r>
+            <a:r>
+              <a:rPr lang="en-US" baseline="0" dirty="0" err="1" smtClean="0"/>
+              <a:t>Rspec</a:t>
+            </a:r>
+            <a:r>
+              <a:rPr lang="en-US" baseline="0" dirty="0" smtClean="0"/>
+              <a:t> to execute </a:t>
+            </a:r>
+            <a:r>
+              <a:rPr lang="en-US" baseline="0" dirty="0" err="1" smtClean="0"/>
+              <a:t>ChefSpec</a:t>
+            </a:r>
+            <a:r>
+              <a:rPr lang="en-US" baseline="0" dirty="0" smtClean="0"/>
+              <a:t> examples returns results faster than we saw with Test Kitchen and gives us a good understanding of what is being added to the 'Resource Collection'.</a:t>
+            </a:r>
+          </a:p>
+          <a:p>
+            <a:endParaRPr lang="en-US" baseline="0" dirty="0" smtClean="0"/>
+          </a:p>
+          <a:p>
+            <a:r>
+              <a:rPr lang="en-US" baseline="0" dirty="0" smtClean="0"/>
+              <a:t>Let's have a discussion.</a:t>
+            </a:r>
           </a:p>
         </p:txBody>
       </p:sp>
@@ -4924,7 +4904,7 @@
     </p:spTree>
     <p:extLst>
       <p:ext uri="{BB962C8B-B14F-4D97-AF65-F5344CB8AC3E}">
-        <p14:creationId xmlns:p14="http://schemas.microsoft.com/office/powerpoint/2010/main" val="1212017142"/>
+        <p14:creationId xmlns:p14="http://schemas.microsoft.com/office/powerpoint/2010/main" val="252104607"/>
       </p:ext>
     </p:extLst>
   </p:cSld>
@@ -4996,13 +4976,12 @@
               <a:defRPr/>
             </a:pPr>
             <a:r>
-              <a:rPr lang="en-US" dirty="0" smtClean="0"/>
-              <a:t>Before</a:t>
-            </a:r>
-            <a:r>
               <a:rPr lang="en-US" baseline="0" dirty="0" smtClean="0"/>
-              <a:t> we complete this section, let us pause for questions.</a:t>
-            </a:r>
+              <a:t>Instructor Note: With large groups I often find it better to have individuals turn to the individuals around them, form groups of whatever size they feel comfortable, and have them take turns asking and answering the questions. When all the groups are done I then open the discussion up to the entire group allowing each group or individuals to share their answers.</a:t>
+            </a:r>
+            <a:endParaRPr lang="en-US" dirty="0" smtClean="0"/>
+          </a:p>
+          <a:p>
             <a:endParaRPr lang="en-US" dirty="0" smtClean="0"/>
           </a:p>
         </p:txBody>
@@ -5059,7 +5038,7 @@
     </p:spTree>
     <p:extLst>
       <p:ext uri="{BB962C8B-B14F-4D97-AF65-F5344CB8AC3E}">
-        <p14:creationId xmlns:p14="http://schemas.microsoft.com/office/powerpoint/2010/main" val="1489713799"/>
+        <p14:creationId xmlns:p14="http://schemas.microsoft.com/office/powerpoint/2010/main" val="1212017142"/>
       </p:ext>
     </p:extLst>
   </p:cSld>
@@ -5131,14 +5110,14 @@
               <a:defRPr/>
             </a:pPr>
             <a:r>
+              <a:rPr lang="en-US" dirty="0" smtClean="0"/>
+              <a:t>Before</a:t>
+            </a:r>
+            <a:r>
               <a:rPr lang="en-US" baseline="0" dirty="0" smtClean="0"/>
-              <a:t>We have the faster feedback that we set out to create for us at the beginning of this section. We were able to verify the work being performed in the default recipe. Now it is time to focus our attention on the remaining recipes with in the cookbook and set up </a:t>
-            </a:r>
-            <a:r>
-              <a:rPr lang="en-US" baseline="0" smtClean="0"/>
-              <a:t>expectations on the resources that they define.</a:t>
-            </a:r>
-            <a:endParaRPr lang="en-US" baseline="0" dirty="0" smtClean="0"/>
+              <a:t> we complete this section, let us pause for questions.</a:t>
+            </a:r>
+            <a:endParaRPr lang="en-US" dirty="0" smtClean="0"/>
           </a:p>
         </p:txBody>
       </p:sp>
@@ -5194,7 +5173,7 @@
     </p:spTree>
     <p:extLst>
       <p:ext uri="{BB962C8B-B14F-4D97-AF65-F5344CB8AC3E}">
-        <p14:creationId xmlns:p14="http://schemas.microsoft.com/office/powerpoint/2010/main" val="1795607784"/>
+        <p14:creationId xmlns:p14="http://schemas.microsoft.com/office/powerpoint/2010/main" val="1489713799"/>
       </p:ext>
     </p:extLst>
   </p:cSld>
@@ -5316,6 +5295,141 @@
     <p:extLst>
       <p:ext uri="{BB962C8B-B14F-4D97-AF65-F5344CB8AC3E}">
         <p14:creationId xmlns:p14="http://schemas.microsoft.com/office/powerpoint/2010/main" val="1662854024"/>
+      </p:ext>
+    </p:extLst>
+  </p:cSld>
+  <p:clrMapOvr>
+    <a:masterClrMapping/>
+  </p:clrMapOvr>
+</p:notes>
+</file>
+
+<file path=ppt/notesSlides/notesSlide40.xml><?xml version="1.0" encoding="utf-8"?>
+<p:notes xmlns:a="http://schemas.openxmlformats.org/drawingml/2006/main" xmlns:r="http://schemas.openxmlformats.org/officeDocument/2006/relationships" xmlns:p="http://schemas.openxmlformats.org/presentationml/2006/main">
+  <p:cSld>
+    <p:spTree>
+      <p:nvGrpSpPr>
+        <p:cNvPr id="1" name=""/>
+        <p:cNvGrpSpPr/>
+        <p:nvPr/>
+      </p:nvGrpSpPr>
+      <p:grpSpPr>
+        <a:xfrm>
+          <a:off x="0" y="0"/>
+          <a:ext cx="0" cy="0"/>
+          <a:chOff x="0" y="0"/>
+          <a:chExt cx="0" cy="0"/>
+        </a:xfrm>
+      </p:grpSpPr>
+      <p:sp>
+        <p:nvSpPr>
+          <p:cNvPr id="2" name="Slide Image Placeholder 1"/>
+          <p:cNvSpPr>
+            <a:spLocks noGrp="1" noRot="1" noChangeAspect="1"/>
+          </p:cNvSpPr>
+          <p:nvPr>
+            <p:ph type="sldImg"/>
+          </p:nvPr>
+        </p:nvSpPr>
+        <p:spPr/>
+      </p:sp>
+      <p:sp>
+        <p:nvSpPr>
+          <p:cNvPr id="3" name="Notes Placeholder 2"/>
+          <p:cNvSpPr>
+            <a:spLocks noGrp="1"/>
+          </p:cNvSpPr>
+          <p:nvPr>
+            <p:ph type="body" idx="1"/>
+          </p:nvPr>
+        </p:nvSpPr>
+        <p:spPr/>
+        <p:txBody>
+          <a:bodyPr/>
+          <a:lstStyle/>
+          <a:p>
+            <a:pPr marL="0" marR="0" indent="0" algn="l" defTabSz="1217613" rtl="0" eaLnBrk="1" fontAlgn="base" latinLnBrk="0" hangingPunct="1">
+              <a:lnSpc>
+                <a:spcPct val="90000"/>
+              </a:lnSpc>
+              <a:spcBef>
+                <a:spcPct val="30000"/>
+              </a:spcBef>
+              <a:spcAft>
+                <a:spcPts val="450"/>
+              </a:spcAft>
+              <a:buClrTx/>
+              <a:buSzTx/>
+              <a:buFontTx/>
+              <a:buNone/>
+              <a:tabLst/>
+              <a:defRPr/>
+            </a:pPr>
+            <a:r>
+              <a:rPr lang="en-US" baseline="0" dirty="0" smtClean="0"/>
+              <a:t>We have the faster feedback that we set out to create for us at the beginning of this section. We were able to verify the work being performed in the default recipe. Now it is time to focus our attention on the remaining recipes with in the cookbook and set up </a:t>
+            </a:r>
+            <a:r>
+              <a:rPr lang="en-US" baseline="0" smtClean="0"/>
+              <a:t>expectations on the resources that they define.</a:t>
+            </a:r>
+            <a:endParaRPr lang="en-US" baseline="0" dirty="0" smtClean="0"/>
+          </a:p>
+        </p:txBody>
+      </p:sp>
+      <p:sp>
+        <p:nvSpPr>
+          <p:cNvPr id="5" name="Header Placeholder 4"/>
+          <p:cNvSpPr>
+            <a:spLocks noGrp="1"/>
+          </p:cNvSpPr>
+          <p:nvPr>
+            <p:ph type="hdr" sz="quarter" idx="11"/>
+          </p:nvPr>
+        </p:nvSpPr>
+        <p:spPr/>
+        <p:txBody>
+          <a:bodyPr/>
+          <a:lstStyle/>
+          <a:p>
+            <a:r>
+              <a:rPr lang="en-US" smtClean="0"/>
+              <a:t>Chef Intermediate</a:t>
+            </a:r>
+            <a:endParaRPr lang="en-US"/>
+          </a:p>
+        </p:txBody>
+      </p:sp>
+      <p:sp>
+        <p:nvSpPr>
+          <p:cNvPr id="7" name="Date Placeholder 6"/>
+          <p:cNvSpPr>
+            <a:spLocks noGrp="1"/>
+          </p:cNvSpPr>
+          <p:nvPr>
+            <p:ph type="dt" idx="13"/>
+          </p:nvPr>
+        </p:nvSpPr>
+        <p:spPr/>
+        <p:txBody>
+          <a:bodyPr/>
+          <a:lstStyle/>
+          <a:p>
+            <a:pPr>
+              <a:defRPr/>
+            </a:pPr>
+            <a:r>
+              <a:rPr lang="en-US" smtClean="0"/>
+              <a:t>Chef Software, Inc.</a:t>
+            </a:r>
+            <a:endParaRPr lang="en-US" dirty="0"/>
+          </a:p>
+        </p:txBody>
+      </p:sp>
+    </p:spTree>
+    <p:extLst>
+      <p:ext uri="{BB962C8B-B14F-4D97-AF65-F5344CB8AC3E}">
+        <p14:creationId xmlns:p14="http://schemas.microsoft.com/office/powerpoint/2010/main" val="1795607784"/>
       </p:ext>
     </p:extLst>
   </p:cSld>
@@ -14035,21 +14149,25 @@
           <a:p>
             <a:r>
               <a:rPr lang="en-US" dirty="0" smtClean="0"/>
-              <a:t>describe </a:t>
-            </a:r>
-            <a:r>
-              <a:rPr lang="en-US" dirty="0" smtClean="0"/>
-              <a:t>'apache::</a:t>
-            </a:r>
-            <a:r>
-              <a:rPr lang="en-US" dirty="0" smtClean="0"/>
-              <a:t>default' do</a:t>
-            </a:r>
-          </a:p>
-          <a:p>
-            <a:r>
-              <a:rPr lang="en-US" dirty="0" smtClean="0"/>
-              <a:t>  context 'When all attributes are default, on an unspecified platform' do</a:t>
+              <a:t>describe 'apache::default' do</a:t>
+            </a:r>
+          </a:p>
+          <a:p>
+            <a:r>
+              <a:rPr lang="en-US" dirty="0" smtClean="0"/>
+              <a:t>  context 'When all attributes are default, on </a:t>
+            </a:r>
+            <a:r>
+              <a:rPr lang="en-US" dirty="0" smtClean="0"/>
+              <a:t>an Ubuntu 16.04</a:t>
+            </a:r>
+            <a:r>
+              <a:rPr lang="en-US" dirty="0" smtClean="0"/>
+              <a:t>' </a:t>
+            </a:r>
+            <a:r>
+              <a:rPr lang="en-US" dirty="0" smtClean="0"/>
+              <a:t>do</a:t>
             </a:r>
           </a:p>
           <a:p>
@@ -14069,19 +14187,39 @@
           <a:p>
             <a:r>
               <a:rPr lang="en-US" dirty="0" smtClean="0"/>
-              <a:t>      runner = </a:t>
-            </a:r>
-            <a:r>
-              <a:rPr lang="en-US" dirty="0" err="1" smtClean="0"/>
+              <a:t>      </a:t>
+            </a:r>
+            <a:r>
+              <a:rPr lang="en-US" dirty="0"/>
+              <a:t>runner = </a:t>
+            </a:r>
+            <a:r>
+              <a:rPr lang="en-US" dirty="0" err="1"/>
               <a:t>ChefSpec</a:t>
             </a:r>
             <a:r>
-              <a:rPr lang="en-US" dirty="0" smtClean="0"/>
+              <a:rPr lang="en-US" dirty="0"/>
               <a:t>::</a:t>
             </a:r>
             <a:r>
-              <a:rPr lang="en-US" dirty="0" err="1" smtClean="0"/>
+              <a:rPr lang="en-US" dirty="0" err="1"/>
               <a:t>ServerRunner.new</a:t>
+            </a:r>
+            <a:r>
+              <a:rPr lang="en-US" dirty="0"/>
+              <a:t>(platform: </a:t>
+            </a:r>
+            <a:r>
+              <a:rPr lang="en-US" dirty="0" err="1"/>
+              <a:t>ubuntu</a:t>
+            </a:r>
+            <a:r>
+              <a:rPr lang="en-US" dirty="0"/>
+              <a:t>',version: '16.04 </a:t>
+            </a:r>
+            <a:r>
+              <a:rPr lang="en-US" dirty="0" smtClean="0"/>
+              <a:t>')</a:t>
             </a:r>
             <a:endParaRPr lang="en-US" dirty="0" smtClean="0"/>
           </a:p>
@@ -14296,21 +14434,21 @@
           <a:p>
             <a:r>
               <a:rPr lang="en-US" dirty="0" smtClean="0"/>
-              <a:t>describe </a:t>
-            </a:r>
-            <a:r>
-              <a:rPr lang="en-US" dirty="0" smtClean="0"/>
-              <a:t>'apache::</a:t>
-            </a:r>
-            <a:r>
-              <a:rPr lang="en-US" dirty="0" smtClean="0"/>
-              <a:t>default' do</a:t>
-            </a:r>
-          </a:p>
-          <a:p>
-            <a:r>
-              <a:rPr lang="en-US" dirty="0" smtClean="0"/>
-              <a:t>  context 'When all attributes are default, on an unspecified platform' do</a:t>
+              <a:t>describe 'apache::default' do</a:t>
+            </a:r>
+          </a:p>
+          <a:p>
+            <a:r>
+              <a:rPr lang="en-US" dirty="0" smtClean="0"/>
+              <a:t>  context 'When all attributes are default, on an </a:t>
+            </a:r>
+            <a:r>
+              <a:rPr lang="en-US" dirty="0" smtClean="0"/>
+              <a:t>Ubuntu 16.04' </a:t>
+            </a:r>
+            <a:r>
+              <a:rPr lang="en-US" dirty="0" smtClean="0"/>
+              <a:t>do</a:t>
             </a:r>
           </a:p>
           <a:p>
@@ -14330,21 +14468,41 @@
           <a:p>
             <a:r>
               <a:rPr lang="en-US" dirty="0" smtClean="0"/>
-              <a:t>      runner = </a:t>
-            </a:r>
-            <a:r>
-              <a:rPr lang="en-US" dirty="0" err="1" smtClean="0"/>
+              <a:t>      </a:t>
+            </a:r>
+            <a:r>
+              <a:rPr lang="en-US" dirty="0"/>
+              <a:t>runner = </a:t>
+            </a:r>
+            <a:r>
+              <a:rPr lang="en-US" dirty="0" err="1"/>
               <a:t>ChefSpec</a:t>
             </a:r>
             <a:r>
-              <a:rPr lang="en-US" dirty="0" smtClean="0"/>
+              <a:rPr lang="en-US" dirty="0"/>
               <a:t>::</a:t>
             </a:r>
             <a:r>
-              <a:rPr lang="en-US" dirty="0" err="1" smtClean="0"/>
+              <a:rPr lang="en-US" dirty="0" err="1"/>
               <a:t>ServerRunner.new</a:t>
             </a:r>
-            <a:endParaRPr lang="en-US" dirty="0" smtClean="0"/>
+            <a:r>
+              <a:rPr lang="en-US" dirty="0"/>
+              <a:t>(platform: </a:t>
+            </a:r>
+            <a:r>
+              <a:rPr lang="en-US" dirty="0" err="1"/>
+              <a:t>ubuntu</a:t>
+            </a:r>
+            <a:r>
+              <a:rPr lang="en-US" dirty="0"/>
+              <a:t>',version: '16.04 </a:t>
+            </a:r>
+            <a:r>
+              <a:rPr lang="en-US" dirty="0" smtClean="0"/>
+              <a:t>')</a:t>
+            </a:r>
+            <a:endParaRPr lang="en-US" dirty="0"/>
           </a:p>
           <a:p>
             <a:r>
@@ -14371,7 +14529,11 @@
           <a:p>
             <a:r>
               <a:rPr lang="en-US" dirty="0" smtClean="0"/>
-              <a:t>    end</a:t>
+              <a:t>    </a:t>
+            </a:r>
+            <a:r>
+              <a:rPr lang="en-US" dirty="0" smtClean="0"/>
+              <a:t>end</a:t>
             </a:r>
           </a:p>
           <a:p>
@@ -15193,21 +15355,21 @@
           <a:p>
             <a:r>
               <a:rPr lang="en-US" dirty="0" smtClean="0"/>
-              <a:t>describe </a:t>
-            </a:r>
-            <a:r>
-              <a:rPr lang="en-US" dirty="0" smtClean="0"/>
-              <a:t>'apache::</a:t>
-            </a:r>
-            <a:r>
-              <a:rPr lang="en-US" dirty="0" smtClean="0"/>
-              <a:t>default' do</a:t>
-            </a:r>
-          </a:p>
-          <a:p>
-            <a:r>
-              <a:rPr lang="en-US" dirty="0" smtClean="0"/>
-              <a:t>  context 'When all attributes are default, on an unspecified platform' do</a:t>
+              <a:t>describe 'apache::default' do</a:t>
+            </a:r>
+          </a:p>
+          <a:p>
+            <a:r>
+              <a:rPr lang="en-US" dirty="0" smtClean="0"/>
+              <a:t>  context 'When all attributes are default, on an </a:t>
+            </a:r>
+            <a:r>
+              <a:rPr lang="en-US" dirty="0" smtClean="0"/>
+              <a:t>Ubuntu 16.04' </a:t>
+            </a:r>
+            <a:r>
+              <a:rPr lang="en-US" dirty="0" smtClean="0"/>
+              <a:t>do</a:t>
             </a:r>
           </a:p>
           <a:p>
@@ -15227,19 +15389,39 @@
           <a:p>
             <a:r>
               <a:rPr lang="en-US" dirty="0" smtClean="0"/>
-              <a:t>      runner = </a:t>
-            </a:r>
-            <a:r>
-              <a:rPr lang="en-US" dirty="0" err="1" smtClean="0"/>
+              <a:t>      </a:t>
+            </a:r>
+            <a:r>
+              <a:rPr lang="en-US" dirty="0"/>
+              <a:t>runner = </a:t>
+            </a:r>
+            <a:r>
+              <a:rPr lang="en-US" dirty="0" err="1"/>
               <a:t>ChefSpec</a:t>
             </a:r>
             <a:r>
-              <a:rPr lang="en-US" dirty="0" smtClean="0"/>
+              <a:rPr lang="en-US" dirty="0"/>
               <a:t>::</a:t>
             </a:r>
             <a:r>
-              <a:rPr lang="en-US" dirty="0" err="1" smtClean="0"/>
+              <a:rPr lang="en-US" dirty="0" err="1"/>
               <a:t>ServerRunner.new</a:t>
+            </a:r>
+            <a:r>
+              <a:rPr lang="en-US" dirty="0"/>
+              <a:t>(platform: </a:t>
+            </a:r>
+            <a:r>
+              <a:rPr lang="en-US" dirty="0" err="1"/>
+              <a:t>ubuntu</a:t>
+            </a:r>
+            <a:r>
+              <a:rPr lang="en-US" dirty="0"/>
+              <a:t>',version: '16.04 </a:t>
+            </a:r>
+            <a:r>
+              <a:rPr lang="en-US" dirty="0" smtClean="0"/>
+              <a:t>')</a:t>
             </a:r>
             <a:endParaRPr lang="en-US" dirty="0" smtClean="0"/>
           </a:p>
@@ -15999,21 +16181,21 @@
           <a:p>
             <a:r>
               <a:rPr lang="en-US" dirty="0" smtClean="0"/>
-              <a:t>describe </a:t>
-            </a:r>
-            <a:r>
-              <a:rPr lang="en-US" dirty="0" smtClean="0"/>
-              <a:t>'apache::</a:t>
-            </a:r>
-            <a:r>
-              <a:rPr lang="en-US" dirty="0" smtClean="0"/>
-              <a:t>default' do</a:t>
-            </a:r>
-          </a:p>
-          <a:p>
-            <a:r>
-              <a:rPr lang="en-US" dirty="0" smtClean="0"/>
-              <a:t>  context 'When all attributes are default, on an unspecified platform' do</a:t>
+              <a:t>describe 'apache::default' do</a:t>
+            </a:r>
+          </a:p>
+          <a:p>
+            <a:r>
+              <a:rPr lang="en-US" dirty="0" smtClean="0"/>
+              <a:t>  context 'When all attributes are default, on an </a:t>
+            </a:r>
+            <a:r>
+              <a:rPr lang="en-US" dirty="0" smtClean="0"/>
+              <a:t>Ubuntu 16.04' </a:t>
+            </a:r>
+            <a:r>
+              <a:rPr lang="en-US" dirty="0" smtClean="0"/>
+              <a:t>do</a:t>
             </a:r>
           </a:p>
           <a:p>
@@ -16033,19 +16215,39 @@
           <a:p>
             <a:r>
               <a:rPr lang="en-US" dirty="0" smtClean="0"/>
-              <a:t>      runner = </a:t>
-            </a:r>
-            <a:r>
-              <a:rPr lang="en-US" dirty="0" err="1" smtClean="0"/>
+              <a:t>      </a:t>
+            </a:r>
+            <a:r>
+              <a:rPr lang="en-US" dirty="0"/>
+              <a:t>runner = </a:t>
+            </a:r>
+            <a:r>
+              <a:rPr lang="en-US" dirty="0" err="1"/>
               <a:t>ChefSpec</a:t>
             </a:r>
             <a:r>
-              <a:rPr lang="en-US" dirty="0" smtClean="0"/>
+              <a:rPr lang="en-US" dirty="0"/>
               <a:t>::</a:t>
             </a:r>
             <a:r>
-              <a:rPr lang="en-US" dirty="0" err="1" smtClean="0"/>
+              <a:rPr lang="en-US" dirty="0" err="1"/>
               <a:t>ServerRunner.new</a:t>
+            </a:r>
+            <a:r>
+              <a:rPr lang="en-US" dirty="0"/>
+              <a:t>(platform: </a:t>
+            </a:r>
+            <a:r>
+              <a:rPr lang="en-US" dirty="0" err="1"/>
+              <a:t>ubuntu</a:t>
+            </a:r>
+            <a:r>
+              <a:rPr lang="en-US" dirty="0"/>
+              <a:t>',version: '16.04 </a:t>
+            </a:r>
+            <a:r>
+              <a:rPr lang="en-US" dirty="0" smtClean="0"/>
+              <a:t>')</a:t>
             </a:r>
             <a:endParaRPr lang="en-US" dirty="0" smtClean="0"/>
           </a:p>
@@ -17865,15 +18067,7 @@
             </a:r>
             <a:r>
               <a:rPr lang="en-US" dirty="0" smtClean="0"/>
-              <a:t> </a:t>
-            </a:r>
-            <a:r>
-              <a:rPr lang="en-US" dirty="0" smtClean="0"/>
-              <a:t>'apache::</a:t>
-            </a:r>
-            <a:r>
-              <a:rPr lang="en-US" dirty="0" smtClean="0"/>
-              <a:t>configuration'</a:t>
+              <a:t> 'apache::configuration'</a:t>
             </a:r>
           </a:p>
           <a:p>
@@ -17883,11 +18077,7 @@
             </a:r>
             <a:r>
               <a:rPr lang="en-US" dirty="0" smtClean="0"/>
-              <a:t> </a:t>
-            </a:r>
-            <a:r>
-              <a:rPr lang="en-US" dirty="0" smtClean="0"/>
-              <a:t>'apache::</a:t>
+              <a:t> 'apache::</a:t>
             </a:r>
             <a:r>
               <a:rPr lang="en-US" dirty="0"/>
@@ -18038,7 +18228,7 @@
       </p:grpSpPr>
       <p:sp>
         <p:nvSpPr>
-          <p:cNvPr id="8" name="Title 7"/>
+          <p:cNvPr id="2" name="Title 1"/>
           <p:cNvSpPr>
             <a:spLocks noGrp="1"/>
           </p:cNvSpPr>
@@ -18053,7 +18243,15 @@
           <a:p>
             <a:r>
               <a:rPr lang="en-US" dirty="0" smtClean="0"/>
-              <a:t>Create a Pending Test</a:t>
+              <a:t>Update the </a:t>
+            </a:r>
+            <a:r>
+              <a:rPr lang="en-US" dirty="0" err="1" smtClean="0"/>
+              <a:t>ChefSpec</a:t>
+            </a:r>
+            <a:r>
+              <a:rPr lang="en-US" dirty="0" smtClean="0"/>
+              <a:t> Platform</a:t>
             </a:r>
             <a:endParaRPr lang="en-US" dirty="0"/>
           </a:p>
@@ -18072,14 +18270,136 @@
         <p:spPr/>
         <p:txBody>
           <a:bodyPr>
-            <a:normAutofit/>
+            <a:normAutofit fontScale="85000" lnSpcReduction="20000"/>
           </a:bodyPr>
           <a:lstStyle/>
           <a:p>
             <a:r>
-              <a:rPr lang="en-US" dirty="0" smtClean="0"/>
-              <a:t>    # ... START OF THE SPEC FILE ...</a:t>
-            </a:r>
+              <a:rPr lang="en-US" dirty="0"/>
+              <a:t>require '</a:t>
+            </a:r>
+            <a:r>
+              <a:rPr lang="en-US" dirty="0" err="1"/>
+              <a:t>spec_helper</a:t>
+            </a:r>
+            <a:r>
+              <a:rPr lang="en-US" dirty="0"/>
+              <a:t>'</a:t>
+            </a:r>
+          </a:p>
+          <a:p>
+            <a:endParaRPr lang="en-US" dirty="0"/>
+          </a:p>
+          <a:p>
+            <a:r>
+              <a:rPr lang="en-US" dirty="0"/>
+              <a:t>describe </a:t>
+            </a:r>
+            <a:r>
+              <a:rPr lang="en-US"/>
+              <a:t>'apache</a:t>
+            </a:r>
+            <a:r>
+              <a:rPr lang="en-US" smtClean="0"/>
+              <a:t>::default' </a:t>
+            </a:r>
+            <a:r>
+              <a:rPr lang="en-US" dirty="0"/>
+              <a:t>do</a:t>
+            </a:r>
+          </a:p>
+          <a:p>
+            <a:r>
+              <a:rPr lang="en-US" dirty="0"/>
+              <a:t>  context 'When all attributes are default, on an </a:t>
+            </a:r>
+            <a:r>
+              <a:rPr lang="en-US" dirty="0" smtClean="0"/>
+              <a:t>CentOS 6.7' </a:t>
+            </a:r>
+            <a:r>
+              <a:rPr lang="en-US" dirty="0"/>
+              <a:t>do</a:t>
+            </a:r>
+          </a:p>
+          <a:p>
+            <a:r>
+              <a:rPr lang="en-US" dirty="0"/>
+              <a:t>    let(:</a:t>
+            </a:r>
+            <a:r>
+              <a:rPr lang="en-US" dirty="0" err="1"/>
+              <a:t>chef_run</a:t>
+            </a:r>
+            <a:r>
+              <a:rPr lang="en-US" dirty="0"/>
+              <a:t>) do</a:t>
+            </a:r>
+          </a:p>
+          <a:p>
+            <a:r>
+              <a:rPr lang="en-US" dirty="0"/>
+              <a:t>      runner = </a:t>
+            </a:r>
+            <a:r>
+              <a:rPr lang="en-US" dirty="0" err="1"/>
+              <a:t>ChefSpec</a:t>
+            </a:r>
+            <a:r>
+              <a:rPr lang="en-US" dirty="0"/>
+              <a:t>::</a:t>
+            </a:r>
+            <a:r>
+              <a:rPr lang="en-US" dirty="0" err="1"/>
+              <a:t>ServerRunner.new</a:t>
+            </a:r>
+            <a:r>
+              <a:rPr lang="en-US" dirty="0"/>
+              <a:t>(platform: </a:t>
+            </a:r>
+            <a:r>
+              <a:rPr lang="en-US" dirty="0" smtClean="0"/>
+              <a:t>'centos', </a:t>
+            </a:r>
+            <a:r>
+              <a:rPr lang="en-US" dirty="0"/>
+              <a:t>version: </a:t>
+            </a:r>
+            <a:r>
+              <a:rPr lang="en-US" dirty="0" smtClean="0"/>
+              <a:t>'6.7')</a:t>
+            </a:r>
+            <a:endParaRPr lang="en-US" dirty="0"/>
+          </a:p>
+          <a:p>
+            <a:r>
+              <a:rPr lang="en-US" dirty="0"/>
+              <a:t>      </a:t>
+            </a:r>
+            <a:r>
+              <a:rPr lang="en-US" dirty="0" err="1"/>
+              <a:t>runner.converge</a:t>
+            </a:r>
+            <a:r>
+              <a:rPr lang="en-US" dirty="0"/>
+              <a:t>(</a:t>
+            </a:r>
+            <a:r>
+              <a:rPr lang="en-US" dirty="0" err="1"/>
+              <a:t>described_recipe</a:t>
+            </a:r>
+            <a:r>
+              <a:rPr lang="en-US" dirty="0"/>
+              <a:t>)</a:t>
+            </a:r>
+          </a:p>
+          <a:p>
+            <a:r>
+              <a:rPr lang="en-US" dirty="0"/>
+              <a:t>    end</a:t>
+            </a:r>
+          </a:p>
+          <a:p>
             <a:endParaRPr lang="en-US" dirty="0"/>
           </a:p>
           <a:p>
@@ -18118,38 +18438,14 @@
           <a:p>
             <a:r>
               <a:rPr lang="en-US" dirty="0"/>
-              <a:t>    </a:t>
-            </a:r>
-            <a:r>
-              <a:rPr lang="en-US" dirty="0" smtClean="0"/>
-              <a:t>end</a:t>
-            </a:r>
-          </a:p>
-          <a:p>
-            <a:endParaRPr lang="en-US" dirty="0" smtClean="0"/>
-          </a:p>
-          <a:p>
-            <a:r>
-              <a:rPr lang="en-US" dirty="0" smtClean="0"/>
-              <a:t>    it 'includes the install recipe'</a:t>
-            </a:r>
-          </a:p>
-          <a:p>
-            <a:r>
-              <a:rPr lang="en-US" dirty="0" smtClean="0"/>
-              <a:t>  </a:t>
+              <a:t>    end</a:t>
             </a:r>
           </a:p>
           <a:p>
             <a:r>
               <a:rPr lang="en-US" dirty="0"/>
-              <a:t> </a:t>
-            </a:r>
-            <a:r>
-              <a:rPr lang="en-US" dirty="0" smtClean="0"/>
-              <a:t> end</a:t>
-            </a:r>
-            <a:endParaRPr lang="en-US" dirty="0"/>
+              <a:t>  end</a:t>
+            </a:r>
           </a:p>
           <a:p>
             <a:r>
@@ -18176,7 +18472,11 @@
           <a:p>
             <a:r>
               <a:rPr lang="en-US" dirty="0" smtClean="0"/>
-              <a:t>~/apache/spec/unit/recipes/</a:t>
+              <a:t>~/</a:t>
+            </a:r>
+            <a:r>
+              <a:rPr lang="en-US" dirty="0" smtClean="0"/>
+              <a:t>apache/spec/unit/recipes/</a:t>
             </a:r>
             <a:r>
               <a:rPr lang="en-US" dirty="0" err="1" smtClean="0"/>
@@ -18188,7 +18488,7 @@
       </p:sp>
       <p:sp>
         <p:nvSpPr>
-          <p:cNvPr id="10" name="Text Placeholder 9"/>
+          <p:cNvPr id="6" name="Text Placeholder 5"/>
           <p:cNvSpPr>
             <a:spLocks noGrp="1"/>
           </p:cNvSpPr>
@@ -18198,14 +18498,46 @@
         </p:nvSpPr>
         <p:spPr>
           <a:xfrm>
-            <a:off x="1135042" y="4746732"/>
-            <a:ext cx="14404273" cy="527633"/>
+            <a:off x="1135042" y="4051300"/>
+            <a:ext cx="14404273" cy="457201"/>
           </a:xfrm>
         </p:spPr>
         <p:txBody>
           <a:bodyPr/>
           <a:lstStyle/>
           <a:p>
+            <a:r>
+              <a:rPr lang="en-US" dirty="0" smtClean="0"/>
+              <a:t>+</a:t>
+            </a:r>
+            <a:endParaRPr lang="en-US" dirty="0"/>
+          </a:p>
+        </p:txBody>
+      </p:sp>
+      <p:sp>
+        <p:nvSpPr>
+          <p:cNvPr id="7" name="Text Placeholder 5"/>
+          <p:cNvSpPr>
+            <a:spLocks noGrp="1"/>
+          </p:cNvSpPr>
+          <p:nvPr>
+            <p:ph type="body" sz="quarter" idx="13"/>
+          </p:nvPr>
+        </p:nvSpPr>
+        <p:spPr>
+          <a:xfrm>
+            <a:off x="1135042" y="3238500"/>
+            <a:ext cx="14404273" cy="479840"/>
+          </a:xfrm>
+        </p:spPr>
+        <p:txBody>
+          <a:bodyPr/>
+          <a:lstStyle/>
+          <a:p>
+            <a:r>
+              <a:rPr lang="en-US" dirty="0" smtClean="0"/>
+              <a:t>+</a:t>
+            </a:r>
             <a:endParaRPr lang="en-US" dirty="0"/>
           </a:p>
         </p:txBody>
@@ -18213,7 +18545,7 @@
     </p:spTree>
     <p:extLst>
       <p:ext uri="{BB962C8B-B14F-4D97-AF65-F5344CB8AC3E}">
-        <p14:creationId xmlns:p14="http://schemas.microsoft.com/office/powerpoint/2010/main" val="4080150832"/>
+        <p14:creationId xmlns:p14="http://schemas.microsoft.com/office/powerpoint/2010/main" val="1692596361"/>
       </p:ext>
     </p:extLst>
   </p:cSld>
@@ -18252,12 +18584,12 @@
       </p:grpSpPr>
       <p:sp>
         <p:nvSpPr>
-          <p:cNvPr id="2" name="Content Placeholder 1"/>
+          <p:cNvPr id="8" name="Title 7"/>
           <p:cNvSpPr>
             <a:spLocks noGrp="1"/>
           </p:cNvSpPr>
           <p:nvPr>
-            <p:ph sz="quarter" idx="10"/>
+            <p:ph type="title"/>
           </p:nvPr>
         </p:nvSpPr>
         <p:spPr/>
@@ -18267,6 +18599,308 @@
           <a:p>
             <a:r>
               <a:rPr lang="en-US" dirty="0" smtClean="0"/>
+              <a:t>Create a Pending Test</a:t>
+            </a:r>
+            <a:endParaRPr lang="en-US" dirty="0"/>
+          </a:p>
+        </p:txBody>
+      </p:sp>
+      <p:sp>
+        <p:nvSpPr>
+          <p:cNvPr id="3" name="Content Placeholder 2"/>
+          <p:cNvSpPr>
+            <a:spLocks noGrp="1"/>
+          </p:cNvSpPr>
+          <p:nvPr>
+            <p:ph sz="quarter" idx="10"/>
+          </p:nvPr>
+        </p:nvSpPr>
+        <p:spPr/>
+        <p:txBody>
+          <a:bodyPr>
+            <a:normAutofit/>
+          </a:bodyPr>
+          <a:lstStyle/>
+          <a:p>
+            <a:r>
+              <a:rPr lang="en-US" dirty="0" smtClean="0"/>
+              <a:t>    # ... START OF THE SPEC FILE ...</a:t>
+            </a:r>
+            <a:endParaRPr lang="en-US" dirty="0"/>
+          </a:p>
+          <a:p>
+            <a:r>
+              <a:rPr lang="en-US" dirty="0"/>
+              <a:t>    it 'converges successfully' do</a:t>
+            </a:r>
+          </a:p>
+          <a:p>
+            <a:r>
+              <a:rPr lang="en-US" dirty="0"/>
+              <a:t>      expect { </a:t>
+            </a:r>
+            <a:r>
+              <a:rPr lang="en-US" dirty="0" err="1"/>
+              <a:t>chef_run</a:t>
+            </a:r>
+            <a:r>
+              <a:rPr lang="en-US" dirty="0"/>
+              <a:t> }.</a:t>
+            </a:r>
+            <a:r>
+              <a:rPr lang="en-US" dirty="0" err="1"/>
+              <a:t>to_not</a:t>
+            </a:r>
+            <a:r>
+              <a:rPr lang="en-US" dirty="0"/>
+              <a:t> </a:t>
+            </a:r>
+            <a:r>
+              <a:rPr lang="en-US" dirty="0" err="1"/>
+              <a:t>raise_error</a:t>
+            </a:r>
+            <a:endParaRPr lang="en-US" dirty="0"/>
+          </a:p>
+          <a:p>
+            <a:r>
+              <a:rPr lang="en-US" dirty="0"/>
+              <a:t>    </a:t>
+            </a:r>
+            <a:r>
+              <a:rPr lang="en-US" dirty="0" smtClean="0"/>
+              <a:t>end</a:t>
+            </a:r>
+          </a:p>
+          <a:p>
+            <a:endParaRPr lang="en-US" dirty="0" smtClean="0"/>
+          </a:p>
+          <a:p>
+            <a:r>
+              <a:rPr lang="en-US" dirty="0" smtClean="0"/>
+              <a:t>    it 'includes the install recipe'</a:t>
+            </a:r>
+          </a:p>
+          <a:p>
+            <a:r>
+              <a:rPr lang="en-US" dirty="0" smtClean="0"/>
+              <a:t>  </a:t>
+            </a:r>
+          </a:p>
+          <a:p>
+            <a:r>
+              <a:rPr lang="en-US" dirty="0"/>
+              <a:t> </a:t>
+            </a:r>
+            <a:r>
+              <a:rPr lang="en-US" dirty="0" smtClean="0"/>
+              <a:t> end</a:t>
+            </a:r>
+            <a:endParaRPr lang="en-US" dirty="0"/>
+          </a:p>
+          <a:p>
+            <a:r>
+              <a:rPr lang="en-US" dirty="0"/>
+              <a:t>end</a:t>
+            </a:r>
+          </a:p>
+        </p:txBody>
+      </p:sp>
+      <p:sp>
+        <p:nvSpPr>
+          <p:cNvPr id="4" name="Text Placeholder 3"/>
+          <p:cNvSpPr>
+            <a:spLocks noGrp="1"/>
+          </p:cNvSpPr>
+          <p:nvPr>
+            <p:ph type="body" sz="quarter" idx="11"/>
+          </p:nvPr>
+        </p:nvSpPr>
+        <p:spPr/>
+        <p:txBody>
+          <a:bodyPr/>
+          <a:lstStyle/>
+          <a:p>
+            <a:r>
+              <a:rPr lang="en-US" dirty="0" smtClean="0"/>
+              <a:t>~/apache/spec/unit/recipes/</a:t>
+            </a:r>
+            <a:r>
+              <a:rPr lang="en-US" dirty="0" err="1" smtClean="0"/>
+              <a:t>default_spec.rb</a:t>
+            </a:r>
+            <a:endParaRPr lang="en-US" dirty="0"/>
+          </a:p>
+        </p:txBody>
+      </p:sp>
+      <p:sp>
+        <p:nvSpPr>
+          <p:cNvPr id="10" name="Text Placeholder 9"/>
+          <p:cNvSpPr>
+            <a:spLocks noGrp="1"/>
+          </p:cNvSpPr>
+          <p:nvPr>
+            <p:ph type="body" sz="quarter" idx="13"/>
+          </p:nvPr>
+        </p:nvSpPr>
+        <p:spPr>
+          <a:xfrm>
+            <a:off x="1135042" y="4746732"/>
+            <a:ext cx="14404273" cy="527633"/>
+          </a:xfrm>
+        </p:spPr>
+        <p:txBody>
+          <a:bodyPr/>
+          <a:lstStyle/>
+          <a:p>
+            <a:endParaRPr lang="en-US" dirty="0"/>
+          </a:p>
+        </p:txBody>
+      </p:sp>
+    </p:spTree>
+    <p:extLst>
+      <p:ext uri="{BB962C8B-B14F-4D97-AF65-F5344CB8AC3E}">
+        <p14:creationId xmlns:p14="http://schemas.microsoft.com/office/powerpoint/2010/main" val="4080150832"/>
+      </p:ext>
+    </p:extLst>
+  </p:cSld>
+  <p:clrMapOvr>
+    <a:masterClrMapping/>
+  </p:clrMapOvr>
+  <p:transition spd="med">
+    <p:fade/>
+  </p:transition>
+  <p:timing>
+    <p:tnLst>
+      <p:par>
+        <p:cTn id="1" dur="indefinite" restart="never" nodeType="tmRoot"/>
+      </p:par>
+    </p:tnLst>
+  </p:timing>
+</p:sld>
+</file>
+
+<file path=ppt/slides/slide2.xml><?xml version="1.0" encoding="utf-8"?>
+<p:sld xmlns:a="http://schemas.openxmlformats.org/drawingml/2006/main" xmlns:r="http://schemas.openxmlformats.org/officeDocument/2006/relationships" xmlns:p="http://schemas.openxmlformats.org/presentationml/2006/main">
+  <p:cSld>
+    <p:spTree>
+      <p:nvGrpSpPr>
+        <p:cNvPr id="1" name=""/>
+        <p:cNvGrpSpPr/>
+        <p:nvPr/>
+      </p:nvGrpSpPr>
+      <p:grpSpPr>
+        <a:xfrm>
+          <a:off x="0" y="0"/>
+          <a:ext cx="0" cy="0"/>
+          <a:chOff x="0" y="0"/>
+          <a:chExt cx="0" cy="0"/>
+        </a:xfrm>
+      </p:grpSpPr>
+      <p:sp>
+        <p:nvSpPr>
+          <p:cNvPr id="2" name="Title 1"/>
+          <p:cNvSpPr>
+            <a:spLocks noGrp="1"/>
+          </p:cNvSpPr>
+          <p:nvPr>
+            <p:ph type="ctrTitle"/>
+          </p:nvPr>
+        </p:nvSpPr>
+        <p:spPr/>
+        <p:txBody>
+          <a:bodyPr>
+            <a:normAutofit fontScale="90000"/>
+          </a:bodyPr>
+          <a:lstStyle/>
+          <a:p>
+            <a:r>
+              <a:rPr lang="en-US" dirty="0" smtClean="0"/>
+              <a:t>Slower Feedback Cycle</a:t>
+            </a:r>
+            <a:endParaRPr lang="en-US" dirty="0"/>
+          </a:p>
+        </p:txBody>
+      </p:sp>
+      <p:sp>
+        <p:nvSpPr>
+          <p:cNvPr id="3" name="Subtitle 2"/>
+          <p:cNvSpPr>
+            <a:spLocks noGrp="1"/>
+          </p:cNvSpPr>
+          <p:nvPr>
+            <p:ph type="subTitle" idx="1"/>
+          </p:nvPr>
+        </p:nvSpPr>
+        <p:spPr/>
+        <p:txBody>
+          <a:bodyPr/>
+          <a:lstStyle/>
+          <a:p>
+            <a:r>
+              <a:rPr lang="en-US" dirty="0" smtClean="0"/>
+              <a:t>The slower the feedback loop the less value it provides to you while developing your cookbooks. You are less inclined to run the test suite. Which means you will likely miss issues as they happen.</a:t>
+            </a:r>
+            <a:endParaRPr lang="en-US" dirty="0"/>
+          </a:p>
+        </p:txBody>
+      </p:sp>
+    </p:spTree>
+    <p:extLst>
+      <p:ext uri="{BB962C8B-B14F-4D97-AF65-F5344CB8AC3E}">
+        <p14:creationId xmlns:p14="http://schemas.microsoft.com/office/powerpoint/2010/main" val="173017140"/>
+      </p:ext>
+    </p:extLst>
+  </p:cSld>
+  <p:clrMapOvr>
+    <a:masterClrMapping/>
+  </p:clrMapOvr>
+  <p:transition spd="med">
+    <p:fade/>
+  </p:transition>
+  <p:timing>
+    <p:tnLst>
+      <p:par>
+        <p:cTn id="1" dur="indefinite" restart="never" nodeType="tmRoot"/>
+      </p:par>
+    </p:tnLst>
+  </p:timing>
+</p:sld>
+</file>
+
+<file path=ppt/slides/slide20.xml><?xml version="1.0" encoding="utf-8"?>
+<p:sld xmlns:a="http://schemas.openxmlformats.org/drawingml/2006/main" xmlns:r="http://schemas.openxmlformats.org/officeDocument/2006/relationships" xmlns:p="http://schemas.openxmlformats.org/presentationml/2006/main">
+  <p:cSld>
+    <p:spTree>
+      <p:nvGrpSpPr>
+        <p:cNvPr id="1" name=""/>
+        <p:cNvGrpSpPr/>
+        <p:nvPr/>
+      </p:nvGrpSpPr>
+      <p:grpSpPr>
+        <a:xfrm>
+          <a:off x="0" y="0"/>
+          <a:ext cx="0" cy="0"/>
+          <a:chOff x="0" y="0"/>
+          <a:chExt cx="0" cy="0"/>
+        </a:xfrm>
+      </p:grpSpPr>
+      <p:sp>
+        <p:nvSpPr>
+          <p:cNvPr id="2" name="Content Placeholder 1"/>
+          <p:cNvSpPr>
+            <a:spLocks noGrp="1"/>
+          </p:cNvSpPr>
+          <p:nvPr>
+            <p:ph sz="quarter" idx="10"/>
+          </p:nvPr>
+        </p:nvSpPr>
+        <p:spPr/>
+        <p:txBody>
+          <a:bodyPr/>
+          <a:lstStyle/>
+          <a:p>
+            <a:r>
+              <a:rPr lang="en-US" dirty="0" smtClean="0"/>
               <a:t>.*</a:t>
             </a:r>
             <a:endParaRPr lang="en-US" dirty="0"/>
@@ -18298,7 +18932,15 @@
             </a:r>
             <a:r>
               <a:rPr lang="en-US" dirty="0"/>
-              <a:t>default When all attributes are default, on an unspecified platform includes the install recipe</a:t>
+              <a:t>default When all attributes are default, on </a:t>
+            </a:r>
+            <a:r>
+              <a:rPr lang="en-US" dirty="0" smtClean="0"/>
+              <a:t>an CentOS 6.7 </a:t>
+            </a:r>
+            <a:r>
+              <a:rPr lang="en-US" dirty="0"/>
+              <a:t>includes the install recipe</a:t>
             </a:r>
           </a:p>
           <a:p>
@@ -18722,7 +19364,7 @@
 </p:sld>
 </file>
 
-<file path=ppt/slides/slide2.xml><?xml version="1.0" encoding="utf-8"?>
+<file path=ppt/slides/slide21.xml><?xml version="1.0" encoding="utf-8"?>
 <p:sld xmlns:a="http://schemas.openxmlformats.org/drawingml/2006/main" xmlns:r="http://schemas.openxmlformats.org/officeDocument/2006/relationships" xmlns:p="http://schemas.openxmlformats.org/presentationml/2006/main">
   <p:cSld>
     <p:spTree>
@@ -18741,37 +19383,12 @@
       </p:grpSpPr>
       <p:sp>
         <p:nvSpPr>
-          <p:cNvPr id="2" name="Title 1"/>
+          <p:cNvPr id="2" name="Content Placeholder 1"/>
           <p:cNvSpPr>
             <a:spLocks noGrp="1"/>
           </p:cNvSpPr>
           <p:nvPr>
-            <p:ph type="ctrTitle"/>
-          </p:nvPr>
-        </p:nvSpPr>
-        <p:spPr/>
-        <p:txBody>
-          <a:bodyPr>
-            <a:normAutofit fontScale="90000"/>
-          </a:bodyPr>
-          <a:lstStyle/>
-          <a:p>
-            <a:r>
-              <a:rPr lang="en-US" dirty="0" smtClean="0"/>
-              <a:t>Slower Feedback Cycle</a:t>
-            </a:r>
-            <a:endParaRPr lang="en-US" dirty="0"/>
-          </a:p>
-        </p:txBody>
-      </p:sp>
-      <p:sp>
-        <p:nvSpPr>
-          <p:cNvPr id="3" name="Subtitle 2"/>
-          <p:cNvSpPr>
-            <a:spLocks noGrp="1"/>
-          </p:cNvSpPr>
-          <p:nvPr>
-            <p:ph type="subTitle" idx="1"/>
+            <p:ph sz="quarter" idx="10"/>
           </p:nvPr>
         </p:nvSpPr>
         <p:spPr/>
@@ -18781,69 +19398,6 @@
           <a:p>
             <a:r>
               <a:rPr lang="en-US" dirty="0" smtClean="0"/>
-              <a:t>The slower the feedback loop the less value it provides to you while developing your cookbooks. You are less inclined to run the test suite. Which means you will likely miss issues as they happen.</a:t>
-            </a:r>
-            <a:endParaRPr lang="en-US" dirty="0"/>
-          </a:p>
-        </p:txBody>
-      </p:sp>
-    </p:spTree>
-    <p:extLst>
-      <p:ext uri="{BB962C8B-B14F-4D97-AF65-F5344CB8AC3E}">
-        <p14:creationId xmlns:p14="http://schemas.microsoft.com/office/powerpoint/2010/main" val="173017140"/>
-      </p:ext>
-    </p:extLst>
-  </p:cSld>
-  <p:clrMapOvr>
-    <a:masterClrMapping/>
-  </p:clrMapOvr>
-  <p:transition spd="med">
-    <p:fade/>
-  </p:transition>
-  <p:timing>
-    <p:tnLst>
-      <p:par>
-        <p:cTn id="1" dur="indefinite" restart="never" nodeType="tmRoot"/>
-      </p:par>
-    </p:tnLst>
-  </p:timing>
-</p:sld>
-</file>
-
-<file path=ppt/slides/slide20.xml><?xml version="1.0" encoding="utf-8"?>
-<p:sld xmlns:a="http://schemas.openxmlformats.org/drawingml/2006/main" xmlns:r="http://schemas.openxmlformats.org/officeDocument/2006/relationships" xmlns:p="http://schemas.openxmlformats.org/presentationml/2006/main">
-  <p:cSld>
-    <p:spTree>
-      <p:nvGrpSpPr>
-        <p:cNvPr id="1" name=""/>
-        <p:cNvGrpSpPr/>
-        <p:nvPr/>
-      </p:nvGrpSpPr>
-      <p:grpSpPr>
-        <a:xfrm>
-          <a:off x="0" y="0"/>
-          <a:ext cx="0" cy="0"/>
-          <a:chOff x="0" y="0"/>
-          <a:chExt cx="0" cy="0"/>
-        </a:xfrm>
-      </p:grpSpPr>
-      <p:sp>
-        <p:nvSpPr>
-          <p:cNvPr id="2" name="Content Placeholder 1"/>
-          <p:cNvSpPr>
-            <a:spLocks noGrp="1"/>
-          </p:cNvSpPr>
-          <p:nvPr>
-            <p:ph sz="quarter" idx="10"/>
-          </p:nvPr>
-        </p:nvSpPr>
-        <p:spPr/>
-        <p:txBody>
-          <a:bodyPr/>
-          <a:lstStyle/>
-          <a:p>
-            <a:r>
-              <a:rPr lang="en-US" dirty="0" smtClean="0"/>
               <a:t>.*</a:t>
             </a:r>
           </a:p>
@@ -18862,15 +19416,7 @@
           <a:p>
             <a:r>
               <a:rPr lang="en-US" dirty="0" smtClean="0"/>
-              <a:t>  1) </a:t>
-            </a:r>
-            <a:r>
-              <a:rPr lang="en-US" dirty="0" smtClean="0"/>
-              <a:t>apache::</a:t>
-            </a:r>
-            <a:r>
-              <a:rPr lang="en-US" dirty="0" smtClean="0"/>
-              <a:t>default When all attributes are default, on an unspecified platform includes the install recipe</a:t>
+              <a:t>  1) apache::default When all attributes are default, on an CentOS 6.7 includes the install recipe</a:t>
             </a:r>
           </a:p>
           <a:p>
@@ -19518,188 +20064,6 @@
 </p:sld>
 </file>
 
-<file path=ppt/slides/slide21.xml><?xml version="1.0" encoding="utf-8"?>
-<p:sld xmlns:a="http://schemas.openxmlformats.org/drawingml/2006/main" xmlns:r="http://schemas.openxmlformats.org/officeDocument/2006/relationships" xmlns:p="http://schemas.openxmlformats.org/presentationml/2006/main">
-  <p:cSld>
-    <p:spTree>
-      <p:nvGrpSpPr>
-        <p:cNvPr id="1" name=""/>
-        <p:cNvGrpSpPr/>
-        <p:nvPr/>
-      </p:nvGrpSpPr>
-      <p:grpSpPr>
-        <a:xfrm>
-          <a:off x="0" y="0"/>
-          <a:ext cx="0" cy="0"/>
-          <a:chOff x="0" y="0"/>
-          <a:chExt cx="0" cy="0"/>
-        </a:xfrm>
-      </p:grpSpPr>
-      <p:sp>
-        <p:nvSpPr>
-          <p:cNvPr id="2" name="Content Placeholder 1"/>
-          <p:cNvSpPr>
-            <a:spLocks noGrp="1"/>
-          </p:cNvSpPr>
-          <p:nvPr>
-            <p:ph sz="quarter" idx="10"/>
-          </p:nvPr>
-        </p:nvSpPr>
-        <p:spPr/>
-        <p:txBody>
-          <a:bodyPr/>
-          <a:lstStyle/>
-          <a:p>
-            <a:r>
-              <a:rPr lang="en-US" dirty="0" smtClean="0"/>
-              <a:t>  # ... OUTPUT CONTINUED FROM PREVIOUS SLIDE ...</a:t>
-            </a:r>
-          </a:p>
-          <a:p>
-            <a:endParaRPr lang="en-US" dirty="0"/>
-          </a:p>
-          <a:p>
-            <a:r>
-              <a:rPr lang="en-US" dirty="0"/>
-              <a:t>Finished in 0.46457 seconds (files took 4.39 seconds to load)</a:t>
-            </a:r>
-          </a:p>
-          <a:p>
-            <a:r>
-              <a:rPr lang="en-US" dirty="0"/>
-              <a:t>2</a:t>
-            </a:r>
-            <a:r>
-              <a:rPr lang="en-US" dirty="0" smtClean="0"/>
-              <a:t> </a:t>
-            </a:r>
-            <a:r>
-              <a:rPr lang="en-US" dirty="0"/>
-              <a:t>examples, 0 failures, </a:t>
-            </a:r>
-            <a:r>
-              <a:rPr lang="en-US" dirty="0" smtClean="0"/>
-              <a:t>1 </a:t>
-            </a:r>
-            <a:r>
-              <a:rPr lang="en-US" dirty="0"/>
-              <a:t>pending</a:t>
-            </a:r>
-          </a:p>
-        </p:txBody>
-      </p:sp>
-      <p:sp>
-        <p:nvSpPr>
-          <p:cNvPr id="3" name="Text Placeholder 2"/>
-          <p:cNvSpPr>
-            <a:spLocks noGrp="1"/>
-          </p:cNvSpPr>
-          <p:nvPr>
-            <p:ph type="body" sz="quarter" idx="11"/>
-          </p:nvPr>
-        </p:nvSpPr>
-        <p:spPr/>
-        <p:txBody>
-          <a:bodyPr/>
-          <a:lstStyle/>
-          <a:p>
-            <a:r>
-              <a:rPr lang="en-US" dirty="0"/>
-              <a:t>&gt; chef exec </a:t>
-            </a:r>
-            <a:r>
-              <a:rPr lang="en-US" dirty="0" err="1"/>
-              <a:t>rspec</a:t>
-            </a:r>
-            <a:r>
-              <a:rPr lang="en-US" dirty="0"/>
-              <a:t> spec/unit/recipes/</a:t>
-            </a:r>
-            <a:r>
-              <a:rPr lang="en-US" dirty="0" err="1" smtClean="0"/>
-              <a:t>default_spec.rb</a:t>
-            </a:r>
-            <a:r>
-              <a:rPr lang="en-US" dirty="0" smtClean="0"/>
-              <a:t> </a:t>
-            </a:r>
-            <a:endParaRPr lang="en-US" dirty="0"/>
-          </a:p>
-        </p:txBody>
-      </p:sp>
-      <p:sp>
-        <p:nvSpPr>
-          <p:cNvPr id="4" name="Content Placeholder 3"/>
-          <p:cNvSpPr>
-            <a:spLocks noGrp="1"/>
-          </p:cNvSpPr>
-          <p:nvPr>
-            <p:ph sz="quarter" idx="12"/>
-          </p:nvPr>
-        </p:nvSpPr>
-        <p:spPr>
-          <a:xfrm>
-            <a:off x="1127883" y="3877591"/>
-            <a:ext cx="14420850" cy="557213"/>
-          </a:xfrm>
-        </p:spPr>
-        <p:txBody>
-          <a:bodyPr/>
-          <a:lstStyle/>
-          <a:p>
-            <a:r>
-              <a:rPr lang="en-US" dirty="0"/>
-              <a:t> </a:t>
-            </a:r>
-          </a:p>
-        </p:txBody>
-      </p:sp>
-      <p:sp>
-        <p:nvSpPr>
-          <p:cNvPr id="5" name="Title 4"/>
-          <p:cNvSpPr>
-            <a:spLocks noGrp="1"/>
-          </p:cNvSpPr>
-          <p:nvPr>
-            <p:ph type="title"/>
-          </p:nvPr>
-        </p:nvSpPr>
-        <p:spPr/>
-        <p:txBody>
-          <a:bodyPr/>
-          <a:lstStyle/>
-          <a:p>
-            <a:r>
-              <a:rPr lang="en-US" dirty="0" smtClean="0"/>
-              <a:t>View the Results to See the Pending Tests</a:t>
-            </a:r>
-            <a:endParaRPr lang="en-US" dirty="0"/>
-          </a:p>
-        </p:txBody>
-      </p:sp>
-    </p:spTree>
-    <p:extLst>
-      <p:ext uri="{BB962C8B-B14F-4D97-AF65-F5344CB8AC3E}">
-        <p14:creationId xmlns:p14="http://schemas.microsoft.com/office/powerpoint/2010/main" val="654989119"/>
-      </p:ext>
-    </p:extLst>
-  </p:cSld>
-  <p:clrMapOvr>
-    <a:masterClrMapping/>
-  </p:clrMapOvr>
-  <p:transition spd="med">
-    <p:fade/>
-  </p:transition>
-  <p:timing>
-    <p:tnLst>
-      <p:par>
-        <p:cTn id="1" dur="indefinite" restart="never" nodeType="tmRoot"/>
-      </p:par>
-    </p:tnLst>
-  </p:timing>
-</p:sld>
-</file>
-
 <file path=ppt/slides/slide22.xml><?xml version="1.0" encoding="utf-8"?>
 <p:sld xmlns:a="http://schemas.openxmlformats.org/drawingml/2006/main" xmlns:r="http://schemas.openxmlformats.org/officeDocument/2006/relationships" xmlns:p="http://schemas.openxmlformats.org/presentationml/2006/main">
   <p:cSld>
@@ -19719,36 +20083,12 @@
       </p:grpSpPr>
       <p:sp>
         <p:nvSpPr>
-          <p:cNvPr id="2" name="Title 1"/>
+          <p:cNvPr id="2" name="Content Placeholder 1"/>
           <p:cNvSpPr>
             <a:spLocks noGrp="1"/>
           </p:cNvSpPr>
           <p:nvPr>
-            <p:ph type="ctrTitle"/>
-          </p:nvPr>
-        </p:nvSpPr>
-        <p:spPr/>
-        <p:txBody>
-          <a:bodyPr>
-            <a:normAutofit fontScale="90000"/>
-          </a:bodyPr>
-          <a:lstStyle/>
-          <a:p>
-            <a:r>
-              <a:rPr lang="en-US" dirty="0"/>
-              <a:t>Faster Feedback While Developing Cookbooks</a:t>
-            </a:r>
-          </a:p>
-        </p:txBody>
-      </p:sp>
-      <p:sp>
-        <p:nvSpPr>
-          <p:cNvPr id="3" name="Content Placeholder 2"/>
-          <p:cNvSpPr>
-            <a:spLocks noGrp="1"/>
-          </p:cNvSpPr>
-          <p:nvPr>
-            <p:ph sz="quarter" idx="11"/>
+            <p:ph sz="quarter" idx="10"/>
           </p:nvPr>
         </p:nvSpPr>
         <p:spPr/>
@@ -19757,25 +20097,51 @@
           <a:lstStyle/>
           <a:p>
             <a:r>
+              <a:rPr lang="en-US" dirty="0" smtClean="0"/>
+              <a:t>  # ... OUTPUT CONTINUED FROM PREVIOUS SLIDE ...</a:t>
+            </a:r>
+          </a:p>
+          <a:p>
+            <a:endParaRPr lang="en-US" dirty="0"/>
+          </a:p>
+          <a:p>
+            <a:r>
               <a:rPr lang="en-US" dirty="0"/>
-              <a:t>The faster the feedback from our tests, the more likely we are to run them. The more likely we are to run them means they will catch more issues</a:t>
-            </a:r>
-            <a:r>
-              <a:rPr lang="en-US" dirty="0" smtClean="0"/>
-              <a:t>.</a:t>
-            </a:r>
-            <a:endParaRPr lang="en-US" dirty="0"/>
-          </a:p>
-        </p:txBody>
-      </p:sp>
-      <p:sp>
-        <p:nvSpPr>
-          <p:cNvPr id="4" name="Text Placeholder 3"/>
+              <a:t>Finished in 0.46457 seconds (files took 4.39 seconds to load)</a:t>
+            </a:r>
+          </a:p>
+          <a:p>
+            <a:r>
+              <a:rPr lang="en-US" dirty="0"/>
+              <a:t>2</a:t>
+            </a:r>
+            <a:r>
+              <a:rPr lang="en-US" dirty="0" smtClean="0"/>
+              <a:t> </a:t>
+            </a:r>
+            <a:r>
+              <a:rPr lang="en-US" dirty="0"/>
+              <a:t>examples, 0 failures, </a:t>
+            </a:r>
+            <a:r>
+              <a:rPr lang="en-US" dirty="0" smtClean="0"/>
+              <a:t>1 </a:t>
+            </a:r>
+            <a:r>
+              <a:rPr lang="en-US" dirty="0"/>
+              <a:t>pending</a:t>
+            </a:r>
+          </a:p>
+        </p:txBody>
+      </p:sp>
+      <p:sp>
+        <p:nvSpPr>
+          <p:cNvPr id="3" name="Text Placeholder 2"/>
           <p:cNvSpPr>
             <a:spLocks noGrp="1"/>
           </p:cNvSpPr>
           <p:nvPr>
-            <p:ph type="body" sz="quarter" idx="10"/>
+            <p:ph type="body" sz="quarter" idx="11"/>
           </p:nvPr>
         </p:nvSpPr>
         <p:spPr/>
@@ -19783,60 +20149,84 @@
           <a:bodyPr/>
           <a:lstStyle/>
           <a:p>
-            <a:pPr marL="342900" indent="-342900">
-              <a:buFont typeface="Wingdings" charset="2"/>
-              <a:buChar char="ü"/>
-            </a:pPr>
-            <a:r>
-              <a:rPr lang="en-US" dirty="0" smtClean="0"/>
-              <a:t>Review and run the existing tests</a:t>
-            </a:r>
-          </a:p>
-          <a:p>
-            <a:pPr marL="342900" indent="-342900">
-              <a:buFont typeface="Wingdings" charset="2"/>
-              <a:buChar char="ü"/>
-            </a:pPr>
-            <a:r>
-              <a:rPr lang="en-US" dirty="0" smtClean="0"/>
-              <a:t>Identify the tests that we need to write</a:t>
-            </a:r>
-          </a:p>
-          <a:p>
-            <a:pPr marL="342900" indent="-342900">
-              <a:buFont typeface="Wingdings" charset="2"/>
-              <a:buChar char="q"/>
-            </a:pPr>
-            <a:r>
-              <a:rPr lang="en-US" dirty="0" smtClean="0"/>
-              <a:t>Write and execute the tests to identify the failure</a:t>
-            </a:r>
-          </a:p>
-          <a:p>
-            <a:pPr marL="342900" indent="-342900">
-              <a:buFont typeface="Wingdings" charset="2"/>
-              <a:buChar char="q"/>
-            </a:pPr>
-            <a:r>
-              <a:rPr lang="en-US" dirty="0" smtClean="0"/>
-              <a:t>Fix the code and execute the tests to see success</a:t>
-            </a:r>
-          </a:p>
-          <a:p>
-            <a:endParaRPr lang="en-US" dirty="0" smtClean="0"/>
-          </a:p>
-          <a:p>
-            <a:endParaRPr lang="en-US" dirty="0" smtClean="0"/>
-          </a:p>
-          <a:p>
-            <a:endParaRPr lang="en-US" dirty="0" smtClean="0"/>
+            <a:r>
+              <a:rPr lang="en-US" dirty="0"/>
+              <a:t>&gt; chef exec </a:t>
+            </a:r>
+            <a:r>
+              <a:rPr lang="en-US" dirty="0" err="1"/>
+              <a:t>rspec</a:t>
+            </a:r>
+            <a:r>
+              <a:rPr lang="en-US" dirty="0"/>
+              <a:t> spec/unit/recipes/</a:t>
+            </a:r>
+            <a:r>
+              <a:rPr lang="en-US" dirty="0" err="1" smtClean="0"/>
+              <a:t>default_spec.rb</a:t>
+            </a:r>
+            <a:r>
+              <a:rPr lang="en-US" dirty="0" smtClean="0"/>
+              <a:t> </a:t>
+            </a:r>
+            <a:endParaRPr lang="en-US" dirty="0"/>
+          </a:p>
+        </p:txBody>
+      </p:sp>
+      <p:sp>
+        <p:nvSpPr>
+          <p:cNvPr id="4" name="Content Placeholder 3"/>
+          <p:cNvSpPr>
+            <a:spLocks noGrp="1"/>
+          </p:cNvSpPr>
+          <p:nvPr>
+            <p:ph sz="quarter" idx="12"/>
+          </p:nvPr>
+        </p:nvSpPr>
+        <p:spPr>
+          <a:xfrm>
+            <a:off x="1127883" y="3877591"/>
+            <a:ext cx="14420850" cy="557213"/>
+          </a:xfrm>
+        </p:spPr>
+        <p:txBody>
+          <a:bodyPr/>
+          <a:lstStyle/>
+          <a:p>
+            <a:r>
+              <a:rPr lang="en-US" dirty="0"/>
+              <a:t> </a:t>
+            </a:r>
+          </a:p>
+        </p:txBody>
+      </p:sp>
+      <p:sp>
+        <p:nvSpPr>
+          <p:cNvPr id="5" name="Title 4"/>
+          <p:cNvSpPr>
+            <a:spLocks noGrp="1"/>
+          </p:cNvSpPr>
+          <p:nvPr>
+            <p:ph type="title"/>
+          </p:nvPr>
+        </p:nvSpPr>
+        <p:spPr/>
+        <p:txBody>
+          <a:bodyPr/>
+          <a:lstStyle/>
+          <a:p>
+            <a:r>
+              <a:rPr lang="en-US" dirty="0" smtClean="0"/>
+              <a:t>View the Results to See the Pending Tests</a:t>
+            </a:r>
+            <a:endParaRPr lang="en-US" dirty="0"/>
           </a:p>
         </p:txBody>
       </p:sp>
     </p:spTree>
     <p:extLst>
       <p:ext uri="{BB962C8B-B14F-4D97-AF65-F5344CB8AC3E}">
-        <p14:creationId xmlns:p14="http://schemas.microsoft.com/office/powerpoint/2010/main" val="4200302558"/>
+        <p14:creationId xmlns:p14="http://schemas.microsoft.com/office/powerpoint/2010/main" val="654989119"/>
       </p:ext>
     </p:extLst>
   </p:cSld>
@@ -19891,25 +20281,20 @@
           <a:lstStyle/>
           <a:p>
             <a:r>
-              <a:rPr lang="en-US" dirty="0" err="1" smtClean="0"/>
-              <a:t>ChefSpec</a:t>
-            </a:r>
-            <a:r>
-              <a:rPr lang="en-US" dirty="0" smtClean="0"/>
-              <a:t> Documentation</a:t>
-            </a:r>
-            <a:endParaRPr lang="en-US" dirty="0"/>
-          </a:p>
-        </p:txBody>
-      </p:sp>
-      <p:sp>
-        <p:nvSpPr>
-          <p:cNvPr id="3" name="Subtitle 2"/>
+              <a:rPr lang="en-US" dirty="0"/>
+              <a:t>Faster Feedback While Developing Cookbooks</a:t>
+            </a:r>
+          </a:p>
+        </p:txBody>
+      </p:sp>
+      <p:sp>
+        <p:nvSpPr>
+          <p:cNvPr id="3" name="Content Placeholder 2"/>
           <p:cNvSpPr>
             <a:spLocks noGrp="1"/>
           </p:cNvSpPr>
           <p:nvPr>
-            <p:ph type="subTitle" idx="1"/>
+            <p:ph sz="quarter" idx="11"/>
           </p:nvPr>
         </p:nvSpPr>
         <p:spPr/>
@@ -19918,62 +20303,25 @@
           <a:lstStyle/>
           <a:p>
             <a:r>
-              <a:rPr lang="en-US" dirty="0" smtClean="0"/>
-              <a:t>Find within the documentation examples of testing for </a:t>
-            </a:r>
-            <a:r>
-              <a:rPr lang="en-US" dirty="0" err="1" smtClean="0">
-                <a:latin typeface="Courier New"/>
-                <a:cs typeface="Courier New"/>
-              </a:rPr>
-              <a:t>include_recipe</a:t>
+              <a:rPr lang="en-US" dirty="0"/>
+              <a:t>The faster the feedback from our tests, the more likely we are to run them. The more likely we are to run them means they will catch more issues</a:t>
             </a:r>
             <a:r>
               <a:rPr lang="en-US" dirty="0" smtClean="0"/>
               <a:t>.</a:t>
             </a:r>
-          </a:p>
-          <a:p>
             <a:endParaRPr lang="en-US" dirty="0"/>
           </a:p>
-          <a:p>
-            <a:pPr marL="457200" indent="-457200">
-              <a:buFont typeface="Arial" charset="0"/>
-              <a:buChar char="•"/>
-            </a:pPr>
-            <a:r>
-              <a:rPr lang="en-US" dirty="0" smtClean="0"/>
-              <a:t>Search the README</a:t>
-            </a:r>
-          </a:p>
-          <a:p>
-            <a:pPr marL="457200" indent="-457200">
-              <a:buFont typeface="Arial" charset="0"/>
-              <a:buChar char="•"/>
-            </a:pPr>
-            <a:endParaRPr lang="en-US" dirty="0" smtClean="0"/>
-          </a:p>
-          <a:p>
-            <a:pPr marL="457200" indent="-457200">
-              <a:buFont typeface="Arial" charset="0"/>
-              <a:buChar char="•"/>
-            </a:pPr>
-            <a:r>
-              <a:rPr lang="en-US" dirty="0" smtClean="0"/>
-              <a:t>Search through the 'examples' directory</a:t>
-            </a:r>
-            <a:endParaRPr lang="en-US" dirty="0"/>
-          </a:p>
-        </p:txBody>
-      </p:sp>
-      <p:sp>
-        <p:nvSpPr>
-          <p:cNvPr id="4" name="Content Placeholder 3"/>
+        </p:txBody>
+      </p:sp>
+      <p:sp>
+        <p:nvSpPr>
+          <p:cNvPr id="4" name="Text Placeholder 3"/>
           <p:cNvSpPr>
             <a:spLocks noGrp="1"/>
           </p:cNvSpPr>
           <p:nvPr>
-            <p:ph sz="quarter" idx="13"/>
+            <p:ph type="body" sz="quarter" idx="10"/>
           </p:nvPr>
         </p:nvSpPr>
         <p:spPr/>
@@ -19981,30 +20329,52 @@
           <a:bodyPr/>
           <a:lstStyle/>
           <a:p>
-            <a:r>
-              <a:rPr lang="en-US" dirty="0"/>
-              <a:t>https://</a:t>
-            </a:r>
-            <a:r>
-              <a:rPr lang="en-US" dirty="0" err="1"/>
-              <a:t>github.com</a:t>
-            </a:r>
-            <a:r>
-              <a:rPr lang="en-US" dirty="0"/>
-              <a:t>/</a:t>
-            </a:r>
-            <a:r>
-              <a:rPr lang="en-US" dirty="0" err="1"/>
-              <a:t>sethvargo</a:t>
-            </a:r>
-            <a:r>
-              <a:rPr lang="en-US" dirty="0"/>
-              <a:t>/</a:t>
-            </a:r>
-            <a:r>
-              <a:rPr lang="en-US" dirty="0" err="1" smtClean="0"/>
-              <a:t>chefspec</a:t>
-            </a:r>
+            <a:pPr marL="342900" indent="-342900">
+              <a:buFont typeface="Wingdings" charset="2"/>
+              <a:buChar char="ü"/>
+            </a:pPr>
+            <a:r>
+              <a:rPr lang="en-US" dirty="0" smtClean="0"/>
+              <a:t>Review and run the existing tests</a:t>
+            </a:r>
+          </a:p>
+          <a:p>
+            <a:pPr marL="342900" indent="-342900">
+              <a:buFont typeface="Wingdings" charset="2"/>
+              <a:buChar char="ü"/>
+            </a:pPr>
+            <a:r>
+              <a:rPr lang="en-US" dirty="0" smtClean="0"/>
+              <a:t>Identify the tests that we need to write</a:t>
+            </a:r>
+          </a:p>
+          <a:p>
+            <a:pPr marL="342900" indent="-342900">
+              <a:buFont typeface="Wingdings" charset="2"/>
+              <a:buChar char="q"/>
+            </a:pPr>
+            <a:r>
+              <a:rPr lang="en-US" dirty="0" smtClean="0"/>
+              <a:t>Write and execute the tests to identify the failure</a:t>
+            </a:r>
+          </a:p>
+          <a:p>
+            <a:pPr marL="342900" indent="-342900">
+              <a:buFont typeface="Wingdings" charset="2"/>
+              <a:buChar char="q"/>
+            </a:pPr>
+            <a:r>
+              <a:rPr lang="en-US" dirty="0" smtClean="0"/>
+              <a:t>Fix the code and execute the tests to see success</a:t>
+            </a:r>
+          </a:p>
+          <a:p>
+            <a:endParaRPr lang="en-US" dirty="0" smtClean="0"/>
+          </a:p>
+          <a:p>
+            <a:endParaRPr lang="en-US" dirty="0" smtClean="0"/>
+          </a:p>
+          <a:p>
             <a:endParaRPr lang="en-US" dirty="0" smtClean="0"/>
           </a:p>
         </p:txBody>
@@ -20012,7 +20382,7 @@
     </p:spTree>
     <p:extLst>
       <p:ext uri="{BB962C8B-B14F-4D97-AF65-F5344CB8AC3E}">
-        <p14:creationId xmlns:p14="http://schemas.microsoft.com/office/powerpoint/2010/main" val="3736058022"/>
+        <p14:creationId xmlns:p14="http://schemas.microsoft.com/office/powerpoint/2010/main" val="4200302558"/>
       </p:ext>
     </p:extLst>
   </p:cSld>
@@ -20056,7 +20426,7 @@
             <a:spLocks noGrp="1"/>
           </p:cNvSpPr>
           <p:nvPr>
-            <p:ph type="title"/>
+            <p:ph type="ctrTitle"/>
           </p:nvPr>
         </p:nvSpPr>
         <p:spPr/>
@@ -20067,8 +20437,12 @@
           <a:lstStyle/>
           <a:p>
             <a:r>
-              <a:rPr lang="en-US" dirty="0" smtClean="0"/>
-              <a:t>Write the Test that Verifies the Include Recipe</a:t>
+              <a:rPr lang="en-US" dirty="0" err="1" smtClean="0"/>
+              <a:t>ChefSpec</a:t>
+            </a:r>
+            <a:r>
+              <a:rPr lang="en-US" dirty="0" smtClean="0"/>
+              <a:t> Documentation</a:t>
             </a:r>
             <a:endParaRPr lang="en-US" dirty="0"/>
           </a:p>
@@ -20076,145 +20450,12 @@
       </p:sp>
       <p:sp>
         <p:nvSpPr>
-          <p:cNvPr id="3" name="Content Placeholder 2"/>
+          <p:cNvPr id="3" name="Subtitle 2"/>
           <p:cNvSpPr>
             <a:spLocks noGrp="1"/>
           </p:cNvSpPr>
           <p:nvPr>
-            <p:ph sz="quarter" idx="10"/>
-          </p:nvPr>
-        </p:nvSpPr>
-        <p:spPr/>
-        <p:txBody>
-          <a:bodyPr>
-            <a:normAutofit/>
-          </a:bodyPr>
-          <a:lstStyle/>
-          <a:p>
-            <a:r>
-              <a:rPr lang="en-US" dirty="0"/>
-              <a:t> # ... START OF THE SPEC FILE ...</a:t>
-            </a:r>
-          </a:p>
-          <a:p>
-            <a:r>
-              <a:rPr lang="en-US" dirty="0"/>
-              <a:t>    it 'converges successfully' do</a:t>
-            </a:r>
-          </a:p>
-          <a:p>
-            <a:r>
-              <a:rPr lang="en-US" dirty="0"/>
-              <a:t>      expect { </a:t>
-            </a:r>
-            <a:r>
-              <a:rPr lang="en-US" dirty="0" err="1"/>
-              <a:t>chef_run</a:t>
-            </a:r>
-            <a:r>
-              <a:rPr lang="en-US" dirty="0"/>
-              <a:t> }.</a:t>
-            </a:r>
-            <a:r>
-              <a:rPr lang="en-US" dirty="0" err="1"/>
-              <a:t>to_not</a:t>
-            </a:r>
-            <a:r>
-              <a:rPr lang="en-US" dirty="0"/>
-              <a:t> </a:t>
-            </a:r>
-            <a:r>
-              <a:rPr lang="en-US" dirty="0" err="1"/>
-              <a:t>raise_error</a:t>
-            </a:r>
-            <a:endParaRPr lang="en-US" dirty="0"/>
-          </a:p>
-          <a:p>
-            <a:r>
-              <a:rPr lang="en-US" dirty="0"/>
-              <a:t>    end</a:t>
-            </a:r>
-          </a:p>
-          <a:p>
-            <a:endParaRPr lang="en-US" dirty="0"/>
-          </a:p>
-          <a:p>
-            <a:r>
-              <a:rPr lang="en-US" dirty="0"/>
-              <a:t>    it 'includes the install recipe</a:t>
-            </a:r>
-            <a:r>
-              <a:rPr lang="en-US" dirty="0" smtClean="0"/>
-              <a:t>' do</a:t>
-            </a:r>
-          </a:p>
-          <a:p>
-            <a:r>
-              <a:rPr lang="en-US" dirty="0" smtClean="0"/>
-              <a:t>      expect(</a:t>
-            </a:r>
-            <a:r>
-              <a:rPr lang="en-US" dirty="0" err="1" smtClean="0"/>
-              <a:t>chef_run</a:t>
-            </a:r>
-            <a:r>
-              <a:rPr lang="en-US" dirty="0" smtClean="0"/>
-              <a:t>).to </a:t>
-            </a:r>
-            <a:r>
-              <a:rPr lang="en-US" dirty="0" err="1" smtClean="0"/>
-              <a:t>include_recipe</a:t>
-            </a:r>
-            <a:r>
-              <a:rPr lang="en-US" dirty="0" smtClean="0"/>
-              <a:t>(</a:t>
-            </a:r>
-            <a:r>
-              <a:rPr lang="en-US" dirty="0" smtClean="0"/>
-              <a:t>'apache::</a:t>
-            </a:r>
-            <a:r>
-              <a:rPr lang="en-US" dirty="0" smtClean="0"/>
-              <a:t>install')</a:t>
-            </a:r>
-            <a:endParaRPr lang="en-US" dirty="0"/>
-          </a:p>
-          <a:p>
-            <a:r>
-              <a:rPr lang="en-US" dirty="0" smtClean="0"/>
-              <a:t>    end</a:t>
-            </a:r>
-            <a:endParaRPr lang="en-US" dirty="0"/>
-          </a:p>
-          <a:p>
-            <a:r>
-              <a:rPr lang="en-US" dirty="0" smtClean="0"/>
-              <a:t>  </a:t>
-            </a:r>
-            <a:endParaRPr lang="en-US" dirty="0"/>
-          </a:p>
-          <a:p>
-            <a:r>
-              <a:rPr lang="en-US" dirty="0"/>
-              <a:t>  end</a:t>
-            </a:r>
-          </a:p>
-          <a:p>
-            <a:r>
-              <a:rPr lang="en-US" dirty="0"/>
-              <a:t>end</a:t>
-            </a:r>
-          </a:p>
-        </p:txBody>
-      </p:sp>
-      <p:sp>
-        <p:nvSpPr>
-          <p:cNvPr id="4" name="Text Placeholder 3"/>
-          <p:cNvSpPr>
-            <a:spLocks noGrp="1"/>
-          </p:cNvSpPr>
-          <p:nvPr>
-            <p:ph type="body" sz="quarter" idx="11"/>
+            <p:ph type="subTitle" idx="1"/>
           </p:nvPr>
         </p:nvSpPr>
         <p:spPr/>
@@ -20224,48 +20465,100 @@
           <a:p>
             <a:r>
               <a:rPr lang="en-US" dirty="0" smtClean="0"/>
-              <a:t>~/apache/spec/unit/recipes/</a:t>
-            </a:r>
-            <a:r>
-              <a:rPr lang="en-US" dirty="0" err="1" smtClean="0"/>
-              <a:t>default_spec.rb</a:t>
-            </a:r>
+              <a:t>Find within the documentation examples of testing for </a:t>
+            </a:r>
+            <a:r>
+              <a:rPr lang="en-US" dirty="0" err="1" smtClean="0">
+                <a:latin typeface="Courier New"/>
+                <a:cs typeface="Courier New"/>
+              </a:rPr>
+              <a:t>include_recipe</a:t>
+            </a:r>
+            <a:r>
+              <a:rPr lang="en-US" dirty="0" smtClean="0"/>
+              <a:t>.</a:t>
+            </a:r>
+          </a:p>
+          <a:p>
             <a:endParaRPr lang="en-US" dirty="0"/>
           </a:p>
-        </p:txBody>
-      </p:sp>
-      <p:sp>
-        <p:nvSpPr>
-          <p:cNvPr id="6" name="Text Placeholder 5"/>
+          <a:p>
+            <a:pPr marL="457200" indent="-457200">
+              <a:buFont typeface="Arial" charset="0"/>
+              <a:buChar char="•"/>
+            </a:pPr>
+            <a:r>
+              <a:rPr lang="en-US" dirty="0" smtClean="0"/>
+              <a:t>Search the README</a:t>
+            </a:r>
+          </a:p>
+          <a:p>
+            <a:pPr marL="457200" indent="-457200">
+              <a:buFont typeface="Arial" charset="0"/>
+              <a:buChar char="•"/>
+            </a:pPr>
+            <a:endParaRPr lang="en-US" dirty="0" smtClean="0"/>
+          </a:p>
+          <a:p>
+            <a:pPr marL="457200" indent="-457200">
+              <a:buFont typeface="Arial" charset="0"/>
+              <a:buChar char="•"/>
+            </a:pPr>
+            <a:r>
+              <a:rPr lang="en-US" dirty="0" smtClean="0"/>
+              <a:t>Search through the 'examples' directory</a:t>
+            </a:r>
+            <a:endParaRPr lang="en-US" dirty="0"/>
+          </a:p>
+        </p:txBody>
+      </p:sp>
+      <p:sp>
+        <p:nvSpPr>
+          <p:cNvPr id="4" name="Content Placeholder 3"/>
           <p:cNvSpPr>
             <a:spLocks noGrp="1"/>
           </p:cNvSpPr>
           <p:nvPr>
-            <p:ph type="body" sz="quarter" idx="13"/>
-          </p:nvPr>
-        </p:nvSpPr>
-        <p:spPr>
-          <a:xfrm>
-            <a:off x="1135042" y="4691270"/>
-            <a:ext cx="14404273" cy="1669773"/>
-          </a:xfrm>
-        </p:spPr>
+            <p:ph sz="quarter" idx="13"/>
+          </p:nvPr>
+        </p:nvSpPr>
+        <p:spPr/>
         <p:txBody>
           <a:bodyPr/>
           <a:lstStyle/>
           <a:p>
             <a:r>
-              <a:rPr lang="en-US" dirty="0" smtClean="0"/>
-              <a:t>+</a:t>
-            </a:r>
-            <a:endParaRPr lang="en-US" dirty="0"/>
+              <a:rPr lang="en-US" dirty="0"/>
+              <a:t>https://</a:t>
+            </a:r>
+            <a:r>
+              <a:rPr lang="en-US" dirty="0" err="1"/>
+              <a:t>github.com</a:t>
+            </a:r>
+            <a:r>
+              <a:rPr lang="en-US" dirty="0"/>
+              <a:t>/</a:t>
+            </a:r>
+            <a:r>
+              <a:rPr lang="en-US" dirty="0" err="1"/>
+              <a:t>sethvargo</a:t>
+            </a:r>
+            <a:r>
+              <a:rPr lang="en-US" dirty="0"/>
+              <a:t>/</a:t>
+            </a:r>
+            <a:r>
+              <a:rPr lang="en-US" dirty="0" err="1" smtClean="0"/>
+              <a:t>chefspec</a:t>
+            </a:r>
+            <a:endParaRPr lang="en-US" dirty="0" smtClean="0"/>
           </a:p>
         </p:txBody>
       </p:sp>
     </p:spTree>
     <p:extLst>
       <p:ext uri="{BB962C8B-B14F-4D97-AF65-F5344CB8AC3E}">
-        <p14:creationId xmlns:p14="http://schemas.microsoft.com/office/powerpoint/2010/main" val="3760288463"/>
+        <p14:creationId xmlns:p14="http://schemas.microsoft.com/office/powerpoint/2010/main" val="3736058022"/>
       </p:ext>
     </p:extLst>
   </p:cSld>
@@ -20304,12 +20597,162 @@
       </p:grpSpPr>
       <p:sp>
         <p:nvSpPr>
-          <p:cNvPr id="2" name="Content Placeholder 1"/>
+          <p:cNvPr id="2" name="Title 1"/>
           <p:cNvSpPr>
             <a:spLocks noGrp="1"/>
           </p:cNvSpPr>
           <p:nvPr>
+            <p:ph type="title"/>
+          </p:nvPr>
+        </p:nvSpPr>
+        <p:spPr/>
+        <p:txBody>
+          <a:bodyPr>
+            <a:normAutofit fontScale="90000"/>
+          </a:bodyPr>
+          <a:lstStyle/>
+          <a:p>
+            <a:r>
+              <a:rPr lang="en-US" dirty="0" smtClean="0"/>
+              <a:t>Write the Test that Verifies the Include Recipe</a:t>
+            </a:r>
+            <a:endParaRPr lang="en-US" dirty="0"/>
+          </a:p>
+        </p:txBody>
+      </p:sp>
+      <p:sp>
+        <p:nvSpPr>
+          <p:cNvPr id="3" name="Content Placeholder 2"/>
+          <p:cNvSpPr>
+            <a:spLocks noGrp="1"/>
+          </p:cNvSpPr>
+          <p:nvPr>
             <p:ph sz="quarter" idx="10"/>
+          </p:nvPr>
+        </p:nvSpPr>
+        <p:spPr/>
+        <p:txBody>
+          <a:bodyPr>
+            <a:normAutofit/>
+          </a:bodyPr>
+          <a:lstStyle/>
+          <a:p>
+            <a:r>
+              <a:rPr lang="en-US" dirty="0"/>
+              <a:t> # ... START OF THE SPEC FILE ...</a:t>
+            </a:r>
+          </a:p>
+          <a:p>
+            <a:r>
+              <a:rPr lang="en-US" dirty="0"/>
+              <a:t>    it 'converges successfully' do</a:t>
+            </a:r>
+          </a:p>
+          <a:p>
+            <a:r>
+              <a:rPr lang="en-US" dirty="0"/>
+              <a:t>      expect { </a:t>
+            </a:r>
+            <a:r>
+              <a:rPr lang="en-US" dirty="0" err="1"/>
+              <a:t>chef_run</a:t>
+            </a:r>
+            <a:r>
+              <a:rPr lang="en-US" dirty="0"/>
+              <a:t> }.</a:t>
+            </a:r>
+            <a:r>
+              <a:rPr lang="en-US" dirty="0" err="1"/>
+              <a:t>to_not</a:t>
+            </a:r>
+            <a:r>
+              <a:rPr lang="en-US" dirty="0"/>
+              <a:t> </a:t>
+            </a:r>
+            <a:r>
+              <a:rPr lang="en-US" dirty="0" err="1"/>
+              <a:t>raise_error</a:t>
+            </a:r>
+            <a:endParaRPr lang="en-US" dirty="0"/>
+          </a:p>
+          <a:p>
+            <a:r>
+              <a:rPr lang="en-US" dirty="0"/>
+              <a:t>    end</a:t>
+            </a:r>
+          </a:p>
+          <a:p>
+            <a:endParaRPr lang="en-US" dirty="0"/>
+          </a:p>
+          <a:p>
+            <a:r>
+              <a:rPr lang="en-US" dirty="0"/>
+              <a:t>    it 'includes the install recipe</a:t>
+            </a:r>
+            <a:r>
+              <a:rPr lang="en-US" dirty="0" smtClean="0"/>
+              <a:t>' do</a:t>
+            </a:r>
+          </a:p>
+          <a:p>
+            <a:r>
+              <a:rPr lang="en-US" dirty="0" smtClean="0"/>
+              <a:t>      expect(</a:t>
+            </a:r>
+            <a:r>
+              <a:rPr lang="en-US" dirty="0" err="1" smtClean="0"/>
+              <a:t>chef_run</a:t>
+            </a:r>
+            <a:r>
+              <a:rPr lang="en-US" dirty="0" smtClean="0"/>
+              <a:t>).to </a:t>
+            </a:r>
+            <a:r>
+              <a:rPr lang="en-US" dirty="0" err="1" smtClean="0"/>
+              <a:t>include_recipe</a:t>
+            </a:r>
+            <a:r>
+              <a:rPr lang="en-US" dirty="0" smtClean="0"/>
+              <a:t>('apache::install')</a:t>
+            </a:r>
+            <a:endParaRPr lang="en-US" dirty="0"/>
+          </a:p>
+          <a:p>
+            <a:r>
+              <a:rPr lang="en-US" dirty="0" smtClean="0"/>
+              <a:t>    end</a:t>
+            </a:r>
+            <a:endParaRPr lang="en-US" dirty="0"/>
+          </a:p>
+          <a:p>
+            <a:r>
+              <a:rPr lang="en-US" dirty="0" smtClean="0"/>
+              <a:t>  </a:t>
+            </a:r>
+            <a:endParaRPr lang="en-US" dirty="0"/>
+          </a:p>
+          <a:p>
+            <a:r>
+              <a:rPr lang="en-US" dirty="0"/>
+              <a:t>  end</a:t>
+            </a:r>
+          </a:p>
+          <a:p>
+            <a:r>
+              <a:rPr lang="en-US" dirty="0"/>
+              <a:t>end</a:t>
+            </a:r>
+          </a:p>
+        </p:txBody>
+      </p:sp>
+      <p:sp>
+        <p:nvSpPr>
+          <p:cNvPr id="4" name="Text Placeholder 3"/>
+          <p:cNvSpPr>
+            <a:spLocks noGrp="1"/>
+          </p:cNvSpPr>
+          <p:nvPr>
+            <p:ph type="body" sz="quarter" idx="11"/>
           </p:nvPr>
         </p:nvSpPr>
         <p:spPr/>
@@ -20318,6 +20761,101 @@
           <a:lstStyle/>
           <a:p>
             <a:r>
+              <a:rPr lang="en-US" dirty="0" smtClean="0"/>
+              <a:t>~/apache/spec/unit/recipes/</a:t>
+            </a:r>
+            <a:r>
+              <a:rPr lang="en-US" dirty="0" err="1" smtClean="0"/>
+              <a:t>default_spec.rb</a:t>
+            </a:r>
+            <a:endParaRPr lang="en-US" dirty="0"/>
+          </a:p>
+        </p:txBody>
+      </p:sp>
+      <p:sp>
+        <p:nvSpPr>
+          <p:cNvPr id="6" name="Text Placeholder 5"/>
+          <p:cNvSpPr>
+            <a:spLocks noGrp="1"/>
+          </p:cNvSpPr>
+          <p:nvPr>
+            <p:ph type="body" sz="quarter" idx="13"/>
+          </p:nvPr>
+        </p:nvSpPr>
+        <p:spPr>
+          <a:xfrm>
+            <a:off x="1135042" y="4691270"/>
+            <a:ext cx="14404273" cy="1669773"/>
+          </a:xfrm>
+        </p:spPr>
+        <p:txBody>
+          <a:bodyPr/>
+          <a:lstStyle/>
+          <a:p>
+            <a:r>
+              <a:rPr lang="en-US" dirty="0" smtClean="0"/>
+              <a:t>+</a:t>
+            </a:r>
+            <a:endParaRPr lang="en-US" dirty="0"/>
+          </a:p>
+        </p:txBody>
+      </p:sp>
+    </p:spTree>
+    <p:extLst>
+      <p:ext uri="{BB962C8B-B14F-4D97-AF65-F5344CB8AC3E}">
+        <p14:creationId xmlns:p14="http://schemas.microsoft.com/office/powerpoint/2010/main" val="3760288463"/>
+      </p:ext>
+    </p:extLst>
+  </p:cSld>
+  <p:clrMapOvr>
+    <a:masterClrMapping/>
+  </p:clrMapOvr>
+  <p:transition spd="med">
+    <p:fade/>
+  </p:transition>
+  <p:timing>
+    <p:tnLst>
+      <p:par>
+        <p:cTn id="1" dur="indefinite" restart="never" nodeType="tmRoot"/>
+      </p:par>
+    </p:tnLst>
+  </p:timing>
+</p:sld>
+</file>
+
+<file path=ppt/slides/slide26.xml><?xml version="1.0" encoding="utf-8"?>
+<p:sld xmlns:a="http://schemas.openxmlformats.org/drawingml/2006/main" xmlns:r="http://schemas.openxmlformats.org/officeDocument/2006/relationships" xmlns:p="http://schemas.openxmlformats.org/presentationml/2006/main">
+  <p:cSld>
+    <p:spTree>
+      <p:nvGrpSpPr>
+        <p:cNvPr id="1" name=""/>
+        <p:cNvGrpSpPr/>
+        <p:nvPr/>
+      </p:nvGrpSpPr>
+      <p:grpSpPr>
+        <a:xfrm>
+          <a:off x="0" y="0"/>
+          <a:ext cx="0" cy="0"/>
+          <a:chOff x="0" y="0"/>
+          <a:chExt cx="0" cy="0"/>
+        </a:xfrm>
+      </p:grpSpPr>
+      <p:sp>
+        <p:nvSpPr>
+          <p:cNvPr id="2" name="Content Placeholder 1"/>
+          <p:cNvSpPr>
+            <a:spLocks noGrp="1"/>
+          </p:cNvSpPr>
+          <p:nvPr>
+            <p:ph sz="quarter" idx="10"/>
+          </p:nvPr>
+        </p:nvSpPr>
+        <p:spPr/>
+        <p:txBody>
+          <a:bodyPr/>
+          <a:lstStyle/>
+          <a:p>
+            <a:r>
               <a:rPr lang="en-US" dirty="0"/>
               <a:t>.</a:t>
             </a:r>
@@ -20354,7 +20892,15 @@
             </a:r>
             <a:r>
               <a:rPr lang="en-US" dirty="0"/>
-              <a:t>default When all attributes are default, on an unspecified platform includes the install recipe</a:t>
+              <a:t>default When all attributes are default, on </a:t>
+            </a:r>
+            <a:r>
+              <a:rPr lang="en-US" dirty="0" smtClean="0"/>
+              <a:t>an CentOS 6.7 </a:t>
+            </a:r>
+            <a:r>
+              <a:rPr lang="en-US" dirty="0"/>
+              <a:t>includes the install recipe</a:t>
             </a:r>
           </a:p>
           <a:p>
@@ -20800,159 +21346,6 @@
 </p:sld>
 </file>
 
-<file path=ppt/slides/slide26.xml><?xml version="1.0" encoding="utf-8"?>
-<p:sld xmlns:a="http://schemas.openxmlformats.org/drawingml/2006/main" xmlns:r="http://schemas.openxmlformats.org/officeDocument/2006/relationships" xmlns:p="http://schemas.openxmlformats.org/presentationml/2006/main">
-  <p:cSld>
-    <p:spTree>
-      <p:nvGrpSpPr>
-        <p:cNvPr id="1" name=""/>
-        <p:cNvGrpSpPr/>
-        <p:nvPr/>
-      </p:nvGrpSpPr>
-      <p:grpSpPr>
-        <a:xfrm>
-          <a:off x="0" y="0"/>
-          <a:ext cx="0" cy="0"/>
-          <a:chOff x="0" y="0"/>
-          <a:chExt cx="0" cy="0"/>
-        </a:xfrm>
-      </p:grpSpPr>
-      <p:sp>
-        <p:nvSpPr>
-          <p:cNvPr id="2" name="Title 1"/>
-          <p:cNvSpPr>
-            <a:spLocks noGrp="1"/>
-          </p:cNvSpPr>
-          <p:nvPr>
-            <p:ph type="ctrTitle"/>
-          </p:nvPr>
-        </p:nvSpPr>
-        <p:spPr/>
-        <p:txBody>
-          <a:bodyPr>
-            <a:normAutofit fontScale="90000"/>
-          </a:bodyPr>
-          <a:lstStyle/>
-          <a:p>
-            <a:r>
-              <a:rPr lang="en-US" smtClean="0"/>
-              <a:t>Faster Feedback While Developing Cookbooks</a:t>
-            </a:r>
-            <a:endParaRPr lang="en-US" dirty="0"/>
-          </a:p>
-        </p:txBody>
-      </p:sp>
-      <p:sp>
-        <p:nvSpPr>
-          <p:cNvPr id="3" name="Content Placeholder 2"/>
-          <p:cNvSpPr>
-            <a:spLocks noGrp="1"/>
-          </p:cNvSpPr>
-          <p:nvPr>
-            <p:ph sz="quarter" idx="11"/>
-          </p:nvPr>
-        </p:nvSpPr>
-        <p:spPr/>
-        <p:txBody>
-          <a:bodyPr/>
-          <a:lstStyle/>
-          <a:p>
-            <a:r>
-              <a:rPr lang="en-US" smtClean="0"/>
-              <a:t>The faster the feedback from our tests, the more likely we are to run them. The more likely we are to run them means they will catch more issues.</a:t>
-            </a:r>
-            <a:endParaRPr lang="en-US" dirty="0"/>
-          </a:p>
-        </p:txBody>
-      </p:sp>
-      <p:sp>
-        <p:nvSpPr>
-          <p:cNvPr id="4" name="Text Placeholder 3"/>
-          <p:cNvSpPr>
-            <a:spLocks noGrp="1"/>
-          </p:cNvSpPr>
-          <p:nvPr>
-            <p:ph type="body" sz="quarter" idx="10"/>
-          </p:nvPr>
-        </p:nvSpPr>
-        <p:spPr/>
-        <p:txBody>
-          <a:bodyPr/>
-          <a:lstStyle/>
-          <a:p>
-            <a:pPr marL="342900" indent="-342900">
-              <a:buFont typeface="Wingdings" charset="2"/>
-              <a:buChar char="ü"/>
-            </a:pPr>
-            <a:r>
-              <a:rPr lang="en-US" dirty="0" smtClean="0"/>
-              <a:t>Review and run the existing tests</a:t>
-            </a:r>
-          </a:p>
-          <a:p>
-            <a:pPr marL="342900" indent="-342900">
-              <a:buFont typeface="Wingdings" charset="2"/>
-              <a:buChar char="ü"/>
-            </a:pPr>
-            <a:r>
-              <a:rPr lang="en-US" dirty="0"/>
-              <a:t>Identify the tests that we need to write</a:t>
-            </a:r>
-          </a:p>
-          <a:p>
-            <a:pPr marL="342900" indent="-342900">
-              <a:buFont typeface="Wingdings" charset="2"/>
-              <a:buChar char="ü"/>
-            </a:pPr>
-            <a:r>
-              <a:rPr lang="en-US" dirty="0" smtClean="0"/>
-              <a:t>Write and execute the tests to identify the failure</a:t>
-            </a:r>
-          </a:p>
-          <a:p>
-            <a:pPr marL="342900" indent="-342900">
-              <a:buFont typeface="Wingdings" charset="2"/>
-              <a:buChar char="q"/>
-            </a:pPr>
-            <a:r>
-              <a:rPr lang="en-US" dirty="0" smtClean="0"/>
-              <a:t>Fix the code and execute the tests to see success</a:t>
-            </a:r>
-          </a:p>
-          <a:p>
-            <a:endParaRPr lang="en-US" dirty="0" smtClean="0"/>
-          </a:p>
-          <a:p>
-            <a:endParaRPr lang="en-US" dirty="0" smtClean="0"/>
-          </a:p>
-          <a:p>
-            <a:endParaRPr lang="en-US" dirty="0" smtClean="0"/>
-          </a:p>
-        </p:txBody>
-      </p:sp>
-    </p:spTree>
-    <p:extLst>
-      <p:ext uri="{BB962C8B-B14F-4D97-AF65-F5344CB8AC3E}">
-        <p14:creationId xmlns:p14="http://schemas.microsoft.com/office/powerpoint/2010/main" val="132396407"/>
-      </p:ext>
-    </p:extLst>
-  </p:cSld>
-  <p:clrMapOvr>
-    <a:masterClrMapping/>
-  </p:clrMapOvr>
-  <p:transition spd="med">
-    <p:fade/>
-  </p:transition>
-  <p:timing>
-    <p:tnLst>
-      <p:par>
-        <p:cTn id="1" dur="indefinite" restart="never" nodeType="tmRoot"/>
-      </p:par>
-    </p:tnLst>
-  </p:timing>
-</p:sld>
-</file>
-
 <file path=ppt/slides/slide27.xml><?xml version="1.0" encoding="utf-8"?>
 <p:sld xmlns:a="http://schemas.openxmlformats.org/drawingml/2006/main" xmlns:r="http://schemas.openxmlformats.org/officeDocument/2006/relationships" xmlns:p="http://schemas.openxmlformats.org/presentationml/2006/main">
   <p:cSld>
@@ -20977,19 +21370,19 @@
             <a:spLocks noGrp="1"/>
           </p:cNvSpPr>
           <p:nvPr>
-            <p:ph type="title"/>
+            <p:ph type="ctrTitle"/>
           </p:nvPr>
         </p:nvSpPr>
         <p:spPr/>
         <p:txBody>
           <a:bodyPr>
-            <a:normAutofit/>
+            <a:normAutofit fontScale="90000"/>
           </a:bodyPr>
           <a:lstStyle/>
           <a:p>
             <a:r>
-              <a:rPr lang="en-US" dirty="0" smtClean="0"/>
-              <a:t>Uncomment the Include Recipe</a:t>
+              <a:rPr lang="en-US" smtClean="0"/>
+              <a:t>Faster Feedback While Developing Cookbooks</a:t>
             </a:r>
             <a:endParaRPr lang="en-US" dirty="0"/>
           </a:p>
@@ -21002,7 +21395,7 @@
             <a:spLocks noGrp="1"/>
           </p:cNvSpPr>
           <p:nvPr>
-            <p:ph sz="quarter" idx="10"/>
+            <p:ph sz="quarter" idx="11"/>
           </p:nvPr>
         </p:nvSpPr>
         <p:spPr/>
@@ -21011,108 +21404,11 @@
           <a:lstStyle/>
           <a:p>
             <a:r>
-              <a:rPr lang="en-US" dirty="0"/>
-              <a:t>#</a:t>
-            </a:r>
-          </a:p>
-          <a:p>
-            <a:r>
-              <a:rPr lang="en-US" dirty="0"/>
-              <a:t># Cookbook Name:: </a:t>
-            </a:r>
-            <a:r>
-              <a:rPr lang="en-US" dirty="0" smtClean="0"/>
-              <a:t>apache</a:t>
+              <a:rPr lang="en-US" smtClean="0"/>
+              <a:t>The faster the feedback from our tests, the more likely we are to run them. The more likely we are to run them means they will catch more issues.</a:t>
             </a:r>
             <a:endParaRPr lang="en-US" dirty="0"/>
           </a:p>
-          <a:p>
-            <a:r>
-              <a:rPr lang="en-US" dirty="0"/>
-              <a:t># Recipe:: default</a:t>
-            </a:r>
-          </a:p>
-          <a:p>
-            <a:r>
-              <a:rPr lang="en-US" dirty="0"/>
-              <a:t>#</a:t>
-            </a:r>
-          </a:p>
-          <a:p>
-            <a:r>
-              <a:rPr lang="en-US" dirty="0"/>
-              <a:t># Copyright (c) </a:t>
-            </a:r>
-            <a:r>
-              <a:rPr lang="is-IS" dirty="0" smtClean="0"/>
-              <a:t>2017</a:t>
-            </a:r>
-            <a:r>
-              <a:rPr lang="en-US" dirty="0" smtClean="0"/>
-              <a:t> </a:t>
-            </a:r>
-            <a:r>
-              <a:rPr lang="en-US" dirty="0"/>
-              <a:t>The Authors, All Rights Reserved.</a:t>
-            </a:r>
-          </a:p>
-          <a:p>
-            <a:r>
-              <a:rPr lang="en-US" dirty="0" err="1" smtClean="0"/>
-              <a:t>include_recipe</a:t>
-            </a:r>
-            <a:r>
-              <a:rPr lang="en-US" dirty="0" smtClean="0"/>
-              <a:t> </a:t>
-            </a:r>
-            <a:r>
-              <a:rPr lang="en-US" dirty="0" smtClean="0"/>
-              <a:t>'apache::</a:t>
-            </a:r>
-            <a:r>
-              <a:rPr lang="en-US" dirty="0" smtClean="0"/>
-              <a:t>install'</a:t>
-            </a:r>
-          </a:p>
-          <a:p>
-            <a:r>
-              <a:rPr lang="en-US" dirty="0" err="1" smtClean="0"/>
-              <a:t>include_recipe</a:t>
-            </a:r>
-            <a:r>
-              <a:rPr lang="en-US" dirty="0" smtClean="0"/>
-              <a:t> </a:t>
-            </a:r>
-            <a:r>
-              <a:rPr lang="en-US" dirty="0" smtClean="0"/>
-              <a:t>'apache::</a:t>
-            </a:r>
-            <a:r>
-              <a:rPr lang="en-US" dirty="0" smtClean="0"/>
-              <a:t>configuration'</a:t>
-            </a:r>
-          </a:p>
-          <a:p>
-            <a:r>
-              <a:rPr lang="en-US" dirty="0" err="1"/>
-              <a:t>include_recipe</a:t>
-            </a:r>
-            <a:r>
-              <a:rPr lang="en-US" dirty="0"/>
-              <a:t> </a:t>
-            </a:r>
-            <a:r>
-              <a:rPr lang="en-US" dirty="0" smtClean="0"/>
-              <a:t>'apache::</a:t>
-            </a:r>
-            <a:r>
-              <a:rPr lang="en-US" dirty="0"/>
-              <a:t>service'</a:t>
-            </a:r>
-          </a:p>
-          <a:p>
-            <a:endParaRPr lang="en-US" dirty="0"/>
-          </a:p>
         </p:txBody>
       </p:sp>
       <p:sp>
@@ -21122,7 +21418,7 @@
             <a:spLocks noGrp="1"/>
           </p:cNvSpPr>
           <p:nvPr>
-            <p:ph type="body" sz="quarter" idx="11"/>
+            <p:ph type="body" sz="quarter" idx="10"/>
           </p:nvPr>
         </p:nvSpPr>
         <p:spPr/>
@@ -21130,50 +21426,60 @@
           <a:bodyPr/>
           <a:lstStyle/>
           <a:p>
-            <a:r>
-              <a:rPr lang="en-US" dirty="0" smtClean="0"/>
-              <a:t>~/apache/recipes/</a:t>
-            </a:r>
-            <a:r>
-              <a:rPr lang="en-US" dirty="0" err="1" smtClean="0"/>
-              <a:t>default.rb</a:t>
-            </a:r>
-            <a:endParaRPr lang="en-US" dirty="0"/>
-          </a:p>
-        </p:txBody>
-      </p:sp>
-      <p:sp>
-        <p:nvSpPr>
-          <p:cNvPr id="6" name="Text Placeholder 5"/>
-          <p:cNvSpPr>
-            <a:spLocks noGrp="1"/>
-          </p:cNvSpPr>
-          <p:nvPr>
-            <p:ph type="body" sz="quarter" idx="13"/>
-          </p:nvPr>
-        </p:nvSpPr>
-        <p:spPr>
-          <a:xfrm>
-            <a:off x="1135042" y="4751917"/>
-            <a:ext cx="14404273" cy="656166"/>
-          </a:xfrm>
-        </p:spPr>
-        <p:txBody>
-          <a:bodyPr/>
-          <a:lstStyle/>
-          <a:p>
-            <a:r>
-              <a:rPr lang="en-US" dirty="0" smtClean="0"/>
-              <a:t>+</a:t>
-            </a:r>
-            <a:endParaRPr lang="en-US" dirty="0"/>
+            <a:pPr marL="342900" indent="-342900">
+              <a:buFont typeface="Wingdings" charset="2"/>
+              <a:buChar char="ü"/>
+            </a:pPr>
+            <a:r>
+              <a:rPr lang="en-US" dirty="0" smtClean="0"/>
+              <a:t>Review and run the existing tests</a:t>
+            </a:r>
+          </a:p>
+          <a:p>
+            <a:pPr marL="342900" indent="-342900">
+              <a:buFont typeface="Wingdings" charset="2"/>
+              <a:buChar char="ü"/>
+            </a:pPr>
+            <a:r>
+              <a:rPr lang="en-US" dirty="0"/>
+              <a:t>Identify the tests that we need to write</a:t>
+            </a:r>
+          </a:p>
+          <a:p>
+            <a:pPr marL="342900" indent="-342900">
+              <a:buFont typeface="Wingdings" charset="2"/>
+              <a:buChar char="ü"/>
+            </a:pPr>
+            <a:r>
+              <a:rPr lang="en-US" dirty="0" smtClean="0"/>
+              <a:t>Write and execute the tests to identify the failure</a:t>
+            </a:r>
+          </a:p>
+          <a:p>
+            <a:pPr marL="342900" indent="-342900">
+              <a:buFont typeface="Wingdings" charset="2"/>
+              <a:buChar char="q"/>
+            </a:pPr>
+            <a:r>
+              <a:rPr lang="en-US" dirty="0" smtClean="0"/>
+              <a:t>Fix the code and execute the tests to see success</a:t>
+            </a:r>
+          </a:p>
+          <a:p>
+            <a:endParaRPr lang="en-US" dirty="0" smtClean="0"/>
+          </a:p>
+          <a:p>
+            <a:endParaRPr lang="en-US" dirty="0" smtClean="0"/>
+          </a:p>
+          <a:p>
+            <a:endParaRPr lang="en-US" dirty="0" smtClean="0"/>
           </a:p>
         </p:txBody>
       </p:sp>
     </p:spTree>
     <p:extLst>
       <p:ext uri="{BB962C8B-B14F-4D97-AF65-F5344CB8AC3E}">
-        <p14:creationId xmlns:p14="http://schemas.microsoft.com/office/powerpoint/2010/main" val="3811422143"/>
+        <p14:creationId xmlns:p14="http://schemas.microsoft.com/office/powerpoint/2010/main" val="132396407"/>
       </p:ext>
     </p:extLst>
   </p:cSld>
@@ -21212,7 +21518,32 @@
       </p:grpSpPr>
       <p:sp>
         <p:nvSpPr>
-          <p:cNvPr id="2" name="Content Placeholder 1"/>
+          <p:cNvPr id="2" name="Title 1"/>
+          <p:cNvSpPr>
+            <a:spLocks noGrp="1"/>
+          </p:cNvSpPr>
+          <p:nvPr>
+            <p:ph type="title"/>
+          </p:nvPr>
+        </p:nvSpPr>
+        <p:spPr/>
+        <p:txBody>
+          <a:bodyPr>
+            <a:normAutofit/>
+          </a:bodyPr>
+          <a:lstStyle/>
+          <a:p>
+            <a:r>
+              <a:rPr lang="en-US" dirty="0" smtClean="0"/>
+              <a:t>Uncomment the Include Recipe</a:t>
+            </a:r>
+            <a:endParaRPr lang="en-US" dirty="0"/>
+          </a:p>
+        </p:txBody>
+      </p:sp>
+      <p:sp>
+        <p:nvSpPr>
+          <p:cNvPr id="3" name="Content Placeholder 2"/>
           <p:cNvSpPr>
             <a:spLocks noGrp="1"/>
           </p:cNvSpPr>
@@ -21226,44 +21557,97 @@
           <a:lstStyle/>
           <a:p>
             <a:r>
-              <a:rPr lang="en-US" dirty="0" smtClean="0"/>
-              <a:t>..</a:t>
+              <a:rPr lang="en-US" dirty="0"/>
+              <a:t>#</a:t>
+            </a:r>
+          </a:p>
+          <a:p>
+            <a:r>
+              <a:rPr lang="en-US" dirty="0"/>
+              <a:t># Cookbook Name:: </a:t>
+            </a:r>
+            <a:r>
+              <a:rPr lang="en-US" dirty="0" smtClean="0"/>
+              <a:t>apache</a:t>
             </a:r>
             <a:endParaRPr lang="en-US" dirty="0"/>
           </a:p>
           <a:p>
+            <a:r>
+              <a:rPr lang="en-US" dirty="0"/>
+              <a:t># Recipe:: default</a:t>
+            </a:r>
+          </a:p>
+          <a:p>
+            <a:r>
+              <a:rPr lang="en-US" dirty="0"/>
+              <a:t>#</a:t>
+            </a:r>
+          </a:p>
+          <a:p>
+            <a:r>
+              <a:rPr lang="en-US" dirty="0"/>
+              <a:t># Copyright (c) </a:t>
+            </a:r>
+            <a:r>
+              <a:rPr lang="is-IS" dirty="0" smtClean="0"/>
+              <a:t>2017</a:t>
+            </a:r>
+            <a:r>
+              <a:rPr lang="en-US" dirty="0" smtClean="0"/>
+              <a:t> </a:t>
+            </a:r>
+            <a:r>
+              <a:rPr lang="en-US" dirty="0"/>
+              <a:t>The Authors, All Rights Reserved.</a:t>
+            </a:r>
+          </a:p>
+          <a:p>
+            <a:r>
+              <a:rPr lang="en-US" dirty="0" err="1" smtClean="0"/>
+              <a:t>include_recipe</a:t>
+            </a:r>
+            <a:r>
+              <a:rPr lang="en-US" dirty="0" smtClean="0"/>
+              <a:t> 'apache::install'</a:t>
+            </a:r>
+          </a:p>
+          <a:p>
+            <a:r>
+              <a:rPr lang="en-US" dirty="0" err="1" smtClean="0"/>
+              <a:t>include_recipe</a:t>
+            </a:r>
+            <a:r>
+              <a:rPr lang="en-US" dirty="0" smtClean="0"/>
+              <a:t> 'apache::configuration'</a:t>
+            </a:r>
+          </a:p>
+          <a:p>
+            <a:r>
+              <a:rPr lang="en-US" dirty="0" err="1"/>
+              <a:t>include_recipe</a:t>
+            </a:r>
+            <a:r>
+              <a:rPr lang="en-US" dirty="0"/>
+              <a:t> </a:t>
+            </a:r>
+            <a:r>
+              <a:rPr lang="en-US" dirty="0" smtClean="0"/>
+              <a:t>'apache::</a:t>
+            </a:r>
+            <a:r>
+              <a:rPr lang="en-US" dirty="0"/>
+              <a:t>service'</a:t>
+            </a:r>
+          </a:p>
+          <a:p>
             <a:endParaRPr lang="en-US" dirty="0"/>
           </a:p>
-          <a:p>
-            <a:r>
-              <a:rPr lang="en-US" dirty="0"/>
-              <a:t>Finished in 0.67714 seconds (files took 4.26 seconds to load)</a:t>
-            </a:r>
-          </a:p>
-          <a:p>
-            <a:r>
-              <a:rPr lang="en-US" dirty="0"/>
-              <a:t>2</a:t>
-            </a:r>
-            <a:r>
-              <a:rPr lang="en-US" dirty="0" smtClean="0"/>
-              <a:t> </a:t>
-            </a:r>
-            <a:r>
-              <a:rPr lang="en-US" dirty="0"/>
-              <a:t>examples, 0 </a:t>
-            </a:r>
-            <a:r>
-              <a:rPr lang="en-US" dirty="0" smtClean="0"/>
-              <a:t>failures</a:t>
-            </a:r>
-            <a:endParaRPr lang="en-US" dirty="0"/>
-          </a:p>
-        </p:txBody>
-      </p:sp>
-      <p:sp>
-        <p:nvSpPr>
-          <p:cNvPr id="3" name="Text Placeholder 2"/>
+        </p:txBody>
+      </p:sp>
+      <p:sp>
+        <p:nvSpPr>
+          <p:cNvPr id="4" name="Text Placeholder 3"/>
           <p:cNvSpPr>
             <a:spLocks noGrp="1"/>
           </p:cNvSpPr>
@@ -21277,20 +21661,12 @@
           <a:lstStyle/>
           <a:p>
             <a:r>
-              <a:rPr lang="en-US" dirty="0"/>
-              <a:t>&gt; chef exec </a:t>
-            </a:r>
-            <a:r>
-              <a:rPr lang="en-US" dirty="0" err="1"/>
-              <a:t>rspec</a:t>
-            </a:r>
-            <a:r>
-              <a:rPr lang="en-US" dirty="0"/>
-              <a:t> spec/unit/recipes/</a:t>
+              <a:rPr lang="en-US" dirty="0" smtClean="0"/>
+              <a:t>~/apache/recipes/</a:t>
             </a:r>
             <a:r>
               <a:rPr lang="en-US" dirty="0" err="1" smtClean="0"/>
-              <a:t>default_spec.rb</a:t>
+              <a:t>default.rb</a:t>
             </a:r>
             <a:endParaRPr lang="en-US" dirty="0"/>
           </a:p>
@@ -21298,46 +21674,27 @@
       </p:sp>
       <p:sp>
         <p:nvSpPr>
-          <p:cNvPr id="4" name="Content Placeholder 3"/>
+          <p:cNvPr id="6" name="Text Placeholder 5"/>
           <p:cNvSpPr>
             <a:spLocks noGrp="1"/>
           </p:cNvSpPr>
           <p:nvPr>
-            <p:ph sz="quarter" idx="12"/>
+            <p:ph type="body" sz="quarter" idx="13"/>
           </p:nvPr>
         </p:nvSpPr>
         <p:spPr>
           <a:xfrm>
-            <a:off x="1127883" y="2317751"/>
-            <a:ext cx="14420850" cy="518582"/>
+            <a:off x="1135042" y="4751917"/>
+            <a:ext cx="14404273" cy="656166"/>
           </a:xfrm>
         </p:spPr>
         <p:txBody>
           <a:bodyPr/>
           <a:lstStyle/>
           <a:p>
-            <a:endParaRPr lang="en-US" dirty="0"/>
-          </a:p>
-        </p:txBody>
-      </p:sp>
-      <p:sp>
-        <p:nvSpPr>
-          <p:cNvPr id="5" name="Title 4"/>
-          <p:cNvSpPr>
-            <a:spLocks noGrp="1"/>
-          </p:cNvSpPr>
-          <p:nvPr>
-            <p:ph type="title"/>
-          </p:nvPr>
-        </p:nvSpPr>
-        <p:spPr/>
-        <p:txBody>
-          <a:bodyPr/>
-          <a:lstStyle/>
-          <a:p>
-            <a:r>
-              <a:rPr lang="en-US" dirty="0" smtClean="0"/>
-              <a:t>Execute the Tests to See it Pass</a:t>
+            <a:r>
+              <a:rPr lang="en-US" dirty="0" smtClean="0"/>
+              <a:t>+</a:t>
             </a:r>
             <a:endParaRPr lang="en-US" dirty="0"/>
           </a:p>
@@ -21346,7 +21703,7 @@
     </p:spTree>
     <p:extLst>
       <p:ext uri="{BB962C8B-B14F-4D97-AF65-F5344CB8AC3E}">
-        <p14:creationId xmlns:p14="http://schemas.microsoft.com/office/powerpoint/2010/main" val="3300563483"/>
+        <p14:creationId xmlns:p14="http://schemas.microsoft.com/office/powerpoint/2010/main" val="3811422143"/>
       </p:ext>
     </p:extLst>
   </p:cSld>
@@ -21385,36 +21742,12 @@
       </p:grpSpPr>
       <p:sp>
         <p:nvSpPr>
-          <p:cNvPr id="2" name="Title 1"/>
+          <p:cNvPr id="2" name="Content Placeholder 1"/>
           <p:cNvSpPr>
             <a:spLocks noGrp="1"/>
           </p:cNvSpPr>
           <p:nvPr>
-            <p:ph type="ctrTitle"/>
-          </p:nvPr>
-        </p:nvSpPr>
-        <p:spPr/>
-        <p:txBody>
-          <a:bodyPr>
-            <a:normAutofit fontScale="90000"/>
-          </a:bodyPr>
-          <a:lstStyle/>
-          <a:p>
-            <a:r>
-              <a:rPr lang="en-US" dirty="0"/>
-              <a:t>Faster Feedback While Developing Cookbooks</a:t>
-            </a:r>
-          </a:p>
-        </p:txBody>
-      </p:sp>
-      <p:sp>
-        <p:nvSpPr>
-          <p:cNvPr id="3" name="Content Placeholder 2"/>
-          <p:cNvSpPr>
-            <a:spLocks noGrp="1"/>
-          </p:cNvSpPr>
-          <p:nvPr>
-            <p:ph sz="quarter" idx="11"/>
+            <p:ph sz="quarter" idx="10"/>
           </p:nvPr>
         </p:nvSpPr>
         <p:spPr/>
@@ -21423,12 +21756,36 @@
           <a:lstStyle/>
           <a:p>
             <a:r>
+              <a:rPr lang="en-US" dirty="0" smtClean="0"/>
+              <a:t>..</a:t>
+            </a:r>
+            <a:endParaRPr lang="en-US" dirty="0"/>
+          </a:p>
+          <a:p>
+            <a:endParaRPr lang="en-US" dirty="0"/>
+          </a:p>
+          <a:p>
+            <a:r>
               <a:rPr lang="en-US" dirty="0"/>
-              <a:t>The faster the feedback from our tests, the more likely we are to run them. The more likely we are to run them means they will catch more issues</a:t>
-            </a:r>
-            <a:r>
-              <a:rPr lang="en-US" dirty="0" smtClean="0"/>
-              <a:t>.</a:t>
+              <a:t>Finished in 0.67714 seconds (files took 4.26 seconds to load)</a:t>
+            </a:r>
+          </a:p>
+          <a:p>
+            <a:r>
+              <a:rPr lang="en-US" dirty="0"/>
+              <a:t>2</a:t>
+            </a:r>
+            <a:r>
+              <a:rPr lang="en-US" dirty="0" smtClean="0"/>
+              <a:t> </a:t>
+            </a:r>
+            <a:r>
+              <a:rPr lang="en-US" dirty="0"/>
+              <a:t>examples, 0 </a:t>
+            </a:r>
+            <a:r>
+              <a:rPr lang="en-US" dirty="0" smtClean="0"/>
+              <a:t>failures</a:t>
             </a:r>
             <a:endParaRPr lang="en-US" dirty="0"/>
           </a:p>
@@ -21436,12 +21793,12 @@
       </p:sp>
       <p:sp>
         <p:nvSpPr>
-          <p:cNvPr id="4" name="Text Placeholder 3"/>
+          <p:cNvPr id="3" name="Text Placeholder 2"/>
           <p:cNvSpPr>
             <a:spLocks noGrp="1"/>
           </p:cNvSpPr>
           <p:nvPr>
-            <p:ph type="body" sz="quarter" idx="10"/>
+            <p:ph type="body" sz="quarter" idx="11"/>
           </p:nvPr>
         </p:nvSpPr>
         <p:spPr/>
@@ -21449,60 +21806,77 @@
           <a:bodyPr/>
           <a:lstStyle/>
           <a:p>
-            <a:pPr marL="342900" indent="-342900">
-              <a:buFont typeface="Wingdings" charset="2"/>
-              <a:buChar char="ü"/>
-            </a:pPr>
-            <a:r>
-              <a:rPr lang="en-US" dirty="0" smtClean="0"/>
-              <a:t>Review and run the existing tests</a:t>
-            </a:r>
-          </a:p>
-          <a:p>
-            <a:pPr marL="342900" indent="-342900">
-              <a:buFont typeface="Wingdings" charset="2"/>
-              <a:buChar char="ü"/>
-            </a:pPr>
             <a:r>
               <a:rPr lang="en-US" dirty="0"/>
-              <a:t>Identify the tests that we need to write</a:t>
-            </a:r>
-          </a:p>
-          <a:p>
-            <a:pPr marL="342900" indent="-342900">
-              <a:buFont typeface="Wingdings" charset="2"/>
-              <a:buChar char="ü"/>
-            </a:pPr>
-            <a:r>
-              <a:rPr lang="en-US" dirty="0" smtClean="0"/>
-              <a:t>Write and execute the tests to identify the failure</a:t>
-            </a:r>
-          </a:p>
-          <a:p>
-            <a:pPr marL="342900" indent="-342900">
-              <a:buFont typeface="Wingdings" charset="2"/>
-              <a:buChar char="ü"/>
-            </a:pPr>
-            <a:r>
-              <a:rPr lang="en-US" dirty="0" smtClean="0"/>
-              <a:t>Fix the code and execute the tests to see success</a:t>
-            </a:r>
-          </a:p>
-          <a:p>
-            <a:endParaRPr lang="en-US" dirty="0" smtClean="0"/>
-          </a:p>
-          <a:p>
-            <a:endParaRPr lang="en-US" dirty="0" smtClean="0"/>
-          </a:p>
-          <a:p>
-            <a:endParaRPr lang="en-US" dirty="0" smtClean="0"/>
+              <a:t>&gt; chef exec </a:t>
+            </a:r>
+            <a:r>
+              <a:rPr lang="en-US" dirty="0" err="1"/>
+              <a:t>rspec</a:t>
+            </a:r>
+            <a:r>
+              <a:rPr lang="en-US" dirty="0"/>
+              <a:t> spec/unit/recipes/</a:t>
+            </a:r>
+            <a:r>
+              <a:rPr lang="en-US" dirty="0" err="1" smtClean="0"/>
+              <a:t>default_spec.rb</a:t>
+            </a:r>
+            <a:endParaRPr lang="en-US" dirty="0"/>
+          </a:p>
+        </p:txBody>
+      </p:sp>
+      <p:sp>
+        <p:nvSpPr>
+          <p:cNvPr id="4" name="Content Placeholder 3"/>
+          <p:cNvSpPr>
+            <a:spLocks noGrp="1"/>
+          </p:cNvSpPr>
+          <p:nvPr>
+            <p:ph sz="quarter" idx="12"/>
+          </p:nvPr>
+        </p:nvSpPr>
+        <p:spPr>
+          <a:xfrm>
+            <a:off x="1127883" y="2317751"/>
+            <a:ext cx="14420850" cy="518582"/>
+          </a:xfrm>
+        </p:spPr>
+        <p:txBody>
+          <a:bodyPr/>
+          <a:lstStyle/>
+          <a:p>
+            <a:endParaRPr lang="en-US" dirty="0"/>
+          </a:p>
+        </p:txBody>
+      </p:sp>
+      <p:sp>
+        <p:nvSpPr>
+          <p:cNvPr id="5" name="Title 4"/>
+          <p:cNvSpPr>
+            <a:spLocks noGrp="1"/>
+          </p:cNvSpPr>
+          <p:nvPr>
+            <p:ph type="title"/>
+          </p:nvPr>
+        </p:nvSpPr>
+        <p:spPr/>
+        <p:txBody>
+          <a:bodyPr/>
+          <a:lstStyle/>
+          <a:p>
+            <a:r>
+              <a:rPr lang="en-US" dirty="0" smtClean="0"/>
+              <a:t>Execute the Tests to See it Pass</a:t>
+            </a:r>
+            <a:endParaRPr lang="en-US" dirty="0"/>
           </a:p>
         </p:txBody>
       </p:sp>
     </p:spTree>
     <p:extLst>
       <p:ext uri="{BB962C8B-B14F-4D97-AF65-F5344CB8AC3E}">
-        <p14:creationId xmlns:p14="http://schemas.microsoft.com/office/powerpoint/2010/main" val="896367132"/>
+        <p14:creationId xmlns:p14="http://schemas.microsoft.com/office/powerpoint/2010/main" val="3300563483"/>
       </p:ext>
     </p:extLst>
   </p:cSld>
@@ -21686,152 +22060,108 @@
           <a:lstStyle/>
           <a:p>
             <a:r>
-              <a:rPr lang="en-US" dirty="0" smtClean="0"/>
-              <a:t>Continue with Mutation Testing</a:t>
-            </a:r>
-            <a:endParaRPr lang="en-US" dirty="0"/>
-          </a:p>
-        </p:txBody>
-      </p:sp>
-      <p:sp>
-        <p:nvSpPr>
-          <p:cNvPr id="3" name="Subtitle 2"/>
+              <a:rPr lang="en-US" dirty="0"/>
+              <a:t>Faster Feedback While Developing Cookbooks</a:t>
+            </a:r>
+          </a:p>
+        </p:txBody>
+      </p:sp>
+      <p:sp>
+        <p:nvSpPr>
+          <p:cNvPr id="3" name="Content Placeholder 2"/>
           <p:cNvSpPr>
             <a:spLocks noGrp="1"/>
           </p:cNvSpPr>
           <p:nvPr>
-            <p:ph type="subTitle" idx="1"/>
-          </p:nvPr>
-        </p:nvSpPr>
-        <p:spPr>
-          <a:xfrm>
-            <a:off x="1671638" y="3260724"/>
-            <a:ext cx="12319000" cy="3670163"/>
-          </a:xfrm>
-        </p:spPr>
+            <p:ph sz="quarter" idx="11"/>
+          </p:nvPr>
+        </p:nvSpPr>
+        <p:spPr/>
         <p:txBody>
           <a:bodyPr/>
           <a:lstStyle/>
           <a:p>
-            <a:pPr>
-              <a:lnSpc>
-                <a:spcPct val="150000"/>
-              </a:lnSpc>
+            <a:r>
+              <a:rPr lang="en-US" dirty="0"/>
+              <a:t>The faster the feedback from our tests, the more likely we are to run them. The more likely we are to run them means they will catch more issues</a:t>
+            </a:r>
+            <a:r>
+              <a:rPr lang="en-US" dirty="0" smtClean="0"/>
+              <a:t>.</a:t>
+            </a:r>
+            <a:endParaRPr lang="en-US" dirty="0"/>
+          </a:p>
+        </p:txBody>
+      </p:sp>
+      <p:sp>
+        <p:nvSpPr>
+          <p:cNvPr id="4" name="Text Placeholder 3"/>
+          <p:cNvSpPr>
+            <a:spLocks noGrp="1"/>
+          </p:cNvSpPr>
+          <p:nvPr>
+            <p:ph type="body" sz="quarter" idx="10"/>
+          </p:nvPr>
+        </p:nvSpPr>
+        <p:spPr/>
+        <p:txBody>
+          <a:bodyPr/>
+          <a:lstStyle/>
+          <a:p>
+            <a:pPr marL="342900" indent="-342900">
+              <a:buFont typeface="Wingdings" charset="2"/>
+              <a:buChar char="ü"/>
             </a:pPr>
             <a:r>
               <a:rPr lang="en-US" dirty="0" smtClean="0"/>
-              <a:t>Comment out the next line in the </a:t>
-            </a:r>
-            <a:r>
-              <a:rPr lang="en-US" dirty="0" smtClean="0"/>
-              <a:t>apache </a:t>
-            </a:r>
-            <a:r>
-              <a:rPr lang="en-US" dirty="0" smtClean="0"/>
-              <a:t>cookbook's default recipe</a:t>
-            </a:r>
-          </a:p>
-          <a:p>
-            <a:pPr>
-              <a:lnSpc>
-                <a:spcPct val="150000"/>
-              </a:lnSpc>
+              <a:t>Review and run the existing tests</a:t>
+            </a:r>
+          </a:p>
+          <a:p>
+            <a:pPr marL="342900" indent="-342900">
+              <a:buFont typeface="Wingdings" charset="2"/>
+              <a:buChar char="ü"/>
             </a:pPr>
             <a:r>
-              <a:rPr lang="en-US" dirty="0" smtClean="0"/>
-              <a:t>Write the example with expectation that will generate a failure</a:t>
-            </a:r>
-            <a:endParaRPr lang="en-US" dirty="0"/>
-          </a:p>
-          <a:p>
-            <a:pPr>
-              <a:lnSpc>
-                <a:spcPct val="150000"/>
-              </a:lnSpc>
+              <a:rPr lang="en-US" dirty="0"/>
+              <a:t>Identify the tests that we need to write</a:t>
+            </a:r>
+          </a:p>
+          <a:p>
+            <a:pPr marL="342900" indent="-342900">
+              <a:buFont typeface="Wingdings" charset="2"/>
+              <a:buChar char="ü"/>
             </a:pPr>
             <a:r>
               <a:rPr lang="en-US" dirty="0" smtClean="0"/>
-              <a:t>Verify that one example generates a failure</a:t>
-            </a:r>
-          </a:p>
-          <a:p>
-            <a:pPr>
-              <a:lnSpc>
-                <a:spcPct val="150000"/>
-              </a:lnSpc>
+              <a:t>Write and execute the tests to identify the failure</a:t>
+            </a:r>
+          </a:p>
+          <a:p>
+            <a:pPr marL="342900" indent="-342900">
+              <a:buFont typeface="Wingdings" charset="2"/>
+              <a:buChar char="ü"/>
             </a:pPr>
             <a:r>
               <a:rPr lang="en-US" dirty="0" smtClean="0"/>
-              <a:t>Restore the code in the recipe</a:t>
-            </a:r>
-          </a:p>
-          <a:p>
-            <a:pPr>
-              <a:lnSpc>
-                <a:spcPct val="150000"/>
-              </a:lnSpc>
-            </a:pPr>
-            <a:r>
-              <a:rPr lang="en-US" dirty="0" smtClean="0"/>
-              <a:t>Verify that all examples pass</a:t>
-            </a:r>
-          </a:p>
-        </p:txBody>
-      </p:sp>
-      <p:sp>
-        <p:nvSpPr>
-          <p:cNvPr id="4" name="TextBox 3"/>
-          <p:cNvSpPr txBox="1"/>
-          <p:nvPr/>
-        </p:nvSpPr>
-        <p:spPr bwMode="white">
-          <a:xfrm>
-            <a:off x="1660524" y="7076661"/>
-            <a:ext cx="12330113" cy="675861"/>
-          </a:xfrm>
-          <a:prstGeom prst="rect">
-            <a:avLst/>
-          </a:prstGeom>
-          <a:solidFill>
-            <a:schemeClr val="bg2">
-              <a:lumMod val="85000"/>
-            </a:schemeClr>
-          </a:solidFill>
-        </p:spPr>
-        <p:txBody>
-          <a:bodyPr vert="horz" wrap="square" lIns="91440" tIns="91440" rIns="91440" bIns="91440" rtlCol="0">
-            <a:normAutofit/>
-          </a:bodyPr>
-          <a:lstStyle/>
-          <a:p>
-            <a:pPr marL="342900" indent="-342900" algn="ctr">
-              <a:buFont typeface="Wingdings" charset="2"/>
-              <a:buChar char="v"/>
-            </a:pPr>
-            <a:r>
-              <a:rPr lang="en-US" b="1" dirty="0"/>
-              <a:t>Repeat this </a:t>
-            </a:r>
-            <a:r>
-              <a:rPr lang="en-US" b="1" dirty="0" smtClean="0"/>
-              <a:t>series </a:t>
-            </a:r>
-            <a:r>
-              <a:rPr lang="en-US" b="1" dirty="0"/>
-              <a:t>of steps </a:t>
-            </a:r>
-            <a:r>
-              <a:rPr lang="en-US" b="1" dirty="0" smtClean="0"/>
-              <a:t>for each line within the default recipe</a:t>
-            </a:r>
-            <a:endParaRPr lang="en-US" b="1" dirty="0"/>
+              <a:t>Fix the code and execute the tests to see success</a:t>
+            </a:r>
+          </a:p>
+          <a:p>
+            <a:endParaRPr lang="en-US" dirty="0" smtClean="0"/>
+          </a:p>
+          <a:p>
+            <a:endParaRPr lang="en-US" dirty="0" smtClean="0"/>
+          </a:p>
+          <a:p>
+            <a:endParaRPr lang="en-US" dirty="0" smtClean="0"/>
           </a:p>
         </p:txBody>
       </p:sp>
     </p:spTree>
     <p:extLst>
       <p:ext uri="{BB962C8B-B14F-4D97-AF65-F5344CB8AC3E}">
-        <p14:creationId xmlns:p14="http://schemas.microsoft.com/office/powerpoint/2010/main" val="146499013"/>
+        <p14:creationId xmlns:p14="http://schemas.microsoft.com/office/powerpoint/2010/main" val="896367132"/>
       </p:ext>
     </p:extLst>
   </p:cSld>
@@ -21875,199 +22205,155 @@
             <a:spLocks noGrp="1"/>
           </p:cNvSpPr>
           <p:nvPr>
-            <p:ph type="title"/>
+            <p:ph type="ctrTitle"/>
           </p:nvPr>
         </p:nvSpPr>
         <p:spPr/>
+        <p:txBody>
+          <a:bodyPr>
+            <a:normAutofit fontScale="90000"/>
+          </a:bodyPr>
+          <a:lstStyle/>
+          <a:p>
+            <a:r>
+              <a:rPr lang="en-US" dirty="0" smtClean="0"/>
+              <a:t>Continue with Mutation Testing</a:t>
+            </a:r>
+            <a:endParaRPr lang="en-US" dirty="0"/>
+          </a:p>
+        </p:txBody>
+      </p:sp>
+      <p:sp>
+        <p:nvSpPr>
+          <p:cNvPr id="3" name="Subtitle 2"/>
+          <p:cNvSpPr>
+            <a:spLocks noGrp="1"/>
+          </p:cNvSpPr>
+          <p:nvPr>
+            <p:ph type="subTitle" idx="1"/>
+          </p:nvPr>
+        </p:nvSpPr>
+        <p:spPr>
+          <a:xfrm>
+            <a:off x="1671638" y="3260724"/>
+            <a:ext cx="12319000" cy="3670163"/>
+          </a:xfrm>
+        </p:spPr>
         <p:txBody>
           <a:bodyPr/>
           <a:lstStyle/>
           <a:p>
-            <a:r>
-              <a:rPr lang="en-US" dirty="0" smtClean="0"/>
-              <a:t>Uncomment the Include Recipe</a:t>
+            <a:pPr>
+              <a:lnSpc>
+                <a:spcPct val="150000"/>
+              </a:lnSpc>
+            </a:pPr>
+            <a:r>
+              <a:rPr lang="en-US" dirty="0" smtClean="0"/>
+              <a:t>Comment out the next line in the apache cookbook's default recipe</a:t>
+            </a:r>
+          </a:p>
+          <a:p>
+            <a:pPr>
+              <a:lnSpc>
+                <a:spcPct val="150000"/>
+              </a:lnSpc>
+            </a:pPr>
+            <a:r>
+              <a:rPr lang="en-US" dirty="0" smtClean="0"/>
+              <a:t>Write the example with expectation that will generate a failure</a:t>
             </a:r>
             <a:endParaRPr lang="en-US" dirty="0"/>
           </a:p>
-        </p:txBody>
-      </p:sp>
-      <p:sp>
-        <p:nvSpPr>
-          <p:cNvPr id="3" name="Content Placeholder 2"/>
-          <p:cNvSpPr>
-            <a:spLocks noGrp="1"/>
-          </p:cNvSpPr>
-          <p:nvPr>
-            <p:ph sz="quarter" idx="10"/>
-          </p:nvPr>
-        </p:nvSpPr>
-        <p:spPr/>
-        <p:txBody>
-          <a:bodyPr/>
+          <a:p>
+            <a:pPr>
+              <a:lnSpc>
+                <a:spcPct val="150000"/>
+              </a:lnSpc>
+            </a:pPr>
+            <a:r>
+              <a:rPr lang="en-US" dirty="0" smtClean="0"/>
+              <a:t>Verify that one example generates a failure</a:t>
+            </a:r>
+          </a:p>
+          <a:p>
+            <a:pPr>
+              <a:lnSpc>
+                <a:spcPct val="150000"/>
+              </a:lnSpc>
+            </a:pPr>
+            <a:r>
+              <a:rPr lang="en-US" dirty="0" smtClean="0"/>
+              <a:t>Restore the code in the recipe</a:t>
+            </a:r>
+          </a:p>
+          <a:p>
+            <a:pPr>
+              <a:lnSpc>
+                <a:spcPct val="150000"/>
+              </a:lnSpc>
+            </a:pPr>
+            <a:r>
+              <a:rPr lang="en-US" dirty="0" smtClean="0"/>
+              <a:t>Verify that all examples pass</a:t>
+            </a:r>
+          </a:p>
+        </p:txBody>
+      </p:sp>
+      <p:sp>
+        <p:nvSpPr>
+          <p:cNvPr id="4" name="TextBox 3"/>
+          <p:cNvSpPr txBox="1"/>
+          <p:nvPr/>
+        </p:nvSpPr>
+        <p:spPr bwMode="white">
+          <a:xfrm>
+            <a:off x="1660524" y="7076661"/>
+            <a:ext cx="12330113" cy="675861"/>
+          </a:xfrm>
+          <a:prstGeom prst="rect">
+            <a:avLst/>
+          </a:prstGeom>
+          <a:solidFill>
+            <a:schemeClr val="bg2">
+              <a:lumMod val="85000"/>
+            </a:schemeClr>
+          </a:solidFill>
+        </p:spPr>
+        <p:txBody>
+          <a:bodyPr vert="horz" wrap="square" lIns="91440" tIns="91440" rIns="91440" bIns="91440" rtlCol="0">
+            <a:normAutofit/>
+          </a:bodyPr>
           <a:lstStyle/>
           <a:p>
-            <a:r>
-              <a:rPr lang="en-US" dirty="0"/>
-              <a:t>#</a:t>
-            </a:r>
-          </a:p>
-          <a:p>
-            <a:r>
-              <a:rPr lang="en-US" dirty="0"/>
-              <a:t># Cookbook Name:: </a:t>
-            </a:r>
-            <a:r>
-              <a:rPr lang="en-US" dirty="0" smtClean="0"/>
-              <a:t>apache</a:t>
-            </a:r>
-            <a:endParaRPr lang="en-US" dirty="0"/>
-          </a:p>
-          <a:p>
-            <a:r>
-              <a:rPr lang="en-US" dirty="0"/>
-              <a:t># Recipe:: default</a:t>
-            </a:r>
-          </a:p>
-          <a:p>
-            <a:r>
-              <a:rPr lang="en-US" dirty="0"/>
-              <a:t>#</a:t>
-            </a:r>
-          </a:p>
-          <a:p>
-            <a:r>
-              <a:rPr lang="en-US" dirty="0"/>
-              <a:t># Copyright (c) </a:t>
-            </a:r>
-            <a:r>
-              <a:rPr lang="is-IS" dirty="0" smtClean="0"/>
-              <a:t>2017</a:t>
-            </a:r>
-            <a:r>
-              <a:rPr lang="en-US" dirty="0" smtClean="0"/>
-              <a:t> </a:t>
-            </a:r>
-            <a:r>
-              <a:rPr lang="en-US" dirty="0"/>
-              <a:t>The Authors, All Rights Reserved.</a:t>
-            </a:r>
-          </a:p>
-          <a:p>
-            <a:r>
-              <a:rPr lang="en-US" dirty="0" err="1" smtClean="0"/>
-              <a:t>include_recipe</a:t>
-            </a:r>
-            <a:r>
-              <a:rPr lang="en-US" dirty="0" smtClean="0"/>
-              <a:t> </a:t>
-            </a:r>
-            <a:r>
-              <a:rPr lang="en-US" dirty="0" smtClean="0"/>
-              <a:t>'apache::</a:t>
-            </a:r>
-            <a:r>
-              <a:rPr lang="en-US" dirty="0" smtClean="0"/>
-              <a:t>install'</a:t>
-            </a:r>
-          </a:p>
-          <a:p>
-            <a:r>
-              <a:rPr lang="en-US" dirty="0" smtClean="0"/>
-              <a:t># </a:t>
-            </a:r>
-            <a:r>
-              <a:rPr lang="en-US" dirty="0" err="1" smtClean="0"/>
-              <a:t>include_recipe</a:t>
-            </a:r>
-            <a:r>
-              <a:rPr lang="en-US" dirty="0" smtClean="0"/>
-              <a:t> </a:t>
-            </a:r>
-            <a:r>
-              <a:rPr lang="en-US" dirty="0" smtClean="0"/>
-              <a:t>'apache::</a:t>
-            </a:r>
-            <a:r>
-              <a:rPr lang="en-US" dirty="0" smtClean="0"/>
-              <a:t>configuration'</a:t>
-            </a:r>
-          </a:p>
-          <a:p>
-            <a:r>
-              <a:rPr lang="en-US" dirty="0" err="1" smtClean="0"/>
-              <a:t>include_recipe</a:t>
-            </a:r>
-            <a:r>
-              <a:rPr lang="en-US" dirty="0" smtClean="0"/>
-              <a:t> </a:t>
-            </a:r>
-            <a:r>
-              <a:rPr lang="en-US" dirty="0" smtClean="0"/>
-              <a:t>'apache::</a:t>
-            </a:r>
-            <a:r>
-              <a:rPr lang="en-US" dirty="0" smtClean="0"/>
-              <a:t>service'</a:t>
-            </a:r>
-            <a:endParaRPr lang="en-US" dirty="0"/>
-          </a:p>
-        </p:txBody>
-      </p:sp>
-      <p:sp>
-        <p:nvSpPr>
-          <p:cNvPr id="4" name="Text Placeholder 3"/>
-          <p:cNvSpPr>
-            <a:spLocks noGrp="1"/>
-          </p:cNvSpPr>
-          <p:nvPr>
-            <p:ph type="body" sz="quarter" idx="11"/>
-          </p:nvPr>
-        </p:nvSpPr>
-        <p:spPr/>
-        <p:txBody>
-          <a:bodyPr/>
-          <a:lstStyle/>
-          <a:p>
-            <a:r>
-              <a:rPr lang="en-US" dirty="0" smtClean="0"/>
-              <a:t>~/apache/recipes/</a:t>
-            </a:r>
-            <a:r>
-              <a:rPr lang="en-US" dirty="0" err="1" smtClean="0"/>
-              <a:t>default.rb</a:t>
-            </a:r>
-            <a:endParaRPr lang="en-US" dirty="0"/>
-          </a:p>
-        </p:txBody>
-      </p:sp>
-      <p:sp>
-        <p:nvSpPr>
-          <p:cNvPr id="7" name="Text Placeholder 6"/>
-          <p:cNvSpPr>
-            <a:spLocks noGrp="1"/>
-          </p:cNvSpPr>
-          <p:nvPr>
-            <p:ph type="body" sz="quarter" idx="13"/>
-          </p:nvPr>
-        </p:nvSpPr>
-        <p:spPr>
-          <a:xfrm>
-            <a:off x="1135042" y="5240652"/>
-            <a:ext cx="14404273" cy="626533"/>
-          </a:xfrm>
-        </p:spPr>
-        <p:txBody>
-          <a:bodyPr/>
-          <a:lstStyle/>
-          <a:p>
-            <a:endParaRPr lang="en-US" dirty="0"/>
+            <a:pPr marL="342900" indent="-342900" algn="ctr">
+              <a:buFont typeface="Wingdings" charset="2"/>
+              <a:buChar char="v"/>
+            </a:pPr>
+            <a:r>
+              <a:rPr lang="en-US" b="1" dirty="0"/>
+              <a:t>Repeat this </a:t>
+            </a:r>
+            <a:r>
+              <a:rPr lang="en-US" b="1" dirty="0" smtClean="0"/>
+              <a:t>series </a:t>
+            </a:r>
+            <a:r>
+              <a:rPr lang="en-US" b="1" dirty="0"/>
+              <a:t>of steps </a:t>
+            </a:r>
+            <a:r>
+              <a:rPr lang="en-US" b="1" dirty="0" smtClean="0"/>
+              <a:t>for each line within the default recipe</a:t>
+            </a:r>
+            <a:endParaRPr lang="en-US" b="1" dirty="0"/>
           </a:p>
         </p:txBody>
       </p:sp>
     </p:spTree>
     <p:extLst>
       <p:ext uri="{BB962C8B-B14F-4D97-AF65-F5344CB8AC3E}">
-        <p14:creationId xmlns:p14="http://schemas.microsoft.com/office/powerpoint/2010/main" val="300415712"/>
+        <p14:creationId xmlns:p14="http://schemas.microsoft.com/office/powerpoint/2010/main" val="146499013"/>
       </p:ext>
     </p:extLst>
   </p:cSld>
@@ -22116,14 +22402,12 @@
         </p:nvSpPr>
         <p:spPr/>
         <p:txBody>
-          <a:bodyPr>
-            <a:normAutofit fontScale="90000"/>
-          </a:bodyPr>
+          <a:bodyPr/>
           <a:lstStyle/>
           <a:p>
             <a:r>
               <a:rPr lang="en-US" dirty="0" smtClean="0"/>
-              <a:t>Write the Test that Verifies the Include Recipe</a:t>
+              <a:t>Uncomment the Include Recipe</a:t>
             </a:r>
             <a:endParaRPr lang="en-US" dirty="0"/>
           </a:p>
@@ -22141,138 +22425,89 @@
         </p:nvSpPr>
         <p:spPr/>
         <p:txBody>
-          <a:bodyPr>
-            <a:normAutofit lnSpcReduction="10000"/>
-          </a:bodyPr>
+          <a:bodyPr/>
           <a:lstStyle/>
           <a:p>
             <a:r>
               <a:rPr lang="en-US" dirty="0"/>
-              <a:t> # ... START OF THE SPEC FILE ...</a:t>
-            </a:r>
-          </a:p>
-          <a:p>
+              <a:t>#</a:t>
+            </a:r>
+          </a:p>
+          <a:p>
+            <a:r>
+              <a:rPr lang="en-US" dirty="0"/>
+              <a:t># Cookbook Name:: </a:t>
+            </a:r>
+            <a:r>
+              <a:rPr lang="en-US" dirty="0" smtClean="0"/>
+              <a:t>apache</a:t>
+            </a:r>
             <a:endParaRPr lang="en-US" dirty="0"/>
           </a:p>
           <a:p>
             <a:r>
               <a:rPr lang="en-US" dirty="0"/>
-              <a:t>    it 'includes the install recipe</a:t>
-            </a:r>
-            <a:r>
-              <a:rPr lang="en-US" dirty="0" smtClean="0"/>
-              <a:t>' do</a:t>
-            </a:r>
-          </a:p>
-          <a:p>
-            <a:r>
-              <a:rPr lang="en-US" dirty="0" smtClean="0"/>
-              <a:t>      expect(</a:t>
-            </a:r>
-            <a:r>
-              <a:rPr lang="en-US" dirty="0" err="1" smtClean="0"/>
-              <a:t>chef_run</a:t>
-            </a:r>
-            <a:r>
-              <a:rPr lang="en-US" dirty="0" smtClean="0"/>
-              <a:t>).to </a:t>
-            </a:r>
+              <a:t># Recipe:: default</a:t>
+            </a:r>
+          </a:p>
+          <a:p>
+            <a:r>
+              <a:rPr lang="en-US" dirty="0"/>
+              <a:t>#</a:t>
+            </a:r>
+          </a:p>
+          <a:p>
+            <a:r>
+              <a:rPr lang="en-US" dirty="0"/>
+              <a:t># Copyright (c) </a:t>
+            </a:r>
+            <a:r>
+              <a:rPr lang="is-IS" dirty="0" smtClean="0"/>
+              <a:t>2017</a:t>
+            </a:r>
+            <a:r>
+              <a:rPr lang="en-US" dirty="0" smtClean="0"/>
+              <a:t> </a:t>
+            </a:r>
+            <a:r>
+              <a:rPr lang="en-US" dirty="0"/>
+              <a:t>The Authors, All Rights Reserved.</a:t>
+            </a:r>
+          </a:p>
+          <a:p>
             <a:r>
               <a:rPr lang="en-US" dirty="0" err="1" smtClean="0"/>
               <a:t>include_recipe</a:t>
             </a:r>
             <a:r>
               <a:rPr lang="en-US" dirty="0" smtClean="0"/>
-              <a:t>(</a:t>
-            </a:r>
-            <a:r>
-              <a:rPr lang="en-US" dirty="0" smtClean="0"/>
-              <a:t>'apache::</a:t>
-            </a:r>
-            <a:r>
-              <a:rPr lang="en-US" dirty="0" smtClean="0"/>
-              <a:t>install')</a:t>
+              <a:t> 'apache::install'</a:t>
+            </a:r>
+          </a:p>
+          <a:p>
+            <a:r>
+              <a:rPr lang="en-US" dirty="0" smtClean="0"/>
+              <a:t># </a:t>
+            </a:r>
+            <a:r>
+              <a:rPr lang="en-US" dirty="0" err="1" smtClean="0"/>
+              <a:t>include_recipe</a:t>
+            </a:r>
+            <a:r>
+              <a:rPr lang="en-US" dirty="0" smtClean="0"/>
+              <a:t> 'apache::configuration'</a:t>
+            </a:r>
+          </a:p>
+          <a:p>
+            <a:r>
+              <a:rPr lang="en-US" dirty="0" err="1" smtClean="0"/>
+              <a:t>include_recipe</a:t>
+            </a:r>
+            <a:r>
+              <a:rPr lang="en-US" dirty="0" smtClean="0"/>
+              <a:t> 'apache::service'</a:t>
             </a:r>
             <a:endParaRPr lang="en-US" dirty="0"/>
-          </a:p>
-          <a:p>
-            <a:r>
-              <a:rPr lang="en-US" dirty="0" smtClean="0"/>
-              <a:t>    end</a:t>
-            </a:r>
-          </a:p>
-          <a:p>
-            <a:endParaRPr lang="en-US" dirty="0"/>
-          </a:p>
-          <a:p>
-            <a:r>
-              <a:rPr lang="en-US" dirty="0"/>
-              <a:t>    it 'includes the </a:t>
-            </a:r>
-            <a:r>
-              <a:rPr lang="en-US" dirty="0" smtClean="0"/>
-              <a:t>configuration recipe' do</a:t>
-            </a:r>
-          </a:p>
-          <a:p>
-            <a:r>
-              <a:rPr lang="en-US" dirty="0" smtClean="0"/>
-              <a:t>      </a:t>
-            </a:r>
-            <a:r>
-              <a:rPr lang="en-US" dirty="0"/>
-              <a:t>expect(</a:t>
-            </a:r>
-            <a:r>
-              <a:rPr lang="en-US" dirty="0" err="1"/>
-              <a:t>chef_run</a:t>
-            </a:r>
-            <a:r>
-              <a:rPr lang="en-US" dirty="0"/>
-              <a:t>).to </a:t>
-            </a:r>
-            <a:r>
-              <a:rPr lang="en-US" dirty="0" err="1"/>
-              <a:t>include_recipe</a:t>
-            </a:r>
-            <a:r>
-              <a:rPr lang="en-US" dirty="0"/>
-              <a:t>(</a:t>
-            </a:r>
-            <a:r>
-              <a:rPr lang="en-US" dirty="0" smtClean="0"/>
-              <a:t>'apache::</a:t>
-            </a:r>
-            <a:r>
-              <a:rPr lang="en-US" dirty="0" smtClean="0"/>
-              <a:t>configuration')</a:t>
-            </a:r>
-            <a:endParaRPr lang="en-US" dirty="0"/>
-          </a:p>
-          <a:p>
-            <a:r>
-              <a:rPr lang="en-US" dirty="0" smtClean="0"/>
-              <a:t>    end</a:t>
-            </a:r>
-            <a:endParaRPr lang="en-US" dirty="0"/>
-          </a:p>
-          <a:p>
-            <a:r>
-              <a:rPr lang="en-US" dirty="0"/>
-              <a:t>  </a:t>
-            </a:r>
-          </a:p>
-          <a:p>
-            <a:r>
-              <a:rPr lang="en-US" dirty="0"/>
-              <a:t>  end</a:t>
-            </a:r>
-          </a:p>
-          <a:p>
-            <a:r>
-              <a:rPr lang="en-US" dirty="0"/>
-              <a:t>end</a:t>
-            </a:r>
           </a:p>
         </p:txBody>
       </p:sp>
@@ -22293,11 +22528,11 @@
           <a:p>
             <a:r>
               <a:rPr lang="en-US" dirty="0" smtClean="0"/>
-              <a:t>~/apache/spec/unit/recipes/</a:t>
+              <a:t>~/apache/recipes/</a:t>
             </a:r>
             <a:r>
               <a:rPr lang="en-US" dirty="0" err="1" smtClean="0"/>
-              <a:t>default_spec.rb</a:t>
+              <a:t>default.rb</a:t>
             </a:r>
             <a:endParaRPr lang="en-US" dirty="0"/>
           </a:p>
@@ -22305,7 +22540,7 @@
       </p:sp>
       <p:sp>
         <p:nvSpPr>
-          <p:cNvPr id="5" name="Text Placeholder 4"/>
+          <p:cNvPr id="7" name="Text Placeholder 6"/>
           <p:cNvSpPr>
             <a:spLocks noGrp="1"/>
           </p:cNvSpPr>
@@ -22315,22 +22550,22 @@
         </p:nvSpPr>
         <p:spPr>
           <a:xfrm>
-            <a:off x="1121104" y="4949104"/>
-            <a:ext cx="14404273" cy="1584218"/>
+            <a:off x="1135042" y="5240652"/>
+            <a:ext cx="14404273" cy="626533"/>
           </a:xfrm>
         </p:spPr>
         <p:txBody>
           <a:bodyPr/>
           <a:lstStyle/>
           <a:p>
-            <a:endParaRPr lang="en-US"/>
+            <a:endParaRPr lang="en-US" dirty="0"/>
           </a:p>
         </p:txBody>
       </p:sp>
     </p:spTree>
     <p:extLst>
       <p:ext uri="{BB962C8B-B14F-4D97-AF65-F5344CB8AC3E}">
-        <p14:creationId xmlns:p14="http://schemas.microsoft.com/office/powerpoint/2010/main" val="842646041"/>
+        <p14:creationId xmlns:p14="http://schemas.microsoft.com/office/powerpoint/2010/main" val="300415712"/>
       </p:ext>
     </p:extLst>
   </p:cSld>
@@ -22369,12 +22604,172 @@
       </p:grpSpPr>
       <p:sp>
         <p:nvSpPr>
-          <p:cNvPr id="2" name="Content Placeholder 1"/>
+          <p:cNvPr id="2" name="Title 1"/>
           <p:cNvSpPr>
             <a:spLocks noGrp="1"/>
           </p:cNvSpPr>
           <p:nvPr>
+            <p:ph type="title"/>
+          </p:nvPr>
+        </p:nvSpPr>
+        <p:spPr/>
+        <p:txBody>
+          <a:bodyPr>
+            <a:normAutofit fontScale="90000"/>
+          </a:bodyPr>
+          <a:lstStyle/>
+          <a:p>
+            <a:r>
+              <a:rPr lang="en-US" dirty="0" smtClean="0"/>
+              <a:t>Write the Test that Verifies the Include Recipe</a:t>
+            </a:r>
+            <a:endParaRPr lang="en-US" dirty="0"/>
+          </a:p>
+        </p:txBody>
+      </p:sp>
+      <p:sp>
+        <p:nvSpPr>
+          <p:cNvPr id="3" name="Content Placeholder 2"/>
+          <p:cNvSpPr>
+            <a:spLocks noGrp="1"/>
+          </p:cNvSpPr>
+          <p:nvPr>
             <p:ph sz="quarter" idx="10"/>
+          </p:nvPr>
+        </p:nvSpPr>
+        <p:spPr/>
+        <p:txBody>
+          <a:bodyPr>
+            <a:normAutofit lnSpcReduction="10000"/>
+          </a:bodyPr>
+          <a:lstStyle/>
+          <a:p>
+            <a:r>
+              <a:rPr lang="en-US" dirty="0"/>
+              <a:t> # ... START OF THE SPEC FILE ...</a:t>
+            </a:r>
+          </a:p>
+          <a:p>
+            <a:endParaRPr lang="en-US" dirty="0"/>
+          </a:p>
+          <a:p>
+            <a:r>
+              <a:rPr lang="en-US" dirty="0"/>
+              <a:t>    it 'includes the install recipe</a:t>
+            </a:r>
+            <a:r>
+              <a:rPr lang="en-US" dirty="0" smtClean="0"/>
+              <a:t>' do</a:t>
+            </a:r>
+          </a:p>
+          <a:p>
+            <a:r>
+              <a:rPr lang="en-US" dirty="0" smtClean="0"/>
+              <a:t>      expect(</a:t>
+            </a:r>
+            <a:r>
+              <a:rPr lang="en-US" dirty="0" err="1" smtClean="0"/>
+              <a:t>chef_run</a:t>
+            </a:r>
+            <a:r>
+              <a:rPr lang="en-US" dirty="0" smtClean="0"/>
+              <a:t>).to </a:t>
+            </a:r>
+            <a:r>
+              <a:rPr lang="en-US" dirty="0" err="1" smtClean="0"/>
+              <a:t>include_recipe</a:t>
+            </a:r>
+            <a:r>
+              <a:rPr lang="en-US" dirty="0" smtClean="0"/>
+              <a:t>('apache::install')</a:t>
+            </a:r>
+            <a:endParaRPr lang="en-US" dirty="0"/>
+          </a:p>
+          <a:p>
+            <a:r>
+              <a:rPr lang="en-US" dirty="0" smtClean="0"/>
+              <a:t>    end</a:t>
+            </a:r>
+          </a:p>
+          <a:p>
+            <a:endParaRPr lang="en-US" dirty="0"/>
+          </a:p>
+          <a:p>
+            <a:r>
+              <a:rPr lang="en-US" dirty="0"/>
+              <a:t>    it 'includes the </a:t>
+            </a:r>
+            <a:r>
+              <a:rPr lang="en-US" dirty="0" smtClean="0"/>
+              <a:t>configuration recipe' do</a:t>
+            </a:r>
+          </a:p>
+          <a:p>
+            <a:r>
+              <a:rPr lang="en-US" dirty="0" smtClean="0"/>
+              <a:t>      </a:t>
+            </a:r>
+            <a:r>
+              <a:rPr lang="en-US" dirty="0"/>
+              <a:t>expect(</a:t>
+            </a:r>
+            <a:r>
+              <a:rPr lang="en-US" dirty="0" err="1"/>
+              <a:t>chef_run</a:t>
+            </a:r>
+            <a:r>
+              <a:rPr lang="en-US" dirty="0"/>
+              <a:t>).to </a:t>
+            </a:r>
+            <a:r>
+              <a:rPr lang="en-US" dirty="0" err="1"/>
+              <a:t>include_recipe</a:t>
+            </a:r>
+            <a:r>
+              <a:rPr lang="en-US" dirty="0"/>
+              <a:t>(</a:t>
+            </a:r>
+            <a:r>
+              <a:rPr lang="en-US" dirty="0" smtClean="0"/>
+              <a:t>'apache::configuration')</a:t>
+            </a:r>
+            <a:endParaRPr lang="en-US" dirty="0"/>
+          </a:p>
+          <a:p>
+            <a:r>
+              <a:rPr lang="en-US" dirty="0" smtClean="0"/>
+              <a:t>    end</a:t>
+            </a:r>
+            <a:endParaRPr lang="en-US" dirty="0"/>
+          </a:p>
+          <a:p>
+            <a:r>
+              <a:rPr lang="en-US" dirty="0"/>
+              <a:t>  </a:t>
+            </a:r>
+          </a:p>
+          <a:p>
+            <a:r>
+              <a:rPr lang="en-US" dirty="0"/>
+              <a:t>  end</a:t>
+            </a:r>
+          </a:p>
+          <a:p>
+            <a:r>
+              <a:rPr lang="en-US" dirty="0"/>
+              <a:t>end</a:t>
+            </a:r>
+          </a:p>
+        </p:txBody>
+      </p:sp>
+      <p:sp>
+        <p:nvSpPr>
+          <p:cNvPr id="4" name="Text Placeholder 3"/>
+          <p:cNvSpPr>
+            <a:spLocks noGrp="1"/>
+          </p:cNvSpPr>
+          <p:nvPr>
+            <p:ph type="body" sz="quarter" idx="11"/>
           </p:nvPr>
         </p:nvSpPr>
         <p:spPr/>
@@ -22383,197 +22778,45 @@
           <a:lstStyle/>
           <a:p>
             <a:r>
-              <a:rPr lang="en-US" dirty="0"/>
-              <a:t>..F</a:t>
-            </a:r>
-          </a:p>
-          <a:p>
+              <a:rPr lang="en-US" dirty="0" smtClean="0"/>
+              <a:t>~/apache/spec/unit/recipes/</a:t>
+            </a:r>
+            <a:r>
+              <a:rPr lang="en-US" dirty="0" err="1" smtClean="0"/>
+              <a:t>default_spec.rb</a:t>
+            </a:r>
             <a:endParaRPr lang="en-US" dirty="0"/>
           </a:p>
-          <a:p>
-            <a:r>
-              <a:rPr lang="en-US" dirty="0"/>
-              <a:t>Failures:</a:t>
-            </a:r>
-          </a:p>
-          <a:p>
-            <a:endParaRPr lang="en-US" dirty="0"/>
-          </a:p>
-          <a:p>
-            <a:r>
-              <a:rPr lang="en-US" dirty="0"/>
-              <a:t>  1) </a:t>
-            </a:r>
-            <a:r>
-              <a:rPr lang="en-US" dirty="0" smtClean="0"/>
-              <a:t>apache::</a:t>
-            </a:r>
-            <a:r>
-              <a:rPr lang="en-US" dirty="0"/>
-              <a:t>default When all attributes are default, on an unspecified platform includes the service recipe</a:t>
-            </a:r>
-          </a:p>
-          <a:p>
-            <a:r>
-              <a:rPr lang="en-US" dirty="0"/>
-              <a:t>     Failure/Error: expect(</a:t>
-            </a:r>
-            <a:r>
-              <a:rPr lang="en-US" dirty="0" err="1"/>
-              <a:t>chef_run</a:t>
-            </a:r>
-            <a:r>
-              <a:rPr lang="en-US" dirty="0"/>
-              <a:t>).to </a:t>
-            </a:r>
-            <a:r>
-              <a:rPr lang="en-US" dirty="0" err="1"/>
-              <a:t>include_recipe</a:t>
-            </a:r>
-            <a:r>
-              <a:rPr lang="en-US" dirty="0"/>
-              <a:t>(</a:t>
-            </a:r>
-            <a:r>
-              <a:rPr lang="en-US" dirty="0" smtClean="0"/>
-              <a:t>'apache::</a:t>
-            </a:r>
-            <a:r>
-              <a:rPr lang="en-US" dirty="0" smtClean="0"/>
-              <a:t>configuration')</a:t>
-            </a:r>
-            <a:endParaRPr lang="en-US" dirty="0"/>
-          </a:p>
-          <a:p>
-            <a:r>
-              <a:rPr lang="en-US" dirty="0"/>
-              <a:t>       expected </a:t>
-            </a:r>
-            <a:r>
-              <a:rPr lang="en-US" dirty="0" smtClean="0"/>
-              <a:t>["apache::</a:t>
-            </a:r>
-            <a:r>
-              <a:rPr lang="en-US" dirty="0"/>
-              <a:t>default", </a:t>
-            </a:r>
-            <a:r>
-              <a:rPr lang="en-US" dirty="0" smtClean="0"/>
-              <a:t>"apache::</a:t>
-            </a:r>
-            <a:r>
-              <a:rPr lang="en-US" dirty="0"/>
-              <a:t>install"] to include </a:t>
-            </a:r>
-            <a:r>
-              <a:rPr lang="en-US" dirty="0" smtClean="0"/>
-              <a:t>"apache::</a:t>
-            </a:r>
-            <a:r>
-              <a:rPr lang="en-US" dirty="0" smtClean="0"/>
-              <a:t>configuration"</a:t>
-            </a:r>
-            <a:endParaRPr lang="en-US" dirty="0"/>
-          </a:p>
-          <a:p>
-            <a:r>
-              <a:rPr lang="en-US" dirty="0"/>
-              <a:t>     # ./spec/unit/recipes/default_spec.rb:25:in `block (3 levels</a:t>
-            </a:r>
-            <a:r>
-              <a:rPr lang="en-US" dirty="0" smtClean="0"/>
-              <a:t>)</a:t>
-            </a:r>
-            <a:endParaRPr lang="en-US" dirty="0"/>
-          </a:p>
-        </p:txBody>
-      </p:sp>
-      <p:sp>
-        <p:nvSpPr>
-          <p:cNvPr id="3" name="Text Placeholder 2"/>
+        </p:txBody>
+      </p:sp>
+      <p:sp>
+        <p:nvSpPr>
+          <p:cNvPr id="5" name="Text Placeholder 4"/>
           <p:cNvSpPr>
             <a:spLocks noGrp="1"/>
           </p:cNvSpPr>
           <p:nvPr>
-            <p:ph type="body" sz="quarter" idx="11"/>
-          </p:nvPr>
-        </p:nvSpPr>
-        <p:spPr/>
+            <p:ph type="body" sz="quarter" idx="13"/>
+          </p:nvPr>
+        </p:nvSpPr>
+        <p:spPr>
+          <a:xfrm>
+            <a:off x="1121104" y="4949104"/>
+            <a:ext cx="14404273" cy="1584218"/>
+          </a:xfrm>
+        </p:spPr>
         <p:txBody>
           <a:bodyPr/>
           <a:lstStyle/>
           <a:p>
-            <a:r>
-              <a:rPr lang="en-US" dirty="0"/>
-              <a:t>&gt; chef exec </a:t>
-            </a:r>
-            <a:r>
-              <a:rPr lang="en-US" dirty="0" err="1"/>
-              <a:t>rspec</a:t>
-            </a:r>
-            <a:r>
-              <a:rPr lang="en-US" dirty="0"/>
-              <a:t> spec/unit/recipes/</a:t>
-            </a:r>
-            <a:r>
-              <a:rPr lang="en-US" dirty="0" err="1" smtClean="0"/>
-              <a:t>default_spec.rb</a:t>
-            </a:r>
-            <a:endParaRPr lang="en-US" dirty="0"/>
-          </a:p>
-        </p:txBody>
-      </p:sp>
-      <p:sp>
-        <p:nvSpPr>
-          <p:cNvPr id="7" name="Content Placeholder 6"/>
-          <p:cNvSpPr>
-            <a:spLocks noGrp="1"/>
-          </p:cNvSpPr>
-          <p:nvPr>
-            <p:ph sz="quarter" idx="12"/>
-          </p:nvPr>
-        </p:nvSpPr>
-        <p:spPr>
-          <a:xfrm>
-            <a:off x="1127883" y="2315963"/>
-            <a:ext cx="14420850" cy="557213"/>
-          </a:xfrm>
-        </p:spPr>
-        <p:txBody>
-          <a:bodyPr/>
-          <a:lstStyle/>
-          <a:p>
             <a:endParaRPr lang="en-US"/>
-          </a:p>
-        </p:txBody>
-      </p:sp>
-      <p:sp>
-        <p:nvSpPr>
-          <p:cNvPr id="5" name="Title 4"/>
-          <p:cNvSpPr>
-            <a:spLocks noGrp="1"/>
-          </p:cNvSpPr>
-          <p:nvPr>
-            <p:ph type="title"/>
-          </p:nvPr>
-        </p:nvSpPr>
-        <p:spPr/>
-        <p:txBody>
-          <a:bodyPr/>
-          <a:lstStyle/>
-          <a:p>
-            <a:r>
-              <a:rPr lang="en-US" dirty="0" smtClean="0"/>
-              <a:t>Execute the Tests to See it Fail</a:t>
-            </a:r>
-            <a:endParaRPr lang="en-US" dirty="0"/>
           </a:p>
         </p:txBody>
       </p:sp>
     </p:spTree>
     <p:extLst>
       <p:ext uri="{BB962C8B-B14F-4D97-AF65-F5344CB8AC3E}">
-        <p14:creationId xmlns:p14="http://schemas.microsoft.com/office/powerpoint/2010/main" val="2743842214"/>
+        <p14:creationId xmlns:p14="http://schemas.microsoft.com/office/powerpoint/2010/main" val="842646041"/>
       </p:ext>
     </p:extLst>
   </p:cSld>
@@ -22612,12 +22855,12 @@
       </p:grpSpPr>
       <p:sp>
         <p:nvSpPr>
-          <p:cNvPr id="2" name="Title 1"/>
+          <p:cNvPr id="2" name="Content Placeholder 1"/>
           <p:cNvSpPr>
             <a:spLocks noGrp="1"/>
           </p:cNvSpPr>
           <p:nvPr>
-            <p:ph type="title"/>
+            <p:ph sz="quarter" idx="10"/>
           </p:nvPr>
         </p:nvSpPr>
         <p:spPr/>
@@ -22626,21 +22869,119 @@
           <a:lstStyle/>
           <a:p>
             <a:r>
-              <a:rPr lang="en-US" dirty="0" smtClean="0"/>
-              <a:t>Uncomment the Include Recipe</a:t>
-            </a:r>
+              <a:rPr lang="en-US" dirty="0"/>
+              <a:t>..F</a:t>
+            </a:r>
+          </a:p>
+          <a:p>
             <a:endParaRPr lang="en-US" dirty="0"/>
           </a:p>
-        </p:txBody>
-      </p:sp>
-      <p:sp>
-        <p:nvSpPr>
-          <p:cNvPr id="3" name="Content Placeholder 2"/>
+          <a:p>
+            <a:r>
+              <a:rPr lang="en-US" dirty="0"/>
+              <a:t>Failures:</a:t>
+            </a:r>
+          </a:p>
+          <a:p>
+            <a:endParaRPr lang="en-US" dirty="0"/>
+          </a:p>
+          <a:p>
+            <a:r>
+              <a:rPr lang="en-US" dirty="0"/>
+              <a:t>  1) </a:t>
+            </a:r>
+            <a:r>
+              <a:rPr lang="en-US" dirty="0" smtClean="0"/>
+              <a:t>apache::</a:t>
+            </a:r>
+            <a:r>
+              <a:rPr lang="en-US" dirty="0"/>
+              <a:t>default When all attributes are default, on </a:t>
+            </a:r>
+            <a:r>
+              <a:rPr lang="en-US" dirty="0" smtClean="0"/>
+              <a:t>an CentOS 6.7 </a:t>
+            </a:r>
+            <a:r>
+              <a:rPr lang="en-US" dirty="0"/>
+              <a:t>includes the service recipe</a:t>
+            </a:r>
+          </a:p>
+          <a:p>
+            <a:r>
+              <a:rPr lang="en-US" dirty="0"/>
+              <a:t>     Failure/Error: expect(</a:t>
+            </a:r>
+            <a:r>
+              <a:rPr lang="en-US" dirty="0" err="1"/>
+              <a:t>chef_run</a:t>
+            </a:r>
+            <a:r>
+              <a:rPr lang="en-US" dirty="0"/>
+              <a:t>).to </a:t>
+            </a:r>
+            <a:r>
+              <a:rPr lang="en-US" dirty="0" err="1"/>
+              <a:t>include_recipe</a:t>
+            </a:r>
+            <a:r>
+              <a:rPr lang="en-US" dirty="0"/>
+              <a:t>(</a:t>
+            </a:r>
+            <a:r>
+              <a:rPr lang="en-US" dirty="0" smtClean="0"/>
+              <a:t>'apache::configuration')</a:t>
+            </a:r>
+            <a:endParaRPr lang="en-US" dirty="0"/>
+          </a:p>
+          <a:p>
+            <a:r>
+              <a:rPr lang="en-US" dirty="0"/>
+              <a:t>       expected </a:t>
+            </a:r>
+            <a:r>
+              <a:rPr lang="en-US" dirty="0" smtClean="0"/>
+              <a:t>["apache::</a:t>
+            </a:r>
+            <a:r>
+              <a:rPr lang="en-US" dirty="0"/>
+              <a:t>default", </a:t>
+            </a:r>
+            <a:r>
+              <a:rPr lang="en-US" dirty="0" smtClean="0"/>
+              <a:t>"apache::</a:t>
+            </a:r>
+            <a:r>
+              <a:rPr lang="en-US" dirty="0"/>
+              <a:t>install"] to include </a:t>
+            </a:r>
+            <a:r>
+              <a:rPr lang="en-US" dirty="0" smtClean="0"/>
+              <a:t>"apache::configuration"</a:t>
+            </a:r>
+            <a:endParaRPr lang="en-US" dirty="0"/>
+          </a:p>
+          <a:p>
+            <a:r>
+              <a:rPr lang="en-US" dirty="0"/>
+              <a:t>     # ./spec/unit/recipes/default_spec.rb:25:in `block (3 levels</a:t>
+            </a:r>
+            <a:r>
+              <a:rPr lang="en-US" dirty="0" smtClean="0"/>
+              <a:t>)</a:t>
+            </a:r>
+            <a:endParaRPr lang="en-US" dirty="0"/>
+          </a:p>
+        </p:txBody>
+      </p:sp>
+      <p:sp>
+        <p:nvSpPr>
+          <p:cNvPr id="3" name="Text Placeholder 2"/>
           <p:cNvSpPr>
             <a:spLocks noGrp="1"/>
           </p:cNvSpPr>
           <p:nvPr>
-            <p:ph sz="quarter" idx="10"/>
+            <p:ph type="body" sz="quarter" idx="11"/>
           </p:nvPr>
         </p:nvSpPr>
         <p:spPr/>
@@ -22650,161 +22991,75 @@
           <a:p>
             <a:r>
               <a:rPr lang="en-US" dirty="0"/>
-              <a:t>#</a:t>
-            </a:r>
-          </a:p>
-          <a:p>
+              <a:t>&gt; chef exec </a:t>
+            </a:r>
+            <a:r>
+              <a:rPr lang="en-US" dirty="0" err="1"/>
+              <a:t>rspec</a:t>
+            </a:r>
             <a:r>
               <a:rPr lang="en-US" dirty="0"/>
-              <a:t># Cookbook Name:: </a:t>
-            </a:r>
-            <a:r>
-              <a:rPr lang="en-US" dirty="0" smtClean="0"/>
-              <a:t>apache</a:t>
+              <a:t> spec/unit/recipes/</a:t>
+            </a:r>
+            <a:r>
+              <a:rPr lang="en-US" dirty="0" err="1" smtClean="0"/>
+              <a:t>default_spec.rb</a:t>
             </a:r>
             <a:endParaRPr lang="en-US" dirty="0"/>
           </a:p>
-          <a:p>
-            <a:r>
-              <a:rPr lang="en-US" dirty="0"/>
-              <a:t># Recipe:: default</a:t>
-            </a:r>
-          </a:p>
-          <a:p>
-            <a:r>
-              <a:rPr lang="en-US" dirty="0"/>
-              <a:t>#</a:t>
-            </a:r>
-          </a:p>
-          <a:p>
-            <a:r>
-              <a:rPr lang="en-US" dirty="0"/>
-              <a:t># Copyright (c) </a:t>
-            </a:r>
-            <a:r>
-              <a:rPr lang="is-IS" dirty="0" smtClean="0"/>
-              <a:t>2017</a:t>
-            </a:r>
-            <a:r>
-              <a:rPr lang="en-US" dirty="0" smtClean="0"/>
-              <a:t> </a:t>
-            </a:r>
-            <a:r>
-              <a:rPr lang="en-US" dirty="0"/>
-              <a:t>The Authors, All Rights Reserved.</a:t>
-            </a:r>
-          </a:p>
-          <a:p>
-            <a:r>
-              <a:rPr lang="en-US" dirty="0" err="1"/>
-              <a:t>include_recipe</a:t>
-            </a:r>
-            <a:r>
-              <a:rPr lang="en-US" dirty="0"/>
-              <a:t> </a:t>
-            </a:r>
-            <a:r>
-              <a:rPr lang="en-US" dirty="0" smtClean="0"/>
-              <a:t>'apache::</a:t>
-            </a:r>
-            <a:r>
-              <a:rPr lang="en-US" dirty="0"/>
-              <a:t>install'</a:t>
-            </a:r>
-          </a:p>
-          <a:p>
-            <a:r>
-              <a:rPr lang="en-US" dirty="0" err="1" smtClean="0"/>
-              <a:t>include_recipe</a:t>
-            </a:r>
-            <a:r>
-              <a:rPr lang="en-US" dirty="0" smtClean="0"/>
-              <a:t> </a:t>
-            </a:r>
-            <a:r>
-              <a:rPr lang="en-US" dirty="0" smtClean="0"/>
-              <a:t>'apache::</a:t>
-            </a:r>
-            <a:r>
-              <a:rPr lang="en-US" dirty="0"/>
-              <a:t>configuration'</a:t>
-            </a:r>
-          </a:p>
-          <a:p>
-            <a:r>
-              <a:rPr lang="en-US" dirty="0" err="1"/>
-              <a:t>include_recipe</a:t>
-            </a:r>
-            <a:r>
-              <a:rPr lang="en-US" dirty="0"/>
-              <a:t> </a:t>
-            </a:r>
-            <a:r>
-              <a:rPr lang="en-US" dirty="0" smtClean="0"/>
-              <a:t>'apache::</a:t>
-            </a:r>
-            <a:r>
-              <a:rPr lang="en-US" dirty="0"/>
-              <a:t>service'</a:t>
-            </a:r>
-          </a:p>
-        </p:txBody>
-      </p:sp>
-      <p:sp>
-        <p:nvSpPr>
-          <p:cNvPr id="4" name="Text Placeholder 3"/>
+        </p:txBody>
+      </p:sp>
+      <p:sp>
+        <p:nvSpPr>
+          <p:cNvPr id="7" name="Content Placeholder 6"/>
           <p:cNvSpPr>
             <a:spLocks noGrp="1"/>
           </p:cNvSpPr>
           <p:nvPr>
-            <p:ph type="body" sz="quarter" idx="11"/>
-          </p:nvPr>
-        </p:nvSpPr>
-        <p:spPr/>
+            <p:ph sz="quarter" idx="12"/>
+          </p:nvPr>
+        </p:nvSpPr>
+        <p:spPr>
+          <a:xfrm>
+            <a:off x="1127883" y="2315963"/>
+            <a:ext cx="14420850" cy="557213"/>
+          </a:xfrm>
+        </p:spPr>
         <p:txBody>
           <a:bodyPr/>
           <a:lstStyle/>
           <a:p>
-            <a:r>
-              <a:rPr lang="en-US" dirty="0" smtClean="0"/>
-              <a:t>~/apache/recipes/</a:t>
-            </a:r>
-            <a:r>
-              <a:rPr lang="en-US" dirty="0" err="1" smtClean="0"/>
-              <a:t>default.rb</a:t>
-            </a:r>
-            <a:endParaRPr lang="en-US" dirty="0"/>
-          </a:p>
-        </p:txBody>
-      </p:sp>
-      <p:sp>
-        <p:nvSpPr>
-          <p:cNvPr id="5" name="Text Placeholder 4"/>
+            <a:endParaRPr lang="en-US"/>
+          </a:p>
+        </p:txBody>
+      </p:sp>
+      <p:sp>
+        <p:nvSpPr>
+          <p:cNvPr id="5" name="Title 4"/>
           <p:cNvSpPr>
             <a:spLocks noGrp="1"/>
           </p:cNvSpPr>
           <p:nvPr>
-            <p:ph type="body" sz="quarter" idx="13"/>
-          </p:nvPr>
-        </p:nvSpPr>
-        <p:spPr>
-          <a:xfrm>
-            <a:off x="1135042" y="5274365"/>
-            <a:ext cx="14404273" cy="622852"/>
-          </a:xfrm>
-        </p:spPr>
+            <p:ph type="title"/>
+          </p:nvPr>
+        </p:nvSpPr>
+        <p:spPr/>
         <p:txBody>
           <a:bodyPr/>
           <a:lstStyle/>
           <a:p>
-            <a:endParaRPr lang="en-US"/>
+            <a:r>
+              <a:rPr lang="en-US" dirty="0" smtClean="0"/>
+              <a:t>Execute the Tests to See it Fail</a:t>
+            </a:r>
+            <a:endParaRPr lang="en-US" dirty="0"/>
           </a:p>
         </p:txBody>
       </p:sp>
     </p:spTree>
     <p:extLst>
       <p:ext uri="{BB962C8B-B14F-4D97-AF65-F5344CB8AC3E}">
-        <p14:creationId xmlns:p14="http://schemas.microsoft.com/office/powerpoint/2010/main" val="214630605"/>
+        <p14:creationId xmlns:p14="http://schemas.microsoft.com/office/powerpoint/2010/main" val="2743842214"/>
       </p:ext>
     </p:extLst>
   </p:cSld>
@@ -22843,12 +23098,12 @@
       </p:grpSpPr>
       <p:sp>
         <p:nvSpPr>
-          <p:cNvPr id="2" name="Content Placeholder 1"/>
+          <p:cNvPr id="2" name="Title 1"/>
           <p:cNvSpPr>
             <a:spLocks noGrp="1"/>
           </p:cNvSpPr>
           <p:nvPr>
-            <p:ph sz="quarter" idx="10"/>
+            <p:ph type="title"/>
           </p:nvPr>
         </p:nvSpPr>
         <p:spPr/>
@@ -22857,43 +23112,21 @@
           <a:lstStyle/>
           <a:p>
             <a:r>
-              <a:rPr lang="en-US" dirty="0"/>
-              <a:t>.</a:t>
-            </a:r>
-            <a:r>
-              <a:rPr lang="en-US" dirty="0" smtClean="0"/>
-              <a:t>.</a:t>
-            </a:r>
-            <a:r>
-              <a:rPr lang="en-US" dirty="0"/>
-              <a:t>.</a:t>
-            </a:r>
-          </a:p>
-          <a:p>
+              <a:rPr lang="en-US" dirty="0" smtClean="0"/>
+              <a:t>Uncomment the Include Recipe</a:t>
+            </a:r>
             <a:endParaRPr lang="en-US" dirty="0"/>
           </a:p>
-          <a:p>
-            <a:r>
-              <a:rPr lang="en-US" dirty="0"/>
-              <a:t>Finished in 0.97252 seconds (files took 4.33 seconds to load)</a:t>
-            </a:r>
-          </a:p>
-          <a:p>
-            <a:r>
-              <a:rPr lang="en-US" dirty="0"/>
-              <a:t>3 examples, 0 failures</a:t>
-            </a:r>
-          </a:p>
-        </p:txBody>
-      </p:sp>
-      <p:sp>
-        <p:nvSpPr>
-          <p:cNvPr id="3" name="Text Placeholder 2"/>
+        </p:txBody>
+      </p:sp>
+      <p:sp>
+        <p:nvSpPr>
+          <p:cNvPr id="3" name="Content Placeholder 2"/>
           <p:cNvSpPr>
             <a:spLocks noGrp="1"/>
           </p:cNvSpPr>
           <p:nvPr>
-            <p:ph type="body" sz="quarter" idx="11"/>
+            <p:ph sz="quarter" idx="10"/>
           </p:nvPr>
         </p:nvSpPr>
         <p:spPr/>
@@ -22903,19 +23136,124 @@
           <a:p>
             <a:r>
               <a:rPr lang="en-US" dirty="0"/>
-              <a:t>&gt; chef exec </a:t>
-            </a:r>
+              <a:t>#</a:t>
+            </a:r>
+          </a:p>
+          <a:p>
+            <a:r>
+              <a:rPr lang="en-US" dirty="0"/>
+              <a:t># Cookbook Name:: </a:t>
+            </a:r>
+            <a:r>
+              <a:rPr lang="en-US" dirty="0" smtClean="0"/>
+              <a:t>apache</a:t>
+            </a:r>
+            <a:endParaRPr lang="en-US" dirty="0"/>
+          </a:p>
+          <a:p>
+            <a:r>
+              <a:rPr lang="en-US" dirty="0"/>
+              <a:t># Recipe:: default</a:t>
+            </a:r>
+          </a:p>
+          <a:p>
+            <a:r>
+              <a:rPr lang="en-US" dirty="0"/>
+              <a:t>#</a:t>
+            </a:r>
+          </a:p>
+          <a:p>
+            <a:r>
+              <a:rPr lang="en-US" dirty="0"/>
+              <a:t># Copyright (c) </a:t>
+            </a:r>
+            <a:r>
+              <a:rPr lang="is-IS" dirty="0" smtClean="0"/>
+              <a:t>2017</a:t>
+            </a:r>
+            <a:r>
+              <a:rPr lang="en-US" dirty="0" smtClean="0"/>
+              <a:t> </a:t>
+            </a:r>
+            <a:r>
+              <a:rPr lang="en-US" dirty="0"/>
+              <a:t>The Authors, All Rights Reserved.</a:t>
+            </a:r>
+          </a:p>
+          <a:p>
             <a:r>
               <a:rPr lang="en-US" dirty="0" err="1"/>
-              <a:t>rspec</a:t>
+              <a:t>include_recipe</a:t>
             </a:r>
             <a:r>
               <a:rPr lang="en-US" dirty="0"/>
-              <a:t> spec/unit/recipes/</a:t>
-            </a:r>
+              <a:t> </a:t>
+            </a:r>
+            <a:r>
+              <a:rPr lang="en-US" dirty="0" smtClean="0"/>
+              <a:t>'apache::</a:t>
+            </a:r>
+            <a:r>
+              <a:rPr lang="en-US" dirty="0"/>
+              <a:t>install'</a:t>
+            </a:r>
+          </a:p>
+          <a:p>
             <a:r>
               <a:rPr lang="en-US" dirty="0" err="1" smtClean="0"/>
-              <a:t>default_spec.rb</a:t>
+              <a:t>include_recipe</a:t>
+            </a:r>
+            <a:r>
+              <a:rPr lang="en-US" dirty="0" smtClean="0"/>
+              <a:t> 'apache::</a:t>
+            </a:r>
+            <a:r>
+              <a:rPr lang="en-US" dirty="0"/>
+              <a:t>configuration'</a:t>
+            </a:r>
+          </a:p>
+          <a:p>
+            <a:r>
+              <a:rPr lang="en-US" dirty="0" err="1"/>
+              <a:t>include_recipe</a:t>
+            </a:r>
+            <a:r>
+              <a:rPr lang="en-US" dirty="0"/>
+              <a:t> </a:t>
+            </a:r>
+            <a:r>
+              <a:rPr lang="en-US" dirty="0" smtClean="0"/>
+              <a:t>'apache::</a:t>
+            </a:r>
+            <a:r>
+              <a:rPr lang="en-US" dirty="0"/>
+              <a:t>service'</a:t>
+            </a:r>
+          </a:p>
+        </p:txBody>
+      </p:sp>
+      <p:sp>
+        <p:nvSpPr>
+          <p:cNvPr id="4" name="Text Placeholder 3"/>
+          <p:cNvSpPr>
+            <a:spLocks noGrp="1"/>
+          </p:cNvSpPr>
+          <p:nvPr>
+            <p:ph type="body" sz="quarter" idx="11"/>
+          </p:nvPr>
+        </p:nvSpPr>
+        <p:spPr/>
+        <p:txBody>
+          <a:bodyPr/>
+          <a:lstStyle/>
+          <a:p>
+            <a:r>
+              <a:rPr lang="en-US" dirty="0" smtClean="0"/>
+              <a:t>~/apache/recipes/</a:t>
+            </a:r>
+            <a:r>
+              <a:rPr lang="en-US" dirty="0" err="1" smtClean="0"/>
+              <a:t>default.rb</a:t>
             </a:r>
             <a:endParaRPr lang="en-US" dirty="0"/>
           </a:p>
@@ -22923,51 +23261,24 @@
       </p:sp>
       <p:sp>
         <p:nvSpPr>
-          <p:cNvPr id="6" name="Content Placeholder 5"/>
+          <p:cNvPr id="5" name="Text Placeholder 4"/>
           <p:cNvSpPr>
             <a:spLocks noGrp="1"/>
           </p:cNvSpPr>
           <p:nvPr>
-            <p:ph sz="quarter" idx="12"/>
+            <p:ph type="body" sz="quarter" idx="13"/>
           </p:nvPr>
         </p:nvSpPr>
         <p:spPr>
           <a:xfrm>
-            <a:off x="1127883" y="2315963"/>
-            <a:ext cx="14420850" cy="557213"/>
+            <a:off x="1135042" y="5274365"/>
+            <a:ext cx="14404273" cy="622852"/>
           </a:xfrm>
         </p:spPr>
         <p:txBody>
           <a:bodyPr/>
           <a:lstStyle/>
           <a:p>
-            <a:endParaRPr lang="en-US"/>
-          </a:p>
-        </p:txBody>
-      </p:sp>
-      <p:sp>
-        <p:nvSpPr>
-          <p:cNvPr id="5" name="Title 4"/>
-          <p:cNvSpPr>
-            <a:spLocks noGrp="1"/>
-          </p:cNvSpPr>
-          <p:nvPr>
-            <p:ph type="title"/>
-          </p:nvPr>
-        </p:nvSpPr>
-        <p:spPr/>
-        <p:txBody>
-          <a:bodyPr/>
-          <a:lstStyle/>
-          <a:p>
-            <a:r>
-              <a:rPr lang="en-US" dirty="0" smtClean="0"/>
-              <a:t>Execute the Tests to </a:t>
-            </a:r>
-            <a:r>
-              <a:rPr lang="en-US" smtClean="0"/>
-              <a:t>See it Pass</a:t>
-            </a:r>
             <a:endParaRPr lang="en-US"/>
           </a:p>
         </p:txBody>
@@ -22975,7 +23286,7 @@
     </p:spTree>
     <p:extLst>
       <p:ext uri="{BB962C8B-B14F-4D97-AF65-F5344CB8AC3E}">
-        <p14:creationId xmlns:p14="http://schemas.microsoft.com/office/powerpoint/2010/main" val="3763976190"/>
+        <p14:creationId xmlns:p14="http://schemas.microsoft.com/office/powerpoint/2010/main" val="214630605"/>
       </p:ext>
     </p:extLst>
   </p:cSld>
@@ -23014,37 +23325,12 @@
       </p:grpSpPr>
       <p:sp>
         <p:nvSpPr>
-          <p:cNvPr id="2" name="Title 1"/>
+          <p:cNvPr id="2" name="Content Placeholder 1"/>
           <p:cNvSpPr>
             <a:spLocks noGrp="1"/>
           </p:cNvSpPr>
           <p:nvPr>
-            <p:ph type="ctrTitle"/>
-          </p:nvPr>
-        </p:nvSpPr>
-        <p:spPr/>
-        <p:txBody>
-          <a:bodyPr>
-            <a:normAutofit fontScale="90000"/>
-          </a:bodyPr>
-          <a:lstStyle/>
-          <a:p>
-            <a:r>
-              <a:rPr lang="en-US" dirty="0" smtClean="0"/>
-              <a:t>Continue with Mutation Testing</a:t>
-            </a:r>
-            <a:endParaRPr lang="en-US" dirty="0"/>
-          </a:p>
-        </p:txBody>
-      </p:sp>
-      <p:sp>
-        <p:nvSpPr>
-          <p:cNvPr id="3" name="Subtitle 2"/>
-          <p:cNvSpPr>
-            <a:spLocks noGrp="1"/>
-          </p:cNvSpPr>
-          <p:nvPr>
-            <p:ph type="subTitle" idx="1"/>
+            <p:ph sz="quarter" idx="10"/>
           </p:nvPr>
         </p:nvSpPr>
         <p:spPr/>
@@ -23052,135 +23338,126 @@
           <a:bodyPr/>
           <a:lstStyle/>
           <a:p>
-            <a:pPr>
-              <a:lnSpc>
-                <a:spcPct val="150000"/>
-              </a:lnSpc>
-              <a:buFont typeface="Wingdings" charset="2"/>
-              <a:buChar char="ü"/>
-            </a:pPr>
-            <a:r>
-              <a:rPr lang="en-US" dirty="0" smtClean="0"/>
-              <a:t>Comment out the next line in the </a:t>
-            </a:r>
-            <a:r>
-              <a:rPr lang="en-US" dirty="0" smtClean="0"/>
-              <a:t>apache </a:t>
-            </a:r>
-            <a:r>
-              <a:rPr lang="en-US" dirty="0" smtClean="0"/>
-              <a:t>cookbook's default recipe</a:t>
-            </a:r>
-          </a:p>
-          <a:p>
-            <a:pPr>
-              <a:lnSpc>
-                <a:spcPct val="150000"/>
-              </a:lnSpc>
-              <a:buFont typeface="Wingdings" charset="2"/>
-              <a:buChar char="ü"/>
-            </a:pPr>
-            <a:r>
-              <a:rPr lang="en-US" dirty="0" smtClean="0"/>
-              <a:t>Write the example with expectation that will generate a failure</a:t>
-            </a:r>
+            <a:r>
+              <a:rPr lang="en-US" dirty="0"/>
+              <a:t>.</a:t>
+            </a:r>
+            <a:r>
+              <a:rPr lang="en-US" dirty="0" smtClean="0"/>
+              <a:t>.</a:t>
+            </a:r>
+            <a:r>
+              <a:rPr lang="en-US" dirty="0"/>
+              <a:t>.</a:t>
+            </a:r>
+          </a:p>
+          <a:p>
             <a:endParaRPr lang="en-US" dirty="0"/>
           </a:p>
           <a:p>
-            <a:pPr>
-              <a:lnSpc>
-                <a:spcPct val="150000"/>
-              </a:lnSpc>
-              <a:buFont typeface="Wingdings" charset="2"/>
-              <a:buChar char="ü"/>
-            </a:pPr>
-            <a:r>
-              <a:rPr lang="en-US" dirty="0" smtClean="0"/>
-              <a:t>Verify that one example generates a failure</a:t>
-            </a:r>
-          </a:p>
-          <a:p>
-            <a:pPr>
-              <a:lnSpc>
-                <a:spcPct val="150000"/>
-              </a:lnSpc>
-              <a:buFont typeface="Wingdings" charset="2"/>
-              <a:buChar char="ü"/>
-            </a:pPr>
-            <a:r>
-              <a:rPr lang="en-US" dirty="0" smtClean="0"/>
-              <a:t>Restore the code in the recipe</a:t>
-            </a:r>
-          </a:p>
-          <a:p>
-            <a:pPr>
-              <a:lnSpc>
-                <a:spcPct val="150000"/>
-              </a:lnSpc>
-              <a:buFont typeface="Wingdings" charset="2"/>
-              <a:buChar char="ü"/>
-            </a:pPr>
-            <a:r>
-              <a:rPr lang="en-US" dirty="0" smtClean="0"/>
-              <a:t>Verify that all examples pass</a:t>
-            </a:r>
-          </a:p>
-        </p:txBody>
-      </p:sp>
-      <p:sp>
-        <p:nvSpPr>
-          <p:cNvPr id="4" name="TextBox 3"/>
-          <p:cNvSpPr txBox="1"/>
-          <p:nvPr/>
-        </p:nvSpPr>
-        <p:spPr bwMode="white">
+            <a:r>
+              <a:rPr lang="en-US" dirty="0"/>
+              <a:t>Finished in 0.97252 seconds (files took 4.33 seconds to load)</a:t>
+            </a:r>
+          </a:p>
+          <a:p>
+            <a:r>
+              <a:rPr lang="en-US" dirty="0"/>
+              <a:t>3 examples, 0 failures</a:t>
+            </a:r>
+          </a:p>
+        </p:txBody>
+      </p:sp>
+      <p:sp>
+        <p:nvSpPr>
+          <p:cNvPr id="3" name="Text Placeholder 2"/>
+          <p:cNvSpPr>
+            <a:spLocks noGrp="1"/>
+          </p:cNvSpPr>
+          <p:nvPr>
+            <p:ph type="body" sz="quarter" idx="11"/>
+          </p:nvPr>
+        </p:nvSpPr>
+        <p:spPr/>
+        <p:txBody>
+          <a:bodyPr/>
+          <a:lstStyle/>
+          <a:p>
+            <a:r>
+              <a:rPr lang="en-US" dirty="0"/>
+              <a:t>&gt; chef exec </a:t>
+            </a:r>
+            <a:r>
+              <a:rPr lang="en-US" dirty="0" err="1"/>
+              <a:t>rspec</a:t>
+            </a:r>
+            <a:r>
+              <a:rPr lang="en-US" dirty="0"/>
+              <a:t> spec/unit/recipes/</a:t>
+            </a:r>
+            <a:r>
+              <a:rPr lang="en-US" dirty="0" err="1" smtClean="0"/>
+              <a:t>default_spec.rb</a:t>
+            </a:r>
+            <a:endParaRPr lang="en-US" dirty="0"/>
+          </a:p>
+        </p:txBody>
+      </p:sp>
+      <p:sp>
+        <p:nvSpPr>
+          <p:cNvPr id="6" name="Content Placeholder 5"/>
+          <p:cNvSpPr>
+            <a:spLocks noGrp="1"/>
+          </p:cNvSpPr>
+          <p:nvPr>
+            <p:ph sz="quarter" idx="12"/>
+          </p:nvPr>
+        </p:nvSpPr>
+        <p:spPr>
           <a:xfrm>
-            <a:off x="1660524" y="7076661"/>
-            <a:ext cx="12330113" cy="675861"/>
+            <a:off x="1127883" y="2315963"/>
+            <a:ext cx="14420850" cy="557213"/>
           </a:xfrm>
-          <a:prstGeom prst="rect">
-            <a:avLst/>
-          </a:prstGeom>
-          <a:solidFill>
-            <a:schemeClr val="bg2">
-              <a:lumMod val="85000"/>
-            </a:schemeClr>
-          </a:solidFill>
         </p:spPr>
         <p:txBody>
-          <a:bodyPr vert="horz" wrap="square" lIns="91440" tIns="91440" rIns="91440" bIns="91440" rtlCol="0">
-            <a:normAutofit/>
-          </a:bodyPr>
+          <a:bodyPr/>
           <a:lstStyle/>
           <a:p>
-            <a:pPr marL="342900" indent="-342900" algn="ctr">
-              <a:buFont typeface="Wingdings" charset="2"/>
-              <a:buChar char="v"/>
-            </a:pPr>
-            <a:r>
-              <a:rPr lang="en-US" b="1" dirty="0"/>
-              <a:t>Repeat this </a:t>
-            </a:r>
-            <a:r>
-              <a:rPr lang="en-US" b="1" dirty="0" smtClean="0"/>
-              <a:t>series </a:t>
-            </a:r>
-            <a:r>
-              <a:rPr lang="en-US" b="1" dirty="0"/>
-              <a:t>of steps </a:t>
-            </a:r>
-            <a:r>
-              <a:rPr lang="en-US" b="1" dirty="0" smtClean="0"/>
-              <a:t>for each line within the default recipe</a:t>
-            </a:r>
-            <a:endParaRPr lang="en-US" b="1" dirty="0"/>
+            <a:endParaRPr lang="en-US"/>
+          </a:p>
+        </p:txBody>
+      </p:sp>
+      <p:sp>
+        <p:nvSpPr>
+          <p:cNvPr id="5" name="Title 4"/>
+          <p:cNvSpPr>
+            <a:spLocks noGrp="1"/>
+          </p:cNvSpPr>
+          <p:nvPr>
+            <p:ph type="title"/>
+          </p:nvPr>
+        </p:nvSpPr>
+        <p:spPr/>
+        <p:txBody>
+          <a:bodyPr/>
+          <a:lstStyle/>
+          <a:p>
+            <a:r>
+              <a:rPr lang="en-US" dirty="0" smtClean="0"/>
+              <a:t>Execute the Tests to </a:t>
+            </a:r>
+            <a:r>
+              <a:rPr lang="en-US" smtClean="0"/>
+              <a:t>See it Pass</a:t>
+            </a:r>
+            <a:endParaRPr lang="en-US"/>
           </a:p>
         </p:txBody>
       </p:sp>
     </p:spTree>
     <p:extLst>
       <p:ext uri="{BB962C8B-B14F-4D97-AF65-F5344CB8AC3E}">
-        <p14:creationId xmlns:p14="http://schemas.microsoft.com/office/powerpoint/2010/main" val="833734926"/>
+        <p14:creationId xmlns:p14="http://schemas.microsoft.com/office/powerpoint/2010/main" val="3763976190"/>
       </p:ext>
     </p:extLst>
   </p:cSld>
@@ -23236,7 +23513,7 @@
           <a:p>
             <a:r>
               <a:rPr lang="en-US" dirty="0" smtClean="0"/>
-              <a:t>Discussion</a:t>
+              <a:t>Continue with Mutation Testing</a:t>
             </a:r>
             <a:endParaRPr lang="en-US" dirty="0"/>
           </a:p>
@@ -23252,71 +23529,132 @@
             <p:ph type="subTitle" idx="1"/>
           </p:nvPr>
         </p:nvSpPr>
-        <p:spPr>
-          <a:xfrm>
-            <a:off x="1660524" y="3260725"/>
-            <a:ext cx="12330113" cy="3427942"/>
-          </a:xfrm>
-        </p:spPr>
+        <p:spPr/>
         <p:txBody>
           <a:bodyPr/>
           <a:lstStyle/>
           <a:p>
-            <a:r>
-              <a:rPr lang="en-US" dirty="0" smtClean="0"/>
-              <a:t>What functionality did you test in the integration tests?</a:t>
-            </a:r>
-          </a:p>
-          <a:p>
+            <a:pPr>
+              <a:lnSpc>
+                <a:spcPct val="150000"/>
+              </a:lnSpc>
+              <a:buFont typeface="Wingdings" charset="2"/>
+              <a:buChar char="ü"/>
+            </a:pPr>
+            <a:r>
+              <a:rPr lang="en-US" dirty="0" smtClean="0"/>
+              <a:t>Comment out the next line in the apache cookbook's default recipe</a:t>
+            </a:r>
+          </a:p>
+          <a:p>
+            <a:pPr>
+              <a:lnSpc>
+                <a:spcPct val="150000"/>
+              </a:lnSpc>
+              <a:buFont typeface="Wingdings" charset="2"/>
+              <a:buChar char="ü"/>
+            </a:pPr>
+            <a:r>
+              <a:rPr lang="en-US" dirty="0" smtClean="0"/>
+              <a:t>Write the example with expectation that will generate a failure</a:t>
+            </a:r>
             <a:endParaRPr lang="en-US" dirty="0"/>
           </a:p>
           <a:p>
-            <a:r>
-              <a:rPr lang="en-US" dirty="0" smtClean="0"/>
-              <a:t>What functionality did you test in these unit tests?</a:t>
-            </a:r>
-          </a:p>
-          <a:p>
-            <a:endParaRPr lang="en-US" dirty="0"/>
-          </a:p>
-          <a:p>
-            <a:r>
-              <a:rPr lang="en-US" dirty="0"/>
-              <a:t>What do you see as the scope of unit testing versus integration testing?</a:t>
-            </a:r>
-            <a:endParaRPr lang="en-US" dirty="0" smtClean="0"/>
-          </a:p>
-          <a:p>
-            <a:endParaRPr lang="en-US" dirty="0"/>
-          </a:p>
-          <a:p>
-            <a:r>
-              <a:rPr lang="en-US" dirty="0" smtClean="0"/>
-              <a:t>What are the differences between a </a:t>
-            </a:r>
-            <a:r>
-              <a:rPr lang="en-US" dirty="0" err="1" smtClean="0"/>
-              <a:t>ChefSpec</a:t>
-            </a:r>
-            <a:r>
-              <a:rPr lang="en-US" dirty="0" smtClean="0"/>
-              <a:t> test and a </a:t>
-            </a:r>
-            <a:r>
-              <a:rPr lang="en-US" dirty="0" err="1" smtClean="0"/>
-              <a:t>InSpec</a:t>
-            </a:r>
-            <a:r>
-              <a:rPr lang="en-US" dirty="0" smtClean="0"/>
-              <a:t> test?</a:t>
-            </a:r>
+            <a:pPr>
+              <a:lnSpc>
+                <a:spcPct val="150000"/>
+              </a:lnSpc>
+              <a:buFont typeface="Wingdings" charset="2"/>
+              <a:buChar char="ü"/>
+            </a:pPr>
+            <a:r>
+              <a:rPr lang="en-US" dirty="0" smtClean="0"/>
+              <a:t>Verify that one example generates a failure</a:t>
+            </a:r>
+          </a:p>
+          <a:p>
+            <a:pPr>
+              <a:lnSpc>
+                <a:spcPct val="150000"/>
+              </a:lnSpc>
+              <a:buFont typeface="Wingdings" charset="2"/>
+              <a:buChar char="ü"/>
+            </a:pPr>
+            <a:r>
+              <a:rPr lang="en-US" dirty="0" smtClean="0"/>
+              <a:t>Restore the code in the recipe</a:t>
+            </a:r>
+          </a:p>
+          <a:p>
+            <a:pPr>
+              <a:lnSpc>
+                <a:spcPct val="150000"/>
+              </a:lnSpc>
+              <a:buFont typeface="Wingdings" charset="2"/>
+              <a:buChar char="ü"/>
+            </a:pPr>
+            <a:r>
+              <a:rPr lang="en-US" dirty="0" smtClean="0"/>
+              <a:t>Verify that all examples pass</a:t>
+            </a:r>
+          </a:p>
+        </p:txBody>
+      </p:sp>
+      <p:sp>
+        <p:nvSpPr>
+          <p:cNvPr id="4" name="TextBox 3"/>
+          <p:cNvSpPr txBox="1"/>
+          <p:nvPr/>
+        </p:nvSpPr>
+        <p:spPr bwMode="white">
+          <a:xfrm>
+            <a:off x="1660524" y="7076661"/>
+            <a:ext cx="12330113" cy="675861"/>
+          </a:xfrm>
+          <a:prstGeom prst="rect">
+            <a:avLst/>
+          </a:prstGeom>
+          <a:solidFill>
+            <a:schemeClr val="bg2">
+              <a:lumMod val="85000"/>
+            </a:schemeClr>
+          </a:solidFill>
+        </p:spPr>
+        <p:txBody>
+          <a:bodyPr vert="horz" wrap="square" lIns="91440" tIns="91440" rIns="91440" bIns="91440" rtlCol="0">
+            <a:normAutofit/>
+          </a:bodyPr>
+          <a:lstStyle/>
+          <a:p>
+            <a:pPr marL="342900" indent="-342900" algn="ctr">
+              <a:buFont typeface="Wingdings" charset="2"/>
+              <a:buChar char="v"/>
+            </a:pPr>
+            <a:r>
+              <a:rPr lang="en-US" b="1" dirty="0"/>
+              <a:t>Repeat this </a:t>
+            </a:r>
+            <a:r>
+              <a:rPr lang="en-US" b="1" dirty="0" smtClean="0"/>
+              <a:t>series </a:t>
+            </a:r>
+            <a:r>
+              <a:rPr lang="en-US" b="1" dirty="0"/>
+              <a:t>of steps </a:t>
+            </a:r>
+            <a:r>
+              <a:rPr lang="en-US" b="1" dirty="0" smtClean="0"/>
+              <a:t>for each line within the default recipe</a:t>
+            </a:r>
+            <a:endParaRPr lang="en-US" b="1" dirty="0"/>
           </a:p>
         </p:txBody>
       </p:sp>
     </p:spTree>
     <p:extLst>
       <p:ext uri="{BB962C8B-B14F-4D97-AF65-F5344CB8AC3E}">
-        <p14:creationId xmlns:p14="http://schemas.microsoft.com/office/powerpoint/2010/main" val="108599519"/>
+        <p14:creationId xmlns:p14="http://schemas.microsoft.com/office/powerpoint/2010/main" val="833734926"/>
       </p:ext>
     </p:extLst>
   </p:cSld>
@@ -23372,7 +23710,7 @@
           <a:p>
             <a:r>
               <a:rPr lang="en-US" dirty="0" smtClean="0"/>
-              <a:t>Q&amp;A</a:t>
+              <a:t>Discussion</a:t>
             </a:r>
             <a:endParaRPr lang="en-US" dirty="0"/>
           </a:p>
@@ -23388,23 +23726,71 @@
             <p:ph type="subTitle" idx="1"/>
           </p:nvPr>
         </p:nvSpPr>
-        <p:spPr/>
+        <p:spPr>
+          <a:xfrm>
+            <a:off x="1660524" y="3260725"/>
+            <a:ext cx="12330113" cy="3427942"/>
+          </a:xfrm>
+        </p:spPr>
         <p:txBody>
           <a:bodyPr/>
           <a:lstStyle/>
           <a:p>
             <a:r>
               <a:rPr lang="en-US" dirty="0" smtClean="0"/>
-              <a:t>What questions can we answer for you?</a:t>
-            </a:r>
+              <a:t>What functionality did you test in the integration tests?</a:t>
+            </a:r>
+          </a:p>
+          <a:p>
             <a:endParaRPr lang="en-US" dirty="0"/>
+          </a:p>
+          <a:p>
+            <a:r>
+              <a:rPr lang="en-US" dirty="0" smtClean="0"/>
+              <a:t>What functionality did you test in these unit tests?</a:t>
+            </a:r>
+          </a:p>
+          <a:p>
+            <a:endParaRPr lang="en-US" dirty="0"/>
+          </a:p>
+          <a:p>
+            <a:r>
+              <a:rPr lang="en-US" dirty="0"/>
+              <a:t>What do you see as the scope of unit testing versus integration testing?</a:t>
+            </a:r>
+            <a:endParaRPr lang="en-US" dirty="0" smtClean="0"/>
+          </a:p>
+          <a:p>
+            <a:endParaRPr lang="en-US" dirty="0"/>
+          </a:p>
+          <a:p>
+            <a:r>
+              <a:rPr lang="en-US" dirty="0" smtClean="0"/>
+              <a:t>What are the differences between a </a:t>
+            </a:r>
+            <a:r>
+              <a:rPr lang="en-US" dirty="0" err="1" smtClean="0"/>
+              <a:t>ChefSpec</a:t>
+            </a:r>
+            <a:r>
+              <a:rPr lang="en-US" dirty="0" smtClean="0"/>
+              <a:t> test and a </a:t>
+            </a:r>
+            <a:r>
+              <a:rPr lang="en-US" dirty="0" err="1" smtClean="0"/>
+              <a:t>InSpec</a:t>
+            </a:r>
+            <a:r>
+              <a:rPr lang="en-US" dirty="0" smtClean="0"/>
+              <a:t> test?</a:t>
+            </a:r>
           </a:p>
         </p:txBody>
       </p:sp>
     </p:spTree>
     <p:extLst>
       <p:ext uri="{BB962C8B-B14F-4D97-AF65-F5344CB8AC3E}">
-        <p14:creationId xmlns:p14="http://schemas.microsoft.com/office/powerpoint/2010/main" val="2421411435"/>
+        <p14:creationId xmlns:p14="http://schemas.microsoft.com/office/powerpoint/2010/main" val="108599519"/>
       </p:ext>
     </p:extLst>
   </p:cSld>
@@ -23443,12 +23829,37 @@
       </p:grpSpPr>
       <p:sp>
         <p:nvSpPr>
-          <p:cNvPr id="2" name="Content Placeholder 1"/>
+          <p:cNvPr id="2" name="Title 1"/>
           <p:cNvSpPr>
             <a:spLocks noGrp="1"/>
           </p:cNvSpPr>
           <p:nvPr>
-            <p:ph sz="quarter" idx="14"/>
+            <p:ph type="ctrTitle"/>
+          </p:nvPr>
+        </p:nvSpPr>
+        <p:spPr/>
+        <p:txBody>
+          <a:bodyPr>
+            <a:normAutofit fontScale="90000"/>
+          </a:bodyPr>
+          <a:lstStyle/>
+          <a:p>
+            <a:r>
+              <a:rPr lang="en-US" dirty="0" smtClean="0"/>
+              <a:t>Q&amp;A</a:t>
+            </a:r>
+            <a:endParaRPr lang="en-US" dirty="0"/>
+          </a:p>
+        </p:txBody>
+      </p:sp>
+      <p:sp>
+        <p:nvSpPr>
+          <p:cNvPr id="3" name="Subtitle 2"/>
+          <p:cNvSpPr>
+            <a:spLocks noGrp="1"/>
+          </p:cNvSpPr>
+          <p:nvPr>
+            <p:ph type="subTitle" idx="1"/>
           </p:nvPr>
         </p:nvSpPr>
         <p:spPr/>
@@ -23457,115 +23868,8 @@
           <a:lstStyle/>
           <a:p>
             <a:r>
-              <a:rPr lang="en-US" smtClean="0"/>
-              <a:t>Introduction</a:t>
-            </a:r>
-          </a:p>
-          <a:p>
-            <a:r>
-              <a:rPr lang="en-US" smtClean="0"/>
-              <a:t>Why Write Tests? Why is that Hard?</a:t>
-            </a:r>
-          </a:p>
-          <a:p>
-            <a:r>
-              <a:rPr lang="en-US" smtClean="0"/>
-              <a:t>Writing a Test First</a:t>
-            </a:r>
-          </a:p>
-          <a:p>
-            <a:r>
-              <a:rPr lang="en-US" smtClean="0"/>
-              <a:t>Refactoring Cookbooks with Tests</a:t>
-            </a:r>
-          </a:p>
-          <a:p>
-            <a:endParaRPr lang="en-US" dirty="0" smtClean="0"/>
-          </a:p>
-        </p:txBody>
-      </p:sp>
-      <p:sp>
-        <p:nvSpPr>
-          <p:cNvPr id="3" name="Content Placeholder 2"/>
-          <p:cNvSpPr>
-            <a:spLocks noGrp="1"/>
-          </p:cNvSpPr>
-          <p:nvPr>
-            <p:ph sz="quarter" idx="12"/>
-          </p:nvPr>
-        </p:nvSpPr>
-        <p:spPr/>
-        <p:txBody>
-          <a:bodyPr/>
-          <a:lstStyle/>
-          <a:p>
-            <a:r>
-              <a:rPr lang="en-US" dirty="0" smtClean="0"/>
-              <a:t>Faster Feedback with Unit Testing</a:t>
-            </a:r>
-          </a:p>
-          <a:p>
-            <a:r>
-              <a:rPr lang="en-US" b="1" dirty="0" smtClean="0"/>
-              <a:t>Testing Resources in Recipes</a:t>
-            </a:r>
-          </a:p>
-          <a:p>
-            <a:r>
-              <a:rPr lang="en-US" dirty="0" smtClean="0"/>
-              <a:t>Refactoring to Attributes</a:t>
-            </a:r>
-          </a:p>
-          <a:p>
-            <a:r>
-              <a:rPr lang="en-US" dirty="0" smtClean="0"/>
-              <a:t>Refactoring to Multiple Platforms</a:t>
-            </a:r>
-            <a:endParaRPr lang="en-US" dirty="0"/>
-          </a:p>
-        </p:txBody>
-      </p:sp>
-      <p:sp>
-        <p:nvSpPr>
-          <p:cNvPr id="4" name="Text Placeholder 3"/>
-          <p:cNvSpPr>
-            <a:spLocks noGrp="1"/>
-          </p:cNvSpPr>
-          <p:nvPr>
-            <p:ph type="body" sz="quarter" idx="15"/>
-          </p:nvPr>
-        </p:nvSpPr>
-        <p:spPr/>
-        <p:txBody>
-          <a:bodyPr/>
-          <a:lstStyle/>
-          <a:p>
-            <a:r>
-              <a:rPr lang="en-US" smtClean="0"/>
-              <a:t>Morning</a:t>
-            </a:r>
-            <a:endParaRPr lang="en-US" dirty="0"/>
-          </a:p>
-        </p:txBody>
-      </p:sp>
-      <p:sp>
-        <p:nvSpPr>
-          <p:cNvPr id="5" name="Text Placeholder 4"/>
-          <p:cNvSpPr>
-            <a:spLocks noGrp="1"/>
-          </p:cNvSpPr>
-          <p:nvPr>
-            <p:ph type="body" sz="quarter" idx="16"/>
-          </p:nvPr>
-        </p:nvSpPr>
-        <p:spPr/>
-        <p:txBody>
-          <a:bodyPr/>
-          <a:lstStyle/>
-          <a:p>
-            <a:r>
-              <a:rPr lang="en-US" smtClean="0"/>
-              <a:t>Afternoon</a:t>
+              <a:rPr lang="en-US" dirty="0" smtClean="0"/>
+              <a:t>What questions can we answer for you?</a:t>
             </a:r>
             <a:endParaRPr lang="en-US" dirty="0"/>
           </a:p>
@@ -23574,7 +23878,7 @@
     </p:spTree>
     <p:extLst>
       <p:ext uri="{BB962C8B-B14F-4D97-AF65-F5344CB8AC3E}">
-        <p14:creationId xmlns:p14="http://schemas.microsoft.com/office/powerpoint/2010/main" val="78176243"/>
+        <p14:creationId xmlns:p14="http://schemas.microsoft.com/office/powerpoint/2010/main" val="2421411435"/>
       </p:ext>
     </p:extLst>
   </p:cSld>
@@ -24385,6 +24689,176 @@
 </file>
 
 <file path=ppt/slides/slide40.xml><?xml version="1.0" encoding="utf-8"?>
+<p:sld xmlns:a="http://schemas.openxmlformats.org/drawingml/2006/main" xmlns:r="http://schemas.openxmlformats.org/officeDocument/2006/relationships" xmlns:p="http://schemas.openxmlformats.org/presentationml/2006/main">
+  <p:cSld>
+    <p:spTree>
+      <p:nvGrpSpPr>
+        <p:cNvPr id="1" name=""/>
+        <p:cNvGrpSpPr/>
+        <p:nvPr/>
+      </p:nvGrpSpPr>
+      <p:grpSpPr>
+        <a:xfrm>
+          <a:off x="0" y="0"/>
+          <a:ext cx="0" cy="0"/>
+          <a:chOff x="0" y="0"/>
+          <a:chExt cx="0" cy="0"/>
+        </a:xfrm>
+      </p:grpSpPr>
+      <p:sp>
+        <p:nvSpPr>
+          <p:cNvPr id="2" name="Content Placeholder 1"/>
+          <p:cNvSpPr>
+            <a:spLocks noGrp="1"/>
+          </p:cNvSpPr>
+          <p:nvPr>
+            <p:ph sz="quarter" idx="14"/>
+          </p:nvPr>
+        </p:nvSpPr>
+        <p:spPr/>
+        <p:txBody>
+          <a:bodyPr/>
+          <a:lstStyle/>
+          <a:p>
+            <a:r>
+              <a:rPr lang="en-US" smtClean="0"/>
+              <a:t>Introduction</a:t>
+            </a:r>
+          </a:p>
+          <a:p>
+            <a:r>
+              <a:rPr lang="en-US" smtClean="0"/>
+              <a:t>Why Write Tests? Why is that Hard?</a:t>
+            </a:r>
+          </a:p>
+          <a:p>
+            <a:r>
+              <a:rPr lang="en-US" smtClean="0"/>
+              <a:t>Writing a Test First</a:t>
+            </a:r>
+          </a:p>
+          <a:p>
+            <a:r>
+              <a:rPr lang="en-US" smtClean="0"/>
+              <a:t>Refactoring Cookbooks with Tests</a:t>
+            </a:r>
+          </a:p>
+          <a:p>
+            <a:endParaRPr lang="en-US" dirty="0" smtClean="0"/>
+          </a:p>
+        </p:txBody>
+      </p:sp>
+      <p:sp>
+        <p:nvSpPr>
+          <p:cNvPr id="3" name="Content Placeholder 2"/>
+          <p:cNvSpPr>
+            <a:spLocks noGrp="1"/>
+          </p:cNvSpPr>
+          <p:nvPr>
+            <p:ph sz="quarter" idx="12"/>
+          </p:nvPr>
+        </p:nvSpPr>
+        <p:spPr/>
+        <p:txBody>
+          <a:bodyPr/>
+          <a:lstStyle/>
+          <a:p>
+            <a:r>
+              <a:rPr lang="en-US" dirty="0" smtClean="0"/>
+              <a:t>Faster Feedback with Unit Testing</a:t>
+            </a:r>
+          </a:p>
+          <a:p>
+            <a:r>
+              <a:rPr lang="en-US" b="1" dirty="0" smtClean="0"/>
+              <a:t>Testing Resources in Recipes</a:t>
+            </a:r>
+          </a:p>
+          <a:p>
+            <a:r>
+              <a:rPr lang="en-US" dirty="0" smtClean="0"/>
+              <a:t>Refactoring to Attributes</a:t>
+            </a:r>
+          </a:p>
+          <a:p>
+            <a:r>
+              <a:rPr lang="en-US" dirty="0" smtClean="0"/>
+              <a:t>Refactoring to Multiple Platforms</a:t>
+            </a:r>
+            <a:endParaRPr lang="en-US" dirty="0"/>
+          </a:p>
+        </p:txBody>
+      </p:sp>
+      <p:sp>
+        <p:nvSpPr>
+          <p:cNvPr id="4" name="Text Placeholder 3"/>
+          <p:cNvSpPr>
+            <a:spLocks noGrp="1"/>
+          </p:cNvSpPr>
+          <p:nvPr>
+            <p:ph type="body" sz="quarter" idx="15"/>
+          </p:nvPr>
+        </p:nvSpPr>
+        <p:spPr/>
+        <p:txBody>
+          <a:bodyPr/>
+          <a:lstStyle/>
+          <a:p>
+            <a:r>
+              <a:rPr lang="en-US" smtClean="0"/>
+              <a:t>Morning</a:t>
+            </a:r>
+            <a:endParaRPr lang="en-US" dirty="0"/>
+          </a:p>
+        </p:txBody>
+      </p:sp>
+      <p:sp>
+        <p:nvSpPr>
+          <p:cNvPr id="5" name="Text Placeholder 4"/>
+          <p:cNvSpPr>
+            <a:spLocks noGrp="1"/>
+          </p:cNvSpPr>
+          <p:nvPr>
+            <p:ph type="body" sz="quarter" idx="16"/>
+          </p:nvPr>
+        </p:nvSpPr>
+        <p:spPr/>
+        <p:txBody>
+          <a:bodyPr/>
+          <a:lstStyle/>
+          <a:p>
+            <a:r>
+              <a:rPr lang="en-US" smtClean="0"/>
+              <a:t>Afternoon</a:t>
+            </a:r>
+            <a:endParaRPr lang="en-US" dirty="0"/>
+          </a:p>
+        </p:txBody>
+      </p:sp>
+    </p:spTree>
+    <p:extLst>
+      <p:ext uri="{BB962C8B-B14F-4D97-AF65-F5344CB8AC3E}">
+        <p14:creationId xmlns:p14="http://schemas.microsoft.com/office/powerpoint/2010/main" val="78176243"/>
+      </p:ext>
+    </p:extLst>
+  </p:cSld>
+  <p:clrMapOvr>
+    <a:masterClrMapping/>
+  </p:clrMapOvr>
+  <p:transition spd="med">
+    <p:fade/>
+  </p:transition>
+  <p:timing>
+    <p:tnLst>
+      <p:par>
+        <p:cTn id="1" dur="indefinite" restart="never" nodeType="tmRoot"/>
+      </p:par>
+    </p:tnLst>
+  </p:timing>
+</p:sld>
+</file>
+
+<file path=ppt/slides/slide41.xml><?xml version="1.0" encoding="utf-8"?>
 <p:sld xmlns:a="http://schemas.openxmlformats.org/drawingml/2006/main" xmlns:r="http://schemas.openxmlformats.org/officeDocument/2006/relationships" xmlns:p="http://schemas.openxmlformats.org/presentationml/2006/main">
   <p:cSld>
     <p:spTree>

--- a/05-faster_feedback_with_unit_testing.pptx
+++ b/05-faster_feedback_with_unit_testing.pptx
@@ -6664,14 +6664,14 @@
           </a:ln>
           <a:extLst>
             <a:ext uri="{909E8E84-426E-40dd-AFC4-6F175D3DCCD1}">
-              <a14:hiddenFill xmlns="" xmlns:a14="http://schemas.microsoft.com/office/drawing/2010/main">
+              <a14:hiddenFill xmlns:a14="http://schemas.microsoft.com/office/drawing/2010/main" xmlns="">
                 <a:solidFill>
                   <a:srgbClr val="FFFFFF"/>
                 </a:solidFill>
               </a14:hiddenFill>
             </a:ext>
             <a:ext uri="{91240B29-F687-4f45-9708-019B960494DF}">
-              <a14:hiddenLine xmlns="" xmlns:a14="http://schemas.microsoft.com/office/drawing/2010/main" w="9525">
+              <a14:hiddenLine xmlns:a14="http://schemas.microsoft.com/office/drawing/2010/main" xmlns="" w="9525">
                 <a:solidFill>
                   <a:srgbClr val="000000"/>
                 </a:solidFill>
@@ -6819,14 +6819,14 @@
           </a:ln>
           <a:extLst>
             <a:ext uri="{909E8E84-426E-40dd-AFC4-6F175D3DCCD1}">
-              <a14:hiddenFill xmlns="" xmlns:a14="http://schemas.microsoft.com/office/drawing/2010/main">
+              <a14:hiddenFill xmlns:a14="http://schemas.microsoft.com/office/drawing/2010/main" xmlns="">
                 <a:solidFill>
                   <a:srgbClr val="FFFFFF"/>
                 </a:solidFill>
               </a14:hiddenFill>
             </a:ext>
             <a:ext uri="{91240B29-F687-4f45-9708-019B960494DF}">
-              <a14:hiddenLine xmlns="" xmlns:a14="http://schemas.microsoft.com/office/drawing/2010/main" w="9525">
+              <a14:hiddenLine xmlns:a14="http://schemas.microsoft.com/office/drawing/2010/main" xmlns="" w="9525">
                 <a:solidFill>
                   <a:srgbClr val="000000"/>
                 </a:solidFill>
@@ -7317,14 +7317,14 @@
           </a:ln>
           <a:extLst>
             <a:ext uri="{909E8E84-426E-40dd-AFC4-6F175D3DCCD1}">
-              <a14:hiddenFill xmlns="" xmlns:a14="http://schemas.microsoft.com/office/drawing/2010/main">
+              <a14:hiddenFill xmlns:a14="http://schemas.microsoft.com/office/drawing/2010/main" xmlns="">
                 <a:solidFill>
                   <a:srgbClr val="FFFFFF"/>
                 </a:solidFill>
               </a14:hiddenFill>
             </a:ext>
             <a:ext uri="{91240B29-F687-4f45-9708-019B960494DF}">
-              <a14:hiddenLine xmlns="" xmlns:a14="http://schemas.microsoft.com/office/drawing/2010/main" w="9525">
+              <a14:hiddenLine xmlns:a14="http://schemas.microsoft.com/office/drawing/2010/main" xmlns="" w="9525">
                 <a:solidFill>
                   <a:srgbClr val="000000"/>
                 </a:solidFill>
@@ -8773,14 +8773,14 @@
           </a:ln>
           <a:extLst>
             <a:ext uri="{909E8E84-426E-40dd-AFC4-6F175D3DCCD1}">
-              <a14:hiddenFill xmlns="" xmlns:a14="http://schemas.microsoft.com/office/drawing/2010/main">
+              <a14:hiddenFill xmlns:a14="http://schemas.microsoft.com/office/drawing/2010/main" xmlns="">
                 <a:solidFill>
                   <a:srgbClr val="FFFFFF"/>
                 </a:solidFill>
               </a14:hiddenFill>
             </a:ext>
             <a:ext uri="{91240B29-F687-4f45-9708-019B960494DF}">
-              <a14:hiddenLine xmlns="" xmlns:a14="http://schemas.microsoft.com/office/drawing/2010/main" w="9525">
+              <a14:hiddenLine xmlns:a14="http://schemas.microsoft.com/office/drawing/2010/main" xmlns="" w="9525">
                 <a:solidFill>
                   <a:srgbClr val="000000"/>
                 </a:solidFill>
@@ -10134,14 +10134,14 @@
           </a:ln>
           <a:extLst>
             <a:ext uri="{909E8E84-426E-40dd-AFC4-6F175D3DCCD1}">
-              <a14:hiddenFill xmlns="" xmlns:a14="http://schemas.microsoft.com/office/drawing/2010/main">
+              <a14:hiddenFill xmlns:a14="http://schemas.microsoft.com/office/drawing/2010/main" xmlns="">
                 <a:solidFill>
                   <a:srgbClr val="FFFFFF"/>
                 </a:solidFill>
               </a14:hiddenFill>
             </a:ext>
             <a:ext uri="{91240B29-F687-4f45-9708-019B960494DF}">
-              <a14:hiddenLine xmlns="" xmlns:a14="http://schemas.microsoft.com/office/drawing/2010/main" w="9525">
+              <a14:hiddenLine xmlns:a14="http://schemas.microsoft.com/office/drawing/2010/main" xmlns="" w="9525">
                 <a:solidFill>
                   <a:srgbClr val="000000"/>
                 </a:solidFill>
@@ -10699,14 +10699,14 @@
           </a:ln>
           <a:extLst>
             <a:ext uri="{909E8E84-426E-40dd-AFC4-6F175D3DCCD1}">
-              <a14:hiddenFill xmlns="" xmlns:a14="http://schemas.microsoft.com/office/drawing/2010/main">
+              <a14:hiddenFill xmlns:a14="http://schemas.microsoft.com/office/drawing/2010/main" xmlns="">
                 <a:solidFill>
                   <a:srgbClr val="FFFFFF"/>
                 </a:solidFill>
               </a14:hiddenFill>
             </a:ext>
             <a:ext uri="{91240B29-F687-4f45-9708-019B960494DF}">
-              <a14:hiddenLine xmlns="" xmlns:a14="http://schemas.microsoft.com/office/drawing/2010/main" w="9525">
+              <a14:hiddenLine xmlns:a14="http://schemas.microsoft.com/office/drawing/2010/main" xmlns="" w="9525">
                 <a:solidFill>
                   <a:srgbClr val="000000"/>
                 </a:solidFill>
@@ -11273,14 +11273,14 @@
           </a:ln>
           <a:extLst>
             <a:ext uri="{909E8E84-426E-40dd-AFC4-6F175D3DCCD1}">
-              <a14:hiddenFill xmlns="" xmlns:a14="http://schemas.microsoft.com/office/drawing/2010/main">
+              <a14:hiddenFill xmlns:a14="http://schemas.microsoft.com/office/drawing/2010/main" xmlns="">
                 <a:solidFill>
                   <a:srgbClr val="FFFFFF"/>
                 </a:solidFill>
               </a14:hiddenFill>
             </a:ext>
             <a:ext uri="{91240B29-F687-4f45-9708-019B960494DF}">
-              <a14:hiddenLine xmlns="" xmlns:a14="http://schemas.microsoft.com/office/drawing/2010/main" w="9525">
+              <a14:hiddenLine xmlns:a14="http://schemas.microsoft.com/office/drawing/2010/main" xmlns="" w="9525">
                 <a:solidFill>
                   <a:srgbClr val="000000"/>
                 </a:solidFill>
@@ -12220,14 +12220,14 @@
           </a:ln>
           <a:extLst>
             <a:ext uri="{909E8E84-426E-40dd-AFC4-6F175D3DCCD1}">
-              <a14:hiddenFill xmlns="" xmlns:a14="http://schemas.microsoft.com/office/drawing/2010/main">
+              <a14:hiddenFill xmlns:a14="http://schemas.microsoft.com/office/drawing/2010/main" xmlns="">
                 <a:solidFill>
                   <a:srgbClr val="FFFFFF"/>
                 </a:solidFill>
               </a14:hiddenFill>
             </a:ext>
             <a:ext uri="{91240B29-F687-4f45-9708-019B960494DF}">
-              <a14:hiddenLine xmlns="" xmlns:a14="http://schemas.microsoft.com/office/drawing/2010/main" w="9525">
+              <a14:hiddenLine xmlns:a14="http://schemas.microsoft.com/office/drawing/2010/main" xmlns="" w="9525">
                 <a:solidFill>
                   <a:srgbClr val="000000"/>
                 </a:solidFill>
@@ -13011,14 +13011,14 @@
           </a:ln>
           <a:extLst>
             <a:ext uri="{909E8E84-426E-40dd-AFC4-6F175D3DCCD1}">
-              <a14:hiddenFill xmlns="" xmlns:a14="http://schemas.microsoft.com/office/drawing/2010/main">
+              <a14:hiddenFill xmlns:a14="http://schemas.microsoft.com/office/drawing/2010/main" xmlns="">
                 <a:solidFill>
                   <a:srgbClr val="FFFFFF"/>
                 </a:solidFill>
               </a14:hiddenFill>
             </a:ext>
             <a:ext uri="{91240B29-F687-4f45-9708-019B960494DF}">
-              <a14:hiddenLine xmlns="" xmlns:a14="http://schemas.microsoft.com/office/drawing/2010/main" w="9525">
+              <a14:hiddenLine xmlns:a14="http://schemas.microsoft.com/office/drawing/2010/main" xmlns="" w="9525">
                 <a:solidFill>
                   <a:srgbClr val="000000"/>
                 </a:solidFill>
@@ -14123,7 +14123,12 @@
             <p:ph sz="quarter" idx="10"/>
           </p:nvPr>
         </p:nvSpPr>
-        <p:spPr/>
+        <p:spPr>
+          <a:xfrm>
+            <a:off x="1121103" y="2113747"/>
+            <a:ext cx="14794757" cy="5951611"/>
+          </a:xfrm>
+        </p:spPr>
         <p:txBody>
           <a:bodyPr>
             <a:normAutofit fontScale="85000" lnSpcReduction="20000"/>
@@ -14155,19 +14160,7 @@
           <a:p>
             <a:r>
               <a:rPr lang="en-US" dirty="0" smtClean="0"/>
-              <a:t>  context 'When all attributes are default, on </a:t>
-            </a:r>
-            <a:r>
-              <a:rPr lang="en-US" dirty="0" smtClean="0"/>
-              <a:t>an Ubuntu 16.04</a:t>
-            </a:r>
-            <a:r>
-              <a:rPr lang="en-US" dirty="0" smtClean="0"/>
-              <a:t>' </a:t>
-            </a:r>
-            <a:r>
-              <a:rPr lang="en-US" dirty="0" smtClean="0"/>
-              <a:t>do</a:t>
+              <a:t>  context 'When all attributes are default, on an Ubuntu 16.04' do</a:t>
             </a:r>
           </a:p>
           <a:p>
@@ -14210,6 +14203,10 @@
               <a:t>(platform: </a:t>
             </a:r>
             <a:r>
+              <a:rPr lang="en-US" dirty="0"/>
+              <a:t>'</a:t>
+            </a:r>
+            <a:r>
               <a:rPr lang="en-US" dirty="0" err="1"/>
               <a:t>ubuntu</a:t>
             </a:r>
@@ -14221,7 +14218,6 @@
               <a:rPr lang="en-US" dirty="0" smtClean="0"/>
               <a:t>')</a:t>
             </a:r>
-            <a:endParaRPr lang="en-US" dirty="0" smtClean="0"/>
           </a:p>
           <a:p>
             <a:r>
@@ -14408,7 +14404,12 @@
             <p:ph sz="quarter" idx="10"/>
           </p:nvPr>
         </p:nvSpPr>
-        <p:spPr/>
+        <p:spPr>
+          <a:xfrm>
+            <a:off x="1121104" y="2113747"/>
+            <a:ext cx="14662235" cy="5951611"/>
+          </a:xfrm>
+        </p:spPr>
         <p:txBody>
           <a:bodyPr>
             <a:normAutofit fontScale="85000" lnSpcReduction="20000"/>
@@ -14440,15 +14441,7 @@
           <a:p>
             <a:r>
               <a:rPr lang="en-US" dirty="0" smtClean="0"/>
-              <a:t>  context 'When all attributes are default, on an </a:t>
-            </a:r>
-            <a:r>
-              <a:rPr lang="en-US" dirty="0" smtClean="0"/>
-              <a:t>Ubuntu 16.04' </a:t>
-            </a:r>
-            <a:r>
-              <a:rPr lang="en-US" dirty="0" smtClean="0"/>
-              <a:t>do</a:t>
+              <a:t>  context 'When all attributes are default, on an Ubuntu 16.04' do</a:t>
             </a:r>
           </a:p>
           <a:p>
@@ -14491,6 +14484,10 @@
               <a:t>(platform: </a:t>
             </a:r>
             <a:r>
+              <a:rPr lang="en-US" dirty="0"/>
+              <a:t>'</a:t>
+            </a:r>
+            <a:r>
               <a:rPr lang="en-US" dirty="0" err="1"/>
               <a:t>ubuntu</a:t>
             </a:r>
@@ -14529,11 +14526,7 @@
           <a:p>
             <a:r>
               <a:rPr lang="en-US" dirty="0" smtClean="0"/>
-              <a:t>    </a:t>
-            </a:r>
-            <a:r>
-              <a:rPr lang="en-US" dirty="0" smtClean="0"/>
-              <a:t>end</a:t>
+              <a:t>    end</a:t>
             </a:r>
           </a:p>
           <a:p>
@@ -15329,7 +15322,12 @@
             <p:ph sz="quarter" idx="10"/>
           </p:nvPr>
         </p:nvSpPr>
-        <p:spPr/>
+        <p:spPr>
+          <a:xfrm>
+            <a:off x="1121104" y="2113747"/>
+            <a:ext cx="14741748" cy="5951611"/>
+          </a:xfrm>
+        </p:spPr>
         <p:txBody>
           <a:bodyPr>
             <a:normAutofit fontScale="85000" lnSpcReduction="20000"/>
@@ -15361,15 +15359,7 @@
           <a:p>
             <a:r>
               <a:rPr lang="en-US" dirty="0" smtClean="0"/>
-              <a:t>  context 'When all attributes are default, on an </a:t>
-            </a:r>
-            <a:r>
-              <a:rPr lang="en-US" dirty="0" smtClean="0"/>
-              <a:t>Ubuntu 16.04' </a:t>
-            </a:r>
-            <a:r>
-              <a:rPr lang="en-US" dirty="0" smtClean="0"/>
-              <a:t>do</a:t>
+              <a:t>  context 'When all attributes are default, on an Ubuntu 16.04' do</a:t>
             </a:r>
           </a:p>
           <a:p>
@@ -15412,6 +15402,10 @@
               <a:t>(platform: </a:t>
             </a:r>
             <a:r>
+              <a:rPr lang="en-US" dirty="0"/>
+              <a:t>'</a:t>
+            </a:r>
+            <a:r>
               <a:rPr lang="en-US" dirty="0" err="1"/>
               <a:t>ubuntu</a:t>
             </a:r>
@@ -15423,7 +15417,6 @@
               <a:rPr lang="en-US" dirty="0" smtClean="0"/>
               <a:t>')</a:t>
             </a:r>
-            <a:endParaRPr lang="en-US" dirty="0" smtClean="0"/>
           </a:p>
           <a:p>
             <a:r>
@@ -16155,7 +16148,12 @@
             <p:ph sz="quarter" idx="10"/>
           </p:nvPr>
         </p:nvSpPr>
-        <p:spPr/>
+        <p:spPr>
+          <a:xfrm>
+            <a:off x="1121103" y="2113747"/>
+            <a:ext cx="14781505" cy="5951611"/>
+          </a:xfrm>
+        </p:spPr>
         <p:txBody>
           <a:bodyPr>
             <a:normAutofit fontScale="85000" lnSpcReduction="20000"/>
@@ -16187,15 +16185,7 @@
           <a:p>
             <a:r>
               <a:rPr lang="en-US" dirty="0" smtClean="0"/>
-              <a:t>  context 'When all attributes are default, on an </a:t>
-            </a:r>
-            <a:r>
-              <a:rPr lang="en-US" dirty="0" smtClean="0"/>
-              <a:t>Ubuntu 16.04' </a:t>
-            </a:r>
-            <a:r>
-              <a:rPr lang="en-US" dirty="0" smtClean="0"/>
-              <a:t>do</a:t>
+              <a:t>  context 'When all attributes are default, on an Ubuntu 16.04' do</a:t>
             </a:r>
           </a:p>
           <a:p>
@@ -16238,6 +16228,10 @@
               <a:t>(platform: </a:t>
             </a:r>
             <a:r>
+              <a:rPr lang="en-US" dirty="0"/>
+              <a:t>'</a:t>
+            </a:r>
+            <a:r>
               <a:rPr lang="en-US" dirty="0" err="1"/>
               <a:t>ubuntu</a:t>
             </a:r>
@@ -16249,7 +16243,6 @@
               <a:rPr lang="en-US" dirty="0" smtClean="0"/>
               <a:t>')</a:t>
             </a:r>
-            <a:endParaRPr lang="en-US" dirty="0" smtClean="0"/>
           </a:p>
           <a:p>
             <a:r>
@@ -18472,11 +18465,7 @@
           <a:p>
             <a:r>
               <a:rPr lang="en-US" dirty="0" smtClean="0"/>
-              <a:t>~/</a:t>
-            </a:r>
-            <a:r>
-              <a:rPr lang="en-US" dirty="0" smtClean="0"/>
-              <a:t>apache/spec/unit/recipes/</a:t>
+              <a:t>~/apache/spec/unit/recipes/</a:t>
             </a:r>
             <a:r>
               <a:rPr lang="en-US" dirty="0" err="1" smtClean="0"/>

--- a/05-faster_feedback_with_unit_testing.pptx
+++ b/05-faster_feedback_with_unit_testing.pptx
@@ -263,10 +263,9 @@
           </a:lstStyle>
           <a:p>
             <a:r>
-              <a:rPr lang="en-US" smtClean="0"/>
+              <a:rPr lang="en-US"/>
               <a:t>Chef Intermediate</a:t>
             </a:r>
-            <a:endParaRPr lang="en-US"/>
           </a:p>
         </p:txBody>
       </p:sp>
@@ -311,7 +310,7 @@
               <a:defRPr/>
             </a:pPr>
             <a:r>
-              <a:rPr lang="en-US" smtClean="0"/>
+              <a:rPr lang="en-US"/>
               <a:t>Chef Software, Inc.</a:t>
             </a:r>
             <a:endParaRPr lang="en-US" dirty="0"/>
@@ -491,7 +490,7 @@
               <a:defRPr/>
             </a:pPr>
             <a:r>
-              <a:rPr lang="en-US" smtClean="0"/>
+              <a:rPr lang="en-US"/>
               <a:t>Chef Software, Inc.</a:t>
             </a:r>
             <a:endParaRPr lang="en-US" dirty="0"/>
@@ -559,38 +558,37 @@
           <a:p>
             <a:pPr lvl="0"/>
             <a:r>
-              <a:rPr lang="en-US" noProof="0" dirty="0" smtClean="0"/>
+              <a:rPr lang="en-US" noProof="0" dirty="0"/>
               <a:t>Click to edit Master text styles</a:t>
             </a:r>
           </a:p>
           <a:p>
             <a:pPr lvl="1"/>
             <a:r>
-              <a:rPr lang="en-US" noProof="0" dirty="0" smtClean="0"/>
+              <a:rPr lang="en-US" noProof="0" dirty="0"/>
               <a:t>Second level</a:t>
             </a:r>
           </a:p>
           <a:p>
             <a:pPr lvl="2"/>
             <a:r>
-              <a:rPr lang="en-US" noProof="0" dirty="0" smtClean="0"/>
+              <a:rPr lang="en-US" noProof="0" dirty="0"/>
               <a:t>Third level</a:t>
             </a:r>
           </a:p>
           <a:p>
             <a:pPr lvl="3"/>
             <a:r>
-              <a:rPr lang="en-US" noProof="0" dirty="0" smtClean="0"/>
+              <a:rPr lang="en-US" noProof="0" dirty="0"/>
               <a:t>Fourth level</a:t>
             </a:r>
           </a:p>
           <a:p>
             <a:pPr lvl="4"/>
             <a:r>
-              <a:rPr lang="en-US" noProof="0" dirty="0" smtClean="0"/>
+              <a:rPr lang="en-US" noProof="0" dirty="0"/>
               <a:t>Fifth level</a:t>
             </a:r>
-            <a:endParaRPr lang="en-US" noProof="0" dirty="0"/>
           </a:p>
         </p:txBody>
       </p:sp>
@@ -632,7 +630,7 @@
           </a:lstStyle>
           <a:p>
             <a:r>
-              <a:rPr lang="en-US" dirty="0" smtClean="0"/>
+              <a:rPr lang="en-US" dirty="0"/>
               <a:t>Chef Intermediate</a:t>
             </a:r>
           </a:p>
@@ -840,11 +838,11 @@
           <a:lstStyle/>
           <a:p>
             <a:r>
-              <a:rPr lang="en-US" dirty="0" smtClean="0"/>
+              <a:rPr lang="en-US" dirty="0"/>
               <a:t>If</a:t>
             </a:r>
             <a:r>
-              <a:rPr lang="en-US" baseline="0" dirty="0" smtClean="0"/>
+              <a:rPr lang="en-US" baseline="0" dirty="0"/>
               <a:t> you are planning on adopting Test Driven Development and use it to validate most if not all all of the changes that you make to a cookbook you now have to are welcoming into your workflow the interruption of running the tests. Testing provides value as it validates the work that you accomplish but it is still an interruption.</a:t>
             </a:r>
           </a:p>
@@ -866,7 +864,7 @@
           <a:lstStyle/>
           <a:p>
             <a:r>
-              <a:rPr lang="en-US" smtClean="0"/>
+              <a:rPr lang="en-US"/>
               <a:t>Chef Intermediate</a:t>
             </a:r>
             <a:endParaRPr lang="en-US" dirty="0"/>
@@ -892,7 +890,7 @@
               <a:defRPr/>
             </a:pPr>
             <a:r>
-              <a:rPr lang="en-US" smtClean="0"/>
+              <a:rPr lang="en-US"/>
               <a:t>Chef Software, Inc.</a:t>
             </a:r>
             <a:endParaRPr lang="en-US" dirty="0"/>
@@ -957,27 +955,27 @@
           <a:lstStyle/>
           <a:p>
             <a:r>
-              <a:rPr lang="en-US" dirty="0" smtClean="0"/>
+              <a:rPr lang="en-US" dirty="0"/>
               <a:t>When</a:t>
             </a:r>
             <a:r>
-              <a:rPr lang="en-US" baseline="0" dirty="0" smtClean="0"/>
+              <a:rPr lang="en-US" baseline="0" dirty="0"/>
               <a:t> generating recipe files we were also given a matching specification </a:t>
             </a:r>
             <a:r>
-              <a:rPr lang="en-US" dirty="0" smtClean="0"/>
+              <a:rPr lang="en-US" dirty="0"/>
               <a:t>file in the</a:t>
             </a:r>
             <a:r>
-              <a:rPr lang="en-US" baseline="0" dirty="0" smtClean="0"/>
+              <a:rPr lang="en-US" baseline="0" dirty="0"/>
               <a:t> 'spec/unit' directory. The </a:t>
             </a:r>
             <a:r>
-              <a:rPr lang="en-US" baseline="0" dirty="0" err="1" smtClean="0"/>
+              <a:rPr lang="en-US" baseline="0" dirty="0" err="1"/>
               <a:t>ChefSpec</a:t>
             </a:r>
             <a:r>
-              <a:rPr lang="en-US" baseline="0" dirty="0" smtClean="0"/>
+              <a:rPr lang="en-US" baseline="0" dirty="0"/>
               <a:t> defined specifications are all contained within this directory.</a:t>
             </a:r>
             <a:endParaRPr lang="en-US" dirty="0"/>
@@ -1000,10 +998,9 @@
           <a:lstStyle/>
           <a:p>
             <a:r>
-              <a:rPr lang="en-US" smtClean="0"/>
+              <a:rPr lang="en-US"/>
               <a:t>Chef Intermediate</a:t>
             </a:r>
-            <a:endParaRPr lang="en-US"/>
           </a:p>
         </p:txBody>
       </p:sp>
@@ -1026,7 +1023,7 @@
               <a:defRPr/>
             </a:pPr>
             <a:r>
-              <a:rPr lang="en-US" smtClean="0"/>
+              <a:rPr lang="en-US"/>
               <a:t>Chef Software, Inc.</a:t>
             </a:r>
             <a:endParaRPr lang="en-US" dirty="0"/>
@@ -1091,52 +1088,52 @@
           <a:lstStyle/>
           <a:p>
             <a:r>
-              <a:rPr lang="en-US" dirty="0" smtClean="0"/>
+              <a:rPr lang="en-US" dirty="0"/>
               <a:t>Open up the default</a:t>
             </a:r>
             <a:r>
-              <a:rPr lang="en-US" baseline="0" dirty="0" smtClean="0"/>
+              <a:rPr lang="en-US" baseline="0" dirty="0"/>
               <a:t> specification file and lets read through and begin to understand the initial expectation that is automatically defined.</a:t>
             </a:r>
           </a:p>
           <a:p>
-            <a:endParaRPr lang="en-US" baseline="0" dirty="0" smtClean="0"/>
-          </a:p>
-          <a:p>
-            <a:r>
-              <a:rPr lang="en-US" baseline="0" dirty="0" smtClean="0"/>
+            <a:endParaRPr lang="en-US" baseline="0" dirty="0"/>
+          </a:p>
+          <a:p>
+            <a:r>
+              <a:rPr lang="en-US" baseline="0" dirty="0"/>
               <a:t>The expectations defined in this initially generated specification file should look a little familiar. This is because </a:t>
             </a:r>
             <a:r>
-              <a:rPr lang="en-US" baseline="0" dirty="0" err="1" smtClean="0"/>
+              <a:rPr lang="en-US" baseline="0" dirty="0" err="1"/>
               <a:t>ChefSpec</a:t>
             </a:r>
             <a:r>
-              <a:rPr lang="en-US" baseline="0" dirty="0" smtClean="0"/>
+              <a:rPr lang="en-US" baseline="0" dirty="0"/>
               <a:t> is built on </a:t>
             </a:r>
             <a:r>
-              <a:rPr lang="en-US" baseline="0" dirty="0" err="1" smtClean="0"/>
+              <a:rPr lang="en-US" baseline="0" dirty="0" err="1"/>
               <a:t>Rspec</a:t>
             </a:r>
             <a:r>
-              <a:rPr lang="en-US" baseline="0" dirty="0" smtClean="0"/>
+              <a:rPr lang="en-US" baseline="0" dirty="0"/>
               <a:t>. Similar to how </a:t>
             </a:r>
             <a:r>
-              <a:rPr lang="en-US" baseline="0" dirty="0" err="1" smtClean="0"/>
+              <a:rPr lang="en-US" baseline="0" dirty="0" err="1"/>
               <a:t>InSpec</a:t>
             </a:r>
             <a:r>
-              <a:rPr lang="en-US" baseline="0" dirty="0" smtClean="0"/>
+              <a:rPr lang="en-US" baseline="0" dirty="0"/>
               <a:t> is built. </a:t>
             </a:r>
             <a:r>
-              <a:rPr lang="en-US" baseline="0" dirty="0" err="1" smtClean="0"/>
+              <a:rPr lang="en-US" baseline="0" dirty="0" err="1"/>
               <a:t>ChefSpec</a:t>
             </a:r>
             <a:r>
-              <a:rPr lang="en-US" baseline="0" dirty="0" smtClean="0"/>
+              <a:rPr lang="en-US" baseline="0" dirty="0"/>
               <a:t> requires a little more setup as we are creating an in-memory execution.</a:t>
             </a:r>
             <a:endParaRPr lang="en-US" dirty="0"/>
@@ -1159,10 +1156,9 @@
           <a:lstStyle/>
           <a:p>
             <a:r>
-              <a:rPr lang="en-US" smtClean="0"/>
+              <a:rPr lang="en-US"/>
               <a:t>Chef Intermediate</a:t>
             </a:r>
-            <a:endParaRPr lang="en-US"/>
           </a:p>
         </p:txBody>
       </p:sp>
@@ -1185,7 +1181,7 @@
               <a:defRPr/>
             </a:pPr>
             <a:r>
-              <a:rPr lang="en-US" smtClean="0"/>
+              <a:rPr lang="en-US"/>
               <a:t>Chef Software, Inc.</a:t>
             </a:r>
             <a:endParaRPr lang="en-US" dirty="0"/>
@@ -1250,49 +1246,49 @@
           <a:lstStyle/>
           <a:p>
             <a:r>
-              <a:rPr lang="en-US" dirty="0" smtClean="0"/>
+              <a:rPr lang="en-US" dirty="0"/>
               <a:t>It</a:t>
             </a:r>
             <a:r>
-              <a:rPr lang="en-US" baseline="0" dirty="0" smtClean="0"/>
+              <a:rPr lang="en-US" baseline="0" dirty="0"/>
               <a:t> is often common for specification files to share similar functionality. As your suite of examples grows you will often move common, shared expectations and helpers to a common file that is required here at the top of the file. This will load the contents of the '</a:t>
             </a:r>
             <a:r>
-              <a:rPr lang="en-US" baseline="0" dirty="0" err="1" smtClean="0"/>
+              <a:rPr lang="en-US" baseline="0" dirty="0" err="1"/>
               <a:t>spec_helper</a:t>
             </a:r>
             <a:r>
-              <a:rPr lang="en-US" baseline="0" dirty="0" smtClean="0"/>
+              <a:rPr lang="en-US" baseline="0" dirty="0"/>
               <a:t>' file found within the root of the 'spec' directory.</a:t>
             </a:r>
           </a:p>
           <a:p>
-            <a:endParaRPr lang="en-US" baseline="0" dirty="0" smtClean="0"/>
-          </a:p>
-          <a:p>
-            <a:r>
-              <a:rPr lang="en-US" baseline="0" dirty="0" err="1" smtClean="0"/>
+            <a:endParaRPr lang="en-US" baseline="0" dirty="0"/>
+          </a:p>
+          <a:p>
+            <a:r>
+              <a:rPr lang="en-US" baseline="0" dirty="0" err="1"/>
               <a:t>ChefSpec</a:t>
             </a:r>
             <a:r>
-              <a:rPr lang="en-US" baseline="0" dirty="0" smtClean="0"/>
+              <a:rPr lang="en-US" baseline="0" dirty="0"/>
               <a:t> employs </a:t>
             </a:r>
             <a:r>
-              <a:rPr lang="en-US" baseline="0" dirty="0" err="1" smtClean="0"/>
+              <a:rPr lang="en-US" baseline="0" dirty="0" err="1"/>
               <a:t>RSpec's</a:t>
             </a:r>
             <a:r>
-              <a:rPr lang="en-US" baseline="0" dirty="0" smtClean="0"/>
-              <a:t> example groups to describe the cookbook's recipe. This is stating that the examples we defined within this outer example group all relate to the apache cookbook's default recipe. Within this example group we see another context that is defined. This time using the method 'context'. 'context' and 'describe' are exactly same in almost every way. A lot of developers like to use context as it more clearly states that the example group is focused on a particular scenario. In this instance the particular scenario we are going to be specifying examples in a scenario where all the attributes are default on an CentOS 6.7.</a:t>
-            </a:r>
-          </a:p>
-          <a:p>
-            <a:endParaRPr lang="en-US" baseline="0" dirty="0" smtClean="0"/>
-          </a:p>
-          <a:p>
-            <a:r>
-              <a:rPr lang="en-US" baseline="0" dirty="0" smtClean="0"/>
+              <a:rPr lang="en-US" baseline="0" dirty="0"/>
+              <a:t> example groups to describe the cookbook's recipe. This is stating that the examples we defined within this outer example group all relate to the apache cookbook's default recipe. Within this example group we see another context that is defined. This time using the method 'context'. 'context' and 'describe' are exactly same in almost every way. A lot of developers like to use context as it more clearly states that the example group is focused on a particular scenario. In this instance the particular scenario we are going to be specifying examples in a scenario where all the attributes are default on an CentOS 6.9.</a:t>
+            </a:r>
+          </a:p>
+          <a:p>
+            <a:endParaRPr lang="en-US" baseline="0" dirty="0"/>
+          </a:p>
+          <a:p>
+            <a:r>
+              <a:rPr lang="en-US" baseline="0" dirty="0"/>
               <a:t>Instructor Note: 'describe' and 'context' are almost completely interchangeable with one exception. 'context' cannot be used as the outermost example group.</a:t>
             </a:r>
           </a:p>
@@ -1314,10 +1310,9 @@
           <a:lstStyle/>
           <a:p>
             <a:r>
-              <a:rPr lang="en-US" smtClean="0"/>
+              <a:rPr lang="en-US"/>
               <a:t>Chef Intermediate</a:t>
             </a:r>
-            <a:endParaRPr lang="en-US"/>
           </a:p>
         </p:txBody>
       </p:sp>
@@ -1340,7 +1335,7 @@
               <a:defRPr/>
             </a:pPr>
             <a:r>
-              <a:rPr lang="en-US" smtClean="0"/>
+              <a:rPr lang="en-US"/>
               <a:t>Chef Software, Inc.</a:t>
             </a:r>
             <a:endParaRPr lang="en-US" dirty="0"/>
@@ -1405,7 +1400,7 @@
           <a:lstStyle/>
           <a:p>
             <a:r>
-              <a:rPr lang="en-US" baseline="0" dirty="0" smtClean="0"/>
+              <a:rPr lang="en-US" baseline="0" dirty="0"/>
               <a:t>Within the inner context we finally set the stage for us to define our examples with their expectations. There is a single example defined and that is stating that when the chef run evaluates and creates the resource collection it should do so without raising an error. A situation that might raise an error is if we included a recipe that does not exist or if we were to use a resources type that does not exist.</a:t>
             </a:r>
           </a:p>
@@ -1427,10 +1422,9 @@
           <a:lstStyle/>
           <a:p>
             <a:r>
-              <a:rPr lang="en-US" smtClean="0"/>
+              <a:rPr lang="en-US"/>
               <a:t>Chef Intermediate</a:t>
             </a:r>
-            <a:endParaRPr lang="en-US"/>
           </a:p>
         </p:txBody>
       </p:sp>
@@ -1453,7 +1447,7 @@
               <a:defRPr/>
             </a:pPr>
             <a:r>
-              <a:rPr lang="en-US" smtClean="0"/>
+              <a:rPr lang="en-US"/>
               <a:t>Chef Software, Inc.</a:t>
             </a:r>
             <a:endParaRPr lang="en-US" dirty="0"/>
@@ -1535,82 +1529,82 @@
               <a:defRPr/>
             </a:pPr>
             <a:r>
-              <a:rPr lang="en-US" baseline="0" dirty="0" smtClean="0"/>
+              <a:rPr lang="en-US" baseline="0" dirty="0"/>
               <a:t>The '</a:t>
             </a:r>
             <a:r>
-              <a:rPr lang="en-US" baseline="0" dirty="0" err="1" smtClean="0"/>
+              <a:rPr lang="en-US" baseline="0" dirty="0" err="1"/>
               <a:t>chef_run</a:t>
             </a:r>
             <a:r>
-              <a:rPr lang="en-US" baseline="0" dirty="0" smtClean="0"/>
+              <a:rPr lang="en-US" baseline="0" dirty="0"/>
               <a:t>' helper there is being provided by the 'let' defined above the example within the same context. Defining the '</a:t>
             </a:r>
             <a:r>
-              <a:rPr lang="en-US" baseline="0" dirty="0" err="1" smtClean="0"/>
+              <a:rPr lang="en-US" baseline="0" dirty="0" err="1"/>
               <a:t>chef_run</a:t>
             </a:r>
             <a:r>
-              <a:rPr lang="en-US" baseline="0" dirty="0" smtClean="0"/>
+              <a:rPr lang="en-US" baseline="0" dirty="0"/>
               <a:t>' in the 'let' above is done with a Ruby Symbol. This is simply naming it so that it can be used within any of the examples in the current context and even sub-contexts. The helper is simply executing some code that sets up an in-memory chef-client run with a Chef Server.</a:t>
             </a:r>
           </a:p>
           <a:p>
-            <a:endParaRPr lang="en-US" baseline="0" dirty="0" smtClean="0"/>
-          </a:p>
-          <a:p>
-            <a:r>
-              <a:rPr lang="en-US" baseline="0" dirty="0" smtClean="0"/>
+            <a:endParaRPr lang="en-US" baseline="0" dirty="0"/>
+          </a:p>
+          <a:p>
+            <a:r>
+              <a:rPr lang="en-US" baseline="0" dirty="0"/>
               <a:t>The '</a:t>
             </a:r>
             <a:r>
-              <a:rPr lang="en-US" baseline="0" dirty="0" err="1" smtClean="0"/>
+              <a:rPr lang="en-US" baseline="0" dirty="0" err="1"/>
               <a:t>ServerRunner</a:t>
             </a:r>
             <a:r>
-              <a:rPr lang="en-US" baseline="0" dirty="0" smtClean="0"/>
+              <a:rPr lang="en-US" baseline="0" dirty="0"/>
               <a:t>' is a class defined within the '</a:t>
             </a:r>
             <a:r>
-              <a:rPr lang="en-US" baseline="0" dirty="0" err="1" smtClean="0"/>
+              <a:rPr lang="en-US" baseline="0" dirty="0" err="1"/>
               <a:t>ChefSpec</a:t>
             </a:r>
             <a:r>
-              <a:rPr lang="en-US" baseline="0" dirty="0" smtClean="0"/>
+              <a:rPr lang="en-US" baseline="0" dirty="0"/>
               <a:t>' namespace. All Ruby classes have  the method 'new' which will return an object which is a new instance of that described class. The object is stored in a local variable, named 'runner', which immediately invokes a method 'converge' with a single parameter '</a:t>
             </a:r>
             <a:r>
-              <a:rPr lang="en-US" baseline="0" dirty="0" err="1" smtClean="0"/>
+              <a:rPr lang="en-US" baseline="0" dirty="0" err="1"/>
               <a:t>described_recipe</a:t>
             </a:r>
             <a:r>
-              <a:rPr lang="en-US" baseline="0" dirty="0" smtClean="0"/>
+              <a:rPr lang="en-US" baseline="0" dirty="0"/>
               <a:t>'</a:t>
             </a:r>
           </a:p>
           <a:p>
-            <a:endParaRPr lang="en-US" baseline="0" dirty="0" smtClean="0"/>
-          </a:p>
-          <a:p>
-            <a:r>
-              <a:rPr lang="en-US" baseline="0" dirty="0" smtClean="0"/>
+            <a:endParaRPr lang="en-US" baseline="0" dirty="0"/>
+          </a:p>
+          <a:p>
+            <a:r>
+              <a:rPr lang="en-US" baseline="0" dirty="0"/>
               <a:t>The parameter '</a:t>
             </a:r>
             <a:r>
-              <a:rPr lang="en-US" baseline="0" dirty="0" err="1" smtClean="0"/>
+              <a:rPr lang="en-US" baseline="0" dirty="0" err="1"/>
               <a:t>described_recipe</a:t>
             </a:r>
             <a:r>
-              <a:rPr lang="en-US" baseline="0" dirty="0" smtClean="0"/>
+              <a:rPr lang="en-US" baseline="0" dirty="0"/>
               <a:t>' refers to the recipe defined in the outermost describe. This is mostly for convenience so that we do not have to redefine the same String multiple times within the same specification file.</a:t>
             </a:r>
           </a:p>
           <a:p>
-            <a:endParaRPr lang="en-US" baseline="0" dirty="0" smtClean="0"/>
-          </a:p>
-          <a:p>
-            <a:r>
-              <a:rPr lang="en-US" baseline="0" dirty="0" smtClean="0"/>
+            <a:endParaRPr lang="en-US" baseline="0" dirty="0"/>
+          </a:p>
+          <a:p>
+            <a:r>
+              <a:rPr lang="en-US" baseline="0" dirty="0"/>
               <a:t>The goal of this single, boilerplate example is very simple: perform a chef-client run and ensure there are no errors. Now, let's execute this specification.</a:t>
             </a:r>
           </a:p>
@@ -1632,10 +1626,9 @@
           <a:lstStyle/>
           <a:p>
             <a:r>
-              <a:rPr lang="en-US" smtClean="0"/>
+              <a:rPr lang="en-US"/>
               <a:t>Chef Intermediate</a:t>
             </a:r>
-            <a:endParaRPr lang="en-US"/>
           </a:p>
         </p:txBody>
       </p:sp>
@@ -1658,7 +1651,7 @@
               <a:defRPr/>
             </a:pPr>
             <a:r>
-              <a:rPr lang="en-US" smtClean="0"/>
+              <a:rPr lang="en-US"/>
               <a:t>Chef Software, Inc.</a:t>
             </a:r>
             <a:endParaRPr lang="en-US" dirty="0"/>
@@ -1723,93 +1716,93 @@
           <a:lstStyle/>
           <a:p>
             <a:r>
-              <a:rPr lang="en-US" dirty="0" smtClean="0"/>
+              <a:rPr lang="en-US" dirty="0"/>
               <a:t>To execute the</a:t>
             </a:r>
             <a:r>
-              <a:rPr lang="en-US" baseline="0" dirty="0" smtClean="0"/>
+              <a:rPr lang="en-US" baseline="0" dirty="0"/>
               <a:t> specification file defined you will need to run the command '</a:t>
             </a:r>
             <a:r>
-              <a:rPr lang="en-US" baseline="0" dirty="0" err="1" smtClean="0"/>
+              <a:rPr lang="en-US" baseline="0" dirty="0" err="1"/>
               <a:t>rspec</a:t>
             </a:r>
             <a:r>
-              <a:rPr lang="en-US" baseline="0" dirty="0" smtClean="0"/>
+              <a:rPr lang="en-US" baseline="0" dirty="0"/>
               <a:t>'. The '</a:t>
             </a:r>
             <a:r>
-              <a:rPr lang="en-US" baseline="0" dirty="0" err="1" smtClean="0"/>
+              <a:rPr lang="en-US" baseline="0" dirty="0" err="1"/>
               <a:t>rspec</a:t>
             </a:r>
             <a:r>
-              <a:rPr lang="en-US" baseline="0" dirty="0" smtClean="0"/>
+              <a:rPr lang="en-US" baseline="0" dirty="0"/>
               <a:t>' command was installed with the Chef Development Kit (</a:t>
             </a:r>
             <a:r>
-              <a:rPr lang="en-US" baseline="0" dirty="0" err="1" smtClean="0"/>
+              <a:rPr lang="en-US" baseline="0" dirty="0" err="1"/>
               <a:t>ChefDK</a:t>
             </a:r>
             <a:r>
-              <a:rPr lang="en-US" baseline="0" dirty="0" smtClean="0"/>
+              <a:rPr lang="en-US" baseline="0" dirty="0"/>
               <a:t>) on the workstation. It is contained in an additional folder of tools embedded within the </a:t>
             </a:r>
             <a:r>
-              <a:rPr lang="en-US" baseline="0" dirty="0" err="1" smtClean="0"/>
+              <a:rPr lang="en-US" baseline="0" dirty="0" err="1"/>
               <a:t>ChefDK</a:t>
             </a:r>
             <a:r>
-              <a:rPr lang="en-US" baseline="0" dirty="0" smtClean="0"/>
+              <a:rPr lang="en-US" baseline="0" dirty="0"/>
               <a:t> that are not added to the system path. This is because some Chef developers are Ruby developers and may already have a version of RSpec installed. Specifying the 'chef exec' as a prefix loads the context of all these embedded tools and allows them to be executed on the command-line.</a:t>
             </a:r>
           </a:p>
           <a:p>
-            <a:endParaRPr lang="en-US" baseline="0" dirty="0" smtClean="0"/>
-          </a:p>
-          <a:p>
-            <a:r>
-              <a:rPr lang="en-US" baseline="0" dirty="0" smtClean="0"/>
+            <a:endParaRPr lang="en-US" baseline="0" dirty="0"/>
+          </a:p>
+          <a:p>
+            <a:r>
+              <a:rPr lang="en-US" baseline="0" dirty="0"/>
               <a:t>The '</a:t>
             </a:r>
             <a:r>
-              <a:rPr lang="en-US" baseline="0" dirty="0" err="1" smtClean="0"/>
+              <a:rPr lang="en-US" baseline="0" dirty="0" err="1"/>
               <a:t>rspec</a:t>
             </a:r>
             <a:r>
-              <a:rPr lang="en-US" baseline="0" dirty="0" smtClean="0"/>
+              <a:rPr lang="en-US" baseline="0" dirty="0"/>
               <a:t>' command accepts many parameters. The most important one is used here and that is specifying the file path to the specification we want to execute. When the command executes a summary of the executed examples will be displayed at the bottom. At this moment it looks like the one expectation completes successfully. The chef run completes without any errors.</a:t>
             </a:r>
           </a:p>
           <a:p>
-            <a:endParaRPr lang="en-US" baseline="0" dirty="0" smtClean="0"/>
-          </a:p>
-          <a:p>
-            <a:r>
-              <a:rPr lang="en-US" baseline="0" dirty="0" smtClean="0"/>
+            <a:endParaRPr lang="en-US" baseline="0" dirty="0"/>
+          </a:p>
+          <a:p>
+            <a:r>
+              <a:rPr lang="en-US" baseline="0" dirty="0"/>
               <a:t>Instructor Note: On the workstations the learners do not need to prepend the </a:t>
             </a:r>
             <a:r>
-              <a:rPr lang="en-US" baseline="0" dirty="0" err="1" smtClean="0"/>
+              <a:rPr lang="en-US" baseline="0" dirty="0" err="1"/>
               <a:t>rspec</a:t>
             </a:r>
             <a:r>
-              <a:rPr lang="en-US" baseline="0" dirty="0" smtClean="0"/>
+              <a:rPr lang="en-US" baseline="0" dirty="0"/>
               <a:t> command with 'chef exec'. This is because '</a:t>
             </a:r>
             <a:r>
-              <a:rPr lang="en-US" baseline="0" dirty="0" err="1" smtClean="0"/>
+              <a:rPr lang="en-US" baseline="0" dirty="0" err="1"/>
               <a:t>rspec</a:t>
             </a:r>
             <a:r>
-              <a:rPr lang="en-US" baseline="0" dirty="0" smtClean="0"/>
+              <a:rPr lang="en-US" baseline="0" dirty="0"/>
               <a:t>' and all the other tools embedded in the </a:t>
             </a:r>
             <a:r>
-              <a:rPr lang="en-US" baseline="0" dirty="0" err="1" smtClean="0"/>
+              <a:rPr lang="en-US" baseline="0" dirty="0" err="1"/>
               <a:t>ChefDK</a:t>
             </a:r>
             <a:r>
-              <a:rPr lang="en-US" baseline="0" dirty="0" smtClean="0"/>
+              <a:rPr lang="en-US" baseline="0" dirty="0"/>
               <a:t> have been added to the path. On a learner's local system this is likely not the case and so they will need to type this entire command with prefix.</a:t>
             </a:r>
             <a:endParaRPr lang="en-US" dirty="0"/>
@@ -1832,10 +1825,9 @@
           <a:lstStyle/>
           <a:p>
             <a:r>
-              <a:rPr lang="en-US" smtClean="0"/>
+              <a:rPr lang="en-US"/>
               <a:t>Chef Intermediate</a:t>
             </a:r>
-            <a:endParaRPr lang="en-US"/>
           </a:p>
         </p:txBody>
       </p:sp>
@@ -1858,7 +1850,7 @@
               <a:defRPr/>
             </a:pPr>
             <a:r>
-              <a:rPr lang="en-US" smtClean="0"/>
+              <a:rPr lang="en-US"/>
               <a:t>Chef Software, Inc.</a:t>
             </a:r>
             <a:endParaRPr lang="en-US" dirty="0"/>
@@ -1923,11 +1915,11 @@
           <a:lstStyle/>
           <a:p>
             <a:r>
-              <a:rPr lang="en-US" dirty="0" smtClean="0"/>
+              <a:rPr lang="en-US" dirty="0"/>
               <a:t>We</a:t>
             </a:r>
             <a:r>
-              <a:rPr lang="en-US" baseline="0" dirty="0" smtClean="0"/>
+              <a:rPr lang="en-US" baseline="0" dirty="0"/>
               <a:t> have the language and the tool that will allow us to express our expectations. We now need to examine the recipe again to see what example or examples we want to define within the specification file.</a:t>
             </a:r>
             <a:endParaRPr lang="en-US" dirty="0"/>
@@ -1950,10 +1942,9 @@
           <a:lstStyle/>
           <a:p>
             <a:r>
-              <a:rPr lang="en-US" smtClean="0"/>
+              <a:rPr lang="en-US"/>
               <a:t>Chef Intermediate</a:t>
             </a:r>
-            <a:endParaRPr lang="en-US"/>
           </a:p>
         </p:txBody>
       </p:sp>
@@ -1976,7 +1967,7 @@
               <a:defRPr/>
             </a:pPr>
             <a:r>
-              <a:rPr lang="en-US" smtClean="0"/>
+              <a:rPr lang="en-US"/>
               <a:t>Chef Software, Inc.</a:t>
             </a:r>
             <a:endParaRPr lang="en-US" dirty="0"/>
@@ -2041,20 +2032,20 @@
           <a:lstStyle/>
           <a:p>
             <a:r>
-              <a:rPr lang="en-US" dirty="0" smtClean="0"/>
+              <a:rPr lang="en-US" dirty="0"/>
               <a:t>Within the</a:t>
             </a:r>
             <a:r>
-              <a:rPr lang="en-US" baseline="0" dirty="0" smtClean="0"/>
+              <a:rPr lang="en-US" baseline="0" dirty="0"/>
               <a:t> default recipe we commented out the line that included the install recipe from the apache cookbook. This seems like an expectation that we want to define. When converging the default recipe we expect that the install recipe from the apache cookbook would be included.</a:t>
             </a:r>
           </a:p>
           <a:p>
-            <a:endParaRPr lang="en-US" baseline="0" dirty="0" smtClean="0"/>
-          </a:p>
-          <a:p>
-            <a:r>
-              <a:rPr lang="en-US" baseline="0" dirty="0" smtClean="0"/>
+            <a:endParaRPr lang="en-US" baseline="0" dirty="0"/>
+          </a:p>
+          <a:p>
+            <a:r>
+              <a:rPr lang="en-US" baseline="0" dirty="0"/>
               <a:t>We do not yet know how to define this expectation but we know the work that we want to accomplish. So lets take this one step at a time then and first capture the description for the example even if we do not yet know how to express the expectation.</a:t>
             </a:r>
             <a:endParaRPr lang="en-US" dirty="0"/>
@@ -2077,10 +2068,9 @@
           <a:lstStyle/>
           <a:p>
             <a:r>
-              <a:rPr lang="en-US" smtClean="0"/>
+              <a:rPr lang="en-US"/>
               <a:t>Chef Intermediate</a:t>
             </a:r>
-            <a:endParaRPr lang="en-US"/>
           </a:p>
         </p:txBody>
       </p:sp>
@@ -2103,7 +2093,7 @@
               <a:defRPr/>
             </a:pPr>
             <a:r>
-              <a:rPr lang="en-US" smtClean="0"/>
+              <a:rPr lang="en-US"/>
               <a:t>Chef Software, Inc.</a:t>
             </a:r>
             <a:endParaRPr lang="en-US" dirty="0"/>
@@ -2168,28 +2158,28 @@
           <a:lstStyle/>
           <a:p>
             <a:r>
-              <a:rPr lang="en-US" dirty="0" smtClean="0"/>
+              <a:rPr lang="en-US" dirty="0"/>
               <a:t>Recall</a:t>
             </a:r>
             <a:r>
-              <a:rPr lang="en-US" baseline="0" dirty="0" smtClean="0"/>
+              <a:rPr lang="en-US" baseline="0" dirty="0"/>
               <a:t> that unit tests are a check of the resource collection. So it actually does not matter what platform you specify here. Unit tests are only using those platform values to give you a generic set of </a:t>
             </a:r>
             <a:r>
-              <a:rPr lang="en-US" baseline="0" dirty="0" err="1" smtClean="0"/>
+              <a:rPr lang="en-US" baseline="0" dirty="0" err="1"/>
               <a:t>Ohai</a:t>
             </a:r>
             <a:r>
-              <a:rPr lang="en-US" baseline="0" dirty="0" smtClean="0"/>
+              <a:rPr lang="en-US" baseline="0" dirty="0"/>
               <a:t> data for that platform. If it's no harm, then why make this change?</a:t>
             </a:r>
           </a:p>
           <a:p>
-            <a:endParaRPr lang="en-US" baseline="0" dirty="0" smtClean="0"/>
-          </a:p>
-          <a:p>
-            <a:r>
-              <a:rPr lang="en-US" baseline="0" dirty="0" smtClean="0"/>
+            <a:endParaRPr lang="en-US" baseline="0" dirty="0"/>
+          </a:p>
+          <a:p>
+            <a:r>
+              <a:rPr lang="en-US" baseline="0" dirty="0"/>
               <a:t>Because these tests are your documentation. To leave it as the default value would let your tests pass but they would give a conflicting message about where this cookbook can run. Ensuring the right platform becomes important when your recipes require switching on platforms.</a:t>
             </a:r>
           </a:p>
@@ -2214,10 +2204,9 @@
               <a:defRPr/>
             </a:pPr>
             <a:r>
-              <a:rPr lang="en-US" smtClean="0"/>
+              <a:rPr lang="en-US"/>
               <a:t>Chef Intermediate</a:t>
             </a:r>
-            <a:endParaRPr lang="en-US"/>
           </a:p>
         </p:txBody>
       </p:sp>
@@ -2240,7 +2229,7 @@
               <a:defRPr/>
             </a:pPr>
             <a:r>
-              <a:rPr lang="en-US" smtClean="0"/>
+              <a:rPr lang="en-US"/>
               <a:t>Chef Software, Inc.</a:t>
             </a:r>
             <a:endParaRPr lang="en-US" dirty="0"/>
@@ -2305,20 +2294,20 @@
           <a:lstStyle/>
           <a:p>
             <a:r>
-              <a:rPr lang="en-US" dirty="0" smtClean="0"/>
+              <a:rPr lang="en-US" dirty="0"/>
               <a:t>Returning</a:t>
             </a:r>
             <a:r>
-              <a:rPr lang="en-US" baseline="0" dirty="0" smtClean="0"/>
+              <a:rPr lang="en-US" baseline="0" dirty="0"/>
               <a:t> to the specification we can describe the example that we want to create without having to know how to define the expectation by defining an example without the block. RSpec treats these examples without the associated block as a pending test.</a:t>
             </a:r>
           </a:p>
           <a:p>
-            <a:endParaRPr lang="en-US" baseline="0" dirty="0" smtClean="0"/>
-          </a:p>
-          <a:p>
-            <a:r>
-              <a:rPr lang="en-US" baseline="0" dirty="0" smtClean="0"/>
+            <a:endParaRPr lang="en-US" baseline="0" dirty="0"/>
+          </a:p>
+          <a:p>
+            <a:r>
+              <a:rPr lang="en-US" baseline="0" dirty="0"/>
               <a:t>This is an incredibly useful feature when you want to start expressing your examples. This allows you to quickly identify all the examples without getting mired in the details of their implementation.</a:t>
             </a:r>
           </a:p>
@@ -2340,10 +2329,9 @@
           <a:lstStyle/>
           <a:p>
             <a:r>
-              <a:rPr lang="en-US" smtClean="0"/>
+              <a:rPr lang="en-US"/>
               <a:t>Chef Intermediate</a:t>
             </a:r>
-            <a:endParaRPr lang="en-US"/>
           </a:p>
         </p:txBody>
       </p:sp>
@@ -2366,7 +2354,7 @@
               <a:defRPr/>
             </a:pPr>
             <a:r>
-              <a:rPr lang="en-US" smtClean="0"/>
+              <a:rPr lang="en-US"/>
               <a:t>Chef Software, Inc.</a:t>
             </a:r>
             <a:endParaRPr lang="en-US" dirty="0"/>
@@ -2431,7 +2419,7 @@
           <a:lstStyle/>
           <a:p>
             <a:r>
-              <a:rPr lang="en-US" baseline="0" dirty="0" smtClean="0"/>
+              <a:rPr lang="en-US" baseline="0" dirty="0"/>
               <a:t>Interruptions are not conducive to helping you building a flow. To help reduce the interruptive nature of testing we can look at ways to decrease the amount of time you have to wait to receive the feedback from the tests. A faster feedback cycle will increase your likelihood of seeking that feedback again for smaller sets of changes. Slower feedback cycles will increase your likelihood of seeking feedback less often. Causing you create larger sets of changes which has the chance of masking potential issues.</a:t>
             </a:r>
           </a:p>
@@ -2453,10 +2441,9 @@
           <a:lstStyle/>
           <a:p>
             <a:r>
-              <a:rPr lang="en-US" smtClean="0"/>
+              <a:rPr lang="en-US"/>
               <a:t>Chef Intermediate</a:t>
             </a:r>
-            <a:endParaRPr lang="en-US"/>
           </a:p>
         </p:txBody>
       </p:sp>
@@ -2479,7 +2466,7 @@
               <a:defRPr/>
             </a:pPr>
             <a:r>
-              <a:rPr lang="en-US" smtClean="0"/>
+              <a:rPr lang="en-US"/>
               <a:t>Chef Software, Inc.</a:t>
             </a:r>
             <a:endParaRPr lang="en-US" dirty="0"/>
@@ -2544,19 +2531,19 @@
           <a:lstStyle/>
           <a:p>
             <a:r>
-              <a:rPr lang="en-US" dirty="0" smtClean="0"/>
+              <a:rPr lang="en-US" dirty="0"/>
               <a:t>When</a:t>
             </a:r>
             <a:r>
-              <a:rPr lang="en-US" baseline="0" dirty="0" smtClean="0"/>
+              <a:rPr lang="en-US" baseline="0" dirty="0"/>
               <a:t> executing '</a:t>
             </a:r>
             <a:r>
-              <a:rPr lang="en-US" baseline="0" dirty="0" err="1" smtClean="0"/>
+              <a:rPr lang="en-US" baseline="0" dirty="0" err="1"/>
               <a:t>rspec</a:t>
             </a:r>
             <a:r>
-              <a:rPr lang="en-US" baseline="0" dirty="0" smtClean="0"/>
+              <a:rPr lang="en-US" baseline="0" dirty="0"/>
               <a:t>' again we should see the new pending example that we defined within the specification file.</a:t>
             </a:r>
             <a:endParaRPr lang="en-US" dirty="0"/>
@@ -2579,10 +2566,9 @@
           <a:lstStyle/>
           <a:p>
             <a:r>
-              <a:rPr lang="en-US" smtClean="0"/>
+              <a:rPr lang="en-US"/>
               <a:t>Chef Intermediate</a:t>
             </a:r>
-            <a:endParaRPr lang="en-US"/>
           </a:p>
         </p:txBody>
       </p:sp>
@@ -2605,7 +2591,7 @@
               <a:defRPr/>
             </a:pPr>
             <a:r>
-              <a:rPr lang="en-US" smtClean="0"/>
+              <a:rPr lang="en-US"/>
               <a:t>Chef Software, Inc.</a:t>
             </a:r>
             <a:endParaRPr lang="en-US" dirty="0"/>
@@ -2670,11 +2656,11 @@
           <a:lstStyle/>
           <a:p>
             <a:r>
-              <a:rPr lang="en-US" dirty="0" err="1" smtClean="0"/>
+              <a:rPr lang="en-US" dirty="0" err="1"/>
               <a:t>RSpec's</a:t>
             </a:r>
             <a:r>
-              <a:rPr lang="en-US" baseline="0" dirty="0" smtClean="0"/>
+              <a:rPr lang="en-US" baseline="0" dirty="0"/>
               <a:t> pending summary is similar to the failure summary. The pending examples are identified and then finally they are collected together in list. Each pending example will show the words you used in the description text in a single sentence. Below that it will state the example is not yet implemented and then finally display the file path and line number of where it can be found.</a:t>
             </a:r>
             <a:endParaRPr lang="en-US" dirty="0"/>
@@ -2697,10 +2683,9 @@
           <a:lstStyle/>
           <a:p>
             <a:r>
-              <a:rPr lang="en-US" smtClean="0"/>
+              <a:rPr lang="en-US"/>
               <a:t>Chef Intermediate</a:t>
             </a:r>
-            <a:endParaRPr lang="en-US"/>
           </a:p>
         </p:txBody>
       </p:sp>
@@ -2723,7 +2708,7 @@
               <a:defRPr/>
             </a:pPr>
             <a:r>
-              <a:rPr lang="en-US" smtClean="0"/>
+              <a:rPr lang="en-US"/>
               <a:t>Chef Software, Inc.</a:t>
             </a:r>
             <a:endParaRPr lang="en-US" dirty="0"/>
@@ -2788,11 +2773,11 @@
           <a:lstStyle/>
           <a:p>
             <a:r>
-              <a:rPr lang="en-US" dirty="0" smtClean="0"/>
+              <a:rPr lang="en-US" dirty="0"/>
               <a:t>The summary will</a:t>
             </a:r>
             <a:r>
-              <a:rPr lang="en-US" baseline="0" dirty="0" smtClean="0"/>
+              <a:rPr lang="en-US" baseline="0" dirty="0"/>
               <a:t> now display that an additional example has been added and it will be reported as being set to pending.</a:t>
             </a:r>
             <a:endParaRPr lang="en-US" dirty="0"/>
@@ -2815,10 +2800,9 @@
           <a:lstStyle/>
           <a:p>
             <a:r>
-              <a:rPr lang="en-US" smtClean="0"/>
+              <a:rPr lang="en-US"/>
               <a:t>Chef Intermediate</a:t>
             </a:r>
-            <a:endParaRPr lang="en-US"/>
           </a:p>
         </p:txBody>
       </p:sp>
@@ -2841,7 +2825,7 @@
               <a:defRPr/>
             </a:pPr>
             <a:r>
-              <a:rPr lang="en-US" smtClean="0"/>
+              <a:rPr lang="en-US"/>
               <a:t>Chef Software, Inc.</a:t>
             </a:r>
             <a:endParaRPr lang="en-US" dirty="0"/>
@@ -2906,11 +2890,11 @@
           <a:lstStyle/>
           <a:p>
             <a:r>
-              <a:rPr lang="en-US" dirty="0" smtClean="0"/>
+              <a:rPr lang="en-US" dirty="0"/>
               <a:t>Now that we have defined</a:t>
             </a:r>
             <a:r>
-              <a:rPr lang="en-US" baseline="0" dirty="0" smtClean="0"/>
+              <a:rPr lang="en-US" baseline="0" dirty="0"/>
               <a:t> the pending example, setting up the work for ourselves, it is time to learn how to express the expectation.</a:t>
             </a:r>
             <a:endParaRPr lang="en-US" dirty="0"/>
@@ -2933,10 +2917,9 @@
           <a:lstStyle/>
           <a:p>
             <a:r>
-              <a:rPr lang="en-US" smtClean="0"/>
+              <a:rPr lang="en-US"/>
               <a:t>Chef Intermediate</a:t>
             </a:r>
-            <a:endParaRPr lang="en-US"/>
           </a:p>
         </p:txBody>
       </p:sp>
@@ -2959,7 +2942,7 @@
               <a:defRPr/>
             </a:pPr>
             <a:r>
-              <a:rPr lang="en-US" smtClean="0"/>
+              <a:rPr lang="en-US"/>
               <a:t>Chef Software, Inc.</a:t>
             </a:r>
             <a:endParaRPr lang="en-US" dirty="0"/>
@@ -3024,60 +3007,60 @@
           <a:lstStyle/>
           <a:p>
             <a:r>
-              <a:rPr lang="en-US" dirty="0" smtClean="0"/>
+              <a:rPr lang="en-US" dirty="0"/>
               <a:t>To</a:t>
             </a:r>
             <a:r>
-              <a:rPr lang="en-US" baseline="0" dirty="0" smtClean="0"/>
+              <a:rPr lang="en-US" baseline="0" dirty="0"/>
               <a:t> understand how to express an expectation we need to go to the documentation. The </a:t>
             </a:r>
             <a:r>
-              <a:rPr lang="en-US" baseline="0" dirty="0" err="1" smtClean="0"/>
+              <a:rPr lang="en-US" baseline="0" dirty="0" err="1"/>
               <a:t>ChefSpec</a:t>
             </a:r>
             <a:r>
-              <a:rPr lang="en-US" baseline="0" dirty="0" smtClean="0"/>
+              <a:rPr lang="en-US" baseline="0" dirty="0"/>
               <a:t> README provides a wealth of examples in the README. In the past an '</a:t>
             </a:r>
             <a:r>
-              <a:rPr lang="en-US" baseline="0" dirty="0" err="1" smtClean="0"/>
+              <a:rPr lang="en-US" baseline="0" dirty="0" err="1"/>
               <a:t>include_recipe</a:t>
             </a:r>
             <a:r>
-              <a:rPr lang="en-US" baseline="0" dirty="0" smtClean="0"/>
+              <a:rPr lang="en-US" baseline="0" dirty="0"/>
               <a:t>' example has been one of the many examples shared in the README. Use the search feature of your browser to find it within the document.</a:t>
             </a:r>
           </a:p>
           <a:p>
-            <a:endParaRPr lang="en-US" baseline="0" dirty="0" smtClean="0"/>
-          </a:p>
-          <a:p>
-            <a:r>
-              <a:rPr lang="en-US" baseline="0" dirty="0" smtClean="0"/>
+            <a:endParaRPr lang="en-US" baseline="0" dirty="0"/>
+          </a:p>
+          <a:p>
+            <a:r>
+              <a:rPr lang="en-US" baseline="0" dirty="0"/>
               <a:t>If it is not there, the </a:t>
             </a:r>
             <a:r>
-              <a:rPr lang="en-US" baseline="0" dirty="0" err="1" smtClean="0"/>
+              <a:rPr lang="en-US" baseline="0" dirty="0" err="1"/>
               <a:t>ChefSpec</a:t>
             </a:r>
             <a:r>
-              <a:rPr lang="en-US" baseline="0" dirty="0" smtClean="0"/>
+              <a:rPr lang="en-US" baseline="0" dirty="0"/>
               <a:t> project has a top-level folder named 'examples' which contains examples for nearly every feature that </a:t>
             </a:r>
             <a:r>
-              <a:rPr lang="en-US" baseline="0" dirty="0" err="1" smtClean="0"/>
+              <a:rPr lang="en-US" baseline="0" dirty="0" err="1"/>
               <a:t>ChefSpec</a:t>
             </a:r>
             <a:r>
-              <a:rPr lang="en-US" baseline="0" dirty="0" smtClean="0"/>
+              <a:rPr lang="en-US" baseline="0" dirty="0"/>
               <a:t> is able to define expectations. Searching through there you will find a folder titled '</a:t>
             </a:r>
             <a:r>
-              <a:rPr lang="en-US" baseline="0" dirty="0" err="1" smtClean="0"/>
+              <a:rPr lang="en-US" baseline="0" dirty="0" err="1"/>
               <a:t>include_recipe</a:t>
             </a:r>
             <a:r>
-              <a:rPr lang="en-US" baseline="0" dirty="0" smtClean="0"/>
+              <a:rPr lang="en-US" baseline="0" dirty="0"/>
               <a:t>', within it should a folder the shows the recipes and the matching specifications.</a:t>
             </a:r>
           </a:p>
@@ -3099,10 +3082,9 @@
           <a:lstStyle/>
           <a:p>
             <a:r>
-              <a:rPr lang="en-US" smtClean="0"/>
+              <a:rPr lang="en-US"/>
               <a:t>Chef Intermediate</a:t>
             </a:r>
-            <a:endParaRPr lang="en-US"/>
           </a:p>
         </p:txBody>
       </p:sp>
@@ -3125,7 +3107,7 @@
               <a:defRPr/>
             </a:pPr>
             <a:r>
-              <a:rPr lang="en-US" smtClean="0"/>
+              <a:rPr lang="en-US"/>
               <a:t>Chef Software, Inc.</a:t>
             </a:r>
             <a:endParaRPr lang="en-US" dirty="0"/>
@@ -3190,19 +3172,19 @@
           <a:lstStyle/>
           <a:p>
             <a:r>
-              <a:rPr lang="en-US" dirty="0" smtClean="0"/>
+              <a:rPr lang="en-US" dirty="0"/>
               <a:t>Returning</a:t>
             </a:r>
             <a:r>
-              <a:rPr lang="en-US" baseline="0" dirty="0" smtClean="0"/>
+              <a:rPr lang="en-US" baseline="0" dirty="0"/>
               <a:t> to the specification file we now need to expand the example to include the expectation we want to write. To do that we add a 'do' to the end of the example. We move to the next line, indent two spaces and then define the following expectation. The expectation uses a natural language way of expressing the expectation. Here we are expressing the expectation that the '</a:t>
             </a:r>
             <a:r>
-              <a:rPr lang="en-US" baseline="0" dirty="0" err="1" smtClean="0"/>
+              <a:rPr lang="en-US" baseline="0" dirty="0" err="1"/>
               <a:t>chef_run</a:t>
             </a:r>
             <a:r>
-              <a:rPr lang="en-US" baseline="0" dirty="0" smtClean="0"/>
+              <a:rPr lang="en-US" baseline="0" dirty="0"/>
               <a:t>' includes the recipe with the specified name.</a:t>
             </a:r>
           </a:p>
@@ -3224,10 +3206,9 @@
           <a:lstStyle/>
           <a:p>
             <a:r>
-              <a:rPr lang="en-US" smtClean="0"/>
+              <a:rPr lang="en-US"/>
               <a:t>Chef Intermediate</a:t>
             </a:r>
-            <a:endParaRPr lang="en-US"/>
           </a:p>
         </p:txBody>
       </p:sp>
@@ -3250,7 +3231,7 @@
               <a:defRPr/>
             </a:pPr>
             <a:r>
-              <a:rPr lang="en-US" smtClean="0"/>
+              <a:rPr lang="en-US"/>
               <a:t>Chef Software, Inc.</a:t>
             </a:r>
             <a:endParaRPr lang="en-US" dirty="0"/>
@@ -3315,28 +3296,28 @@
           <a:lstStyle/>
           <a:p>
             <a:r>
-              <a:rPr lang="en-US" dirty="0" smtClean="0"/>
+              <a:rPr lang="en-US" dirty="0"/>
               <a:t>With</a:t>
             </a:r>
             <a:r>
-              <a:rPr lang="en-US" baseline="0" dirty="0" smtClean="0"/>
+              <a:rPr lang="en-US" baseline="0" dirty="0"/>
               <a:t> the example defined with the expectation when we execute '</a:t>
             </a:r>
             <a:r>
-              <a:rPr lang="en-US" baseline="0" dirty="0" err="1" smtClean="0"/>
+              <a:rPr lang="en-US" baseline="0" dirty="0" err="1"/>
               <a:t>rspec</a:t>
             </a:r>
             <a:r>
-              <a:rPr lang="en-US" baseline="0" dirty="0" smtClean="0"/>
+              <a:rPr lang="en-US" baseline="0" dirty="0"/>
               <a:t>' we see the failure that eluded us we ran 'kitchen converge &amp; verify' on an existing very quickly.</a:t>
             </a:r>
           </a:p>
           <a:p>
-            <a:endParaRPr lang="en-US" baseline="0" dirty="0" smtClean="0"/>
-          </a:p>
-          <a:p>
-            <a:r>
-              <a:rPr lang="en-US" baseline="0" dirty="0" smtClean="0"/>
+            <a:endParaRPr lang="en-US" baseline="0" dirty="0"/>
+          </a:p>
+          <a:p>
+            <a:r>
+              <a:rPr lang="en-US" baseline="0" dirty="0"/>
               <a:t>The failure summary here is similar to the failure summary return by RSpec when employed by Test Kitchen. The example is displayed, the expectation is expressed, the failure to meet expectation and file name and line number within the file where to find the expectation.</a:t>
             </a:r>
           </a:p>
@@ -3358,10 +3339,9 @@
           <a:lstStyle/>
           <a:p>
             <a:r>
-              <a:rPr lang="en-US" smtClean="0"/>
+              <a:rPr lang="en-US"/>
               <a:t>Chef Intermediate</a:t>
             </a:r>
-            <a:endParaRPr lang="en-US"/>
           </a:p>
         </p:txBody>
       </p:sp>
@@ -3384,7 +3364,7 @@
               <a:defRPr/>
             </a:pPr>
             <a:r>
-              <a:rPr lang="en-US" smtClean="0"/>
+              <a:rPr lang="en-US"/>
               <a:t>Chef Software, Inc.</a:t>
             </a:r>
             <a:endParaRPr lang="en-US" dirty="0"/>
@@ -3449,11 +3429,11 @@
           <a:lstStyle/>
           <a:p>
             <a:r>
-              <a:rPr lang="en-US" dirty="0" smtClean="0"/>
+              <a:rPr lang="en-US" dirty="0"/>
               <a:t>Now</a:t>
             </a:r>
             <a:r>
-              <a:rPr lang="en-US" baseline="0" dirty="0" smtClean="0"/>
+              <a:rPr lang="en-US" baseline="0" dirty="0"/>
               <a:t> that we have a failing test it is time to fix the problem.</a:t>
             </a:r>
           </a:p>
@@ -3475,10 +3455,9 @@
           <a:lstStyle/>
           <a:p>
             <a:r>
-              <a:rPr lang="en-US" smtClean="0"/>
+              <a:rPr lang="en-US"/>
               <a:t>Chef Intermediate</a:t>
             </a:r>
-            <a:endParaRPr lang="en-US"/>
           </a:p>
         </p:txBody>
       </p:sp>
@@ -3501,7 +3480,7 @@
               <a:defRPr/>
             </a:pPr>
             <a:r>
-              <a:rPr lang="en-US" smtClean="0"/>
+              <a:rPr lang="en-US"/>
               <a:t>Chef Software, Inc.</a:t>
             </a:r>
             <a:endParaRPr lang="en-US" dirty="0"/>
@@ -3566,11 +3545,11 @@
           <a:lstStyle/>
           <a:p>
             <a:r>
-              <a:rPr lang="en-US" dirty="0" smtClean="0"/>
+              <a:rPr lang="en-US" dirty="0"/>
               <a:t>Returning</a:t>
             </a:r>
             <a:r>
-              <a:rPr lang="en-US" baseline="0" dirty="0" smtClean="0"/>
+              <a:rPr lang="en-US" baseline="0" dirty="0"/>
               <a:t> to the default recipe it is time to restore the code that we previously commented out.</a:t>
             </a:r>
             <a:endParaRPr lang="en-US" dirty="0"/>
@@ -3593,10 +3572,9 @@
           <a:lstStyle/>
           <a:p>
             <a:r>
-              <a:rPr lang="en-US" smtClean="0"/>
+              <a:rPr lang="en-US"/>
               <a:t>Chef Intermediate</a:t>
             </a:r>
-            <a:endParaRPr lang="en-US"/>
           </a:p>
         </p:txBody>
       </p:sp>
@@ -3619,7 +3597,7 @@
               <a:defRPr/>
             </a:pPr>
             <a:r>
-              <a:rPr lang="en-US" smtClean="0"/>
+              <a:rPr lang="en-US"/>
               <a:t>Chef Software, Inc.</a:t>
             </a:r>
             <a:endParaRPr lang="en-US" dirty="0"/>
@@ -3684,19 +3662,19 @@
           <a:lstStyle/>
           <a:p>
             <a:r>
-              <a:rPr lang="en-US" dirty="0" smtClean="0"/>
+              <a:rPr lang="en-US" dirty="0"/>
               <a:t>Executing</a:t>
             </a:r>
             <a:r>
-              <a:rPr lang="en-US" baseline="0" dirty="0" smtClean="0"/>
+              <a:rPr lang="en-US" baseline="0" dirty="0"/>
               <a:t> '</a:t>
             </a:r>
             <a:r>
-              <a:rPr lang="en-US" baseline="0" dirty="0" err="1" smtClean="0"/>
+              <a:rPr lang="en-US" baseline="0" dirty="0" err="1"/>
               <a:t>rspec</a:t>
             </a:r>
             <a:r>
-              <a:rPr lang="en-US" baseline="0" dirty="0" smtClean="0"/>
+              <a:rPr lang="en-US" baseline="0" dirty="0"/>
               <a:t>' one more time should show the previous failing example now as a passing example.</a:t>
             </a:r>
             <a:endParaRPr lang="en-US" dirty="0"/>
@@ -3719,10 +3697,9 @@
           <a:lstStyle/>
           <a:p>
             <a:r>
-              <a:rPr lang="en-US" smtClean="0"/>
+              <a:rPr lang="en-US"/>
               <a:t>Chef Intermediate</a:t>
             </a:r>
-            <a:endParaRPr lang="en-US"/>
           </a:p>
         </p:txBody>
       </p:sp>
@@ -3745,7 +3722,7 @@
               <a:defRPr/>
             </a:pPr>
             <a:r>
-              <a:rPr lang="en-US" smtClean="0"/>
+              <a:rPr lang="en-US"/>
               <a:t>Chef Software, Inc.</a:t>
             </a:r>
             <a:endParaRPr lang="en-US" dirty="0"/>
@@ -3810,11 +3787,11 @@
           <a:lstStyle/>
           <a:p>
             <a:r>
-              <a:rPr lang="en-US" dirty="0" smtClean="0"/>
+              <a:rPr lang="en-US" dirty="0"/>
               <a:t>In this module you will learn the</a:t>
             </a:r>
             <a:r>
-              <a:rPr lang="en-US" baseline="0" dirty="0" smtClean="0"/>
+              <a:rPr lang="en-US" baseline="0" dirty="0"/>
               <a:t> importance and limitations of unit testing as you write and execute unit tests to help increase the rate at which you receive feedback.</a:t>
             </a:r>
             <a:endParaRPr lang="en-US" dirty="0"/>
@@ -3837,10 +3814,9 @@
           <a:lstStyle/>
           <a:p>
             <a:r>
-              <a:rPr lang="en-US" smtClean="0"/>
+              <a:rPr lang="en-US"/>
               <a:t>Chef Intermediate</a:t>
             </a:r>
-            <a:endParaRPr lang="en-US"/>
           </a:p>
         </p:txBody>
       </p:sp>
@@ -3863,7 +3839,7 @@
               <a:defRPr/>
             </a:pPr>
             <a:r>
-              <a:rPr lang="en-US" smtClean="0"/>
+              <a:rPr lang="en-US"/>
               <a:t>Chef Software, Inc.</a:t>
             </a:r>
             <a:endParaRPr lang="en-US" dirty="0"/>
@@ -3928,20 +3904,20 @@
           <a:lstStyle/>
           <a:p>
             <a:r>
-              <a:rPr lang="en-US" dirty="0" smtClean="0"/>
+              <a:rPr lang="en-US" dirty="0"/>
               <a:t>Now we</a:t>
             </a:r>
             <a:r>
-              <a:rPr lang="en-US" baseline="0" dirty="0" smtClean="0"/>
+              <a:rPr lang="en-US" baseline="0" dirty="0"/>
               <a:t> can confidently state that the default recipe includes the install recipe and we can receive this verification in a faster feedback cycle then we saw with running 'kitchen test'.</a:t>
             </a:r>
           </a:p>
           <a:p>
-            <a:endParaRPr lang="en-US" baseline="0" dirty="0" smtClean="0"/>
-          </a:p>
-          <a:p>
-            <a:r>
-              <a:rPr lang="en-US" baseline="0" dirty="0" smtClean="0"/>
+            <a:endParaRPr lang="en-US" baseline="0" dirty="0"/>
+          </a:p>
+          <a:p>
+            <a:r>
+              <a:rPr lang="en-US" baseline="0" dirty="0"/>
               <a:t>Mutation testing is not Test Driven Development (TDD) but the act that we performed was fairly close. This is a tactic that is useful when you are writing expectations for already defined recipes for existing cookbooks or when it feels near impossible to start with the tests first. This process does one of the important aspects of TDD which is ensure the expectations we set correctly capture the state of the code.</a:t>
             </a:r>
           </a:p>
@@ -3963,10 +3939,9 @@
           <a:lstStyle/>
           <a:p>
             <a:r>
-              <a:rPr lang="en-US" smtClean="0"/>
+              <a:rPr lang="en-US"/>
               <a:t>Chef Intermediate</a:t>
             </a:r>
-            <a:endParaRPr lang="en-US"/>
           </a:p>
         </p:txBody>
       </p:sp>
@@ -3989,7 +3964,7 @@
               <a:defRPr/>
             </a:pPr>
             <a:r>
-              <a:rPr lang="en-US" smtClean="0"/>
+              <a:rPr lang="en-US"/>
               <a:t>Chef Software, Inc.</a:t>
             </a:r>
             <a:endParaRPr lang="en-US" dirty="0"/>
@@ -4054,34 +4029,34 @@
           <a:lstStyle/>
           <a:p>
             <a:r>
-              <a:rPr lang="en-US" dirty="0" smtClean="0"/>
+              <a:rPr lang="en-US" dirty="0"/>
               <a:t>There</a:t>
             </a:r>
             <a:r>
-              <a:rPr lang="en-US" baseline="0" dirty="0" smtClean="0"/>
+              <a:rPr lang="en-US" baseline="0" dirty="0"/>
               <a:t> are few more chances to reinforce this process. As an exercise continue mutating the code within the default recipe, defining the expectations, and then fixing the code. Create a single mutation at a time and become focus on understanding the process of moving between files and executing commands.</a:t>
             </a:r>
           </a:p>
           <a:p>
-            <a:endParaRPr lang="en-US" baseline="0" dirty="0" smtClean="0"/>
-          </a:p>
-          <a:p>
-            <a:r>
-              <a:rPr lang="en-US" baseline="0" dirty="0" smtClean="0"/>
+            <a:endParaRPr lang="en-US" baseline="0" dirty="0"/>
+          </a:p>
+          <a:p>
+            <a:r>
+              <a:rPr lang="en-US" baseline="0" dirty="0"/>
               <a:t>Instructor Note: Allow 10 minutes to complete this exercise</a:t>
             </a:r>
-            <a:endParaRPr lang="en-US" dirty="0" smtClean="0"/>
-          </a:p>
-          <a:p>
-            <a:endParaRPr lang="en-US" dirty="0" smtClean="0"/>
-          </a:p>
-          <a:p>
-            <a:r>
-              <a:rPr lang="en-US" dirty="0" smtClean="0"/>
+            <a:endParaRPr lang="en-US" dirty="0"/>
+          </a:p>
+          <a:p>
+            <a:endParaRPr lang="en-US" dirty="0"/>
+          </a:p>
+          <a:p>
+            <a:r>
+              <a:rPr lang="en-US" dirty="0"/>
               <a:t>Instructor Note: The learners could accomplish</a:t>
             </a:r>
             <a:r>
-              <a:rPr lang="en-US" baseline="0" dirty="0" smtClean="0"/>
+              <a:rPr lang="en-US" baseline="0" dirty="0"/>
               <a:t> both of tasks at the same time. They likely will want to do that. I would encourage you have them perform the steps separately as it will emphasize the activity of moving between the recipe, the specification file, and their shell.</a:t>
             </a:r>
             <a:endParaRPr lang="en-US" dirty="0"/>
@@ -4104,10 +4079,9 @@
           <a:lstStyle/>
           <a:p>
             <a:r>
-              <a:rPr lang="en-US" smtClean="0"/>
+              <a:rPr lang="en-US"/>
               <a:t>Chef Intermediate</a:t>
             </a:r>
-            <a:endParaRPr lang="en-US"/>
           </a:p>
         </p:txBody>
       </p:sp>
@@ -4130,7 +4104,7 @@
               <a:defRPr/>
             </a:pPr>
             <a:r>
-              <a:rPr lang="en-US" smtClean="0"/>
+              <a:rPr lang="en-US"/>
               <a:t>Chef Software, Inc.</a:t>
             </a:r>
             <a:endParaRPr lang="en-US" dirty="0"/>
@@ -4195,11 +4169,11 @@
           <a:lstStyle/>
           <a:p>
             <a:r>
-              <a:rPr lang="en-US" dirty="0" smtClean="0"/>
+              <a:rPr lang="en-US" dirty="0"/>
               <a:t>Let's</a:t>
             </a:r>
             <a:r>
-              <a:rPr lang="en-US" baseline="0" dirty="0" smtClean="0"/>
+              <a:rPr lang="en-US" baseline="0" dirty="0"/>
               <a:t> review by walking through one more example within the default recipe. Another line within the recipe is similar to the first one except it is concerned with the inclusion of the configuration recipe. Here it is commented out.</a:t>
             </a:r>
           </a:p>
@@ -4221,10 +4195,9 @@
           <a:lstStyle/>
           <a:p>
             <a:r>
-              <a:rPr lang="en-US" smtClean="0"/>
+              <a:rPr lang="en-US"/>
               <a:t>Chef Intermediate</a:t>
             </a:r>
-            <a:endParaRPr lang="en-US"/>
           </a:p>
         </p:txBody>
       </p:sp>
@@ -4247,7 +4220,7 @@
               <a:defRPr/>
             </a:pPr>
             <a:r>
-              <a:rPr lang="en-US" smtClean="0"/>
+              <a:rPr lang="en-US"/>
               <a:t>Chef Software, Inc.</a:t>
             </a:r>
             <a:endParaRPr lang="en-US" dirty="0"/>
@@ -4312,11 +4285,11 @@
           <a:lstStyle/>
           <a:p>
             <a:r>
-              <a:rPr lang="en-US" dirty="0" smtClean="0"/>
+              <a:rPr lang="en-US" dirty="0"/>
               <a:t>Returning</a:t>
             </a:r>
             <a:r>
-              <a:rPr lang="en-US" baseline="0" dirty="0" smtClean="0"/>
+              <a:rPr lang="en-US" baseline="0" dirty="0"/>
               <a:t> to the specification file to define the example and the new expectation.</a:t>
             </a:r>
             <a:endParaRPr lang="en-US" dirty="0"/>
@@ -4339,10 +4312,9 @@
           <a:lstStyle/>
           <a:p>
             <a:r>
-              <a:rPr lang="en-US" smtClean="0"/>
+              <a:rPr lang="en-US"/>
               <a:t>Chef Intermediate</a:t>
             </a:r>
-            <a:endParaRPr lang="en-US"/>
           </a:p>
         </p:txBody>
       </p:sp>
@@ -4365,7 +4337,7 @@
               <a:defRPr/>
             </a:pPr>
             <a:r>
-              <a:rPr lang="en-US" smtClean="0"/>
+              <a:rPr lang="en-US"/>
               <a:t>Chef Software, Inc.</a:t>
             </a:r>
             <a:endParaRPr lang="en-US" dirty="0"/>
@@ -4430,27 +4402,27 @@
           <a:lstStyle/>
           <a:p>
             <a:r>
-              <a:rPr lang="en-US" dirty="0" smtClean="0"/>
+              <a:rPr lang="en-US" dirty="0"/>
               <a:t>Seeing the failure</a:t>
             </a:r>
             <a:r>
-              <a:rPr lang="en-US" baseline="0" dirty="0" smtClean="0"/>
+              <a:rPr lang="en-US" baseline="0" dirty="0"/>
               <a:t> when executing </a:t>
             </a:r>
             <a:r>
-              <a:rPr lang="en-US" baseline="0" dirty="0" err="1" smtClean="0"/>
+              <a:rPr lang="en-US" baseline="0" dirty="0" err="1"/>
               <a:t>te</a:t>
             </a:r>
             <a:r>
-              <a:rPr lang="en-US" baseline="0" dirty="0" smtClean="0"/>
+              <a:rPr lang="en-US" baseline="0" dirty="0"/>
               <a:t> '</a:t>
             </a:r>
             <a:r>
-              <a:rPr lang="en-US" baseline="0" dirty="0" err="1" smtClean="0"/>
+              <a:rPr lang="en-US" baseline="0" dirty="0" err="1"/>
               <a:t>rspec</a:t>
             </a:r>
             <a:r>
-              <a:rPr lang="en-US" baseline="0" dirty="0" smtClean="0"/>
+              <a:rPr lang="en-US" baseline="0" dirty="0"/>
               <a:t>' command.</a:t>
             </a:r>
             <a:endParaRPr lang="en-US" dirty="0"/>
@@ -4473,10 +4445,9 @@
           <a:lstStyle/>
           <a:p>
             <a:r>
-              <a:rPr lang="en-US" smtClean="0"/>
+              <a:rPr lang="en-US"/>
               <a:t>Chef Intermediate</a:t>
             </a:r>
-            <a:endParaRPr lang="en-US"/>
           </a:p>
         </p:txBody>
       </p:sp>
@@ -4499,7 +4470,7 @@
               <a:defRPr/>
             </a:pPr>
             <a:r>
-              <a:rPr lang="en-US" smtClean="0"/>
+              <a:rPr lang="en-US"/>
               <a:t>Chef Software, Inc.</a:t>
             </a:r>
             <a:endParaRPr lang="en-US" dirty="0"/>
@@ -4564,11 +4535,11 @@
           <a:lstStyle/>
           <a:p>
             <a:r>
-              <a:rPr lang="en-US" dirty="0" smtClean="0"/>
+              <a:rPr lang="en-US" dirty="0"/>
               <a:t>Restoring</a:t>
             </a:r>
             <a:r>
-              <a:rPr lang="en-US" baseline="0" dirty="0" smtClean="0"/>
+              <a:rPr lang="en-US" baseline="0" dirty="0"/>
               <a:t> the code to its previous state</a:t>
             </a:r>
             <a:endParaRPr lang="en-US" dirty="0"/>
@@ -4591,10 +4562,9 @@
           <a:lstStyle/>
           <a:p>
             <a:r>
-              <a:rPr lang="en-US" smtClean="0"/>
+              <a:rPr lang="en-US"/>
               <a:t>Chef Intermediate</a:t>
             </a:r>
-            <a:endParaRPr lang="en-US"/>
           </a:p>
         </p:txBody>
       </p:sp>
@@ -4617,7 +4587,7 @@
               <a:defRPr/>
             </a:pPr>
             <a:r>
-              <a:rPr lang="en-US" smtClean="0"/>
+              <a:rPr lang="en-US"/>
               <a:t>Chef Software, Inc.</a:t>
             </a:r>
             <a:endParaRPr lang="en-US" dirty="0"/>
@@ -4682,19 +4652,19 @@
           <a:lstStyle/>
           <a:p>
             <a:r>
-              <a:rPr lang="en-US" dirty="0" smtClean="0"/>
+              <a:rPr lang="en-US" dirty="0"/>
               <a:t>Executing</a:t>
             </a:r>
             <a:r>
-              <a:rPr lang="en-US" baseline="0" dirty="0" smtClean="0"/>
+              <a:rPr lang="en-US" baseline="0" dirty="0"/>
               <a:t> '</a:t>
             </a:r>
             <a:r>
-              <a:rPr lang="en-US" baseline="0" dirty="0" err="1" smtClean="0"/>
+              <a:rPr lang="en-US" baseline="0" dirty="0" err="1"/>
               <a:t>rspec</a:t>
             </a:r>
             <a:r>
-              <a:rPr lang="en-US" baseline="0" dirty="0" smtClean="0"/>
+              <a:rPr lang="en-US" baseline="0" dirty="0"/>
               <a:t>' again to verify that the expectations have been met successfully</a:t>
             </a:r>
             <a:endParaRPr lang="en-US" dirty="0"/>
@@ -4717,10 +4687,9 @@
           <a:lstStyle/>
           <a:p>
             <a:r>
-              <a:rPr lang="en-US" smtClean="0"/>
+              <a:rPr lang="en-US"/>
               <a:t>Chef Intermediate</a:t>
             </a:r>
-            <a:endParaRPr lang="en-US"/>
           </a:p>
         </p:txBody>
       </p:sp>
@@ -4743,7 +4712,7 @@
               <a:defRPr/>
             </a:pPr>
             <a:r>
-              <a:rPr lang="en-US" smtClean="0"/>
+              <a:rPr lang="en-US"/>
               <a:t>Chef Software, Inc.</a:t>
             </a:r>
             <a:endParaRPr lang="en-US" dirty="0"/>
@@ -4808,45 +4777,45 @@
           <a:lstStyle/>
           <a:p>
             <a:r>
-              <a:rPr lang="en-US" dirty="0" smtClean="0"/>
+              <a:rPr lang="en-US" dirty="0"/>
               <a:t>There</a:t>
             </a:r>
             <a:r>
-              <a:rPr lang="en-US" baseline="0" dirty="0" smtClean="0"/>
+              <a:rPr lang="en-US" baseline="0" dirty="0"/>
               <a:t> are more mutations that you could try within the default recipe and other recipe files that exist within the cookbook but this is a good point to stop and enjoy the work that you have accomplished.</a:t>
             </a:r>
           </a:p>
           <a:p>
-            <a:endParaRPr lang="en-US" baseline="0" dirty="0" smtClean="0"/>
-          </a:p>
-          <a:p>
-            <a:r>
-              <a:rPr lang="en-US" baseline="0" dirty="0" smtClean="0"/>
+            <a:endParaRPr lang="en-US" baseline="0" dirty="0"/>
+          </a:p>
+          <a:p>
+            <a:r>
+              <a:rPr lang="en-US" baseline="0" dirty="0"/>
               <a:t>The feedback cycle on using </a:t>
             </a:r>
             <a:r>
-              <a:rPr lang="en-US" baseline="0" dirty="0" err="1" smtClean="0"/>
+              <a:rPr lang="en-US" baseline="0" dirty="0" err="1"/>
               <a:t>Rspec</a:t>
             </a:r>
             <a:r>
-              <a:rPr lang="en-US" baseline="0" dirty="0" smtClean="0"/>
+              <a:rPr lang="en-US" baseline="0" dirty="0"/>
               <a:t> to execute </a:t>
             </a:r>
             <a:r>
-              <a:rPr lang="en-US" baseline="0" dirty="0" err="1" smtClean="0"/>
+              <a:rPr lang="en-US" baseline="0" dirty="0" err="1"/>
               <a:t>ChefSpec</a:t>
             </a:r>
             <a:r>
-              <a:rPr lang="en-US" baseline="0" dirty="0" smtClean="0"/>
+              <a:rPr lang="en-US" baseline="0" dirty="0"/>
               <a:t> examples returns results faster than we saw with Test Kitchen and gives us a good understanding of what is being added to the 'Resource Collection'.</a:t>
             </a:r>
           </a:p>
           <a:p>
-            <a:endParaRPr lang="en-US" baseline="0" dirty="0" smtClean="0"/>
-          </a:p>
-          <a:p>
-            <a:r>
-              <a:rPr lang="en-US" baseline="0" dirty="0" smtClean="0"/>
+            <a:endParaRPr lang="en-US" baseline="0" dirty="0"/>
+          </a:p>
+          <a:p>
+            <a:r>
+              <a:rPr lang="en-US" baseline="0" dirty="0"/>
               <a:t>Let's have a discussion.</a:t>
             </a:r>
           </a:p>
@@ -4868,10 +4837,9 @@
           <a:lstStyle/>
           <a:p>
             <a:r>
-              <a:rPr lang="en-US" smtClean="0"/>
+              <a:rPr lang="en-US"/>
               <a:t>Chef Intermediate</a:t>
             </a:r>
-            <a:endParaRPr lang="en-US"/>
           </a:p>
         </p:txBody>
       </p:sp>
@@ -4894,7 +4862,7 @@
               <a:defRPr/>
             </a:pPr>
             <a:r>
-              <a:rPr lang="en-US" smtClean="0"/>
+              <a:rPr lang="en-US"/>
               <a:t>Chef Software, Inc.</a:t>
             </a:r>
             <a:endParaRPr lang="en-US" dirty="0"/>
@@ -4976,13 +4944,13 @@
               <a:defRPr/>
             </a:pPr>
             <a:r>
-              <a:rPr lang="en-US" baseline="0" dirty="0" smtClean="0"/>
+              <a:rPr lang="en-US" baseline="0" dirty="0"/>
               <a:t>Instructor Note: With large groups I often find it better to have individuals turn to the individuals around them, form groups of whatever size they feel comfortable, and have them take turns asking and answering the questions. When all the groups are done I then open the discussion up to the entire group allowing each group or individuals to share their answers.</a:t>
             </a:r>
-            <a:endParaRPr lang="en-US" dirty="0" smtClean="0"/>
-          </a:p>
-          <a:p>
-            <a:endParaRPr lang="en-US" dirty="0" smtClean="0"/>
+            <a:endParaRPr lang="en-US" dirty="0"/>
+          </a:p>
+          <a:p>
+            <a:endParaRPr lang="en-US" dirty="0"/>
           </a:p>
         </p:txBody>
       </p:sp>
@@ -5002,10 +4970,9 @@
           <a:lstStyle/>
           <a:p>
             <a:r>
-              <a:rPr lang="en-US" smtClean="0"/>
+              <a:rPr lang="en-US"/>
               <a:t>Chef Intermediate</a:t>
             </a:r>
-            <a:endParaRPr lang="en-US"/>
           </a:p>
         </p:txBody>
       </p:sp>
@@ -5028,7 +4995,7 @@
               <a:defRPr/>
             </a:pPr>
             <a:r>
-              <a:rPr lang="en-US" smtClean="0"/>
+              <a:rPr lang="en-US"/>
               <a:t>Chef Software, Inc.</a:t>
             </a:r>
             <a:endParaRPr lang="en-US" dirty="0"/>
@@ -5110,14 +5077,14 @@
               <a:defRPr/>
             </a:pPr>
             <a:r>
-              <a:rPr lang="en-US" dirty="0" smtClean="0"/>
+              <a:rPr lang="en-US" dirty="0"/>
               <a:t>Before</a:t>
             </a:r>
             <a:r>
-              <a:rPr lang="en-US" baseline="0" dirty="0" smtClean="0"/>
+              <a:rPr lang="en-US" baseline="0" dirty="0"/>
               <a:t> we complete this section, let us pause for questions.</a:t>
             </a:r>
-            <a:endParaRPr lang="en-US" dirty="0" smtClean="0"/>
+            <a:endParaRPr lang="en-US" dirty="0"/>
           </a:p>
         </p:txBody>
       </p:sp>
@@ -5137,10 +5104,9 @@
           <a:lstStyle/>
           <a:p>
             <a:r>
-              <a:rPr lang="en-US" smtClean="0"/>
+              <a:rPr lang="en-US"/>
               <a:t>Chef Intermediate</a:t>
             </a:r>
-            <a:endParaRPr lang="en-US"/>
           </a:p>
         </p:txBody>
       </p:sp>
@@ -5163,7 +5129,7 @@
               <a:defRPr/>
             </a:pPr>
             <a:r>
-              <a:rPr lang="en-US" smtClean="0"/>
+              <a:rPr lang="en-US"/>
               <a:t>Chef Software, Inc.</a:t>
             </a:r>
             <a:endParaRPr lang="en-US" dirty="0"/>
@@ -5228,14 +5194,14 @@
           <a:lstStyle/>
           <a:p>
             <a:r>
-              <a:rPr lang="en-US" dirty="0" smtClean="0"/>
+              <a:rPr lang="en-US" dirty="0"/>
               <a:t>The</a:t>
             </a:r>
             <a:r>
-              <a:rPr lang="en-US" baseline="0" dirty="0" smtClean="0"/>
+              <a:rPr lang="en-US" baseline="0" dirty="0"/>
               <a:t> reason that the feedback cycle takes as long as it does with Test Kitchen is because of the external requirements. Creating the test instance, installing chef, and then applying the run list provide real value because we are able to see the recipe being applied to a virtual instance. However, all these external dependencies incur a time cost as we wait for the network to download images or packages, the test instance's processor to calculate keys or data, or the file-system to create files and folders.</a:t>
             </a:r>
-            <a:endParaRPr lang="en-US" dirty="0" smtClean="0"/>
+            <a:endParaRPr lang="en-US" dirty="0"/>
           </a:p>
           <a:p>
             <a:endParaRPr lang="en-US" dirty="0"/>
@@ -5258,10 +5224,9 @@
           <a:lstStyle/>
           <a:p>
             <a:r>
-              <a:rPr lang="en-US" smtClean="0"/>
+              <a:rPr lang="en-US"/>
               <a:t>Chef Intermediate</a:t>
             </a:r>
-            <a:endParaRPr lang="en-US"/>
           </a:p>
         </p:txBody>
       </p:sp>
@@ -5284,7 +5249,7 @@
               <a:defRPr/>
             </a:pPr>
             <a:r>
-              <a:rPr lang="en-US" smtClean="0"/>
+              <a:rPr lang="en-US"/>
               <a:t>Chef Software, Inc.</a:t>
             </a:r>
             <a:endParaRPr lang="en-US" dirty="0"/>
@@ -5366,14 +5331,14 @@
               <a:defRPr/>
             </a:pPr>
             <a:r>
-              <a:rPr lang="en-US" baseline="0" dirty="0" smtClean="0"/>
+              <a:rPr lang="en-US" baseline="0" dirty="0"/>
               <a:t>We have the faster feedback that we set out to create for us at the beginning of this section. We were able to verify the work being performed in the default recipe. Now it is time to focus our attention on the remaining recipes with in the cookbook and set up </a:t>
             </a:r>
             <a:r>
-              <a:rPr lang="en-US" baseline="0" smtClean="0"/>
+              <a:rPr lang="en-US" baseline="0"/>
               <a:t>expectations on the resources that they define.</a:t>
             </a:r>
-            <a:endParaRPr lang="en-US" baseline="0" dirty="0" smtClean="0"/>
+            <a:endParaRPr lang="en-US" baseline="0" dirty="0"/>
           </a:p>
         </p:txBody>
       </p:sp>
@@ -5393,10 +5358,9 @@
           <a:lstStyle/>
           <a:p>
             <a:r>
-              <a:rPr lang="en-US" smtClean="0"/>
+              <a:rPr lang="en-US"/>
               <a:t>Chef Intermediate</a:t>
             </a:r>
-            <a:endParaRPr lang="en-US"/>
           </a:p>
         </p:txBody>
       </p:sp>
@@ -5419,7 +5383,7 @@
               <a:defRPr/>
             </a:pPr>
             <a:r>
-              <a:rPr lang="en-US" smtClean="0"/>
+              <a:rPr lang="en-US"/>
               <a:t>Chef Software, Inc.</a:t>
             </a:r>
             <a:endParaRPr lang="en-US" dirty="0"/>
@@ -5484,11 +5448,11 @@
           <a:lstStyle/>
           <a:p>
             <a:r>
-              <a:rPr lang="en-US" dirty="0" smtClean="0"/>
+              <a:rPr lang="en-US" dirty="0"/>
               <a:t>When</a:t>
             </a:r>
             <a:r>
-              <a:rPr lang="en-US" baseline="0" dirty="0" smtClean="0"/>
+              <a:rPr lang="en-US" baseline="0" dirty="0"/>
               <a:t> we mutated our code and executed the test suite we created issues with the resources that we defined and recipes that we included. These changes affected the resources that were applied to the system by omitting resources from the 'Resource Collection'. If we were able to remove the external dependencies and focus on the state of the Resource Collection we would be able to determine if there were problems with the recipes we wrote without the need of any of those external dependencies.</a:t>
             </a:r>
           </a:p>
@@ -5510,10 +5474,9 @@
           <a:lstStyle/>
           <a:p>
             <a:r>
-              <a:rPr lang="en-US" smtClean="0"/>
+              <a:rPr lang="en-US"/>
               <a:t>Chef Intermediate</a:t>
             </a:r>
-            <a:endParaRPr lang="en-US"/>
           </a:p>
         </p:txBody>
       </p:sp>
@@ -5536,7 +5499,7 @@
               <a:defRPr/>
             </a:pPr>
             <a:r>
-              <a:rPr lang="en-US" smtClean="0"/>
+              <a:rPr lang="en-US"/>
               <a:t>Chef Software, Inc.</a:t>
             </a:r>
             <a:endParaRPr lang="en-US" dirty="0"/>
@@ -5601,34 +5564,34 @@
           <a:lstStyle/>
           <a:p>
             <a:r>
-              <a:rPr lang="en-US" dirty="0" smtClean="0"/>
+              <a:rPr lang="en-US" dirty="0"/>
               <a:t>But first</a:t>
             </a:r>
             <a:r>
-              <a:rPr lang="en-US" baseline="0" dirty="0" smtClean="0"/>
+              <a:rPr lang="en-US" baseline="0" dirty="0"/>
               <a:t> let's talk more about the 'Resource Collection' ...</a:t>
             </a:r>
-            <a:endParaRPr lang="en-US" dirty="0" smtClean="0"/>
-          </a:p>
-          <a:p>
-            <a:endParaRPr lang="en-US" dirty="0" smtClean="0"/>
-          </a:p>
-          <a:p>
-            <a:r>
-              <a:rPr lang="en-US" dirty="0" smtClean="0"/>
+            <a:endParaRPr lang="en-US" dirty="0"/>
+          </a:p>
+          <a:p>
+            <a:endParaRPr lang="en-US" dirty="0"/>
+          </a:p>
+          <a:p>
+            <a:r>
+              <a:rPr lang="en-US" dirty="0"/>
               <a:t>After a</a:t>
             </a:r>
             <a:r>
-              <a:rPr lang="en-US" baseline="0" dirty="0" smtClean="0"/>
+              <a:rPr lang="en-US" baseline="0" dirty="0"/>
               <a:t> cookbook and its recipes have been synchronized the majority of the cookbook content is loaded into memory by 'chef-client'. The recipes defined on the run list are evaluated during this time and the resources found within the recipes and any included recipes, are added to a resource collection. They are not immediately executed like one might assume.</a:t>
             </a:r>
           </a:p>
           <a:p>
-            <a:endParaRPr lang="en-US" baseline="0" dirty="0" smtClean="0"/>
-          </a:p>
-          <a:p>
-            <a:r>
-              <a:rPr lang="en-US" baseline="0" dirty="0" smtClean="0"/>
+            <a:endParaRPr lang="en-US" baseline="0" dirty="0"/>
+          </a:p>
+          <a:p>
+            <a:r>
+              <a:rPr lang="en-US" baseline="0" dirty="0"/>
               <a:t>The 'Resource Collection' is almost like a to-do list for the node. It contains the list of all the resources, in order, that need to be accomplished to bring the instance into the desired state. Later, in the converge step, the resources defined in the Resource Collection are executed and perform their various forms of test-and-repair to bring the instance into the desired state.</a:t>
             </a:r>
           </a:p>
@@ -5650,10 +5613,9 @@
           <a:lstStyle/>
           <a:p>
             <a:r>
-              <a:rPr lang="en-US" smtClean="0"/>
+              <a:rPr lang="en-US"/>
               <a:t>Chef Intermediate</a:t>
             </a:r>
-            <a:endParaRPr lang="en-US"/>
           </a:p>
         </p:txBody>
       </p:sp>
@@ -5676,7 +5638,7 @@
               <a:defRPr/>
             </a:pPr>
             <a:r>
-              <a:rPr lang="en-US" smtClean="0"/>
+              <a:rPr lang="en-US"/>
               <a:t>Chef Software, Inc.</a:t>
             </a:r>
             <a:endParaRPr lang="en-US" dirty="0"/>
@@ -5743,31 +5705,31 @@
           <a:lstStyle/>
           <a:p>
             <a:r>
-              <a:rPr lang="en-US" dirty="0" err="1" smtClean="0"/>
+              <a:rPr lang="en-US" dirty="0" err="1"/>
               <a:t>ChefSpec</a:t>
             </a:r>
             <a:r>
-              <a:rPr lang="en-US" dirty="0" smtClean="0"/>
+              <a:rPr lang="en-US" dirty="0"/>
               <a:t> provides</a:t>
             </a:r>
             <a:r>
-              <a:rPr lang="en-US" baseline="0" dirty="0" smtClean="0"/>
+              <a:rPr lang="en-US" baseline="0" dirty="0"/>
               <a:t> a method for us to create an in-memory execution of applying the run list, building the resource collection, and then setting up expectations about the state of the resource collection. </a:t>
             </a:r>
             <a:r>
-              <a:rPr lang="en-US" baseline="0" dirty="0" err="1" smtClean="0"/>
+              <a:rPr lang="en-US" baseline="0" dirty="0" err="1"/>
               <a:t>ChefSpec</a:t>
             </a:r>
             <a:r>
-              <a:rPr lang="en-US" baseline="0" dirty="0" smtClean="0"/>
+              <a:rPr lang="en-US" baseline="0" dirty="0"/>
               <a:t>, similar to </a:t>
             </a:r>
             <a:r>
-              <a:rPr lang="en-US" baseline="0" dirty="0" err="1" smtClean="0"/>
+              <a:rPr lang="en-US" baseline="0" dirty="0" err="1"/>
               <a:t>InSpec</a:t>
             </a:r>
             <a:r>
-              <a:rPr lang="en-US" baseline="0" dirty="0" smtClean="0"/>
+              <a:rPr lang="en-US" baseline="0" dirty="0"/>
               <a:t> is built on top of RSpec; relying on it to provide the core framework and language. The benefit to us is that a lot of the same language constructs are employed.</a:t>
             </a:r>
           </a:p>
@@ -5789,10 +5751,9 @@
           <a:lstStyle/>
           <a:p>
             <a:r>
-              <a:rPr lang="en-US" smtClean="0"/>
+              <a:rPr lang="en-US"/>
               <a:t>Chef Intermediate</a:t>
             </a:r>
-            <a:endParaRPr lang="en-US"/>
           </a:p>
         </p:txBody>
       </p:sp>
@@ -5815,7 +5776,7 @@
               <a:defRPr/>
             </a:pPr>
             <a:r>
-              <a:rPr lang="en-US" smtClean="0"/>
+              <a:rPr lang="en-US"/>
               <a:t>Chef Software, Inc.</a:t>
             </a:r>
             <a:endParaRPr lang="en-US" dirty="0"/>
@@ -5880,15 +5841,15 @@
           <a:lstStyle/>
           <a:p>
             <a:r>
-              <a:rPr lang="en-US" baseline="0" dirty="0" smtClean="0"/>
+              <a:rPr lang="en-US" baseline="0" dirty="0"/>
               <a:t>Verifying the resource collection with </a:t>
             </a:r>
             <a:r>
-              <a:rPr lang="en-US" baseline="0" dirty="0" err="1" smtClean="0"/>
+              <a:rPr lang="en-US" baseline="0" dirty="0" err="1"/>
               <a:t>ChefSpec</a:t>
             </a:r>
             <a:r>
-              <a:rPr lang="en-US" baseline="0" dirty="0" smtClean="0"/>
+              <a:rPr lang="en-US" baseline="0" dirty="0"/>
               <a:t> requires far fewer external dependencies and that allows us to get feedback faster but at the cost of not applying the recipes we write against a test instance. This opens us up to situations were we could compose recipes and execute examples that are shown to work because they were correctly added to the resource collection but fail when it comes time for the recipes to apply the desired state against a test instance.</a:t>
             </a:r>
           </a:p>
@@ -5910,10 +5871,9 @@
           <a:lstStyle/>
           <a:p>
             <a:r>
-              <a:rPr lang="en-US" smtClean="0"/>
+              <a:rPr lang="en-US"/>
               <a:t>Chef Intermediate</a:t>
             </a:r>
-            <a:endParaRPr lang="en-US"/>
           </a:p>
         </p:txBody>
       </p:sp>
@@ -5936,7 +5896,7 @@
               <a:defRPr/>
             </a:pPr>
             <a:r>
-              <a:rPr lang="en-US" smtClean="0"/>
+              <a:rPr lang="en-US"/>
               <a:t>Chef Software, Inc.</a:t>
             </a:r>
             <a:endParaRPr lang="en-US" dirty="0"/>
@@ -6001,36 +5961,36 @@
           <a:lstStyle/>
           <a:p>
             <a:r>
-              <a:rPr lang="en-US" dirty="0" smtClean="0"/>
+              <a:rPr lang="en-US" dirty="0"/>
               <a:t>We</a:t>
             </a:r>
             <a:r>
-              <a:rPr lang="en-US" baseline="0" dirty="0" smtClean="0"/>
+              <a:rPr lang="en-US" baseline="0" dirty="0"/>
               <a:t> have the integration test, the one defined in </a:t>
             </a:r>
             <a:r>
-              <a:rPr lang="en-US" baseline="0" dirty="0" err="1" smtClean="0"/>
+              <a:rPr lang="en-US" baseline="0" dirty="0" err="1"/>
               <a:t>InSpec</a:t>
             </a:r>
             <a:r>
-              <a:rPr lang="en-US" baseline="0" dirty="0" smtClean="0"/>
+              <a:rPr lang="en-US" baseline="0" dirty="0"/>
               <a:t>, executed through Test Kitchen to ensure the recipes we write behave as we expect on the test instances we define. The benefit of writing tests focused around the Resource Collection will allow us to gain feedback quickly and build a better development workflow.</a:t>
             </a:r>
           </a:p>
           <a:p>
-            <a:endParaRPr lang="en-US" baseline="0" dirty="0" smtClean="0"/>
-          </a:p>
-          <a:p>
-            <a:r>
-              <a:rPr lang="en-US" baseline="0" dirty="0" smtClean="0"/>
+            <a:endParaRPr lang="en-US" baseline="0" dirty="0"/>
+          </a:p>
+          <a:p>
+            <a:r>
+              <a:rPr lang="en-US" baseline="0" dirty="0"/>
               <a:t>This next group exercise we will review the existing </a:t>
             </a:r>
             <a:r>
-              <a:rPr lang="en-US" baseline="0" dirty="0" err="1" smtClean="0"/>
+              <a:rPr lang="en-US" baseline="0" dirty="0" err="1"/>
               <a:t>ChefSpec</a:t>
             </a:r>
             <a:r>
-              <a:rPr lang="en-US" baseline="0" dirty="0" smtClean="0"/>
+              <a:rPr lang="en-US" baseline="0" dirty="0"/>
               <a:t> specifications defined for us and how we can expand them to capture our additional expectations about the Resource Collection.</a:t>
             </a:r>
             <a:endParaRPr lang="en-US" dirty="0"/>
@@ -6053,10 +6013,9 @@
           <a:lstStyle/>
           <a:p>
             <a:r>
-              <a:rPr lang="en-US" smtClean="0"/>
+              <a:rPr lang="en-US"/>
               <a:t>Chef Intermediate</a:t>
             </a:r>
-            <a:endParaRPr lang="en-US"/>
           </a:p>
         </p:txBody>
       </p:sp>
@@ -6079,7 +6038,7 @@
               <a:defRPr/>
             </a:pPr>
             <a:r>
-              <a:rPr lang="en-US" smtClean="0"/>
+              <a:rPr lang="en-US"/>
               <a:t>Chef Software, Inc.</a:t>
             </a:r>
             <a:endParaRPr lang="en-US" dirty="0"/>
@@ -6162,7 +6121,7 @@
           </a:lstStyle>
           <a:p>
             <a:r>
-              <a:rPr lang="en-US" smtClean="0"/>
+              <a:rPr lang="en-US"/>
               <a:t>Click to edit Master title style</a:t>
             </a:r>
             <a:endParaRPr lang="en-US" dirty="0"/>
@@ -6220,7 +6179,7 @@
           <a:p>
             <a:pPr lvl="0"/>
             <a:r>
-              <a:rPr lang="en-US" smtClean="0"/>
+              <a:rPr lang="en-US"/>
               <a:t>Click to edit Master text styles</a:t>
             </a:r>
           </a:p>
@@ -6302,7 +6261,7 @@
           </a:lstStyle>
           <a:p>
             <a:r>
-              <a:rPr lang="en-US" smtClean="0"/>
+              <a:rPr lang="en-US"/>
               <a:t>Click to edit Master title style</a:t>
             </a:r>
             <a:endParaRPr lang="en-US" dirty="0"/>
@@ -6360,7 +6319,7 @@
           <a:p>
             <a:pPr lvl="0"/>
             <a:r>
-              <a:rPr lang="en-US" dirty="0" smtClean="0"/>
+              <a:rPr lang="en-US" dirty="0"/>
               <a:t>source code</a:t>
             </a:r>
           </a:p>
@@ -6406,28 +6365,28 @@
           <a:p>
             <a:pPr lvl="0"/>
             <a:r>
-              <a:rPr lang="en-US" smtClean="0"/>
+              <a:rPr lang="en-US"/>
               <a:t>Click to edit Master text styles</a:t>
             </a:r>
           </a:p>
           <a:p>
             <a:pPr lvl="1"/>
             <a:r>
-              <a:rPr lang="en-US" smtClean="0"/>
+              <a:rPr lang="en-US"/>
               <a:t>Second level</a:t>
             </a:r>
           </a:p>
           <a:p>
             <a:pPr lvl="2"/>
             <a:r>
-              <a:rPr lang="en-US" smtClean="0"/>
+              <a:rPr lang="en-US"/>
               <a:t>Third level</a:t>
             </a:r>
           </a:p>
           <a:p>
             <a:pPr lvl="3"/>
             <a:r>
-              <a:rPr lang="en-US" smtClean="0"/>
+              <a:rPr lang="en-US"/>
               <a:t>Fourth level</a:t>
             </a:r>
           </a:p>
@@ -6471,7 +6430,7 @@
           <a:p>
             <a:pPr lvl="0"/>
             <a:r>
-              <a:rPr lang="en-US" dirty="0" smtClean="0"/>
+              <a:rPr lang="en-US" dirty="0"/>
               <a:t>-</a:t>
             </a:r>
           </a:p>
@@ -6515,7 +6474,7 @@
           <a:p>
             <a:pPr lvl="0"/>
             <a:r>
-              <a:rPr lang="en-US" dirty="0" smtClean="0"/>
+              <a:rPr lang="en-US" dirty="0"/>
               <a:t>+</a:t>
             </a:r>
           </a:p>
@@ -6664,14 +6623,14 @@
           </a:ln>
           <a:extLst>
             <a:ext uri="{909E8E84-426E-40dd-AFC4-6F175D3DCCD1}">
-              <a14:hiddenFill xmlns="" xmlns:a14="http://schemas.microsoft.com/office/drawing/2010/main">
+              <a14:hiddenFill xmlns:a14="http://schemas.microsoft.com/office/drawing/2010/main" xmlns="">
                 <a:solidFill>
                   <a:srgbClr val="FFFFFF"/>
                 </a:solidFill>
               </a14:hiddenFill>
             </a:ext>
             <a:ext uri="{91240B29-F687-4f45-9708-019B960494DF}">
-              <a14:hiddenLine xmlns="" xmlns:a14="http://schemas.microsoft.com/office/drawing/2010/main" w="9525">
+              <a14:hiddenLine xmlns:a14="http://schemas.microsoft.com/office/drawing/2010/main" xmlns="" w="9525">
                 <a:solidFill>
                   <a:srgbClr val="000000"/>
                 </a:solidFill>
@@ -6819,14 +6778,14 @@
           </a:ln>
           <a:extLst>
             <a:ext uri="{909E8E84-426E-40dd-AFC4-6F175D3DCCD1}">
-              <a14:hiddenFill xmlns="" xmlns:a14="http://schemas.microsoft.com/office/drawing/2010/main">
+              <a14:hiddenFill xmlns:a14="http://schemas.microsoft.com/office/drawing/2010/main" xmlns="">
                 <a:solidFill>
                   <a:srgbClr val="FFFFFF"/>
                 </a:solidFill>
               </a14:hiddenFill>
             </a:ext>
             <a:ext uri="{91240B29-F687-4f45-9708-019B960494DF}">
-              <a14:hiddenLine xmlns="" xmlns:a14="http://schemas.microsoft.com/office/drawing/2010/main" w="9525">
+              <a14:hiddenLine xmlns:a14="http://schemas.microsoft.com/office/drawing/2010/main" xmlns="" w="9525">
                 <a:solidFill>
                   <a:srgbClr val="000000"/>
                 </a:solidFill>
@@ -7054,21 +7013,21 @@
           <a:p>
             <a:pPr lvl="0"/>
             <a:r>
-              <a:rPr lang="en-US" smtClean="0"/>
+              <a:rPr lang="en-US"/>
               <a:t>Click to edit Master text styles</a:t>
             </a:r>
           </a:p>
           <a:p>
             <a:pPr lvl="1"/>
             <a:r>
-              <a:rPr lang="en-US" smtClean="0"/>
+              <a:rPr lang="en-US"/>
               <a:t>Second level</a:t>
             </a:r>
           </a:p>
           <a:p>
             <a:pPr lvl="2"/>
             <a:r>
-              <a:rPr lang="en-US" smtClean="0"/>
+              <a:rPr lang="en-US"/>
               <a:t>Third level</a:t>
             </a:r>
           </a:p>
@@ -7114,21 +7073,21 @@
           <a:p>
             <a:pPr lvl="0"/>
             <a:r>
-              <a:rPr lang="en-US" smtClean="0"/>
+              <a:rPr lang="en-US"/>
               <a:t>Click to edit Master text styles</a:t>
             </a:r>
           </a:p>
           <a:p>
             <a:pPr lvl="1"/>
             <a:r>
-              <a:rPr lang="en-US" smtClean="0"/>
+              <a:rPr lang="en-US"/>
               <a:t>Second level</a:t>
             </a:r>
           </a:p>
           <a:p>
             <a:pPr lvl="2"/>
             <a:r>
-              <a:rPr lang="en-US" smtClean="0"/>
+              <a:rPr lang="en-US"/>
               <a:t>Third level</a:t>
             </a:r>
           </a:p>
@@ -7168,7 +7127,7 @@
           <a:p>
             <a:pPr lvl="0"/>
             <a:r>
-              <a:rPr lang="en-US" dirty="0" smtClean="0"/>
+              <a:rPr lang="en-US" dirty="0"/>
               <a:t>A</a:t>
             </a:r>
           </a:p>
@@ -7208,7 +7167,7 @@
           <a:p>
             <a:pPr lvl="0"/>
             <a:r>
-              <a:rPr lang="en-US" dirty="0" smtClean="0"/>
+              <a:rPr lang="en-US" dirty="0"/>
               <a:t>B</a:t>
             </a:r>
           </a:p>
@@ -7317,14 +7276,14 @@
           </a:ln>
           <a:extLst>
             <a:ext uri="{909E8E84-426E-40dd-AFC4-6F175D3DCCD1}">
-              <a14:hiddenFill xmlns="" xmlns:a14="http://schemas.microsoft.com/office/drawing/2010/main">
+              <a14:hiddenFill xmlns:a14="http://schemas.microsoft.com/office/drawing/2010/main" xmlns="">
                 <a:solidFill>
                   <a:srgbClr val="FFFFFF"/>
                 </a:solidFill>
               </a14:hiddenFill>
             </a:ext>
             <a:ext uri="{91240B29-F687-4f45-9708-019B960494DF}">
-              <a14:hiddenLine xmlns="" xmlns:a14="http://schemas.microsoft.com/office/drawing/2010/main" w="9525">
+              <a14:hiddenLine xmlns:a14="http://schemas.microsoft.com/office/drawing/2010/main" xmlns="" w="9525">
                 <a:solidFill>
                   <a:srgbClr val="000000"/>
                 </a:solidFill>
@@ -7487,10 +7446,9 @@
           </a:lstStyle>
           <a:p>
             <a:r>
-              <a:rPr lang="en-US" dirty="0" smtClean="0"/>
+              <a:rPr lang="en-US" dirty="0"/>
               <a:t>Motivation</a:t>
             </a:r>
-            <a:endParaRPr lang="en-US" dirty="0"/>
           </a:p>
         </p:txBody>
       </p:sp>
@@ -7617,7 +7575,7 @@
           </a:lstStyle>
           <a:p>
             <a:r>
-              <a:rPr lang="en-US" dirty="0" smtClean="0"/>
+              <a:rPr lang="en-US" dirty="0"/>
               <a:t>Click to edit Master subtitle style</a:t>
             </a:r>
           </a:p>
@@ -7774,10 +7732,9 @@
           </a:lstStyle>
           <a:p>
             <a:r>
-              <a:rPr lang="en-US" dirty="0" smtClean="0"/>
+              <a:rPr lang="en-US" dirty="0"/>
               <a:t>Problem</a:t>
             </a:r>
-            <a:endParaRPr lang="en-US" dirty="0"/>
           </a:p>
         </p:txBody>
       </p:sp>
@@ -7904,7 +7861,7 @@
           </a:lstStyle>
           <a:p>
             <a:r>
-              <a:rPr lang="en-US" dirty="0" smtClean="0"/>
+              <a:rPr lang="en-US" dirty="0"/>
               <a:t>Click to edit Master subtitle style</a:t>
             </a:r>
           </a:p>
@@ -7977,7 +7934,7 @@
               <a:defRPr/>
             </a:pPr>
             <a:r>
-              <a:rPr lang="en-US" sz="16933" dirty="0" smtClean="0">
+              <a:rPr lang="en-US" sz="16933" dirty="0">
                 <a:ln w="18415" cmpd="sng">
                   <a:solidFill>
                     <a:srgbClr val="FFFFFF"/>
@@ -7996,23 +7953,6 @@
               </a:rPr>
               <a:t>REFERENCE</a:t>
             </a:r>
-            <a:endParaRPr lang="en-US" sz="16933" dirty="0">
-              <a:ln w="18415" cmpd="sng">
-                <a:solidFill>
-                  <a:srgbClr val="FFFFFF"/>
-                </a:solidFill>
-                <a:prstDash val="solid"/>
-              </a:ln>
-              <a:solidFill>
-                <a:schemeClr val="bg2">
-                  <a:lumMod val="95000"/>
-                  <a:alpha val="50000"/>
-                </a:schemeClr>
-              </a:solidFill>
-              <a:latin typeface="+mn-lt"/>
-              <a:ea typeface="+mn-ea"/>
-              <a:cs typeface="+mn-cs"/>
-            </a:endParaRPr>
           </a:p>
         </p:txBody>
       </p:sp>
@@ -8078,10 +8018,9 @@
           </a:lstStyle>
           <a:p>
             <a:r>
-              <a:rPr lang="en-US" dirty="0" smtClean="0"/>
+              <a:rPr lang="en-US" dirty="0"/>
               <a:t>Documentation</a:t>
             </a:r>
-            <a:endParaRPr lang="en-US" dirty="0"/>
           </a:p>
         </p:txBody>
       </p:sp>
@@ -8208,7 +8147,7 @@
           </a:lstStyle>
           <a:p>
             <a:r>
-              <a:rPr lang="en-US" dirty="0" smtClean="0"/>
+              <a:rPr lang="en-US" dirty="0"/>
               <a:t>Click to edit Master subtitle style</a:t>
             </a:r>
           </a:p>
@@ -8248,14 +8187,14 @@
           <a:p>
             <a:pPr lvl="0"/>
             <a:r>
-              <a:rPr lang="en-US" dirty="0" smtClean="0"/>
+              <a:rPr lang="en-US" dirty="0"/>
               <a:t>http://</a:t>
             </a:r>
             <a:r>
-              <a:rPr lang="en-US" dirty="0" err="1" smtClean="0"/>
+              <a:rPr lang="en-US" dirty="0" err="1"/>
               <a:t>docs.chef.io</a:t>
             </a:r>
-            <a:endParaRPr lang="en-US" dirty="0" smtClean="0"/>
+            <a:endParaRPr lang="en-US" dirty="0"/>
           </a:p>
         </p:txBody>
       </p:sp>
@@ -8410,10 +8349,9 @@
           </a:lstStyle>
           <a:p>
             <a:r>
-              <a:rPr lang="en-US" dirty="0" smtClean="0"/>
+              <a:rPr lang="en-US" dirty="0"/>
               <a:t>Concept</a:t>
             </a:r>
-            <a:endParaRPr lang="en-US" dirty="0"/>
           </a:p>
         </p:txBody>
       </p:sp>
@@ -8540,7 +8478,7 @@
           </a:lstStyle>
           <a:p>
             <a:r>
-              <a:rPr lang="en-US" dirty="0" smtClean="0"/>
+              <a:rPr lang="en-US" dirty="0"/>
               <a:t>Click to edit Master subtitle style</a:t>
             </a:r>
           </a:p>
@@ -8697,10 +8635,9 @@
           </a:lstStyle>
           <a:p>
             <a:r>
-              <a:rPr lang="en-US" dirty="0" smtClean="0"/>
+              <a:rPr lang="en-US" dirty="0"/>
               <a:t>Group Exercise</a:t>
             </a:r>
-            <a:endParaRPr lang="en-US" dirty="0"/>
           </a:p>
         </p:txBody>
       </p:sp>
@@ -8745,7 +8682,7 @@
           <a:p>
             <a:pPr lvl="0"/>
             <a:r>
-              <a:rPr lang="en-US" dirty="0" smtClean="0"/>
+              <a:rPr lang="en-US" dirty="0"/>
               <a:t>Click to edit Master text styles</a:t>
             </a:r>
           </a:p>
@@ -8773,14 +8710,14 @@
           </a:ln>
           <a:extLst>
             <a:ext uri="{909E8E84-426E-40dd-AFC4-6F175D3DCCD1}">
-              <a14:hiddenFill xmlns="" xmlns:a14="http://schemas.microsoft.com/office/drawing/2010/main">
+              <a14:hiddenFill xmlns:a14="http://schemas.microsoft.com/office/drawing/2010/main" xmlns="">
                 <a:solidFill>
                   <a:srgbClr val="FFFFFF"/>
                 </a:solidFill>
               </a14:hiddenFill>
             </a:ext>
             <a:ext uri="{91240B29-F687-4f45-9708-019B960494DF}">
-              <a14:hiddenLine xmlns="" xmlns:a14="http://schemas.microsoft.com/office/drawing/2010/main" w="9525">
+              <a14:hiddenLine xmlns:a14="http://schemas.microsoft.com/office/drawing/2010/main" xmlns="" w="9525">
                 <a:solidFill>
                   <a:srgbClr val="000000"/>
                 </a:solidFill>
@@ -8940,28 +8877,28 @@
           <a:p>
             <a:pPr lvl="0"/>
             <a:r>
-              <a:rPr lang="en-US" dirty="0" smtClean="0"/>
+              <a:rPr lang="en-US" dirty="0"/>
               <a:t>Click to edit Master text styles</a:t>
             </a:r>
           </a:p>
           <a:p>
             <a:pPr lvl="1"/>
             <a:r>
-              <a:rPr lang="en-US" dirty="0" smtClean="0"/>
+              <a:rPr lang="en-US" dirty="0"/>
               <a:t>Second level</a:t>
             </a:r>
           </a:p>
           <a:p>
             <a:pPr lvl="2"/>
             <a:r>
-              <a:rPr lang="en-US" dirty="0" smtClean="0"/>
+              <a:rPr lang="en-US" dirty="0"/>
               <a:t>Third level</a:t>
             </a:r>
           </a:p>
           <a:p>
             <a:pPr lvl="3"/>
             <a:r>
-              <a:rPr lang="en-US" dirty="0" smtClean="0"/>
+              <a:rPr lang="en-US" dirty="0"/>
               <a:t>Fourth level</a:t>
             </a:r>
           </a:p>
@@ -9118,10 +9055,9 @@
           </a:lstStyle>
           <a:p>
             <a:r>
-              <a:rPr lang="en-US" dirty="0" smtClean="0"/>
+              <a:rPr lang="en-US" dirty="0"/>
               <a:t>Lab</a:t>
             </a:r>
-            <a:endParaRPr lang="en-US" dirty="0"/>
           </a:p>
         </p:txBody>
       </p:sp>
@@ -9249,7 +9185,7 @@
           </a:lstStyle>
           <a:p>
             <a:r>
-              <a:rPr lang="en-US" dirty="0" smtClean="0"/>
+              <a:rPr lang="en-US" dirty="0"/>
               <a:t>Click to edit Master subtitle style</a:t>
             </a:r>
           </a:p>
@@ -9406,10 +9342,9 @@
           </a:lstStyle>
           <a:p>
             <a:r>
-              <a:rPr lang="en-US" dirty="0" smtClean="0"/>
+              <a:rPr lang="en-US" dirty="0"/>
               <a:t>Commit</a:t>
             </a:r>
-            <a:endParaRPr lang="en-US" dirty="0"/>
           </a:p>
         </p:txBody>
       </p:sp>
@@ -9538,30 +9473,30 @@
           </a:lstStyle>
           <a:p>
             <a:r>
-              <a:rPr lang="en-US" dirty="0" smtClean="0"/>
+              <a:rPr lang="en-US" dirty="0"/>
               <a:t>$ cd repo</a:t>
             </a:r>
           </a:p>
           <a:p>
             <a:r>
-              <a:rPr lang="en-US" dirty="0" smtClean="0"/>
+              <a:rPr lang="en-US" dirty="0"/>
               <a:t>$ git </a:t>
             </a:r>
             <a:r>
-              <a:rPr lang="en-US" dirty="0" err="1" smtClean="0"/>
+              <a:rPr lang="en-US" dirty="0" err="1"/>
               <a:t>init</a:t>
             </a:r>
-            <a:endParaRPr lang="en-US" dirty="0" smtClean="0"/>
-          </a:p>
-          <a:p>
-            <a:r>
-              <a:rPr lang="en-US" dirty="0" smtClean="0"/>
+            <a:endParaRPr lang="en-US" dirty="0"/>
+          </a:p>
+          <a:p>
+            <a:r>
+              <a:rPr lang="en-US" dirty="0"/>
               <a:t>$ git add .</a:t>
             </a:r>
           </a:p>
           <a:p>
             <a:r>
-              <a:rPr lang="en-US" dirty="0" smtClean="0"/>
+              <a:rPr lang="en-US" dirty="0"/>
               <a:t>$ git commit -m "Work Complete"</a:t>
             </a:r>
           </a:p>
@@ -9632,7 +9567,7 @@
           <a:lstStyle/>
           <a:p>
             <a:r>
-              <a:rPr lang="en-US" smtClean="0"/>
+              <a:rPr lang="en-US"/>
               <a:t>Click to edit Master title style</a:t>
             </a:r>
             <a:endParaRPr lang="en-US" dirty="0"/>
@@ -9724,21 +9659,21 @@
           <a:p>
             <a:pPr lvl="0"/>
             <a:r>
-              <a:rPr lang="en-US" smtClean="0"/>
+              <a:rPr lang="en-US"/>
               <a:t>Click to edit Master text styles</a:t>
             </a:r>
           </a:p>
           <a:p>
             <a:pPr lvl="1"/>
             <a:r>
-              <a:rPr lang="en-US" smtClean="0"/>
+              <a:rPr lang="en-US"/>
               <a:t>Second level</a:t>
             </a:r>
           </a:p>
           <a:p>
             <a:pPr lvl="2"/>
             <a:r>
-              <a:rPr lang="en-US" smtClean="0"/>
+              <a:rPr lang="en-US"/>
               <a:t>Third level</a:t>
             </a:r>
           </a:p>
@@ -9811,7 +9746,7 @@
               <a:defRPr/>
             </a:pPr>
             <a:r>
-              <a:rPr lang="en-US" sz="16933" dirty="0" smtClean="0">
+              <a:rPr lang="en-US" sz="16933" dirty="0">
                 <a:ln w="18415" cmpd="sng">
                   <a:solidFill>
                     <a:srgbClr val="FFFFFF"/>
@@ -9830,23 +9765,6 @@
               </a:rPr>
               <a:t>DISCUSSION</a:t>
             </a:r>
-            <a:endParaRPr lang="en-US" sz="16933" dirty="0">
-              <a:ln w="18415" cmpd="sng">
-                <a:solidFill>
-                  <a:srgbClr val="FFFFFF"/>
-                </a:solidFill>
-                <a:prstDash val="solid"/>
-              </a:ln>
-              <a:solidFill>
-                <a:schemeClr val="bg2">
-                  <a:lumMod val="95000"/>
-                  <a:alpha val="50000"/>
-                </a:schemeClr>
-              </a:solidFill>
-              <a:latin typeface="+mn-lt"/>
-              <a:ea typeface="+mn-ea"/>
-              <a:cs typeface="+mn-cs"/>
-            </a:endParaRPr>
           </a:p>
         </p:txBody>
       </p:sp>
@@ -9912,10 +9830,9 @@
           </a:lstStyle>
           <a:p>
             <a:r>
-              <a:rPr lang="en-US" dirty="0" smtClean="0"/>
+              <a:rPr lang="en-US" dirty="0"/>
               <a:t>Discussion</a:t>
             </a:r>
-            <a:endParaRPr lang="en-US" dirty="0"/>
           </a:p>
         </p:txBody>
       </p:sp>
@@ -10042,7 +9959,7 @@
           </a:lstStyle>
           <a:p>
             <a:r>
-              <a:rPr lang="en-US" dirty="0" smtClean="0"/>
+              <a:rPr lang="en-US" dirty="0"/>
               <a:t>Questions</a:t>
             </a:r>
           </a:p>
@@ -10134,14 +10051,14 @@
           </a:ln>
           <a:extLst>
             <a:ext uri="{909E8E84-426E-40dd-AFC4-6F175D3DCCD1}">
-              <a14:hiddenFill xmlns="" xmlns:a14="http://schemas.microsoft.com/office/drawing/2010/main">
+              <a14:hiddenFill xmlns:a14="http://schemas.microsoft.com/office/drawing/2010/main" xmlns="">
                 <a:solidFill>
                   <a:srgbClr val="FFFFFF"/>
                 </a:solidFill>
               </a14:hiddenFill>
             </a:ext>
             <a:ext uri="{91240B29-F687-4f45-9708-019B960494DF}">
-              <a14:hiddenLine xmlns="" xmlns:a14="http://schemas.microsoft.com/office/drawing/2010/main" w="9525">
+              <a14:hiddenLine xmlns:a14="http://schemas.microsoft.com/office/drawing/2010/main" xmlns="" w="9525">
                 <a:solidFill>
                   <a:srgbClr val="000000"/>
                 </a:solidFill>
@@ -10273,7 +10190,7 @@
           <a:p>
             <a:pPr lvl="0"/>
             <a:r>
-              <a:rPr lang="en-US" dirty="0" smtClean="0"/>
+              <a:rPr lang="en-US" dirty="0"/>
               <a:t>RESULT</a:t>
             </a:r>
           </a:p>
@@ -10320,7 +10237,7 @@
           <a:p>
             <a:pPr lvl="0"/>
             <a:r>
-              <a:rPr lang="en-US" dirty="0" smtClean="0"/>
+              <a:rPr lang="en-US" dirty="0"/>
               <a:t>&gt; command</a:t>
             </a:r>
           </a:p>
@@ -10372,7 +10289,7 @@
           <a:p>
             <a:pPr lvl="0"/>
             <a:r>
-              <a:rPr lang="en-US" dirty="0" smtClean="0"/>
+              <a:rPr lang="en-US" dirty="0"/>
               <a:t> </a:t>
             </a:r>
           </a:p>
@@ -10400,7 +10317,7 @@
           </a:lstStyle>
           <a:p>
             <a:r>
-              <a:rPr lang="en-US" smtClean="0"/>
+              <a:rPr lang="en-US"/>
               <a:t>Click to edit Master title style</a:t>
             </a:r>
             <a:endParaRPr lang="en-US" dirty="0"/>
@@ -10483,7 +10400,7 @@
           </a:lstStyle>
           <a:p>
             <a:r>
-              <a:rPr lang="en-US" smtClean="0"/>
+              <a:rPr lang="en-US"/>
               <a:t>Click to edit Master title style</a:t>
             </a:r>
             <a:endParaRPr lang="en-US" dirty="0"/>
@@ -10547,7 +10464,7 @@
           <a:p>
             <a:pPr lvl="0"/>
             <a:r>
-              <a:rPr lang="en-US" dirty="0" smtClean="0"/>
+              <a:rPr lang="en-US" dirty="0"/>
               <a:t>command or result</a:t>
             </a:r>
           </a:p>
@@ -10593,21 +10510,21 @@
           <a:p>
             <a:pPr lvl="0"/>
             <a:r>
-              <a:rPr lang="en-US" smtClean="0"/>
+              <a:rPr lang="en-US"/>
               <a:t>Click to edit Master text styles</a:t>
             </a:r>
           </a:p>
           <a:p>
             <a:pPr lvl="1"/>
             <a:r>
-              <a:rPr lang="en-US" smtClean="0"/>
+              <a:rPr lang="en-US"/>
               <a:t>Second level</a:t>
             </a:r>
           </a:p>
           <a:p>
             <a:pPr lvl="2"/>
             <a:r>
-              <a:rPr lang="en-US" smtClean="0"/>
+              <a:rPr lang="en-US"/>
               <a:t>Third level</a:t>
             </a:r>
           </a:p>
@@ -10699,14 +10616,14 @@
           </a:ln>
           <a:extLst>
             <a:ext uri="{909E8E84-426E-40dd-AFC4-6F175D3DCCD1}">
-              <a14:hiddenFill xmlns="" xmlns:a14="http://schemas.microsoft.com/office/drawing/2010/main">
+              <a14:hiddenFill xmlns:a14="http://schemas.microsoft.com/office/drawing/2010/main" xmlns="">
                 <a:solidFill>
                   <a:srgbClr val="FFFFFF"/>
                 </a:solidFill>
               </a14:hiddenFill>
             </a:ext>
             <a:ext uri="{91240B29-F687-4f45-9708-019B960494DF}">
-              <a14:hiddenLine xmlns="" xmlns:a14="http://schemas.microsoft.com/office/drawing/2010/main" w="9525">
+              <a14:hiddenLine xmlns:a14="http://schemas.microsoft.com/office/drawing/2010/main" xmlns="" w="9525">
                 <a:solidFill>
                   <a:srgbClr val="000000"/>
                 </a:solidFill>
@@ -10778,7 +10695,7 @@
           </a:lstStyle>
           <a:p>
             <a:r>
-              <a:rPr lang="en-US" smtClean="0"/>
+              <a:rPr lang="en-US"/>
               <a:t>Click to edit Master title style</a:t>
             </a:r>
             <a:endParaRPr lang="en-US" dirty="0"/>
@@ -10872,7 +10789,7 @@
           <a:p>
             <a:pPr lvl="0"/>
             <a:r>
-              <a:rPr lang="en-US" dirty="0" smtClean="0"/>
+              <a:rPr lang="en-US" dirty="0"/>
               <a:t>RESULT</a:t>
             </a:r>
           </a:p>
@@ -10921,7 +10838,7 @@
           <a:p>
             <a:pPr lvl="0"/>
             <a:r>
-              <a:rPr lang="en-US" dirty="0" smtClean="0"/>
+              <a:rPr lang="en-US" dirty="0"/>
               <a:t>&gt; command</a:t>
             </a:r>
           </a:p>
@@ -10973,7 +10890,7 @@
           <a:p>
             <a:pPr lvl="0"/>
             <a:r>
-              <a:rPr lang="en-US" dirty="0" smtClean="0"/>
+              <a:rPr lang="en-US" dirty="0"/>
               <a:t> </a:t>
             </a:r>
           </a:p>
@@ -11055,7 +10972,7 @@
           </a:lstStyle>
           <a:p>
             <a:r>
-              <a:rPr lang="en-US" smtClean="0"/>
+              <a:rPr lang="en-US"/>
               <a:t>Click to edit Master title style</a:t>
             </a:r>
             <a:endParaRPr lang="en-US" dirty="0"/>
@@ -11121,7 +11038,7 @@
           <a:p>
             <a:pPr lvl="0"/>
             <a:r>
-              <a:rPr lang="en-US" dirty="0" smtClean="0"/>
+              <a:rPr lang="en-US" dirty="0"/>
               <a:t>command or result</a:t>
             </a:r>
           </a:p>
@@ -11167,21 +11084,21 @@
           <a:p>
             <a:pPr lvl="0"/>
             <a:r>
-              <a:rPr lang="en-US" smtClean="0"/>
+              <a:rPr lang="en-US"/>
               <a:t>Click to edit Master text styles</a:t>
             </a:r>
           </a:p>
           <a:p>
             <a:pPr lvl="1"/>
             <a:r>
-              <a:rPr lang="en-US" smtClean="0"/>
+              <a:rPr lang="en-US"/>
               <a:t>Second level</a:t>
             </a:r>
           </a:p>
           <a:p>
             <a:pPr lvl="2"/>
             <a:r>
-              <a:rPr lang="en-US" smtClean="0"/>
+              <a:rPr lang="en-US"/>
               <a:t>Third level</a:t>
             </a:r>
           </a:p>
@@ -11273,14 +11190,14 @@
           </a:ln>
           <a:extLst>
             <a:ext uri="{909E8E84-426E-40dd-AFC4-6F175D3DCCD1}">
-              <a14:hiddenFill xmlns="" xmlns:a14="http://schemas.microsoft.com/office/drawing/2010/main">
+              <a14:hiddenFill xmlns:a14="http://schemas.microsoft.com/office/drawing/2010/main" xmlns="">
                 <a:solidFill>
                   <a:srgbClr val="FFFFFF"/>
                 </a:solidFill>
               </a14:hiddenFill>
             </a:ext>
             <a:ext uri="{91240B29-F687-4f45-9708-019B960494DF}">
-              <a14:hiddenLine xmlns="" xmlns:a14="http://schemas.microsoft.com/office/drawing/2010/main" w="9525">
+              <a14:hiddenLine xmlns:a14="http://schemas.microsoft.com/office/drawing/2010/main" xmlns="" w="9525">
                 <a:solidFill>
                   <a:srgbClr val="000000"/>
                 </a:solidFill>
@@ -11317,7 +11234,7 @@
           </a:lstStyle>
           <a:p>
             <a:r>
-              <a:rPr lang="en-US" smtClean="0"/>
+              <a:rPr lang="en-US"/>
               <a:t>Click to edit Master title style</a:t>
             </a:r>
             <a:endParaRPr lang="en-US" dirty="0"/>
@@ -11387,7 +11304,7 @@
           <a:p>
             <a:pPr lvl="0"/>
             <a:r>
-              <a:rPr lang="en-US" dirty="0" smtClean="0"/>
+              <a:rPr lang="en-US" dirty="0"/>
               <a:t>SOURCE</a:t>
             </a:r>
           </a:p>
@@ -11431,22 +11348,22 @@
           <a:p>
             <a:pPr lvl="0"/>
             <a:r>
-              <a:rPr lang="en-US" dirty="0" smtClean="0"/>
+              <a:rPr lang="en-US" dirty="0"/>
               <a:t>/</a:t>
             </a:r>
             <a:r>
-              <a:rPr lang="en-US" dirty="0" err="1" smtClean="0"/>
+              <a:rPr lang="en-US" dirty="0" err="1"/>
               <a:t>filepath</a:t>
             </a:r>
             <a:r>
-              <a:rPr lang="en-US" dirty="0" smtClean="0"/>
+              <a:rPr lang="en-US" dirty="0"/>
               <a:t>/</a:t>
             </a:r>
             <a:r>
-              <a:rPr lang="en-US" dirty="0" err="1" smtClean="0"/>
+              <a:rPr lang="en-US" dirty="0" err="1"/>
               <a:t>file.rb</a:t>
             </a:r>
-            <a:endParaRPr lang="en-US" dirty="0" smtClean="0"/>
+            <a:endParaRPr lang="en-US" dirty="0"/>
           </a:p>
         </p:txBody>
       </p:sp>
@@ -11488,7 +11405,7 @@
           <a:p>
             <a:pPr lvl="0"/>
             <a:r>
-              <a:rPr lang="en-US" dirty="0" smtClean="0"/>
+              <a:rPr lang="en-US" dirty="0"/>
               <a:t>-</a:t>
             </a:r>
           </a:p>
@@ -11532,7 +11449,7 @@
           <a:p>
             <a:pPr lvl="0"/>
             <a:r>
-              <a:rPr lang="en-US" dirty="0" smtClean="0"/>
+              <a:rPr lang="en-US" dirty="0"/>
               <a:t>+</a:t>
             </a:r>
           </a:p>
@@ -11614,7 +11531,7 @@
           </a:lstStyle>
           <a:p>
             <a:r>
-              <a:rPr lang="en-US" smtClean="0"/>
+              <a:rPr lang="en-US"/>
               <a:t>Click to edit Master title style</a:t>
             </a:r>
             <a:endParaRPr lang="en-US" dirty="0"/>
@@ -11672,7 +11589,7 @@
           <a:p>
             <a:pPr lvl="0"/>
             <a:r>
-              <a:rPr lang="en-US" dirty="0" smtClean="0"/>
+              <a:rPr lang="en-US" dirty="0"/>
               <a:t>source code without a file</a:t>
             </a:r>
           </a:p>
@@ -11716,7 +11633,7 @@
           <a:p>
             <a:pPr lvl="0"/>
             <a:r>
-              <a:rPr lang="en-US" dirty="0" smtClean="0"/>
+              <a:rPr lang="en-US" dirty="0"/>
               <a:t>-</a:t>
             </a:r>
           </a:p>
@@ -11760,7 +11677,7 @@
           <a:p>
             <a:pPr lvl="0"/>
             <a:r>
-              <a:rPr lang="en-US" dirty="0" smtClean="0"/>
+              <a:rPr lang="en-US" dirty="0"/>
               <a:t>+</a:t>
             </a:r>
           </a:p>
@@ -11842,7 +11759,7 @@
           </a:lstStyle>
           <a:p>
             <a:r>
-              <a:rPr lang="en-US" smtClean="0"/>
+              <a:rPr lang="en-US"/>
               <a:t>Click to edit Master title style</a:t>
             </a:r>
             <a:endParaRPr lang="en-US" dirty="0"/>
@@ -11900,7 +11817,7 @@
           <a:p>
             <a:pPr lvl="0"/>
             <a:r>
-              <a:rPr lang="en-US" dirty="0" smtClean="0"/>
+              <a:rPr lang="en-US" dirty="0"/>
               <a:t>source code</a:t>
             </a:r>
           </a:p>
@@ -11946,21 +11863,21 @@
           <a:p>
             <a:pPr lvl="0"/>
             <a:r>
-              <a:rPr lang="en-US" smtClean="0"/>
+              <a:rPr lang="en-US"/>
               <a:t>Click to edit Master text styles</a:t>
             </a:r>
           </a:p>
           <a:p>
             <a:pPr lvl="1"/>
             <a:r>
-              <a:rPr lang="en-US" smtClean="0"/>
+              <a:rPr lang="en-US"/>
               <a:t>Second level</a:t>
             </a:r>
           </a:p>
           <a:p>
             <a:pPr lvl="2"/>
             <a:r>
-              <a:rPr lang="en-US" smtClean="0"/>
+              <a:rPr lang="en-US"/>
               <a:t>Third level</a:t>
             </a:r>
           </a:p>
@@ -12004,7 +11921,7 @@
           <a:p>
             <a:pPr lvl="0"/>
             <a:r>
-              <a:rPr lang="en-US" dirty="0" smtClean="0"/>
+              <a:rPr lang="en-US" dirty="0"/>
               <a:t>-</a:t>
             </a:r>
           </a:p>
@@ -12048,7 +11965,7 @@
           <a:p>
             <a:pPr lvl="0"/>
             <a:r>
-              <a:rPr lang="en-US" dirty="0" smtClean="0"/>
+              <a:rPr lang="en-US" dirty="0"/>
               <a:t>+</a:t>
             </a:r>
           </a:p>
@@ -12131,7 +12048,7 @@
           <a:lstStyle/>
           <a:p>
             <a:r>
-              <a:rPr lang="en-CA" dirty="0" smtClean="0"/>
+              <a:rPr lang="en-CA" dirty="0"/>
               <a:t>Title Text</a:t>
             </a:r>
             <a:endParaRPr lang="en-US" dirty="0"/>
@@ -12165,21 +12082,21 @@
           <a:p>
             <a:pPr lvl="0"/>
             <a:r>
-              <a:rPr lang="en-US" dirty="0" smtClean="0"/>
+              <a:rPr lang="en-US" dirty="0"/>
               <a:t>Click to edit Master text styles</a:t>
             </a:r>
           </a:p>
           <a:p>
             <a:pPr lvl="1"/>
             <a:r>
-              <a:rPr lang="en-US" dirty="0" smtClean="0"/>
+              <a:rPr lang="en-US" dirty="0"/>
               <a:t>Second level</a:t>
             </a:r>
           </a:p>
           <a:p>
             <a:pPr lvl="2"/>
             <a:r>
-              <a:rPr lang="en-US" dirty="0" smtClean="0"/>
+              <a:rPr lang="en-US" dirty="0"/>
               <a:t>Third level</a:t>
             </a:r>
           </a:p>
@@ -12220,14 +12137,14 @@
           </a:ln>
           <a:extLst>
             <a:ext uri="{909E8E84-426E-40dd-AFC4-6F175D3DCCD1}">
-              <a14:hiddenFill xmlns="" xmlns:a14="http://schemas.microsoft.com/office/drawing/2010/main">
+              <a14:hiddenFill xmlns:a14="http://schemas.microsoft.com/office/drawing/2010/main" xmlns="">
                 <a:solidFill>
                   <a:srgbClr val="FFFFFF"/>
                 </a:solidFill>
               </a14:hiddenFill>
             </a:ext>
             <a:ext uri="{91240B29-F687-4f45-9708-019B960494DF}">
-              <a14:hiddenLine xmlns="" xmlns:a14="http://schemas.microsoft.com/office/drawing/2010/main" w="9525">
+              <a14:hiddenLine xmlns:a14="http://schemas.microsoft.com/office/drawing/2010/main" xmlns="" w="9525">
                 <a:solidFill>
                   <a:srgbClr val="000000"/>
                 </a:solidFill>
@@ -12307,7 +12224,7 @@
               <a:defRPr/>
             </a:pPr>
             <a:r>
-              <a:rPr lang="en-US" dirty="0" smtClean="0">
+              <a:rPr lang="en-US" dirty="0">
                 <a:solidFill>
                   <a:srgbClr val="7D868C"/>
                 </a:solidFill>
@@ -12318,7 +12235,7 @@
               <a:t>©</a:t>
             </a:r>
             <a:r>
-              <a:rPr lang="is-IS" dirty="0" smtClean="0">
+              <a:rPr lang="is-IS" dirty="0">
                 <a:solidFill>
                   <a:srgbClr val="7D868C"/>
                 </a:solidFill>
@@ -12329,17 +12246,6 @@
               <a:t>2017</a:t>
             </a:r>
             <a:r>
-              <a:rPr lang="en-US" dirty="0" smtClean="0">
-                <a:solidFill>
-                  <a:srgbClr val="7D868C"/>
-                </a:solidFill>
-                <a:latin typeface="+mn-lt"/>
-                <a:ea typeface="+mn-ea"/>
-                <a:cs typeface="+mn-cs"/>
-              </a:rPr>
-              <a:t> </a:t>
-            </a:r>
-            <a:r>
               <a:rPr lang="en-US" dirty="0">
                 <a:solidFill>
                   <a:srgbClr val="7D868C"/>
@@ -12348,7 +12254,7 @@
                 <a:ea typeface="+mn-ea"/>
                 <a:cs typeface="+mn-cs"/>
               </a:rPr>
-              <a:t>Chef Software Inc</a:t>
+              <a:t> Chef Software Inc</a:t>
             </a:r>
             <a:r>
               <a:rPr lang="en-US" dirty="0">
@@ -12416,18 +12322,7 @@
                 <a:ea typeface="+mn-ea"/>
                 <a:cs typeface="+mn-cs"/>
               </a:rPr>
-              <a:t>5</a:t>
-            </a:r>
-            <a:r>
-              <a:rPr lang="en-US" dirty="0" smtClean="0">
-                <a:solidFill>
-                  <a:srgbClr val="7F7F7F"/>
-                </a:solidFill>
-                <a:latin typeface="+mn-lt"/>
-                <a:ea typeface="+mn-ea"/>
-                <a:cs typeface="+mn-cs"/>
-              </a:rPr>
-              <a:t>-</a:t>
+              <a:t>5-</a:t>
             </a:r>
             <a:fld id="{F0B79B2F-E1DD-4D43-95B3-EA08C411D807}" type="slidenum">
               <a:rPr lang="en-US" smtClean="0">
@@ -12480,13 +12375,6 @@
   <p:transition spd="med">
     <p:fade/>
   </p:transition>
-  <p:timing>
-    <p:tnLst>
-      <p:par>
-        <p:cTn id="1" dur="indefinite" restart="never" nodeType="tmRoot"/>
-      </p:par>
-    </p:tnLst>
-  </p:timing>
   <p:hf hdr="0" dt="0"/>
   <p:txStyles>
     <p:titleStyle>
@@ -12969,7 +12857,7 @@
           <a:lstStyle/>
           <a:p>
             <a:r>
-              <a:rPr lang="en-CA" dirty="0" smtClean="0"/>
+              <a:rPr lang="en-CA" dirty="0"/>
               <a:t>Title Text</a:t>
             </a:r>
             <a:endParaRPr lang="en-US" dirty="0"/>
@@ -13011,14 +12899,14 @@
           </a:ln>
           <a:extLst>
             <a:ext uri="{909E8E84-426E-40dd-AFC4-6F175D3DCCD1}">
-              <a14:hiddenFill xmlns="" xmlns:a14="http://schemas.microsoft.com/office/drawing/2010/main">
+              <a14:hiddenFill xmlns:a14="http://schemas.microsoft.com/office/drawing/2010/main" xmlns="">
                 <a:solidFill>
                   <a:srgbClr val="FFFFFF"/>
                 </a:solidFill>
               </a14:hiddenFill>
             </a:ext>
             <a:ext uri="{91240B29-F687-4f45-9708-019B960494DF}">
-              <a14:hiddenLine xmlns="" xmlns:a14="http://schemas.microsoft.com/office/drawing/2010/main" w="9525">
+              <a14:hiddenLine xmlns:a14="http://schemas.microsoft.com/office/drawing/2010/main" xmlns="" w="9525">
                 <a:solidFill>
                   <a:srgbClr val="000000"/>
                 </a:solidFill>
@@ -13098,7 +12986,7 @@
               <a:defRPr/>
             </a:pPr>
             <a:r>
-              <a:rPr lang="en-US" dirty="0" smtClean="0">
+              <a:rPr lang="en-US" dirty="0">
                 <a:solidFill>
                   <a:srgbClr val="7D868C"/>
                 </a:solidFill>
@@ -13109,7 +12997,7 @@
               <a:t>©</a:t>
             </a:r>
             <a:r>
-              <a:rPr lang="is-IS" dirty="0" smtClean="0">
+              <a:rPr lang="is-IS" dirty="0">
                 <a:solidFill>
                   <a:srgbClr val="7D868C"/>
                 </a:solidFill>
@@ -13120,17 +13008,6 @@
               <a:t>2017</a:t>
             </a:r>
             <a:r>
-              <a:rPr lang="en-US" dirty="0" smtClean="0">
-                <a:solidFill>
-                  <a:srgbClr val="7D868C"/>
-                </a:solidFill>
-                <a:latin typeface="+mn-lt"/>
-                <a:ea typeface="+mn-ea"/>
-                <a:cs typeface="+mn-cs"/>
-              </a:rPr>
-              <a:t> </a:t>
-            </a:r>
-            <a:r>
               <a:rPr lang="en-US" dirty="0">
                 <a:solidFill>
                   <a:srgbClr val="7D868C"/>
@@ -13139,7 +13016,7 @@
                 <a:ea typeface="+mn-ea"/>
                 <a:cs typeface="+mn-cs"/>
               </a:rPr>
-              <a:t>Chef Software Inc</a:t>
+              <a:t> Chef Software Inc</a:t>
             </a:r>
             <a:r>
               <a:rPr lang="en-US" dirty="0">
@@ -13207,18 +13084,7 @@
                 <a:ea typeface="+mn-ea"/>
                 <a:cs typeface="+mn-cs"/>
               </a:rPr>
-              <a:t>5</a:t>
-            </a:r>
-            <a:r>
-              <a:rPr lang="en-US" dirty="0" smtClean="0">
-                <a:solidFill>
-                  <a:srgbClr val="7F7F7F"/>
-                </a:solidFill>
-                <a:latin typeface="+mn-lt"/>
-                <a:ea typeface="+mn-ea"/>
-                <a:cs typeface="+mn-cs"/>
-              </a:rPr>
-              <a:t>-</a:t>
+              <a:t>5-</a:t>
             </a:r>
             <a:fld id="{F0B79B2F-E1DD-4D43-95B3-EA08C411D807}" type="slidenum">
               <a:rPr lang="en-US" smtClean="0">
@@ -13342,13 +13208,6 @@
   <p:transition spd="med">
     <p:fade/>
   </p:transition>
-  <p:timing>
-    <p:tnLst>
-      <p:par>
-        <p:cTn id="1" dur="indefinite" restart="never" nodeType="tmRoot"/>
-      </p:par>
-    </p:tnLst>
-  </p:timing>
   <p:hf hdr="0" dt="0"/>
   <p:txStyles>
     <p:titleStyle>
@@ -13803,14 +13662,13 @@
           <a:lstStyle/>
           <a:p>
             <a:r>
-              <a:rPr lang="en-US" smtClean="0"/>
+              <a:rPr lang="en-US"/>
               <a:t>Faster </a:t>
             </a:r>
             <a:r>
-              <a:rPr lang="en-US" dirty="0" smtClean="0"/>
+              <a:rPr lang="en-US" dirty="0"/>
               <a:t>Feedback with Unit Testing</a:t>
             </a:r>
-            <a:endParaRPr lang="en-US" dirty="0"/>
           </a:p>
         </p:txBody>
       </p:sp>
@@ -13846,13 +13704,6 @@
   <p:transition spd="med">
     <p:fade/>
   </p:transition>
-  <p:timing>
-    <p:tnLst>
-      <p:par>
-        <p:cTn id="1" dur="indefinite" restart="never" nodeType="tmRoot"/>
-      </p:par>
-    </p:tnLst>
-  </p:timing>
 </p:sld>
 </file>
 
@@ -13918,12 +13769,8 @@
           </a:p>
           <a:p>
             <a:r>
-              <a:rPr lang="en-US" dirty="0" smtClean="0"/>
-              <a:t>        </a:t>
-            </a:r>
-            <a:r>
-              <a:rPr lang="en-US" dirty="0"/>
-              <a:t>├── </a:t>
+              <a:rPr lang="en-US" dirty="0"/>
+              <a:t>        ├── </a:t>
             </a:r>
             <a:r>
               <a:rPr lang="en-US" dirty="0" err="1"/>
@@ -13967,11 +13814,7 @@
           <a:p>
             <a:r>
               <a:rPr lang="en-US"/>
-              <a:t>2 </a:t>
-            </a:r>
-            <a:r>
-              <a:rPr lang="en-US" smtClean="0"/>
-              <a:t>directories, 6 </a:t>
+              <a:t>2 directories, 6 </a:t>
             </a:r>
             <a:r>
               <a:rPr lang="en-US" dirty="0"/>
@@ -13996,10 +13839,9 @@
           <a:lstStyle/>
           <a:p>
             <a:r>
-              <a:rPr lang="en-US" dirty="0" smtClean="0"/>
+              <a:rPr lang="en-US" dirty="0"/>
               <a:t>&gt; tree spec</a:t>
             </a:r>
-            <a:endParaRPr lang="en-US" dirty="0"/>
           </a:p>
         </p:txBody>
       </p:sp>
@@ -14043,10 +13885,9 @@
           <a:lstStyle/>
           <a:p>
             <a:r>
-              <a:rPr lang="en-US" dirty="0" smtClean="0"/>
+              <a:rPr lang="en-US" dirty="0"/>
               <a:t>View the Spec Directory</a:t>
             </a:r>
-            <a:endParaRPr lang="en-US" dirty="0"/>
           </a:p>
         </p:txBody>
       </p:sp>
@@ -14063,13 +13904,6 @@
   <p:transition spd="med">
     <p:fade/>
   </p:transition>
-  <p:timing>
-    <p:tnLst>
-      <p:par>
-        <p:cTn id="1" dur="indefinite" restart="never" nodeType="tmRoot"/>
-      </p:par>
-    </p:tnLst>
-  </p:timing>
 </p:sld>
 </file>
 
@@ -14106,10 +13940,9 @@
           <a:lstStyle/>
           <a:p>
             <a:r>
-              <a:rPr lang="en-US" dirty="0" smtClean="0"/>
+              <a:rPr lang="en-US" dirty="0"/>
               <a:t>View the Test for the Default Recipe</a:t>
             </a:r>
-            <a:endParaRPr lang="en-US" dirty="0"/>
           </a:p>
         </p:txBody>
       </p:sp>
@@ -14131,67 +13964,51 @@
           <a:lstStyle/>
           <a:p>
             <a:r>
-              <a:rPr lang="en-US" dirty="0" smtClean="0"/>
+              <a:rPr lang="en-US" dirty="0"/>
               <a:t>require '</a:t>
             </a:r>
             <a:r>
-              <a:rPr lang="en-US" dirty="0" err="1" smtClean="0"/>
+              <a:rPr lang="en-US" dirty="0" err="1"/>
               <a:t>spec_helper</a:t>
             </a:r>
             <a:r>
-              <a:rPr lang="en-US" dirty="0" smtClean="0"/>
+              <a:rPr lang="en-US" dirty="0"/>
               <a:t>'</a:t>
             </a:r>
           </a:p>
           <a:p>
-            <a:endParaRPr lang="en-US" dirty="0" smtClean="0"/>
-          </a:p>
-          <a:p>
-            <a:r>
-              <a:rPr lang="en-US" dirty="0" smtClean="0"/>
+            <a:endParaRPr lang="en-US" dirty="0"/>
+          </a:p>
+          <a:p>
+            <a:r>
+              <a:rPr lang="en-US" dirty="0"/>
               <a:t>describe 'apache::default' do</a:t>
             </a:r>
           </a:p>
           <a:p>
             <a:r>
-              <a:rPr lang="en-US" dirty="0" smtClean="0"/>
-              <a:t>  context 'When all attributes are default, on </a:t>
-            </a:r>
-            <a:r>
-              <a:rPr lang="en-US" dirty="0" smtClean="0"/>
-              <a:t>an Ubuntu 16.04</a:t>
-            </a:r>
-            <a:r>
-              <a:rPr lang="en-US" dirty="0" smtClean="0"/>
-              <a:t>' </a:t>
-            </a:r>
-            <a:r>
-              <a:rPr lang="en-US" dirty="0" smtClean="0"/>
-              <a:t>do</a:t>
-            </a:r>
-          </a:p>
-          <a:p>
-            <a:r>
-              <a:rPr lang="en-US" dirty="0" smtClean="0"/>
+              <a:rPr lang="en-US" dirty="0"/>
+              <a:t>  context 'When all attributes are default, on an Ubuntu 16.04' do</a:t>
+            </a:r>
+          </a:p>
+          <a:p>
+            <a:r>
+              <a:rPr lang="en-US" dirty="0"/>
               <a:t>    let(:</a:t>
             </a:r>
             <a:r>
-              <a:rPr lang="en-US" dirty="0" err="1" smtClean="0"/>
+              <a:rPr lang="en-US" dirty="0" err="1"/>
               <a:t>chef_run</a:t>
             </a:r>
             <a:r>
-              <a:rPr lang="en-US" dirty="0" smtClean="0"/>
+              <a:rPr lang="en-US" dirty="0"/>
               <a:t>) do</a:t>
             </a:r>
           </a:p>
           <a:p>
             <a:r>
-              <a:rPr lang="en-US" dirty="0" smtClean="0"/>
-              <a:t>      </a:t>
-            </a:r>
-            <a:r>
-              <a:rPr lang="en-US" dirty="0"/>
-              <a:t>runner = </a:t>
+              <a:rPr lang="en-US" dirty="0"/>
+              <a:t>      runner = </a:t>
             </a:r>
             <a:r>
               <a:rPr lang="en-US" dirty="0" err="1"/>
@@ -14215,96 +14032,90 @@
             </a:r>
             <a:r>
               <a:rPr lang="en-US" dirty="0"/>
-              <a:t>',version: '16.04 </a:t>
-            </a:r>
-            <a:r>
-              <a:rPr lang="en-US" dirty="0" smtClean="0"/>
-              <a:t>')</a:t>
-            </a:r>
-            <a:endParaRPr lang="en-US" dirty="0" smtClean="0"/>
-          </a:p>
-          <a:p>
-            <a:r>
-              <a:rPr lang="en-US" dirty="0" smtClean="0"/>
+              <a:t>',version: '16.04 ')</a:t>
+            </a:r>
+          </a:p>
+          <a:p>
+            <a:r>
+              <a:rPr lang="en-US" dirty="0"/>
               <a:t>      </a:t>
             </a:r>
             <a:r>
-              <a:rPr lang="en-US" dirty="0" err="1" smtClean="0"/>
+              <a:rPr lang="en-US" dirty="0" err="1"/>
               <a:t>runner.converge</a:t>
             </a:r>
             <a:r>
-              <a:rPr lang="en-US" dirty="0" smtClean="0"/>
+              <a:rPr lang="en-US" dirty="0"/>
               <a:t>(</a:t>
             </a:r>
             <a:r>
-              <a:rPr lang="en-US" dirty="0" err="1" smtClean="0"/>
+              <a:rPr lang="en-US" dirty="0" err="1"/>
               <a:t>described_recipe</a:t>
             </a:r>
             <a:r>
-              <a:rPr lang="en-US" dirty="0" smtClean="0"/>
+              <a:rPr lang="en-US" dirty="0"/>
               <a:t>)</a:t>
             </a:r>
           </a:p>
           <a:p>
             <a:r>
-              <a:rPr lang="en-US" dirty="0" smtClean="0"/>
+              <a:rPr lang="en-US" dirty="0"/>
               <a:t>    end</a:t>
             </a:r>
           </a:p>
           <a:p>
-            <a:endParaRPr lang="en-US" dirty="0" smtClean="0"/>
-          </a:p>
-          <a:p>
-            <a:r>
-              <a:rPr lang="en-US" dirty="0" smtClean="0"/>
+            <a:endParaRPr lang="en-US" dirty="0"/>
+          </a:p>
+          <a:p>
+            <a:r>
+              <a:rPr lang="en-US" dirty="0"/>
               <a:t>    it 'converges successfully' do</a:t>
             </a:r>
           </a:p>
           <a:p>
             <a:r>
-              <a:rPr lang="en-US" dirty="0" smtClean="0"/>
+              <a:rPr lang="en-US" dirty="0"/>
               <a:t>      expect { </a:t>
             </a:r>
             <a:r>
-              <a:rPr lang="en-US" dirty="0" err="1" smtClean="0"/>
+              <a:rPr lang="en-US" dirty="0" err="1"/>
               <a:t>chef_run</a:t>
             </a:r>
             <a:r>
-              <a:rPr lang="en-US" dirty="0" smtClean="0"/>
+              <a:rPr lang="en-US" dirty="0"/>
               <a:t> }.</a:t>
             </a:r>
             <a:r>
-              <a:rPr lang="en-US" dirty="0" err="1" smtClean="0"/>
+              <a:rPr lang="en-US" dirty="0" err="1"/>
               <a:t>to_not</a:t>
             </a:r>
             <a:r>
-              <a:rPr lang="en-US" dirty="0" smtClean="0"/>
+              <a:rPr lang="en-US" dirty="0"/>
               <a:t> </a:t>
             </a:r>
             <a:r>
-              <a:rPr lang="en-US" dirty="0" err="1" smtClean="0"/>
+              <a:rPr lang="en-US" dirty="0" err="1"/>
               <a:t>raise_error</a:t>
             </a:r>
-            <a:endParaRPr lang="en-US" dirty="0" smtClean="0"/>
-          </a:p>
-          <a:p>
-            <a:r>
-              <a:rPr lang="en-US" dirty="0" smtClean="0"/>
+            <a:endParaRPr lang="en-US" dirty="0"/>
+          </a:p>
+          <a:p>
+            <a:r>
+              <a:rPr lang="en-US" dirty="0"/>
               <a:t>    end</a:t>
             </a:r>
           </a:p>
           <a:p>
             <a:r>
-              <a:rPr lang="en-US" dirty="0" smtClean="0"/>
+              <a:rPr lang="en-US" dirty="0"/>
               <a:t>  end</a:t>
             </a:r>
           </a:p>
           <a:p>
             <a:r>
-              <a:rPr lang="en-US" dirty="0" smtClean="0"/>
+              <a:rPr lang="en-US" dirty="0"/>
               <a:t>end</a:t>
             </a:r>
-            <a:endParaRPr lang="en-US" dirty="0"/>
           </a:p>
         </p:txBody>
       </p:sp>
@@ -14324,11 +14135,11 @@
           <a:lstStyle/>
           <a:p>
             <a:r>
-              <a:rPr lang="en-US" dirty="0" smtClean="0"/>
+              <a:rPr lang="en-US" dirty="0"/>
               <a:t>~/apache/spec/unit/recipes/</a:t>
             </a:r>
             <a:r>
-              <a:rPr lang="en-US" dirty="0" err="1" smtClean="0"/>
+              <a:rPr lang="en-US" dirty="0" err="1"/>
               <a:t>default_spec.rb</a:t>
             </a:r>
             <a:endParaRPr lang="en-US" dirty="0"/>
@@ -14348,13 +14159,6 @@
   <p:transition spd="med">
     <p:fade/>
   </p:transition>
-  <p:timing>
-    <p:tnLst>
-      <p:par>
-        <p:cTn id="1" dur="indefinite" restart="never" nodeType="tmRoot"/>
-      </p:par>
-    </p:tnLst>
-  </p:timing>
 </p:sld>
 </file>
 
@@ -14391,10 +14195,9 @@
           <a:lstStyle/>
           <a:p>
             <a:r>
-              <a:rPr lang="en-US" dirty="0" smtClean="0"/>
+              <a:rPr lang="en-US" dirty="0"/>
               <a:t>View the Test for the Default Recipe</a:t>
             </a:r>
-            <a:endParaRPr lang="en-US" dirty="0"/>
           </a:p>
         </p:txBody>
       </p:sp>
@@ -14416,63 +14219,51 @@
           <a:lstStyle/>
           <a:p>
             <a:r>
-              <a:rPr lang="en-US" dirty="0" smtClean="0"/>
+              <a:rPr lang="en-US" dirty="0"/>
               <a:t>require '</a:t>
             </a:r>
             <a:r>
-              <a:rPr lang="en-US" dirty="0" err="1" smtClean="0"/>
+              <a:rPr lang="en-US" dirty="0" err="1"/>
               <a:t>spec_helper</a:t>
             </a:r>
             <a:r>
-              <a:rPr lang="en-US" dirty="0" smtClean="0"/>
+              <a:rPr lang="en-US" dirty="0"/>
               <a:t>'</a:t>
             </a:r>
           </a:p>
           <a:p>
-            <a:endParaRPr lang="en-US" dirty="0" smtClean="0"/>
-          </a:p>
-          <a:p>
-            <a:r>
-              <a:rPr lang="en-US" dirty="0" smtClean="0"/>
+            <a:endParaRPr lang="en-US" dirty="0"/>
+          </a:p>
+          <a:p>
+            <a:r>
+              <a:rPr lang="en-US" dirty="0"/>
               <a:t>describe 'apache::default' do</a:t>
             </a:r>
           </a:p>
           <a:p>
             <a:r>
-              <a:rPr lang="en-US" dirty="0" smtClean="0"/>
-              <a:t>  context 'When all attributes are default, on an </a:t>
-            </a:r>
-            <a:r>
-              <a:rPr lang="en-US" dirty="0" smtClean="0"/>
-              <a:t>Ubuntu 16.04' </a:t>
-            </a:r>
-            <a:r>
-              <a:rPr lang="en-US" dirty="0" smtClean="0"/>
-              <a:t>do</a:t>
-            </a:r>
-          </a:p>
-          <a:p>
-            <a:r>
-              <a:rPr lang="en-US" dirty="0" smtClean="0"/>
+              <a:rPr lang="en-US" dirty="0"/>
+              <a:t>  context 'When all attributes are default, on an Ubuntu 16.04' do</a:t>
+            </a:r>
+          </a:p>
+          <a:p>
+            <a:r>
+              <a:rPr lang="en-US" dirty="0"/>
               <a:t>    let(:</a:t>
             </a:r>
             <a:r>
-              <a:rPr lang="en-US" dirty="0" err="1" smtClean="0"/>
+              <a:rPr lang="en-US" dirty="0" err="1"/>
               <a:t>chef_run</a:t>
             </a:r>
             <a:r>
-              <a:rPr lang="en-US" dirty="0" smtClean="0"/>
+              <a:rPr lang="en-US" dirty="0"/>
               <a:t>) do</a:t>
             </a:r>
           </a:p>
           <a:p>
             <a:r>
-              <a:rPr lang="en-US" dirty="0" smtClean="0"/>
-              <a:t>      </a:t>
-            </a:r>
-            <a:r>
-              <a:rPr lang="en-US" dirty="0"/>
-              <a:t>runner = </a:t>
+              <a:rPr lang="en-US" dirty="0"/>
+              <a:t>      runner = </a:t>
             </a:r>
             <a:r>
               <a:rPr lang="en-US" dirty="0" err="1"/>
@@ -14496,100 +14287,90 @@
             </a:r>
             <a:r>
               <a:rPr lang="en-US" dirty="0"/>
-              <a:t>',version: '16.04 </a:t>
-            </a:r>
-            <a:r>
-              <a:rPr lang="en-US" dirty="0" smtClean="0"/>
-              <a:t>')</a:t>
-            </a:r>
+              <a:t>',version: '16.04 ')</a:t>
+            </a:r>
+          </a:p>
+          <a:p>
+            <a:r>
+              <a:rPr lang="en-US" dirty="0"/>
+              <a:t>      </a:t>
+            </a:r>
+            <a:r>
+              <a:rPr lang="en-US" dirty="0" err="1"/>
+              <a:t>runner.converge</a:t>
+            </a:r>
+            <a:r>
+              <a:rPr lang="en-US" dirty="0"/>
+              <a:t>(</a:t>
+            </a:r>
+            <a:r>
+              <a:rPr lang="en-US" dirty="0" err="1"/>
+              <a:t>described_recipe</a:t>
+            </a:r>
+            <a:r>
+              <a:rPr lang="en-US" dirty="0"/>
+              <a:t>)</a:t>
+            </a:r>
+          </a:p>
+          <a:p>
+            <a:r>
+              <a:rPr lang="en-US" dirty="0"/>
+              <a:t>    end</a:t>
+            </a:r>
+          </a:p>
+          <a:p>
             <a:endParaRPr lang="en-US" dirty="0"/>
           </a:p>
           <a:p>
             <a:r>
-              <a:rPr lang="en-US" dirty="0" smtClean="0"/>
-              <a:t>      </a:t>
-            </a:r>
-            <a:r>
-              <a:rPr lang="en-US" dirty="0" err="1" smtClean="0"/>
-              <a:t>runner.converge</a:t>
-            </a:r>
-            <a:r>
-              <a:rPr lang="en-US" dirty="0" smtClean="0"/>
-              <a:t>(</a:t>
-            </a:r>
-            <a:r>
-              <a:rPr lang="en-US" dirty="0" err="1" smtClean="0"/>
-              <a:t>described_recipe</a:t>
-            </a:r>
-            <a:r>
-              <a:rPr lang="en-US" dirty="0" smtClean="0"/>
-              <a:t>)</a:t>
-            </a:r>
-          </a:p>
-          <a:p>
-            <a:r>
-              <a:rPr lang="en-US" dirty="0" smtClean="0"/>
-              <a:t>    </a:t>
-            </a:r>
-            <a:r>
-              <a:rPr lang="en-US" dirty="0" smtClean="0"/>
+              <a:rPr lang="en-US" dirty="0"/>
+              <a:t>    it 'converges successfully' do</a:t>
+            </a:r>
+          </a:p>
+          <a:p>
+            <a:r>
+              <a:rPr lang="en-US" dirty="0"/>
+              <a:t>      expect { </a:t>
+            </a:r>
+            <a:r>
+              <a:rPr lang="en-US" dirty="0" err="1"/>
+              <a:t>chef_run</a:t>
+            </a:r>
+            <a:r>
+              <a:rPr lang="en-US" dirty="0"/>
+              <a:t> }.</a:t>
+            </a:r>
+            <a:r>
+              <a:rPr lang="en-US" dirty="0" err="1"/>
+              <a:t>to_not</a:t>
+            </a:r>
+            <a:r>
+              <a:rPr lang="en-US" dirty="0"/>
+              <a:t> </a:t>
+            </a:r>
+            <a:r>
+              <a:rPr lang="en-US" dirty="0" err="1"/>
+              <a:t>raise_error</a:t>
+            </a:r>
+            <a:endParaRPr lang="en-US" dirty="0"/>
+          </a:p>
+          <a:p>
+            <a:r>
+              <a:rPr lang="en-US" dirty="0"/>
+              <a:t>    end</a:t>
+            </a:r>
+          </a:p>
+          <a:p>
+            <a:r>
+              <a:rPr lang="en-US" dirty="0"/>
+              <a:t>  end</a:t>
+            </a:r>
+          </a:p>
+          <a:p>
+            <a:r>
+              <a:rPr lang="en-US" dirty="0"/>
               <a:t>end</a:t>
             </a:r>
-          </a:p>
-          <a:p>
-            <a:endParaRPr lang="en-US" dirty="0" smtClean="0"/>
-          </a:p>
-          <a:p>
-            <a:r>
-              <a:rPr lang="en-US" dirty="0" smtClean="0"/>
-              <a:t>    it 'converges successfully' do</a:t>
-            </a:r>
-          </a:p>
-          <a:p>
-            <a:r>
-              <a:rPr lang="en-US" dirty="0" smtClean="0"/>
-              <a:t>      expect { </a:t>
-            </a:r>
-            <a:r>
-              <a:rPr lang="en-US" dirty="0" err="1" smtClean="0"/>
-              <a:t>chef_run</a:t>
-            </a:r>
-            <a:r>
-              <a:rPr lang="en-US" dirty="0" smtClean="0"/>
-              <a:t> }.</a:t>
-            </a:r>
-            <a:r>
-              <a:rPr lang="en-US" dirty="0" err="1" smtClean="0"/>
-              <a:t>to_not</a:t>
-            </a:r>
-            <a:r>
-              <a:rPr lang="en-US" dirty="0" smtClean="0"/>
-              <a:t> </a:t>
-            </a:r>
-            <a:r>
-              <a:rPr lang="en-US" dirty="0" err="1" smtClean="0"/>
-              <a:t>raise_error</a:t>
-            </a:r>
-            <a:endParaRPr lang="en-US" dirty="0" smtClean="0"/>
-          </a:p>
-          <a:p>
-            <a:r>
-              <a:rPr lang="en-US" dirty="0" smtClean="0"/>
-              <a:t>    end</a:t>
-            </a:r>
-          </a:p>
-          <a:p>
-            <a:r>
-              <a:rPr lang="en-US" dirty="0" smtClean="0"/>
-              <a:t>  end</a:t>
-            </a:r>
-          </a:p>
-          <a:p>
-            <a:r>
-              <a:rPr lang="en-US" dirty="0" smtClean="0"/>
-              <a:t>end</a:t>
-            </a:r>
-            <a:endParaRPr lang="en-US" dirty="0"/>
           </a:p>
         </p:txBody>
       </p:sp>
@@ -14609,11 +14390,11 @@
           <a:lstStyle/>
           <a:p>
             <a:r>
-              <a:rPr lang="en-US" dirty="0" smtClean="0"/>
+              <a:rPr lang="en-US" dirty="0"/>
               <a:t>~/apache/spec/unit/recipes/</a:t>
             </a:r>
             <a:r>
-              <a:rPr lang="en-US" dirty="0" err="1" smtClean="0"/>
+              <a:rPr lang="en-US" dirty="0" err="1"/>
               <a:t>default_spec.rb</a:t>
             </a:r>
             <a:endParaRPr lang="en-US" dirty="0"/>
@@ -14806,7 +14587,7 @@
           <a:p>
             <a:pPr algn="ctr"/>
             <a:r>
-              <a:rPr lang="en-US" dirty="0" smtClean="0">
+              <a:rPr lang="en-US" dirty="0">
                 <a:solidFill>
                   <a:schemeClr val="bg1"/>
                 </a:solidFill>
@@ -15161,7 +14942,7 @@
           <a:p>
             <a:pPr algn="ctr"/>
             <a:r>
-              <a:rPr lang="en-US" dirty="0" smtClean="0">
+              <a:rPr lang="en-US" dirty="0">
                 <a:solidFill>
                   <a:schemeClr val="bg1"/>
                 </a:solidFill>
@@ -15169,14 +14950,14 @@
               <a:t>cookbook name</a:t>
             </a:r>
             <a:r>
-              <a:rPr lang="en-US" smtClean="0">
+              <a:rPr lang="en-US">
                 <a:solidFill>
                   <a:schemeClr val="bg1"/>
                 </a:solidFill>
               </a:rPr>
               <a:t>::recipe name</a:t>
             </a:r>
-            <a:endParaRPr lang="en-US" dirty="0" smtClean="0">
+            <a:endParaRPr lang="en-US" dirty="0">
               <a:solidFill>
                 <a:schemeClr val="bg1"/>
               </a:solidFill>
@@ -15269,13 +15050,6 @@
   <p:transition spd="med">
     <p:fade/>
   </p:transition>
-  <p:timing>
-    <p:tnLst>
-      <p:par>
-        <p:cTn id="1" dur="indefinite" restart="never" nodeType="tmRoot"/>
-      </p:par>
-    </p:tnLst>
-  </p:timing>
 </p:sld>
 </file>
 
@@ -15312,10 +15086,9 @@
           <a:lstStyle/>
           <a:p>
             <a:r>
-              <a:rPr lang="en-US" dirty="0" smtClean="0"/>
+              <a:rPr lang="en-US" dirty="0"/>
               <a:t>View the Test for the Default Recipe</a:t>
             </a:r>
-            <a:endParaRPr lang="en-US" dirty="0"/>
           </a:p>
         </p:txBody>
       </p:sp>
@@ -15337,63 +15110,51 @@
           <a:lstStyle/>
           <a:p>
             <a:r>
-              <a:rPr lang="en-US" dirty="0" smtClean="0"/>
+              <a:rPr lang="en-US" dirty="0"/>
               <a:t>require '</a:t>
             </a:r>
             <a:r>
-              <a:rPr lang="en-US" dirty="0" err="1" smtClean="0"/>
+              <a:rPr lang="en-US" dirty="0" err="1"/>
               <a:t>spec_helper</a:t>
             </a:r>
             <a:r>
-              <a:rPr lang="en-US" dirty="0" smtClean="0"/>
+              <a:rPr lang="en-US" dirty="0"/>
               <a:t>'</a:t>
             </a:r>
           </a:p>
           <a:p>
-            <a:endParaRPr lang="en-US" dirty="0" smtClean="0"/>
-          </a:p>
-          <a:p>
-            <a:r>
-              <a:rPr lang="en-US" dirty="0" smtClean="0"/>
+            <a:endParaRPr lang="en-US" dirty="0"/>
+          </a:p>
+          <a:p>
+            <a:r>
+              <a:rPr lang="en-US" dirty="0"/>
               <a:t>describe 'apache::default' do</a:t>
             </a:r>
           </a:p>
           <a:p>
             <a:r>
-              <a:rPr lang="en-US" dirty="0" smtClean="0"/>
-              <a:t>  context 'When all attributes are default, on an </a:t>
-            </a:r>
-            <a:r>
-              <a:rPr lang="en-US" dirty="0" smtClean="0"/>
-              <a:t>Ubuntu 16.04' </a:t>
-            </a:r>
-            <a:r>
-              <a:rPr lang="en-US" dirty="0" smtClean="0"/>
-              <a:t>do</a:t>
-            </a:r>
-          </a:p>
-          <a:p>
-            <a:r>
-              <a:rPr lang="en-US" dirty="0" smtClean="0"/>
+              <a:rPr lang="en-US" dirty="0"/>
+              <a:t>  context 'When all attributes are default, on an Ubuntu 16.04' do</a:t>
+            </a:r>
+          </a:p>
+          <a:p>
+            <a:r>
+              <a:rPr lang="en-US" dirty="0"/>
               <a:t>    let(:</a:t>
             </a:r>
             <a:r>
-              <a:rPr lang="en-US" dirty="0" err="1" smtClean="0"/>
+              <a:rPr lang="en-US" dirty="0" err="1"/>
               <a:t>chef_run</a:t>
             </a:r>
             <a:r>
-              <a:rPr lang="en-US" dirty="0" smtClean="0"/>
+              <a:rPr lang="en-US" dirty="0"/>
               <a:t>) do</a:t>
             </a:r>
           </a:p>
           <a:p>
             <a:r>
-              <a:rPr lang="en-US" dirty="0" smtClean="0"/>
-              <a:t>      </a:t>
-            </a:r>
-            <a:r>
-              <a:rPr lang="en-US" dirty="0"/>
-              <a:t>runner = </a:t>
+              <a:rPr lang="en-US" dirty="0"/>
+              <a:t>      runner = </a:t>
             </a:r>
             <a:r>
               <a:rPr lang="en-US" dirty="0" err="1"/>
@@ -15417,96 +15178,90 @@
             </a:r>
             <a:r>
               <a:rPr lang="en-US" dirty="0"/>
-              <a:t>',version: '16.04 </a:t>
-            </a:r>
-            <a:r>
-              <a:rPr lang="en-US" dirty="0" smtClean="0"/>
-              <a:t>')</a:t>
-            </a:r>
-            <a:endParaRPr lang="en-US" dirty="0" smtClean="0"/>
-          </a:p>
-          <a:p>
-            <a:r>
-              <a:rPr lang="en-US" dirty="0" smtClean="0"/>
+              <a:t>',version: '16.04 ')</a:t>
+            </a:r>
+          </a:p>
+          <a:p>
+            <a:r>
+              <a:rPr lang="en-US" dirty="0"/>
               <a:t>      </a:t>
             </a:r>
             <a:r>
-              <a:rPr lang="en-US" dirty="0" err="1" smtClean="0"/>
+              <a:rPr lang="en-US" dirty="0" err="1"/>
               <a:t>runner.converge</a:t>
             </a:r>
             <a:r>
-              <a:rPr lang="en-US" dirty="0" smtClean="0"/>
+              <a:rPr lang="en-US" dirty="0"/>
               <a:t>(</a:t>
             </a:r>
             <a:r>
-              <a:rPr lang="en-US" dirty="0" err="1" smtClean="0"/>
+              <a:rPr lang="en-US" dirty="0" err="1"/>
               <a:t>described_recipe</a:t>
             </a:r>
             <a:r>
-              <a:rPr lang="en-US" dirty="0" smtClean="0"/>
+              <a:rPr lang="en-US" dirty="0"/>
               <a:t>)</a:t>
             </a:r>
           </a:p>
           <a:p>
             <a:r>
-              <a:rPr lang="en-US" dirty="0" smtClean="0"/>
+              <a:rPr lang="en-US" dirty="0"/>
               <a:t>    end</a:t>
             </a:r>
           </a:p>
           <a:p>
-            <a:endParaRPr lang="en-US" dirty="0" smtClean="0"/>
-          </a:p>
-          <a:p>
-            <a:r>
-              <a:rPr lang="en-US" dirty="0" smtClean="0"/>
+            <a:endParaRPr lang="en-US" dirty="0"/>
+          </a:p>
+          <a:p>
+            <a:r>
+              <a:rPr lang="en-US" dirty="0"/>
               <a:t>    it 'converges successfully' do</a:t>
             </a:r>
           </a:p>
           <a:p>
             <a:r>
-              <a:rPr lang="en-US" dirty="0" smtClean="0"/>
+              <a:rPr lang="en-US" dirty="0"/>
               <a:t>      expect { </a:t>
             </a:r>
             <a:r>
-              <a:rPr lang="en-US" dirty="0" err="1" smtClean="0"/>
+              <a:rPr lang="en-US" dirty="0" err="1"/>
               <a:t>chef_run</a:t>
             </a:r>
             <a:r>
-              <a:rPr lang="en-US" dirty="0" smtClean="0"/>
+              <a:rPr lang="en-US" dirty="0"/>
               <a:t> }.</a:t>
             </a:r>
             <a:r>
-              <a:rPr lang="en-US" dirty="0" err="1" smtClean="0"/>
+              <a:rPr lang="en-US" dirty="0" err="1"/>
               <a:t>to_not</a:t>
             </a:r>
             <a:r>
-              <a:rPr lang="en-US" dirty="0" smtClean="0"/>
+              <a:rPr lang="en-US" dirty="0"/>
               <a:t> </a:t>
             </a:r>
             <a:r>
-              <a:rPr lang="en-US" dirty="0" err="1" smtClean="0"/>
+              <a:rPr lang="en-US" dirty="0" err="1"/>
               <a:t>raise_error</a:t>
             </a:r>
-            <a:endParaRPr lang="en-US" dirty="0" smtClean="0"/>
-          </a:p>
-          <a:p>
-            <a:r>
-              <a:rPr lang="en-US" dirty="0" smtClean="0"/>
+            <a:endParaRPr lang="en-US" dirty="0"/>
+          </a:p>
+          <a:p>
+            <a:r>
+              <a:rPr lang="en-US" dirty="0"/>
               <a:t>    end</a:t>
             </a:r>
           </a:p>
           <a:p>
             <a:r>
-              <a:rPr lang="en-US" dirty="0" smtClean="0"/>
+              <a:rPr lang="en-US" dirty="0"/>
               <a:t>  end</a:t>
             </a:r>
           </a:p>
           <a:p>
             <a:r>
-              <a:rPr lang="en-US" dirty="0" smtClean="0"/>
+              <a:rPr lang="en-US" dirty="0"/>
               <a:t>end</a:t>
             </a:r>
-            <a:endParaRPr lang="en-US" dirty="0"/>
           </a:p>
         </p:txBody>
       </p:sp>
@@ -15526,11 +15281,11 @@
           <a:lstStyle/>
           <a:p>
             <a:r>
-              <a:rPr lang="en-US" dirty="0" smtClean="0"/>
+              <a:rPr lang="en-US" dirty="0"/>
               <a:t>~/apache/spec/unit/recipes/</a:t>
             </a:r>
             <a:r>
-              <a:rPr lang="en-US" dirty="0" err="1" smtClean="0"/>
+              <a:rPr lang="en-US" dirty="0" err="1"/>
               <a:t>default_spec.rb</a:t>
             </a:r>
             <a:endParaRPr lang="en-US" dirty="0"/>
@@ -15723,7 +15478,7 @@
           <a:p>
             <a:pPr algn="ctr"/>
             <a:r>
-              <a:rPr lang="en-US" sz="2800" dirty="0" smtClean="0">
+              <a:rPr lang="en-US" sz="2800" dirty="0">
                 <a:solidFill>
                   <a:schemeClr val="bg1"/>
                 </a:solidFill>
@@ -15919,7 +15674,7 @@
           <a:p>
             <a:pPr algn="ctr"/>
             <a:r>
-              <a:rPr lang="en-US" sz="2800" dirty="0" smtClean="0">
+              <a:rPr lang="en-US" sz="2800" dirty="0">
                 <a:solidFill>
                   <a:schemeClr val="bg1"/>
                 </a:solidFill>
@@ -16095,13 +15850,6 @@
   <p:transition spd="med">
     <p:fade/>
   </p:transition>
-  <p:timing>
-    <p:tnLst>
-      <p:par>
-        <p:cTn id="1" dur="indefinite" restart="never" nodeType="tmRoot"/>
-      </p:par>
-    </p:tnLst>
-  </p:timing>
 </p:sld>
 </file>
 
@@ -16138,10 +15886,9 @@
           <a:lstStyle/>
           <a:p>
             <a:r>
-              <a:rPr lang="en-US" dirty="0" smtClean="0"/>
+              <a:rPr lang="en-US" dirty="0"/>
               <a:t>View the Test for the Default Recipe</a:t>
             </a:r>
-            <a:endParaRPr lang="en-US" dirty="0"/>
           </a:p>
         </p:txBody>
       </p:sp>
@@ -16163,63 +15910,51 @@
           <a:lstStyle/>
           <a:p>
             <a:r>
-              <a:rPr lang="en-US" dirty="0" smtClean="0"/>
+              <a:rPr lang="en-US" dirty="0"/>
               <a:t>require '</a:t>
             </a:r>
             <a:r>
-              <a:rPr lang="en-US" dirty="0" err="1" smtClean="0"/>
+              <a:rPr lang="en-US" dirty="0" err="1"/>
               <a:t>spec_helper</a:t>
             </a:r>
             <a:r>
-              <a:rPr lang="en-US" dirty="0" smtClean="0"/>
+              <a:rPr lang="en-US" dirty="0"/>
               <a:t>'</a:t>
             </a:r>
           </a:p>
           <a:p>
-            <a:endParaRPr lang="en-US" dirty="0" smtClean="0"/>
-          </a:p>
-          <a:p>
-            <a:r>
-              <a:rPr lang="en-US" dirty="0" smtClean="0"/>
+            <a:endParaRPr lang="en-US" dirty="0"/>
+          </a:p>
+          <a:p>
+            <a:r>
+              <a:rPr lang="en-US" dirty="0"/>
               <a:t>describe 'apache::default' do</a:t>
             </a:r>
           </a:p>
           <a:p>
             <a:r>
-              <a:rPr lang="en-US" dirty="0" smtClean="0"/>
-              <a:t>  context 'When all attributes are default, on an </a:t>
-            </a:r>
-            <a:r>
-              <a:rPr lang="en-US" dirty="0" smtClean="0"/>
-              <a:t>Ubuntu 16.04' </a:t>
-            </a:r>
-            <a:r>
-              <a:rPr lang="en-US" dirty="0" smtClean="0"/>
-              <a:t>do</a:t>
-            </a:r>
-          </a:p>
-          <a:p>
-            <a:r>
-              <a:rPr lang="en-US" dirty="0" smtClean="0"/>
+              <a:rPr lang="en-US" dirty="0"/>
+              <a:t>  context 'When all attributes are default, on an Ubuntu 16.04' do</a:t>
+            </a:r>
+          </a:p>
+          <a:p>
+            <a:r>
+              <a:rPr lang="en-US" dirty="0"/>
               <a:t>    let(:</a:t>
             </a:r>
             <a:r>
-              <a:rPr lang="en-US" dirty="0" err="1" smtClean="0"/>
+              <a:rPr lang="en-US" dirty="0" err="1"/>
               <a:t>chef_run</a:t>
             </a:r>
             <a:r>
-              <a:rPr lang="en-US" dirty="0" smtClean="0"/>
+              <a:rPr lang="en-US" dirty="0"/>
               <a:t>) do</a:t>
             </a:r>
           </a:p>
           <a:p>
             <a:r>
-              <a:rPr lang="en-US" dirty="0" smtClean="0"/>
-              <a:t>      </a:t>
-            </a:r>
-            <a:r>
-              <a:rPr lang="en-US" dirty="0"/>
-              <a:t>runner = </a:t>
+              <a:rPr lang="en-US" dirty="0"/>
+              <a:t>      runner = </a:t>
             </a:r>
             <a:r>
               <a:rPr lang="en-US" dirty="0" err="1"/>
@@ -16243,96 +15978,90 @@
             </a:r>
             <a:r>
               <a:rPr lang="en-US" dirty="0"/>
-              <a:t>',version: '16.04 </a:t>
-            </a:r>
-            <a:r>
-              <a:rPr lang="en-US" dirty="0" smtClean="0"/>
-              <a:t>')</a:t>
-            </a:r>
-            <a:endParaRPr lang="en-US" dirty="0" smtClean="0"/>
-          </a:p>
-          <a:p>
-            <a:r>
-              <a:rPr lang="en-US" dirty="0" smtClean="0"/>
+              <a:t>',version: '16.04 ')</a:t>
+            </a:r>
+          </a:p>
+          <a:p>
+            <a:r>
+              <a:rPr lang="en-US" dirty="0"/>
               <a:t>      </a:t>
             </a:r>
             <a:r>
-              <a:rPr lang="en-US" dirty="0" err="1" smtClean="0"/>
+              <a:rPr lang="en-US" dirty="0" err="1"/>
               <a:t>runner.converge</a:t>
             </a:r>
             <a:r>
-              <a:rPr lang="en-US" dirty="0" smtClean="0"/>
+              <a:rPr lang="en-US" dirty="0"/>
               <a:t>(</a:t>
             </a:r>
             <a:r>
-              <a:rPr lang="en-US" dirty="0" err="1" smtClean="0"/>
+              <a:rPr lang="en-US" dirty="0" err="1"/>
               <a:t>described_recipe</a:t>
             </a:r>
             <a:r>
-              <a:rPr lang="en-US" dirty="0" smtClean="0"/>
+              <a:rPr lang="en-US" dirty="0"/>
               <a:t>)</a:t>
             </a:r>
           </a:p>
           <a:p>
             <a:r>
-              <a:rPr lang="en-US" dirty="0" smtClean="0"/>
+              <a:rPr lang="en-US" dirty="0"/>
               <a:t>    end</a:t>
             </a:r>
           </a:p>
           <a:p>
-            <a:endParaRPr lang="en-US" dirty="0" smtClean="0"/>
-          </a:p>
-          <a:p>
-            <a:r>
-              <a:rPr lang="en-US" dirty="0" smtClean="0"/>
+            <a:endParaRPr lang="en-US" dirty="0"/>
+          </a:p>
+          <a:p>
+            <a:r>
+              <a:rPr lang="en-US" dirty="0"/>
               <a:t>    it 'converges successfully' do</a:t>
             </a:r>
           </a:p>
           <a:p>
             <a:r>
-              <a:rPr lang="en-US" dirty="0" smtClean="0"/>
+              <a:rPr lang="en-US" dirty="0"/>
               <a:t>      expect { </a:t>
             </a:r>
             <a:r>
-              <a:rPr lang="en-US" dirty="0" err="1" smtClean="0"/>
+              <a:rPr lang="en-US" dirty="0" err="1"/>
               <a:t>chef_run</a:t>
             </a:r>
             <a:r>
-              <a:rPr lang="en-US" dirty="0" smtClean="0"/>
+              <a:rPr lang="en-US" dirty="0"/>
               <a:t> }.</a:t>
             </a:r>
             <a:r>
-              <a:rPr lang="en-US" dirty="0" err="1" smtClean="0"/>
+              <a:rPr lang="en-US" dirty="0" err="1"/>
               <a:t>to_not</a:t>
             </a:r>
             <a:r>
-              <a:rPr lang="en-US" dirty="0" smtClean="0"/>
+              <a:rPr lang="en-US" dirty="0"/>
               <a:t> </a:t>
             </a:r>
             <a:r>
-              <a:rPr lang="en-US" dirty="0" err="1" smtClean="0"/>
+              <a:rPr lang="en-US" dirty="0" err="1"/>
               <a:t>raise_error</a:t>
             </a:r>
-            <a:endParaRPr lang="en-US" dirty="0" smtClean="0"/>
-          </a:p>
-          <a:p>
-            <a:r>
-              <a:rPr lang="en-US" dirty="0" smtClean="0"/>
+            <a:endParaRPr lang="en-US" dirty="0"/>
+          </a:p>
+          <a:p>
+            <a:r>
+              <a:rPr lang="en-US" dirty="0"/>
               <a:t>    end</a:t>
             </a:r>
           </a:p>
           <a:p>
             <a:r>
-              <a:rPr lang="en-US" dirty="0" smtClean="0"/>
+              <a:rPr lang="en-US" dirty="0"/>
               <a:t>  end</a:t>
             </a:r>
           </a:p>
           <a:p>
             <a:r>
-              <a:rPr lang="en-US" dirty="0" smtClean="0"/>
+              <a:rPr lang="en-US" dirty="0"/>
               <a:t>end</a:t>
             </a:r>
-            <a:endParaRPr lang="en-US" dirty="0"/>
           </a:p>
         </p:txBody>
       </p:sp>
@@ -16352,11 +16081,11 @@
           <a:lstStyle/>
           <a:p>
             <a:r>
-              <a:rPr lang="en-US" dirty="0" smtClean="0"/>
+              <a:rPr lang="en-US" dirty="0"/>
               <a:t>~/apache/spec/unit/recipes/</a:t>
             </a:r>
             <a:r>
-              <a:rPr lang="en-US" dirty="0" err="1" smtClean="0"/>
+              <a:rPr lang="en-US" dirty="0" err="1"/>
               <a:t>default_spec.rb</a:t>
             </a:r>
             <a:endParaRPr lang="en-US" dirty="0"/>
@@ -16549,7 +16278,7 @@
           <a:p>
             <a:pPr algn="ctr"/>
             <a:r>
-              <a:rPr lang="en-US" sz="2800" dirty="0" smtClean="0">
+              <a:rPr lang="en-US" sz="2800" dirty="0">
                 <a:solidFill>
                   <a:schemeClr val="bg1"/>
                 </a:solidFill>
@@ -16745,7 +16474,7 @@
           <a:p>
             <a:pPr algn="ctr"/>
             <a:r>
-              <a:rPr lang="en-US" sz="2800" dirty="0" smtClean="0">
+              <a:rPr lang="en-US" sz="2800" dirty="0">
                 <a:solidFill>
                   <a:schemeClr val="bg1"/>
                 </a:solidFill>
@@ -17301,7 +17030,7 @@
           <a:p>
             <a:pPr algn="ctr"/>
             <a:r>
-              <a:rPr lang="en-US" sz="2800" dirty="0" err="1" smtClean="0">
+              <a:rPr lang="en-US" sz="2800" dirty="0" err="1">
                 <a:solidFill>
                   <a:schemeClr val="bg1"/>
                 </a:solidFill>
@@ -17309,7 +17038,7 @@
               <a:t>chef_run</a:t>
             </a:r>
             <a:r>
-              <a:rPr lang="en-US" sz="2800" dirty="0" smtClean="0">
+              <a:rPr lang="en-US" sz="2800" dirty="0">
                 <a:solidFill>
                   <a:schemeClr val="bg1"/>
                 </a:solidFill>
@@ -17332,13 +17061,6 @@
   <p:transition spd="med">
     <p:fade/>
   </p:transition>
-  <p:timing>
-    <p:tnLst>
-      <p:par>
-        <p:cTn id="1" dur="indefinite" restart="never" nodeType="tmRoot"/>
-      </p:par>
-    </p:tnLst>
-  </p:timing>
 </p:sld>
 </file>
 
@@ -17471,10 +17193,9 @@
           <a:lstStyle/>
           <a:p>
             <a:r>
-              <a:rPr lang="en-US" dirty="0" smtClean="0"/>
+              <a:rPr lang="en-US" dirty="0"/>
               <a:t>Execute the Test for the Default Recipe</a:t>
             </a:r>
-            <a:endParaRPr lang="en-US" dirty="0"/>
           </a:p>
         </p:txBody>
       </p:sp>
@@ -17664,7 +17385,7 @@
           <a:p>
             <a:pPr algn="ctr"/>
             <a:r>
-              <a:rPr lang="en-US" sz="2800" dirty="0" smtClean="0">
+              <a:rPr lang="en-US" sz="2800" dirty="0">
                 <a:solidFill>
                   <a:schemeClr val="bg1"/>
                 </a:solidFill>
@@ -17759,13 +17480,6 @@
   <p:transition spd="med">
     <p:fade/>
   </p:transition>
-  <p:timing>
-    <p:tnLst>
-      <p:par>
-        <p:cTn id="1" dur="indefinite" restart="never" nodeType="tmRoot"/>
-      </p:par>
-    </p:tnLst>
-  </p:timing>
 </p:sld>
 </file>
 
@@ -17827,13 +17541,8 @@
           <a:p>
             <a:r>
               <a:rPr lang="en-US" dirty="0"/>
-              <a:t>The faster the feedback from our tests, the more likely we are to run them. The more likely we are to run them means they will catch more issues</a:t>
-            </a:r>
-            <a:r>
-              <a:rPr lang="en-US" dirty="0" smtClean="0"/>
-              <a:t>.</a:t>
-            </a:r>
-            <a:endParaRPr lang="en-US" dirty="0"/>
+              <a:t>The faster the feedback from our tests, the more likely we are to run them. The more likely we are to run them means they will catch more issues.</a:t>
+            </a:r>
           </a:p>
         </p:txBody>
       </p:sp>
@@ -17857,7 +17566,7 @@
               <a:buChar char="ü"/>
             </a:pPr>
             <a:r>
-              <a:rPr lang="en-US" dirty="0" smtClean="0"/>
+              <a:rPr lang="en-US" dirty="0"/>
               <a:t>Review and run the existing tests</a:t>
             </a:r>
           </a:p>
@@ -17867,7 +17576,7 @@
               <a:buChar char="q"/>
             </a:pPr>
             <a:r>
-              <a:rPr lang="en-US" dirty="0" smtClean="0"/>
+              <a:rPr lang="en-US" dirty="0"/>
               <a:t>Identify the tests that we need to write</a:t>
             </a:r>
           </a:p>
@@ -17877,7 +17586,7 @@
               <a:buChar char="q"/>
             </a:pPr>
             <a:r>
-              <a:rPr lang="en-US" dirty="0" smtClean="0"/>
+              <a:rPr lang="en-US" dirty="0"/>
               <a:t>Write and execute the tests to identify the failure</a:t>
             </a:r>
           </a:p>
@@ -17887,18 +17596,18 @@
               <a:buChar char="q"/>
             </a:pPr>
             <a:r>
-              <a:rPr lang="en-US" dirty="0" smtClean="0"/>
+              <a:rPr lang="en-US" dirty="0"/>
               <a:t>Fix the code and execute the tests to see success</a:t>
             </a:r>
           </a:p>
           <a:p>
-            <a:endParaRPr lang="en-US" dirty="0" smtClean="0"/>
-          </a:p>
-          <a:p>
-            <a:endParaRPr lang="en-US" dirty="0" smtClean="0"/>
-          </a:p>
-          <a:p>
-            <a:endParaRPr lang="en-US" dirty="0" smtClean="0"/>
+            <a:endParaRPr lang="en-US" dirty="0"/>
+          </a:p>
+          <a:p>
+            <a:endParaRPr lang="en-US" dirty="0"/>
+          </a:p>
+          <a:p>
+            <a:endParaRPr lang="en-US" dirty="0"/>
           </a:p>
         </p:txBody>
       </p:sp>
@@ -17915,13 +17624,6 @@
   <p:transition spd="med">
     <p:fade/>
   </p:transition>
-  <p:timing>
-    <p:tnLst>
-      <p:par>
-        <p:cTn id="1" dur="indefinite" restart="never" nodeType="tmRoot"/>
-      </p:par>
-    </p:tnLst>
-  </p:timing>
 </p:sld>
 </file>
 
@@ -17960,18 +17662,17 @@
           <a:lstStyle/>
           <a:p>
             <a:r>
-              <a:rPr lang="en-US" dirty="0" smtClean="0"/>
+              <a:rPr lang="en-US" dirty="0"/>
               <a:t>These are </a:t>
             </a:r>
             <a:r>
-              <a:rPr lang="en-US" smtClean="0"/>
+              <a:rPr lang="en-US"/>
               <a:t>the Three Things </a:t>
             </a:r>
             <a:r>
-              <a:rPr lang="en-US" dirty="0" smtClean="0"/>
+              <a:rPr lang="en-US" dirty="0"/>
               <a:t>to Test</a:t>
             </a:r>
-            <a:endParaRPr lang="en-US" dirty="0"/>
           </a:p>
         </p:txBody>
       </p:sp>
@@ -18000,13 +17701,8 @@
           <a:p>
             <a:r>
               <a:rPr lang="en-US" dirty="0"/>
-              <a:t># Cookbook Name:: </a:t>
-            </a:r>
-            <a:r>
-              <a:rPr lang="en-US" dirty="0" smtClean="0"/>
-              <a:t>apache</a:t>
-            </a:r>
-            <a:endParaRPr lang="en-US" dirty="0"/>
+              <a:t># Cookbook Name:: apache</a:t>
+            </a:r>
           </a:p>
           <a:p>
             <a:r>
@@ -18026,16 +17722,12 @@
               <a:t># Copyright (c) </a:t>
             </a:r>
             <a:r>
-              <a:rPr lang="is-IS" dirty="0" smtClean="0"/>
+              <a:rPr lang="is-IS" dirty="0"/>
               <a:t>2017</a:t>
             </a:r>
             <a:r>
-              <a:rPr lang="en-US" dirty="0" smtClean="0"/>
-              <a:t> </a:t>
-            </a:r>
-            <a:r>
-              <a:rPr lang="en-US" dirty="0"/>
-              <a:t>The Authors, All Rights Reserved.</a:t>
+              <a:rPr lang="en-US" dirty="0"/>
+              <a:t> The Authors, All Rights Reserved.</a:t>
             </a:r>
           </a:p>
           <a:p>
@@ -18049,45 +17741,28 @@
             </a:r>
             <a:r>
               <a:rPr lang="en-US" dirty="0"/>
-              <a:t> </a:t>
-            </a:r>
-            <a:r>
-              <a:rPr lang="en-US" dirty="0" smtClean="0"/>
-              <a:t>'apache::</a:t>
-            </a:r>
-            <a:r>
-              <a:rPr lang="en-US" dirty="0"/>
-              <a:t>install'</a:t>
-            </a:r>
-          </a:p>
-          <a:p>
-            <a:r>
-              <a:rPr lang="en-US" dirty="0" err="1" smtClean="0"/>
+              <a:t> 'apache::install'</a:t>
+            </a:r>
+          </a:p>
+          <a:p>
+            <a:r>
+              <a:rPr lang="en-US" dirty="0" err="1"/>
               <a:t>include_recipe</a:t>
             </a:r>
             <a:r>
-              <a:rPr lang="en-US" dirty="0" smtClean="0"/>
+              <a:rPr lang="en-US" dirty="0"/>
               <a:t> 'apache::configuration'</a:t>
             </a:r>
           </a:p>
           <a:p>
             <a:r>
-              <a:rPr lang="en-US" dirty="0" err="1" smtClean="0"/>
+              <a:rPr lang="en-US" dirty="0" err="1"/>
               <a:t>include_recipe</a:t>
             </a:r>
             <a:r>
-              <a:rPr lang="en-US" dirty="0" smtClean="0"/>
-              <a:t> 'apache::</a:t>
-            </a:r>
-            <a:r>
-              <a:rPr lang="en-US" dirty="0"/>
-              <a:t>service</a:t>
-            </a:r>
-            <a:r>
-              <a:rPr lang="en-US" dirty="0" smtClean="0"/>
-              <a:t>'</a:t>
-            </a:r>
-            <a:endParaRPr lang="en-US" dirty="0"/>
+              <a:rPr lang="en-US" dirty="0"/>
+              <a:t> 'apache::service'</a:t>
+            </a:r>
           </a:p>
           <a:p>
             <a:endParaRPr lang="en-US" dirty="0"/>
@@ -18110,11 +17785,11 @@
           <a:lstStyle/>
           <a:p>
             <a:r>
-              <a:rPr lang="en-US" dirty="0" smtClean="0"/>
+              <a:rPr lang="en-US" dirty="0"/>
               <a:t>~/apache/recipes/</a:t>
             </a:r>
             <a:r>
-              <a:rPr lang="en-US" dirty="0" err="1" smtClean="0"/>
+              <a:rPr lang="en-US" dirty="0" err="1"/>
               <a:t>default.rb</a:t>
             </a:r>
             <a:endParaRPr lang="en-US" dirty="0"/>
@@ -18170,7 +17845,7 @@
           <a:lstStyle/>
           <a:p>
             <a:pPr algn="ctr" defTabSz="914099"/>
-            <a:endParaRPr lang="en-US" sz="2400" dirty="0" err="1" smtClean="0">
+            <a:endParaRPr lang="en-US" sz="2400" dirty="0" err="1">
               <a:gradFill>
                 <a:gsLst>
                   <a:gs pos="0">
@@ -18199,13 +17874,6 @@
   <p:transition spd="med">
     <p:fade/>
   </p:transition>
-  <p:timing>
-    <p:tnLst>
-      <p:par>
-        <p:cTn id="1" dur="indefinite" restart="never" nodeType="tmRoot"/>
-      </p:par>
-    </p:tnLst>
-  </p:timing>
 </p:sld>
 </file>
 
@@ -18242,18 +17910,17 @@
           <a:lstStyle/>
           <a:p>
             <a:r>
-              <a:rPr lang="en-US" dirty="0" smtClean="0"/>
+              <a:rPr lang="en-US" dirty="0"/>
               <a:t>Update the </a:t>
             </a:r>
             <a:r>
-              <a:rPr lang="en-US" dirty="0" err="1" smtClean="0"/>
+              <a:rPr lang="en-US" dirty="0" err="1"/>
               <a:t>ChefSpec</a:t>
             </a:r>
             <a:r>
-              <a:rPr lang="en-US" dirty="0" smtClean="0"/>
+              <a:rPr lang="en-US" dirty="0"/>
               <a:t> Platform</a:t>
             </a:r>
-            <a:endParaRPr lang="en-US" dirty="0"/>
           </a:p>
         </p:txBody>
       </p:sp>
@@ -18293,33 +17960,13 @@
           <a:p>
             <a:r>
               <a:rPr lang="en-US" dirty="0"/>
-              <a:t>describe </a:t>
-            </a:r>
-            <a:r>
-              <a:rPr lang="en-US"/>
-              <a:t>'apache</a:t>
-            </a:r>
-            <a:r>
-              <a:rPr lang="en-US" smtClean="0"/>
-              <a:t>::default' </a:t>
-            </a:r>
-            <a:r>
-              <a:rPr lang="en-US" dirty="0"/>
-              <a:t>do</a:t>
-            </a:r>
-          </a:p>
-          <a:p>
-            <a:r>
-              <a:rPr lang="en-US" dirty="0"/>
-              <a:t>  context 'When all attributes are default, on an </a:t>
-            </a:r>
-            <a:r>
-              <a:rPr lang="en-US" dirty="0" smtClean="0"/>
-              <a:t>CentOS 6.7' </a:t>
-            </a:r>
-            <a:r>
-              <a:rPr lang="en-US" dirty="0"/>
-              <a:t>do</a:t>
+              <a:t>describe 'apache::default' do</a:t>
+            </a:r>
+          </a:p>
+          <a:p>
+            <a:r>
+              <a:rPr lang="en-US" dirty="0"/>
+              <a:t>  context 'When all attributes are default, on an CentOS 6.9' do</a:t>
             </a:r>
           </a:p>
           <a:p>
@@ -18355,21 +18002,8 @@
             </a:r>
             <a:r>
               <a:rPr lang="en-US" dirty="0"/>
-              <a:t>(platform: </a:t>
-            </a:r>
-            <a:r>
-              <a:rPr lang="en-US" dirty="0" smtClean="0"/>
-              <a:t>'centos', </a:t>
-            </a:r>
-            <a:r>
-              <a:rPr lang="en-US" dirty="0"/>
-              <a:t>version: </a:t>
-            </a:r>
-            <a:r>
-              <a:rPr lang="en-US" dirty="0" smtClean="0"/>
-              <a:t>'6.7')</a:t>
-            </a:r>
-            <a:endParaRPr lang="en-US" dirty="0"/>
+              <a:t>(platform: 'centos', version: '6.9')</a:t>
+            </a:r>
           </a:p>
           <a:p>
             <a:r>
@@ -18471,15 +18105,11 @@
           <a:lstStyle/>
           <a:p>
             <a:r>
-              <a:rPr lang="en-US" dirty="0" smtClean="0"/>
-              <a:t>~/</a:t>
-            </a:r>
-            <a:r>
-              <a:rPr lang="en-US" dirty="0" smtClean="0"/>
-              <a:t>apache/spec/unit/recipes/</a:t>
-            </a:r>
-            <a:r>
-              <a:rPr lang="en-US" dirty="0" err="1" smtClean="0"/>
+              <a:rPr lang="en-US" dirty="0"/>
+              <a:t>~/apache/spec/unit/recipes/</a:t>
+            </a:r>
+            <a:r>
+              <a:rPr lang="en-US" dirty="0" err="1"/>
               <a:t>default_spec.rb</a:t>
             </a:r>
             <a:endParaRPr lang="en-US" dirty="0"/>
@@ -18507,10 +18137,9 @@
           <a:lstStyle/>
           <a:p>
             <a:r>
-              <a:rPr lang="en-US" dirty="0" smtClean="0"/>
+              <a:rPr lang="en-US" dirty="0"/>
               <a:t>+</a:t>
             </a:r>
-            <a:endParaRPr lang="en-US" dirty="0"/>
           </a:p>
         </p:txBody>
       </p:sp>
@@ -18535,10 +18164,9 @@
           <a:lstStyle/>
           <a:p>
             <a:r>
-              <a:rPr lang="en-US" dirty="0" smtClean="0"/>
+              <a:rPr lang="en-US" dirty="0"/>
               <a:t>+</a:t>
             </a:r>
-            <a:endParaRPr lang="en-US" dirty="0"/>
           </a:p>
         </p:txBody>
       </p:sp>
@@ -18555,13 +18183,6 @@
   <p:transition spd="med">
     <p:fade/>
   </p:transition>
-  <p:timing>
-    <p:tnLst>
-      <p:par>
-        <p:cTn id="1" dur="indefinite" restart="never" nodeType="tmRoot"/>
-      </p:par>
-    </p:tnLst>
-  </p:timing>
 </p:sld>
 </file>
 
@@ -18598,10 +18219,9 @@
           <a:lstStyle/>
           <a:p>
             <a:r>
-              <a:rPr lang="en-US" dirty="0" smtClean="0"/>
+              <a:rPr lang="en-US" dirty="0"/>
               <a:t>Create a Pending Test</a:t>
             </a:r>
-            <a:endParaRPr lang="en-US" dirty="0"/>
           </a:p>
         </p:txBody>
       </p:sp>
@@ -18623,10 +18243,9 @@
           <a:lstStyle/>
           <a:p>
             <a:r>
-              <a:rPr lang="en-US" dirty="0" smtClean="0"/>
+              <a:rPr lang="en-US" dirty="0"/>
               <a:t>    # ... START OF THE SPEC FILE ...</a:t>
             </a:r>
-            <a:endParaRPr lang="en-US" dirty="0"/>
           </a:p>
           <a:p>
             <a:r>
@@ -18664,38 +18283,29 @@
           <a:p>
             <a:r>
               <a:rPr lang="en-US" dirty="0"/>
-              <a:t>    </a:t>
-            </a:r>
-            <a:r>
-              <a:rPr lang="en-US" dirty="0" smtClean="0"/>
-              <a:t>end</a:t>
-            </a:r>
-          </a:p>
-          <a:p>
-            <a:endParaRPr lang="en-US" dirty="0" smtClean="0"/>
-          </a:p>
-          <a:p>
-            <a:r>
-              <a:rPr lang="en-US" dirty="0" smtClean="0"/>
+              <a:t>    end</a:t>
+            </a:r>
+          </a:p>
+          <a:p>
+            <a:endParaRPr lang="en-US" dirty="0"/>
+          </a:p>
+          <a:p>
+            <a:r>
+              <a:rPr lang="en-US" dirty="0"/>
               <a:t>    it 'includes the install recipe'</a:t>
             </a:r>
           </a:p>
           <a:p>
             <a:r>
-              <a:rPr lang="en-US" dirty="0" smtClean="0"/>
+              <a:rPr lang="en-US" dirty="0"/>
               <a:t>  </a:t>
             </a:r>
           </a:p>
           <a:p>
             <a:r>
               <a:rPr lang="en-US" dirty="0"/>
-              <a:t> </a:t>
-            </a:r>
-            <a:r>
-              <a:rPr lang="en-US" dirty="0" smtClean="0"/>
-              <a:t> end</a:t>
-            </a:r>
-            <a:endParaRPr lang="en-US" dirty="0"/>
+              <a:t>  end</a:t>
+            </a:r>
           </a:p>
           <a:p>
             <a:r>
@@ -18721,11 +18331,11 @@
           <a:lstStyle/>
           <a:p>
             <a:r>
-              <a:rPr lang="en-US" dirty="0" smtClean="0"/>
+              <a:rPr lang="en-US" dirty="0"/>
               <a:t>~/apache/spec/unit/recipes/</a:t>
             </a:r>
             <a:r>
-              <a:rPr lang="en-US" dirty="0" err="1" smtClean="0"/>
+              <a:rPr lang="en-US" dirty="0" err="1"/>
               <a:t>default_spec.rb</a:t>
             </a:r>
             <a:endParaRPr lang="en-US" dirty="0"/>
@@ -18769,13 +18379,6 @@
   <p:transition spd="med">
     <p:fade/>
   </p:transition>
-  <p:timing>
-    <p:tnLst>
-      <p:par>
-        <p:cTn id="1" dur="indefinite" restart="never" nodeType="tmRoot"/>
-      </p:par>
-    </p:tnLst>
-  </p:timing>
 </p:sld>
 </file>
 
@@ -18814,10 +18417,9 @@
           <a:lstStyle/>
           <a:p>
             <a:r>
-              <a:rPr lang="en-US" dirty="0" smtClean="0"/>
+              <a:rPr lang="en-US" dirty="0"/>
               <a:t>Slower Feedback Cycle</a:t>
             </a:r>
-            <a:endParaRPr lang="en-US" dirty="0"/>
           </a:p>
         </p:txBody>
       </p:sp>
@@ -18837,10 +18439,9 @@
           <a:lstStyle/>
           <a:p>
             <a:r>
-              <a:rPr lang="en-US" dirty="0" smtClean="0"/>
+              <a:rPr lang="en-US" dirty="0"/>
               <a:t>The slower the feedback loop the less value it provides to you while developing your cookbooks. You are less inclined to run the test suite. Which means you will likely miss issues as they happen.</a:t>
             </a:r>
-            <a:endParaRPr lang="en-US" dirty="0"/>
           </a:p>
         </p:txBody>
       </p:sp>
@@ -18857,13 +18458,6 @@
   <p:transition spd="med">
     <p:fade/>
   </p:transition>
-  <p:timing>
-    <p:tnLst>
-      <p:par>
-        <p:cTn id="1" dur="indefinite" restart="never" nodeType="tmRoot"/>
-      </p:par>
-    </p:tnLst>
-  </p:timing>
 </p:sld>
 </file>
 
@@ -18900,18 +18494,38 @@
           <a:lstStyle/>
           <a:p>
             <a:r>
-              <a:rPr lang="en-US" dirty="0" smtClean="0"/>
+              <a:rPr lang="en-US" dirty="0"/>
               <a:t>.*</a:t>
             </a:r>
+          </a:p>
+          <a:p>
             <a:endParaRPr lang="en-US" dirty="0"/>
           </a:p>
           <a:p>
+            <a:r>
+              <a:rPr lang="en-US" dirty="0"/>
+              <a:t>Pending: (Failures listed here are expected and do not affect your suite's status)</a:t>
+            </a:r>
+          </a:p>
+          <a:p>
             <a:endParaRPr lang="en-US" dirty="0"/>
           </a:p>
           <a:p>
             <a:r>
               <a:rPr lang="en-US" dirty="0"/>
-              <a:t>Pending: (Failures listed here are expected and do not affect your suite's status)</a:t>
+              <a:t>  1) apache::default When all attributes are default, on an CentOS 6.9 includes the install recipe</a:t>
+            </a:r>
+          </a:p>
+          <a:p>
+            <a:r>
+              <a:rPr lang="en-US" dirty="0"/>
+              <a:t>     # Not yet implemented</a:t>
+            </a:r>
+          </a:p>
+          <a:p>
+            <a:r>
+              <a:rPr lang="en-US" dirty="0"/>
+              <a:t>     # ./spec/unit/recipes/default_spec.rb:20</a:t>
             </a:r>
           </a:p>
           <a:p>
@@ -18919,71 +18533,9 @@
           </a:p>
           <a:p>
             <a:r>
-              <a:rPr lang="en-US" dirty="0" smtClean="0"/>
-              <a:t>  1</a:t>
-            </a:r>
-            <a:r>
-              <a:rPr lang="en-US" dirty="0"/>
-              <a:t>) </a:t>
-            </a:r>
-            <a:r>
-              <a:rPr lang="en-US" dirty="0" smtClean="0"/>
-              <a:t>apache::</a:t>
-            </a:r>
-            <a:r>
-              <a:rPr lang="en-US" dirty="0"/>
-              <a:t>default When all attributes are default, on </a:t>
-            </a:r>
-            <a:r>
-              <a:rPr lang="en-US" dirty="0" smtClean="0"/>
-              <a:t>an CentOS 6.7 </a:t>
-            </a:r>
-            <a:r>
-              <a:rPr lang="en-US" dirty="0"/>
-              <a:t>includes the install recipe</a:t>
-            </a:r>
-          </a:p>
-          <a:p>
-            <a:r>
-              <a:rPr lang="en-US" dirty="0"/>
-              <a:t>     # Not yet implemented</a:t>
-            </a:r>
-          </a:p>
-          <a:p>
-            <a:r>
-              <a:rPr lang="en-US" dirty="0"/>
-              <a:t>     # ./spec/unit/recipes/default_spec.rb:20</a:t>
-            </a:r>
-          </a:p>
-          <a:p>
-            <a:endParaRPr lang="en-US" dirty="0"/>
-          </a:p>
-          <a:p>
-            <a:r>
-              <a:rPr lang="en-US" dirty="0"/>
-              <a:t> </a:t>
-            </a:r>
-            <a:r>
-              <a:rPr lang="en-US" dirty="0" smtClean="0"/>
-              <a:t> # </a:t>
-            </a:r>
-            <a:r>
-              <a:rPr lang="en-US" dirty="0"/>
-              <a:t>... OUTPUT </a:t>
-            </a:r>
-            <a:r>
-              <a:rPr lang="en-US" dirty="0" smtClean="0"/>
-              <a:t>CONTINUES ON NEXT SLIDE </a:t>
-            </a:r>
-            <a:r>
-              <a:rPr lang="en-US" dirty="0"/>
-              <a:t>..</a:t>
-            </a:r>
-            <a:r>
-              <a:rPr lang="en-US" dirty="0" smtClean="0"/>
-              <a:t>.</a:t>
-            </a:r>
-            <a:endParaRPr lang="en-US" dirty="0"/>
+              <a:rPr lang="en-US" dirty="0"/>
+              <a:t>  # ... OUTPUT CONTINUES ON NEXT SLIDE ...</a:t>
+            </a:r>
           </a:p>
         </p:txBody>
       </p:sp>
@@ -19015,14 +18567,13 @@
               <a:t> spec/unit/recipes/</a:t>
             </a:r>
             <a:r>
-              <a:rPr lang="en-US" dirty="0" err="1" smtClean="0"/>
+              <a:rPr lang="en-US" dirty="0" err="1"/>
               <a:t>default_spec.rb</a:t>
             </a:r>
             <a:r>
-              <a:rPr lang="en-US" dirty="0" smtClean="0"/>
+              <a:rPr lang="en-US" dirty="0"/>
               <a:t> </a:t>
             </a:r>
-            <a:endParaRPr lang="en-US" dirty="0"/>
           </a:p>
         </p:txBody>
       </p:sp>
@@ -19068,10 +18619,9 @@
           <a:lstStyle/>
           <a:p>
             <a:r>
-              <a:rPr lang="en-US" dirty="0" smtClean="0"/>
+              <a:rPr lang="en-US" dirty="0"/>
               <a:t>Execute the Tests to See the Pending Tests</a:t>
             </a:r>
-            <a:endParaRPr lang="en-US" dirty="0"/>
           </a:p>
         </p:txBody>
       </p:sp>
@@ -19261,7 +18811,7 @@
           <a:p>
             <a:pPr algn="ctr"/>
             <a:r>
-              <a:rPr lang="en-US" sz="2800" dirty="0" smtClean="0">
+              <a:rPr lang="en-US" sz="2800" dirty="0">
                 <a:solidFill>
                   <a:schemeClr val="bg1"/>
                 </a:solidFill>
@@ -19354,13 +18904,6 @@
   <p:transition spd="med">
     <p:fade/>
   </p:transition>
-  <p:timing>
-    <p:tnLst>
-      <p:par>
-        <p:cTn id="1" dur="indefinite" restart="never" nodeType="tmRoot"/>
-      </p:par>
-    </p:tnLst>
-  </p:timing>
 </p:sld>
 </file>
 
@@ -19397,49 +18940,48 @@
           <a:lstStyle/>
           <a:p>
             <a:r>
-              <a:rPr lang="en-US" dirty="0" smtClean="0"/>
+              <a:rPr lang="en-US" dirty="0"/>
               <a:t>.*</a:t>
             </a:r>
           </a:p>
           <a:p>
-            <a:endParaRPr lang="en-US" dirty="0" smtClean="0"/>
-          </a:p>
-          <a:p>
-            <a:r>
-              <a:rPr lang="en-US" dirty="0" smtClean="0"/>
+            <a:endParaRPr lang="en-US" dirty="0"/>
+          </a:p>
+          <a:p>
+            <a:r>
+              <a:rPr lang="en-US" dirty="0"/>
               <a:t>Pending: (Failures listed here are expected and do not affect your suite's status)</a:t>
             </a:r>
           </a:p>
           <a:p>
-            <a:endParaRPr lang="en-US" dirty="0" smtClean="0"/>
-          </a:p>
-          <a:p>
-            <a:r>
-              <a:rPr lang="en-US" dirty="0" smtClean="0"/>
-              <a:t>  1) apache::default When all attributes are default, on an CentOS 6.7 includes the install recipe</a:t>
-            </a:r>
-          </a:p>
-          <a:p>
-            <a:r>
-              <a:rPr lang="en-US" dirty="0" smtClean="0"/>
+            <a:endParaRPr lang="en-US" dirty="0"/>
+          </a:p>
+          <a:p>
+            <a:r>
+              <a:rPr lang="en-US" dirty="0"/>
+              <a:t>  1) apache::default When all attributes are default, on an CentOS 6.9 includes the install recipe</a:t>
+            </a:r>
+          </a:p>
+          <a:p>
+            <a:r>
+              <a:rPr lang="en-US" dirty="0"/>
               <a:t>     # Not yet implemented</a:t>
             </a:r>
           </a:p>
           <a:p>
             <a:r>
-              <a:rPr lang="en-US" dirty="0" smtClean="0"/>
+              <a:rPr lang="en-US" dirty="0"/>
               <a:t>     # ./spec/unit/recipes/default_spec.rb:20</a:t>
             </a:r>
           </a:p>
           <a:p>
-            <a:endParaRPr lang="en-US" dirty="0" smtClean="0"/>
-          </a:p>
-          <a:p>
-            <a:r>
-              <a:rPr lang="en-US" dirty="0" smtClean="0"/>
+            <a:endParaRPr lang="en-US" dirty="0"/>
+          </a:p>
+          <a:p>
+            <a:r>
+              <a:rPr lang="en-US" dirty="0"/>
               <a:t>  # ... OUTPUT CONTINUES ON NEXT SLIDE ...</a:t>
             </a:r>
-            <a:endParaRPr lang="en-US" dirty="0"/>
           </a:p>
         </p:txBody>
       </p:sp>
@@ -19459,7 +19001,7 @@
           <a:lstStyle/>
           <a:p>
             <a:r>
-              <a:rPr lang="en-US" smtClean="0"/>
+              <a:rPr lang="en-US"/>
               <a:t>&gt; chef exec rspec spec/unit/recipes/default_spec.rb </a:t>
             </a:r>
             <a:endParaRPr lang="en-US" dirty="0"/>
@@ -19484,10 +19026,9 @@
           <a:lstStyle/>
           <a:p>
             <a:r>
-              <a:rPr lang="en-US" dirty="0" smtClean="0"/>
+              <a:rPr lang="en-US" dirty="0"/>
               <a:t>Execute the Tests to See the Pending Tests</a:t>
             </a:r>
-            <a:endParaRPr lang="en-US" dirty="0"/>
           </a:p>
         </p:txBody>
       </p:sp>
@@ -19677,7 +19218,7 @@
           <a:p>
             <a:pPr algn="ctr"/>
             <a:r>
-              <a:rPr lang="en-US" sz="2800" dirty="0" smtClean="0">
+              <a:rPr lang="en-US" sz="2800" dirty="0">
                 <a:solidFill>
                   <a:schemeClr val="bg1"/>
                 </a:solidFill>
@@ -20031,7 +19572,7 @@
           <a:p>
             <a:pPr algn="ctr"/>
             <a:r>
-              <a:rPr lang="en-US" dirty="0" smtClean="0">
+              <a:rPr lang="en-US" dirty="0">
                 <a:solidFill>
                   <a:schemeClr val="bg1"/>
                 </a:solidFill>
@@ -20054,13 +19595,6 @@
   <p:transition spd="med">
     <p:fade/>
   </p:transition>
-  <p:timing>
-    <p:tnLst>
-      <p:par>
-        <p:cTn id="1" dur="indefinite" restart="never" nodeType="tmRoot"/>
-      </p:par>
-    </p:tnLst>
-  </p:timing>
 </p:sld>
 </file>
 
@@ -20097,7 +19631,7 @@
           <a:lstStyle/>
           <a:p>
             <a:r>
-              <a:rPr lang="en-US" dirty="0" smtClean="0"/>
+              <a:rPr lang="en-US" dirty="0"/>
               <a:t>  # ... OUTPUT CONTINUED FROM PREVIOUS SLIDE ...</a:t>
             </a:r>
           </a:p>
@@ -20113,23 +19647,7 @@
           <a:p>
             <a:r>
               <a:rPr lang="en-US" dirty="0"/>
-              <a:t>2</a:t>
-            </a:r>
-            <a:r>
-              <a:rPr lang="en-US" dirty="0" smtClean="0"/>
-              <a:t> </a:t>
-            </a:r>
-            <a:r>
-              <a:rPr lang="en-US" dirty="0"/>
-              <a:t>examples, 0 failures, </a:t>
-            </a:r>
-            <a:r>
-              <a:rPr lang="en-US" dirty="0" smtClean="0"/>
-              <a:t>1 </a:t>
-            </a:r>
-            <a:r>
-              <a:rPr lang="en-US" dirty="0"/>
-              <a:t>pending</a:t>
+              <a:t>2 examples, 0 failures, 1 pending</a:t>
             </a:r>
           </a:p>
         </p:txBody>
@@ -20162,14 +19680,13 @@
               <a:t> spec/unit/recipes/</a:t>
             </a:r>
             <a:r>
-              <a:rPr lang="en-US" dirty="0" err="1" smtClean="0"/>
+              <a:rPr lang="en-US" dirty="0" err="1"/>
               <a:t>default_spec.rb</a:t>
             </a:r>
             <a:r>
-              <a:rPr lang="en-US" dirty="0" smtClean="0"/>
+              <a:rPr lang="en-US" dirty="0"/>
               <a:t> </a:t>
             </a:r>
-            <a:endParaRPr lang="en-US" dirty="0"/>
           </a:p>
         </p:txBody>
       </p:sp>
@@ -20216,10 +19733,9 @@
           <a:lstStyle/>
           <a:p>
             <a:r>
-              <a:rPr lang="en-US" dirty="0" smtClean="0"/>
+              <a:rPr lang="en-US" dirty="0"/>
               <a:t>View the Results to See the Pending Tests</a:t>
             </a:r>
-            <a:endParaRPr lang="en-US" dirty="0"/>
           </a:p>
         </p:txBody>
       </p:sp>
@@ -20236,13 +19752,6 @@
   <p:transition spd="med">
     <p:fade/>
   </p:transition>
-  <p:timing>
-    <p:tnLst>
-      <p:par>
-        <p:cTn id="1" dur="indefinite" restart="never" nodeType="tmRoot"/>
-      </p:par>
-    </p:tnLst>
-  </p:timing>
 </p:sld>
 </file>
 
@@ -20304,13 +19813,8 @@
           <a:p>
             <a:r>
               <a:rPr lang="en-US" dirty="0"/>
-              <a:t>The faster the feedback from our tests, the more likely we are to run them. The more likely we are to run them means they will catch more issues</a:t>
-            </a:r>
-            <a:r>
-              <a:rPr lang="en-US" dirty="0" smtClean="0"/>
-              <a:t>.</a:t>
-            </a:r>
-            <a:endParaRPr lang="en-US" dirty="0"/>
+              <a:t>The faster the feedback from our tests, the more likely we are to run them. The more likely we are to run them means they will catch more issues.</a:t>
+            </a:r>
           </a:p>
         </p:txBody>
       </p:sp>
@@ -20334,7 +19838,7 @@
               <a:buChar char="ü"/>
             </a:pPr>
             <a:r>
-              <a:rPr lang="en-US" dirty="0" smtClean="0"/>
+              <a:rPr lang="en-US" dirty="0"/>
               <a:t>Review and run the existing tests</a:t>
             </a:r>
           </a:p>
@@ -20344,7 +19848,7 @@
               <a:buChar char="ü"/>
             </a:pPr>
             <a:r>
-              <a:rPr lang="en-US" dirty="0" smtClean="0"/>
+              <a:rPr lang="en-US" dirty="0"/>
               <a:t>Identify the tests that we need to write</a:t>
             </a:r>
           </a:p>
@@ -20354,7 +19858,7 @@
               <a:buChar char="q"/>
             </a:pPr>
             <a:r>
-              <a:rPr lang="en-US" dirty="0" smtClean="0"/>
+              <a:rPr lang="en-US" dirty="0"/>
               <a:t>Write and execute the tests to identify the failure</a:t>
             </a:r>
           </a:p>
@@ -20364,18 +19868,18 @@
               <a:buChar char="q"/>
             </a:pPr>
             <a:r>
-              <a:rPr lang="en-US" dirty="0" smtClean="0"/>
+              <a:rPr lang="en-US" dirty="0"/>
               <a:t>Fix the code and execute the tests to see success</a:t>
             </a:r>
           </a:p>
           <a:p>
-            <a:endParaRPr lang="en-US" dirty="0" smtClean="0"/>
-          </a:p>
-          <a:p>
-            <a:endParaRPr lang="en-US" dirty="0" smtClean="0"/>
-          </a:p>
-          <a:p>
-            <a:endParaRPr lang="en-US" dirty="0" smtClean="0"/>
+            <a:endParaRPr lang="en-US" dirty="0"/>
+          </a:p>
+          <a:p>
+            <a:endParaRPr lang="en-US" dirty="0"/>
+          </a:p>
+          <a:p>
+            <a:endParaRPr lang="en-US" dirty="0"/>
           </a:p>
         </p:txBody>
       </p:sp>
@@ -20392,13 +19896,6 @@
   <p:transition spd="med">
     <p:fade/>
   </p:transition>
-  <p:timing>
-    <p:tnLst>
-      <p:par>
-        <p:cTn id="1" dur="indefinite" restart="never" nodeType="tmRoot"/>
-      </p:par>
-    </p:tnLst>
-  </p:timing>
 </p:sld>
 </file>
 
@@ -20437,14 +19934,13 @@
           <a:lstStyle/>
           <a:p>
             <a:r>
-              <a:rPr lang="en-US" dirty="0" err="1" smtClean="0"/>
+              <a:rPr lang="en-US" dirty="0" err="1"/>
               <a:t>ChefSpec</a:t>
             </a:r>
             <a:r>
-              <a:rPr lang="en-US" dirty="0" smtClean="0"/>
+              <a:rPr lang="en-US" dirty="0"/>
               <a:t> Documentation</a:t>
             </a:r>
-            <a:endParaRPr lang="en-US" dirty="0"/>
           </a:p>
         </p:txBody>
       </p:sp>
@@ -20464,18 +19960,18 @@
           <a:lstStyle/>
           <a:p>
             <a:r>
-              <a:rPr lang="en-US" dirty="0" smtClean="0"/>
+              <a:rPr lang="en-US" dirty="0"/>
               <a:t>Find within the documentation examples of testing for </a:t>
             </a:r>
             <a:r>
-              <a:rPr lang="en-US" dirty="0" err="1" smtClean="0">
+              <a:rPr lang="en-US" dirty="0" err="1">
                 <a:latin typeface="Courier New"/>
                 <a:cs typeface="Courier New"/>
               </a:rPr>
               <a:t>include_recipe</a:t>
             </a:r>
             <a:r>
-              <a:rPr lang="en-US" dirty="0" smtClean="0"/>
+              <a:rPr lang="en-US" dirty="0"/>
               <a:t>.</a:t>
             </a:r>
           </a:p>
@@ -20488,7 +19984,7 @@
               <a:buChar char="•"/>
             </a:pPr>
             <a:r>
-              <a:rPr lang="en-US" dirty="0" smtClean="0"/>
+              <a:rPr lang="en-US" dirty="0"/>
               <a:t>Search the README</a:t>
             </a:r>
           </a:p>
@@ -20497,7 +19993,7 @@
               <a:buFont typeface="Arial" charset="0"/>
               <a:buChar char="•"/>
             </a:pPr>
-            <a:endParaRPr lang="en-US" dirty="0" smtClean="0"/>
+            <a:endParaRPr lang="en-US" dirty="0"/>
           </a:p>
           <a:p>
             <a:pPr marL="457200" indent="-457200">
@@ -20505,10 +20001,9 @@
               <a:buChar char="•"/>
             </a:pPr>
             <a:r>
-              <a:rPr lang="en-US" dirty="0" smtClean="0"/>
+              <a:rPr lang="en-US" dirty="0"/>
               <a:t>Search through the 'examples' directory</a:t>
             </a:r>
-            <a:endParaRPr lang="en-US" dirty="0"/>
           </a:p>
         </p:txBody>
       </p:sp>
@@ -20528,30 +20023,12 @@
           <a:lstStyle/>
           <a:p>
             <a:r>
-              <a:rPr lang="en-US" dirty="0"/>
-              <a:t>https://</a:t>
-            </a:r>
-            <a:r>
-              <a:rPr lang="en-US" dirty="0" err="1"/>
-              <a:t>github.com</a:t>
-            </a:r>
-            <a:r>
-              <a:rPr lang="en-US" dirty="0"/>
-              <a:t>/</a:t>
-            </a:r>
-            <a:r>
-              <a:rPr lang="en-US" dirty="0" err="1"/>
-              <a:t>sethvargo</a:t>
-            </a:r>
-            <a:r>
-              <a:rPr lang="en-US" dirty="0"/>
-              <a:t>/</a:t>
-            </a:r>
-            <a:r>
-              <a:rPr lang="en-US" dirty="0" err="1" smtClean="0"/>
-              <a:t>chefspec</a:t>
-            </a:r>
-            <a:endParaRPr lang="en-US" dirty="0" smtClean="0"/>
+              <a:rPr lang="en-US" dirty="0">
+                <a:hlinkClick r:id="rId3"/>
+              </a:rPr>
+              <a:t>https://github.com/chefspec/chefspec</a:t>
+            </a:r>
+            <a:endParaRPr lang="en-US" dirty="0"/>
           </a:p>
         </p:txBody>
       </p:sp>
@@ -20568,13 +20045,6 @@
   <p:transition spd="med">
     <p:fade/>
   </p:transition>
-  <p:timing>
-    <p:tnLst>
-      <p:par>
-        <p:cTn id="1" dur="indefinite" restart="never" nodeType="tmRoot"/>
-      </p:par>
-    </p:tnLst>
-  </p:timing>
 </p:sld>
 </file>
 
@@ -20613,10 +20083,9 @@
           <a:lstStyle/>
           <a:p>
             <a:r>
-              <a:rPr lang="en-US" dirty="0" smtClean="0"/>
+              <a:rPr lang="en-US" dirty="0"/>
               <a:t>Write the Test that Verifies the Include Recipe</a:t>
             </a:r>
-            <a:endParaRPr lang="en-US" dirty="0"/>
           </a:p>
         </p:txBody>
       </p:sp>
@@ -20687,49 +20156,42 @@
           <a:p>
             <a:r>
               <a:rPr lang="en-US" dirty="0"/>
-              <a:t>    it 'includes the install recipe</a:t>
-            </a:r>
-            <a:r>
-              <a:rPr lang="en-US" dirty="0" smtClean="0"/>
-              <a:t>' do</a:t>
-            </a:r>
-          </a:p>
-          <a:p>
-            <a:r>
-              <a:rPr lang="en-US" dirty="0" smtClean="0"/>
+              <a:t>    it 'includes the install recipe' do</a:t>
+            </a:r>
+          </a:p>
+          <a:p>
+            <a:r>
+              <a:rPr lang="en-US" dirty="0"/>
               <a:t>      expect(</a:t>
             </a:r>
             <a:r>
-              <a:rPr lang="en-US" dirty="0" err="1" smtClean="0"/>
+              <a:rPr lang="en-US" dirty="0" err="1"/>
               <a:t>chef_run</a:t>
             </a:r>
             <a:r>
-              <a:rPr lang="en-US" dirty="0" smtClean="0"/>
+              <a:rPr lang="en-US" dirty="0"/>
               <a:t>).to </a:t>
             </a:r>
             <a:r>
-              <a:rPr lang="en-US" dirty="0" err="1" smtClean="0"/>
+              <a:rPr lang="en-US" dirty="0" err="1"/>
               <a:t>include_recipe</a:t>
             </a:r>
             <a:r>
-              <a:rPr lang="en-US" dirty="0" smtClean="0"/>
+              <a:rPr lang="en-US" dirty="0"/>
               <a:t>('apache::install')</a:t>
             </a:r>
-            <a:endParaRPr lang="en-US" dirty="0"/>
-          </a:p>
-          <a:p>
-            <a:r>
-              <a:rPr lang="en-US" dirty="0" smtClean="0"/>
+          </a:p>
+          <a:p>
+            <a:r>
+              <a:rPr lang="en-US" dirty="0"/>
               <a:t>    end</a:t>
             </a:r>
-            <a:endParaRPr lang="en-US" dirty="0"/>
-          </a:p>
-          <a:p>
-            <a:r>
-              <a:rPr lang="en-US" dirty="0" smtClean="0"/>
+          </a:p>
+          <a:p>
+            <a:r>
+              <a:rPr lang="en-US" dirty="0"/>
               <a:t>  </a:t>
             </a:r>
-            <a:endParaRPr lang="en-US" dirty="0"/>
           </a:p>
           <a:p>
             <a:r>
@@ -20761,11 +20223,11 @@
           <a:lstStyle/>
           <a:p>
             <a:r>
-              <a:rPr lang="en-US" dirty="0" smtClean="0"/>
+              <a:rPr lang="en-US" dirty="0"/>
               <a:t>~/apache/spec/unit/recipes/</a:t>
             </a:r>
             <a:r>
-              <a:rPr lang="en-US" dirty="0" err="1" smtClean="0"/>
+              <a:rPr lang="en-US" dirty="0" err="1"/>
               <a:t>default_spec.rb</a:t>
             </a:r>
             <a:endParaRPr lang="en-US" dirty="0"/>
@@ -20793,10 +20255,9 @@
           <a:lstStyle/>
           <a:p>
             <a:r>
-              <a:rPr lang="en-US" dirty="0" smtClean="0"/>
+              <a:rPr lang="en-US" dirty="0"/>
               <a:t>+</a:t>
             </a:r>
-            <a:endParaRPr lang="en-US" dirty="0"/>
           </a:p>
         </p:txBody>
       </p:sp>
@@ -20813,13 +20274,6 @@
   <p:transition spd="med">
     <p:fade/>
   </p:transition>
-  <p:timing>
-    <p:tnLst>
-      <p:par>
-        <p:cTn id="1" dur="indefinite" restart="never" nodeType="tmRoot"/>
-      </p:par>
-    </p:tnLst>
-  </p:timing>
 </p:sld>
 </file>
 
@@ -20857,50 +20311,25 @@
           <a:p>
             <a:r>
               <a:rPr lang="en-US" dirty="0"/>
-              <a:t>.</a:t>
-            </a:r>
-            <a:r>
-              <a:rPr lang="en-US" dirty="0" smtClean="0"/>
-              <a:t>F</a:t>
-            </a:r>
+              <a:t>.F</a:t>
+            </a:r>
+          </a:p>
+          <a:p>
             <a:endParaRPr lang="en-US" dirty="0"/>
           </a:p>
           <a:p>
+            <a:r>
+              <a:rPr lang="en-US" dirty="0"/>
+              <a:t>Failures:</a:t>
+            </a:r>
+          </a:p>
+          <a:p>
             <a:endParaRPr lang="en-US" dirty="0"/>
           </a:p>
           <a:p>
             <a:r>
-              <a:rPr lang="en-US" dirty="0" smtClean="0"/>
-              <a:t>Failures</a:t>
-            </a:r>
-            <a:r>
-              <a:rPr lang="en-US" dirty="0"/>
-              <a:t>:</a:t>
-            </a:r>
-          </a:p>
-          <a:p>
-            <a:endParaRPr lang="en-US" dirty="0"/>
-          </a:p>
-          <a:p>
-            <a:r>
-              <a:rPr lang="en-US" dirty="0"/>
-              <a:t>  1) </a:t>
-            </a:r>
-            <a:r>
-              <a:rPr lang="en-US" dirty="0" smtClean="0"/>
-              <a:t>apache::</a:t>
-            </a:r>
-            <a:r>
-              <a:rPr lang="en-US" dirty="0"/>
-              <a:t>default When all attributes are default, on </a:t>
-            </a:r>
-            <a:r>
-              <a:rPr lang="en-US" dirty="0" smtClean="0"/>
-              <a:t>an CentOS 6.7 </a:t>
-            </a:r>
-            <a:r>
-              <a:rPr lang="en-US" dirty="0"/>
-              <a:t>includes the install recipe</a:t>
+              <a:rPr lang="en-US" dirty="0"/>
+              <a:t>  1) apache::default When all attributes are default, on an CentOS 6.9 includes the install recipe</a:t>
             </a:r>
           </a:p>
           <a:p>
@@ -20922,49 +20351,20 @@
             </a:r>
             <a:r>
               <a:rPr lang="en-US" dirty="0"/>
-              <a:t>(</a:t>
-            </a:r>
-            <a:r>
-              <a:rPr lang="en-US" dirty="0" smtClean="0"/>
-              <a:t>'apache::</a:t>
-            </a:r>
-            <a:r>
-              <a:rPr lang="en-US" dirty="0"/>
-              <a:t>install')</a:t>
-            </a:r>
-          </a:p>
-          <a:p>
-            <a:r>
-              <a:rPr lang="en-US" dirty="0"/>
-              <a:t>       expected </a:t>
-            </a:r>
-            <a:r>
-              <a:rPr lang="en-US" dirty="0" smtClean="0"/>
-              <a:t>["apache::</a:t>
-            </a:r>
-            <a:r>
-              <a:rPr lang="en-US" dirty="0"/>
-              <a:t>default"] to include </a:t>
-            </a:r>
-            <a:r>
-              <a:rPr lang="en-US" dirty="0" smtClean="0"/>
-              <a:t>"apache::</a:t>
-            </a:r>
-            <a:r>
-              <a:rPr lang="en-US" dirty="0"/>
-              <a:t>install"</a:t>
-            </a:r>
-          </a:p>
-          <a:p>
-            <a:r>
-              <a:rPr lang="en-US" dirty="0"/>
-              <a:t>     # ./spec/unit/recipes/default_spec.rb:21:in `block (3 levels) in &lt;top (required</a:t>
-            </a:r>
-            <a:r>
-              <a:rPr lang="en-US" dirty="0" smtClean="0"/>
-              <a:t>)&gt;'</a:t>
-            </a:r>
-            <a:endParaRPr lang="en-US" dirty="0"/>
+              <a:t>('apache::install')</a:t>
+            </a:r>
+          </a:p>
+          <a:p>
+            <a:r>
+              <a:rPr lang="en-US" dirty="0"/>
+              <a:t>       expected ["apache::default"] to include "apache::install"</a:t>
+            </a:r>
+          </a:p>
+          <a:p>
+            <a:r>
+              <a:rPr lang="en-US" dirty="0"/>
+              <a:t>     # ./spec/unit/recipes/default_spec.rb:21:in `block (3 levels) in &lt;top (required)&gt;'</a:t>
+            </a:r>
           </a:p>
         </p:txBody>
       </p:sp>
@@ -20996,7 +20396,7 @@
               <a:t> spec/unit/recipes/</a:t>
             </a:r>
             <a:r>
-              <a:rPr lang="en-US" dirty="0" err="1" smtClean="0"/>
+              <a:rPr lang="en-US" dirty="0" err="1"/>
               <a:t>default_spec.rb</a:t>
             </a:r>
             <a:endParaRPr lang="en-US" dirty="0"/>
@@ -21043,10 +20443,9 @@
           <a:lstStyle/>
           <a:p>
             <a:r>
-              <a:rPr lang="en-US" dirty="0" smtClean="0"/>
+              <a:rPr lang="en-US" dirty="0"/>
               <a:t>Execute the Tests to See the Failure</a:t>
             </a:r>
-            <a:endParaRPr lang="en-US" dirty="0"/>
           </a:p>
         </p:txBody>
       </p:sp>
@@ -21236,14 +20635,14 @@
           <a:p>
             <a:pPr algn="ctr"/>
             <a:r>
-              <a:rPr lang="en-US" sz="2800" smtClean="0">
+              <a:rPr lang="en-US" sz="2800">
                 <a:solidFill>
                   <a:schemeClr val="bg1"/>
                 </a:solidFill>
               </a:rPr>
               <a:t>failing example</a:t>
             </a:r>
-            <a:endParaRPr lang="en-US" sz="2800" dirty="0" smtClean="0">
+            <a:endParaRPr lang="en-US" sz="2800" dirty="0">
               <a:solidFill>
                 <a:schemeClr val="bg1"/>
               </a:solidFill>
@@ -21336,13 +20735,6 @@
   <p:transition spd="med">
     <p:fade/>
   </p:transition>
-  <p:timing>
-    <p:tnLst>
-      <p:par>
-        <p:cTn id="1" dur="indefinite" restart="never" nodeType="tmRoot"/>
-      </p:par>
-    </p:tnLst>
-  </p:timing>
 </p:sld>
 </file>
 
@@ -21381,7 +20773,7 @@
           <a:lstStyle/>
           <a:p>
             <a:r>
-              <a:rPr lang="en-US" smtClean="0"/>
+              <a:rPr lang="en-US"/>
               <a:t>Faster Feedback While Developing Cookbooks</a:t>
             </a:r>
             <a:endParaRPr lang="en-US" dirty="0"/>
@@ -21404,7 +20796,7 @@
           <a:lstStyle/>
           <a:p>
             <a:r>
-              <a:rPr lang="en-US" smtClean="0"/>
+              <a:rPr lang="en-US"/>
               <a:t>The faster the feedback from our tests, the more likely we are to run them. The more likely we are to run them means they will catch more issues.</a:t>
             </a:r>
             <a:endParaRPr lang="en-US" dirty="0"/>
@@ -21431,7 +20823,7 @@
               <a:buChar char="ü"/>
             </a:pPr>
             <a:r>
-              <a:rPr lang="en-US" dirty="0" smtClean="0"/>
+              <a:rPr lang="en-US" dirty="0"/>
               <a:t>Review and run the existing tests</a:t>
             </a:r>
           </a:p>
@@ -21451,7 +20843,7 @@
               <a:buChar char="ü"/>
             </a:pPr>
             <a:r>
-              <a:rPr lang="en-US" dirty="0" smtClean="0"/>
+              <a:rPr lang="en-US" dirty="0"/>
               <a:t>Write and execute the tests to identify the failure</a:t>
             </a:r>
           </a:p>
@@ -21461,18 +20853,18 @@
               <a:buChar char="q"/>
             </a:pPr>
             <a:r>
-              <a:rPr lang="en-US" dirty="0" smtClean="0"/>
+              <a:rPr lang="en-US" dirty="0"/>
               <a:t>Fix the code and execute the tests to see success</a:t>
             </a:r>
           </a:p>
           <a:p>
-            <a:endParaRPr lang="en-US" dirty="0" smtClean="0"/>
-          </a:p>
-          <a:p>
-            <a:endParaRPr lang="en-US" dirty="0" smtClean="0"/>
-          </a:p>
-          <a:p>
-            <a:endParaRPr lang="en-US" dirty="0" smtClean="0"/>
+            <a:endParaRPr lang="en-US" dirty="0"/>
+          </a:p>
+          <a:p>
+            <a:endParaRPr lang="en-US" dirty="0"/>
+          </a:p>
+          <a:p>
+            <a:endParaRPr lang="en-US" dirty="0"/>
           </a:p>
         </p:txBody>
       </p:sp>
@@ -21489,13 +20881,6 @@
   <p:transition spd="med">
     <p:fade/>
   </p:transition>
-  <p:timing>
-    <p:tnLst>
-      <p:par>
-        <p:cTn id="1" dur="indefinite" restart="never" nodeType="tmRoot"/>
-      </p:par>
-    </p:tnLst>
-  </p:timing>
 </p:sld>
 </file>
 
@@ -21534,10 +20919,9 @@
           <a:lstStyle/>
           <a:p>
             <a:r>
-              <a:rPr lang="en-US" dirty="0" smtClean="0"/>
+              <a:rPr lang="en-US" dirty="0"/>
               <a:t>Uncomment the Include Recipe</a:t>
             </a:r>
-            <a:endParaRPr lang="en-US" dirty="0"/>
           </a:p>
         </p:txBody>
       </p:sp>
@@ -21564,13 +20948,8 @@
           <a:p>
             <a:r>
               <a:rPr lang="en-US" dirty="0"/>
-              <a:t># Cookbook Name:: </a:t>
-            </a:r>
-            <a:r>
-              <a:rPr lang="en-US" dirty="0" smtClean="0"/>
-              <a:t>apache</a:t>
-            </a:r>
-            <a:endParaRPr lang="en-US" dirty="0"/>
+              <a:t># Cookbook Name:: apache</a:t>
+            </a:r>
           </a:p>
           <a:p>
             <a:r>
@@ -21590,36 +20969,12 @@
               <a:t># Copyright (c) </a:t>
             </a:r>
             <a:r>
-              <a:rPr lang="is-IS" dirty="0" smtClean="0"/>
+              <a:rPr lang="is-IS" dirty="0"/>
               <a:t>2017</a:t>
             </a:r>
             <a:r>
-              <a:rPr lang="en-US" dirty="0" smtClean="0"/>
-              <a:t> </a:t>
-            </a:r>
-            <a:r>
-              <a:rPr lang="en-US" dirty="0"/>
-              <a:t>The Authors, All Rights Reserved.</a:t>
-            </a:r>
-          </a:p>
-          <a:p>
-            <a:r>
-              <a:rPr lang="en-US" dirty="0" err="1" smtClean="0"/>
-              <a:t>include_recipe</a:t>
-            </a:r>
-            <a:r>
-              <a:rPr lang="en-US" dirty="0" smtClean="0"/>
-              <a:t> 'apache::install'</a:t>
-            </a:r>
-          </a:p>
-          <a:p>
-            <a:r>
-              <a:rPr lang="en-US" dirty="0" err="1" smtClean="0"/>
-              <a:t>include_recipe</a:t>
-            </a:r>
-            <a:r>
-              <a:rPr lang="en-US" dirty="0" smtClean="0"/>
-              <a:t> 'apache::configuration'</a:t>
+              <a:rPr lang="en-US" dirty="0"/>
+              <a:t> The Authors, All Rights Reserved.</a:t>
             </a:r>
           </a:p>
           <a:p>
@@ -21629,15 +20984,27 @@
             </a:r>
             <a:r>
               <a:rPr lang="en-US" dirty="0"/>
-              <a:t> </a:t>
-            </a:r>
-            <a:r>
-              <a:rPr lang="en-US" dirty="0" smtClean="0"/>
-              <a:t>'apache::</a:t>
-            </a:r>
-            <a:r>
-              <a:rPr lang="en-US" dirty="0"/>
-              <a:t>service'</a:t>
+              <a:t> 'apache::install'</a:t>
+            </a:r>
+          </a:p>
+          <a:p>
+            <a:r>
+              <a:rPr lang="en-US" dirty="0" err="1"/>
+              <a:t>include_recipe</a:t>
+            </a:r>
+            <a:r>
+              <a:rPr lang="en-US" dirty="0"/>
+              <a:t> 'apache::configuration'</a:t>
+            </a:r>
+          </a:p>
+          <a:p>
+            <a:r>
+              <a:rPr lang="en-US" dirty="0" err="1"/>
+              <a:t>include_recipe</a:t>
+            </a:r>
+            <a:r>
+              <a:rPr lang="en-US" dirty="0"/>
+              <a:t> 'apache::service'</a:t>
             </a:r>
           </a:p>
           <a:p>
@@ -21661,11 +21028,11 @@
           <a:lstStyle/>
           <a:p>
             <a:r>
-              <a:rPr lang="en-US" dirty="0" smtClean="0"/>
+              <a:rPr lang="en-US" dirty="0"/>
               <a:t>~/apache/recipes/</a:t>
             </a:r>
             <a:r>
-              <a:rPr lang="en-US" dirty="0" err="1" smtClean="0"/>
+              <a:rPr lang="en-US" dirty="0" err="1"/>
               <a:t>default.rb</a:t>
             </a:r>
             <a:endParaRPr lang="en-US" dirty="0"/>
@@ -21693,10 +21060,9 @@
           <a:lstStyle/>
           <a:p>
             <a:r>
-              <a:rPr lang="en-US" dirty="0" smtClean="0"/>
+              <a:rPr lang="en-US" dirty="0"/>
               <a:t>+</a:t>
             </a:r>
-            <a:endParaRPr lang="en-US" dirty="0"/>
           </a:p>
         </p:txBody>
       </p:sp>
@@ -21713,13 +21079,6 @@
   <p:transition spd="med">
     <p:fade/>
   </p:transition>
-  <p:timing>
-    <p:tnLst>
-      <p:par>
-        <p:cTn id="1" dur="indefinite" restart="never" nodeType="tmRoot"/>
-      </p:par>
-    </p:tnLst>
-  </p:timing>
 </p:sld>
 </file>
 
@@ -21756,15 +21115,14 @@
           <a:lstStyle/>
           <a:p>
             <a:r>
-              <a:rPr lang="en-US" dirty="0" smtClean="0"/>
+              <a:rPr lang="en-US" dirty="0"/>
               <a:t>..</a:t>
             </a:r>
+          </a:p>
+          <a:p>
             <a:endParaRPr lang="en-US" dirty="0"/>
           </a:p>
           <a:p>
-            <a:endParaRPr lang="en-US" dirty="0"/>
-          </a:p>
-          <a:p>
             <a:r>
               <a:rPr lang="en-US" dirty="0"/>
               <a:t>Finished in 0.67714 seconds (files took 4.26 seconds to load)</a:t>
@@ -21773,21 +21131,8 @@
           <a:p>
             <a:r>
               <a:rPr lang="en-US" dirty="0"/>
-              <a:t>2</a:t>
-            </a:r>
-            <a:r>
-              <a:rPr lang="en-US" dirty="0" smtClean="0"/>
-              <a:t> </a:t>
-            </a:r>
-            <a:r>
-              <a:rPr lang="en-US" dirty="0"/>
-              <a:t>examples, 0 </a:t>
-            </a:r>
-            <a:r>
-              <a:rPr lang="en-US" dirty="0" smtClean="0"/>
-              <a:t>failures</a:t>
-            </a:r>
-            <a:endParaRPr lang="en-US" dirty="0"/>
+              <a:t>2 examples, 0 failures</a:t>
+            </a:r>
           </a:p>
         </p:txBody>
       </p:sp>
@@ -21819,7 +21164,7 @@
               <a:t> spec/unit/recipes/</a:t>
             </a:r>
             <a:r>
-              <a:rPr lang="en-US" dirty="0" err="1" smtClean="0"/>
+              <a:rPr lang="en-US" dirty="0" err="1"/>
               <a:t>default_spec.rb</a:t>
             </a:r>
             <a:endParaRPr lang="en-US" dirty="0"/>
@@ -21866,10 +21211,9 @@
           <a:lstStyle/>
           <a:p>
             <a:r>
-              <a:rPr lang="en-US" dirty="0" smtClean="0"/>
+              <a:rPr lang="en-US" dirty="0"/>
               <a:t>Execute the Tests to See it Pass</a:t>
             </a:r>
-            <a:endParaRPr lang="en-US" dirty="0"/>
           </a:p>
         </p:txBody>
       </p:sp>
@@ -21886,13 +21230,6 @@
   <p:transition spd="med">
     <p:fade/>
   </p:transition>
-  <p:timing>
-    <p:tnLst>
-      <p:par>
-        <p:cTn id="1" dur="indefinite" restart="never" nodeType="tmRoot"/>
-      </p:par>
-    </p:tnLst>
-  </p:timing>
 </p:sld>
 </file>
 
@@ -21929,10 +21266,9 @@
           <a:lstStyle/>
           <a:p>
             <a:r>
-              <a:rPr lang="en-US" dirty="0" smtClean="0"/>
+              <a:rPr lang="en-US" dirty="0"/>
               <a:t>Objectives</a:t>
             </a:r>
-            <a:endParaRPr lang="en-US" dirty="0"/>
           </a:p>
         </p:txBody>
       </p:sp>
@@ -21952,7 +21288,7 @@
           <a:lstStyle/>
           <a:p>
             <a:r>
-              <a:rPr lang="en-US" dirty="0" smtClean="0"/>
+              <a:rPr lang="en-US" dirty="0"/>
               <a:t>After completing this module, you should be able to:</a:t>
             </a:r>
           </a:p>
@@ -21965,7 +21301,7 @@
               <a:buChar char="Ø"/>
             </a:pPr>
             <a:r>
-              <a:rPr lang="en-US" dirty="0" smtClean="0"/>
+              <a:rPr lang="en-US" dirty="0"/>
               <a:t>Explain the importance and limitations of unit testing</a:t>
             </a:r>
           </a:p>
@@ -21975,7 +21311,7 @@
               <a:buChar char="Ø"/>
             </a:pPr>
             <a:r>
-              <a:rPr lang="en-US" dirty="0" smtClean="0"/>
+              <a:rPr lang="en-US" dirty="0"/>
               <a:t>Write and execute a unit test</a:t>
             </a:r>
           </a:p>
@@ -21984,21 +21320,21 @@
               <a:buFont typeface="Wingdings" charset="2"/>
               <a:buChar char="Ø"/>
             </a:pPr>
-            <a:endParaRPr lang="en-US" dirty="0" smtClean="0"/>
+            <a:endParaRPr lang="en-US" dirty="0"/>
           </a:p>
           <a:p>
             <a:pPr marL="457200" indent="-457200">
               <a:buFont typeface="Wingdings" charset="2"/>
               <a:buChar char="Ø"/>
             </a:pPr>
-            <a:endParaRPr lang="en-US" dirty="0" smtClean="0"/>
+            <a:endParaRPr lang="en-US" dirty="0"/>
           </a:p>
           <a:p>
             <a:pPr marL="457200" indent="-457200">
               <a:buFont typeface="Wingdings" charset="2"/>
               <a:buChar char="Ø"/>
             </a:pPr>
-            <a:endParaRPr lang="en-US" dirty="0" smtClean="0"/>
+            <a:endParaRPr lang="en-US" dirty="0"/>
           </a:p>
         </p:txBody>
       </p:sp>
@@ -22015,13 +21351,6 @@
   <p:transition spd="med">
     <p:fade/>
   </p:transition>
-  <p:timing>
-    <p:tnLst>
-      <p:par>
-        <p:cTn id="1" dur="indefinite" restart="never" nodeType="tmRoot"/>
-      </p:par>
-    </p:tnLst>
-  </p:timing>
 </p:sld>
 </file>
 
@@ -22083,13 +21412,8 @@
           <a:p>
             <a:r>
               <a:rPr lang="en-US" dirty="0"/>
-              <a:t>The faster the feedback from our tests, the more likely we are to run them. The more likely we are to run them means they will catch more issues</a:t>
-            </a:r>
-            <a:r>
-              <a:rPr lang="en-US" dirty="0" smtClean="0"/>
-              <a:t>.</a:t>
-            </a:r>
-            <a:endParaRPr lang="en-US" dirty="0"/>
+              <a:t>The faster the feedback from our tests, the more likely we are to run them. The more likely we are to run them means they will catch more issues.</a:t>
+            </a:r>
           </a:p>
         </p:txBody>
       </p:sp>
@@ -22113,7 +21437,7 @@
               <a:buChar char="ü"/>
             </a:pPr>
             <a:r>
-              <a:rPr lang="en-US" dirty="0" smtClean="0"/>
+              <a:rPr lang="en-US" dirty="0"/>
               <a:t>Review and run the existing tests</a:t>
             </a:r>
           </a:p>
@@ -22133,7 +21457,7 @@
               <a:buChar char="ü"/>
             </a:pPr>
             <a:r>
-              <a:rPr lang="en-US" dirty="0" smtClean="0"/>
+              <a:rPr lang="en-US" dirty="0"/>
               <a:t>Write and execute the tests to identify the failure</a:t>
             </a:r>
           </a:p>
@@ -22143,18 +21467,18 @@
               <a:buChar char="ü"/>
             </a:pPr>
             <a:r>
-              <a:rPr lang="en-US" dirty="0" smtClean="0"/>
+              <a:rPr lang="en-US" dirty="0"/>
               <a:t>Fix the code and execute the tests to see success</a:t>
             </a:r>
           </a:p>
           <a:p>
-            <a:endParaRPr lang="en-US" dirty="0" smtClean="0"/>
-          </a:p>
-          <a:p>
-            <a:endParaRPr lang="en-US" dirty="0" smtClean="0"/>
-          </a:p>
-          <a:p>
-            <a:endParaRPr lang="en-US" dirty="0" smtClean="0"/>
+            <a:endParaRPr lang="en-US" dirty="0"/>
+          </a:p>
+          <a:p>
+            <a:endParaRPr lang="en-US" dirty="0"/>
+          </a:p>
+          <a:p>
+            <a:endParaRPr lang="en-US" dirty="0"/>
           </a:p>
         </p:txBody>
       </p:sp>
@@ -22171,13 +21495,6 @@
   <p:transition spd="med">
     <p:fade/>
   </p:transition>
-  <p:timing>
-    <p:tnLst>
-      <p:par>
-        <p:cTn id="1" dur="indefinite" restart="never" nodeType="tmRoot"/>
-      </p:par>
-    </p:tnLst>
-  </p:timing>
 </p:sld>
 </file>
 
@@ -22216,10 +21533,9 @@
           <a:lstStyle/>
           <a:p>
             <a:r>
-              <a:rPr lang="en-US" dirty="0" smtClean="0"/>
+              <a:rPr lang="en-US" dirty="0"/>
               <a:t>Continue with Mutation Testing</a:t>
             </a:r>
-            <a:endParaRPr lang="en-US" dirty="0"/>
           </a:p>
         </p:txBody>
       </p:sp>
@@ -22249,7 +21565,7 @@
               </a:lnSpc>
             </a:pPr>
             <a:r>
-              <a:rPr lang="en-US" dirty="0" smtClean="0"/>
+              <a:rPr lang="en-US" dirty="0"/>
               <a:t>Comment out the next line in the apache cookbook's default recipe</a:t>
             </a:r>
           </a:p>
@@ -22260,10 +21576,9 @@
               </a:lnSpc>
             </a:pPr>
             <a:r>
-              <a:rPr lang="en-US" dirty="0" smtClean="0"/>
+              <a:rPr lang="en-US" dirty="0"/>
               <a:t>Write the example with expectation that will generate a failure</a:t>
             </a:r>
-            <a:endParaRPr lang="en-US" dirty="0"/>
           </a:p>
           <a:p>
             <a:pPr>
@@ -22272,7 +21587,7 @@
               </a:lnSpc>
             </a:pPr>
             <a:r>
-              <a:rPr lang="en-US" dirty="0" smtClean="0"/>
+              <a:rPr lang="en-US" dirty="0"/>
               <a:t>Verify that one example generates a failure</a:t>
             </a:r>
           </a:p>
@@ -22283,7 +21598,7 @@
               </a:lnSpc>
             </a:pPr>
             <a:r>
-              <a:rPr lang="en-US" dirty="0" smtClean="0"/>
+              <a:rPr lang="en-US" dirty="0"/>
               <a:t>Restore the code in the recipe</a:t>
             </a:r>
           </a:p>
@@ -22294,7 +21609,7 @@
               </a:lnSpc>
             </a:pPr>
             <a:r>
-              <a:rPr lang="en-US" dirty="0" smtClean="0"/>
+              <a:rPr lang="en-US" dirty="0"/>
               <a:t>Verify that all examples pass</a:t>
             </a:r>
           </a:p>
@@ -22332,21 +21647,8 @@
             </a:pPr>
             <a:r>
               <a:rPr lang="en-US" b="1" dirty="0"/>
-              <a:t>Repeat this </a:t>
-            </a:r>
-            <a:r>
-              <a:rPr lang="en-US" b="1" dirty="0" smtClean="0"/>
-              <a:t>series </a:t>
-            </a:r>
-            <a:r>
-              <a:rPr lang="en-US" b="1" dirty="0"/>
-              <a:t>of steps </a:t>
-            </a:r>
-            <a:r>
-              <a:rPr lang="en-US" b="1" dirty="0" smtClean="0"/>
-              <a:t>for each line within the default recipe</a:t>
-            </a:r>
-            <a:endParaRPr lang="en-US" b="1" dirty="0"/>
+              <a:t>Repeat this series of steps for each line within the default recipe</a:t>
+            </a:r>
           </a:p>
         </p:txBody>
       </p:sp>
@@ -22363,13 +21665,6 @@
   <p:transition spd="med">
     <p:fade/>
   </p:transition>
-  <p:timing>
-    <p:tnLst>
-      <p:par>
-        <p:cTn id="1" dur="indefinite" restart="never" nodeType="tmRoot"/>
-      </p:par>
-    </p:tnLst>
-  </p:timing>
 </p:sld>
 </file>
 
@@ -22406,10 +21701,9 @@
           <a:lstStyle/>
           <a:p>
             <a:r>
-              <a:rPr lang="en-US" dirty="0" smtClean="0"/>
+              <a:rPr lang="en-US" dirty="0"/>
               <a:t>Uncomment the Include Recipe</a:t>
             </a:r>
-            <a:endParaRPr lang="en-US" dirty="0"/>
           </a:p>
         </p:txBody>
       </p:sp>
@@ -22436,13 +21730,8 @@
           <a:p>
             <a:r>
               <a:rPr lang="en-US" dirty="0"/>
-              <a:t># Cookbook Name:: </a:t>
-            </a:r>
-            <a:r>
-              <a:rPr lang="en-US" dirty="0" smtClean="0"/>
-              <a:t>apache</a:t>
-            </a:r>
-            <a:endParaRPr lang="en-US" dirty="0"/>
+              <a:t># Cookbook Name:: apache</a:t>
+            </a:r>
           </a:p>
           <a:p>
             <a:r>
@@ -22462,52 +21751,47 @@
               <a:t># Copyright (c) </a:t>
             </a:r>
             <a:r>
-              <a:rPr lang="is-IS" dirty="0" smtClean="0"/>
+              <a:rPr lang="is-IS" dirty="0"/>
               <a:t>2017</a:t>
             </a:r>
             <a:r>
-              <a:rPr lang="en-US" dirty="0" smtClean="0"/>
-              <a:t> </a:t>
-            </a:r>
-            <a:r>
-              <a:rPr lang="en-US" dirty="0"/>
-              <a:t>The Authors, All Rights Reserved.</a:t>
-            </a:r>
-          </a:p>
-          <a:p>
-            <a:r>
-              <a:rPr lang="en-US" dirty="0" err="1" smtClean="0"/>
+              <a:rPr lang="en-US" dirty="0"/>
+              <a:t> The Authors, All Rights Reserved.</a:t>
+            </a:r>
+          </a:p>
+          <a:p>
+            <a:r>
+              <a:rPr lang="en-US" dirty="0" err="1"/>
               <a:t>include_recipe</a:t>
             </a:r>
             <a:r>
-              <a:rPr lang="en-US" dirty="0" smtClean="0"/>
+              <a:rPr lang="en-US" dirty="0"/>
               <a:t> 'apache::install'</a:t>
             </a:r>
           </a:p>
           <a:p>
             <a:r>
-              <a:rPr lang="en-US" dirty="0" smtClean="0"/>
+              <a:rPr lang="en-US" dirty="0"/>
               <a:t># </a:t>
             </a:r>
             <a:r>
-              <a:rPr lang="en-US" dirty="0" err="1" smtClean="0"/>
+              <a:rPr lang="en-US" dirty="0" err="1"/>
               <a:t>include_recipe</a:t>
             </a:r>
             <a:r>
-              <a:rPr lang="en-US" dirty="0" smtClean="0"/>
+              <a:rPr lang="en-US" dirty="0"/>
               <a:t> 'apache::configuration'</a:t>
             </a:r>
           </a:p>
           <a:p>
             <a:r>
-              <a:rPr lang="en-US" dirty="0" err="1" smtClean="0"/>
+              <a:rPr lang="en-US" dirty="0" err="1"/>
               <a:t>include_recipe</a:t>
             </a:r>
             <a:r>
-              <a:rPr lang="en-US" dirty="0" smtClean="0"/>
+              <a:rPr lang="en-US" dirty="0"/>
               <a:t> 'apache::service'</a:t>
             </a:r>
-            <a:endParaRPr lang="en-US" dirty="0"/>
           </a:p>
         </p:txBody>
       </p:sp>
@@ -22527,11 +21811,11 @@
           <a:lstStyle/>
           <a:p>
             <a:r>
-              <a:rPr lang="en-US" dirty="0" smtClean="0"/>
+              <a:rPr lang="en-US" dirty="0"/>
               <a:t>~/apache/recipes/</a:t>
             </a:r>
             <a:r>
-              <a:rPr lang="en-US" dirty="0" err="1" smtClean="0"/>
+              <a:rPr lang="en-US" dirty="0" err="1"/>
               <a:t>default.rb</a:t>
             </a:r>
             <a:endParaRPr lang="en-US" dirty="0"/>
@@ -22575,13 +21859,6 @@
   <p:transition spd="med">
     <p:fade/>
   </p:transition>
-  <p:timing>
-    <p:tnLst>
-      <p:par>
-        <p:cTn id="1" dur="indefinite" restart="never" nodeType="tmRoot"/>
-      </p:par>
-    </p:tnLst>
-  </p:timing>
 </p:sld>
 </file>
 
@@ -22620,10 +21897,9 @@
           <a:lstStyle/>
           <a:p>
             <a:r>
-              <a:rPr lang="en-US" dirty="0" smtClean="0"/>
+              <a:rPr lang="en-US" dirty="0"/>
               <a:t>Write the Test that Verifies the Include Recipe</a:t>
             </a:r>
-            <a:endParaRPr lang="en-US" dirty="0"/>
           </a:p>
         </p:txBody>
       </p:sp>
@@ -22655,63 +21931,13 @@
           <a:p>
             <a:r>
               <a:rPr lang="en-US" dirty="0"/>
-              <a:t>    it 'includes the install recipe</a:t>
-            </a:r>
-            <a:r>
-              <a:rPr lang="en-US" dirty="0" smtClean="0"/>
-              <a:t>' do</a:t>
-            </a:r>
-          </a:p>
-          <a:p>
-            <a:r>
-              <a:rPr lang="en-US" dirty="0" smtClean="0"/>
+              <a:t>    it 'includes the install recipe' do</a:t>
+            </a:r>
+          </a:p>
+          <a:p>
+            <a:r>
+              <a:rPr lang="en-US" dirty="0"/>
               <a:t>      expect(</a:t>
-            </a:r>
-            <a:r>
-              <a:rPr lang="en-US" dirty="0" err="1" smtClean="0"/>
-              <a:t>chef_run</a:t>
-            </a:r>
-            <a:r>
-              <a:rPr lang="en-US" dirty="0" smtClean="0"/>
-              <a:t>).to </a:t>
-            </a:r>
-            <a:r>
-              <a:rPr lang="en-US" dirty="0" err="1" smtClean="0"/>
-              <a:t>include_recipe</a:t>
-            </a:r>
-            <a:r>
-              <a:rPr lang="en-US" dirty="0" smtClean="0"/>
-              <a:t>('apache::install')</a:t>
-            </a:r>
-            <a:endParaRPr lang="en-US" dirty="0"/>
-          </a:p>
-          <a:p>
-            <a:r>
-              <a:rPr lang="en-US" dirty="0" smtClean="0"/>
-              <a:t>    end</a:t>
-            </a:r>
-          </a:p>
-          <a:p>
-            <a:endParaRPr lang="en-US" dirty="0"/>
-          </a:p>
-          <a:p>
-            <a:r>
-              <a:rPr lang="en-US" dirty="0"/>
-              <a:t>    it 'includes the </a:t>
-            </a:r>
-            <a:r>
-              <a:rPr lang="en-US" dirty="0" smtClean="0"/>
-              <a:t>configuration recipe' do</a:t>
-            </a:r>
-          </a:p>
-          <a:p>
-            <a:r>
-              <a:rPr lang="en-US" dirty="0" smtClean="0"/>
-              <a:t>      </a:t>
-            </a:r>
-            <a:r>
-              <a:rPr lang="en-US" dirty="0"/>
-              <a:t>expect(</a:t>
             </a:r>
             <a:r>
               <a:rPr lang="en-US" dirty="0" err="1"/>
@@ -22727,20 +21953,51 @@
             </a:r>
             <a:r>
               <a:rPr lang="en-US" dirty="0"/>
-              <a:t>(</a:t>
-            </a:r>
-            <a:r>
-              <a:rPr lang="en-US" dirty="0" smtClean="0"/>
-              <a:t>'apache::configuration')</a:t>
-            </a:r>
+              <a:t>('apache::install')</a:t>
+            </a:r>
+          </a:p>
+          <a:p>
+            <a:r>
+              <a:rPr lang="en-US" dirty="0"/>
+              <a:t>    end</a:t>
+            </a:r>
+          </a:p>
+          <a:p>
             <a:endParaRPr lang="en-US" dirty="0"/>
           </a:p>
           <a:p>
             <a:r>
-              <a:rPr lang="en-US" dirty="0" smtClean="0"/>
+              <a:rPr lang="en-US" dirty="0"/>
+              <a:t>    it 'includes the configuration recipe' do</a:t>
+            </a:r>
+          </a:p>
+          <a:p>
+            <a:r>
+              <a:rPr lang="en-US" dirty="0"/>
+              <a:t>      expect(</a:t>
+            </a:r>
+            <a:r>
+              <a:rPr lang="en-US" dirty="0" err="1"/>
+              <a:t>chef_run</a:t>
+            </a:r>
+            <a:r>
+              <a:rPr lang="en-US" dirty="0"/>
+              <a:t>).to </a:t>
+            </a:r>
+            <a:r>
+              <a:rPr lang="en-US" dirty="0" err="1"/>
+              <a:t>include_recipe</a:t>
+            </a:r>
+            <a:r>
+              <a:rPr lang="en-US" dirty="0"/>
+              <a:t>('apache::configuration')</a:t>
+            </a:r>
+          </a:p>
+          <a:p>
+            <a:r>
+              <a:rPr lang="en-US" dirty="0"/>
               <a:t>    end</a:t>
             </a:r>
-            <a:endParaRPr lang="en-US" dirty="0"/>
           </a:p>
           <a:p>
             <a:r>
@@ -22778,11 +22035,11 @@
           <a:lstStyle/>
           <a:p>
             <a:r>
-              <a:rPr lang="en-US" dirty="0" smtClean="0"/>
+              <a:rPr lang="en-US" dirty="0"/>
               <a:t>~/apache/spec/unit/recipes/</a:t>
             </a:r>
             <a:r>
-              <a:rPr lang="en-US" dirty="0" err="1" smtClean="0"/>
+              <a:rPr lang="en-US" dirty="0" err="1"/>
               <a:t>default_spec.rb</a:t>
             </a:r>
             <a:endParaRPr lang="en-US" dirty="0"/>
@@ -22826,13 +22083,6 @@
   <p:transition spd="med">
     <p:fade/>
   </p:transition>
-  <p:timing>
-    <p:tnLst>
-      <p:par>
-        <p:cTn id="1" dur="indefinite" restart="never" nodeType="tmRoot"/>
-      </p:par>
-    </p:tnLst>
-  </p:timing>
 </p:sld>
 </file>
 
@@ -22888,23 +22138,7 @@
           <a:p>
             <a:r>
               <a:rPr lang="en-US" dirty="0"/>
-              <a:t>  1) </a:t>
-            </a:r>
-            <a:r>
-              <a:rPr lang="en-US" dirty="0" smtClean="0"/>
-              <a:t>apache::</a:t>
-            </a:r>
-            <a:r>
-              <a:rPr lang="en-US" dirty="0"/>
-              <a:t>default When all attributes are default, on </a:t>
-            </a:r>
-            <a:r>
-              <a:rPr lang="en-US" dirty="0" smtClean="0"/>
-              <a:t>an CentOS 6.7 </a:t>
-            </a:r>
-            <a:r>
-              <a:rPr lang="en-US" dirty="0"/>
-              <a:t>includes the service recipe</a:t>
+              <a:t>  1) apache::default When all attributes are default, on an CentOS 6.9 includes the service recipe</a:t>
             </a:r>
           </a:p>
           <a:p>
@@ -22926,51 +22160,20 @@
             </a:r>
             <a:r>
               <a:rPr lang="en-US" dirty="0"/>
-              <a:t>(</a:t>
-            </a:r>
-            <a:r>
-              <a:rPr lang="en-US" dirty="0" smtClean="0"/>
-              <a:t>'apache::configuration')</a:t>
-            </a:r>
-            <a:endParaRPr lang="en-US" dirty="0"/>
-          </a:p>
-          <a:p>
-            <a:r>
-              <a:rPr lang="en-US" dirty="0"/>
-              <a:t>       expected </a:t>
-            </a:r>
-            <a:r>
-              <a:rPr lang="en-US" dirty="0" smtClean="0"/>
-              <a:t>["apache::</a:t>
-            </a:r>
-            <a:r>
-              <a:rPr lang="en-US" dirty="0"/>
-              <a:t>default", </a:t>
-            </a:r>
-            <a:r>
-              <a:rPr lang="en-US" dirty="0" smtClean="0"/>
-              <a:t>"apache::</a:t>
-            </a:r>
-            <a:r>
-              <a:rPr lang="en-US" dirty="0"/>
-              <a:t>install"] to include </a:t>
-            </a:r>
-            <a:r>
-              <a:rPr lang="en-US" dirty="0" smtClean="0"/>
-              <a:t>"apache::configuration"</a:t>
-            </a:r>
-            <a:endParaRPr lang="en-US" dirty="0"/>
-          </a:p>
-          <a:p>
-            <a:r>
-              <a:rPr lang="en-US" dirty="0"/>
-              <a:t>     # ./spec/unit/recipes/default_spec.rb:25:in `block (3 levels</a:t>
-            </a:r>
-            <a:r>
-              <a:rPr lang="en-US" dirty="0" smtClean="0"/>
-              <a:t>)</a:t>
-            </a:r>
-            <a:endParaRPr lang="en-US" dirty="0"/>
+              <a:t>('apache::configuration')</a:t>
+            </a:r>
+          </a:p>
+          <a:p>
+            <a:r>
+              <a:rPr lang="en-US" dirty="0"/>
+              <a:t>       expected ["apache::default", "apache::install"] to include "apache::configuration"</a:t>
+            </a:r>
+          </a:p>
+          <a:p>
+            <a:r>
+              <a:rPr lang="en-US" dirty="0"/>
+              <a:t>     # ./spec/unit/recipes/default_spec.rb:25:in `block (3 levels)</a:t>
+            </a:r>
           </a:p>
         </p:txBody>
       </p:sp>
@@ -23002,7 +22205,7 @@
               <a:t> spec/unit/recipes/</a:t>
             </a:r>
             <a:r>
-              <a:rPr lang="en-US" dirty="0" err="1" smtClean="0"/>
+              <a:rPr lang="en-US" dirty="0" err="1"/>
               <a:t>default_spec.rb</a:t>
             </a:r>
             <a:endParaRPr lang="en-US" dirty="0"/>
@@ -23049,10 +22252,9 @@
           <a:lstStyle/>
           <a:p>
             <a:r>
-              <a:rPr lang="en-US" dirty="0" smtClean="0"/>
+              <a:rPr lang="en-US" dirty="0"/>
               <a:t>Execute the Tests to See it Fail</a:t>
             </a:r>
-            <a:endParaRPr lang="en-US" dirty="0"/>
           </a:p>
         </p:txBody>
       </p:sp>
@@ -23069,13 +22271,6 @@
   <p:transition spd="med">
     <p:fade/>
   </p:transition>
-  <p:timing>
-    <p:tnLst>
-      <p:par>
-        <p:cTn id="1" dur="indefinite" restart="never" nodeType="tmRoot"/>
-      </p:par>
-    </p:tnLst>
-  </p:timing>
 </p:sld>
 </file>
 
@@ -23112,10 +22307,9 @@
           <a:lstStyle/>
           <a:p>
             <a:r>
-              <a:rPr lang="en-US" dirty="0" smtClean="0"/>
+              <a:rPr lang="en-US" dirty="0"/>
               <a:t>Uncomment the Include Recipe</a:t>
             </a:r>
-            <a:endParaRPr lang="en-US" dirty="0"/>
           </a:p>
         </p:txBody>
       </p:sp>
@@ -23142,13 +22336,8 @@
           <a:p>
             <a:r>
               <a:rPr lang="en-US" dirty="0"/>
-              <a:t># Cookbook Name:: </a:t>
-            </a:r>
-            <a:r>
-              <a:rPr lang="en-US" dirty="0" smtClean="0"/>
-              <a:t>apache</a:t>
-            </a:r>
-            <a:endParaRPr lang="en-US" dirty="0"/>
+              <a:t># Cookbook Name:: apache</a:t>
+            </a:r>
           </a:p>
           <a:p>
             <a:r>
@@ -23168,16 +22357,12 @@
               <a:t># Copyright (c) </a:t>
             </a:r>
             <a:r>
-              <a:rPr lang="is-IS" dirty="0" smtClean="0"/>
+              <a:rPr lang="is-IS" dirty="0"/>
               <a:t>2017</a:t>
             </a:r>
             <a:r>
-              <a:rPr lang="en-US" dirty="0" smtClean="0"/>
-              <a:t> </a:t>
-            </a:r>
-            <a:r>
-              <a:rPr lang="en-US" dirty="0"/>
-              <a:t>The Authors, All Rights Reserved.</a:t>
+              <a:rPr lang="en-US" dirty="0"/>
+              <a:t> The Authors, All Rights Reserved.</a:t>
             </a:r>
           </a:p>
           <a:p>
@@ -23187,29 +22372,7 @@
             </a:r>
             <a:r>
               <a:rPr lang="en-US" dirty="0"/>
-              <a:t> </a:t>
-            </a:r>
-            <a:r>
-              <a:rPr lang="en-US" dirty="0" smtClean="0"/>
-              <a:t>'apache::</a:t>
-            </a:r>
-            <a:r>
-              <a:rPr lang="en-US" dirty="0"/>
-              <a:t>install'</a:t>
-            </a:r>
-          </a:p>
-          <a:p>
-            <a:r>
-              <a:rPr lang="en-US" dirty="0" err="1" smtClean="0"/>
-              <a:t>include_recipe</a:t>
-            </a:r>
-            <a:r>
-              <a:rPr lang="en-US" dirty="0" smtClean="0"/>
-              <a:t> 'apache::</a:t>
-            </a:r>
-            <a:r>
-              <a:rPr lang="en-US" dirty="0"/>
-              <a:t>configuration'</a:t>
+              <a:t> 'apache::install'</a:t>
             </a:r>
           </a:p>
           <a:p>
@@ -23219,15 +22382,17 @@
             </a:r>
             <a:r>
               <a:rPr lang="en-US" dirty="0"/>
-              <a:t> </a:t>
-            </a:r>
-            <a:r>
-              <a:rPr lang="en-US" dirty="0" smtClean="0"/>
-              <a:t>'apache::</a:t>
-            </a:r>
-            <a:r>
-              <a:rPr lang="en-US" dirty="0"/>
-              <a:t>service'</a:t>
+              <a:t> 'apache::configuration'</a:t>
+            </a:r>
+          </a:p>
+          <a:p>
+            <a:r>
+              <a:rPr lang="en-US" dirty="0" err="1"/>
+              <a:t>include_recipe</a:t>
+            </a:r>
+            <a:r>
+              <a:rPr lang="en-US" dirty="0"/>
+              <a:t> 'apache::service'</a:t>
             </a:r>
           </a:p>
         </p:txBody>
@@ -23248,11 +22413,11 @@
           <a:lstStyle/>
           <a:p>
             <a:r>
-              <a:rPr lang="en-US" dirty="0" smtClean="0"/>
+              <a:rPr lang="en-US" dirty="0"/>
               <a:t>~/apache/recipes/</a:t>
             </a:r>
             <a:r>
-              <a:rPr lang="en-US" dirty="0" err="1" smtClean="0"/>
+              <a:rPr lang="en-US" dirty="0" err="1"/>
               <a:t>default.rb</a:t>
             </a:r>
             <a:endParaRPr lang="en-US" dirty="0"/>
@@ -23296,13 +22461,6 @@
   <p:transition spd="med">
     <p:fade/>
   </p:transition>
-  <p:timing>
-    <p:tnLst>
-      <p:par>
-        <p:cTn id="1" dur="indefinite" restart="never" nodeType="tmRoot"/>
-      </p:par>
-    </p:tnLst>
-  </p:timing>
 </p:sld>
 </file>
 
@@ -23340,15 +22498,7 @@
           <a:p>
             <a:r>
               <a:rPr lang="en-US" dirty="0"/>
-              <a:t>.</a:t>
-            </a:r>
-            <a:r>
-              <a:rPr lang="en-US" dirty="0" smtClean="0"/>
-              <a:t>.</a:t>
-            </a:r>
-            <a:r>
-              <a:rPr lang="en-US" dirty="0"/>
-              <a:t>.</a:t>
+              <a:t>...</a:t>
             </a:r>
           </a:p>
           <a:p>
@@ -23396,7 +22546,7 @@
               <a:t> spec/unit/recipes/</a:t>
             </a:r>
             <a:r>
-              <a:rPr lang="en-US" dirty="0" err="1" smtClean="0"/>
+              <a:rPr lang="en-US" dirty="0" err="1"/>
               <a:t>default_spec.rb</a:t>
             </a:r>
             <a:endParaRPr lang="en-US" dirty="0"/>
@@ -23443,14 +22593,13 @@
           <a:lstStyle/>
           <a:p>
             <a:r>
-              <a:rPr lang="en-US" dirty="0" smtClean="0"/>
+              <a:rPr lang="en-US" dirty="0"/>
               <a:t>Execute the Tests to </a:t>
             </a:r>
             <a:r>
-              <a:rPr lang="en-US" smtClean="0"/>
+              <a:rPr lang="en-US"/>
               <a:t>See it Pass</a:t>
             </a:r>
-            <a:endParaRPr lang="en-US"/>
           </a:p>
         </p:txBody>
       </p:sp>
@@ -23467,13 +22616,6 @@
   <p:transition spd="med">
     <p:fade/>
   </p:transition>
-  <p:timing>
-    <p:tnLst>
-      <p:par>
-        <p:cTn id="1" dur="indefinite" restart="never" nodeType="tmRoot"/>
-      </p:par>
-    </p:tnLst>
-  </p:timing>
 </p:sld>
 </file>
 
@@ -23512,10 +22654,9 @@
           <a:lstStyle/>
           <a:p>
             <a:r>
-              <a:rPr lang="en-US" dirty="0" smtClean="0"/>
+              <a:rPr lang="en-US" dirty="0"/>
               <a:t>Continue with Mutation Testing</a:t>
             </a:r>
-            <a:endParaRPr lang="en-US" dirty="0"/>
           </a:p>
         </p:txBody>
       </p:sp>
@@ -23542,7 +22683,7 @@
               <a:buChar char="ü"/>
             </a:pPr>
             <a:r>
-              <a:rPr lang="en-US" dirty="0" smtClean="0"/>
+              <a:rPr lang="en-US" dirty="0"/>
               <a:t>Comment out the next line in the apache cookbook's default recipe</a:t>
             </a:r>
           </a:p>
@@ -23555,10 +22696,9 @@
               <a:buChar char="ü"/>
             </a:pPr>
             <a:r>
-              <a:rPr lang="en-US" dirty="0" smtClean="0"/>
+              <a:rPr lang="en-US" dirty="0"/>
               <a:t>Write the example with expectation that will generate a failure</a:t>
             </a:r>
-            <a:endParaRPr lang="en-US" dirty="0"/>
           </a:p>
           <a:p>
             <a:pPr>
@@ -23569,7 +22709,7 @@
               <a:buChar char="ü"/>
             </a:pPr>
             <a:r>
-              <a:rPr lang="en-US" dirty="0" smtClean="0"/>
+              <a:rPr lang="en-US" dirty="0"/>
               <a:t>Verify that one example generates a failure</a:t>
             </a:r>
           </a:p>
@@ -23582,7 +22722,7 @@
               <a:buChar char="ü"/>
             </a:pPr>
             <a:r>
-              <a:rPr lang="en-US" dirty="0" smtClean="0"/>
+              <a:rPr lang="en-US" dirty="0"/>
               <a:t>Restore the code in the recipe</a:t>
             </a:r>
           </a:p>
@@ -23595,7 +22735,7 @@
               <a:buChar char="ü"/>
             </a:pPr>
             <a:r>
-              <a:rPr lang="en-US" dirty="0" smtClean="0"/>
+              <a:rPr lang="en-US" dirty="0"/>
               <a:t>Verify that all examples pass</a:t>
             </a:r>
           </a:p>
@@ -23633,21 +22773,8 @@
             </a:pPr>
             <a:r>
               <a:rPr lang="en-US" b="1" dirty="0"/>
-              <a:t>Repeat this </a:t>
-            </a:r>
-            <a:r>
-              <a:rPr lang="en-US" b="1" dirty="0" smtClean="0"/>
-              <a:t>series </a:t>
-            </a:r>
-            <a:r>
-              <a:rPr lang="en-US" b="1" dirty="0"/>
-              <a:t>of steps </a:t>
-            </a:r>
-            <a:r>
-              <a:rPr lang="en-US" b="1" dirty="0" smtClean="0"/>
-              <a:t>for each line within the default recipe</a:t>
-            </a:r>
-            <a:endParaRPr lang="en-US" b="1" dirty="0"/>
+              <a:t>Repeat this series of steps for each line within the default recipe</a:t>
+            </a:r>
           </a:p>
         </p:txBody>
       </p:sp>
@@ -23664,13 +22791,6 @@
   <p:transition spd="med">
     <p:fade/>
   </p:transition>
-  <p:timing>
-    <p:tnLst>
-      <p:par>
-        <p:cTn id="1" dur="indefinite" restart="never" nodeType="tmRoot"/>
-      </p:par>
-    </p:tnLst>
-  </p:timing>
 </p:sld>
 </file>
 
@@ -23709,10 +22829,9 @@
           <a:lstStyle/>
           <a:p>
             <a:r>
-              <a:rPr lang="en-US" dirty="0" smtClean="0"/>
+              <a:rPr lang="en-US" dirty="0"/>
               <a:t>Discussion</a:t>
             </a:r>
-            <a:endParaRPr lang="en-US" dirty="0"/>
           </a:p>
         </p:txBody>
       </p:sp>
@@ -23737,7 +22856,7 @@
           <a:lstStyle/>
           <a:p>
             <a:r>
-              <a:rPr lang="en-US" dirty="0" smtClean="0"/>
+              <a:rPr lang="en-US" dirty="0"/>
               <a:t>What functionality did you test in the integration tests?</a:t>
             </a:r>
           </a:p>
@@ -23746,7 +22865,7 @@
           </a:p>
           <a:p>
             <a:r>
-              <a:rPr lang="en-US" dirty="0" smtClean="0"/>
+              <a:rPr lang="en-US" dirty="0"/>
               <a:t>What functionality did you test in these unit tests?</a:t>
             </a:r>
           </a:p>
@@ -23758,30 +22877,29 @@
               <a:rPr lang="en-US" dirty="0"/>
               <a:t>What do you see as the scope of unit testing versus integration testing?</a:t>
             </a:r>
-            <a:endParaRPr lang="en-US" dirty="0" smtClean="0"/>
           </a:p>
           <a:p>
             <a:endParaRPr lang="en-US" dirty="0"/>
           </a:p>
           <a:p>
             <a:r>
-              <a:rPr lang="en-US" dirty="0" smtClean="0"/>
+              <a:rPr lang="en-US" dirty="0"/>
               <a:t>What are the differences between a </a:t>
             </a:r>
             <a:r>
-              <a:rPr lang="en-US" dirty="0" err="1" smtClean="0"/>
+              <a:rPr lang="en-US" dirty="0" err="1"/>
               <a:t>ChefSpec</a:t>
             </a:r>
             <a:r>
-              <a:rPr lang="en-US" dirty="0" smtClean="0"/>
+              <a:rPr lang="en-US" dirty="0"/>
               <a:t> test and a </a:t>
             </a:r>
             <a:r>
-              <a:rPr lang="en-US" dirty="0" err="1" smtClean="0"/>
+              <a:rPr lang="en-US" dirty="0" err="1"/>
               <a:t>InSpec</a:t>
             </a:r>
             <a:r>
-              <a:rPr lang="en-US" dirty="0" smtClean="0"/>
+              <a:rPr lang="en-US" dirty="0"/>
               <a:t> test?</a:t>
             </a:r>
           </a:p>
@@ -23800,13 +22918,6 @@
   <p:transition spd="med">
     <p:fade/>
   </p:transition>
-  <p:timing>
-    <p:tnLst>
-      <p:par>
-        <p:cTn id="1" dur="indefinite" restart="never" nodeType="tmRoot"/>
-      </p:par>
-    </p:tnLst>
-  </p:timing>
 </p:sld>
 </file>
 
@@ -23845,10 +22956,9 @@
           <a:lstStyle/>
           <a:p>
             <a:r>
-              <a:rPr lang="en-US" dirty="0" smtClean="0"/>
+              <a:rPr lang="en-US" dirty="0"/>
               <a:t>Q&amp;A</a:t>
             </a:r>
-            <a:endParaRPr lang="en-US" dirty="0"/>
           </a:p>
         </p:txBody>
       </p:sp>
@@ -23868,10 +22978,9 @@
           <a:lstStyle/>
           <a:p>
             <a:r>
-              <a:rPr lang="en-US" dirty="0" smtClean="0"/>
+              <a:rPr lang="en-US" dirty="0"/>
               <a:t>What questions can we answer for you?</a:t>
             </a:r>
-            <a:endParaRPr lang="en-US" dirty="0"/>
           </a:p>
         </p:txBody>
       </p:sp>
@@ -23888,13 +22997,6 @@
   <p:transition spd="med">
     <p:fade/>
   </p:transition>
-  <p:timing>
-    <p:tnLst>
-      <p:par>
-        <p:cTn id="1" dur="indefinite" restart="never" nodeType="tmRoot"/>
-      </p:par>
-    </p:tnLst>
-  </p:timing>
 </p:sld>
 </file>
 
@@ -23938,10 +23040,9 @@
           <a:lstStyle/>
           <a:p>
             <a:r>
-              <a:rPr lang="en-US" sz="5400" dirty="0" smtClean="0"/>
+              <a:rPr lang="en-US" sz="5400" dirty="0"/>
               <a:t>External Dependencies</a:t>
             </a:r>
-            <a:endParaRPr lang="en-US" sz="5400" dirty="0"/>
           </a:p>
         </p:txBody>
       </p:sp>
@@ -23999,7 +23100,7 @@
           <a:p>
             <a:pPr algn="ctr" defTabSz="914099"/>
             <a:r>
-              <a:rPr lang="en-US" b="1" dirty="0" smtClean="0">
+              <a:rPr lang="en-US" b="1" dirty="0">
                 <a:gradFill>
                   <a:gsLst>
                     <a:gs pos="0">
@@ -24014,7 +23115,7 @@
               </a:rPr>
               <a:t>Install Chef</a:t>
             </a:r>
-            <a:endParaRPr lang="en-US" sz="2400" b="1" dirty="0" smtClean="0">
+            <a:endParaRPr lang="en-US" sz="2400" b="1" dirty="0">
               <a:gradFill>
                 <a:gsLst>
                   <a:gs pos="0">
@@ -24084,7 +23185,7 @@
           <a:p>
             <a:pPr algn="ctr" defTabSz="914099"/>
             <a:r>
-              <a:rPr lang="en-US" b="1" dirty="0" smtClean="0">
+              <a:rPr lang="en-US" b="1" dirty="0">
                 <a:gradFill>
                   <a:gsLst>
                     <a:gs pos="0">
@@ -24099,7 +23200,7 @@
               </a:rPr>
               <a:t>Apply the Run List</a:t>
             </a:r>
-            <a:endParaRPr lang="en-US" sz="2400" b="1" dirty="0" smtClean="0">
+            <a:endParaRPr lang="en-US" sz="2400" b="1" dirty="0">
               <a:gradFill>
                 <a:gsLst>
                   <a:gs pos="0">
@@ -24169,7 +23270,7 @@
           <a:p>
             <a:pPr algn="ctr" defTabSz="914099"/>
             <a:r>
-              <a:rPr lang="en-US" sz="2000" b="1" dirty="0" smtClean="0">
+              <a:rPr lang="en-US" sz="2000" b="1" dirty="0">
                 <a:gradFill>
                   <a:gsLst>
                     <a:gs pos="0">
@@ -24185,7 +23286,7 @@
               <a:t>Build Node (</a:t>
             </a:r>
             <a:r>
-              <a:rPr lang="en-US" sz="2000" b="1" dirty="0" err="1" smtClean="0">
+              <a:rPr lang="en-US" sz="2000" b="1" dirty="0" err="1">
                 <a:gradFill>
                   <a:gsLst>
                     <a:gs pos="0">
@@ -24201,7 +23302,7 @@
               <a:t>ohai</a:t>
             </a:r>
             <a:r>
-              <a:rPr lang="en-US" sz="2000" b="1" dirty="0" smtClean="0">
+              <a:rPr lang="en-US" sz="2000" b="1" dirty="0">
                 <a:gradFill>
                   <a:gsLst>
                     <a:gs pos="0">
@@ -24273,7 +23374,7 @@
           <a:p>
             <a:pPr algn="ctr" defTabSz="914099"/>
             <a:r>
-              <a:rPr lang="en-US" sz="2000" b="1" dirty="0" smtClean="0">
+              <a:rPr lang="en-US" sz="2000" b="1" dirty="0">
                 <a:gradFill>
                   <a:gsLst>
                     <a:gs pos="0">
@@ -24345,7 +23446,7 @@
           <a:p>
             <a:pPr algn="ctr" defTabSz="914099"/>
             <a:r>
-              <a:rPr lang="en-US" sz="2000" b="1" dirty="0" smtClean="0">
+              <a:rPr lang="en-US" sz="2000" b="1" dirty="0">
                 <a:gradFill>
                   <a:gsLst>
                     <a:gs pos="0">
@@ -24417,7 +23518,7 @@
           <a:p>
             <a:pPr algn="ctr" defTabSz="914099"/>
             <a:r>
-              <a:rPr lang="en-US" sz="2000" b="1" dirty="0" smtClean="0">
+              <a:rPr lang="en-US" sz="2000" b="1" dirty="0">
                 <a:gradFill>
                   <a:gsLst>
                     <a:gs pos="0">
@@ -24489,7 +23590,7 @@
           <a:p>
             <a:pPr algn="ctr" defTabSz="914099"/>
             <a:r>
-              <a:rPr lang="en-US" b="1" dirty="0" smtClean="0">
+              <a:rPr lang="en-US" b="1" dirty="0">
                 <a:gradFill>
                   <a:gsLst>
                     <a:gs pos="0">
@@ -24504,7 +23605,7 @@
               </a:rPr>
               <a:t>Execute Tests</a:t>
             </a:r>
-            <a:endParaRPr lang="en-US" sz="2400" b="1" dirty="0" smtClean="0">
+            <a:endParaRPr lang="en-US" sz="2400" b="1" dirty="0">
               <a:gradFill>
                 <a:gsLst>
                   <a:gs pos="0">
@@ -24541,10 +23642,9 @@
           <a:lstStyle/>
           <a:p>
             <a:r>
-              <a:rPr lang="en-US" dirty="0" smtClean="0"/>
+              <a:rPr lang="en-US" dirty="0"/>
               <a:t>The speed of the test suite is affected by the external dependency on the creation of the test instance, installing chef, and applying the run list.</a:t>
             </a:r>
-            <a:endParaRPr lang="en-US" dirty="0"/>
           </a:p>
         </p:txBody>
       </p:sp>
@@ -24602,7 +23702,7 @@
           <a:p>
             <a:pPr algn="ctr" defTabSz="914099"/>
             <a:r>
-              <a:rPr lang="en-US" b="1" dirty="0" smtClean="0">
+              <a:rPr lang="en-US" b="1" dirty="0">
                 <a:gradFill>
                   <a:gsLst>
                     <a:gs pos="0">
@@ -24618,7 +23718,7 @@
               <a:t>Create </a:t>
             </a:r>
             <a:r>
-              <a:rPr lang="en-US" b="1" dirty="0" err="1" smtClean="0">
+              <a:rPr lang="en-US" b="1" dirty="0" err="1">
                 <a:gradFill>
                   <a:gsLst>
                     <a:gs pos="0">
@@ -24634,7 +23734,7 @@
               <a:t>CentOS</a:t>
             </a:r>
             <a:r>
-              <a:rPr lang="en-US" b="1" dirty="0" smtClean="0">
+              <a:rPr lang="en-US" b="1" dirty="0">
                 <a:gradFill>
                   <a:gsLst>
                     <a:gs pos="0">
@@ -24649,7 +23749,7 @@
               </a:rPr>
               <a:t> Instance</a:t>
             </a:r>
-            <a:endParaRPr lang="en-US" sz="2400" b="1" dirty="0" smtClean="0">
+            <a:endParaRPr lang="en-US" sz="2400" b="1" dirty="0">
               <a:gradFill>
                 <a:gsLst>
                   <a:gs pos="0">
@@ -24678,13 +23778,6 @@
   <p:transition spd="med">
     <p:fade/>
   </p:transition>
-  <p:timing>
-    <p:tnLst>
-      <p:par>
-        <p:cTn id="1" dur="indefinite" restart="never" nodeType="tmRoot"/>
-      </p:par>
-    </p:tnLst>
-  </p:timing>
 </p:sld>
 </file>
 
@@ -24721,30 +23814,30 @@
           <a:lstStyle/>
           <a:p>
             <a:r>
-              <a:rPr lang="en-US" smtClean="0"/>
+              <a:rPr lang="en-US"/>
               <a:t>Introduction</a:t>
             </a:r>
           </a:p>
           <a:p>
             <a:r>
-              <a:rPr lang="en-US" smtClean="0"/>
+              <a:rPr lang="en-US"/>
               <a:t>Why Write Tests? Why is that Hard?</a:t>
             </a:r>
           </a:p>
           <a:p>
             <a:r>
-              <a:rPr lang="en-US" smtClean="0"/>
+              <a:rPr lang="en-US"/>
               <a:t>Writing a Test First</a:t>
             </a:r>
           </a:p>
           <a:p>
             <a:r>
-              <a:rPr lang="en-US" smtClean="0"/>
+              <a:rPr lang="en-US"/>
               <a:t>Refactoring Cookbooks with Tests</a:t>
             </a:r>
           </a:p>
           <a:p>
-            <a:endParaRPr lang="en-US" dirty="0" smtClean="0"/>
+            <a:endParaRPr lang="en-US" dirty="0"/>
           </a:p>
         </p:txBody>
       </p:sp>
@@ -24764,28 +23857,27 @@
           <a:lstStyle/>
           <a:p>
             <a:r>
-              <a:rPr lang="en-US" dirty="0" smtClean="0"/>
+              <a:rPr lang="en-US" dirty="0"/>
               <a:t>Faster Feedback with Unit Testing</a:t>
             </a:r>
           </a:p>
           <a:p>
             <a:r>
-              <a:rPr lang="en-US" b="1" dirty="0" smtClean="0"/>
+              <a:rPr lang="en-US" b="1" dirty="0"/>
               <a:t>Testing Resources in Recipes</a:t>
             </a:r>
           </a:p>
           <a:p>
             <a:r>
-              <a:rPr lang="en-US" dirty="0" smtClean="0"/>
+              <a:rPr lang="en-US" dirty="0"/>
               <a:t>Refactoring to Attributes</a:t>
             </a:r>
           </a:p>
           <a:p>
             <a:r>
-              <a:rPr lang="en-US" dirty="0" smtClean="0"/>
+              <a:rPr lang="en-US" dirty="0"/>
               <a:t>Refactoring to Multiple Platforms</a:t>
             </a:r>
-            <a:endParaRPr lang="en-US" dirty="0"/>
           </a:p>
         </p:txBody>
       </p:sp>
@@ -24805,7 +23897,7 @@
           <a:lstStyle/>
           <a:p>
             <a:r>
-              <a:rPr lang="en-US" smtClean="0"/>
+              <a:rPr lang="en-US"/>
               <a:t>Morning</a:t>
             </a:r>
             <a:endParaRPr lang="en-US" dirty="0"/>
@@ -24828,7 +23920,7 @@
           <a:lstStyle/>
           <a:p>
             <a:r>
-              <a:rPr lang="en-US" smtClean="0"/>
+              <a:rPr lang="en-US"/>
               <a:t>Afternoon</a:t>
             </a:r>
             <a:endParaRPr lang="en-US" dirty="0"/>
@@ -24848,13 +23940,6 @@
   <p:transition spd="med">
     <p:fade/>
   </p:transition>
-  <p:timing>
-    <p:tnLst>
-      <p:par>
-        <p:cTn id="1" dur="indefinite" restart="never" nodeType="tmRoot"/>
-      </p:par>
-    </p:tnLst>
-  </p:timing>
 </p:sld>
 </file>
 
@@ -24888,13 +23973,6 @@
   <p:transition spd="med">
     <p:fade/>
   </p:transition>
-  <p:timing>
-    <p:tnLst>
-      <p:par>
-        <p:cTn id="1" dur="indefinite" restart="never" nodeType="tmRoot"/>
-      </p:par>
-    </p:tnLst>
-  </p:timing>
 </p:sld>
 </file>
 
@@ -24969,7 +24047,7 @@
           <a:p>
             <a:pPr algn="ctr" defTabSz="914099"/>
             <a:r>
-              <a:rPr lang="en-US" b="1" dirty="0" smtClean="0">
+              <a:rPr lang="en-US" b="1" dirty="0">
                 <a:gradFill>
                   <a:gsLst>
                     <a:gs pos="0">
@@ -24984,7 +24062,7 @@
               </a:rPr>
               <a:t>Install Chef</a:t>
             </a:r>
-            <a:endParaRPr lang="en-US" sz="2400" b="1" dirty="0" smtClean="0">
+            <a:endParaRPr lang="en-US" sz="2400" b="1" dirty="0">
               <a:gradFill>
                 <a:gsLst>
                   <a:gs pos="0">
@@ -25054,7 +24132,7 @@
           <a:p>
             <a:pPr algn="ctr" defTabSz="914099"/>
             <a:r>
-              <a:rPr lang="en-US" b="1" dirty="0" smtClean="0">
+              <a:rPr lang="en-US" b="1" dirty="0">
                 <a:gradFill>
                   <a:gsLst>
                     <a:gs pos="0">
@@ -25069,7 +24147,7 @@
               </a:rPr>
               <a:t>Apply the Run List</a:t>
             </a:r>
-            <a:endParaRPr lang="en-US" sz="2400" b="1" dirty="0" smtClean="0">
+            <a:endParaRPr lang="en-US" sz="2400" b="1" dirty="0">
               <a:gradFill>
                 <a:gsLst>
                   <a:gs pos="0">
@@ -25139,7 +24217,7 @@
           <a:p>
             <a:pPr algn="ctr" defTabSz="914099"/>
             <a:r>
-              <a:rPr lang="en-US" sz="2000" b="1" dirty="0" smtClean="0">
+              <a:rPr lang="en-US" sz="2000" b="1" dirty="0">
                 <a:gradFill>
                   <a:gsLst>
                     <a:gs pos="0">
@@ -25155,7 +24233,7 @@
               <a:t>Build Node (</a:t>
             </a:r>
             <a:r>
-              <a:rPr lang="en-US" sz="2000" b="1" dirty="0" err="1" smtClean="0">
+              <a:rPr lang="en-US" sz="2000" b="1" dirty="0" err="1">
                 <a:gradFill>
                   <a:gsLst>
                     <a:gs pos="0">
@@ -25171,7 +24249,7 @@
               <a:t>ohai</a:t>
             </a:r>
             <a:r>
-              <a:rPr lang="en-US" sz="2000" b="1" dirty="0" smtClean="0">
+              <a:rPr lang="en-US" sz="2000" b="1" dirty="0">
                 <a:gradFill>
                   <a:gsLst>
                     <a:gs pos="0">
@@ -25243,7 +24321,7 @@
           <a:p>
             <a:pPr algn="ctr" defTabSz="914099"/>
             <a:r>
-              <a:rPr lang="en-US" sz="2000" b="1" dirty="0" smtClean="0">
+              <a:rPr lang="en-US" sz="2000" b="1" dirty="0">
                 <a:gradFill>
                   <a:gsLst>
                     <a:gs pos="0">
@@ -25315,7 +24393,7 @@
           <a:p>
             <a:pPr algn="ctr" defTabSz="914099"/>
             <a:r>
-              <a:rPr lang="en-US" sz="2000" b="1" dirty="0" smtClean="0">
+              <a:rPr lang="en-US" sz="2000" b="1" dirty="0">
                 <a:gradFill>
                   <a:gsLst>
                     <a:gs pos="0">
@@ -25387,7 +24465,7 @@
           <a:p>
             <a:pPr algn="ctr" defTabSz="914099"/>
             <a:r>
-              <a:rPr lang="en-US" sz="2000" b="1" dirty="0" smtClean="0">
+              <a:rPr lang="en-US" sz="2000" b="1" dirty="0">
                 <a:gradFill>
                   <a:gsLst>
                     <a:gs pos="0">
@@ -25459,7 +24537,7 @@
           <a:p>
             <a:pPr algn="ctr" defTabSz="914099"/>
             <a:r>
-              <a:rPr lang="en-US" b="1" dirty="0" smtClean="0">
+              <a:rPr lang="en-US" b="1" dirty="0">
                 <a:gradFill>
                   <a:gsLst>
                     <a:gs pos="0">
@@ -25474,7 +24552,7 @@
               </a:rPr>
               <a:t>Execute Tests</a:t>
             </a:r>
-            <a:endParaRPr lang="en-US" sz="2400" b="1" dirty="0" smtClean="0">
+            <a:endParaRPr lang="en-US" sz="2400" b="1" dirty="0">
               <a:gradFill>
                 <a:gsLst>
                   <a:gs pos="0">
@@ -25539,7 +24617,7 @@
           <a:lstStyle/>
           <a:p>
             <a:pPr algn="ctr" defTabSz="914099"/>
-            <a:endParaRPr lang="en-US" sz="2400" dirty="0" err="1" smtClean="0">
+            <a:endParaRPr lang="en-US" sz="2400" dirty="0" err="1">
               <a:gradFill>
                 <a:gsLst>
                   <a:gs pos="0">
@@ -25746,10 +24824,9 @@
           </a:lstStyle>
           <a:p>
             <a:r>
-              <a:rPr lang="en-US" sz="5400" dirty="0" smtClean="0"/>
+              <a:rPr lang="en-US" sz="5400" dirty="0"/>
               <a:t>Build Resource Collection</a:t>
             </a:r>
-            <a:endParaRPr lang="en-US" sz="5400" dirty="0"/>
           </a:p>
         </p:txBody>
       </p:sp>
@@ -25774,7 +24851,7 @@
           <a:lstStyle/>
           <a:p>
             <a:r>
-              <a:rPr lang="en-US" dirty="0" smtClean="0"/>
+              <a:rPr lang="en-US" dirty="0"/>
               <a:t>The resource collection is a list of all the resources and recipes loaded across all the recipes within the run list.</a:t>
             </a:r>
           </a:p>
@@ -25834,7 +24911,7 @@
           <a:p>
             <a:pPr algn="ctr" defTabSz="914099"/>
             <a:r>
-              <a:rPr lang="en-US" b="1" dirty="0" smtClean="0">
+              <a:rPr lang="en-US" b="1" dirty="0">
                 <a:gradFill>
                   <a:gsLst>
                     <a:gs pos="0">
@@ -25850,7 +24927,7 @@
               <a:t>Create </a:t>
             </a:r>
             <a:r>
-              <a:rPr lang="en-US" b="1" dirty="0" err="1" smtClean="0">
+              <a:rPr lang="en-US" b="1" dirty="0" err="1">
                 <a:gradFill>
                   <a:gsLst>
                     <a:gs pos="0">
@@ -25866,7 +24943,7 @@
               <a:t>CentOS</a:t>
             </a:r>
             <a:r>
-              <a:rPr lang="en-US" b="1" dirty="0" smtClean="0">
+              <a:rPr lang="en-US" b="1" dirty="0">
                 <a:gradFill>
                   <a:gsLst>
                     <a:gs pos="0">
@@ -25881,7 +24958,7 @@
               </a:rPr>
               <a:t> Instance</a:t>
             </a:r>
-            <a:endParaRPr lang="en-US" sz="2400" b="1" dirty="0" smtClean="0">
+            <a:endParaRPr lang="en-US" sz="2400" b="1" dirty="0">
               <a:gradFill>
                 <a:gsLst>
                   <a:gs pos="0">
@@ -25946,7 +25023,7 @@
           <a:lstStyle/>
           <a:p>
             <a:pPr algn="ctr" defTabSz="914099"/>
-            <a:endParaRPr lang="en-US" sz="2400" dirty="0" err="1" smtClean="0">
+            <a:endParaRPr lang="en-US" sz="2400" dirty="0" err="1">
               <a:gradFill>
                 <a:gsLst>
                   <a:gs pos="0">
@@ -25975,13 +25052,6 @@
   <p:transition spd="med">
     <p:fade/>
   </p:transition>
-  <p:timing>
-    <p:tnLst>
-      <p:par>
-        <p:cTn id="1" dur="indefinite" restart="never" nodeType="tmRoot"/>
-      </p:par>
-    </p:tnLst>
-  </p:timing>
 </p:sld>
 </file>
 
@@ -26020,10 +25090,9 @@
           <a:lstStyle/>
           <a:p>
             <a:r>
-              <a:rPr lang="en-US" dirty="0" smtClean="0"/>
+              <a:rPr lang="en-US" dirty="0"/>
               <a:t>Resource Collection</a:t>
             </a:r>
-            <a:endParaRPr lang="en-US" dirty="0"/>
           </a:p>
         </p:txBody>
       </p:sp>
@@ -26091,7 +25160,7 @@
             <a:lstStyle/>
             <a:p>
               <a:pPr algn="ctr" defTabSz="914099"/>
-              <a:endParaRPr lang="en-US" sz="2400" dirty="0" err="1" smtClean="0">
+              <a:endParaRPr lang="en-US" sz="2400" dirty="0" err="1">
                 <a:gradFill>
                   <a:gsLst>
                     <a:gs pos="0">
@@ -26157,7 +25226,7 @@
             <a:lstStyle/>
             <a:p>
               <a:pPr algn="ctr" defTabSz="914099"/>
-              <a:endParaRPr lang="en-US" sz="2400" dirty="0" err="1" smtClean="0">
+              <a:endParaRPr lang="en-US" sz="2400" dirty="0" err="1">
                 <a:gradFill>
                   <a:gsLst>
                     <a:gs pos="0">
@@ -26222,7 +25291,7 @@
             <a:lstStyle/>
             <a:p>
               <a:pPr algn="ctr" defTabSz="914099"/>
-              <a:endParaRPr lang="en-US" sz="2400" dirty="0" err="1" smtClean="0">
+              <a:endParaRPr lang="en-US" sz="2400" dirty="0" err="1">
                 <a:gradFill>
                   <a:gsLst>
                     <a:gs pos="0">
@@ -26357,7 +25426,7 @@
             <a:lstStyle/>
             <a:p>
               <a:pPr algn="ctr" defTabSz="914099"/>
-              <a:endParaRPr lang="en-US" sz="2400" dirty="0" err="1" smtClean="0">
+              <a:endParaRPr lang="en-US" sz="2400" dirty="0" err="1">
                 <a:gradFill>
                   <a:gsLst>
                     <a:gs pos="0">
@@ -26428,7 +25497,7 @@
             <a:lstStyle/>
             <a:p>
               <a:pPr algn="ctr" defTabSz="914099"/>
-              <a:endParaRPr lang="en-US" sz="2400" dirty="0" err="1" smtClean="0">
+              <a:endParaRPr lang="en-US" sz="2400" dirty="0" err="1">
                 <a:gradFill>
                   <a:gsLst>
                     <a:gs pos="0">
@@ -26499,7 +25568,7 @@
             <a:lstStyle/>
             <a:p>
               <a:pPr algn="ctr" defTabSz="914099"/>
-              <a:endParaRPr lang="en-US" sz="2400" dirty="0" err="1" smtClean="0">
+              <a:endParaRPr lang="en-US" sz="2400" dirty="0" err="1">
                 <a:gradFill>
                   <a:gsLst>
                     <a:gs pos="0">
@@ -26541,7 +25610,7 @@
             <a:lstStyle/>
             <a:p>
               <a:r>
-                <a:rPr lang="en-US" b="1" dirty="0" smtClean="0">
+                <a:rPr lang="en-US" b="1" dirty="0">
                   <a:latin typeface="Courier New" charset="0"/>
                   <a:ea typeface="Courier New" charset="0"/>
                   <a:cs typeface="Courier New" charset="0"/>
@@ -26549,7 +25618,7 @@
                 <a:t>package '</a:t>
               </a:r>
               <a:r>
-                <a:rPr lang="en-US" b="1" dirty="0" err="1" smtClean="0">
+                <a:rPr lang="en-US" b="1" dirty="0" err="1">
                   <a:latin typeface="Courier New" charset="0"/>
                   <a:ea typeface="Courier New" charset="0"/>
                   <a:cs typeface="Courier New" charset="0"/>
@@ -26557,7 +25626,7 @@
                 <a:t>httpd</a:t>
               </a:r>
               <a:r>
-                <a:rPr lang="en-US" b="1" dirty="0" smtClean="0">
+                <a:rPr lang="en-US" b="1" dirty="0">
                   <a:latin typeface="Courier New" charset="0"/>
                   <a:ea typeface="Courier New" charset="0"/>
                   <a:cs typeface="Courier New" charset="0"/>
@@ -26589,7 +25658,7 @@
             <a:lstStyle/>
             <a:p>
               <a:r>
-                <a:rPr lang="en-US" sz="2000" b="1" dirty="0" smtClean="0">
+                <a:rPr lang="en-US" sz="2000" b="1" dirty="0">
                   <a:latin typeface="Courier New" charset="0"/>
                   <a:ea typeface="Courier New" charset="0"/>
                   <a:cs typeface="Courier New" charset="0"/>
@@ -26597,7 +25666,7 @@
                 <a:t>file '/</a:t>
               </a:r>
               <a:r>
-                <a:rPr lang="en-US" sz="2000" b="1" dirty="0" err="1" smtClean="0">
+                <a:rPr lang="en-US" sz="2000" b="1" dirty="0" err="1">
                   <a:latin typeface="Courier New" charset="0"/>
                   <a:ea typeface="Courier New" charset="0"/>
                   <a:cs typeface="Courier New" charset="0"/>
@@ -26605,7 +25674,7 @@
                 <a:t>var</a:t>
               </a:r>
               <a:r>
-                <a:rPr lang="en-US" sz="2000" b="1" dirty="0" smtClean="0">
+                <a:rPr lang="en-US" sz="2000" b="1" dirty="0">
                   <a:latin typeface="Courier New" charset="0"/>
                   <a:ea typeface="Courier New" charset="0"/>
                   <a:cs typeface="Courier New" charset="0"/>
@@ -26637,7 +25706,7 @@
             <a:lstStyle/>
             <a:p>
               <a:r>
-                <a:rPr lang="en-US" b="1" dirty="0" smtClean="0">
+                <a:rPr lang="en-US" b="1" dirty="0">
                   <a:latin typeface="Courier New" charset="0"/>
                   <a:ea typeface="Courier New" charset="0"/>
                   <a:cs typeface="Courier New" charset="0"/>
@@ -26645,7 +25714,7 @@
                 <a:t>service '</a:t>
               </a:r>
               <a:r>
-                <a:rPr lang="en-US" b="1" dirty="0" err="1" smtClean="0">
+                <a:rPr lang="en-US" b="1" dirty="0" err="1">
                   <a:latin typeface="Courier New" charset="0"/>
                   <a:ea typeface="Courier New" charset="0"/>
                   <a:cs typeface="Courier New" charset="0"/>
@@ -26653,7 +25722,7 @@
                 <a:t>httpd</a:t>
               </a:r>
               <a:r>
-                <a:rPr lang="en-US" b="1" dirty="0" smtClean="0">
+                <a:rPr lang="en-US" b="1" dirty="0">
                   <a:latin typeface="Courier New" charset="0"/>
                   <a:ea typeface="Courier New" charset="0"/>
                   <a:cs typeface="Courier New" charset="0"/>
@@ -26729,7 +25798,7 @@
             <a:p>
               <a:pPr algn="r" defTabSz="914099"/>
               <a:r>
-                <a:rPr lang="en-US" sz="4000" b="1" dirty="0" smtClean="0">
+                <a:rPr lang="en-US" sz="4000" b="1" dirty="0">
                   <a:solidFill>
                     <a:schemeClr val="accent3">
                       <a:lumMod val="50000"/>
@@ -26738,7 +25807,7 @@
                 </a:rPr>
                 <a:t>apache</a:t>
               </a:r>
-              <a:endParaRPr lang="en-US" sz="4400" b="1" dirty="0" smtClean="0">
+              <a:endParaRPr lang="en-US" sz="4400" b="1" dirty="0">
                 <a:solidFill>
                   <a:schemeClr val="accent3">
                     <a:lumMod val="50000"/>
@@ -26802,7 +25871,7 @@
             <a:p>
               <a:pPr defTabSz="914099"/>
               <a:r>
-                <a:rPr lang="en-US" sz="2000" dirty="0" smtClean="0">
+                <a:rPr lang="en-US" sz="2000" dirty="0">
                   <a:solidFill>
                     <a:schemeClr val="bg1"/>
                   </a:solidFill>
@@ -26866,7 +25935,7 @@
             <a:p>
               <a:pPr defTabSz="914099"/>
               <a:r>
-                <a:rPr lang="en-US" sz="2000" dirty="0" smtClean="0">
+                <a:rPr lang="en-US" sz="2000" dirty="0">
                   <a:solidFill>
                     <a:schemeClr val="bg1"/>
                   </a:solidFill>
@@ -26930,7 +25999,7 @@
             <a:p>
               <a:pPr defTabSz="914099"/>
               <a:r>
-                <a:rPr lang="en-US" sz="2000" dirty="0" smtClean="0">
+                <a:rPr lang="en-US" sz="2000" dirty="0">
                   <a:solidFill>
                     <a:schemeClr val="bg1"/>
                   </a:solidFill>
@@ -26994,7 +26063,7 @@
             <a:p>
               <a:pPr defTabSz="914099"/>
               <a:r>
-                <a:rPr lang="en-US" sz="2000" dirty="0" smtClean="0">
+                <a:rPr lang="en-US" sz="2000" dirty="0">
                   <a:solidFill>
                     <a:schemeClr val="bg1"/>
                   </a:solidFill>
@@ -27244,7 +26313,7 @@
             <a:lstStyle/>
             <a:p>
               <a:pPr algn="ctr" defTabSz="914099"/>
-              <a:endParaRPr lang="en-US" sz="2400" dirty="0" err="1" smtClean="0">
+              <a:endParaRPr lang="en-US" sz="2400" dirty="0" err="1">
                 <a:gradFill>
                   <a:gsLst>
                     <a:gs pos="0">
@@ -27315,7 +26384,7 @@
             <a:lstStyle/>
             <a:p>
               <a:pPr algn="ctr" defTabSz="914099"/>
-              <a:endParaRPr lang="en-US" sz="2400" dirty="0" err="1" smtClean="0">
+              <a:endParaRPr lang="en-US" sz="2400" dirty="0" err="1">
                 <a:gradFill>
                   <a:gsLst>
                     <a:gs pos="0">
@@ -27386,7 +26455,7 @@
             <a:lstStyle/>
             <a:p>
               <a:pPr algn="ctr" defTabSz="914099"/>
-              <a:endParaRPr lang="en-US" sz="2400" dirty="0" err="1" smtClean="0">
+              <a:endParaRPr lang="en-US" sz="2400" dirty="0" err="1">
                 <a:gradFill>
                   <a:gsLst>
                     <a:gs pos="0">
@@ -27585,13 +26654,6 @@
   <p:transition spd="med">
     <p:fade/>
   </p:transition>
-  <p:timing>
-    <p:tnLst>
-      <p:par>
-        <p:cTn id="1" dur="indefinite" restart="never" nodeType="tmRoot"/>
-      </p:par>
-    </p:tnLst>
-  </p:timing>
 </p:sld>
 </file>
 
@@ -27630,11 +26692,11 @@
           <a:lstStyle/>
           <a:p>
             <a:r>
-              <a:rPr lang="en-US" dirty="0" smtClean="0"/>
+              <a:rPr lang="en-US" dirty="0"/>
               <a:t>RSpec and </a:t>
             </a:r>
             <a:r>
-              <a:rPr lang="en-US" dirty="0" err="1" smtClean="0"/>
+              <a:rPr lang="en-US" dirty="0" err="1"/>
               <a:t>ChefSpec</a:t>
             </a:r>
             <a:endParaRPr lang="en-US" dirty="0"/>
@@ -27662,7 +26724,7 @@
           <a:lstStyle/>
           <a:p>
             <a:r>
-              <a:rPr lang="en-US" dirty="0" smtClean="0"/>
+              <a:rPr lang="en-US" dirty="0"/>
               <a:t>RSpec is a Domain Specific Language (DSL) that allows you to express and execute expectations. These expectations are expressed in examples that are asserted in different example groups.</a:t>
             </a:r>
           </a:p>
@@ -27671,22 +26733,21 @@
           </a:p>
           <a:p>
             <a:r>
-              <a:rPr lang="en-US" dirty="0" err="1" smtClean="0"/>
+              <a:rPr lang="en-US" dirty="0" err="1"/>
               <a:t>ChefSpec</a:t>
             </a:r>
             <a:r>
-              <a:rPr lang="en-US" dirty="0" smtClean="0"/>
+              <a:rPr lang="en-US" dirty="0"/>
               <a:t> provides helpers and tools that allow you to express expectations about the state of </a:t>
             </a:r>
             <a:r>
-              <a:rPr lang="en-US" b="1" dirty="0" smtClean="0"/>
+              <a:rPr lang="en-US" b="1" dirty="0"/>
               <a:t>resource collection</a:t>
             </a:r>
             <a:r>
-              <a:rPr lang="en-US" dirty="0" smtClean="0"/>
+              <a:rPr lang="en-US" dirty="0"/>
               <a:t>.</a:t>
             </a:r>
-            <a:endParaRPr lang="en-US" dirty="0"/>
           </a:p>
         </p:txBody>
       </p:sp>
@@ -27758,7 +26819,7 @@
             <a:p>
               <a:pPr algn="ctr" defTabSz="914099"/>
               <a:r>
-                <a:rPr lang="en-US" b="1" dirty="0" smtClean="0">
+                <a:rPr lang="en-US" b="1" dirty="0">
                   <a:gradFill>
                     <a:gsLst>
                       <a:gs pos="0">
@@ -27773,7 +26834,7 @@
                 </a:rPr>
                 <a:t>Ruby</a:t>
               </a:r>
-              <a:endParaRPr lang="en-US" sz="2400" b="1" dirty="0" smtClean="0">
+              <a:endParaRPr lang="en-US" sz="2400" b="1" dirty="0">
                 <a:gradFill>
                   <a:gsLst>
                     <a:gs pos="0">
@@ -27843,7 +26904,7 @@
             <a:p>
               <a:pPr algn="ctr" defTabSz="914099"/>
               <a:r>
-                <a:rPr lang="en-US" b="1" dirty="0" smtClean="0">
+                <a:rPr lang="en-US" b="1" dirty="0">
                   <a:gradFill>
                     <a:gsLst>
                       <a:gs pos="0">
@@ -27858,7 +26919,7 @@
                 </a:rPr>
                 <a:t>RSpec</a:t>
               </a:r>
-              <a:endParaRPr lang="en-US" sz="2400" b="1" dirty="0" smtClean="0">
+              <a:endParaRPr lang="en-US" sz="2400" b="1" dirty="0">
                 <a:gradFill>
                   <a:gsLst>
                     <a:gs pos="0">
@@ -27928,7 +26989,7 @@
             <a:p>
               <a:pPr algn="ctr" defTabSz="914099"/>
               <a:r>
-                <a:rPr lang="en-US" b="1" smtClean="0">
+                <a:rPr lang="en-US" b="1">
                   <a:gradFill>
                     <a:gsLst>
                       <a:gs pos="0">
@@ -27943,7 +27004,7 @@
                 </a:rPr>
                 <a:t>ChefSpec</a:t>
               </a:r>
-              <a:endParaRPr lang="en-US" sz="2400" b="1" dirty="0" smtClean="0">
+              <a:endParaRPr lang="en-US" sz="2400" b="1" dirty="0">
                 <a:gradFill>
                   <a:gsLst>
                     <a:gs pos="0">
@@ -28013,7 +27074,7 @@
             <a:p>
               <a:pPr algn="ctr" defTabSz="914099"/>
               <a:r>
-                <a:rPr lang="en-US" b="1" dirty="0" smtClean="0">
+                <a:rPr lang="en-US" b="1" dirty="0">
                   <a:gradFill>
                     <a:gsLst>
                       <a:gs pos="0">
@@ -28028,7 +27089,7 @@
                 </a:rPr>
                 <a:t>Chef</a:t>
               </a:r>
-              <a:endParaRPr lang="en-US" sz="2400" b="1" dirty="0" smtClean="0">
+              <a:endParaRPr lang="en-US" sz="2400" b="1" dirty="0">
                 <a:gradFill>
                   <a:gsLst>
                     <a:gs pos="0">
@@ -28058,13 +27119,6 @@
   <p:transition spd="med">
     <p:fade/>
   </p:transition>
-  <p:timing>
-    <p:tnLst>
-      <p:par>
-        <p:cTn id="1" dur="indefinite" restart="never" nodeType="tmRoot"/>
-      </p:par>
-    </p:tnLst>
-  </p:timing>
 </p:sld>
 </file>
 
@@ -28103,11 +27157,11 @@
           <a:lstStyle/>
           <a:p>
             <a:r>
-              <a:rPr lang="en-US" dirty="0" smtClean="0"/>
+              <a:rPr lang="en-US" dirty="0"/>
               <a:t>Test Kitchen versus </a:t>
             </a:r>
             <a:r>
-              <a:rPr lang="en-US" dirty="0" err="1" smtClean="0"/>
+              <a:rPr lang="en-US" dirty="0" err="1"/>
               <a:t>ChefSpec</a:t>
             </a:r>
             <a:endParaRPr lang="en-US" dirty="0"/>
@@ -28196,7 +27250,7 @@
               <a:p>
                 <a:pPr algn="ctr" defTabSz="914099"/>
                 <a:r>
-                  <a:rPr lang="en-US" b="1" dirty="0" smtClean="0">
+                  <a:rPr lang="en-US" b="1" dirty="0">
                     <a:gradFill>
                       <a:gsLst>
                         <a:gs pos="0">
@@ -28212,7 +27266,7 @@
                   <a:t>Create </a:t>
                 </a:r>
                 <a:r>
-                  <a:rPr lang="en-US" b="1" dirty="0" err="1" smtClean="0">
+                  <a:rPr lang="en-US" b="1" dirty="0" err="1">
                     <a:gradFill>
                       <a:gsLst>
                         <a:gs pos="0">
@@ -28228,7 +27282,7 @@
                   <a:t>CentOS</a:t>
                 </a:r>
                 <a:r>
-                  <a:rPr lang="en-US" b="1" dirty="0" smtClean="0">
+                  <a:rPr lang="en-US" b="1" dirty="0">
                     <a:gradFill>
                       <a:gsLst>
                         <a:gs pos="0">
@@ -28243,7 +27297,7 @@
                   </a:rPr>
                   <a:t> Instance</a:t>
                 </a:r>
-                <a:endParaRPr lang="en-US" sz="2400" b="1" dirty="0" smtClean="0">
+                <a:endParaRPr lang="en-US" sz="2400" b="1" dirty="0">
                   <a:gradFill>
                     <a:gsLst>
                       <a:gs pos="0">
@@ -28313,7 +27367,7 @@
               <a:p>
                 <a:pPr algn="ctr" defTabSz="914099"/>
                 <a:r>
-                  <a:rPr lang="en-US" b="1" dirty="0" smtClean="0">
+                  <a:rPr lang="en-US" b="1" dirty="0">
                     <a:gradFill>
                       <a:gsLst>
                         <a:gs pos="0">
@@ -28328,7 +27382,7 @@
                   </a:rPr>
                   <a:t>Install Chef</a:t>
                 </a:r>
-                <a:endParaRPr lang="en-US" sz="2400" b="1" dirty="0" smtClean="0">
+                <a:endParaRPr lang="en-US" sz="2400" b="1" dirty="0">
                   <a:gradFill>
                     <a:gsLst>
                       <a:gs pos="0">
@@ -28398,7 +27452,7 @@
               <a:p>
                 <a:pPr algn="ctr" defTabSz="914099"/>
                 <a:r>
-                  <a:rPr lang="en-US" b="1" dirty="0" smtClean="0">
+                  <a:rPr lang="en-US" b="1" dirty="0">
                     <a:gradFill>
                       <a:gsLst>
                         <a:gs pos="0">
@@ -28413,7 +27467,7 @@
                   </a:rPr>
                   <a:t>Apply the Run List</a:t>
                 </a:r>
-                <a:endParaRPr lang="en-US" sz="2400" b="1" dirty="0" smtClean="0">
+                <a:endParaRPr lang="en-US" sz="2400" b="1" dirty="0">
                   <a:gradFill>
                     <a:gsLst>
                       <a:gs pos="0">
@@ -28483,7 +27537,7 @@
               <a:p>
                 <a:pPr algn="ctr" defTabSz="914099"/>
                 <a:r>
-                  <a:rPr lang="en-US" b="1" smtClean="0">
+                  <a:rPr lang="en-US" b="1">
                     <a:gradFill>
                       <a:gsLst>
                         <a:gs pos="0">
@@ -28498,7 +27552,7 @@
                   </a:rPr>
                   <a:t>Execute Tests</a:t>
                 </a:r>
-                <a:endParaRPr lang="en-US" sz="2400" b="1" dirty="0" smtClean="0">
+                <a:endParaRPr lang="en-US" sz="2400" b="1" dirty="0">
                   <a:gradFill>
                     <a:gsLst>
                       <a:gs pos="0">
@@ -28571,7 +27625,7 @@
               <a:lstStyle/>
               <a:p>
                 <a:pPr algn="ctr" defTabSz="914099"/>
-                <a:endParaRPr lang="en-US" sz="2400" dirty="0" err="1" smtClean="0">
+                <a:endParaRPr lang="en-US" sz="2400" dirty="0" err="1">
                   <a:gradFill>
                     <a:gsLst>
                       <a:gs pos="0">
@@ -28644,7 +27698,7 @@
               <a:lstStyle/>
               <a:p>
                 <a:pPr algn="ctr" defTabSz="914099"/>
-                <a:endParaRPr lang="en-US" sz="2400" dirty="0" err="1" smtClean="0">
+                <a:endParaRPr lang="en-US" sz="2400" dirty="0" err="1">
                   <a:gradFill>
                     <a:gsLst>
                       <a:gs pos="0">
@@ -28717,7 +27771,7 @@
               <a:lstStyle/>
               <a:p>
                 <a:pPr algn="ctr" defTabSz="914099"/>
-                <a:endParaRPr lang="en-US" sz="2400" dirty="0" err="1" smtClean="0">
+                <a:endParaRPr lang="en-US" sz="2400" dirty="0" err="1">
                   <a:gradFill>
                     <a:gsLst>
                       <a:gs pos="0">
@@ -28756,14 +27810,14 @@
             <a:lstStyle/>
             <a:p>
               <a:r>
-                <a:rPr lang="en-US" sz="3200" dirty="0" smtClean="0"/>
+                <a:rPr lang="en-US" sz="3200" dirty="0"/>
                 <a:t>Test Kitchen using </a:t>
               </a:r>
               <a:r>
-                <a:rPr lang="en-US" sz="3200" dirty="0" err="1" smtClean="0"/>
+                <a:rPr lang="en-US" sz="3200" dirty="0" err="1"/>
                 <a:t>InSpec</a:t>
               </a:r>
-              <a:endParaRPr lang="en-US" sz="3200" dirty="0" smtClean="0"/>
+              <a:endParaRPr lang="en-US" sz="3200" dirty="0"/>
             </a:p>
           </p:txBody>
         </p:sp>
@@ -28836,7 +27890,7 @@
             <a:p>
               <a:pPr algn="ctr" defTabSz="914099"/>
               <a:r>
-                <a:rPr lang="en-US" b="1" dirty="0" smtClean="0">
+                <a:rPr lang="en-US" b="1" dirty="0">
                   <a:gradFill>
                     <a:gsLst>
                       <a:gs pos="0">
@@ -28852,7 +27906,7 @@
                 <a:t>Build Node (</a:t>
               </a:r>
               <a:r>
-                <a:rPr lang="en-US" b="1" dirty="0" err="1" smtClean="0">
+                <a:rPr lang="en-US" b="1" dirty="0" err="1">
                   <a:gradFill>
                     <a:gsLst>
                       <a:gs pos="0">
@@ -28868,7 +27922,7 @@
                 <a:t>Fauxhai</a:t>
               </a:r>
               <a:r>
-                <a:rPr lang="en-US" b="1" dirty="0" smtClean="0">
+                <a:rPr lang="en-US" b="1" dirty="0">
                   <a:gradFill>
                     <a:gsLst>
                       <a:gs pos="0">
@@ -28883,7 +27937,7 @@
                 </a:rPr>
                 <a:t>)</a:t>
               </a:r>
-              <a:endParaRPr lang="en-US" sz="2400" b="1" dirty="0" smtClean="0">
+              <a:endParaRPr lang="en-US" sz="2400" b="1" dirty="0">
                 <a:gradFill>
                   <a:gsLst>
                     <a:gs pos="0">
@@ -28953,7 +28007,7 @@
             <a:p>
               <a:pPr algn="ctr" defTabSz="914099"/>
               <a:r>
-                <a:rPr lang="en-US" b="1" smtClean="0">
+                <a:rPr lang="en-US" b="1">
                   <a:gradFill>
                     <a:gsLst>
                       <a:gs pos="0">
@@ -28968,7 +28022,7 @@
                 </a:rPr>
                 <a:t>Execute Tests</a:t>
               </a:r>
-              <a:endParaRPr lang="en-US" sz="2400" b="1" dirty="0" smtClean="0">
+              <a:endParaRPr lang="en-US" sz="2400" b="1" dirty="0">
                 <a:gradFill>
                   <a:gsLst>
                     <a:gs pos="0">
@@ -29038,7 +28092,7 @@
             <a:p>
               <a:pPr algn="ctr" defTabSz="914099"/>
               <a:r>
-                <a:rPr lang="en-US" b="1" dirty="0" smtClean="0">
+                <a:rPr lang="en-US" b="1" dirty="0">
                   <a:gradFill>
                     <a:gsLst>
                       <a:gs pos="0">
@@ -29053,7 +28107,7 @@
                 </a:rPr>
                 <a:t>Build Resource Collection</a:t>
               </a:r>
-              <a:endParaRPr lang="en-US" sz="2400" b="1" dirty="0" smtClean="0">
+              <a:endParaRPr lang="en-US" sz="2400" b="1" dirty="0">
                 <a:gradFill>
                   <a:gsLst>
                     <a:gs pos="0">
@@ -29091,10 +28145,10 @@
             <a:lstStyle/>
             <a:p>
               <a:r>
-                <a:rPr lang="en-US" sz="3200" dirty="0" err="1" smtClean="0"/>
+                <a:rPr lang="en-US" sz="3200" dirty="0" err="1"/>
                 <a:t>ChefSpec</a:t>
               </a:r>
-              <a:endParaRPr lang="en-US" sz="3200" dirty="0" smtClean="0"/>
+              <a:endParaRPr lang="en-US" sz="3200" dirty="0"/>
             </a:p>
           </p:txBody>
         </p:sp>
@@ -29155,7 +28209,7 @@
             <a:lstStyle/>
             <a:p>
               <a:pPr algn="ctr" defTabSz="914099"/>
-              <a:endParaRPr lang="en-US" sz="2400" dirty="0" err="1" smtClean="0">
+              <a:endParaRPr lang="en-US" sz="2400" dirty="0" err="1">
                 <a:gradFill>
                   <a:gsLst>
                     <a:gs pos="0">
@@ -29228,7 +28282,7 @@
             <a:lstStyle/>
             <a:p>
               <a:pPr algn="ctr" defTabSz="914099"/>
-              <a:endParaRPr lang="en-US" sz="2400" dirty="0" err="1" smtClean="0">
+              <a:endParaRPr lang="en-US" sz="2400" dirty="0" err="1">
                 <a:gradFill>
                   <a:gsLst>
                     <a:gs pos="0">
@@ -29258,13 +28312,6 @@
   <p:transition spd="med">
     <p:fade/>
   </p:transition>
-  <p:timing>
-    <p:tnLst>
-      <p:par>
-        <p:cTn id="1" dur="indefinite" restart="never" nodeType="tmRoot"/>
-      </p:par>
-    </p:tnLst>
-  </p:timing>
 </p:sld>
 </file>
 
@@ -29303,10 +28350,9 @@
           <a:lstStyle/>
           <a:p>
             <a:r>
-              <a:rPr lang="en-US" dirty="0" smtClean="0"/>
+              <a:rPr lang="en-US" dirty="0"/>
               <a:t>Faster Feedback While Developing Cookbooks</a:t>
             </a:r>
-            <a:endParaRPr lang="en-US" dirty="0"/>
           </a:p>
         </p:txBody>
       </p:sp>
@@ -29326,10 +28372,9 @@
           <a:lstStyle/>
           <a:p>
             <a:r>
-              <a:rPr lang="en-US" dirty="0" smtClean="0"/>
+              <a:rPr lang="en-US" dirty="0"/>
               <a:t>The faster the feedback from our tests, the more likely we are to run them. The more likely we are to run them means they will catch more issues.</a:t>
             </a:r>
-            <a:endParaRPr lang="en-US" dirty="0"/>
           </a:p>
         </p:txBody>
       </p:sp>
@@ -29353,7 +28398,7 @@
               <a:buChar char="q"/>
             </a:pPr>
             <a:r>
-              <a:rPr lang="en-US" dirty="0" smtClean="0"/>
+              <a:rPr lang="en-US" dirty="0"/>
               <a:t>Review and run the existing tests</a:t>
             </a:r>
           </a:p>
@@ -29373,7 +28418,7 @@
               <a:buChar char="q"/>
             </a:pPr>
             <a:r>
-              <a:rPr lang="en-US" dirty="0" smtClean="0"/>
+              <a:rPr lang="en-US" dirty="0"/>
               <a:t>Write and execute the tests to identify the failure</a:t>
             </a:r>
           </a:p>
@@ -29383,18 +28428,18 @@
               <a:buChar char="q"/>
             </a:pPr>
             <a:r>
-              <a:rPr lang="en-US" dirty="0" smtClean="0"/>
+              <a:rPr lang="en-US" dirty="0"/>
               <a:t>Fix the code and execute the tests to see success</a:t>
             </a:r>
           </a:p>
           <a:p>
-            <a:endParaRPr lang="en-US" dirty="0" smtClean="0"/>
-          </a:p>
-          <a:p>
-            <a:endParaRPr lang="en-US" dirty="0" smtClean="0"/>
-          </a:p>
-          <a:p>
-            <a:endParaRPr lang="en-US" dirty="0" smtClean="0"/>
+            <a:endParaRPr lang="en-US" dirty="0"/>
+          </a:p>
+          <a:p>
+            <a:endParaRPr lang="en-US" dirty="0"/>
+          </a:p>
+          <a:p>
+            <a:endParaRPr lang="en-US" dirty="0"/>
           </a:p>
         </p:txBody>
       </p:sp>
@@ -29411,13 +28456,6 @@
   <p:transition spd="med">
     <p:fade/>
   </p:transition>
-  <p:timing>
-    <p:tnLst>
-      <p:par>
-        <p:cTn id="1" dur="indefinite" restart="never" nodeType="tmRoot"/>
-      </p:par>
-    </p:tnLst>
-  </p:timing>
 </p:sld>
 </file>
 
@@ -30752,18 +29790,6 @@
 </file>
 
 <file path=customXml/item1.xml><?xml version="1.0" encoding="utf-8"?>
-<p:properties xmlns:p="http://schemas.microsoft.com/office/2006/metadata/properties" xmlns:xsi="http://www.w3.org/2001/XMLSchema-instance" xmlns:pc="http://schemas.microsoft.com/office/infopath/2007/PartnerControls">
-  <documentManagement>
-    <_dlc_DocId xmlns="7bb5d761-a2ea-4873-95f7-7a6658fb3ef0">M4CWTKMW727E-592-73</_dlc_DocId>
-    <_dlc_DocIdUrl xmlns="7bb5d761-a2ea-4873-95f7-7a6658fb3ef0">
-      <Url>https://kms.vci.local/marketing/team/_layouts/DocIdRedir.aspx?ID=M4CWTKMW727E-592-73</Url>
-      <Description>M4CWTKMW727E-592-73</Description>
-    </_dlc_DocIdUrl>
-  </documentManagement>
-</p:properties>
-</file>
-
-<file path=customXml/item2.xml><?xml version="1.0" encoding="utf-8"?>
 <ct:contentTypeSchema xmlns:ct="http://schemas.microsoft.com/office/2006/metadata/contentType" xmlns:ma="http://schemas.microsoft.com/office/2006/metadata/properties/metaAttributes" ct:_="" ma:_="" ma:contentTypeName="Document" ma:contentTypeID="0x0101000812F700BE7F874999720E88173FE491" ma:contentTypeVersion="0" ma:contentTypeDescription="Create a new document." ma:contentTypeScope="" ma:versionID="3f79f408e2ca720b7aba6e0e32464d0c">
   <xsd:schema xmlns:xsd="http://www.w3.org/2001/XMLSchema" xmlns:xs="http://www.w3.org/2001/XMLSchema" xmlns:p="http://schemas.microsoft.com/office/2006/metadata/properties" xmlns:ns2="7bb5d761-a2ea-4873-95f7-7a6658fb3ef0" targetNamespace="http://schemas.microsoft.com/office/2006/metadata/properties" ma:root="true" ma:fieldsID="1e062cd38ba31e406bfc4340fbc7f87a" ns2:_="">
     <xsd:import namespace="7bb5d761-a2ea-4873-95f7-7a6658fb3ef0"/>
@@ -30908,7 +29934,28 @@
 </ct:contentTypeSchema>
 </file>
 
+<file path=customXml/item2.xml><?xml version="1.0" encoding="utf-8"?>
+<p:properties xmlns:p="http://schemas.microsoft.com/office/2006/metadata/properties" xmlns:xsi="http://www.w3.org/2001/XMLSchema-instance" xmlns:pc="http://schemas.microsoft.com/office/infopath/2007/PartnerControls">
+  <documentManagement>
+    <_dlc_DocId xmlns="7bb5d761-a2ea-4873-95f7-7a6658fb3ef0">M4CWTKMW727E-592-73</_dlc_DocId>
+    <_dlc_DocIdUrl xmlns="7bb5d761-a2ea-4873-95f7-7a6658fb3ef0">
+      <Url>https://kms.vci.local/marketing/team/_layouts/DocIdRedir.aspx?ID=M4CWTKMW727E-592-73</Url>
+      <Description>M4CWTKMW727E-592-73</Description>
+    </_dlc_DocIdUrl>
+  </documentManagement>
+</p:properties>
+</file>
+
 <file path=customXml/item3.xml><?xml version="1.0" encoding="utf-8"?>
+<?mso-contentType ?>
+<FormTemplates xmlns="http://schemas.microsoft.com/sharepoint/v3/contenttype/forms">
+  <Display>DocumentLibraryForm</Display>
+  <Edit>DocumentLibraryForm</Edit>
+  <New>DocumentLibraryForm</New>
+</FormTemplates>
+</file>
+
+<file path=customXml/item4.xml><?xml version="1.0" encoding="utf-8"?>
 <?mso-contentType ?>
 <spe:Receivers xmlns:spe="http://schemas.microsoft.com/sharepoint/events">
   <Receiver>
@@ -30954,32 +30001,7 @@
 </spe:Receivers>
 </file>
 
-<file path=customXml/item4.xml><?xml version="1.0" encoding="utf-8"?>
-<?mso-contentType ?>
-<FormTemplates xmlns="http://schemas.microsoft.com/sharepoint/v3/contenttype/forms">
-  <Display>DocumentLibraryForm</Display>
-  <Edit>DocumentLibraryForm</Edit>
-  <New>DocumentLibraryForm</New>
-</FormTemplates>
-</file>
-
 <file path=customXml/itemProps1.xml><?xml version="1.0" encoding="utf-8"?>
-<ds:datastoreItem xmlns:ds="http://schemas.openxmlformats.org/officeDocument/2006/customXml" ds:itemID="{6921749B-AEB7-461B-845F-603CABD25259}">
-  <ds:schemaRefs>
-    <ds:schemaRef ds:uri="7bb5d761-a2ea-4873-95f7-7a6658fb3ef0"/>
-    <ds:schemaRef ds:uri="http://purl.org/dc/terms/"/>
-    <ds:schemaRef ds:uri="http://schemas.openxmlformats.org/package/2006/metadata/core-properties"/>
-    <ds:schemaRef ds:uri="http://purl.org/dc/dcmitype/"/>
-    <ds:schemaRef ds:uri="http://schemas.microsoft.com/office/2006/documentManagement/types"/>
-    <ds:schemaRef ds:uri="http://purl.org/dc/elements/1.1/"/>
-    <ds:schemaRef ds:uri="http://schemas.microsoft.com/office/2006/metadata/properties"/>
-    <ds:schemaRef ds:uri="http://schemas.microsoft.com/office/infopath/2007/PartnerControls"/>
-    <ds:schemaRef ds:uri="http://www.w3.org/XML/1998/namespace"/>
-  </ds:schemaRefs>
-</ds:datastoreItem>
-</file>
-
-<file path=customXml/itemProps2.xml><?xml version="1.0" encoding="utf-8"?>
 <ds:datastoreItem xmlns:ds="http://schemas.openxmlformats.org/officeDocument/2006/customXml" ds:itemID="{164479E5-0B02-49AC-B79E-EC1D6164DDD3}">
   <ds:schemaRefs>
     <ds:schemaRef ds:uri="http://schemas.microsoft.com/office/2006/metadata/contentType"/>
@@ -30997,18 +30019,34 @@
 </ds:datastoreItem>
 </file>
 
+<file path=customXml/itemProps2.xml><?xml version="1.0" encoding="utf-8"?>
+<ds:datastoreItem xmlns:ds="http://schemas.openxmlformats.org/officeDocument/2006/customXml" ds:itemID="{6921749B-AEB7-461B-845F-603CABD25259}">
+  <ds:schemaRefs>
+    <ds:schemaRef ds:uri="7bb5d761-a2ea-4873-95f7-7a6658fb3ef0"/>
+    <ds:schemaRef ds:uri="http://purl.org/dc/terms/"/>
+    <ds:schemaRef ds:uri="http://schemas.openxmlformats.org/package/2006/metadata/core-properties"/>
+    <ds:schemaRef ds:uri="http://purl.org/dc/dcmitype/"/>
+    <ds:schemaRef ds:uri="http://schemas.microsoft.com/office/2006/documentManagement/types"/>
+    <ds:schemaRef ds:uri="http://purl.org/dc/elements/1.1/"/>
+    <ds:schemaRef ds:uri="http://schemas.microsoft.com/office/2006/metadata/properties"/>
+    <ds:schemaRef ds:uri="http://schemas.microsoft.com/office/infopath/2007/PartnerControls"/>
+    <ds:schemaRef ds:uri="http://www.w3.org/XML/1998/namespace"/>
+  </ds:schemaRefs>
+</ds:datastoreItem>
+</file>
+
 <file path=customXml/itemProps3.xml><?xml version="1.0" encoding="utf-8"?>
+<ds:datastoreItem xmlns:ds="http://schemas.openxmlformats.org/officeDocument/2006/customXml" ds:itemID="{5CDEB364-43EC-4510-9881-539C2A3FCE9E}">
+  <ds:schemaRefs>
+    <ds:schemaRef ds:uri="http://schemas.microsoft.com/sharepoint/v3/contenttype/forms"/>
+  </ds:schemaRefs>
+</ds:datastoreItem>
+</file>
+
+<file path=customXml/itemProps4.xml><?xml version="1.0" encoding="utf-8"?>
 <ds:datastoreItem xmlns:ds="http://schemas.openxmlformats.org/officeDocument/2006/customXml" ds:itemID="{B13EBC30-FE27-4C6A-B723-23FC2188F7DC}">
   <ds:schemaRefs>
     <ds:schemaRef ds:uri="http://schemas.microsoft.com/sharepoint/events"/>
   </ds:schemaRefs>
 </ds:datastoreItem>
-</file>
-
-<file path=customXml/itemProps4.xml><?xml version="1.0" encoding="utf-8"?>
-<ds:datastoreItem xmlns:ds="http://schemas.openxmlformats.org/officeDocument/2006/customXml" ds:itemID="{5CDEB364-43EC-4510-9881-539C2A3FCE9E}">
-  <ds:schemaRefs>
-    <ds:schemaRef ds:uri="http://schemas.microsoft.com/sharepoint/v3/contenttype/forms"/>
-  </ds:schemaRefs>
-</ds:datastoreItem>
 </file>
--- a/05-faster_feedback_with_unit_testing.pptx
+++ b/05-faster_feedback_with_unit_testing.pptx
@@ -6,10 +6,10 @@
     <p:sldMasterId id="2147483847" r:id="rId6"/>
   </p:sldMasterIdLst>
   <p:notesMasterIdLst>
-    <p:notesMasterId r:id="rId48"/>
+    <p:notesMasterId r:id="rId53"/>
   </p:notesMasterIdLst>
   <p:handoutMasterIdLst>
-    <p:handoutMasterId r:id="rId49"/>
+    <p:handoutMasterId r:id="rId54"/>
   </p:handoutMasterIdLst>
   <p:sldIdLst>
     <p:sldId id="256" r:id="rId7"/>
@@ -48,11 +48,16 @@
     <p:sldId id="297" r:id="rId40"/>
     <p:sldId id="298" r:id="rId41"/>
     <p:sldId id="299" r:id="rId42"/>
-    <p:sldId id="312" r:id="rId43"/>
-    <p:sldId id="275" r:id="rId44"/>
-    <p:sldId id="276" r:id="rId45"/>
-    <p:sldId id="313" r:id="rId46"/>
-    <p:sldId id="267" r:id="rId47"/>
+    <p:sldId id="319" r:id="rId43"/>
+    <p:sldId id="318" r:id="rId44"/>
+    <p:sldId id="315" r:id="rId45"/>
+    <p:sldId id="316" r:id="rId46"/>
+    <p:sldId id="317" r:id="rId47"/>
+    <p:sldId id="312" r:id="rId48"/>
+    <p:sldId id="275" r:id="rId49"/>
+    <p:sldId id="276" r:id="rId50"/>
+    <p:sldId id="313" r:id="rId51"/>
+    <p:sldId id="267" r:id="rId52"/>
   </p:sldIdLst>
   <p:sldSz cx="16256000" cy="9144000"/>
   <p:notesSz cx="6858000" cy="9144000"/>
@@ -4778,46 +4783,13 @@
           <a:p>
             <a:r>
               <a:rPr lang="en-US" dirty="0"/>
-              <a:t>There</a:t>
+              <a:t>Restoring</a:t>
             </a:r>
             <a:r>
               <a:rPr lang="en-US" baseline="0" dirty="0"/>
-              <a:t> are more mutations that you could try within the default recipe and other recipe files that exist within the cookbook but this is a good point to stop and enjoy the work that you have accomplished.</a:t>
-            </a:r>
-          </a:p>
-          <a:p>
-            <a:endParaRPr lang="en-US" baseline="0" dirty="0"/>
-          </a:p>
-          <a:p>
-            <a:r>
-              <a:rPr lang="en-US" baseline="0" dirty="0"/>
-              <a:t>The feedback cycle on using </a:t>
-            </a:r>
-            <a:r>
-              <a:rPr lang="en-US" baseline="0" dirty="0" err="1"/>
-              <a:t>Rspec</a:t>
-            </a:r>
-            <a:r>
-              <a:rPr lang="en-US" baseline="0" dirty="0"/>
-              <a:t> to execute </a:t>
-            </a:r>
-            <a:r>
-              <a:rPr lang="en-US" baseline="0" dirty="0" err="1"/>
-              <a:t>ChefSpec</a:t>
-            </a:r>
-            <a:r>
-              <a:rPr lang="en-US" baseline="0" dirty="0"/>
-              <a:t> examples returns results faster than we saw with Test Kitchen and gives us a good understanding of what is being added to the 'Resource Collection'.</a:t>
-            </a:r>
-          </a:p>
-          <a:p>
-            <a:endParaRPr lang="en-US" baseline="0" dirty="0"/>
-          </a:p>
-          <a:p>
-            <a:r>
-              <a:rPr lang="en-US" baseline="0" dirty="0"/>
-              <a:t>Let's have a discussion.</a:t>
-            </a:r>
+              <a:t> the code to its previous state</a:t>
+            </a:r>
+            <a:endParaRPr lang="en-US" dirty="0"/>
           </a:p>
         </p:txBody>
       </p:sp>
@@ -4872,7 +4844,7 @@
     </p:spTree>
     <p:extLst>
       <p:ext uri="{BB962C8B-B14F-4D97-AF65-F5344CB8AC3E}">
-        <p14:creationId xmlns:p14="http://schemas.microsoft.com/office/powerpoint/2010/main" val="252104607"/>
+        <p14:creationId xmlns:p14="http://schemas.microsoft.com/office/powerpoint/2010/main" val="2431269351"/>
       </p:ext>
     </p:extLst>
   </p:cSld>
@@ -4926,30 +4898,14 @@
           <a:bodyPr/>
           <a:lstStyle/>
           <a:p>
-            <a:pPr marL="0" marR="0" indent="0" algn="l" defTabSz="1217613" rtl="0" eaLnBrk="1" fontAlgn="base" latinLnBrk="0" hangingPunct="1">
-              <a:lnSpc>
-                <a:spcPct val="90000"/>
-              </a:lnSpc>
-              <a:spcBef>
-                <a:spcPct val="30000"/>
-              </a:spcBef>
-              <a:spcAft>
-                <a:spcPts val="450"/>
-              </a:spcAft>
-              <a:buClrTx/>
-              <a:buSzTx/>
-              <a:buFontTx/>
-              <a:buNone/>
-              <a:tabLst/>
-              <a:defRPr/>
-            </a:pPr>
+            <a:r>
+              <a:rPr lang="en-US" dirty="0"/>
+              <a:t>Returning</a:t>
+            </a:r>
             <a:r>
               <a:rPr lang="en-US" baseline="0" dirty="0"/>
-              <a:t>Instructor Note: With large groups I often find it better to have individuals turn to the individuals around them, form groups of whatever size they feel comfortable, and have them take turns asking and answering the questions. When all the groups are done I then open the discussion up to the entire group allowing each group or individuals to share their answers.</a:t>
-            </a:r>
-            <a:endParaRPr lang="en-US" dirty="0"/>
-          </a:p>
-          <a:p>
+              <a:t> to the specification file to define the example and the new expectation.</a:t>
+            </a:r>
             <a:endParaRPr lang="en-US" dirty="0"/>
           </a:p>
         </p:txBody>
@@ -5005,7 +4961,7 @@
     </p:spTree>
     <p:extLst>
       <p:ext uri="{BB962C8B-B14F-4D97-AF65-F5344CB8AC3E}">
-        <p14:creationId xmlns:p14="http://schemas.microsoft.com/office/powerpoint/2010/main" val="1212017142"/>
+        <p14:creationId xmlns:p14="http://schemas.microsoft.com/office/powerpoint/2010/main" val="228178023"/>
       </p:ext>
     </p:extLst>
   </p:cSld>
@@ -5059,30 +5015,29 @@
           <a:bodyPr/>
           <a:lstStyle/>
           <a:p>
-            <a:pPr marL="0" marR="0" indent="0" algn="l" defTabSz="1217613" rtl="0" eaLnBrk="1" fontAlgn="base" latinLnBrk="0" hangingPunct="1">
-              <a:lnSpc>
-                <a:spcPct val="90000"/>
-              </a:lnSpc>
-              <a:spcBef>
-                <a:spcPct val="30000"/>
-              </a:spcBef>
-              <a:spcAft>
-                <a:spcPts val="450"/>
-              </a:spcAft>
-              <a:buClrTx/>
-              <a:buSzTx/>
-              <a:buFontTx/>
-              <a:buNone/>
-              <a:tabLst/>
-              <a:defRPr/>
-            </a:pPr>
-            <a:r>
-              <a:rPr lang="en-US" dirty="0"/>
-              <a:t>Before</a:t>
+            <a:r>
+              <a:rPr lang="en-US" dirty="0"/>
+              <a:t>Seeing the failure</a:t>
             </a:r>
             <a:r>
               <a:rPr lang="en-US" baseline="0" dirty="0"/>
-              <a:t> we complete this section, let us pause for questions.</a:t>
+              <a:t> when executing </a:t>
+            </a:r>
+            <a:r>
+              <a:rPr lang="en-US" baseline="0" dirty="0" err="1"/>
+              <a:t>te</a:t>
+            </a:r>
+            <a:r>
+              <a:rPr lang="en-US" baseline="0" dirty="0"/>
+              <a:t> '</a:t>
+            </a:r>
+            <a:r>
+              <a:rPr lang="en-US" baseline="0" dirty="0" err="1"/>
+              <a:t>rspec</a:t>
+            </a:r>
+            <a:r>
+              <a:rPr lang="en-US" baseline="0" dirty="0"/>
+              <a:t>' command.</a:t>
             </a:r>
             <a:endParaRPr lang="en-US" dirty="0"/>
           </a:p>
@@ -5139,7 +5094,7 @@
     </p:spTree>
     <p:extLst>
       <p:ext uri="{BB962C8B-B14F-4D97-AF65-F5344CB8AC3E}">
-        <p14:creationId xmlns:p14="http://schemas.microsoft.com/office/powerpoint/2010/main" val="1489713799"/>
+        <p14:creationId xmlns:p14="http://schemas.microsoft.com/office/powerpoint/2010/main" val="1595869895"/>
       </p:ext>
     </p:extLst>
   </p:cSld>
@@ -5270,6 +5225,665 @@
 </file>
 
 <file path=ppt/notesSlides/notesSlide40.xml><?xml version="1.0" encoding="utf-8"?>
+<p:notes xmlns:a="http://schemas.openxmlformats.org/drawingml/2006/main" xmlns:r="http://schemas.openxmlformats.org/officeDocument/2006/relationships" xmlns:p="http://schemas.openxmlformats.org/presentationml/2006/main">
+  <p:cSld>
+    <p:spTree>
+      <p:nvGrpSpPr>
+        <p:cNvPr id="1" name=""/>
+        <p:cNvGrpSpPr/>
+        <p:nvPr/>
+      </p:nvGrpSpPr>
+      <p:grpSpPr>
+        <a:xfrm>
+          <a:off x="0" y="0"/>
+          <a:ext cx="0" cy="0"/>
+          <a:chOff x="0" y="0"/>
+          <a:chExt cx="0" cy="0"/>
+        </a:xfrm>
+      </p:grpSpPr>
+      <p:sp>
+        <p:nvSpPr>
+          <p:cNvPr id="2" name="Slide Image Placeholder 1"/>
+          <p:cNvSpPr>
+            <a:spLocks noGrp="1" noRot="1" noChangeAspect="1"/>
+          </p:cNvSpPr>
+          <p:nvPr>
+            <p:ph type="sldImg"/>
+          </p:nvPr>
+        </p:nvSpPr>
+        <p:spPr/>
+      </p:sp>
+      <p:sp>
+        <p:nvSpPr>
+          <p:cNvPr id="3" name="Notes Placeholder 2"/>
+          <p:cNvSpPr>
+            <a:spLocks noGrp="1"/>
+          </p:cNvSpPr>
+          <p:nvPr>
+            <p:ph type="body" idx="1"/>
+          </p:nvPr>
+        </p:nvSpPr>
+        <p:spPr/>
+        <p:txBody>
+          <a:bodyPr/>
+          <a:lstStyle/>
+          <a:p>
+            <a:r>
+              <a:rPr lang="en-US" dirty="0"/>
+              <a:t>Restoring</a:t>
+            </a:r>
+            <a:r>
+              <a:rPr lang="en-US" baseline="0" dirty="0"/>
+              <a:t> the code to its previous state</a:t>
+            </a:r>
+            <a:endParaRPr lang="en-US" dirty="0"/>
+          </a:p>
+        </p:txBody>
+      </p:sp>
+      <p:sp>
+        <p:nvSpPr>
+          <p:cNvPr id="5" name="Header Placeholder 4"/>
+          <p:cNvSpPr>
+            <a:spLocks noGrp="1"/>
+          </p:cNvSpPr>
+          <p:nvPr>
+            <p:ph type="hdr" sz="quarter" idx="11"/>
+          </p:nvPr>
+        </p:nvSpPr>
+        <p:spPr/>
+        <p:txBody>
+          <a:bodyPr/>
+          <a:lstStyle/>
+          <a:p>
+            <a:r>
+              <a:rPr lang="en-US"/>
+              <a:t>Chef Intermediate</a:t>
+            </a:r>
+          </a:p>
+        </p:txBody>
+      </p:sp>
+      <p:sp>
+        <p:nvSpPr>
+          <p:cNvPr id="7" name="Date Placeholder 6"/>
+          <p:cNvSpPr>
+            <a:spLocks noGrp="1"/>
+          </p:cNvSpPr>
+          <p:nvPr>
+            <p:ph type="dt" idx="13"/>
+          </p:nvPr>
+        </p:nvSpPr>
+        <p:spPr/>
+        <p:txBody>
+          <a:bodyPr/>
+          <a:lstStyle/>
+          <a:p>
+            <a:pPr>
+              <a:defRPr/>
+            </a:pPr>
+            <a:r>
+              <a:rPr lang="en-US"/>
+              <a:t>Chef Software, Inc.</a:t>
+            </a:r>
+            <a:endParaRPr lang="en-US" dirty="0"/>
+          </a:p>
+        </p:txBody>
+      </p:sp>
+    </p:spTree>
+    <p:extLst>
+      <p:ext uri="{BB962C8B-B14F-4D97-AF65-F5344CB8AC3E}">
+        <p14:creationId xmlns:p14="http://schemas.microsoft.com/office/powerpoint/2010/main" val="2816804928"/>
+      </p:ext>
+    </p:extLst>
+  </p:cSld>
+  <p:clrMapOvr>
+    <a:masterClrMapping/>
+  </p:clrMapOvr>
+</p:notes>
+</file>
+
+<file path=ppt/notesSlides/notesSlide41.xml><?xml version="1.0" encoding="utf-8"?>
+<p:notes xmlns:a="http://schemas.openxmlformats.org/drawingml/2006/main" xmlns:r="http://schemas.openxmlformats.org/officeDocument/2006/relationships" xmlns:p="http://schemas.openxmlformats.org/presentationml/2006/main">
+  <p:cSld>
+    <p:spTree>
+      <p:nvGrpSpPr>
+        <p:cNvPr id="1" name=""/>
+        <p:cNvGrpSpPr/>
+        <p:nvPr/>
+      </p:nvGrpSpPr>
+      <p:grpSpPr>
+        <a:xfrm>
+          <a:off x="0" y="0"/>
+          <a:ext cx="0" cy="0"/>
+          <a:chOff x="0" y="0"/>
+          <a:chExt cx="0" cy="0"/>
+        </a:xfrm>
+      </p:grpSpPr>
+      <p:sp>
+        <p:nvSpPr>
+          <p:cNvPr id="2" name="Slide Image Placeholder 1"/>
+          <p:cNvSpPr>
+            <a:spLocks noGrp="1" noRot="1" noChangeAspect="1"/>
+          </p:cNvSpPr>
+          <p:nvPr>
+            <p:ph type="sldImg"/>
+          </p:nvPr>
+        </p:nvSpPr>
+        <p:spPr/>
+      </p:sp>
+      <p:sp>
+        <p:nvSpPr>
+          <p:cNvPr id="3" name="Notes Placeholder 2"/>
+          <p:cNvSpPr>
+            <a:spLocks noGrp="1"/>
+          </p:cNvSpPr>
+          <p:nvPr>
+            <p:ph type="body" idx="1"/>
+          </p:nvPr>
+        </p:nvSpPr>
+        <p:spPr/>
+        <p:txBody>
+          <a:bodyPr/>
+          <a:lstStyle/>
+          <a:p>
+            <a:r>
+              <a:rPr lang="en-US" dirty="0"/>
+              <a:t>Executing</a:t>
+            </a:r>
+            <a:r>
+              <a:rPr lang="en-US" baseline="0" dirty="0"/>
+              <a:t> '</a:t>
+            </a:r>
+            <a:r>
+              <a:rPr lang="en-US" baseline="0" dirty="0" err="1"/>
+              <a:t>rspec</a:t>
+            </a:r>
+            <a:r>
+              <a:rPr lang="en-US" baseline="0" dirty="0"/>
+              <a:t>' again to verify that the expectations have been met successfully</a:t>
+            </a:r>
+            <a:endParaRPr lang="en-US" dirty="0"/>
+          </a:p>
+        </p:txBody>
+      </p:sp>
+      <p:sp>
+        <p:nvSpPr>
+          <p:cNvPr id="5" name="Header Placeholder 4"/>
+          <p:cNvSpPr>
+            <a:spLocks noGrp="1"/>
+          </p:cNvSpPr>
+          <p:nvPr>
+            <p:ph type="hdr" sz="quarter" idx="11"/>
+          </p:nvPr>
+        </p:nvSpPr>
+        <p:spPr/>
+        <p:txBody>
+          <a:bodyPr/>
+          <a:lstStyle/>
+          <a:p>
+            <a:r>
+              <a:rPr lang="en-US"/>
+              <a:t>Chef Intermediate</a:t>
+            </a:r>
+          </a:p>
+        </p:txBody>
+      </p:sp>
+      <p:sp>
+        <p:nvSpPr>
+          <p:cNvPr id="7" name="Date Placeholder 6"/>
+          <p:cNvSpPr>
+            <a:spLocks noGrp="1"/>
+          </p:cNvSpPr>
+          <p:nvPr>
+            <p:ph type="dt" idx="13"/>
+          </p:nvPr>
+        </p:nvSpPr>
+        <p:spPr/>
+        <p:txBody>
+          <a:bodyPr/>
+          <a:lstStyle/>
+          <a:p>
+            <a:pPr>
+              <a:defRPr/>
+            </a:pPr>
+            <a:r>
+              <a:rPr lang="en-US"/>
+              <a:t>Chef Software, Inc.</a:t>
+            </a:r>
+            <a:endParaRPr lang="en-US" dirty="0"/>
+          </a:p>
+        </p:txBody>
+      </p:sp>
+    </p:spTree>
+    <p:extLst>
+      <p:ext uri="{BB962C8B-B14F-4D97-AF65-F5344CB8AC3E}">
+        <p14:creationId xmlns:p14="http://schemas.microsoft.com/office/powerpoint/2010/main" val="2780698185"/>
+      </p:ext>
+    </p:extLst>
+  </p:cSld>
+  <p:clrMapOvr>
+    <a:masterClrMapping/>
+  </p:clrMapOvr>
+</p:notes>
+</file>
+
+<file path=ppt/notesSlides/notesSlide42.xml><?xml version="1.0" encoding="utf-8"?>
+<p:notes xmlns:a="http://schemas.openxmlformats.org/drawingml/2006/main" xmlns:r="http://schemas.openxmlformats.org/officeDocument/2006/relationships" xmlns:p="http://schemas.openxmlformats.org/presentationml/2006/main">
+  <p:cSld>
+    <p:spTree>
+      <p:nvGrpSpPr>
+        <p:cNvPr id="1" name=""/>
+        <p:cNvGrpSpPr/>
+        <p:nvPr/>
+      </p:nvGrpSpPr>
+      <p:grpSpPr>
+        <a:xfrm>
+          <a:off x="0" y="0"/>
+          <a:ext cx="0" cy="0"/>
+          <a:chOff x="0" y="0"/>
+          <a:chExt cx="0" cy="0"/>
+        </a:xfrm>
+      </p:grpSpPr>
+      <p:sp>
+        <p:nvSpPr>
+          <p:cNvPr id="2" name="Slide Image Placeholder 1"/>
+          <p:cNvSpPr>
+            <a:spLocks noGrp="1" noRot="1" noChangeAspect="1"/>
+          </p:cNvSpPr>
+          <p:nvPr>
+            <p:ph type="sldImg"/>
+          </p:nvPr>
+        </p:nvSpPr>
+        <p:spPr/>
+      </p:sp>
+      <p:sp>
+        <p:nvSpPr>
+          <p:cNvPr id="3" name="Notes Placeholder 2"/>
+          <p:cNvSpPr>
+            <a:spLocks noGrp="1"/>
+          </p:cNvSpPr>
+          <p:nvPr>
+            <p:ph type="body" idx="1"/>
+          </p:nvPr>
+        </p:nvSpPr>
+        <p:spPr/>
+        <p:txBody>
+          <a:bodyPr/>
+          <a:lstStyle/>
+          <a:p>
+            <a:r>
+              <a:rPr lang="en-US" dirty="0"/>
+              <a:t>There</a:t>
+            </a:r>
+            <a:r>
+              <a:rPr lang="en-US" baseline="0" dirty="0"/>
+              <a:t> are more mutations that you could try within the default recipe and other recipe files that exist within the cookbook but this is a good point to stop and enjoy the work that you have accomplished.</a:t>
+            </a:r>
+          </a:p>
+          <a:p>
+            <a:endParaRPr lang="en-US" baseline="0" dirty="0"/>
+          </a:p>
+          <a:p>
+            <a:r>
+              <a:rPr lang="en-US" baseline="0" dirty="0"/>
+              <a:t>The feedback cycle on using </a:t>
+            </a:r>
+            <a:r>
+              <a:rPr lang="en-US" baseline="0" dirty="0" err="1"/>
+              <a:t>Rspec</a:t>
+            </a:r>
+            <a:r>
+              <a:rPr lang="en-US" baseline="0" dirty="0"/>
+              <a:t> to execute </a:t>
+            </a:r>
+            <a:r>
+              <a:rPr lang="en-US" baseline="0" dirty="0" err="1"/>
+              <a:t>ChefSpec</a:t>
+            </a:r>
+            <a:r>
+              <a:rPr lang="en-US" baseline="0" dirty="0"/>
+              <a:t> examples returns results faster than we saw with Test Kitchen and gives us a good understanding of what is being added to the 'Resource Collection'.</a:t>
+            </a:r>
+          </a:p>
+          <a:p>
+            <a:endParaRPr lang="en-US" baseline="0" dirty="0"/>
+          </a:p>
+          <a:p>
+            <a:r>
+              <a:rPr lang="en-US" baseline="0" dirty="0"/>
+              <a:t>Let's have a discussion.</a:t>
+            </a:r>
+          </a:p>
+        </p:txBody>
+      </p:sp>
+      <p:sp>
+        <p:nvSpPr>
+          <p:cNvPr id="5" name="Header Placeholder 4"/>
+          <p:cNvSpPr>
+            <a:spLocks noGrp="1"/>
+          </p:cNvSpPr>
+          <p:nvPr>
+            <p:ph type="hdr" sz="quarter" idx="11"/>
+          </p:nvPr>
+        </p:nvSpPr>
+        <p:spPr/>
+        <p:txBody>
+          <a:bodyPr/>
+          <a:lstStyle/>
+          <a:p>
+            <a:r>
+              <a:rPr lang="en-US"/>
+              <a:t>Chef Intermediate</a:t>
+            </a:r>
+          </a:p>
+        </p:txBody>
+      </p:sp>
+      <p:sp>
+        <p:nvSpPr>
+          <p:cNvPr id="7" name="Date Placeholder 6"/>
+          <p:cNvSpPr>
+            <a:spLocks noGrp="1"/>
+          </p:cNvSpPr>
+          <p:nvPr>
+            <p:ph type="dt" idx="13"/>
+          </p:nvPr>
+        </p:nvSpPr>
+        <p:spPr/>
+        <p:txBody>
+          <a:bodyPr/>
+          <a:lstStyle/>
+          <a:p>
+            <a:pPr>
+              <a:defRPr/>
+            </a:pPr>
+            <a:r>
+              <a:rPr lang="en-US"/>
+              <a:t>Chef Software, Inc.</a:t>
+            </a:r>
+            <a:endParaRPr lang="en-US" dirty="0"/>
+          </a:p>
+        </p:txBody>
+      </p:sp>
+    </p:spTree>
+    <p:extLst>
+      <p:ext uri="{BB962C8B-B14F-4D97-AF65-F5344CB8AC3E}">
+        <p14:creationId xmlns:p14="http://schemas.microsoft.com/office/powerpoint/2010/main" val="252104607"/>
+      </p:ext>
+    </p:extLst>
+  </p:cSld>
+  <p:clrMapOvr>
+    <a:masterClrMapping/>
+  </p:clrMapOvr>
+</p:notes>
+</file>
+
+<file path=ppt/notesSlides/notesSlide43.xml><?xml version="1.0" encoding="utf-8"?>
+<p:notes xmlns:a="http://schemas.openxmlformats.org/drawingml/2006/main" xmlns:r="http://schemas.openxmlformats.org/officeDocument/2006/relationships" xmlns:p="http://schemas.openxmlformats.org/presentationml/2006/main">
+  <p:cSld>
+    <p:spTree>
+      <p:nvGrpSpPr>
+        <p:cNvPr id="1" name=""/>
+        <p:cNvGrpSpPr/>
+        <p:nvPr/>
+      </p:nvGrpSpPr>
+      <p:grpSpPr>
+        <a:xfrm>
+          <a:off x="0" y="0"/>
+          <a:ext cx="0" cy="0"/>
+          <a:chOff x="0" y="0"/>
+          <a:chExt cx="0" cy="0"/>
+        </a:xfrm>
+      </p:grpSpPr>
+      <p:sp>
+        <p:nvSpPr>
+          <p:cNvPr id="2" name="Slide Image Placeholder 1"/>
+          <p:cNvSpPr>
+            <a:spLocks noGrp="1" noRot="1" noChangeAspect="1"/>
+          </p:cNvSpPr>
+          <p:nvPr>
+            <p:ph type="sldImg"/>
+          </p:nvPr>
+        </p:nvSpPr>
+        <p:spPr/>
+      </p:sp>
+      <p:sp>
+        <p:nvSpPr>
+          <p:cNvPr id="3" name="Notes Placeholder 2"/>
+          <p:cNvSpPr>
+            <a:spLocks noGrp="1"/>
+          </p:cNvSpPr>
+          <p:nvPr>
+            <p:ph type="body" idx="1"/>
+          </p:nvPr>
+        </p:nvSpPr>
+        <p:spPr/>
+        <p:txBody>
+          <a:bodyPr/>
+          <a:lstStyle/>
+          <a:p>
+            <a:pPr marL="0" marR="0" indent="0" algn="l" defTabSz="1217613" rtl="0" eaLnBrk="1" fontAlgn="base" latinLnBrk="0" hangingPunct="1">
+              <a:lnSpc>
+                <a:spcPct val="90000"/>
+              </a:lnSpc>
+              <a:spcBef>
+                <a:spcPct val="30000"/>
+              </a:spcBef>
+              <a:spcAft>
+                <a:spcPts val="450"/>
+              </a:spcAft>
+              <a:buClrTx/>
+              <a:buSzTx/>
+              <a:buFontTx/>
+              <a:buNone/>
+              <a:tabLst/>
+              <a:defRPr/>
+            </a:pPr>
+            <a:r>
+              <a:rPr lang="en-US" baseline="0" dirty="0"/>
+              <a:t>Instructor Note: With large groups I often find it better to have individuals turn to the individuals around them, form groups of whatever size they feel comfortable, and have them take turns asking and answering the questions. When all the groups are done I then open the discussion up to the entire group allowing each group or individuals to share their answers.</a:t>
+            </a:r>
+            <a:endParaRPr lang="en-US" dirty="0"/>
+          </a:p>
+          <a:p>
+            <a:endParaRPr lang="en-US" dirty="0"/>
+          </a:p>
+        </p:txBody>
+      </p:sp>
+      <p:sp>
+        <p:nvSpPr>
+          <p:cNvPr id="5" name="Header Placeholder 4"/>
+          <p:cNvSpPr>
+            <a:spLocks noGrp="1"/>
+          </p:cNvSpPr>
+          <p:nvPr>
+            <p:ph type="hdr" sz="quarter" idx="11"/>
+          </p:nvPr>
+        </p:nvSpPr>
+        <p:spPr/>
+        <p:txBody>
+          <a:bodyPr/>
+          <a:lstStyle/>
+          <a:p>
+            <a:r>
+              <a:rPr lang="en-US"/>
+              <a:t>Chef Intermediate</a:t>
+            </a:r>
+          </a:p>
+        </p:txBody>
+      </p:sp>
+      <p:sp>
+        <p:nvSpPr>
+          <p:cNvPr id="7" name="Date Placeholder 6"/>
+          <p:cNvSpPr>
+            <a:spLocks noGrp="1"/>
+          </p:cNvSpPr>
+          <p:nvPr>
+            <p:ph type="dt" idx="13"/>
+          </p:nvPr>
+        </p:nvSpPr>
+        <p:spPr/>
+        <p:txBody>
+          <a:bodyPr/>
+          <a:lstStyle/>
+          <a:p>
+            <a:pPr>
+              <a:defRPr/>
+            </a:pPr>
+            <a:r>
+              <a:rPr lang="en-US"/>
+              <a:t>Chef Software, Inc.</a:t>
+            </a:r>
+            <a:endParaRPr lang="en-US" dirty="0"/>
+          </a:p>
+        </p:txBody>
+      </p:sp>
+    </p:spTree>
+    <p:extLst>
+      <p:ext uri="{BB962C8B-B14F-4D97-AF65-F5344CB8AC3E}">
+        <p14:creationId xmlns:p14="http://schemas.microsoft.com/office/powerpoint/2010/main" val="1212017142"/>
+      </p:ext>
+    </p:extLst>
+  </p:cSld>
+  <p:clrMapOvr>
+    <a:masterClrMapping/>
+  </p:clrMapOvr>
+</p:notes>
+</file>
+
+<file path=ppt/notesSlides/notesSlide44.xml><?xml version="1.0" encoding="utf-8"?>
+<p:notes xmlns:a="http://schemas.openxmlformats.org/drawingml/2006/main" xmlns:r="http://schemas.openxmlformats.org/officeDocument/2006/relationships" xmlns:p="http://schemas.openxmlformats.org/presentationml/2006/main">
+  <p:cSld>
+    <p:spTree>
+      <p:nvGrpSpPr>
+        <p:cNvPr id="1" name=""/>
+        <p:cNvGrpSpPr/>
+        <p:nvPr/>
+      </p:nvGrpSpPr>
+      <p:grpSpPr>
+        <a:xfrm>
+          <a:off x="0" y="0"/>
+          <a:ext cx="0" cy="0"/>
+          <a:chOff x="0" y="0"/>
+          <a:chExt cx="0" cy="0"/>
+        </a:xfrm>
+      </p:grpSpPr>
+      <p:sp>
+        <p:nvSpPr>
+          <p:cNvPr id="2" name="Slide Image Placeholder 1"/>
+          <p:cNvSpPr>
+            <a:spLocks noGrp="1" noRot="1" noChangeAspect="1"/>
+          </p:cNvSpPr>
+          <p:nvPr>
+            <p:ph type="sldImg"/>
+          </p:nvPr>
+        </p:nvSpPr>
+        <p:spPr/>
+      </p:sp>
+      <p:sp>
+        <p:nvSpPr>
+          <p:cNvPr id="3" name="Notes Placeholder 2"/>
+          <p:cNvSpPr>
+            <a:spLocks noGrp="1"/>
+          </p:cNvSpPr>
+          <p:nvPr>
+            <p:ph type="body" idx="1"/>
+          </p:nvPr>
+        </p:nvSpPr>
+        <p:spPr/>
+        <p:txBody>
+          <a:bodyPr/>
+          <a:lstStyle/>
+          <a:p>
+            <a:pPr marL="0" marR="0" indent="0" algn="l" defTabSz="1217613" rtl="0" eaLnBrk="1" fontAlgn="base" latinLnBrk="0" hangingPunct="1">
+              <a:lnSpc>
+                <a:spcPct val="90000"/>
+              </a:lnSpc>
+              <a:spcBef>
+                <a:spcPct val="30000"/>
+              </a:spcBef>
+              <a:spcAft>
+                <a:spcPts val="450"/>
+              </a:spcAft>
+              <a:buClrTx/>
+              <a:buSzTx/>
+              <a:buFontTx/>
+              <a:buNone/>
+              <a:tabLst/>
+              <a:defRPr/>
+            </a:pPr>
+            <a:r>
+              <a:rPr lang="en-US" dirty="0"/>
+              <a:t>Before</a:t>
+            </a:r>
+            <a:r>
+              <a:rPr lang="en-US" baseline="0" dirty="0"/>
+              <a:t> we complete this section, let us pause for questions.</a:t>
+            </a:r>
+            <a:endParaRPr lang="en-US" dirty="0"/>
+          </a:p>
+        </p:txBody>
+      </p:sp>
+      <p:sp>
+        <p:nvSpPr>
+          <p:cNvPr id="5" name="Header Placeholder 4"/>
+          <p:cNvSpPr>
+            <a:spLocks noGrp="1"/>
+          </p:cNvSpPr>
+          <p:nvPr>
+            <p:ph type="hdr" sz="quarter" idx="11"/>
+          </p:nvPr>
+        </p:nvSpPr>
+        <p:spPr/>
+        <p:txBody>
+          <a:bodyPr/>
+          <a:lstStyle/>
+          <a:p>
+            <a:r>
+              <a:rPr lang="en-US"/>
+              <a:t>Chef Intermediate</a:t>
+            </a:r>
+          </a:p>
+        </p:txBody>
+      </p:sp>
+      <p:sp>
+        <p:nvSpPr>
+          <p:cNvPr id="7" name="Date Placeholder 6"/>
+          <p:cNvSpPr>
+            <a:spLocks noGrp="1"/>
+          </p:cNvSpPr>
+          <p:nvPr>
+            <p:ph type="dt" idx="13"/>
+          </p:nvPr>
+        </p:nvSpPr>
+        <p:spPr/>
+        <p:txBody>
+          <a:bodyPr/>
+          <a:lstStyle/>
+          <a:p>
+            <a:pPr>
+              <a:defRPr/>
+            </a:pPr>
+            <a:r>
+              <a:rPr lang="en-US"/>
+              <a:t>Chef Software, Inc.</a:t>
+            </a:r>
+            <a:endParaRPr lang="en-US" dirty="0"/>
+          </a:p>
+        </p:txBody>
+      </p:sp>
+    </p:spTree>
+    <p:extLst>
+      <p:ext uri="{BB962C8B-B14F-4D97-AF65-F5344CB8AC3E}">
+        <p14:creationId xmlns:p14="http://schemas.microsoft.com/office/powerpoint/2010/main" val="1489713799"/>
+      </p:ext>
+    </p:extLst>
+  </p:cSld>
+  <p:clrMapOvr>
+    <a:masterClrMapping/>
+  </p:clrMapOvr>
+</p:notes>
+</file>
+
+<file path=ppt/notesSlides/notesSlide45.xml><?xml version="1.0" encoding="utf-8"?>
 <p:notes xmlns:a="http://schemas.openxmlformats.org/drawingml/2006/main" xmlns:r="http://schemas.openxmlformats.org/officeDocument/2006/relationships" xmlns:p="http://schemas.openxmlformats.org/presentationml/2006/main">
   <p:cSld>
     <p:spTree>
@@ -6623,14 +7237,14 @@
           </a:ln>
           <a:extLst>
             <a:ext uri="{909E8E84-426E-40dd-AFC4-6F175D3DCCD1}">
-              <a14:hiddenFill xmlns:a14="http://schemas.microsoft.com/office/drawing/2010/main" xmlns="">
+              <a14:hiddenFill xmlns="" xmlns:a14="http://schemas.microsoft.com/office/drawing/2010/main">
                 <a:solidFill>
                   <a:srgbClr val="FFFFFF"/>
                 </a:solidFill>
               </a14:hiddenFill>
             </a:ext>
             <a:ext uri="{91240B29-F687-4f45-9708-019B960494DF}">
-              <a14:hiddenLine xmlns:a14="http://schemas.microsoft.com/office/drawing/2010/main" xmlns="" w="9525">
+              <a14:hiddenLine xmlns="" xmlns:a14="http://schemas.microsoft.com/office/drawing/2010/main" w="9525">
                 <a:solidFill>
                   <a:srgbClr val="000000"/>
                 </a:solidFill>
@@ -6778,14 +7392,14 @@
           </a:ln>
           <a:extLst>
             <a:ext uri="{909E8E84-426E-40dd-AFC4-6F175D3DCCD1}">
-              <a14:hiddenFill xmlns:a14="http://schemas.microsoft.com/office/drawing/2010/main" xmlns="">
+              <a14:hiddenFill xmlns="" xmlns:a14="http://schemas.microsoft.com/office/drawing/2010/main">
                 <a:solidFill>
                   <a:srgbClr val="FFFFFF"/>
                 </a:solidFill>
               </a14:hiddenFill>
             </a:ext>
             <a:ext uri="{91240B29-F687-4f45-9708-019B960494DF}">
-              <a14:hiddenLine xmlns:a14="http://schemas.microsoft.com/office/drawing/2010/main" xmlns="" w="9525">
+              <a14:hiddenLine xmlns="" xmlns:a14="http://schemas.microsoft.com/office/drawing/2010/main" w="9525">
                 <a:solidFill>
                   <a:srgbClr val="000000"/>
                 </a:solidFill>
@@ -7276,14 +7890,14 @@
           </a:ln>
           <a:extLst>
             <a:ext uri="{909E8E84-426E-40dd-AFC4-6F175D3DCCD1}">
-              <a14:hiddenFill xmlns:a14="http://schemas.microsoft.com/office/drawing/2010/main" xmlns="">
+              <a14:hiddenFill xmlns="" xmlns:a14="http://schemas.microsoft.com/office/drawing/2010/main">
                 <a:solidFill>
                   <a:srgbClr val="FFFFFF"/>
                 </a:solidFill>
               </a14:hiddenFill>
             </a:ext>
             <a:ext uri="{91240B29-F687-4f45-9708-019B960494DF}">
-              <a14:hiddenLine xmlns:a14="http://schemas.microsoft.com/office/drawing/2010/main" xmlns="" w="9525">
+              <a14:hiddenLine xmlns="" xmlns:a14="http://schemas.microsoft.com/office/drawing/2010/main" w="9525">
                 <a:solidFill>
                   <a:srgbClr val="000000"/>
                 </a:solidFill>
@@ -8710,14 +9324,14 @@
           </a:ln>
           <a:extLst>
             <a:ext uri="{909E8E84-426E-40dd-AFC4-6F175D3DCCD1}">
-              <a14:hiddenFill xmlns:a14="http://schemas.microsoft.com/office/drawing/2010/main" xmlns="">
+              <a14:hiddenFill xmlns="" xmlns:a14="http://schemas.microsoft.com/office/drawing/2010/main">
                 <a:solidFill>
                   <a:srgbClr val="FFFFFF"/>
                 </a:solidFill>
               </a14:hiddenFill>
             </a:ext>
             <a:ext uri="{91240B29-F687-4f45-9708-019B960494DF}">
-              <a14:hiddenLine xmlns:a14="http://schemas.microsoft.com/office/drawing/2010/main" xmlns="" w="9525">
+              <a14:hiddenLine xmlns="" xmlns:a14="http://schemas.microsoft.com/office/drawing/2010/main" w="9525">
                 <a:solidFill>
                   <a:srgbClr val="000000"/>
                 </a:solidFill>
@@ -10051,14 +10665,14 @@
           </a:ln>
           <a:extLst>
             <a:ext uri="{909E8E84-426E-40dd-AFC4-6F175D3DCCD1}">
-              <a14:hiddenFill xmlns:a14="http://schemas.microsoft.com/office/drawing/2010/main" xmlns="">
+              <a14:hiddenFill xmlns="" xmlns:a14="http://schemas.microsoft.com/office/drawing/2010/main">
                 <a:solidFill>
                   <a:srgbClr val="FFFFFF"/>
                 </a:solidFill>
               </a14:hiddenFill>
             </a:ext>
             <a:ext uri="{91240B29-F687-4f45-9708-019B960494DF}">
-              <a14:hiddenLine xmlns:a14="http://schemas.microsoft.com/office/drawing/2010/main" xmlns="" w="9525">
+              <a14:hiddenLine xmlns="" xmlns:a14="http://schemas.microsoft.com/office/drawing/2010/main" w="9525">
                 <a:solidFill>
                   <a:srgbClr val="000000"/>
                 </a:solidFill>
@@ -10616,14 +11230,14 @@
           </a:ln>
           <a:extLst>
             <a:ext uri="{909E8E84-426E-40dd-AFC4-6F175D3DCCD1}">
-              <a14:hiddenFill xmlns:a14="http://schemas.microsoft.com/office/drawing/2010/main" xmlns="">
+              <a14:hiddenFill xmlns="" xmlns:a14="http://schemas.microsoft.com/office/drawing/2010/main">
                 <a:solidFill>
                   <a:srgbClr val="FFFFFF"/>
                 </a:solidFill>
               </a14:hiddenFill>
             </a:ext>
             <a:ext uri="{91240B29-F687-4f45-9708-019B960494DF}">
-              <a14:hiddenLine xmlns:a14="http://schemas.microsoft.com/office/drawing/2010/main" xmlns="" w="9525">
+              <a14:hiddenLine xmlns="" xmlns:a14="http://schemas.microsoft.com/office/drawing/2010/main" w="9525">
                 <a:solidFill>
                   <a:srgbClr val="000000"/>
                 </a:solidFill>
@@ -11190,14 +11804,14 @@
           </a:ln>
           <a:extLst>
             <a:ext uri="{909E8E84-426E-40dd-AFC4-6F175D3DCCD1}">
-              <a14:hiddenFill xmlns:a14="http://schemas.microsoft.com/office/drawing/2010/main" xmlns="">
+              <a14:hiddenFill xmlns="" xmlns:a14="http://schemas.microsoft.com/office/drawing/2010/main">
                 <a:solidFill>
                   <a:srgbClr val="FFFFFF"/>
                 </a:solidFill>
               </a14:hiddenFill>
             </a:ext>
             <a:ext uri="{91240B29-F687-4f45-9708-019B960494DF}">
-              <a14:hiddenLine xmlns:a14="http://schemas.microsoft.com/office/drawing/2010/main" xmlns="" w="9525">
+              <a14:hiddenLine xmlns="" xmlns:a14="http://schemas.microsoft.com/office/drawing/2010/main" w="9525">
                 <a:solidFill>
                   <a:srgbClr val="000000"/>
                 </a:solidFill>
@@ -12137,14 +12751,14 @@
           </a:ln>
           <a:extLst>
             <a:ext uri="{909E8E84-426E-40dd-AFC4-6F175D3DCCD1}">
-              <a14:hiddenFill xmlns:a14="http://schemas.microsoft.com/office/drawing/2010/main" xmlns="">
+              <a14:hiddenFill xmlns="" xmlns:a14="http://schemas.microsoft.com/office/drawing/2010/main">
                 <a:solidFill>
                   <a:srgbClr val="FFFFFF"/>
                 </a:solidFill>
               </a14:hiddenFill>
             </a:ext>
             <a:ext uri="{91240B29-F687-4f45-9708-019B960494DF}">
-              <a14:hiddenLine xmlns:a14="http://schemas.microsoft.com/office/drawing/2010/main" xmlns="" w="9525">
+              <a14:hiddenLine xmlns="" xmlns:a14="http://schemas.microsoft.com/office/drawing/2010/main" w="9525">
                 <a:solidFill>
                   <a:srgbClr val="000000"/>
                 </a:solidFill>
@@ -12899,14 +13513,14 @@
           </a:ln>
           <a:extLst>
             <a:ext uri="{909E8E84-426E-40dd-AFC4-6F175D3DCCD1}">
-              <a14:hiddenFill xmlns:a14="http://schemas.microsoft.com/office/drawing/2010/main" xmlns="">
+              <a14:hiddenFill xmlns="" xmlns:a14="http://schemas.microsoft.com/office/drawing/2010/main">
                 <a:solidFill>
                   <a:srgbClr val="FFFFFF"/>
                 </a:solidFill>
               </a14:hiddenFill>
             </a:ext>
             <a:ext uri="{91240B29-F687-4f45-9708-019B960494DF}">
-              <a14:hiddenLine xmlns:a14="http://schemas.microsoft.com/office/drawing/2010/main" xmlns="" w="9525">
+              <a14:hiddenLine xmlns="" xmlns:a14="http://schemas.microsoft.com/office/drawing/2010/main" w="9525">
                 <a:solidFill>
                   <a:srgbClr val="000000"/>
                 </a:solidFill>
@@ -21702,7 +22316,7 @@
           <a:p>
             <a:r>
               <a:rPr lang="en-US" dirty="0"/>
-              <a:t>Uncomment the Include Recipe</a:t>
+              <a:t>Comment the Include Recipe</a:t>
             </a:r>
           </a:p>
         </p:txBody>
@@ -22138,7 +22752,7 @@
           <a:p>
             <a:r>
               <a:rPr lang="en-US" dirty="0"/>
-              <a:t>  1) apache::default When all attributes are default, on an CentOS 6.9 includes the service recipe</a:t>
+              <a:t>  1) apache::default When all attributes are default, on an Centos 6.9 includes the configuration recipe</a:t>
             </a:r>
           </a:p>
           <a:p>
@@ -22166,13 +22780,13 @@
           <a:p>
             <a:r>
               <a:rPr lang="en-US" dirty="0"/>
-              <a:t>       expected ["apache::default", "apache::install"] to include "apache::configuration"</a:t>
-            </a:r>
-          </a:p>
-          <a:p>
-            <a:r>
-              <a:rPr lang="en-US" dirty="0"/>
-              <a:t>     # ./spec/unit/recipes/default_spec.rb:25:in `block (3 levels)</a:t>
+              <a:t>       expected ["apache::default", "apache::install", "apache::service"] to include "apache::configuration"</a:t>
+            </a:r>
+          </a:p>
+          <a:p>
+            <a:r>
+              <a:rPr lang="en-US" dirty="0"/>
+              <a:t>     # ./spec/unit/recipes/default_spec.rb:27:in `block (3 levels) in </a:t>
             </a:r>
           </a:p>
         </p:txBody>
@@ -22643,31 +23257,29 @@
             <a:spLocks noGrp="1"/>
           </p:cNvSpPr>
           <p:nvPr>
-            <p:ph type="ctrTitle"/>
+            <p:ph type="title"/>
           </p:nvPr>
         </p:nvSpPr>
         <p:spPr/>
         <p:txBody>
-          <a:bodyPr>
-            <a:normAutofit fontScale="90000"/>
-          </a:bodyPr>
-          <a:lstStyle/>
-          <a:p>
-            <a:r>
-              <a:rPr lang="en-US" dirty="0"/>
-              <a:t>Continue with Mutation Testing</a:t>
-            </a:r>
-          </a:p>
-        </p:txBody>
-      </p:sp>
-      <p:sp>
-        <p:nvSpPr>
-          <p:cNvPr id="3" name="Subtitle 2"/>
-          <p:cNvSpPr>
-            <a:spLocks noGrp="1"/>
-          </p:cNvSpPr>
-          <p:nvPr>
-            <p:ph type="subTitle" idx="1"/>
+          <a:bodyPr/>
+          <a:lstStyle/>
+          <a:p>
+            <a:r>
+              <a:rPr lang="en-US" dirty="0"/>
+              <a:t>Comment the Include Recipe</a:t>
+            </a:r>
+          </a:p>
+        </p:txBody>
+      </p:sp>
+      <p:sp>
+        <p:nvSpPr>
+          <p:cNvPr id="3" name="Content Placeholder 2"/>
+          <p:cNvSpPr>
+            <a:spLocks noGrp="1"/>
+          </p:cNvSpPr>
+          <p:nvPr>
+            <p:ph sz="quarter" idx="10"/>
           </p:nvPr>
         </p:nvSpPr>
         <p:spPr/>
@@ -22675,113 +23287,130 @@
           <a:bodyPr/>
           <a:lstStyle/>
           <a:p>
-            <a:pPr>
-              <a:lnSpc>
-                <a:spcPct val="150000"/>
-              </a:lnSpc>
-              <a:buFont typeface="Wingdings" charset="2"/>
-              <a:buChar char="ü"/>
-            </a:pPr>
-            <a:r>
-              <a:rPr lang="en-US" dirty="0"/>
-              <a:t>Comment out the next line in the apache cookbook's default recipe</a:t>
-            </a:r>
-          </a:p>
-          <a:p>
-            <a:pPr>
-              <a:lnSpc>
-                <a:spcPct val="150000"/>
-              </a:lnSpc>
-              <a:buFont typeface="Wingdings" charset="2"/>
-              <a:buChar char="ü"/>
-            </a:pPr>
-            <a:r>
-              <a:rPr lang="en-US" dirty="0"/>
-              <a:t>Write the example with expectation that will generate a failure</a:t>
-            </a:r>
-          </a:p>
-          <a:p>
-            <a:pPr>
-              <a:lnSpc>
-                <a:spcPct val="150000"/>
-              </a:lnSpc>
-              <a:buFont typeface="Wingdings" charset="2"/>
-              <a:buChar char="ü"/>
-            </a:pPr>
-            <a:r>
-              <a:rPr lang="en-US" dirty="0"/>
-              <a:t>Verify that one example generates a failure</a:t>
-            </a:r>
-          </a:p>
-          <a:p>
-            <a:pPr>
-              <a:lnSpc>
-                <a:spcPct val="150000"/>
-              </a:lnSpc>
-              <a:buFont typeface="Wingdings" charset="2"/>
-              <a:buChar char="ü"/>
-            </a:pPr>
-            <a:r>
-              <a:rPr lang="en-US" dirty="0"/>
-              <a:t>Restore the code in the recipe</a:t>
-            </a:r>
-          </a:p>
-          <a:p>
-            <a:pPr>
-              <a:lnSpc>
-                <a:spcPct val="150000"/>
-              </a:lnSpc>
-              <a:buFont typeface="Wingdings" charset="2"/>
-              <a:buChar char="ü"/>
-            </a:pPr>
-            <a:r>
-              <a:rPr lang="en-US" dirty="0"/>
-              <a:t>Verify that all examples pass</a:t>
-            </a:r>
-          </a:p>
-        </p:txBody>
-      </p:sp>
-      <p:sp>
-        <p:nvSpPr>
-          <p:cNvPr id="4" name="TextBox 3"/>
-          <p:cNvSpPr txBox="1"/>
-          <p:nvPr/>
-        </p:nvSpPr>
-        <p:spPr bwMode="white">
+            <a:r>
+              <a:rPr lang="en-US" dirty="0"/>
+              <a:t>#</a:t>
+            </a:r>
+          </a:p>
+          <a:p>
+            <a:r>
+              <a:rPr lang="en-US" dirty="0"/>
+              <a:t># Cookbook Name:: apache</a:t>
+            </a:r>
+          </a:p>
+          <a:p>
+            <a:r>
+              <a:rPr lang="en-US" dirty="0"/>
+              <a:t># Recipe:: default</a:t>
+            </a:r>
+          </a:p>
+          <a:p>
+            <a:r>
+              <a:rPr lang="en-US" dirty="0"/>
+              <a:t>#</a:t>
+            </a:r>
+          </a:p>
+          <a:p>
+            <a:r>
+              <a:rPr lang="en-US" dirty="0"/>
+              <a:t># Copyright (c) </a:t>
+            </a:r>
+            <a:r>
+              <a:rPr lang="is-IS" dirty="0"/>
+              <a:t>2017</a:t>
+            </a:r>
+            <a:r>
+              <a:rPr lang="en-US" dirty="0"/>
+              <a:t> The Authors, All Rights Reserved.</a:t>
+            </a:r>
+          </a:p>
+          <a:p>
+            <a:r>
+              <a:rPr lang="en-US" dirty="0" err="1"/>
+              <a:t>include_recipe</a:t>
+            </a:r>
+            <a:r>
+              <a:rPr lang="en-US" dirty="0"/>
+              <a:t> 'apache::install'</a:t>
+            </a:r>
+          </a:p>
+          <a:p>
+            <a:r>
+              <a:rPr lang="en-US" dirty="0" err="1"/>
+              <a:t>include_recipe</a:t>
+            </a:r>
+            <a:r>
+              <a:rPr lang="en-US" dirty="0"/>
+              <a:t> 'apache::configuration'</a:t>
+            </a:r>
+          </a:p>
+          <a:p>
+            <a:r>
+              <a:rPr lang="en-US" dirty="0" err="1"/>
+              <a:t>include_recipe</a:t>
+            </a:r>
+            <a:r>
+              <a:rPr lang="en-US" dirty="0"/>
+              <a:t> 'apache::service'</a:t>
+            </a:r>
+          </a:p>
+        </p:txBody>
+      </p:sp>
+      <p:sp>
+        <p:nvSpPr>
+          <p:cNvPr id="4" name="Text Placeholder 3"/>
+          <p:cNvSpPr>
+            <a:spLocks noGrp="1"/>
+          </p:cNvSpPr>
+          <p:nvPr>
+            <p:ph type="body" sz="quarter" idx="11"/>
+          </p:nvPr>
+        </p:nvSpPr>
+        <p:spPr/>
+        <p:txBody>
+          <a:bodyPr/>
+          <a:lstStyle/>
+          <a:p>
+            <a:r>
+              <a:rPr lang="en-US" dirty="0"/>
+              <a:t>~/apache/recipes/</a:t>
+            </a:r>
+            <a:r>
+              <a:rPr lang="en-US" dirty="0" err="1"/>
+              <a:t>default.rb</a:t>
+            </a:r>
+            <a:endParaRPr lang="en-US" dirty="0"/>
+          </a:p>
+        </p:txBody>
+      </p:sp>
+      <p:sp>
+        <p:nvSpPr>
+          <p:cNvPr id="5" name="Text Placeholder 4"/>
+          <p:cNvSpPr>
+            <a:spLocks noGrp="1"/>
+          </p:cNvSpPr>
+          <p:nvPr>
+            <p:ph type="body" sz="quarter" idx="13"/>
+          </p:nvPr>
+        </p:nvSpPr>
+        <p:spPr>
           <a:xfrm>
-            <a:off x="1660524" y="7076661"/>
-            <a:ext cx="12330113" cy="675861"/>
+            <a:off x="1139359" y="5775108"/>
+            <a:ext cx="14404273" cy="622852"/>
           </a:xfrm>
-          <a:prstGeom prst="rect">
-            <a:avLst/>
-          </a:prstGeom>
-          <a:solidFill>
-            <a:schemeClr val="bg2">
-              <a:lumMod val="85000"/>
-            </a:schemeClr>
-          </a:solidFill>
         </p:spPr>
         <p:txBody>
-          <a:bodyPr vert="horz" wrap="square" lIns="91440" tIns="91440" rIns="91440" bIns="91440" rtlCol="0">
-            <a:normAutofit/>
-          </a:bodyPr>
-          <a:lstStyle/>
-          <a:p>
-            <a:pPr marL="342900" indent="-342900" algn="ctr">
-              <a:buFont typeface="Wingdings" charset="2"/>
-              <a:buChar char="v"/>
-            </a:pPr>
-            <a:r>
-              <a:rPr lang="en-US" b="1" dirty="0"/>
-              <a:t>Repeat this series of steps for each line within the default recipe</a:t>
-            </a:r>
+          <a:bodyPr/>
+          <a:lstStyle/>
+          <a:p>
+            <a:endParaRPr lang="en-US" dirty="0"/>
           </a:p>
         </p:txBody>
       </p:sp>
     </p:spTree>
     <p:extLst>
       <p:ext uri="{BB962C8B-B14F-4D97-AF65-F5344CB8AC3E}">
-        <p14:creationId xmlns:p14="http://schemas.microsoft.com/office/powerpoint/2010/main" val="833734926"/>
+        <p14:creationId xmlns:p14="http://schemas.microsoft.com/office/powerpoint/2010/main" val="679216510"/>
       </p:ext>
     </p:extLst>
   </p:cSld>
@@ -22818,7 +23447,7 @@
             <a:spLocks noGrp="1"/>
           </p:cNvSpPr>
           <p:nvPr>
-            <p:ph type="ctrTitle"/>
+            <p:ph type="title"/>
           </p:nvPr>
         </p:nvSpPr>
         <p:spPr/>
@@ -22830,85 +23459,213 @@
           <a:p>
             <a:r>
               <a:rPr lang="en-US" dirty="0"/>
-              <a:t>Discussion</a:t>
-            </a:r>
-          </a:p>
-        </p:txBody>
-      </p:sp>
-      <p:sp>
-        <p:nvSpPr>
-          <p:cNvPr id="3" name="Subtitle 2"/>
-          <p:cNvSpPr>
-            <a:spLocks noGrp="1"/>
-          </p:cNvSpPr>
-          <p:nvPr>
-            <p:ph type="subTitle" idx="1"/>
+              <a:t>Write the Test that Verifies the Include Recipe</a:t>
+            </a:r>
+          </a:p>
+        </p:txBody>
+      </p:sp>
+      <p:sp>
+        <p:nvSpPr>
+          <p:cNvPr id="3" name="Content Placeholder 2"/>
+          <p:cNvSpPr>
+            <a:spLocks noGrp="1"/>
+          </p:cNvSpPr>
+          <p:nvPr>
+            <p:ph sz="quarter" idx="10"/>
+          </p:nvPr>
+        </p:nvSpPr>
+        <p:spPr/>
+        <p:txBody>
+          <a:bodyPr>
+            <a:normAutofit fontScale="85000" lnSpcReduction="20000"/>
+          </a:bodyPr>
+          <a:lstStyle/>
+          <a:p>
+            <a:r>
+              <a:rPr lang="en-US" dirty="0"/>
+              <a:t> # ... START OF THE SPEC FILE ...</a:t>
+            </a:r>
+          </a:p>
+          <a:p>
+            <a:endParaRPr lang="en-US" dirty="0"/>
+          </a:p>
+          <a:p>
+            <a:r>
+              <a:rPr lang="en-US" dirty="0"/>
+              <a:t> it 'includes the install recipe' do</a:t>
+            </a:r>
+          </a:p>
+          <a:p>
+            <a:r>
+              <a:rPr lang="en-US" dirty="0"/>
+              <a:t>      expect(</a:t>
+            </a:r>
+            <a:r>
+              <a:rPr lang="en-US" dirty="0" err="1"/>
+              <a:t>chef_run</a:t>
+            </a:r>
+            <a:r>
+              <a:rPr lang="en-US" dirty="0"/>
+              <a:t>).to </a:t>
+            </a:r>
+            <a:r>
+              <a:rPr lang="en-US" dirty="0" err="1"/>
+              <a:t>include_recipe</a:t>
+            </a:r>
+            <a:r>
+              <a:rPr lang="en-US" dirty="0"/>
+              <a:t>('apache::install')</a:t>
+            </a:r>
+          </a:p>
+          <a:p>
+            <a:r>
+              <a:rPr lang="en-US" dirty="0"/>
+              <a:t>    end</a:t>
+            </a:r>
+          </a:p>
+          <a:p>
+            <a:endParaRPr lang="en-US" dirty="0"/>
+          </a:p>
+          <a:p>
+            <a:r>
+              <a:rPr lang="en-US" dirty="0"/>
+              <a:t>    it 'includes the configuration recipe' do</a:t>
+            </a:r>
+          </a:p>
+          <a:p>
+            <a:r>
+              <a:rPr lang="en-US" dirty="0"/>
+              <a:t>      expect(</a:t>
+            </a:r>
+            <a:r>
+              <a:rPr lang="en-US" dirty="0" err="1"/>
+              <a:t>chef_run</a:t>
+            </a:r>
+            <a:r>
+              <a:rPr lang="en-US" dirty="0"/>
+              <a:t>).to </a:t>
+            </a:r>
+            <a:r>
+              <a:rPr lang="en-US" dirty="0" err="1"/>
+              <a:t>include_recipe</a:t>
+            </a:r>
+            <a:r>
+              <a:rPr lang="en-US" dirty="0"/>
+              <a:t>('apache::configuration')</a:t>
+            </a:r>
+          </a:p>
+          <a:p>
+            <a:r>
+              <a:rPr lang="en-US" dirty="0"/>
+              <a:t>    end</a:t>
+            </a:r>
+          </a:p>
+          <a:p>
+            <a:endParaRPr lang="en-US" dirty="0"/>
+          </a:p>
+          <a:p>
+            <a:r>
+              <a:rPr lang="en-US" dirty="0"/>
+              <a:t>    it 'includes the service recipe' do</a:t>
+            </a:r>
+          </a:p>
+          <a:p>
+            <a:r>
+              <a:rPr lang="en-US" dirty="0"/>
+              <a:t>      expect(</a:t>
+            </a:r>
+            <a:r>
+              <a:rPr lang="en-US" dirty="0" err="1"/>
+              <a:t>chef_run</a:t>
+            </a:r>
+            <a:r>
+              <a:rPr lang="en-US" dirty="0"/>
+              <a:t>).to </a:t>
+            </a:r>
+            <a:r>
+              <a:rPr lang="en-US" dirty="0" err="1"/>
+              <a:t>include_recipe</a:t>
+            </a:r>
+            <a:r>
+              <a:rPr lang="en-US" dirty="0"/>
+              <a:t>('apache::service')</a:t>
+            </a:r>
+          </a:p>
+          <a:p>
+            <a:r>
+              <a:rPr lang="en-US" dirty="0"/>
+              <a:t>    end</a:t>
+            </a:r>
+          </a:p>
+          <a:p>
+            <a:r>
+              <a:rPr lang="en-US" dirty="0"/>
+              <a:t>  end</a:t>
+            </a:r>
+          </a:p>
+          <a:p>
+            <a:r>
+              <a:rPr lang="en-US" dirty="0"/>
+              <a:t>end</a:t>
+            </a:r>
+          </a:p>
+        </p:txBody>
+      </p:sp>
+      <p:sp>
+        <p:nvSpPr>
+          <p:cNvPr id="4" name="Text Placeholder 3"/>
+          <p:cNvSpPr>
+            <a:spLocks noGrp="1"/>
+          </p:cNvSpPr>
+          <p:nvPr>
+            <p:ph type="body" sz="quarter" idx="11"/>
+          </p:nvPr>
+        </p:nvSpPr>
+        <p:spPr/>
+        <p:txBody>
+          <a:bodyPr/>
+          <a:lstStyle/>
+          <a:p>
+            <a:r>
+              <a:rPr lang="en-US" dirty="0"/>
+              <a:t>~/apache/spec/unit/recipes/</a:t>
+            </a:r>
+            <a:r>
+              <a:rPr lang="en-US" dirty="0" err="1"/>
+              <a:t>default_spec.rb</a:t>
+            </a:r>
+            <a:endParaRPr lang="en-US" dirty="0"/>
+          </a:p>
+        </p:txBody>
+      </p:sp>
+      <p:sp>
+        <p:nvSpPr>
+          <p:cNvPr id="5" name="Text Placeholder 4"/>
+          <p:cNvSpPr>
+            <a:spLocks noGrp="1"/>
+          </p:cNvSpPr>
+          <p:nvPr>
+            <p:ph type="body" sz="quarter" idx="13"/>
           </p:nvPr>
         </p:nvSpPr>
         <p:spPr>
           <a:xfrm>
-            <a:off x="1660524" y="3260725"/>
-            <a:ext cx="12330113" cy="3427942"/>
+            <a:off x="1121104" y="5943599"/>
+            <a:ext cx="14404273" cy="1308179"/>
           </a:xfrm>
         </p:spPr>
         <p:txBody>
           <a:bodyPr/>
           <a:lstStyle/>
           <a:p>
-            <a:r>
-              <a:rPr lang="en-US" dirty="0"/>
-              <a:t>What functionality did you test in the integration tests?</a:t>
-            </a:r>
-          </a:p>
-          <a:p>
             <a:endParaRPr lang="en-US" dirty="0"/>
-          </a:p>
-          <a:p>
-            <a:r>
-              <a:rPr lang="en-US" dirty="0"/>
-              <a:t>What functionality did you test in these unit tests?</a:t>
-            </a:r>
-          </a:p>
-          <a:p>
-            <a:endParaRPr lang="en-US" dirty="0"/>
-          </a:p>
-          <a:p>
-            <a:r>
-              <a:rPr lang="en-US" dirty="0"/>
-              <a:t>What do you see as the scope of unit testing versus integration testing?</a:t>
-            </a:r>
-          </a:p>
-          <a:p>
-            <a:endParaRPr lang="en-US" dirty="0"/>
-          </a:p>
-          <a:p>
-            <a:r>
-              <a:rPr lang="en-US" dirty="0"/>
-              <a:t>What are the differences between a </a:t>
-            </a:r>
-            <a:r>
-              <a:rPr lang="en-US" dirty="0" err="1"/>
-              <a:t>ChefSpec</a:t>
-            </a:r>
-            <a:r>
-              <a:rPr lang="en-US" dirty="0"/>
-              <a:t> test and a </a:t>
-            </a:r>
-            <a:r>
-              <a:rPr lang="en-US" dirty="0" err="1"/>
-              <a:t>InSpec</a:t>
-            </a:r>
-            <a:r>
-              <a:rPr lang="en-US" dirty="0"/>
-              <a:t> test?</a:t>
-            </a:r>
           </a:p>
         </p:txBody>
       </p:sp>
     </p:spTree>
     <p:extLst>
       <p:ext uri="{BB962C8B-B14F-4D97-AF65-F5344CB8AC3E}">
-        <p14:creationId xmlns:p14="http://schemas.microsoft.com/office/powerpoint/2010/main" val="108599519"/>
+        <p14:creationId xmlns:p14="http://schemas.microsoft.com/office/powerpoint/2010/main" val="509882924"/>
       </p:ext>
     </p:extLst>
   </p:cSld>
@@ -22940,36 +23697,86 @@
       </p:grpSpPr>
       <p:sp>
         <p:nvSpPr>
-          <p:cNvPr id="2" name="Title 1"/>
-          <p:cNvSpPr>
-            <a:spLocks noGrp="1"/>
-          </p:cNvSpPr>
-          <p:nvPr>
-            <p:ph type="ctrTitle"/>
+          <p:cNvPr id="2" name="Content Placeholder 1"/>
+          <p:cNvSpPr>
+            <a:spLocks noGrp="1"/>
+          </p:cNvSpPr>
+          <p:nvPr>
+            <p:ph sz="quarter" idx="10"/>
           </p:nvPr>
         </p:nvSpPr>
         <p:spPr/>
         <p:txBody>
-          <a:bodyPr>
-            <a:normAutofit fontScale="90000"/>
-          </a:bodyPr>
-          <a:lstStyle/>
-          <a:p>
-            <a:r>
-              <a:rPr lang="en-US" dirty="0"/>
-              <a:t>Q&amp;A</a:t>
-            </a:r>
-          </a:p>
-        </p:txBody>
-      </p:sp>
-      <p:sp>
-        <p:nvSpPr>
-          <p:cNvPr id="3" name="Subtitle 2"/>
-          <p:cNvSpPr>
-            <a:spLocks noGrp="1"/>
-          </p:cNvSpPr>
-          <p:nvPr>
-            <p:ph type="subTitle" idx="1"/>
+          <a:bodyPr/>
+          <a:lstStyle/>
+          <a:p>
+            <a:r>
+              <a:rPr lang="en-US" dirty="0"/>
+              <a:t>...F</a:t>
+            </a:r>
+          </a:p>
+          <a:p>
+            <a:endParaRPr lang="en-US" dirty="0"/>
+          </a:p>
+          <a:p>
+            <a:r>
+              <a:rPr lang="en-US" dirty="0"/>
+              <a:t>Failures:</a:t>
+            </a:r>
+          </a:p>
+          <a:p>
+            <a:endParaRPr lang="en-US" dirty="0"/>
+          </a:p>
+          <a:p>
+            <a:r>
+              <a:rPr lang="en-US" dirty="0"/>
+              <a:t>  1) apache::default When all attributes are default, on an Centos 6.9 includes the service recipe</a:t>
+            </a:r>
+          </a:p>
+          <a:p>
+            <a:r>
+              <a:rPr lang="en-US" dirty="0"/>
+              <a:t>     Failure/Error: expect(</a:t>
+            </a:r>
+            <a:r>
+              <a:rPr lang="en-US" dirty="0" err="1"/>
+              <a:t>chef_run</a:t>
+            </a:r>
+            <a:r>
+              <a:rPr lang="en-US" dirty="0"/>
+              <a:t>).to </a:t>
+            </a:r>
+            <a:r>
+              <a:rPr lang="en-US" dirty="0" err="1"/>
+              <a:t>include_recipe</a:t>
+            </a:r>
+            <a:r>
+              <a:rPr lang="en-US" dirty="0"/>
+              <a:t>('apache::service')</a:t>
+            </a:r>
+          </a:p>
+          <a:p>
+            <a:r>
+              <a:rPr lang="en-US" dirty="0"/>
+              <a:t>       expected ["apache::default", "apache::install", "apache::configuration"] to include "apache::service"</a:t>
+            </a:r>
+          </a:p>
+          <a:p>
+            <a:r>
+              <a:rPr lang="en-US" dirty="0"/>
+              <a:t>     # ./spec/unit/recipes/default_spec.rb:31:in `block (3 levels) </a:t>
+            </a:r>
+          </a:p>
+        </p:txBody>
+      </p:sp>
+      <p:sp>
+        <p:nvSpPr>
+          <p:cNvPr id="3" name="Text Placeholder 2"/>
+          <p:cNvSpPr>
+            <a:spLocks noGrp="1"/>
+          </p:cNvSpPr>
+          <p:nvPr>
+            <p:ph type="body" sz="quarter" idx="11"/>
           </p:nvPr>
         </p:nvSpPr>
         <p:spPr/>
@@ -22979,7 +23786,66 @@
           <a:p>
             <a:r>
               <a:rPr lang="en-US" dirty="0"/>
-              <a:t>What questions can we answer for you?</a:t>
+              <a:t>&gt; chef exec </a:t>
+            </a:r>
+            <a:r>
+              <a:rPr lang="en-US" dirty="0" err="1"/>
+              <a:t>rspec</a:t>
+            </a:r>
+            <a:r>
+              <a:rPr lang="en-US" dirty="0"/>
+              <a:t> spec/unit/recipes/</a:t>
+            </a:r>
+            <a:r>
+              <a:rPr lang="en-US" dirty="0" err="1"/>
+              <a:t>default_spec.rb</a:t>
+            </a:r>
+            <a:endParaRPr lang="en-US" dirty="0"/>
+          </a:p>
+        </p:txBody>
+      </p:sp>
+      <p:sp>
+        <p:nvSpPr>
+          <p:cNvPr id="7" name="Content Placeholder 6"/>
+          <p:cNvSpPr>
+            <a:spLocks noGrp="1"/>
+          </p:cNvSpPr>
+          <p:nvPr>
+            <p:ph sz="quarter" idx="12"/>
+          </p:nvPr>
+        </p:nvSpPr>
+        <p:spPr>
+          <a:xfrm>
+            <a:off x="1127883" y="2315963"/>
+            <a:ext cx="14420850" cy="557213"/>
+          </a:xfrm>
+        </p:spPr>
+        <p:txBody>
+          <a:bodyPr/>
+          <a:lstStyle/>
+          <a:p>
+            <a:endParaRPr lang="en-US"/>
+          </a:p>
+        </p:txBody>
+      </p:sp>
+      <p:sp>
+        <p:nvSpPr>
+          <p:cNvPr id="5" name="Title 4"/>
+          <p:cNvSpPr>
+            <a:spLocks noGrp="1"/>
+          </p:cNvSpPr>
+          <p:nvPr>
+            <p:ph type="title"/>
+          </p:nvPr>
+        </p:nvSpPr>
+        <p:spPr/>
+        <p:txBody>
+          <a:bodyPr/>
+          <a:lstStyle/>
+          <a:p>
+            <a:r>
+              <a:rPr lang="en-US" dirty="0"/>
+              <a:t>Execute the Tests to See it Fail</a:t>
             </a:r>
           </a:p>
         </p:txBody>
@@ -22987,7 +23853,7 @@
     </p:spTree>
     <p:extLst>
       <p:ext uri="{BB962C8B-B14F-4D97-AF65-F5344CB8AC3E}">
-        <p14:creationId xmlns:p14="http://schemas.microsoft.com/office/powerpoint/2010/main" val="2421411435"/>
+        <p14:creationId xmlns:p14="http://schemas.microsoft.com/office/powerpoint/2010/main" val="2847470555"/>
       </p:ext>
     </p:extLst>
   </p:cSld>
@@ -23800,6 +24666,732 @@
       </p:grpSpPr>
       <p:sp>
         <p:nvSpPr>
+          <p:cNvPr id="2" name="Title 1"/>
+          <p:cNvSpPr>
+            <a:spLocks noGrp="1"/>
+          </p:cNvSpPr>
+          <p:nvPr>
+            <p:ph type="title"/>
+          </p:nvPr>
+        </p:nvSpPr>
+        <p:spPr/>
+        <p:txBody>
+          <a:bodyPr/>
+          <a:lstStyle/>
+          <a:p>
+            <a:r>
+              <a:rPr lang="en-US" dirty="0"/>
+              <a:t>Uncomment the Include Recipe</a:t>
+            </a:r>
+          </a:p>
+        </p:txBody>
+      </p:sp>
+      <p:sp>
+        <p:nvSpPr>
+          <p:cNvPr id="3" name="Content Placeholder 2"/>
+          <p:cNvSpPr>
+            <a:spLocks noGrp="1"/>
+          </p:cNvSpPr>
+          <p:nvPr>
+            <p:ph sz="quarter" idx="10"/>
+          </p:nvPr>
+        </p:nvSpPr>
+        <p:spPr/>
+        <p:txBody>
+          <a:bodyPr/>
+          <a:lstStyle/>
+          <a:p>
+            <a:r>
+              <a:rPr lang="en-US" dirty="0"/>
+              <a:t>#</a:t>
+            </a:r>
+          </a:p>
+          <a:p>
+            <a:r>
+              <a:rPr lang="en-US" dirty="0"/>
+              <a:t># Cookbook Name:: apache</a:t>
+            </a:r>
+          </a:p>
+          <a:p>
+            <a:r>
+              <a:rPr lang="en-US" dirty="0"/>
+              <a:t># Recipe:: default</a:t>
+            </a:r>
+          </a:p>
+          <a:p>
+            <a:r>
+              <a:rPr lang="en-US" dirty="0"/>
+              <a:t>#</a:t>
+            </a:r>
+          </a:p>
+          <a:p>
+            <a:r>
+              <a:rPr lang="en-US" dirty="0"/>
+              <a:t># Copyright (c) </a:t>
+            </a:r>
+            <a:r>
+              <a:rPr lang="is-IS" dirty="0"/>
+              <a:t>2017</a:t>
+            </a:r>
+            <a:r>
+              <a:rPr lang="en-US" dirty="0"/>
+              <a:t> The Authors, All Rights Reserved.</a:t>
+            </a:r>
+          </a:p>
+          <a:p>
+            <a:r>
+              <a:rPr lang="en-US" dirty="0" err="1"/>
+              <a:t>include_recipe</a:t>
+            </a:r>
+            <a:r>
+              <a:rPr lang="en-US" dirty="0"/>
+              <a:t> 'apache::install'</a:t>
+            </a:r>
+          </a:p>
+          <a:p>
+            <a:r>
+              <a:rPr lang="en-US" dirty="0" err="1"/>
+              <a:t>include_recipe</a:t>
+            </a:r>
+            <a:r>
+              <a:rPr lang="en-US" dirty="0"/>
+              <a:t> 'apache::configuration'</a:t>
+            </a:r>
+          </a:p>
+          <a:p>
+            <a:r>
+              <a:rPr lang="en-US" dirty="0" err="1"/>
+              <a:t>include_recipe</a:t>
+            </a:r>
+            <a:r>
+              <a:rPr lang="en-US" dirty="0"/>
+              <a:t> 'apache::service'</a:t>
+            </a:r>
+          </a:p>
+        </p:txBody>
+      </p:sp>
+      <p:sp>
+        <p:nvSpPr>
+          <p:cNvPr id="4" name="Text Placeholder 3"/>
+          <p:cNvSpPr>
+            <a:spLocks noGrp="1"/>
+          </p:cNvSpPr>
+          <p:nvPr>
+            <p:ph type="body" sz="quarter" idx="11"/>
+          </p:nvPr>
+        </p:nvSpPr>
+        <p:spPr/>
+        <p:txBody>
+          <a:bodyPr/>
+          <a:lstStyle/>
+          <a:p>
+            <a:r>
+              <a:rPr lang="en-US" dirty="0"/>
+              <a:t>~/apache/recipes/</a:t>
+            </a:r>
+            <a:r>
+              <a:rPr lang="en-US" dirty="0" err="1"/>
+              <a:t>default.rb</a:t>
+            </a:r>
+            <a:endParaRPr lang="en-US" dirty="0"/>
+          </a:p>
+        </p:txBody>
+      </p:sp>
+      <p:sp>
+        <p:nvSpPr>
+          <p:cNvPr id="5" name="Text Placeholder 4"/>
+          <p:cNvSpPr>
+            <a:spLocks noGrp="1"/>
+          </p:cNvSpPr>
+          <p:nvPr>
+            <p:ph type="body" sz="quarter" idx="13"/>
+          </p:nvPr>
+        </p:nvSpPr>
+        <p:spPr>
+          <a:xfrm>
+            <a:off x="1139359" y="5753336"/>
+            <a:ext cx="14404273" cy="622852"/>
+          </a:xfrm>
+        </p:spPr>
+        <p:txBody>
+          <a:bodyPr/>
+          <a:lstStyle/>
+          <a:p>
+            <a:endParaRPr lang="en-US" dirty="0"/>
+          </a:p>
+        </p:txBody>
+      </p:sp>
+    </p:spTree>
+    <p:extLst>
+      <p:ext uri="{BB962C8B-B14F-4D97-AF65-F5344CB8AC3E}">
+        <p14:creationId xmlns:p14="http://schemas.microsoft.com/office/powerpoint/2010/main" val="2560950158"/>
+      </p:ext>
+    </p:extLst>
+  </p:cSld>
+  <p:clrMapOvr>
+    <a:masterClrMapping/>
+  </p:clrMapOvr>
+  <p:transition spd="med">
+    <p:fade/>
+  </p:transition>
+</p:sld>
+</file>
+
+<file path=ppt/slides/slide41.xml><?xml version="1.0" encoding="utf-8"?>
+<p:sld xmlns:a="http://schemas.openxmlformats.org/drawingml/2006/main" xmlns:r="http://schemas.openxmlformats.org/officeDocument/2006/relationships" xmlns:p="http://schemas.openxmlformats.org/presentationml/2006/main">
+  <p:cSld>
+    <p:spTree>
+      <p:nvGrpSpPr>
+        <p:cNvPr id="1" name=""/>
+        <p:cNvGrpSpPr/>
+        <p:nvPr/>
+      </p:nvGrpSpPr>
+      <p:grpSpPr>
+        <a:xfrm>
+          <a:off x="0" y="0"/>
+          <a:ext cx="0" cy="0"/>
+          <a:chOff x="0" y="0"/>
+          <a:chExt cx="0" cy="0"/>
+        </a:xfrm>
+      </p:grpSpPr>
+      <p:sp>
+        <p:nvSpPr>
+          <p:cNvPr id="2" name="Content Placeholder 1"/>
+          <p:cNvSpPr>
+            <a:spLocks noGrp="1"/>
+          </p:cNvSpPr>
+          <p:nvPr>
+            <p:ph sz="quarter" idx="10"/>
+          </p:nvPr>
+        </p:nvSpPr>
+        <p:spPr/>
+        <p:txBody>
+          <a:bodyPr/>
+          <a:lstStyle/>
+          <a:p>
+            <a:r>
+              <a:rPr lang="en-US" dirty="0"/>
+              <a:t>....</a:t>
+            </a:r>
+          </a:p>
+          <a:p>
+            <a:endParaRPr lang="en-US" dirty="0"/>
+          </a:p>
+          <a:p>
+            <a:r>
+              <a:rPr lang="en-US" dirty="0"/>
+              <a:t>Finished in 1.38 seconds (files took 4.16 seconds to load)</a:t>
+            </a:r>
+          </a:p>
+          <a:p>
+            <a:r>
+              <a:rPr lang="en-US" dirty="0"/>
+              <a:t>4 examples, 0 failures</a:t>
+            </a:r>
+          </a:p>
+        </p:txBody>
+      </p:sp>
+      <p:sp>
+        <p:nvSpPr>
+          <p:cNvPr id="3" name="Text Placeholder 2"/>
+          <p:cNvSpPr>
+            <a:spLocks noGrp="1"/>
+          </p:cNvSpPr>
+          <p:nvPr>
+            <p:ph type="body" sz="quarter" idx="11"/>
+          </p:nvPr>
+        </p:nvSpPr>
+        <p:spPr/>
+        <p:txBody>
+          <a:bodyPr/>
+          <a:lstStyle/>
+          <a:p>
+            <a:r>
+              <a:rPr lang="en-US" dirty="0"/>
+              <a:t>&gt; chef exec </a:t>
+            </a:r>
+            <a:r>
+              <a:rPr lang="en-US" dirty="0" err="1"/>
+              <a:t>rspec</a:t>
+            </a:r>
+            <a:r>
+              <a:rPr lang="en-US" dirty="0"/>
+              <a:t> spec/unit/recipes/</a:t>
+            </a:r>
+            <a:r>
+              <a:rPr lang="en-US" dirty="0" err="1"/>
+              <a:t>default_spec.rb</a:t>
+            </a:r>
+            <a:endParaRPr lang="en-US" dirty="0"/>
+          </a:p>
+        </p:txBody>
+      </p:sp>
+      <p:sp>
+        <p:nvSpPr>
+          <p:cNvPr id="6" name="Content Placeholder 5"/>
+          <p:cNvSpPr>
+            <a:spLocks noGrp="1"/>
+          </p:cNvSpPr>
+          <p:nvPr>
+            <p:ph sz="quarter" idx="12"/>
+          </p:nvPr>
+        </p:nvSpPr>
+        <p:spPr>
+          <a:xfrm>
+            <a:off x="1127883" y="2315963"/>
+            <a:ext cx="14420850" cy="557213"/>
+          </a:xfrm>
+        </p:spPr>
+        <p:txBody>
+          <a:bodyPr/>
+          <a:lstStyle/>
+          <a:p>
+            <a:endParaRPr lang="en-US"/>
+          </a:p>
+        </p:txBody>
+      </p:sp>
+      <p:sp>
+        <p:nvSpPr>
+          <p:cNvPr id="5" name="Title 4"/>
+          <p:cNvSpPr>
+            <a:spLocks noGrp="1"/>
+          </p:cNvSpPr>
+          <p:nvPr>
+            <p:ph type="title"/>
+          </p:nvPr>
+        </p:nvSpPr>
+        <p:spPr/>
+        <p:txBody>
+          <a:bodyPr/>
+          <a:lstStyle/>
+          <a:p>
+            <a:r>
+              <a:rPr lang="en-US" dirty="0"/>
+              <a:t>Execute the Tests to </a:t>
+            </a:r>
+            <a:r>
+              <a:rPr lang="en-US"/>
+              <a:t>See it Pass</a:t>
+            </a:r>
+          </a:p>
+        </p:txBody>
+      </p:sp>
+    </p:spTree>
+    <p:extLst>
+      <p:ext uri="{BB962C8B-B14F-4D97-AF65-F5344CB8AC3E}">
+        <p14:creationId xmlns:p14="http://schemas.microsoft.com/office/powerpoint/2010/main" val="1817179830"/>
+      </p:ext>
+    </p:extLst>
+  </p:cSld>
+  <p:clrMapOvr>
+    <a:masterClrMapping/>
+  </p:clrMapOvr>
+  <p:transition spd="med">
+    <p:fade/>
+  </p:transition>
+</p:sld>
+</file>
+
+<file path=ppt/slides/slide42.xml><?xml version="1.0" encoding="utf-8"?>
+<p:sld xmlns:a="http://schemas.openxmlformats.org/drawingml/2006/main" xmlns:r="http://schemas.openxmlformats.org/officeDocument/2006/relationships" xmlns:p="http://schemas.openxmlformats.org/presentationml/2006/main">
+  <p:cSld>
+    <p:spTree>
+      <p:nvGrpSpPr>
+        <p:cNvPr id="1" name=""/>
+        <p:cNvGrpSpPr/>
+        <p:nvPr/>
+      </p:nvGrpSpPr>
+      <p:grpSpPr>
+        <a:xfrm>
+          <a:off x="0" y="0"/>
+          <a:ext cx="0" cy="0"/>
+          <a:chOff x="0" y="0"/>
+          <a:chExt cx="0" cy="0"/>
+        </a:xfrm>
+      </p:grpSpPr>
+      <p:sp>
+        <p:nvSpPr>
+          <p:cNvPr id="2" name="Title 1"/>
+          <p:cNvSpPr>
+            <a:spLocks noGrp="1"/>
+          </p:cNvSpPr>
+          <p:nvPr>
+            <p:ph type="ctrTitle"/>
+          </p:nvPr>
+        </p:nvSpPr>
+        <p:spPr/>
+        <p:txBody>
+          <a:bodyPr>
+            <a:normAutofit fontScale="90000"/>
+          </a:bodyPr>
+          <a:lstStyle/>
+          <a:p>
+            <a:r>
+              <a:rPr lang="en-US" dirty="0"/>
+              <a:t>Continue with Mutation Testing</a:t>
+            </a:r>
+          </a:p>
+        </p:txBody>
+      </p:sp>
+      <p:sp>
+        <p:nvSpPr>
+          <p:cNvPr id="3" name="Subtitle 2"/>
+          <p:cNvSpPr>
+            <a:spLocks noGrp="1"/>
+          </p:cNvSpPr>
+          <p:nvPr>
+            <p:ph type="subTitle" idx="1"/>
+          </p:nvPr>
+        </p:nvSpPr>
+        <p:spPr/>
+        <p:txBody>
+          <a:bodyPr/>
+          <a:lstStyle/>
+          <a:p>
+            <a:pPr>
+              <a:lnSpc>
+                <a:spcPct val="150000"/>
+              </a:lnSpc>
+              <a:buFont typeface="Wingdings" charset="2"/>
+              <a:buChar char="ü"/>
+            </a:pPr>
+            <a:r>
+              <a:rPr lang="en-US" dirty="0"/>
+              <a:t>Comment out the next line in the apache cookbook's default recipe</a:t>
+            </a:r>
+          </a:p>
+          <a:p>
+            <a:pPr>
+              <a:lnSpc>
+                <a:spcPct val="150000"/>
+              </a:lnSpc>
+              <a:buFont typeface="Wingdings" charset="2"/>
+              <a:buChar char="ü"/>
+            </a:pPr>
+            <a:r>
+              <a:rPr lang="en-US" dirty="0"/>
+              <a:t>Write the example with expectation that will generate a failure</a:t>
+            </a:r>
+          </a:p>
+          <a:p>
+            <a:pPr>
+              <a:lnSpc>
+                <a:spcPct val="150000"/>
+              </a:lnSpc>
+              <a:buFont typeface="Wingdings" charset="2"/>
+              <a:buChar char="ü"/>
+            </a:pPr>
+            <a:r>
+              <a:rPr lang="en-US" dirty="0"/>
+              <a:t>Verify that one example generates a failure</a:t>
+            </a:r>
+          </a:p>
+          <a:p>
+            <a:pPr>
+              <a:lnSpc>
+                <a:spcPct val="150000"/>
+              </a:lnSpc>
+              <a:buFont typeface="Wingdings" charset="2"/>
+              <a:buChar char="ü"/>
+            </a:pPr>
+            <a:r>
+              <a:rPr lang="en-US" dirty="0"/>
+              <a:t>Restore the code in the recipe</a:t>
+            </a:r>
+          </a:p>
+          <a:p>
+            <a:pPr>
+              <a:lnSpc>
+                <a:spcPct val="150000"/>
+              </a:lnSpc>
+              <a:buFont typeface="Wingdings" charset="2"/>
+              <a:buChar char="ü"/>
+            </a:pPr>
+            <a:r>
+              <a:rPr lang="en-US" dirty="0"/>
+              <a:t>Verify that all examples pass</a:t>
+            </a:r>
+          </a:p>
+        </p:txBody>
+      </p:sp>
+      <p:sp>
+        <p:nvSpPr>
+          <p:cNvPr id="4" name="TextBox 3"/>
+          <p:cNvSpPr txBox="1"/>
+          <p:nvPr/>
+        </p:nvSpPr>
+        <p:spPr bwMode="white">
+          <a:xfrm>
+            <a:off x="1660524" y="7076661"/>
+            <a:ext cx="12330113" cy="675861"/>
+          </a:xfrm>
+          <a:prstGeom prst="rect">
+            <a:avLst/>
+          </a:prstGeom>
+          <a:solidFill>
+            <a:schemeClr val="bg2">
+              <a:lumMod val="85000"/>
+            </a:schemeClr>
+          </a:solidFill>
+        </p:spPr>
+        <p:txBody>
+          <a:bodyPr vert="horz" wrap="square" lIns="91440" tIns="91440" rIns="91440" bIns="91440" rtlCol="0">
+            <a:normAutofit/>
+          </a:bodyPr>
+          <a:lstStyle/>
+          <a:p>
+            <a:pPr marL="342900" indent="-342900" algn="ctr">
+              <a:buFont typeface="Wingdings" charset="2"/>
+              <a:buChar char="v"/>
+            </a:pPr>
+            <a:r>
+              <a:rPr lang="en-US" b="1" dirty="0"/>
+              <a:t>Repeat this series of steps for each line within the default recipe</a:t>
+            </a:r>
+          </a:p>
+        </p:txBody>
+      </p:sp>
+    </p:spTree>
+    <p:extLst>
+      <p:ext uri="{BB962C8B-B14F-4D97-AF65-F5344CB8AC3E}">
+        <p14:creationId xmlns:p14="http://schemas.microsoft.com/office/powerpoint/2010/main" val="833734926"/>
+      </p:ext>
+    </p:extLst>
+  </p:cSld>
+  <p:clrMapOvr>
+    <a:masterClrMapping/>
+  </p:clrMapOvr>
+  <p:transition spd="med">
+    <p:fade/>
+  </p:transition>
+</p:sld>
+</file>
+
+<file path=ppt/slides/slide43.xml><?xml version="1.0" encoding="utf-8"?>
+<p:sld xmlns:a="http://schemas.openxmlformats.org/drawingml/2006/main" xmlns:r="http://schemas.openxmlformats.org/officeDocument/2006/relationships" xmlns:p="http://schemas.openxmlformats.org/presentationml/2006/main">
+  <p:cSld>
+    <p:spTree>
+      <p:nvGrpSpPr>
+        <p:cNvPr id="1" name=""/>
+        <p:cNvGrpSpPr/>
+        <p:nvPr/>
+      </p:nvGrpSpPr>
+      <p:grpSpPr>
+        <a:xfrm>
+          <a:off x="0" y="0"/>
+          <a:ext cx="0" cy="0"/>
+          <a:chOff x="0" y="0"/>
+          <a:chExt cx="0" cy="0"/>
+        </a:xfrm>
+      </p:grpSpPr>
+      <p:sp>
+        <p:nvSpPr>
+          <p:cNvPr id="2" name="Title 1"/>
+          <p:cNvSpPr>
+            <a:spLocks noGrp="1"/>
+          </p:cNvSpPr>
+          <p:nvPr>
+            <p:ph type="ctrTitle"/>
+          </p:nvPr>
+        </p:nvSpPr>
+        <p:spPr/>
+        <p:txBody>
+          <a:bodyPr>
+            <a:normAutofit fontScale="90000"/>
+          </a:bodyPr>
+          <a:lstStyle/>
+          <a:p>
+            <a:r>
+              <a:rPr lang="en-US" dirty="0"/>
+              <a:t>Discussion</a:t>
+            </a:r>
+          </a:p>
+        </p:txBody>
+      </p:sp>
+      <p:sp>
+        <p:nvSpPr>
+          <p:cNvPr id="3" name="Subtitle 2"/>
+          <p:cNvSpPr>
+            <a:spLocks noGrp="1"/>
+          </p:cNvSpPr>
+          <p:nvPr>
+            <p:ph type="subTitle" idx="1"/>
+          </p:nvPr>
+        </p:nvSpPr>
+        <p:spPr>
+          <a:xfrm>
+            <a:off x="1660524" y="3260725"/>
+            <a:ext cx="12330113" cy="3427942"/>
+          </a:xfrm>
+        </p:spPr>
+        <p:txBody>
+          <a:bodyPr/>
+          <a:lstStyle/>
+          <a:p>
+            <a:r>
+              <a:rPr lang="en-US" dirty="0"/>
+              <a:t>What functionality did you test in the integration tests?</a:t>
+            </a:r>
+          </a:p>
+          <a:p>
+            <a:endParaRPr lang="en-US" dirty="0"/>
+          </a:p>
+          <a:p>
+            <a:r>
+              <a:rPr lang="en-US" dirty="0"/>
+              <a:t>What functionality did you test in these unit tests?</a:t>
+            </a:r>
+          </a:p>
+          <a:p>
+            <a:endParaRPr lang="en-US" dirty="0"/>
+          </a:p>
+          <a:p>
+            <a:r>
+              <a:rPr lang="en-US" dirty="0"/>
+              <a:t>What do you see as the scope of unit testing versus integration testing?</a:t>
+            </a:r>
+          </a:p>
+          <a:p>
+            <a:endParaRPr lang="en-US" dirty="0"/>
+          </a:p>
+          <a:p>
+            <a:r>
+              <a:rPr lang="en-US" dirty="0"/>
+              <a:t>What are the differences between a </a:t>
+            </a:r>
+            <a:r>
+              <a:rPr lang="en-US" dirty="0" err="1"/>
+              <a:t>ChefSpec</a:t>
+            </a:r>
+            <a:r>
+              <a:rPr lang="en-US" dirty="0"/>
+              <a:t> test and a </a:t>
+            </a:r>
+            <a:r>
+              <a:rPr lang="en-US" dirty="0" err="1"/>
+              <a:t>InSpec</a:t>
+            </a:r>
+            <a:r>
+              <a:rPr lang="en-US" dirty="0"/>
+              <a:t> test?</a:t>
+            </a:r>
+          </a:p>
+        </p:txBody>
+      </p:sp>
+    </p:spTree>
+    <p:extLst>
+      <p:ext uri="{BB962C8B-B14F-4D97-AF65-F5344CB8AC3E}">
+        <p14:creationId xmlns:p14="http://schemas.microsoft.com/office/powerpoint/2010/main" val="108599519"/>
+      </p:ext>
+    </p:extLst>
+  </p:cSld>
+  <p:clrMapOvr>
+    <a:masterClrMapping/>
+  </p:clrMapOvr>
+  <p:transition spd="med">
+    <p:fade/>
+  </p:transition>
+</p:sld>
+</file>
+
+<file path=ppt/slides/slide44.xml><?xml version="1.0" encoding="utf-8"?>
+<p:sld xmlns:a="http://schemas.openxmlformats.org/drawingml/2006/main" xmlns:r="http://schemas.openxmlformats.org/officeDocument/2006/relationships" xmlns:p="http://schemas.openxmlformats.org/presentationml/2006/main">
+  <p:cSld>
+    <p:spTree>
+      <p:nvGrpSpPr>
+        <p:cNvPr id="1" name=""/>
+        <p:cNvGrpSpPr/>
+        <p:nvPr/>
+      </p:nvGrpSpPr>
+      <p:grpSpPr>
+        <a:xfrm>
+          <a:off x="0" y="0"/>
+          <a:ext cx="0" cy="0"/>
+          <a:chOff x="0" y="0"/>
+          <a:chExt cx="0" cy="0"/>
+        </a:xfrm>
+      </p:grpSpPr>
+      <p:sp>
+        <p:nvSpPr>
+          <p:cNvPr id="2" name="Title 1"/>
+          <p:cNvSpPr>
+            <a:spLocks noGrp="1"/>
+          </p:cNvSpPr>
+          <p:nvPr>
+            <p:ph type="ctrTitle"/>
+          </p:nvPr>
+        </p:nvSpPr>
+        <p:spPr/>
+        <p:txBody>
+          <a:bodyPr>
+            <a:normAutofit fontScale="90000"/>
+          </a:bodyPr>
+          <a:lstStyle/>
+          <a:p>
+            <a:r>
+              <a:rPr lang="en-US" dirty="0"/>
+              <a:t>Q&amp;A</a:t>
+            </a:r>
+          </a:p>
+        </p:txBody>
+      </p:sp>
+      <p:sp>
+        <p:nvSpPr>
+          <p:cNvPr id="3" name="Subtitle 2"/>
+          <p:cNvSpPr>
+            <a:spLocks noGrp="1"/>
+          </p:cNvSpPr>
+          <p:nvPr>
+            <p:ph type="subTitle" idx="1"/>
+          </p:nvPr>
+        </p:nvSpPr>
+        <p:spPr/>
+        <p:txBody>
+          <a:bodyPr/>
+          <a:lstStyle/>
+          <a:p>
+            <a:r>
+              <a:rPr lang="en-US" dirty="0"/>
+              <a:t>What questions can we answer for you?</a:t>
+            </a:r>
+          </a:p>
+        </p:txBody>
+      </p:sp>
+    </p:spTree>
+    <p:extLst>
+      <p:ext uri="{BB962C8B-B14F-4D97-AF65-F5344CB8AC3E}">
+        <p14:creationId xmlns:p14="http://schemas.microsoft.com/office/powerpoint/2010/main" val="2421411435"/>
+      </p:ext>
+    </p:extLst>
+  </p:cSld>
+  <p:clrMapOvr>
+    <a:masterClrMapping/>
+  </p:clrMapOvr>
+  <p:transition spd="med">
+    <p:fade/>
+  </p:transition>
+</p:sld>
+</file>
+
+<file path=ppt/slides/slide45.xml><?xml version="1.0" encoding="utf-8"?>
+<p:sld xmlns:a="http://schemas.openxmlformats.org/drawingml/2006/main" xmlns:r="http://schemas.openxmlformats.org/officeDocument/2006/relationships" xmlns:p="http://schemas.openxmlformats.org/presentationml/2006/main">
+  <p:cSld>
+    <p:spTree>
+      <p:nvGrpSpPr>
+        <p:cNvPr id="1" name=""/>
+        <p:cNvGrpSpPr/>
+        <p:nvPr/>
+      </p:nvGrpSpPr>
+      <p:grpSpPr>
+        <a:xfrm>
+          <a:off x="0" y="0"/>
+          <a:ext cx="0" cy="0"/>
+          <a:chOff x="0" y="0"/>
+          <a:chExt cx="0" cy="0"/>
+        </a:xfrm>
+      </p:grpSpPr>
+      <p:sp>
+        <p:nvSpPr>
           <p:cNvPr id="2" name="Content Placeholder 1"/>
           <p:cNvSpPr>
             <a:spLocks noGrp="1"/>
@@ -23943,7 +25535,7 @@
 </p:sld>
 </file>
 
-<file path=ppt/slides/slide41.xml><?xml version="1.0" encoding="utf-8"?>
+<file path=ppt/slides/slide46.xml><?xml version="1.0" encoding="utf-8"?>
 <p:sld xmlns:a="http://schemas.openxmlformats.org/drawingml/2006/main" xmlns:r="http://schemas.openxmlformats.org/officeDocument/2006/relationships" xmlns:p="http://schemas.openxmlformats.org/presentationml/2006/main">
   <p:cSld>
     <p:spTree>
@@ -29790,6 +31382,18 @@
 </file>
 
 <file path=customXml/item1.xml><?xml version="1.0" encoding="utf-8"?>
+<p:properties xmlns:p="http://schemas.microsoft.com/office/2006/metadata/properties" xmlns:xsi="http://www.w3.org/2001/XMLSchema-instance" xmlns:pc="http://schemas.microsoft.com/office/infopath/2007/PartnerControls">
+  <documentManagement>
+    <_dlc_DocId xmlns="7bb5d761-a2ea-4873-95f7-7a6658fb3ef0">M4CWTKMW727E-592-73</_dlc_DocId>
+    <_dlc_DocIdUrl xmlns="7bb5d761-a2ea-4873-95f7-7a6658fb3ef0">
+      <Url>https://kms.vci.local/marketing/team/_layouts/DocIdRedir.aspx?ID=M4CWTKMW727E-592-73</Url>
+      <Description>M4CWTKMW727E-592-73</Description>
+    </_dlc_DocIdUrl>
+  </documentManagement>
+</p:properties>
+</file>
+
+<file path=customXml/item2.xml><?xml version="1.0" encoding="utf-8"?>
 <ct:contentTypeSchema xmlns:ct="http://schemas.microsoft.com/office/2006/metadata/contentType" xmlns:ma="http://schemas.microsoft.com/office/2006/metadata/properties/metaAttributes" ct:_="" ma:_="" ma:contentTypeName="Document" ma:contentTypeID="0x0101000812F700BE7F874999720E88173FE491" ma:contentTypeVersion="0" ma:contentTypeDescription="Create a new document." ma:contentTypeScope="" ma:versionID="3f79f408e2ca720b7aba6e0e32464d0c">
   <xsd:schema xmlns:xsd="http://www.w3.org/2001/XMLSchema" xmlns:xs="http://www.w3.org/2001/XMLSchema" xmlns:p="http://schemas.microsoft.com/office/2006/metadata/properties" xmlns:ns2="7bb5d761-a2ea-4873-95f7-7a6658fb3ef0" targetNamespace="http://schemas.microsoft.com/office/2006/metadata/properties" ma:root="true" ma:fieldsID="1e062cd38ba31e406bfc4340fbc7f87a" ns2:_="">
     <xsd:import namespace="7bb5d761-a2ea-4873-95f7-7a6658fb3ef0"/>
@@ -29934,28 +31538,7 @@
 </ct:contentTypeSchema>
 </file>
 
-<file path=customXml/item2.xml><?xml version="1.0" encoding="utf-8"?>
-<p:properties xmlns:p="http://schemas.microsoft.com/office/2006/metadata/properties" xmlns:xsi="http://www.w3.org/2001/XMLSchema-instance" xmlns:pc="http://schemas.microsoft.com/office/infopath/2007/PartnerControls">
-  <documentManagement>
-    <_dlc_DocId xmlns="7bb5d761-a2ea-4873-95f7-7a6658fb3ef0">M4CWTKMW727E-592-73</_dlc_DocId>
-    <_dlc_DocIdUrl xmlns="7bb5d761-a2ea-4873-95f7-7a6658fb3ef0">
-      <Url>https://kms.vci.local/marketing/team/_layouts/DocIdRedir.aspx?ID=M4CWTKMW727E-592-73</Url>
-      <Description>M4CWTKMW727E-592-73</Description>
-    </_dlc_DocIdUrl>
-  </documentManagement>
-</p:properties>
-</file>
-
 <file path=customXml/item3.xml><?xml version="1.0" encoding="utf-8"?>
-<?mso-contentType ?>
-<FormTemplates xmlns="http://schemas.microsoft.com/sharepoint/v3/contenttype/forms">
-  <Display>DocumentLibraryForm</Display>
-  <Edit>DocumentLibraryForm</Edit>
-  <New>DocumentLibraryForm</New>
-</FormTemplates>
-</file>
-
-<file path=customXml/item4.xml><?xml version="1.0" encoding="utf-8"?>
 <?mso-contentType ?>
 <spe:Receivers xmlns:spe="http://schemas.microsoft.com/sharepoint/events">
   <Receiver>
@@ -30001,7 +31584,32 @@
 </spe:Receivers>
 </file>
 
+<file path=customXml/item4.xml><?xml version="1.0" encoding="utf-8"?>
+<?mso-contentType ?>
+<FormTemplates xmlns="http://schemas.microsoft.com/sharepoint/v3/contenttype/forms">
+  <Display>DocumentLibraryForm</Display>
+  <Edit>DocumentLibraryForm</Edit>
+  <New>DocumentLibraryForm</New>
+</FormTemplates>
+</file>
+
 <file path=customXml/itemProps1.xml><?xml version="1.0" encoding="utf-8"?>
+<ds:datastoreItem xmlns:ds="http://schemas.openxmlformats.org/officeDocument/2006/customXml" ds:itemID="{6921749B-AEB7-461B-845F-603CABD25259}">
+  <ds:schemaRefs>
+    <ds:schemaRef ds:uri="7bb5d761-a2ea-4873-95f7-7a6658fb3ef0"/>
+    <ds:schemaRef ds:uri="http://purl.org/dc/terms/"/>
+    <ds:schemaRef ds:uri="http://schemas.openxmlformats.org/package/2006/metadata/core-properties"/>
+    <ds:schemaRef ds:uri="http://purl.org/dc/dcmitype/"/>
+    <ds:schemaRef ds:uri="http://schemas.microsoft.com/office/2006/documentManagement/types"/>
+    <ds:schemaRef ds:uri="http://purl.org/dc/elements/1.1/"/>
+    <ds:schemaRef ds:uri="http://schemas.microsoft.com/office/2006/metadata/properties"/>
+    <ds:schemaRef ds:uri="http://schemas.microsoft.com/office/infopath/2007/PartnerControls"/>
+    <ds:schemaRef ds:uri="http://www.w3.org/XML/1998/namespace"/>
+  </ds:schemaRefs>
+</ds:datastoreItem>
+</file>
+
+<file path=customXml/itemProps2.xml><?xml version="1.0" encoding="utf-8"?>
 <ds:datastoreItem xmlns:ds="http://schemas.openxmlformats.org/officeDocument/2006/customXml" ds:itemID="{164479E5-0B02-49AC-B79E-EC1D6164DDD3}">
   <ds:schemaRefs>
     <ds:schemaRef ds:uri="http://schemas.microsoft.com/office/2006/metadata/contentType"/>
@@ -30019,34 +31627,18 @@
 </ds:datastoreItem>
 </file>
 
-<file path=customXml/itemProps2.xml><?xml version="1.0" encoding="utf-8"?>
-<ds:datastoreItem xmlns:ds="http://schemas.openxmlformats.org/officeDocument/2006/customXml" ds:itemID="{6921749B-AEB7-461B-845F-603CABD25259}">
+<file path=customXml/itemProps3.xml><?xml version="1.0" encoding="utf-8"?>
+<ds:datastoreItem xmlns:ds="http://schemas.openxmlformats.org/officeDocument/2006/customXml" ds:itemID="{B13EBC30-FE27-4C6A-B723-23FC2188F7DC}">
   <ds:schemaRefs>
-    <ds:schemaRef ds:uri="7bb5d761-a2ea-4873-95f7-7a6658fb3ef0"/>
-    <ds:schemaRef ds:uri="http://purl.org/dc/terms/"/>
-    <ds:schemaRef ds:uri="http://schemas.openxmlformats.org/package/2006/metadata/core-properties"/>
-    <ds:schemaRef ds:uri="http://purl.org/dc/dcmitype/"/>
-    <ds:schemaRef ds:uri="http://schemas.microsoft.com/office/2006/documentManagement/types"/>
-    <ds:schemaRef ds:uri="http://purl.org/dc/elements/1.1/"/>
-    <ds:schemaRef ds:uri="http://schemas.microsoft.com/office/2006/metadata/properties"/>
-    <ds:schemaRef ds:uri="http://schemas.microsoft.com/office/infopath/2007/PartnerControls"/>
-    <ds:schemaRef ds:uri="http://www.w3.org/XML/1998/namespace"/>
+    <ds:schemaRef ds:uri="http://schemas.microsoft.com/sharepoint/events"/>
   </ds:schemaRefs>
 </ds:datastoreItem>
 </file>
 
-<file path=customXml/itemProps3.xml><?xml version="1.0" encoding="utf-8"?>
+<file path=customXml/itemProps4.xml><?xml version="1.0" encoding="utf-8"?>
 <ds:datastoreItem xmlns:ds="http://schemas.openxmlformats.org/officeDocument/2006/customXml" ds:itemID="{5CDEB364-43EC-4510-9881-539C2A3FCE9E}">
   <ds:schemaRefs>
     <ds:schemaRef ds:uri="http://schemas.microsoft.com/sharepoint/v3/contenttype/forms"/>
   </ds:schemaRefs>
 </ds:datastoreItem>
-</file>
-
-<file path=customXml/itemProps4.xml><?xml version="1.0" encoding="utf-8"?>
-<ds:datastoreItem xmlns:ds="http://schemas.openxmlformats.org/officeDocument/2006/customXml" ds:itemID="{B13EBC30-FE27-4C6A-B723-23FC2188F7DC}">
-  <ds:schemaRefs>
-    <ds:schemaRef ds:uri="http://schemas.microsoft.com/sharepoint/events"/>
-  </ds:schemaRefs>
-</ds:datastoreItem>
 </file>
--- a/05-faster_feedback_with_unit_testing.pptx
+++ b/05-faster_feedback_with_unit_testing.pptx
@@ -7237,14 +7237,14 @@
           </a:ln>
           <a:extLst>
             <a:ext uri="{909E8E84-426E-40dd-AFC4-6F175D3DCCD1}">
-              <a14:hiddenFill xmlns="" xmlns:a14="http://schemas.microsoft.com/office/drawing/2010/main">
+              <a14:hiddenFill xmlns:a14="http://schemas.microsoft.com/office/drawing/2010/main" xmlns="">
                 <a:solidFill>
                   <a:srgbClr val="FFFFFF"/>
                 </a:solidFill>
               </a14:hiddenFill>
             </a:ext>
             <a:ext uri="{91240B29-F687-4f45-9708-019B960494DF}">
-              <a14:hiddenLine xmlns="" xmlns:a14="http://schemas.microsoft.com/office/drawing/2010/main" w="9525">
+              <a14:hiddenLine xmlns:a14="http://schemas.microsoft.com/office/drawing/2010/main" xmlns="" w="9525">
                 <a:solidFill>
                   <a:srgbClr val="000000"/>
                 </a:solidFill>
@@ -7392,14 +7392,14 @@
           </a:ln>
           <a:extLst>
             <a:ext uri="{909E8E84-426E-40dd-AFC4-6F175D3DCCD1}">
-              <a14:hiddenFill xmlns="" xmlns:a14="http://schemas.microsoft.com/office/drawing/2010/main">
+              <a14:hiddenFill xmlns:a14="http://schemas.microsoft.com/office/drawing/2010/main" xmlns="">
                 <a:solidFill>
                   <a:srgbClr val="FFFFFF"/>
                 </a:solidFill>
               </a14:hiddenFill>
             </a:ext>
             <a:ext uri="{91240B29-F687-4f45-9708-019B960494DF}">
-              <a14:hiddenLine xmlns="" xmlns:a14="http://schemas.microsoft.com/office/drawing/2010/main" w="9525">
+              <a14:hiddenLine xmlns:a14="http://schemas.microsoft.com/office/drawing/2010/main" xmlns="" w="9525">
                 <a:solidFill>
                   <a:srgbClr val="000000"/>
                 </a:solidFill>
@@ -7890,14 +7890,14 @@
           </a:ln>
           <a:extLst>
             <a:ext uri="{909E8E84-426E-40dd-AFC4-6F175D3DCCD1}">
-              <a14:hiddenFill xmlns="" xmlns:a14="http://schemas.microsoft.com/office/drawing/2010/main">
+              <a14:hiddenFill xmlns:a14="http://schemas.microsoft.com/office/drawing/2010/main" xmlns="">
                 <a:solidFill>
                   <a:srgbClr val="FFFFFF"/>
                 </a:solidFill>
               </a14:hiddenFill>
             </a:ext>
             <a:ext uri="{91240B29-F687-4f45-9708-019B960494DF}">
-              <a14:hiddenLine xmlns="" xmlns:a14="http://schemas.microsoft.com/office/drawing/2010/main" w="9525">
+              <a14:hiddenLine xmlns:a14="http://schemas.microsoft.com/office/drawing/2010/main" xmlns="" w="9525">
                 <a:solidFill>
                   <a:srgbClr val="000000"/>
                 </a:solidFill>
@@ -9324,14 +9324,14 @@
           </a:ln>
           <a:extLst>
             <a:ext uri="{909E8E84-426E-40dd-AFC4-6F175D3DCCD1}">
-              <a14:hiddenFill xmlns="" xmlns:a14="http://schemas.microsoft.com/office/drawing/2010/main">
+              <a14:hiddenFill xmlns:a14="http://schemas.microsoft.com/office/drawing/2010/main" xmlns="">
                 <a:solidFill>
                   <a:srgbClr val="FFFFFF"/>
                 </a:solidFill>
               </a14:hiddenFill>
             </a:ext>
             <a:ext uri="{91240B29-F687-4f45-9708-019B960494DF}">
-              <a14:hiddenLine xmlns="" xmlns:a14="http://schemas.microsoft.com/office/drawing/2010/main" w="9525">
+              <a14:hiddenLine xmlns:a14="http://schemas.microsoft.com/office/drawing/2010/main" xmlns="" w="9525">
                 <a:solidFill>
                   <a:srgbClr val="000000"/>
                 </a:solidFill>
@@ -10665,14 +10665,14 @@
           </a:ln>
           <a:extLst>
             <a:ext uri="{909E8E84-426E-40dd-AFC4-6F175D3DCCD1}">
-              <a14:hiddenFill xmlns="" xmlns:a14="http://schemas.microsoft.com/office/drawing/2010/main">
+              <a14:hiddenFill xmlns:a14="http://schemas.microsoft.com/office/drawing/2010/main" xmlns="">
                 <a:solidFill>
                   <a:srgbClr val="FFFFFF"/>
                 </a:solidFill>
               </a14:hiddenFill>
             </a:ext>
             <a:ext uri="{91240B29-F687-4f45-9708-019B960494DF}">
-              <a14:hiddenLine xmlns="" xmlns:a14="http://schemas.microsoft.com/office/drawing/2010/main" w="9525">
+              <a14:hiddenLine xmlns:a14="http://schemas.microsoft.com/office/drawing/2010/main" xmlns="" w="9525">
                 <a:solidFill>
                   <a:srgbClr val="000000"/>
                 </a:solidFill>
@@ -11230,14 +11230,14 @@
           </a:ln>
           <a:extLst>
             <a:ext uri="{909E8E84-426E-40dd-AFC4-6F175D3DCCD1}">
-              <a14:hiddenFill xmlns="" xmlns:a14="http://schemas.microsoft.com/office/drawing/2010/main">
+              <a14:hiddenFill xmlns:a14="http://schemas.microsoft.com/office/drawing/2010/main" xmlns="">
                 <a:solidFill>
                   <a:srgbClr val="FFFFFF"/>
                 </a:solidFill>
               </a14:hiddenFill>
             </a:ext>
             <a:ext uri="{91240B29-F687-4f45-9708-019B960494DF}">
-              <a14:hiddenLine xmlns="" xmlns:a14="http://schemas.microsoft.com/office/drawing/2010/main" w="9525">
+              <a14:hiddenLine xmlns:a14="http://schemas.microsoft.com/office/drawing/2010/main" xmlns="" w="9525">
                 <a:solidFill>
                   <a:srgbClr val="000000"/>
                 </a:solidFill>
@@ -11804,14 +11804,14 @@
           </a:ln>
           <a:extLst>
             <a:ext uri="{909E8E84-426E-40dd-AFC4-6F175D3DCCD1}">
-              <a14:hiddenFill xmlns="" xmlns:a14="http://schemas.microsoft.com/office/drawing/2010/main">
+              <a14:hiddenFill xmlns:a14="http://schemas.microsoft.com/office/drawing/2010/main" xmlns="">
                 <a:solidFill>
                   <a:srgbClr val="FFFFFF"/>
                 </a:solidFill>
               </a14:hiddenFill>
             </a:ext>
             <a:ext uri="{91240B29-F687-4f45-9708-019B960494DF}">
-              <a14:hiddenLine xmlns="" xmlns:a14="http://schemas.microsoft.com/office/drawing/2010/main" w="9525">
+              <a14:hiddenLine xmlns:a14="http://schemas.microsoft.com/office/drawing/2010/main" xmlns="" w="9525">
                 <a:solidFill>
                   <a:srgbClr val="000000"/>
                 </a:solidFill>
@@ -12751,14 +12751,14 @@
           </a:ln>
           <a:extLst>
             <a:ext uri="{909E8E84-426E-40dd-AFC4-6F175D3DCCD1}">
-              <a14:hiddenFill xmlns="" xmlns:a14="http://schemas.microsoft.com/office/drawing/2010/main">
+              <a14:hiddenFill xmlns:a14="http://schemas.microsoft.com/office/drawing/2010/main" xmlns="">
                 <a:solidFill>
                   <a:srgbClr val="FFFFFF"/>
                 </a:solidFill>
               </a14:hiddenFill>
             </a:ext>
             <a:ext uri="{91240B29-F687-4f45-9708-019B960494DF}">
-              <a14:hiddenLine xmlns="" xmlns:a14="http://schemas.microsoft.com/office/drawing/2010/main" w="9525">
+              <a14:hiddenLine xmlns:a14="http://schemas.microsoft.com/office/drawing/2010/main" xmlns="" w="9525">
                 <a:solidFill>
                   <a:srgbClr val="000000"/>
                 </a:solidFill>
@@ -13513,14 +13513,14 @@
           </a:ln>
           <a:extLst>
             <a:ext uri="{909E8E84-426E-40dd-AFC4-6F175D3DCCD1}">
-              <a14:hiddenFill xmlns="" xmlns:a14="http://schemas.microsoft.com/office/drawing/2010/main">
+              <a14:hiddenFill xmlns:a14="http://schemas.microsoft.com/office/drawing/2010/main" xmlns="">
                 <a:solidFill>
                   <a:srgbClr val="FFFFFF"/>
                 </a:solidFill>
               </a14:hiddenFill>
             </a:ext>
             <a:ext uri="{91240B29-F687-4f45-9708-019B960494DF}">
-              <a14:hiddenLine xmlns="" xmlns:a14="http://schemas.microsoft.com/office/drawing/2010/main" w="9525">
+              <a14:hiddenLine xmlns:a14="http://schemas.microsoft.com/office/drawing/2010/main" xmlns="" w="9525">
                 <a:solidFill>
                   <a:srgbClr val="000000"/>
                 </a:solidFill>
@@ -31382,18 +31382,6 @@
 </file>
 
 <file path=customXml/item1.xml><?xml version="1.0" encoding="utf-8"?>
-<p:properties xmlns:p="http://schemas.microsoft.com/office/2006/metadata/properties" xmlns:xsi="http://www.w3.org/2001/XMLSchema-instance" xmlns:pc="http://schemas.microsoft.com/office/infopath/2007/PartnerControls">
-  <documentManagement>
-    <_dlc_DocId xmlns="7bb5d761-a2ea-4873-95f7-7a6658fb3ef0">M4CWTKMW727E-592-73</_dlc_DocId>
-    <_dlc_DocIdUrl xmlns="7bb5d761-a2ea-4873-95f7-7a6658fb3ef0">
-      <Url>https://kms.vci.local/marketing/team/_layouts/DocIdRedir.aspx?ID=M4CWTKMW727E-592-73</Url>
-      <Description>M4CWTKMW727E-592-73</Description>
-    </_dlc_DocIdUrl>
-  </documentManagement>
-</p:properties>
-</file>
-
-<file path=customXml/item2.xml><?xml version="1.0" encoding="utf-8"?>
 <ct:contentTypeSchema xmlns:ct="http://schemas.microsoft.com/office/2006/metadata/contentType" xmlns:ma="http://schemas.microsoft.com/office/2006/metadata/properties/metaAttributes" ct:_="" ma:_="" ma:contentTypeName="Document" ma:contentTypeID="0x0101000812F700BE7F874999720E88173FE491" ma:contentTypeVersion="0" ma:contentTypeDescription="Create a new document." ma:contentTypeScope="" ma:versionID="3f79f408e2ca720b7aba6e0e32464d0c">
   <xsd:schema xmlns:xsd="http://www.w3.org/2001/XMLSchema" xmlns:xs="http://www.w3.org/2001/XMLSchema" xmlns:p="http://schemas.microsoft.com/office/2006/metadata/properties" xmlns:ns2="7bb5d761-a2ea-4873-95f7-7a6658fb3ef0" targetNamespace="http://schemas.microsoft.com/office/2006/metadata/properties" ma:root="true" ma:fieldsID="1e062cd38ba31e406bfc4340fbc7f87a" ns2:_="">
     <xsd:import namespace="7bb5d761-a2ea-4873-95f7-7a6658fb3ef0"/>
@@ -31538,7 +31526,28 @@
 </ct:contentTypeSchema>
 </file>
 
+<file path=customXml/item2.xml><?xml version="1.0" encoding="utf-8"?>
+<p:properties xmlns:p="http://schemas.microsoft.com/office/2006/metadata/properties" xmlns:xsi="http://www.w3.org/2001/XMLSchema-instance" xmlns:pc="http://schemas.microsoft.com/office/infopath/2007/PartnerControls">
+  <documentManagement>
+    <_dlc_DocId xmlns="7bb5d761-a2ea-4873-95f7-7a6658fb3ef0">M4CWTKMW727E-592-73</_dlc_DocId>
+    <_dlc_DocIdUrl xmlns="7bb5d761-a2ea-4873-95f7-7a6658fb3ef0">
+      <Url>https://kms.vci.local/marketing/team/_layouts/DocIdRedir.aspx?ID=M4CWTKMW727E-592-73</Url>
+      <Description>M4CWTKMW727E-592-73</Description>
+    </_dlc_DocIdUrl>
+  </documentManagement>
+</p:properties>
+</file>
+
 <file path=customXml/item3.xml><?xml version="1.0" encoding="utf-8"?>
+<?mso-contentType ?>
+<FormTemplates xmlns="http://schemas.microsoft.com/sharepoint/v3/contenttype/forms">
+  <Display>DocumentLibraryForm</Display>
+  <Edit>DocumentLibraryForm</Edit>
+  <New>DocumentLibraryForm</New>
+</FormTemplates>
+</file>
+
+<file path=customXml/item4.xml><?xml version="1.0" encoding="utf-8"?>
 <?mso-contentType ?>
 <spe:Receivers xmlns:spe="http://schemas.microsoft.com/sharepoint/events">
   <Receiver>
@@ -31584,32 +31593,7 @@
 </spe:Receivers>
 </file>
 
-<file path=customXml/item4.xml><?xml version="1.0" encoding="utf-8"?>
-<?mso-contentType ?>
-<FormTemplates xmlns="http://schemas.microsoft.com/sharepoint/v3/contenttype/forms">
-  <Display>DocumentLibraryForm</Display>
-  <Edit>DocumentLibraryForm</Edit>
-  <New>DocumentLibraryForm</New>
-</FormTemplates>
-</file>
-
 <file path=customXml/itemProps1.xml><?xml version="1.0" encoding="utf-8"?>
-<ds:datastoreItem xmlns:ds="http://schemas.openxmlformats.org/officeDocument/2006/customXml" ds:itemID="{6921749B-AEB7-461B-845F-603CABD25259}">
-  <ds:schemaRefs>
-    <ds:schemaRef ds:uri="7bb5d761-a2ea-4873-95f7-7a6658fb3ef0"/>
-    <ds:schemaRef ds:uri="http://purl.org/dc/terms/"/>
-    <ds:schemaRef ds:uri="http://schemas.openxmlformats.org/package/2006/metadata/core-properties"/>
-    <ds:schemaRef ds:uri="http://purl.org/dc/dcmitype/"/>
-    <ds:schemaRef ds:uri="http://schemas.microsoft.com/office/2006/documentManagement/types"/>
-    <ds:schemaRef ds:uri="http://purl.org/dc/elements/1.1/"/>
-    <ds:schemaRef ds:uri="http://schemas.microsoft.com/office/2006/metadata/properties"/>
-    <ds:schemaRef ds:uri="http://schemas.microsoft.com/office/infopath/2007/PartnerControls"/>
-    <ds:schemaRef ds:uri="http://www.w3.org/XML/1998/namespace"/>
-  </ds:schemaRefs>
-</ds:datastoreItem>
-</file>
-
-<file path=customXml/itemProps2.xml><?xml version="1.0" encoding="utf-8"?>
 <ds:datastoreItem xmlns:ds="http://schemas.openxmlformats.org/officeDocument/2006/customXml" ds:itemID="{164479E5-0B02-49AC-B79E-EC1D6164DDD3}">
   <ds:schemaRefs>
     <ds:schemaRef ds:uri="http://schemas.microsoft.com/office/2006/metadata/contentType"/>
@@ -31627,18 +31611,34 @@
 </ds:datastoreItem>
 </file>
 
+<file path=customXml/itemProps2.xml><?xml version="1.0" encoding="utf-8"?>
+<ds:datastoreItem xmlns:ds="http://schemas.openxmlformats.org/officeDocument/2006/customXml" ds:itemID="{6921749B-AEB7-461B-845F-603CABD25259}">
+  <ds:schemaRefs>
+    <ds:schemaRef ds:uri="7bb5d761-a2ea-4873-95f7-7a6658fb3ef0"/>
+    <ds:schemaRef ds:uri="http://purl.org/dc/terms/"/>
+    <ds:schemaRef ds:uri="http://schemas.openxmlformats.org/package/2006/metadata/core-properties"/>
+    <ds:schemaRef ds:uri="http://purl.org/dc/dcmitype/"/>
+    <ds:schemaRef ds:uri="http://schemas.microsoft.com/office/2006/documentManagement/types"/>
+    <ds:schemaRef ds:uri="http://purl.org/dc/elements/1.1/"/>
+    <ds:schemaRef ds:uri="http://schemas.microsoft.com/office/2006/metadata/properties"/>
+    <ds:schemaRef ds:uri="http://schemas.microsoft.com/office/infopath/2007/PartnerControls"/>
+    <ds:schemaRef ds:uri="http://www.w3.org/XML/1998/namespace"/>
+  </ds:schemaRefs>
+</ds:datastoreItem>
+</file>
+
 <file path=customXml/itemProps3.xml><?xml version="1.0" encoding="utf-8"?>
+<ds:datastoreItem xmlns:ds="http://schemas.openxmlformats.org/officeDocument/2006/customXml" ds:itemID="{5CDEB364-43EC-4510-9881-539C2A3FCE9E}">
+  <ds:schemaRefs>
+    <ds:schemaRef ds:uri="http://schemas.microsoft.com/sharepoint/v3/contenttype/forms"/>
+  </ds:schemaRefs>
+</ds:datastoreItem>
+</file>
+
+<file path=customXml/itemProps4.xml><?xml version="1.0" encoding="utf-8"?>
 <ds:datastoreItem xmlns:ds="http://schemas.openxmlformats.org/officeDocument/2006/customXml" ds:itemID="{B13EBC30-FE27-4C6A-B723-23FC2188F7DC}">
   <ds:schemaRefs>
     <ds:schemaRef ds:uri="http://schemas.microsoft.com/sharepoint/events"/>
   </ds:schemaRefs>
 </ds:datastoreItem>
-</file>
-
-<file path=customXml/itemProps4.xml><?xml version="1.0" encoding="utf-8"?>
-<ds:datastoreItem xmlns:ds="http://schemas.openxmlformats.org/officeDocument/2006/customXml" ds:itemID="{5CDEB364-43EC-4510-9881-539C2A3FCE9E}">
-  <ds:schemaRefs>
-    <ds:schemaRef ds:uri="http://schemas.microsoft.com/sharepoint/v3/contenttype/forms"/>
-  </ds:schemaRefs>
-</ds:datastoreItem>
 </file>
--- a/05-faster_feedback_with_unit_testing.pptx
+++ b/05-faster_feedback_with_unit_testing.pptx
@@ -26,10 +26,10 @@
     <p:sldId id="307" r:id="rId18"/>
     <p:sldId id="308" r:id="rId19"/>
     <p:sldId id="309" r:id="rId20"/>
-    <p:sldId id="285" r:id="rId21"/>
-    <p:sldId id="279" r:id="rId22"/>
-    <p:sldId id="286" r:id="rId23"/>
-    <p:sldId id="314" r:id="rId24"/>
+    <p:sldId id="314" r:id="rId21"/>
+    <p:sldId id="285" r:id="rId22"/>
+    <p:sldId id="279" r:id="rId23"/>
+    <p:sldId id="286" r:id="rId24"/>
     <p:sldId id="287" r:id="rId25"/>
     <p:sldId id="289" r:id="rId26"/>
     <p:sldId id="310" r:id="rId27"/>
@@ -1722,95 +1722,29 @@
           <a:p>
             <a:r>
               <a:rPr lang="en-US" dirty="0"/>
-              <a:t>To execute the</a:t>
+              <a:t>Recall</a:t>
             </a:r>
             <a:r>
               <a:rPr lang="en-US" baseline="0" dirty="0"/>
-              <a:t> specification file defined you will need to run the command '</a:t>
+              <a:t> that unit tests are a check of the resource collection. So it actually does not matter what platform you specify here. Unit tests are only using those platform values to give you a generic set of </a:t>
             </a:r>
             <a:r>
               <a:rPr lang="en-US" baseline="0" dirty="0" err="1"/>
-              <a:t>rspec</a:t>
+              <a:t>Ohai</a:t>
             </a:r>
             <a:r>
               <a:rPr lang="en-US" baseline="0" dirty="0"/>
-              <a:t>'. The '</a:t>
-            </a:r>
-            <a:r>
-              <a:rPr lang="en-US" baseline="0" dirty="0" err="1"/>
-              <a:t>rspec</a:t>
-            </a:r>
+              <a:t> data for that platform. If it's no harm, then why make this change?</a:t>
+            </a:r>
+          </a:p>
+          <a:p>
+            <a:endParaRPr lang="en-US" baseline="0" dirty="0"/>
+          </a:p>
+          <a:p>
             <a:r>
               <a:rPr lang="en-US" baseline="0" dirty="0"/>
-              <a:t>' command was installed with the Chef Development Kit (</a:t>
-            </a:r>
-            <a:r>
-              <a:rPr lang="en-US" baseline="0" dirty="0" err="1"/>
-              <a:t>ChefDK</a:t>
-            </a:r>
-            <a:r>
-              <a:rPr lang="en-US" baseline="0" dirty="0"/>
-              <a:t>) on the workstation. It is contained in an additional folder of tools embedded within the </a:t>
-            </a:r>
-            <a:r>
-              <a:rPr lang="en-US" baseline="0" dirty="0" err="1"/>
-              <a:t>ChefDK</a:t>
-            </a:r>
-            <a:r>
-              <a:rPr lang="en-US" baseline="0" dirty="0"/>
-              <a:t> that are not added to the system path. This is because some Chef developers are Ruby developers and may already have a version of RSpec installed. Specifying the 'chef exec' as a prefix loads the context of all these embedded tools and allows them to be executed on the command-line.</a:t>
-            </a:r>
-          </a:p>
-          <a:p>
-            <a:endParaRPr lang="en-US" baseline="0" dirty="0"/>
-          </a:p>
-          <a:p>
-            <a:r>
-              <a:rPr lang="en-US" baseline="0" dirty="0"/>
-              <a:t>The '</a:t>
-            </a:r>
-            <a:r>
-              <a:rPr lang="en-US" baseline="0" dirty="0" err="1"/>
-              <a:t>rspec</a:t>
-            </a:r>
-            <a:r>
-              <a:rPr lang="en-US" baseline="0" dirty="0"/>
-              <a:t>' command accepts many parameters. The most important one is used here and that is specifying the file path to the specification we want to execute. When the command executes a summary of the executed examples will be displayed at the bottom. At this moment it looks like the one expectation completes successfully. The chef run completes without any errors.</a:t>
-            </a:r>
-          </a:p>
-          <a:p>
-            <a:endParaRPr lang="en-US" baseline="0" dirty="0"/>
-          </a:p>
-          <a:p>
-            <a:r>
-              <a:rPr lang="en-US" baseline="0" dirty="0"/>
-              <a:t>Instructor Note: On the workstations the learners do not need to prepend the </a:t>
-            </a:r>
-            <a:r>
-              <a:rPr lang="en-US" baseline="0" dirty="0" err="1"/>
-              <a:t>rspec</a:t>
-            </a:r>
-            <a:r>
-              <a:rPr lang="en-US" baseline="0" dirty="0"/>
-              <a:t> command with 'chef exec'. This is because '</a:t>
-            </a:r>
-            <a:r>
-              <a:rPr lang="en-US" baseline="0" dirty="0" err="1"/>
-              <a:t>rspec</a:t>
-            </a:r>
-            <a:r>
-              <a:rPr lang="en-US" baseline="0" dirty="0"/>
-              <a:t>' and all the other tools embedded in the </a:t>
-            </a:r>
-            <a:r>
-              <a:rPr lang="en-US" baseline="0" dirty="0" err="1"/>
-              <a:t>ChefDK</a:t>
-            </a:r>
-            <a:r>
-              <a:rPr lang="en-US" baseline="0" dirty="0"/>
-              <a:t> have been added to the path. On a learner's local system this is likely not the case and so they will need to type this entire command with prefix.</a:t>
-            </a:r>
-            <a:endParaRPr lang="en-US" dirty="0"/>
+              <a:t>Because these tests are your documentation. To leave it as the default value would let your tests pass but they would give a conflicting message about where this cookbook can run. Ensuring the right platform becomes important when your recipes require switching on platforms.</a:t>
+            </a:r>
           </a:p>
         </p:txBody>
       </p:sp>
@@ -1822,28 +1756,6 @@
           </p:cNvSpPr>
           <p:nvPr>
             <p:ph type="hdr" sz="quarter" idx="11"/>
-          </p:nvPr>
-        </p:nvSpPr>
-        <p:spPr/>
-        <p:txBody>
-          <a:bodyPr/>
-          <a:lstStyle/>
-          <a:p>
-            <a:r>
-              <a:rPr lang="en-US"/>
-              <a:t>Chef Intermediate</a:t>
-            </a:r>
-          </a:p>
-        </p:txBody>
-      </p:sp>
-      <p:sp>
-        <p:nvSpPr>
-          <p:cNvPr id="7" name="Date Placeholder 6"/>
-          <p:cNvSpPr>
-            <a:spLocks noGrp="1"/>
-          </p:cNvSpPr>
-          <p:nvPr>
-            <p:ph type="dt" idx="13"/>
           </p:nvPr>
         </p:nvSpPr>
         <p:spPr/>
@@ -1856,6 +1768,31 @@
             </a:pPr>
             <a:r>
               <a:rPr lang="en-US"/>
+              <a:t>Chef Intermediate</a:t>
+            </a:r>
+          </a:p>
+        </p:txBody>
+      </p:sp>
+      <p:sp>
+        <p:nvSpPr>
+          <p:cNvPr id="7" name="Date Placeholder 6"/>
+          <p:cNvSpPr>
+            <a:spLocks noGrp="1"/>
+          </p:cNvSpPr>
+          <p:nvPr>
+            <p:ph type="dt" idx="13"/>
+          </p:nvPr>
+        </p:nvSpPr>
+        <p:spPr/>
+        <p:txBody>
+          <a:bodyPr/>
+          <a:lstStyle/>
+          <a:p>
+            <a:pPr>
+              <a:defRPr/>
+            </a:pPr>
+            <a:r>
+              <a:rPr lang="en-US"/>
               <a:t>Chef Software, Inc.</a:t>
             </a:r>
             <a:endParaRPr lang="en-US" dirty="0"/>
@@ -1865,7 +1802,7 @@
     </p:spTree>
     <p:extLst>
       <p:ext uri="{BB962C8B-B14F-4D97-AF65-F5344CB8AC3E}">
-        <p14:creationId xmlns:p14="http://schemas.microsoft.com/office/powerpoint/2010/main" val="410505966"/>
+        <p14:creationId xmlns:p14="http://schemas.microsoft.com/office/powerpoint/2010/main" val="1898651165"/>
       </p:ext>
     </p:extLst>
   </p:cSld>
@@ -1921,11 +1858,93 @@
           <a:p>
             <a:r>
               <a:rPr lang="en-US" dirty="0"/>
-              <a:t>We</a:t>
+              <a:t>To execute the</a:t>
             </a:r>
             <a:r>
               <a:rPr lang="en-US" baseline="0" dirty="0"/>
-              <a:t> have the language and the tool that will allow us to express our expectations. We now need to examine the recipe again to see what example or examples we want to define within the specification file.</a:t>
+              <a:t> specification file defined you will need to run the command '</a:t>
+            </a:r>
+            <a:r>
+              <a:rPr lang="en-US" baseline="0" dirty="0" err="1"/>
+              <a:t>rspec</a:t>
+            </a:r>
+            <a:r>
+              <a:rPr lang="en-US" baseline="0" dirty="0"/>
+              <a:t>'. The '</a:t>
+            </a:r>
+            <a:r>
+              <a:rPr lang="en-US" baseline="0" dirty="0" err="1"/>
+              <a:t>rspec</a:t>
+            </a:r>
+            <a:r>
+              <a:rPr lang="en-US" baseline="0" dirty="0"/>
+              <a:t>' command was installed with the Chef Development Kit (</a:t>
+            </a:r>
+            <a:r>
+              <a:rPr lang="en-US" baseline="0" dirty="0" err="1"/>
+              <a:t>ChefDK</a:t>
+            </a:r>
+            <a:r>
+              <a:rPr lang="en-US" baseline="0" dirty="0"/>
+              <a:t>) on the workstation. It is contained in an additional folder of tools embedded within the </a:t>
+            </a:r>
+            <a:r>
+              <a:rPr lang="en-US" baseline="0" dirty="0" err="1"/>
+              <a:t>ChefDK</a:t>
+            </a:r>
+            <a:r>
+              <a:rPr lang="en-US" baseline="0" dirty="0"/>
+              <a:t> that are not added to the system path. This is because some Chef developers are Ruby developers and may already have a version of RSpec installed. Specifying the 'chef exec' as a prefix loads the context of all these embedded tools and allows them to be executed on the command-line.</a:t>
+            </a:r>
+          </a:p>
+          <a:p>
+            <a:endParaRPr lang="en-US" baseline="0" dirty="0"/>
+          </a:p>
+          <a:p>
+            <a:r>
+              <a:rPr lang="en-US" baseline="0" dirty="0"/>
+              <a:t>The '</a:t>
+            </a:r>
+            <a:r>
+              <a:rPr lang="en-US" baseline="0" dirty="0" err="1"/>
+              <a:t>rspec</a:t>
+            </a:r>
+            <a:r>
+              <a:rPr lang="en-US" baseline="0" dirty="0"/>
+              <a:t>' command accepts many parameters. The most important one is used here and that is specifying the file path to the specification we want to execute. When the command executes a summary of the executed examples will be displayed at the bottom. At this moment it looks like the one expectation completes successfully. The chef run completes without any errors.</a:t>
+            </a:r>
+          </a:p>
+          <a:p>
+            <a:endParaRPr lang="en-US" baseline="0" dirty="0"/>
+          </a:p>
+          <a:p>
+            <a:r>
+              <a:rPr lang="en-US" baseline="0" dirty="0"/>
+              <a:t>Instructor Note: On the workstations the learners do not need to prepend the </a:t>
+            </a:r>
+            <a:r>
+              <a:rPr lang="en-US" baseline="0" dirty="0" err="1"/>
+              <a:t>rspec</a:t>
+            </a:r>
+            <a:r>
+              <a:rPr lang="en-US" baseline="0" dirty="0"/>
+              <a:t> command with 'chef exec'. This is because '</a:t>
+            </a:r>
+            <a:r>
+              <a:rPr lang="en-US" baseline="0" dirty="0" err="1"/>
+              <a:t>rspec</a:t>
+            </a:r>
+            <a:r>
+              <a:rPr lang="en-US" baseline="0" dirty="0"/>
+              <a:t>' and all the other tools embedded in the </a:t>
+            </a:r>
+            <a:r>
+              <a:rPr lang="en-US" baseline="0" dirty="0" err="1"/>
+              <a:t>ChefDK</a:t>
+            </a:r>
+            <a:r>
+              <a:rPr lang="en-US" baseline="0" dirty="0"/>
+              <a:t> have been added to the path. On a learner's local system this is likely not the case and so they will need to type this entire command with prefix.</a:t>
             </a:r>
             <a:endParaRPr lang="en-US" dirty="0"/>
           </a:p>
@@ -1982,7 +2001,7 @@
     </p:spTree>
     <p:extLst>
       <p:ext uri="{BB962C8B-B14F-4D97-AF65-F5344CB8AC3E}">
-        <p14:creationId xmlns:p14="http://schemas.microsoft.com/office/powerpoint/2010/main" val="1690528772"/>
+        <p14:creationId xmlns:p14="http://schemas.microsoft.com/office/powerpoint/2010/main" val="410505966"/>
       </p:ext>
     </p:extLst>
   </p:cSld>
@@ -2038,20 +2057,11 @@
           <a:p>
             <a:r>
               <a:rPr lang="en-US" dirty="0"/>
-              <a:t>Within the</a:t>
+              <a:t>We</a:t>
             </a:r>
             <a:r>
               <a:rPr lang="en-US" baseline="0" dirty="0"/>
-              <a:t> default recipe we commented out the line that included the install recipe from the apache cookbook. This seems like an expectation that we want to define. When converging the default recipe we expect that the install recipe from the apache cookbook would be included.</a:t>
-            </a:r>
-          </a:p>
-          <a:p>
-            <a:endParaRPr lang="en-US" baseline="0" dirty="0"/>
-          </a:p>
-          <a:p>
-            <a:r>
-              <a:rPr lang="en-US" baseline="0" dirty="0"/>
-              <a:t>We do not yet know how to define this expectation but we know the work that we want to accomplish. So lets take this one step at a time then and first capture the description for the example even if we do not yet know how to express the expectation.</a:t>
+              <a:t> have the language and the tool that will allow us to express our expectations. We now need to examine the recipe again to see what example or examples we want to define within the specification file.</a:t>
             </a:r>
             <a:endParaRPr lang="en-US" dirty="0"/>
           </a:p>
@@ -2108,7 +2118,7 @@
     </p:spTree>
     <p:extLst>
       <p:ext uri="{BB962C8B-B14F-4D97-AF65-F5344CB8AC3E}">
-        <p14:creationId xmlns:p14="http://schemas.microsoft.com/office/powerpoint/2010/main" val="990554723"/>
+        <p14:creationId xmlns:p14="http://schemas.microsoft.com/office/powerpoint/2010/main" val="1690528772"/>
       </p:ext>
     </p:extLst>
   </p:cSld>
@@ -2164,29 +2174,22 @@
           <a:p>
             <a:r>
               <a:rPr lang="en-US" dirty="0"/>
-              <a:t>Recall</a:t>
+              <a:t>Within the</a:t>
             </a:r>
             <a:r>
               <a:rPr lang="en-US" baseline="0" dirty="0"/>
-              <a:t> that unit tests are a check of the resource collection. So it actually does not matter what platform you specify here. Unit tests are only using those platform values to give you a generic set of </a:t>
-            </a:r>
-            <a:r>
-              <a:rPr lang="en-US" baseline="0" dirty="0" err="1"/>
-              <a:t>Ohai</a:t>
-            </a:r>
+              <a:t> default recipe we commented out the line that included the install recipe from the apache cookbook. This seems like an expectation that we want to define. When converging the default recipe we expect that the install recipe from the apache cookbook would be included.</a:t>
+            </a:r>
+          </a:p>
+          <a:p>
+            <a:endParaRPr lang="en-US" baseline="0" dirty="0"/>
+          </a:p>
+          <a:p>
             <a:r>
               <a:rPr lang="en-US" baseline="0" dirty="0"/>
-              <a:t> data for that platform. If it's no harm, then why make this change?</a:t>
-            </a:r>
-          </a:p>
-          <a:p>
-            <a:endParaRPr lang="en-US" baseline="0" dirty="0"/>
-          </a:p>
-          <a:p>
-            <a:r>
-              <a:rPr lang="en-US" baseline="0" dirty="0"/>
-              <a:t>Because these tests are your documentation. To leave it as the default value would let your tests pass but they would give a conflicting message about where this cookbook can run. Ensuring the right platform becomes important when your recipes require switching on platforms.</a:t>
-            </a:r>
+              <a:t>We do not yet know how to define this expectation but we know the work that we want to accomplish. So lets take this one step at a time then and first capture the description for the example even if we do not yet know how to express the expectation.</a:t>
+            </a:r>
+            <a:endParaRPr lang="en-US" dirty="0"/>
           </a:p>
         </p:txBody>
       </p:sp>
@@ -2198,6 +2201,28 @@
           </p:cNvSpPr>
           <p:nvPr>
             <p:ph type="hdr" sz="quarter" idx="11"/>
+          </p:nvPr>
+        </p:nvSpPr>
+        <p:spPr/>
+        <p:txBody>
+          <a:bodyPr/>
+          <a:lstStyle/>
+          <a:p>
+            <a:r>
+              <a:rPr lang="en-US"/>
+              <a:t>Chef Intermediate</a:t>
+            </a:r>
+          </a:p>
+        </p:txBody>
+      </p:sp>
+      <p:sp>
+        <p:nvSpPr>
+          <p:cNvPr id="7" name="Date Placeholder 6"/>
+          <p:cNvSpPr>
+            <a:spLocks noGrp="1"/>
+          </p:cNvSpPr>
+          <p:nvPr>
+            <p:ph type="dt" idx="13"/>
           </p:nvPr>
         </p:nvSpPr>
         <p:spPr/>
@@ -2210,31 +2235,6 @@
             </a:pPr>
             <a:r>
               <a:rPr lang="en-US"/>
-              <a:t>Chef Intermediate</a:t>
-            </a:r>
-          </a:p>
-        </p:txBody>
-      </p:sp>
-      <p:sp>
-        <p:nvSpPr>
-          <p:cNvPr id="7" name="Date Placeholder 6"/>
-          <p:cNvSpPr>
-            <a:spLocks noGrp="1"/>
-          </p:cNvSpPr>
-          <p:nvPr>
-            <p:ph type="dt" idx="13"/>
-          </p:nvPr>
-        </p:nvSpPr>
-        <p:spPr/>
-        <p:txBody>
-          <a:bodyPr/>
-          <a:lstStyle/>
-          <a:p>
-            <a:pPr>
-              <a:defRPr/>
-            </a:pPr>
-            <a:r>
-              <a:rPr lang="en-US"/>
               <a:t>Chef Software, Inc.</a:t>
             </a:r>
             <a:endParaRPr lang="en-US" dirty="0"/>
@@ -2244,7 +2244,7 @@
     </p:spTree>
     <p:extLst>
       <p:ext uri="{BB962C8B-B14F-4D97-AF65-F5344CB8AC3E}">
-        <p14:creationId xmlns:p14="http://schemas.microsoft.com/office/powerpoint/2010/main" val="1898651165"/>
+        <p14:creationId xmlns:p14="http://schemas.microsoft.com/office/powerpoint/2010/main" val="990554723"/>
       </p:ext>
     </p:extLst>
   </p:cSld>
@@ -7237,14 +7237,14 @@
           </a:ln>
           <a:extLst>
             <a:ext uri="{909E8E84-426E-40dd-AFC4-6F175D3DCCD1}">
-              <a14:hiddenFill xmlns:a14="http://schemas.microsoft.com/office/drawing/2010/main" xmlns="">
+              <a14:hiddenFill xmlns="" xmlns:a14="http://schemas.microsoft.com/office/drawing/2010/main">
                 <a:solidFill>
                   <a:srgbClr val="FFFFFF"/>
                 </a:solidFill>
               </a14:hiddenFill>
             </a:ext>
             <a:ext uri="{91240B29-F687-4f45-9708-019B960494DF}">
-              <a14:hiddenLine xmlns:a14="http://schemas.microsoft.com/office/drawing/2010/main" xmlns="" w="9525">
+              <a14:hiddenLine xmlns="" xmlns:a14="http://schemas.microsoft.com/office/drawing/2010/main" w="9525">
                 <a:solidFill>
                   <a:srgbClr val="000000"/>
                 </a:solidFill>
@@ -7392,14 +7392,14 @@
           </a:ln>
           <a:extLst>
             <a:ext uri="{909E8E84-426E-40dd-AFC4-6F175D3DCCD1}">
-              <a14:hiddenFill xmlns:a14="http://schemas.microsoft.com/office/drawing/2010/main" xmlns="">
+              <a14:hiddenFill xmlns="" xmlns:a14="http://schemas.microsoft.com/office/drawing/2010/main">
                 <a:solidFill>
                   <a:srgbClr val="FFFFFF"/>
                 </a:solidFill>
               </a14:hiddenFill>
             </a:ext>
             <a:ext uri="{91240B29-F687-4f45-9708-019B960494DF}">
-              <a14:hiddenLine xmlns:a14="http://schemas.microsoft.com/office/drawing/2010/main" xmlns="" w="9525">
+              <a14:hiddenLine xmlns="" xmlns:a14="http://schemas.microsoft.com/office/drawing/2010/main" w="9525">
                 <a:solidFill>
                   <a:srgbClr val="000000"/>
                 </a:solidFill>
@@ -7890,14 +7890,14 @@
           </a:ln>
           <a:extLst>
             <a:ext uri="{909E8E84-426E-40dd-AFC4-6F175D3DCCD1}">
-              <a14:hiddenFill xmlns:a14="http://schemas.microsoft.com/office/drawing/2010/main" xmlns="">
+              <a14:hiddenFill xmlns="" xmlns:a14="http://schemas.microsoft.com/office/drawing/2010/main">
                 <a:solidFill>
                   <a:srgbClr val="FFFFFF"/>
                 </a:solidFill>
               </a14:hiddenFill>
             </a:ext>
             <a:ext uri="{91240B29-F687-4f45-9708-019B960494DF}">
-              <a14:hiddenLine xmlns:a14="http://schemas.microsoft.com/office/drawing/2010/main" xmlns="" w="9525">
+              <a14:hiddenLine xmlns="" xmlns:a14="http://schemas.microsoft.com/office/drawing/2010/main" w="9525">
                 <a:solidFill>
                   <a:srgbClr val="000000"/>
                 </a:solidFill>
@@ -9324,14 +9324,14 @@
           </a:ln>
           <a:extLst>
             <a:ext uri="{909E8E84-426E-40dd-AFC4-6F175D3DCCD1}">
-              <a14:hiddenFill xmlns:a14="http://schemas.microsoft.com/office/drawing/2010/main" xmlns="">
+              <a14:hiddenFill xmlns="" xmlns:a14="http://schemas.microsoft.com/office/drawing/2010/main">
                 <a:solidFill>
                   <a:srgbClr val="FFFFFF"/>
                 </a:solidFill>
               </a14:hiddenFill>
             </a:ext>
             <a:ext uri="{91240B29-F687-4f45-9708-019B960494DF}">
-              <a14:hiddenLine xmlns:a14="http://schemas.microsoft.com/office/drawing/2010/main" xmlns="" w="9525">
+              <a14:hiddenLine xmlns="" xmlns:a14="http://schemas.microsoft.com/office/drawing/2010/main" w="9525">
                 <a:solidFill>
                   <a:srgbClr val="000000"/>
                 </a:solidFill>
@@ -10665,14 +10665,14 @@
           </a:ln>
           <a:extLst>
             <a:ext uri="{909E8E84-426E-40dd-AFC4-6F175D3DCCD1}">
-              <a14:hiddenFill xmlns:a14="http://schemas.microsoft.com/office/drawing/2010/main" xmlns="">
+              <a14:hiddenFill xmlns="" xmlns:a14="http://schemas.microsoft.com/office/drawing/2010/main">
                 <a:solidFill>
                   <a:srgbClr val="FFFFFF"/>
                 </a:solidFill>
               </a14:hiddenFill>
             </a:ext>
             <a:ext uri="{91240B29-F687-4f45-9708-019B960494DF}">
-              <a14:hiddenLine xmlns:a14="http://schemas.microsoft.com/office/drawing/2010/main" xmlns="" w="9525">
+              <a14:hiddenLine xmlns="" xmlns:a14="http://schemas.microsoft.com/office/drawing/2010/main" w="9525">
                 <a:solidFill>
                   <a:srgbClr val="000000"/>
                 </a:solidFill>
@@ -11230,14 +11230,14 @@
           </a:ln>
           <a:extLst>
             <a:ext uri="{909E8E84-426E-40dd-AFC4-6F175D3DCCD1}">
-              <a14:hiddenFill xmlns:a14="http://schemas.microsoft.com/office/drawing/2010/main" xmlns="">
+              <a14:hiddenFill xmlns="" xmlns:a14="http://schemas.microsoft.com/office/drawing/2010/main">
                 <a:solidFill>
                   <a:srgbClr val="FFFFFF"/>
                 </a:solidFill>
               </a14:hiddenFill>
             </a:ext>
             <a:ext uri="{91240B29-F687-4f45-9708-019B960494DF}">
-              <a14:hiddenLine xmlns:a14="http://schemas.microsoft.com/office/drawing/2010/main" xmlns="" w="9525">
+              <a14:hiddenLine xmlns="" xmlns:a14="http://schemas.microsoft.com/office/drawing/2010/main" w="9525">
                 <a:solidFill>
                   <a:srgbClr val="000000"/>
                 </a:solidFill>
@@ -11804,14 +11804,14 @@
           </a:ln>
           <a:extLst>
             <a:ext uri="{909E8E84-426E-40dd-AFC4-6F175D3DCCD1}">
-              <a14:hiddenFill xmlns:a14="http://schemas.microsoft.com/office/drawing/2010/main" xmlns="">
+              <a14:hiddenFill xmlns="" xmlns:a14="http://schemas.microsoft.com/office/drawing/2010/main">
                 <a:solidFill>
                   <a:srgbClr val="FFFFFF"/>
                 </a:solidFill>
               </a14:hiddenFill>
             </a:ext>
             <a:ext uri="{91240B29-F687-4f45-9708-019B960494DF}">
-              <a14:hiddenLine xmlns:a14="http://schemas.microsoft.com/office/drawing/2010/main" xmlns="" w="9525">
+              <a14:hiddenLine xmlns="" xmlns:a14="http://schemas.microsoft.com/office/drawing/2010/main" w="9525">
                 <a:solidFill>
                   <a:srgbClr val="000000"/>
                 </a:solidFill>
@@ -12751,14 +12751,14 @@
           </a:ln>
           <a:extLst>
             <a:ext uri="{909E8E84-426E-40dd-AFC4-6F175D3DCCD1}">
-              <a14:hiddenFill xmlns:a14="http://schemas.microsoft.com/office/drawing/2010/main" xmlns="">
+              <a14:hiddenFill xmlns="" xmlns:a14="http://schemas.microsoft.com/office/drawing/2010/main">
                 <a:solidFill>
                   <a:srgbClr val="FFFFFF"/>
                 </a:solidFill>
               </a14:hiddenFill>
             </a:ext>
             <a:ext uri="{91240B29-F687-4f45-9708-019B960494DF}">
-              <a14:hiddenLine xmlns:a14="http://schemas.microsoft.com/office/drawing/2010/main" xmlns="" w="9525">
+              <a14:hiddenLine xmlns="" xmlns:a14="http://schemas.microsoft.com/office/drawing/2010/main" w="9525">
                 <a:solidFill>
                   <a:srgbClr val="000000"/>
                 </a:solidFill>
@@ -13513,14 +13513,14 @@
           </a:ln>
           <a:extLst>
             <a:ext uri="{909E8E84-426E-40dd-AFC4-6F175D3DCCD1}">
-              <a14:hiddenFill xmlns:a14="http://schemas.microsoft.com/office/drawing/2010/main" xmlns="">
+              <a14:hiddenFill xmlns="" xmlns:a14="http://schemas.microsoft.com/office/drawing/2010/main">
                 <a:solidFill>
                   <a:srgbClr val="FFFFFF"/>
                 </a:solidFill>
               </a14:hiddenFill>
             </a:ext>
             <a:ext uri="{91240B29-F687-4f45-9708-019B960494DF}">
-              <a14:hiddenLine xmlns:a14="http://schemas.microsoft.com/office/drawing/2010/main" xmlns="" w="9525">
+              <a14:hiddenLine xmlns="" xmlns:a14="http://schemas.microsoft.com/office/drawing/2010/main" w="9525">
                 <a:solidFill>
                   <a:srgbClr val="000000"/>
                 </a:solidFill>
@@ -17697,6 +17697,315 @@
       </p:grpSpPr>
       <p:sp>
         <p:nvSpPr>
+          <p:cNvPr id="2" name="Title 1"/>
+          <p:cNvSpPr>
+            <a:spLocks noGrp="1"/>
+          </p:cNvSpPr>
+          <p:nvPr>
+            <p:ph type="title"/>
+          </p:nvPr>
+        </p:nvSpPr>
+        <p:spPr/>
+        <p:txBody>
+          <a:bodyPr/>
+          <a:lstStyle/>
+          <a:p>
+            <a:r>
+              <a:rPr lang="en-US" dirty="0"/>
+              <a:t>Update the </a:t>
+            </a:r>
+            <a:r>
+              <a:rPr lang="en-US" dirty="0" err="1"/>
+              <a:t>ChefSpec</a:t>
+            </a:r>
+            <a:r>
+              <a:rPr lang="en-US" dirty="0"/>
+              <a:t> Platform</a:t>
+            </a:r>
+          </a:p>
+        </p:txBody>
+      </p:sp>
+      <p:sp>
+        <p:nvSpPr>
+          <p:cNvPr id="3" name="Content Placeholder 2"/>
+          <p:cNvSpPr>
+            <a:spLocks noGrp="1"/>
+          </p:cNvSpPr>
+          <p:nvPr>
+            <p:ph sz="quarter" idx="10"/>
+          </p:nvPr>
+        </p:nvSpPr>
+        <p:spPr/>
+        <p:txBody>
+          <a:bodyPr>
+            <a:normAutofit fontScale="85000" lnSpcReduction="20000"/>
+          </a:bodyPr>
+          <a:lstStyle/>
+          <a:p>
+            <a:r>
+              <a:rPr lang="en-US" dirty="0"/>
+              <a:t>require '</a:t>
+            </a:r>
+            <a:r>
+              <a:rPr lang="en-US" dirty="0" err="1"/>
+              <a:t>spec_helper</a:t>
+            </a:r>
+            <a:r>
+              <a:rPr lang="en-US" dirty="0"/>
+              <a:t>'</a:t>
+            </a:r>
+          </a:p>
+          <a:p>
+            <a:endParaRPr lang="en-US" dirty="0"/>
+          </a:p>
+          <a:p>
+            <a:r>
+              <a:rPr lang="en-US" dirty="0"/>
+              <a:t>describe 'apache::default' do</a:t>
+            </a:r>
+          </a:p>
+          <a:p>
+            <a:r>
+              <a:rPr lang="en-US" dirty="0"/>
+              <a:t>  context 'When all attributes are default, on an CentOS 6.9' do</a:t>
+            </a:r>
+          </a:p>
+          <a:p>
+            <a:r>
+              <a:rPr lang="en-US" dirty="0"/>
+              <a:t>    let(:</a:t>
+            </a:r>
+            <a:r>
+              <a:rPr lang="en-US" dirty="0" err="1"/>
+              <a:t>chef_run</a:t>
+            </a:r>
+            <a:r>
+              <a:rPr lang="en-US" dirty="0"/>
+              <a:t>) do</a:t>
+            </a:r>
+          </a:p>
+          <a:p>
+            <a:r>
+              <a:rPr lang="en-US" dirty="0"/>
+              <a:t>      runner = </a:t>
+            </a:r>
+            <a:r>
+              <a:rPr lang="en-US" dirty="0" err="1"/>
+              <a:t>ChefSpec</a:t>
+            </a:r>
+            <a:r>
+              <a:rPr lang="en-US" dirty="0"/>
+              <a:t>::</a:t>
+            </a:r>
+            <a:r>
+              <a:rPr lang="en-US" dirty="0" err="1"/>
+              <a:t>ServerRunner.new</a:t>
+            </a:r>
+            <a:r>
+              <a:rPr lang="en-US" dirty="0"/>
+              <a:t>(platform: 'centos', version: '6.9')</a:t>
+            </a:r>
+          </a:p>
+          <a:p>
+            <a:r>
+              <a:rPr lang="en-US" dirty="0"/>
+              <a:t>      </a:t>
+            </a:r>
+            <a:r>
+              <a:rPr lang="en-US" dirty="0" err="1"/>
+              <a:t>runner.converge</a:t>
+            </a:r>
+            <a:r>
+              <a:rPr lang="en-US" dirty="0"/>
+              <a:t>(</a:t>
+            </a:r>
+            <a:r>
+              <a:rPr lang="en-US" dirty="0" err="1"/>
+              <a:t>described_recipe</a:t>
+            </a:r>
+            <a:r>
+              <a:rPr lang="en-US" dirty="0"/>
+              <a:t>)</a:t>
+            </a:r>
+          </a:p>
+          <a:p>
+            <a:r>
+              <a:rPr lang="en-US" dirty="0"/>
+              <a:t>    end</a:t>
+            </a:r>
+          </a:p>
+          <a:p>
+            <a:endParaRPr lang="en-US" dirty="0"/>
+          </a:p>
+          <a:p>
+            <a:r>
+              <a:rPr lang="en-US" dirty="0"/>
+              <a:t>    it 'converges successfully' do</a:t>
+            </a:r>
+          </a:p>
+          <a:p>
+            <a:r>
+              <a:rPr lang="en-US" dirty="0"/>
+              <a:t>      expect { </a:t>
+            </a:r>
+            <a:r>
+              <a:rPr lang="en-US" dirty="0" err="1"/>
+              <a:t>chef_run</a:t>
+            </a:r>
+            <a:r>
+              <a:rPr lang="en-US" dirty="0"/>
+              <a:t> }.</a:t>
+            </a:r>
+            <a:r>
+              <a:rPr lang="en-US" dirty="0" err="1"/>
+              <a:t>to_not</a:t>
+            </a:r>
+            <a:r>
+              <a:rPr lang="en-US" dirty="0"/>
+              <a:t> </a:t>
+            </a:r>
+            <a:r>
+              <a:rPr lang="en-US" dirty="0" err="1"/>
+              <a:t>raise_error</a:t>
+            </a:r>
+            <a:endParaRPr lang="en-US" dirty="0"/>
+          </a:p>
+          <a:p>
+            <a:r>
+              <a:rPr lang="en-US" dirty="0"/>
+              <a:t>    end</a:t>
+            </a:r>
+          </a:p>
+          <a:p>
+            <a:r>
+              <a:rPr lang="en-US" dirty="0"/>
+              <a:t>  end</a:t>
+            </a:r>
+          </a:p>
+          <a:p>
+            <a:r>
+              <a:rPr lang="en-US" dirty="0"/>
+              <a:t>end</a:t>
+            </a:r>
+          </a:p>
+        </p:txBody>
+      </p:sp>
+      <p:sp>
+        <p:nvSpPr>
+          <p:cNvPr id="4" name="Text Placeholder 3"/>
+          <p:cNvSpPr>
+            <a:spLocks noGrp="1"/>
+          </p:cNvSpPr>
+          <p:nvPr>
+            <p:ph type="body" sz="quarter" idx="11"/>
+          </p:nvPr>
+        </p:nvSpPr>
+        <p:spPr/>
+        <p:txBody>
+          <a:bodyPr/>
+          <a:lstStyle/>
+          <a:p>
+            <a:r>
+              <a:rPr lang="en-US" dirty="0"/>
+              <a:t>~/apache/spec/unit/recipes/</a:t>
+            </a:r>
+            <a:r>
+              <a:rPr lang="en-US" dirty="0" err="1"/>
+              <a:t>default_spec.rb</a:t>
+            </a:r>
+            <a:endParaRPr lang="en-US" dirty="0"/>
+          </a:p>
+        </p:txBody>
+      </p:sp>
+      <p:sp>
+        <p:nvSpPr>
+          <p:cNvPr id="6" name="Text Placeholder 5"/>
+          <p:cNvSpPr>
+            <a:spLocks noGrp="1"/>
+          </p:cNvSpPr>
+          <p:nvPr>
+            <p:ph type="body" sz="quarter" idx="13"/>
+          </p:nvPr>
+        </p:nvSpPr>
+        <p:spPr>
+          <a:xfrm>
+            <a:off x="1135042" y="4051300"/>
+            <a:ext cx="14404273" cy="457201"/>
+          </a:xfrm>
+        </p:spPr>
+        <p:txBody>
+          <a:bodyPr/>
+          <a:lstStyle/>
+          <a:p>
+            <a:r>
+              <a:rPr lang="en-US" dirty="0"/>
+              <a:t>+</a:t>
+            </a:r>
+          </a:p>
+        </p:txBody>
+      </p:sp>
+      <p:sp>
+        <p:nvSpPr>
+          <p:cNvPr id="7" name="Text Placeholder 5"/>
+          <p:cNvSpPr>
+            <a:spLocks noGrp="1"/>
+          </p:cNvSpPr>
+          <p:nvPr>
+            <p:ph type="body" sz="quarter" idx="13"/>
+          </p:nvPr>
+        </p:nvSpPr>
+        <p:spPr>
+          <a:xfrm>
+            <a:off x="1135042" y="3238500"/>
+            <a:ext cx="14404273" cy="479840"/>
+          </a:xfrm>
+        </p:spPr>
+        <p:txBody>
+          <a:bodyPr/>
+          <a:lstStyle/>
+          <a:p>
+            <a:r>
+              <a:rPr lang="en-US" dirty="0"/>
+              <a:t>+</a:t>
+            </a:r>
+          </a:p>
+        </p:txBody>
+      </p:sp>
+    </p:spTree>
+    <p:extLst>
+      <p:ext uri="{BB962C8B-B14F-4D97-AF65-F5344CB8AC3E}">
+        <p14:creationId xmlns:p14="http://schemas.microsoft.com/office/powerpoint/2010/main" val="1692596361"/>
+      </p:ext>
+    </p:extLst>
+  </p:cSld>
+  <p:clrMapOvr>
+    <a:masterClrMapping/>
+  </p:clrMapOvr>
+  <p:transition spd="med">
+    <p:fade/>
+  </p:transition>
+</p:sld>
+</file>
+
+<file path=ppt/slides/slide16.xml><?xml version="1.0" encoding="utf-8"?>
+<p:sld xmlns:a="http://schemas.openxmlformats.org/drawingml/2006/main" xmlns:r="http://schemas.openxmlformats.org/officeDocument/2006/relationships" xmlns:p="http://schemas.openxmlformats.org/presentationml/2006/main">
+  <p:cSld>
+    <p:spTree>
+      <p:nvGrpSpPr>
+        <p:cNvPr id="1" name=""/>
+        <p:cNvGrpSpPr/>
+        <p:nvPr/>
+      </p:nvGrpSpPr>
+      <p:grpSpPr>
+        <a:xfrm>
+          <a:off x="0" y="0"/>
+          <a:ext cx="0" cy="0"/>
+          <a:chOff x="0" y="0"/>
+          <a:chExt cx="0" cy="0"/>
+        </a:xfrm>
+      </p:grpSpPr>
+      <p:sp>
+        <p:nvSpPr>
           <p:cNvPr id="2" name="Content Placeholder 1"/>
           <p:cNvSpPr>
             <a:spLocks noGrp="1"/>
@@ -18097,7 +18406,7 @@
 </p:sld>
 </file>
 
-<file path=ppt/slides/slide16.xml><?xml version="1.0" encoding="utf-8"?>
+<file path=ppt/slides/slide17.xml><?xml version="1.0" encoding="utf-8"?>
 <p:sld xmlns:a="http://schemas.openxmlformats.org/drawingml/2006/main" xmlns:r="http://schemas.openxmlformats.org/officeDocument/2006/relationships" xmlns:p="http://schemas.openxmlformats.org/presentationml/2006/main">
   <p:cSld>
     <p:spTree>
@@ -18241,7 +18550,7 @@
 </p:sld>
 </file>
 
-<file path=ppt/slides/slide17.xml><?xml version="1.0" encoding="utf-8"?>
+<file path=ppt/slides/slide18.xml><?xml version="1.0" encoding="utf-8"?>
 <p:sld xmlns:a="http://schemas.openxmlformats.org/drawingml/2006/main" xmlns:r="http://schemas.openxmlformats.org/officeDocument/2006/relationships" xmlns:p="http://schemas.openxmlformats.org/presentationml/2006/main">
   <p:cSld>
     <p:spTree>
@@ -18479,315 +18788,6 @@
     <p:extLst>
       <p:ext uri="{BB962C8B-B14F-4D97-AF65-F5344CB8AC3E}">
         <p14:creationId xmlns:p14="http://schemas.microsoft.com/office/powerpoint/2010/main" val="880384064"/>
-      </p:ext>
-    </p:extLst>
-  </p:cSld>
-  <p:clrMapOvr>
-    <a:masterClrMapping/>
-  </p:clrMapOvr>
-  <p:transition spd="med">
-    <p:fade/>
-  </p:transition>
-</p:sld>
-</file>
-
-<file path=ppt/slides/slide18.xml><?xml version="1.0" encoding="utf-8"?>
-<p:sld xmlns:a="http://schemas.openxmlformats.org/drawingml/2006/main" xmlns:r="http://schemas.openxmlformats.org/officeDocument/2006/relationships" xmlns:p="http://schemas.openxmlformats.org/presentationml/2006/main">
-  <p:cSld>
-    <p:spTree>
-      <p:nvGrpSpPr>
-        <p:cNvPr id="1" name=""/>
-        <p:cNvGrpSpPr/>
-        <p:nvPr/>
-      </p:nvGrpSpPr>
-      <p:grpSpPr>
-        <a:xfrm>
-          <a:off x="0" y="0"/>
-          <a:ext cx="0" cy="0"/>
-          <a:chOff x="0" y="0"/>
-          <a:chExt cx="0" cy="0"/>
-        </a:xfrm>
-      </p:grpSpPr>
-      <p:sp>
-        <p:nvSpPr>
-          <p:cNvPr id="2" name="Title 1"/>
-          <p:cNvSpPr>
-            <a:spLocks noGrp="1"/>
-          </p:cNvSpPr>
-          <p:nvPr>
-            <p:ph type="title"/>
-          </p:nvPr>
-        </p:nvSpPr>
-        <p:spPr/>
-        <p:txBody>
-          <a:bodyPr/>
-          <a:lstStyle/>
-          <a:p>
-            <a:r>
-              <a:rPr lang="en-US" dirty="0"/>
-              <a:t>Update the </a:t>
-            </a:r>
-            <a:r>
-              <a:rPr lang="en-US" dirty="0" err="1"/>
-              <a:t>ChefSpec</a:t>
-            </a:r>
-            <a:r>
-              <a:rPr lang="en-US" dirty="0"/>
-              <a:t> Platform</a:t>
-            </a:r>
-          </a:p>
-        </p:txBody>
-      </p:sp>
-      <p:sp>
-        <p:nvSpPr>
-          <p:cNvPr id="3" name="Content Placeholder 2"/>
-          <p:cNvSpPr>
-            <a:spLocks noGrp="1"/>
-          </p:cNvSpPr>
-          <p:nvPr>
-            <p:ph sz="quarter" idx="10"/>
-          </p:nvPr>
-        </p:nvSpPr>
-        <p:spPr/>
-        <p:txBody>
-          <a:bodyPr>
-            <a:normAutofit fontScale="85000" lnSpcReduction="20000"/>
-          </a:bodyPr>
-          <a:lstStyle/>
-          <a:p>
-            <a:r>
-              <a:rPr lang="en-US" dirty="0"/>
-              <a:t>require '</a:t>
-            </a:r>
-            <a:r>
-              <a:rPr lang="en-US" dirty="0" err="1"/>
-              <a:t>spec_helper</a:t>
-            </a:r>
-            <a:r>
-              <a:rPr lang="en-US" dirty="0"/>
-              <a:t>'</a:t>
-            </a:r>
-          </a:p>
-          <a:p>
-            <a:endParaRPr lang="en-US" dirty="0"/>
-          </a:p>
-          <a:p>
-            <a:r>
-              <a:rPr lang="en-US" dirty="0"/>
-              <a:t>describe 'apache::default' do</a:t>
-            </a:r>
-          </a:p>
-          <a:p>
-            <a:r>
-              <a:rPr lang="en-US" dirty="0"/>
-              <a:t>  context 'When all attributes are default, on an CentOS 6.9' do</a:t>
-            </a:r>
-          </a:p>
-          <a:p>
-            <a:r>
-              <a:rPr lang="en-US" dirty="0"/>
-              <a:t>    let(:</a:t>
-            </a:r>
-            <a:r>
-              <a:rPr lang="en-US" dirty="0" err="1"/>
-              <a:t>chef_run</a:t>
-            </a:r>
-            <a:r>
-              <a:rPr lang="en-US" dirty="0"/>
-              <a:t>) do</a:t>
-            </a:r>
-          </a:p>
-          <a:p>
-            <a:r>
-              <a:rPr lang="en-US" dirty="0"/>
-              <a:t>      runner = </a:t>
-            </a:r>
-            <a:r>
-              <a:rPr lang="en-US" dirty="0" err="1"/>
-              <a:t>ChefSpec</a:t>
-            </a:r>
-            <a:r>
-              <a:rPr lang="en-US" dirty="0"/>
-              <a:t>::</a:t>
-            </a:r>
-            <a:r>
-              <a:rPr lang="en-US" dirty="0" err="1"/>
-              <a:t>ServerRunner.new</a:t>
-            </a:r>
-            <a:r>
-              <a:rPr lang="en-US" dirty="0"/>
-              <a:t>(platform: 'centos', version: '6.9')</a:t>
-            </a:r>
-          </a:p>
-          <a:p>
-            <a:r>
-              <a:rPr lang="en-US" dirty="0"/>
-              <a:t>      </a:t>
-            </a:r>
-            <a:r>
-              <a:rPr lang="en-US" dirty="0" err="1"/>
-              <a:t>runner.converge</a:t>
-            </a:r>
-            <a:r>
-              <a:rPr lang="en-US" dirty="0"/>
-              <a:t>(</a:t>
-            </a:r>
-            <a:r>
-              <a:rPr lang="en-US" dirty="0" err="1"/>
-              <a:t>described_recipe</a:t>
-            </a:r>
-            <a:r>
-              <a:rPr lang="en-US" dirty="0"/>
-              <a:t>)</a:t>
-            </a:r>
-          </a:p>
-          <a:p>
-            <a:r>
-              <a:rPr lang="en-US" dirty="0"/>
-              <a:t>    end</a:t>
-            </a:r>
-          </a:p>
-          <a:p>
-            <a:endParaRPr lang="en-US" dirty="0"/>
-          </a:p>
-          <a:p>
-            <a:r>
-              <a:rPr lang="en-US" dirty="0"/>
-              <a:t>    it 'converges successfully' do</a:t>
-            </a:r>
-          </a:p>
-          <a:p>
-            <a:r>
-              <a:rPr lang="en-US" dirty="0"/>
-              <a:t>      expect { </a:t>
-            </a:r>
-            <a:r>
-              <a:rPr lang="en-US" dirty="0" err="1"/>
-              <a:t>chef_run</a:t>
-            </a:r>
-            <a:r>
-              <a:rPr lang="en-US" dirty="0"/>
-              <a:t> }.</a:t>
-            </a:r>
-            <a:r>
-              <a:rPr lang="en-US" dirty="0" err="1"/>
-              <a:t>to_not</a:t>
-            </a:r>
-            <a:r>
-              <a:rPr lang="en-US" dirty="0"/>
-              <a:t> </a:t>
-            </a:r>
-            <a:r>
-              <a:rPr lang="en-US" dirty="0" err="1"/>
-              <a:t>raise_error</a:t>
-            </a:r>
-            <a:endParaRPr lang="en-US" dirty="0"/>
-          </a:p>
-          <a:p>
-            <a:r>
-              <a:rPr lang="en-US" dirty="0"/>
-              <a:t>    end</a:t>
-            </a:r>
-          </a:p>
-          <a:p>
-            <a:r>
-              <a:rPr lang="en-US" dirty="0"/>
-              <a:t>  end</a:t>
-            </a:r>
-          </a:p>
-          <a:p>
-            <a:r>
-              <a:rPr lang="en-US" dirty="0"/>
-              <a:t>end</a:t>
-            </a:r>
-          </a:p>
-        </p:txBody>
-      </p:sp>
-      <p:sp>
-        <p:nvSpPr>
-          <p:cNvPr id="4" name="Text Placeholder 3"/>
-          <p:cNvSpPr>
-            <a:spLocks noGrp="1"/>
-          </p:cNvSpPr>
-          <p:nvPr>
-            <p:ph type="body" sz="quarter" idx="11"/>
-          </p:nvPr>
-        </p:nvSpPr>
-        <p:spPr/>
-        <p:txBody>
-          <a:bodyPr/>
-          <a:lstStyle/>
-          <a:p>
-            <a:r>
-              <a:rPr lang="en-US" dirty="0"/>
-              <a:t>~/apache/spec/unit/recipes/</a:t>
-            </a:r>
-            <a:r>
-              <a:rPr lang="en-US" dirty="0" err="1"/>
-              <a:t>default_spec.rb</a:t>
-            </a:r>
-            <a:endParaRPr lang="en-US" dirty="0"/>
-          </a:p>
-        </p:txBody>
-      </p:sp>
-      <p:sp>
-        <p:nvSpPr>
-          <p:cNvPr id="6" name="Text Placeholder 5"/>
-          <p:cNvSpPr>
-            <a:spLocks noGrp="1"/>
-          </p:cNvSpPr>
-          <p:nvPr>
-            <p:ph type="body" sz="quarter" idx="13"/>
-          </p:nvPr>
-        </p:nvSpPr>
-        <p:spPr>
-          <a:xfrm>
-            <a:off x="1135042" y="4051300"/>
-            <a:ext cx="14404273" cy="457201"/>
-          </a:xfrm>
-        </p:spPr>
-        <p:txBody>
-          <a:bodyPr/>
-          <a:lstStyle/>
-          <a:p>
-            <a:r>
-              <a:rPr lang="en-US" dirty="0"/>
-              <a:t>+</a:t>
-            </a:r>
-          </a:p>
-        </p:txBody>
-      </p:sp>
-      <p:sp>
-        <p:nvSpPr>
-          <p:cNvPr id="7" name="Text Placeholder 5"/>
-          <p:cNvSpPr>
-            <a:spLocks noGrp="1"/>
-          </p:cNvSpPr>
-          <p:nvPr>
-            <p:ph type="body" sz="quarter" idx="13"/>
-          </p:nvPr>
-        </p:nvSpPr>
-        <p:spPr>
-          <a:xfrm>
-            <a:off x="1135042" y="3238500"/>
-            <a:ext cx="14404273" cy="479840"/>
-          </a:xfrm>
-        </p:spPr>
-        <p:txBody>
-          <a:bodyPr/>
-          <a:lstStyle/>
-          <a:p>
-            <a:r>
-              <a:rPr lang="en-US" dirty="0"/>
-              <a:t>+</a:t>
-            </a:r>
-          </a:p>
-        </p:txBody>
-      </p:sp>
-    </p:spTree>
-    <p:extLst>
-      <p:ext uri="{BB962C8B-B14F-4D97-AF65-F5344CB8AC3E}">
-        <p14:creationId xmlns:p14="http://schemas.microsoft.com/office/powerpoint/2010/main" val="1692596361"/>
       </p:ext>
     </p:extLst>
   </p:cSld>
@@ -22180,7 +22180,7 @@
             </a:pPr>
             <a:r>
               <a:rPr lang="en-US" dirty="0"/>
-              <a:t>Comment out the next line in the apache cookbook's default recipe</a:t>
+              <a:t>Comment out each line in the apache cookbook's default recipe</a:t>
             </a:r>
           </a:p>
           <a:p>
@@ -23341,10 +23341,14 @@
             </a:r>
             <a:r>
               <a:rPr lang="en-US" dirty="0"/>
-              <a:t> 'apache::configuration'</a:t>
-            </a:r>
-          </a:p>
-          <a:p>
+              <a:t> 'apache::configuration’</a:t>
+            </a:r>
+          </a:p>
+          <a:p>
+            <a:r>
+              <a:rPr lang="en-US" dirty="0"/>
+              <a:t>#</a:t>
+            </a:r>
             <a:r>
               <a:rPr lang="en-US" dirty="0" err="1"/>
               <a:t>include_recipe</a:t>
@@ -25057,7 +25061,7 @@
             </a:pPr>
             <a:r>
               <a:rPr lang="en-US" dirty="0"/>
-              <a:t>Comment out the next line in the apache cookbook's default recipe</a:t>
+              <a:t>Comment out each line in the apache cookbook's default recipe</a:t>
             </a:r>
           </a:p>
           <a:p>
@@ -31382,6 +31386,18 @@
 </file>
 
 <file path=customXml/item1.xml><?xml version="1.0" encoding="utf-8"?>
+<p:properties xmlns:p="http://schemas.microsoft.com/office/2006/metadata/properties" xmlns:xsi="http://www.w3.org/2001/XMLSchema-instance" xmlns:pc="http://schemas.microsoft.com/office/infopath/2007/PartnerControls">
+  <documentManagement>
+    <_dlc_DocId xmlns="7bb5d761-a2ea-4873-95f7-7a6658fb3ef0">M4CWTKMW727E-592-73</_dlc_DocId>
+    <_dlc_DocIdUrl xmlns="7bb5d761-a2ea-4873-95f7-7a6658fb3ef0">
+      <Url>https://kms.vci.local/marketing/team/_layouts/DocIdRedir.aspx?ID=M4CWTKMW727E-592-73</Url>
+      <Description>M4CWTKMW727E-592-73</Description>
+    </_dlc_DocIdUrl>
+  </documentManagement>
+</p:properties>
+</file>
+
+<file path=customXml/item2.xml><?xml version="1.0" encoding="utf-8"?>
 <ct:contentTypeSchema xmlns:ct="http://schemas.microsoft.com/office/2006/metadata/contentType" xmlns:ma="http://schemas.microsoft.com/office/2006/metadata/properties/metaAttributes" ct:_="" ma:_="" ma:contentTypeName="Document" ma:contentTypeID="0x0101000812F700BE7F874999720E88173FE491" ma:contentTypeVersion="0" ma:contentTypeDescription="Create a new document." ma:contentTypeScope="" ma:versionID="3f79f408e2ca720b7aba6e0e32464d0c">
   <xsd:schema xmlns:xsd="http://www.w3.org/2001/XMLSchema" xmlns:xs="http://www.w3.org/2001/XMLSchema" xmlns:p="http://schemas.microsoft.com/office/2006/metadata/properties" xmlns:ns2="7bb5d761-a2ea-4873-95f7-7a6658fb3ef0" targetNamespace="http://schemas.microsoft.com/office/2006/metadata/properties" ma:root="true" ma:fieldsID="1e062cd38ba31e406bfc4340fbc7f87a" ns2:_="">
     <xsd:import namespace="7bb5d761-a2ea-4873-95f7-7a6658fb3ef0"/>
@@ -31526,28 +31542,7 @@
 </ct:contentTypeSchema>
 </file>
 
-<file path=customXml/item2.xml><?xml version="1.0" encoding="utf-8"?>
-<p:properties xmlns:p="http://schemas.microsoft.com/office/2006/metadata/properties" xmlns:xsi="http://www.w3.org/2001/XMLSchema-instance" xmlns:pc="http://schemas.microsoft.com/office/infopath/2007/PartnerControls">
-  <documentManagement>
-    <_dlc_DocId xmlns="7bb5d761-a2ea-4873-95f7-7a6658fb3ef0">M4CWTKMW727E-592-73</_dlc_DocId>
-    <_dlc_DocIdUrl xmlns="7bb5d761-a2ea-4873-95f7-7a6658fb3ef0">
-      <Url>https://kms.vci.local/marketing/team/_layouts/DocIdRedir.aspx?ID=M4CWTKMW727E-592-73</Url>
-      <Description>M4CWTKMW727E-592-73</Description>
-    </_dlc_DocIdUrl>
-  </documentManagement>
-</p:properties>
-</file>
-
 <file path=customXml/item3.xml><?xml version="1.0" encoding="utf-8"?>
-<?mso-contentType ?>
-<FormTemplates xmlns="http://schemas.microsoft.com/sharepoint/v3/contenttype/forms">
-  <Display>DocumentLibraryForm</Display>
-  <Edit>DocumentLibraryForm</Edit>
-  <New>DocumentLibraryForm</New>
-</FormTemplates>
-</file>
-
-<file path=customXml/item4.xml><?xml version="1.0" encoding="utf-8"?>
 <?mso-contentType ?>
 <spe:Receivers xmlns:spe="http://schemas.microsoft.com/sharepoint/events">
   <Receiver>
@@ -31593,7 +31588,32 @@
 </spe:Receivers>
 </file>
 
+<file path=customXml/item4.xml><?xml version="1.0" encoding="utf-8"?>
+<?mso-contentType ?>
+<FormTemplates xmlns="http://schemas.microsoft.com/sharepoint/v3/contenttype/forms">
+  <Display>DocumentLibraryForm</Display>
+  <Edit>DocumentLibraryForm</Edit>
+  <New>DocumentLibraryForm</New>
+</FormTemplates>
+</file>
+
 <file path=customXml/itemProps1.xml><?xml version="1.0" encoding="utf-8"?>
+<ds:datastoreItem xmlns:ds="http://schemas.openxmlformats.org/officeDocument/2006/customXml" ds:itemID="{6921749B-AEB7-461B-845F-603CABD25259}">
+  <ds:schemaRefs>
+    <ds:schemaRef ds:uri="7bb5d761-a2ea-4873-95f7-7a6658fb3ef0"/>
+    <ds:schemaRef ds:uri="http://purl.org/dc/terms/"/>
+    <ds:schemaRef ds:uri="http://schemas.openxmlformats.org/package/2006/metadata/core-properties"/>
+    <ds:schemaRef ds:uri="http://purl.org/dc/dcmitype/"/>
+    <ds:schemaRef ds:uri="http://schemas.microsoft.com/office/2006/documentManagement/types"/>
+    <ds:schemaRef ds:uri="http://purl.org/dc/elements/1.1/"/>
+    <ds:schemaRef ds:uri="http://schemas.microsoft.com/office/2006/metadata/properties"/>
+    <ds:schemaRef ds:uri="http://schemas.microsoft.com/office/infopath/2007/PartnerControls"/>
+    <ds:schemaRef ds:uri="http://www.w3.org/XML/1998/namespace"/>
+  </ds:schemaRefs>
+</ds:datastoreItem>
+</file>
+
+<file path=customXml/itemProps2.xml><?xml version="1.0" encoding="utf-8"?>
 <ds:datastoreItem xmlns:ds="http://schemas.openxmlformats.org/officeDocument/2006/customXml" ds:itemID="{164479E5-0B02-49AC-B79E-EC1D6164DDD3}">
   <ds:schemaRefs>
     <ds:schemaRef ds:uri="http://schemas.microsoft.com/office/2006/metadata/contentType"/>
@@ -31611,34 +31631,18 @@
 </ds:datastoreItem>
 </file>
 
-<file path=customXml/itemProps2.xml><?xml version="1.0" encoding="utf-8"?>
-<ds:datastoreItem xmlns:ds="http://schemas.openxmlformats.org/officeDocument/2006/customXml" ds:itemID="{6921749B-AEB7-461B-845F-603CABD25259}">
+<file path=customXml/itemProps3.xml><?xml version="1.0" encoding="utf-8"?>
+<ds:datastoreItem xmlns:ds="http://schemas.openxmlformats.org/officeDocument/2006/customXml" ds:itemID="{B13EBC30-FE27-4C6A-B723-23FC2188F7DC}">
   <ds:schemaRefs>
-    <ds:schemaRef ds:uri="7bb5d761-a2ea-4873-95f7-7a6658fb3ef0"/>
-    <ds:schemaRef ds:uri="http://purl.org/dc/terms/"/>
-    <ds:schemaRef ds:uri="http://schemas.openxmlformats.org/package/2006/metadata/core-properties"/>
-    <ds:schemaRef ds:uri="http://purl.org/dc/dcmitype/"/>
-    <ds:schemaRef ds:uri="http://schemas.microsoft.com/office/2006/documentManagement/types"/>
-    <ds:schemaRef ds:uri="http://purl.org/dc/elements/1.1/"/>
-    <ds:schemaRef ds:uri="http://schemas.microsoft.com/office/2006/metadata/properties"/>
-    <ds:schemaRef ds:uri="http://schemas.microsoft.com/office/infopath/2007/PartnerControls"/>
-    <ds:schemaRef ds:uri="http://www.w3.org/XML/1998/namespace"/>
+    <ds:schemaRef ds:uri="http://schemas.microsoft.com/sharepoint/events"/>
   </ds:schemaRefs>
 </ds:datastoreItem>
 </file>
 
-<file path=customXml/itemProps3.xml><?xml version="1.0" encoding="utf-8"?>
+<file path=customXml/itemProps4.xml><?xml version="1.0" encoding="utf-8"?>
 <ds:datastoreItem xmlns:ds="http://schemas.openxmlformats.org/officeDocument/2006/customXml" ds:itemID="{5CDEB364-43EC-4510-9881-539C2A3FCE9E}">
   <ds:schemaRefs>
     <ds:schemaRef ds:uri="http://schemas.microsoft.com/sharepoint/v3/contenttype/forms"/>
   </ds:schemaRefs>
 </ds:datastoreItem>
-</file>
-
-<file path=customXml/itemProps4.xml><?xml version="1.0" encoding="utf-8"?>
-<ds:datastoreItem xmlns:ds="http://schemas.openxmlformats.org/officeDocument/2006/customXml" ds:itemID="{B13EBC30-FE27-4C6A-B723-23FC2188F7DC}">
-  <ds:schemaRefs>
-    <ds:schemaRef ds:uri="http://schemas.microsoft.com/sharepoint/events"/>
-  </ds:schemaRefs>
-</ds:datastoreItem>
 </file>